--- a/Documentation/presentation.pptx
+++ b/Documentation/presentation.pptx
@@ -4,15 +4,17 @@
   <p:sldMasterIdLst>
     <p:sldMasterId id="2147483660" r:id="rId1"/>
   </p:sldMasterIdLst>
+  <p:handoutMasterIdLst>
+    <p:handoutMasterId r:id="rId9"/>
+  </p:handoutMasterIdLst>
   <p:sldIdLst>
     <p:sldId id="256" r:id="rId2"/>
     <p:sldId id="257" r:id="rId3"/>
     <p:sldId id="258" r:id="rId4"/>
     <p:sldId id="259" r:id="rId5"/>
-    <p:sldId id="260" r:id="rId6"/>
-    <p:sldId id="261" r:id="rId7"/>
-    <p:sldId id="262" r:id="rId8"/>
-    <p:sldId id="263" r:id="rId9"/>
+    <p:sldId id="261" r:id="rId6"/>
+    <p:sldId id="262" r:id="rId7"/>
+    <p:sldId id="263" r:id="rId8"/>
   </p:sldIdLst>
   <p:sldSz cx="9144000" cy="6858000" type="screen4x3"/>
   <p:notesSz cx="6858000" cy="9144000"/>
@@ -114,6 +116,173 @@
 </p:presentation>
 </file>
 
+<file path=ppt/handoutMasters/handoutMaster1.xml><?xml version="1.0" encoding="utf-8"?>
+<p:handoutMaster xmlns:a="http://schemas.openxmlformats.org/drawingml/2006/main" xmlns:r="http://schemas.openxmlformats.org/officeDocument/2006/relationships" xmlns:p="http://schemas.openxmlformats.org/presentationml/2006/main">
+  <p:cSld>
+    <p:bg>
+      <p:bgRef idx="1001">
+        <a:schemeClr val="bg1"/>
+      </p:bgRef>
+    </p:bg>
+    <p:spTree>
+      <p:nvGrpSpPr>
+        <p:cNvPr id="1" name=""/>
+        <p:cNvGrpSpPr/>
+        <p:nvPr/>
+      </p:nvGrpSpPr>
+      <p:grpSpPr>
+        <a:xfrm>
+          <a:off x="0" y="0"/>
+          <a:ext cx="0" cy="0"/>
+          <a:chOff x="0" y="0"/>
+          <a:chExt cx="0" cy="0"/>
+        </a:xfrm>
+      </p:grpSpPr>
+      <p:sp>
+        <p:nvSpPr>
+          <p:cNvPr id="2" name="Header Placeholder 1"/>
+          <p:cNvSpPr>
+            <a:spLocks noGrp="1"/>
+          </p:cNvSpPr>
+          <p:nvPr>
+            <p:ph type="hdr" sz="quarter"/>
+          </p:nvPr>
+        </p:nvSpPr>
+        <p:spPr>
+          <a:xfrm>
+            <a:off x="0" y="0"/>
+            <a:ext cx="2971800" cy="457200"/>
+          </a:xfrm>
+          <a:prstGeom prst="rect">
+            <a:avLst/>
+          </a:prstGeom>
+        </p:spPr>
+        <p:txBody>
+          <a:bodyPr vert="horz" lIns="91440" tIns="45720" rIns="91440" bIns="45720" rtlCol="0"/>
+          <a:lstStyle>
+            <a:lvl1pPr algn="l">
+              <a:defRPr sz="1200"/>
+            </a:lvl1pPr>
+          </a:lstStyle>
+          <a:p>
+            <a:endParaRPr lang="vi-VN"/>
+          </a:p>
+        </p:txBody>
+      </p:sp>
+      <p:sp>
+        <p:nvSpPr>
+          <p:cNvPr id="3" name="Date Placeholder 2"/>
+          <p:cNvSpPr>
+            <a:spLocks noGrp="1"/>
+          </p:cNvSpPr>
+          <p:nvPr>
+            <p:ph type="dt" sz="quarter" idx="1"/>
+          </p:nvPr>
+        </p:nvSpPr>
+        <p:spPr>
+          <a:xfrm>
+            <a:off x="3884613" y="0"/>
+            <a:ext cx="2971800" cy="457200"/>
+          </a:xfrm>
+          <a:prstGeom prst="rect">
+            <a:avLst/>
+          </a:prstGeom>
+        </p:spPr>
+        <p:txBody>
+          <a:bodyPr vert="horz" lIns="91440" tIns="45720" rIns="91440" bIns="45720" rtlCol="0"/>
+          <a:lstStyle>
+            <a:lvl1pPr algn="r">
+              <a:defRPr sz="1200"/>
+            </a:lvl1pPr>
+          </a:lstStyle>
+          <a:p>
+            <a:fld id="{C29DD872-874E-4C43-A3B8-AD066DF4ED7D}" type="datetimeFigureOut">
+              <a:rPr lang="vi-VN" smtClean="0"/>
+              <a:pPr/>
+              <a:t>19/10/2010</a:t>
+            </a:fld>
+            <a:endParaRPr lang="vi-VN"/>
+          </a:p>
+        </p:txBody>
+      </p:sp>
+      <p:sp>
+        <p:nvSpPr>
+          <p:cNvPr id="4" name="Footer Placeholder 3"/>
+          <p:cNvSpPr>
+            <a:spLocks noGrp="1"/>
+          </p:cNvSpPr>
+          <p:nvPr>
+            <p:ph type="ftr" sz="quarter" idx="2"/>
+          </p:nvPr>
+        </p:nvSpPr>
+        <p:spPr>
+          <a:xfrm>
+            <a:off x="0" y="8685213"/>
+            <a:ext cx="2971800" cy="457200"/>
+          </a:xfrm>
+          <a:prstGeom prst="rect">
+            <a:avLst/>
+          </a:prstGeom>
+        </p:spPr>
+        <p:txBody>
+          <a:bodyPr vert="horz" lIns="91440" tIns="45720" rIns="91440" bIns="45720" rtlCol="0" anchor="b"/>
+          <a:lstStyle>
+            <a:lvl1pPr algn="l">
+              <a:defRPr sz="1200"/>
+            </a:lvl1pPr>
+          </a:lstStyle>
+          <a:p>
+            <a:endParaRPr lang="vi-VN"/>
+          </a:p>
+        </p:txBody>
+      </p:sp>
+      <p:sp>
+        <p:nvSpPr>
+          <p:cNvPr id="5" name="Slide Number Placeholder 4"/>
+          <p:cNvSpPr>
+            <a:spLocks noGrp="1"/>
+          </p:cNvSpPr>
+          <p:nvPr>
+            <p:ph type="sldNum" sz="quarter" idx="3"/>
+          </p:nvPr>
+        </p:nvSpPr>
+        <p:spPr>
+          <a:xfrm>
+            <a:off x="3884613" y="8685213"/>
+            <a:ext cx="2971800" cy="457200"/>
+          </a:xfrm>
+          <a:prstGeom prst="rect">
+            <a:avLst/>
+          </a:prstGeom>
+        </p:spPr>
+        <p:txBody>
+          <a:bodyPr vert="horz" lIns="91440" tIns="45720" rIns="91440" bIns="45720" rtlCol="0" anchor="b"/>
+          <a:lstStyle>
+            <a:lvl1pPr algn="r">
+              <a:defRPr sz="1200"/>
+            </a:lvl1pPr>
+          </a:lstStyle>
+          <a:p>
+            <a:fld id="{606AFB83-AEBD-4FE8-AACB-5A391CA1D026}" type="slidenum">
+              <a:rPr lang="vi-VN" smtClean="0"/>
+              <a:pPr/>
+              <a:t>‹#›</a:t>
+            </a:fld>
+            <a:endParaRPr lang="vi-VN"/>
+          </a:p>
+        </p:txBody>
+      </p:sp>
+    </p:spTree>
+    <p:extLst>
+      <p:ext uri="{BB962C8B-B14F-4D97-AF65-F5344CB8AC3E}">
+        <p14:creationId xmlns:p14="http://schemas.microsoft.com/office/powerpoint/2010/main" xmlns="" val="1720896244"/>
+      </p:ext>
+    </p:extLst>
+  </p:cSld>
+  <p:clrMap bg1="lt1" tx1="dk1" bg2="lt2" tx2="dk2" accent1="accent1" accent2="accent2" accent3="accent3" accent4="accent4" accent5="accent5" accent6="accent6" hlink="hlink" folHlink="folHlink"/>
+</p:handoutMaster>
+</file>
+
 <file path=ppt/slideLayouts/slideLayout1.xml><?xml version="1.0" encoding="utf-8"?>
 <p:sldLayout xmlns:a="http://schemas.openxmlformats.org/drawingml/2006/main" xmlns:r="http://schemas.openxmlformats.org/officeDocument/2006/relationships" xmlns:p="http://schemas.openxmlformats.org/presentationml/2006/main" type="title" preserve="1">
   <p:cSld name="Title Slide">
@@ -288,7 +457,7 @@
             <a:fld id="{1D8BD707-D9CF-40AE-B4C6-C98DA3205C09}" type="datetimeFigureOut">
               <a:rPr lang="en-US" smtClean="0"/>
               <a:pPr/>
-              <a:t>10/6/2010</a:t>
+              <a:t>10/19/2010</a:t>
             </a:fld>
             <a:endParaRPr lang="en-US"/>
           </a:p>
@@ -455,7 +624,7 @@
             <a:fld id="{1D8BD707-D9CF-40AE-B4C6-C98DA3205C09}" type="datetimeFigureOut">
               <a:rPr lang="en-US" smtClean="0"/>
               <a:pPr/>
-              <a:t>10/6/2010</a:t>
+              <a:t>10/19/2010</a:t>
             </a:fld>
             <a:endParaRPr lang="en-US"/>
           </a:p>
@@ -632,7 +801,7 @@
             <a:fld id="{1D8BD707-D9CF-40AE-B4C6-C98DA3205C09}" type="datetimeFigureOut">
               <a:rPr lang="en-US" smtClean="0"/>
               <a:pPr/>
-              <a:t>10/6/2010</a:t>
+              <a:t>10/19/2010</a:t>
             </a:fld>
             <a:endParaRPr lang="en-US"/>
           </a:p>
@@ -722,21 +891,104 @@
           <a:lstStyle/>
           <a:p>
             <a:r>
-              <a:rPr kumimoji="0" lang="en-US" smtClean="0"/>
+              <a:rPr kumimoji="0" lang="en-US" dirty="0" smtClean="0"/>
               <a:t>Click to edit Master title style</a:t>
             </a:r>
+            <a:endParaRPr kumimoji="0" lang="en-US" dirty="0"/>
+          </a:p>
+        </p:txBody>
+      </p:sp>
+      <p:sp>
+        <p:nvSpPr>
+          <p:cNvPr id="3" name="Content Placeholder 2"/>
+          <p:cNvSpPr>
+            <a:spLocks noGrp="1"/>
+          </p:cNvSpPr>
+          <p:nvPr>
+            <p:ph idx="1"/>
+          </p:nvPr>
+        </p:nvSpPr>
+        <p:spPr/>
+        <p:txBody>
+          <a:bodyPr/>
+          <a:lstStyle>
+            <a:lvl1pPr>
+              <a:defRPr>
+                <a:latin typeface="Arial" pitchFamily="34" charset="0"/>
+                <a:cs typeface="Arial" pitchFamily="34" charset="0"/>
+              </a:defRPr>
+            </a:lvl1pPr>
+            <a:lvl2pPr>
+              <a:defRPr>
+                <a:latin typeface="Arial" pitchFamily="34" charset="0"/>
+                <a:cs typeface="Arial" pitchFamily="34" charset="0"/>
+              </a:defRPr>
+            </a:lvl2pPr>
+            <a:lvl3pPr>
+              <a:defRPr>
+                <a:latin typeface="Arial" pitchFamily="34" charset="0"/>
+                <a:cs typeface="Arial" pitchFamily="34" charset="0"/>
+              </a:defRPr>
+            </a:lvl3pPr>
+            <a:lvl4pPr>
+              <a:defRPr>
+                <a:latin typeface="Arial" pitchFamily="34" charset="0"/>
+                <a:cs typeface="Arial" pitchFamily="34" charset="0"/>
+              </a:defRPr>
+            </a:lvl4pPr>
+            <a:lvl5pPr>
+              <a:defRPr>
+                <a:latin typeface="Arial" pitchFamily="34" charset="0"/>
+                <a:cs typeface="Arial" pitchFamily="34" charset="0"/>
+              </a:defRPr>
+            </a:lvl5pPr>
+          </a:lstStyle>
+          <a:p>
+            <a:pPr lvl="0" eaLnBrk="1" latinLnBrk="0" hangingPunct="1"/>
+            <a:r>
+              <a:rPr lang="en-US" smtClean="0"/>
+              <a:t>Click to edit Master text styles</a:t>
+            </a:r>
+          </a:p>
+          <a:p>
+            <a:pPr lvl="1" eaLnBrk="1" latinLnBrk="0" hangingPunct="1"/>
+            <a:r>
+              <a:rPr lang="en-US" smtClean="0"/>
+              <a:t>Second level</a:t>
+            </a:r>
+          </a:p>
+          <a:p>
+            <a:pPr lvl="2" eaLnBrk="1" latinLnBrk="0" hangingPunct="1"/>
+            <a:r>
+              <a:rPr lang="en-US" smtClean="0"/>
+              <a:t>Third level</a:t>
+            </a:r>
+          </a:p>
+          <a:p>
+            <a:pPr lvl="3" eaLnBrk="1" latinLnBrk="0" hangingPunct="1"/>
+            <a:r>
+              <a:rPr lang="en-US" smtClean="0"/>
+              <a:t>Fourth level</a:t>
+            </a:r>
+          </a:p>
+          <a:p>
+            <a:pPr lvl="4" eaLnBrk="1" latinLnBrk="0" hangingPunct="1"/>
+            <a:r>
+              <a:rPr lang="en-US" smtClean="0"/>
+              <a:t>Fifth level</a:t>
+            </a:r>
             <a:endParaRPr kumimoji="0" lang="en-US"/>
           </a:p>
         </p:txBody>
       </p:sp>
       <p:sp>
         <p:nvSpPr>
-          <p:cNvPr id="3" name="Content Placeholder 2"/>
-          <p:cNvSpPr>
-            <a:spLocks noGrp="1"/>
-          </p:cNvSpPr>
-          <p:nvPr>
-            <p:ph idx="1"/>
+          <p:cNvPr id="4" name="Date Placeholder 3"/>
+          <p:cNvSpPr>
+            <a:spLocks noGrp="1"/>
+          </p:cNvSpPr>
+          <p:nvPr>
+            <p:ph type="dt" sz="half" idx="10"/>
           </p:nvPr>
         </p:nvSpPr>
         <p:spPr/>
@@ -744,62 +996,10 @@
           <a:bodyPr/>
           <a:lstStyle/>
           <a:p>
-            <a:pPr lvl="0" eaLnBrk="1" latinLnBrk="0" hangingPunct="1"/>
-            <a:r>
-              <a:rPr lang="en-US" smtClean="0"/>
-              <a:t>Click to edit Master text styles</a:t>
-            </a:r>
-          </a:p>
-          <a:p>
-            <a:pPr lvl="1" eaLnBrk="1" latinLnBrk="0" hangingPunct="1"/>
-            <a:r>
-              <a:rPr lang="en-US" smtClean="0"/>
-              <a:t>Second level</a:t>
-            </a:r>
-          </a:p>
-          <a:p>
-            <a:pPr lvl="2" eaLnBrk="1" latinLnBrk="0" hangingPunct="1"/>
-            <a:r>
-              <a:rPr lang="en-US" smtClean="0"/>
-              <a:t>Third level</a:t>
-            </a:r>
-          </a:p>
-          <a:p>
-            <a:pPr lvl="3" eaLnBrk="1" latinLnBrk="0" hangingPunct="1"/>
-            <a:r>
-              <a:rPr lang="en-US" smtClean="0"/>
-              <a:t>Fourth level</a:t>
-            </a:r>
-          </a:p>
-          <a:p>
-            <a:pPr lvl="4" eaLnBrk="1" latinLnBrk="0" hangingPunct="1"/>
-            <a:r>
-              <a:rPr lang="en-US" smtClean="0"/>
-              <a:t>Fifth level</a:t>
-            </a:r>
-            <a:endParaRPr kumimoji="0" lang="en-US"/>
-          </a:p>
-        </p:txBody>
-      </p:sp>
-      <p:sp>
-        <p:nvSpPr>
-          <p:cNvPr id="4" name="Date Placeholder 3"/>
-          <p:cNvSpPr>
-            <a:spLocks noGrp="1"/>
-          </p:cNvSpPr>
-          <p:nvPr>
-            <p:ph type="dt" sz="half" idx="10"/>
-          </p:nvPr>
-        </p:nvSpPr>
-        <p:spPr/>
-        <p:txBody>
-          <a:bodyPr/>
-          <a:lstStyle/>
-          <a:p>
             <a:fld id="{1D8BD707-D9CF-40AE-B4C6-C98DA3205C09}" type="datetimeFigureOut">
               <a:rPr lang="en-US" smtClean="0"/>
               <a:pPr/>
-              <a:t>10/6/2010</a:t>
+              <a:t>10/19/2010</a:t>
             </a:fld>
             <a:endParaRPr lang="en-US"/>
           </a:p>
@@ -1043,7 +1243,7 @@
             <a:fld id="{1D8BD707-D9CF-40AE-B4C6-C98DA3205C09}" type="datetimeFigureOut">
               <a:rPr lang="en-US" smtClean="0"/>
               <a:pPr/>
-              <a:t>10/6/2010</a:t>
+              <a:t>10/19/2010</a:t>
             </a:fld>
             <a:endParaRPr lang="en-US"/>
           </a:p>
@@ -1309,7 +1509,7 @@
             <a:fld id="{1D8BD707-D9CF-40AE-B4C6-C98DA3205C09}" type="datetimeFigureOut">
               <a:rPr lang="en-US" smtClean="0"/>
               <a:pPr/>
-              <a:t>10/6/2010</a:t>
+              <a:t>10/19/2010</a:t>
             </a:fld>
             <a:endParaRPr lang="en-US"/>
           </a:p>
@@ -1689,7 +1889,7 @@
             <a:fld id="{1D8BD707-D9CF-40AE-B4C6-C98DA3205C09}" type="datetimeFigureOut">
               <a:rPr lang="en-US" smtClean="0"/>
               <a:pPr/>
-              <a:t>10/6/2010</a:t>
+              <a:t>10/19/2010</a:t>
             </a:fld>
             <a:endParaRPr lang="en-US"/>
           </a:p>
@@ -1841,7 +2041,7 @@
             <a:fld id="{1D8BD707-D9CF-40AE-B4C6-C98DA3205C09}" type="datetimeFigureOut">
               <a:rPr lang="en-US" smtClean="0"/>
               <a:pPr/>
-              <a:t>10/6/2010</a:t>
+              <a:t>10/19/2010</a:t>
             </a:fld>
             <a:endParaRPr lang="en-US"/>
           </a:p>
@@ -1933,7 +2133,7 @@
             <a:fld id="{1D8BD707-D9CF-40AE-B4C6-C98DA3205C09}" type="datetimeFigureOut">
               <a:rPr lang="en-US" smtClean="0"/>
               <a:pPr/>
-              <a:t>10/6/2010</a:t>
+              <a:t>10/19/2010</a:t>
             </a:fld>
             <a:endParaRPr lang="en-US"/>
           </a:p>
@@ -2196,7 +2396,7 @@
             <a:fld id="{1D8BD707-D9CF-40AE-B4C6-C98DA3205C09}" type="datetimeFigureOut">
               <a:rPr lang="en-US" smtClean="0"/>
               <a:pPr/>
-              <a:t>10/6/2010</a:t>
+              <a:t>10/19/2010</a:t>
             </a:fld>
             <a:endParaRPr lang="en-US"/>
           </a:p>
@@ -2486,7 +2686,7 @@
             <a:fld id="{1D8BD707-D9CF-40AE-B4C6-C98DA3205C09}" type="datetimeFigureOut">
               <a:rPr lang="en-US" smtClean="0"/>
               <a:pPr/>
-              <a:t>10/6/2010</a:t>
+              <a:t>10/19/2010</a:t>
             </a:fld>
             <a:endParaRPr lang="en-US"/>
           </a:p>
@@ -3154,10 +3354,10 @@
           <a:lstStyle/>
           <a:p>
             <a:r>
-              <a:rPr kumimoji="0" lang="en-US" smtClean="0"/>
+              <a:rPr kumimoji="0" lang="en-US" dirty="0" smtClean="0"/>
               <a:t>Click to edit Master title style</a:t>
             </a:r>
-            <a:endParaRPr kumimoji="0" lang="en-US"/>
+            <a:endParaRPr kumimoji="0" lang="en-US" dirty="0"/>
           </a:p>
         </p:txBody>
       </p:sp>
@@ -3259,7 +3459,7 @@
             <a:fld id="{1D8BD707-D9CF-40AE-B4C6-C98DA3205C09}" type="datetimeFigureOut">
               <a:rPr lang="en-US" smtClean="0"/>
               <a:pPr/>
-              <a:t>10/6/2010</a:t>
+              <a:t>10/19/2010</a:t>
             </a:fld>
             <a:endParaRPr lang="en-US"/>
           </a:p>
@@ -3589,7 +3789,7 @@
             <a:schemeClr val="tx2"/>
           </a:solidFill>
           <a:effectLst/>
-          <a:latin typeface="+mj-lt"/>
+          <a:latin typeface="Georgia" pitchFamily="18" charset="0"/>
           <a:ea typeface="+mj-ea"/>
           <a:cs typeface="+mj-cs"/>
         </a:defRPr>
@@ -3610,9 +3810,9 @@
           <a:solidFill>
             <a:schemeClr val="tx1"/>
           </a:solidFill>
-          <a:latin typeface="+mn-lt"/>
+          <a:latin typeface="Arial" pitchFamily="34" charset="0"/>
           <a:ea typeface="+mn-ea"/>
-          <a:cs typeface="+mn-cs"/>
+          <a:cs typeface="Arial" pitchFamily="34" charset="0"/>
         </a:defRPr>
       </a:lvl1pPr>
       <a:lvl2pPr marL="640080" indent="-246888" algn="l" rtl="0" eaLnBrk="1" latinLnBrk="0" hangingPunct="1">
@@ -3629,9 +3829,9 @@
           <a:solidFill>
             <a:schemeClr val="tx1"/>
           </a:solidFill>
-          <a:latin typeface="+mn-lt"/>
+          <a:latin typeface="Arial" pitchFamily="34" charset="0"/>
           <a:ea typeface="+mn-ea"/>
-          <a:cs typeface="+mn-cs"/>
+          <a:cs typeface="Arial" pitchFamily="34" charset="0"/>
         </a:defRPr>
       </a:lvl2pPr>
       <a:lvl3pPr marL="914400" indent="-246888" algn="l" rtl="0" eaLnBrk="1" latinLnBrk="0" hangingPunct="1">
@@ -3648,9 +3848,9 @@
           <a:solidFill>
             <a:schemeClr val="tx1"/>
           </a:solidFill>
-          <a:latin typeface="+mn-lt"/>
+          <a:latin typeface="Arial" pitchFamily="34" charset="0"/>
           <a:ea typeface="+mn-ea"/>
-          <a:cs typeface="+mn-cs"/>
+          <a:cs typeface="Arial" pitchFamily="34" charset="0"/>
         </a:defRPr>
       </a:lvl3pPr>
       <a:lvl4pPr marL="1188720" indent="-210312" algn="l" rtl="0" eaLnBrk="1" latinLnBrk="0" hangingPunct="1">
@@ -3667,9 +3867,9 @@
           <a:solidFill>
             <a:schemeClr val="tx1"/>
           </a:solidFill>
-          <a:latin typeface="+mn-lt"/>
+          <a:latin typeface="Arial" pitchFamily="34" charset="0"/>
           <a:ea typeface="+mn-ea"/>
-          <a:cs typeface="+mn-cs"/>
+          <a:cs typeface="Arial" pitchFamily="34" charset="0"/>
         </a:defRPr>
       </a:lvl4pPr>
       <a:lvl5pPr marL="1463040" indent="-210312" algn="l" rtl="0" eaLnBrk="1" latinLnBrk="0" hangingPunct="1">
@@ -3686,9 +3886,9 @@
           <a:solidFill>
             <a:schemeClr val="tx1"/>
           </a:solidFill>
-          <a:latin typeface="+mn-lt"/>
+          <a:latin typeface="Arial" pitchFamily="34" charset="0"/>
           <a:ea typeface="+mn-ea"/>
-          <a:cs typeface="+mn-cs"/>
+          <a:cs typeface="Arial" pitchFamily="34" charset="0"/>
         </a:defRPr>
       </a:lvl5pPr>
       <a:lvl6pPr marL="1737360" indent="-210312" algn="l" rtl="0" eaLnBrk="1" latinLnBrk="0" hangingPunct="1">
@@ -3914,43 +4114,76 @@
         <p:spPr>
           <a:xfrm>
             <a:off x="533400" y="3886200"/>
-            <a:ext cx="7854696" cy="1752600"/>
+            <a:ext cx="7854696" cy="2286000"/>
           </a:xfrm>
         </p:spPr>
         <p:txBody>
           <a:bodyPr>
-            <a:normAutofit fontScale="92500" lnSpcReduction="10000"/>
+            <a:normAutofit fontScale="32500" lnSpcReduction="20000"/>
           </a:bodyPr>
           <a:lstStyle/>
           <a:p>
-            <a:r>
-              <a:rPr lang="en-US" b="1" dirty="0" smtClean="0"/>
-              <a:t>NGUYỄN VĂN GIANG – 0612087 </a:t>
-            </a:r>
-            <a:endParaRPr lang="en-US" dirty="0" smtClean="0"/>
-          </a:p>
-          <a:p>
-            <a:r>
-              <a:rPr lang="en-US" b="1" dirty="0" smtClean="0"/>
-              <a:t>NGUYỄN HOÀN – 0612109</a:t>
-            </a:r>
-            <a:endParaRPr lang="en-US" dirty="0" smtClean="0"/>
-          </a:p>
-          <a:p>
-            <a:r>
-              <a:rPr lang="en-US" b="1" dirty="0" smtClean="0"/>
-              <a:t>LÊ MINH QUANG – 0612359</a:t>
-            </a:r>
-            <a:endParaRPr lang="en-US" dirty="0" smtClean="0"/>
-          </a:p>
-          <a:p>
-            <a:r>
-              <a:rPr lang="en-US" b="1" dirty="0" smtClean="0"/>
-              <a:t>HOÀNG XUÂN THẢO – 0612416</a:t>
-            </a:r>
-            <a:endParaRPr lang="en-US" dirty="0" smtClean="0"/>
-          </a:p>
-          <a:p>
+            <a:pPr>
+              <a:lnSpc>
+                <a:spcPct val="170000"/>
+              </a:lnSpc>
+            </a:pPr>
+            <a:r>
+              <a:rPr lang="en-US" sz="6000" b="1" dirty="0" smtClean="0"/>
+              <a:t>NGUYỄN VĂN </a:t>
+            </a:r>
+            <a:r>
+              <a:rPr lang="en-US" sz="6000" b="1" dirty="0" smtClean="0"/>
+              <a:t>GIANG</a:t>
+            </a:r>
+            <a:endParaRPr lang="en-US" sz="6000" dirty="0" smtClean="0"/>
+          </a:p>
+          <a:p>
+            <a:pPr>
+              <a:lnSpc>
+                <a:spcPct val="170000"/>
+              </a:lnSpc>
+            </a:pPr>
+            <a:r>
+              <a:rPr lang="en-US" sz="6000" b="1" dirty="0" smtClean="0"/>
+              <a:t>NGUYỄN </a:t>
+            </a:r>
+            <a:r>
+              <a:rPr lang="en-US" sz="6000" b="1" dirty="0" smtClean="0"/>
+              <a:t>HOÀN</a:t>
+            </a:r>
+            <a:endParaRPr lang="en-US" sz="6000" dirty="0" smtClean="0"/>
+          </a:p>
+          <a:p>
+            <a:pPr>
+              <a:lnSpc>
+                <a:spcPct val="170000"/>
+              </a:lnSpc>
+            </a:pPr>
+            <a:r>
+              <a:rPr lang="en-US" sz="6000" b="1" dirty="0" smtClean="0"/>
+              <a:t>LÊ MINH </a:t>
+            </a:r>
+            <a:r>
+              <a:rPr lang="en-US" sz="6000" b="1" dirty="0" smtClean="0"/>
+              <a:t>QUANG</a:t>
+            </a:r>
+            <a:endParaRPr lang="en-US" sz="6000" dirty="0" smtClean="0"/>
+          </a:p>
+          <a:p>
+            <a:pPr>
+              <a:lnSpc>
+                <a:spcPct val="170000"/>
+              </a:lnSpc>
+            </a:pPr>
+            <a:r>
+              <a:rPr lang="en-US" sz="6000" b="1" dirty="0" smtClean="0"/>
+              <a:t>HOÀNG XUÂN </a:t>
+            </a:r>
+            <a:r>
+              <a:rPr lang="en-US" sz="6000" b="1" dirty="0" smtClean="0"/>
+              <a:t>THẢO</a:t>
+            </a:r>
             <a:endParaRPr lang="en-US" dirty="0"/>
           </a:p>
         </p:txBody>
@@ -4071,14 +4304,10 @@
               <a:rPr lang="en-US" dirty="0" err="1" smtClean="0"/>
               <a:t>sử</a:t>
             </a:r>
-            <a:endParaRPr lang="en-US" dirty="0" smtClean="0"/>
-          </a:p>
-          <a:p>
-            <a:pPr>
-              <a:lnSpc>
-                <a:spcPct val="150000"/>
-              </a:lnSpc>
-            </a:pPr>
+            <a:r>
+              <a:rPr lang="en-US" dirty="0" smtClean="0"/>
+              <a:t> - </a:t>
+            </a:r>
             <a:r>
               <a:rPr lang="en-US" dirty="0" err="1" smtClean="0"/>
               <a:t>Ứng</a:t>
@@ -4262,6 +4491,22 @@
               <a:rPr lang="en-US" dirty="0" err="1" smtClean="0"/>
               <a:t>sử</a:t>
             </a:r>
+            <a:r>
+              <a:rPr lang="en-US" dirty="0" smtClean="0"/>
+              <a:t> - </a:t>
+            </a:r>
+            <a:r>
+              <a:rPr lang="en-US" dirty="0" err="1" smtClean="0"/>
+              <a:t>Ứng</a:t>
+            </a:r>
+            <a:r>
+              <a:rPr lang="en-US" dirty="0" smtClean="0"/>
+              <a:t> </a:t>
+            </a:r>
+            <a:r>
+              <a:rPr lang="en-US" dirty="0" err="1" smtClean="0"/>
+              <a:t>dụng</a:t>
+            </a:r>
             <a:endParaRPr lang="en-US" dirty="0"/>
           </a:p>
         </p:txBody>
@@ -4327,7 +4572,7 @@
           <a:p>
             <a:r>
               <a:rPr lang="en-US" dirty="0" err="1" smtClean="0"/>
-              <a:t>Ứng</a:t>
+              <a:t>Các</a:t>
             </a:r>
             <a:r>
               <a:rPr lang="en-US" dirty="0" smtClean="0"/>
@@ -4335,7 +4580,15 @@
             </a:r>
             <a:r>
               <a:rPr lang="en-US" dirty="0" err="1" smtClean="0"/>
-              <a:t>dụng</a:t>
+              <a:t>phương</a:t>
+            </a:r>
+            <a:r>
+              <a:rPr lang="en-US" dirty="0" smtClean="0"/>
+              <a:t> </a:t>
+            </a:r>
+            <a:r>
+              <a:rPr lang="en-US" dirty="0" err="1" smtClean="0"/>
+              <a:t>pháp</a:t>
             </a:r>
             <a:endParaRPr lang="en-US" dirty="0"/>
           </a:p>
@@ -4401,24 +4654,8 @@
           <a:lstStyle/>
           <a:p>
             <a:r>
-              <a:rPr lang="en-US" dirty="0" err="1" smtClean="0"/>
-              <a:t>Các</a:t>
-            </a:r>
-            <a:r>
               <a:rPr lang="en-US" dirty="0" smtClean="0"/>
-              <a:t> </a:t>
-            </a:r>
-            <a:r>
-              <a:rPr lang="en-US" dirty="0" err="1" smtClean="0"/>
-              <a:t>phương</a:t>
-            </a:r>
-            <a:r>
-              <a:rPr lang="en-US" dirty="0" smtClean="0"/>
-              <a:t> </a:t>
-            </a:r>
-            <a:r>
-              <a:rPr lang="en-US" dirty="0" err="1" smtClean="0"/>
-              <a:t>pháp</a:t>
+              <a:t>Demo</a:t>
             </a:r>
             <a:endParaRPr lang="en-US" dirty="0"/>
           </a:p>
@@ -4452,73 +4689,6 @@
 </file>
 
 <file path=ppt/slides/slide7.xml><?xml version="1.0" encoding="utf-8"?>
-<p:sld xmlns:a="http://schemas.openxmlformats.org/drawingml/2006/main" xmlns:r="http://schemas.openxmlformats.org/officeDocument/2006/relationships" xmlns:p="http://schemas.openxmlformats.org/presentationml/2006/main">
-  <p:cSld>
-    <p:spTree>
-      <p:nvGrpSpPr>
-        <p:cNvPr id="1" name=""/>
-        <p:cNvGrpSpPr/>
-        <p:nvPr/>
-      </p:nvGrpSpPr>
-      <p:grpSpPr>
-        <a:xfrm>
-          <a:off x="0" y="0"/>
-          <a:ext cx="0" cy="0"/>
-          <a:chOff x="0" y="0"/>
-          <a:chExt cx="0" cy="0"/>
-        </a:xfrm>
-      </p:grpSpPr>
-      <p:sp>
-        <p:nvSpPr>
-          <p:cNvPr id="2" name="Title 1"/>
-          <p:cNvSpPr>
-            <a:spLocks noGrp="1"/>
-          </p:cNvSpPr>
-          <p:nvPr>
-            <p:ph type="title"/>
-          </p:nvPr>
-        </p:nvSpPr>
-        <p:spPr/>
-        <p:txBody>
-          <a:bodyPr/>
-          <a:lstStyle/>
-          <a:p>
-            <a:r>
-              <a:rPr lang="en-US" dirty="0" smtClean="0"/>
-              <a:t>Demo</a:t>
-            </a:r>
-            <a:endParaRPr lang="en-US" dirty="0"/>
-          </a:p>
-        </p:txBody>
-      </p:sp>
-      <p:sp>
-        <p:nvSpPr>
-          <p:cNvPr id="3" name="Content Placeholder 2"/>
-          <p:cNvSpPr>
-            <a:spLocks noGrp="1"/>
-          </p:cNvSpPr>
-          <p:nvPr>
-            <p:ph idx="1"/>
-          </p:nvPr>
-        </p:nvSpPr>
-        <p:spPr/>
-        <p:txBody>
-          <a:bodyPr/>
-          <a:lstStyle/>
-          <a:p>
-            <a:endParaRPr lang="en-US"/>
-          </a:p>
-        </p:txBody>
-      </p:sp>
-    </p:spTree>
-  </p:cSld>
-  <p:clrMapOvr>
-    <a:masterClrMapping/>
-  </p:clrMapOvr>
-</p:sld>
-</file>
-
-<file path=ppt/slides/slide8.xml><?xml version="1.0" encoding="utf-8"?>
 <p:sld xmlns:a="http://schemas.openxmlformats.org/drawingml/2006/main" xmlns:r="http://schemas.openxmlformats.org/officeDocument/2006/relationships" xmlns:p="http://schemas.openxmlformats.org/presentationml/2006/main">
   <p:cSld>
     <p:spTree>
@@ -4902,4 +5072,289 @@
   <a:objectDefaults/>
   <a:extraClrSchemeLst/>
 </a:theme>
+</file>
+
+<file path=ppt/theme/theme2.xml><?xml version="1.0" encoding="utf-8"?>
+<a:theme xmlns:a="http://schemas.openxmlformats.org/drawingml/2006/main" name="Office Theme">
+  <a:themeElements>
+    <a:clrScheme name="Office">
+      <a:dk1>
+        <a:sysClr val="windowText" lastClr="000000"/>
+      </a:dk1>
+      <a:lt1>
+        <a:sysClr val="window" lastClr="FFFFFF"/>
+      </a:lt1>
+      <a:dk2>
+        <a:srgbClr val="1F497D"/>
+      </a:dk2>
+      <a:lt2>
+        <a:srgbClr val="EEECE1"/>
+      </a:lt2>
+      <a:accent1>
+        <a:srgbClr val="4F81BD"/>
+      </a:accent1>
+      <a:accent2>
+        <a:srgbClr val="C0504D"/>
+      </a:accent2>
+      <a:accent3>
+        <a:srgbClr val="9BBB59"/>
+      </a:accent3>
+      <a:accent4>
+        <a:srgbClr val="8064A2"/>
+      </a:accent4>
+      <a:accent5>
+        <a:srgbClr val="4BACC6"/>
+      </a:accent5>
+      <a:accent6>
+        <a:srgbClr val="F79646"/>
+      </a:accent6>
+      <a:hlink>
+        <a:srgbClr val="0000FF"/>
+      </a:hlink>
+      <a:folHlink>
+        <a:srgbClr val="800080"/>
+      </a:folHlink>
+    </a:clrScheme>
+    <a:fontScheme name="Office">
+      <a:majorFont>
+        <a:latin typeface="Calibri"/>
+        <a:ea typeface=""/>
+        <a:cs typeface=""/>
+        <a:font script="Jpan" typeface="ＭＳ Ｐゴシック"/>
+        <a:font script="Hang" typeface="맑은 고딕"/>
+        <a:font script="Hans" typeface="宋体"/>
+        <a:font script="Hant" typeface="新細明體"/>
+        <a:font script="Arab" typeface="Times New Roman"/>
+        <a:font script="Hebr" typeface="Times New Roman"/>
+        <a:font script="Thai" typeface="Angsana New"/>
+        <a:font script="Ethi" typeface="Nyala"/>
+        <a:font script="Beng" typeface="Vrinda"/>
+        <a:font script="Gujr" typeface="Shruti"/>
+        <a:font script="Khmr" typeface="MoolBoran"/>
+        <a:font script="Knda" typeface="Tunga"/>
+        <a:font script="Guru" typeface="Raavi"/>
+        <a:font script="Cans" typeface="Euphemia"/>
+        <a:font script="Cher" typeface="Plantagenet Cherokee"/>
+        <a:font script="Yiii" typeface="Microsoft Yi Baiti"/>
+        <a:font script="Tibt" typeface="Microsoft Himalaya"/>
+        <a:font script="Thaa" typeface="MV Boli"/>
+        <a:font script="Deva" typeface="Mangal"/>
+        <a:font script="Telu" typeface="Gautami"/>
+        <a:font script="Taml" typeface="Latha"/>
+        <a:font script="Syrc" typeface="Estrangelo Edessa"/>
+        <a:font script="Orya" typeface="Kalinga"/>
+        <a:font script="Mlym" typeface="Kartika"/>
+        <a:font script="Laoo" typeface="DokChampa"/>
+        <a:font script="Sinh" typeface="Iskoola Pota"/>
+        <a:font script="Mong" typeface="Mongolian Baiti"/>
+        <a:font script="Viet" typeface="Times New Roman"/>
+        <a:font script="Uigh" typeface="Microsoft Uighur"/>
+        <a:font script="Geor" typeface="Sylfaen"/>
+      </a:majorFont>
+      <a:minorFont>
+        <a:latin typeface="Calibri"/>
+        <a:ea typeface=""/>
+        <a:cs typeface=""/>
+        <a:font script="Jpan" typeface="ＭＳ Ｐゴシック"/>
+        <a:font script="Hang" typeface="맑은 고딕"/>
+        <a:font script="Hans" typeface="宋体"/>
+        <a:font script="Hant" typeface="新細明體"/>
+        <a:font script="Arab" typeface="Arial"/>
+        <a:font script="Hebr" typeface="Arial"/>
+        <a:font script="Thai" typeface="Cordia New"/>
+        <a:font script="Ethi" typeface="Nyala"/>
+        <a:font script="Beng" typeface="Vrinda"/>
+        <a:font script="Gujr" typeface="Shruti"/>
+        <a:font script="Khmr" typeface="DaunPenh"/>
+        <a:font script="Knda" typeface="Tunga"/>
+        <a:font script="Guru" typeface="Raavi"/>
+        <a:font script="Cans" typeface="Euphemia"/>
+        <a:font script="Cher" typeface="Plantagenet Cherokee"/>
+        <a:font script="Yiii" typeface="Microsoft Yi Baiti"/>
+        <a:font script="Tibt" typeface="Microsoft Himalaya"/>
+        <a:font script="Thaa" typeface="MV Boli"/>
+        <a:font script="Deva" typeface="Mangal"/>
+        <a:font script="Telu" typeface="Gautami"/>
+        <a:font script="Taml" typeface="Latha"/>
+        <a:font script="Syrc" typeface="Estrangelo Edessa"/>
+        <a:font script="Orya" typeface="Kalinga"/>
+        <a:font script="Mlym" typeface="Kartika"/>
+        <a:font script="Laoo" typeface="DokChampa"/>
+        <a:font script="Sinh" typeface="Iskoola Pota"/>
+        <a:font script="Mong" typeface="Mongolian Baiti"/>
+        <a:font script="Viet" typeface="Arial"/>
+        <a:font script="Uigh" typeface="Microsoft Uighur"/>
+        <a:font script="Geor" typeface="Sylfaen"/>
+      </a:minorFont>
+    </a:fontScheme>
+    <a:fmtScheme name="Office">
+      <a:fillStyleLst>
+        <a:solidFill>
+          <a:schemeClr val="phClr"/>
+        </a:solidFill>
+        <a:gradFill rotWithShape="1">
+          <a:gsLst>
+            <a:gs pos="0">
+              <a:schemeClr val="phClr">
+                <a:tint val="50000"/>
+                <a:satMod val="300000"/>
+              </a:schemeClr>
+            </a:gs>
+            <a:gs pos="35000">
+              <a:schemeClr val="phClr">
+                <a:tint val="37000"/>
+                <a:satMod val="300000"/>
+              </a:schemeClr>
+            </a:gs>
+            <a:gs pos="100000">
+              <a:schemeClr val="phClr">
+                <a:tint val="15000"/>
+                <a:satMod val="350000"/>
+              </a:schemeClr>
+            </a:gs>
+          </a:gsLst>
+          <a:lin ang="16200000" scaled="1"/>
+        </a:gradFill>
+        <a:gradFill rotWithShape="1">
+          <a:gsLst>
+            <a:gs pos="0">
+              <a:schemeClr val="phClr">
+                <a:shade val="51000"/>
+                <a:satMod val="130000"/>
+              </a:schemeClr>
+            </a:gs>
+            <a:gs pos="80000">
+              <a:schemeClr val="phClr">
+                <a:shade val="93000"/>
+                <a:satMod val="130000"/>
+              </a:schemeClr>
+            </a:gs>
+            <a:gs pos="100000">
+              <a:schemeClr val="phClr">
+                <a:shade val="94000"/>
+                <a:satMod val="135000"/>
+              </a:schemeClr>
+            </a:gs>
+          </a:gsLst>
+          <a:lin ang="16200000" scaled="0"/>
+        </a:gradFill>
+      </a:fillStyleLst>
+      <a:lnStyleLst>
+        <a:ln w="9525" cap="flat" cmpd="sng" algn="ctr">
+          <a:solidFill>
+            <a:schemeClr val="phClr">
+              <a:shade val="95000"/>
+              <a:satMod val="105000"/>
+            </a:schemeClr>
+          </a:solidFill>
+          <a:prstDash val="solid"/>
+        </a:ln>
+        <a:ln w="25400" cap="flat" cmpd="sng" algn="ctr">
+          <a:solidFill>
+            <a:schemeClr val="phClr"/>
+          </a:solidFill>
+          <a:prstDash val="solid"/>
+        </a:ln>
+        <a:ln w="38100" cap="flat" cmpd="sng" algn="ctr">
+          <a:solidFill>
+            <a:schemeClr val="phClr"/>
+          </a:solidFill>
+          <a:prstDash val="solid"/>
+        </a:ln>
+      </a:lnStyleLst>
+      <a:effectStyleLst>
+        <a:effectStyle>
+          <a:effectLst>
+            <a:outerShdw blurRad="40000" dist="20000" dir="5400000" rotWithShape="0">
+              <a:srgbClr val="000000">
+                <a:alpha val="38000"/>
+              </a:srgbClr>
+            </a:outerShdw>
+          </a:effectLst>
+        </a:effectStyle>
+        <a:effectStyle>
+          <a:effectLst>
+            <a:outerShdw blurRad="40000" dist="23000" dir="5400000" rotWithShape="0">
+              <a:srgbClr val="000000">
+                <a:alpha val="35000"/>
+              </a:srgbClr>
+            </a:outerShdw>
+          </a:effectLst>
+        </a:effectStyle>
+        <a:effectStyle>
+          <a:effectLst>
+            <a:outerShdw blurRad="40000" dist="23000" dir="5400000" rotWithShape="0">
+              <a:srgbClr val="000000">
+                <a:alpha val="35000"/>
+              </a:srgbClr>
+            </a:outerShdw>
+          </a:effectLst>
+          <a:scene3d>
+            <a:camera prst="orthographicFront">
+              <a:rot lat="0" lon="0" rev="0"/>
+            </a:camera>
+            <a:lightRig rig="threePt" dir="t">
+              <a:rot lat="0" lon="0" rev="1200000"/>
+            </a:lightRig>
+          </a:scene3d>
+          <a:sp3d>
+            <a:bevelT w="63500" h="25400"/>
+          </a:sp3d>
+        </a:effectStyle>
+      </a:effectStyleLst>
+      <a:bgFillStyleLst>
+        <a:solidFill>
+          <a:schemeClr val="phClr"/>
+        </a:solidFill>
+        <a:gradFill rotWithShape="1">
+          <a:gsLst>
+            <a:gs pos="0">
+              <a:schemeClr val="phClr">
+                <a:tint val="40000"/>
+                <a:satMod val="350000"/>
+              </a:schemeClr>
+            </a:gs>
+            <a:gs pos="40000">
+              <a:schemeClr val="phClr">
+                <a:tint val="45000"/>
+                <a:shade val="99000"/>
+                <a:satMod val="350000"/>
+              </a:schemeClr>
+            </a:gs>
+            <a:gs pos="100000">
+              <a:schemeClr val="phClr">
+                <a:shade val="20000"/>
+                <a:satMod val="255000"/>
+              </a:schemeClr>
+            </a:gs>
+          </a:gsLst>
+          <a:path path="circle">
+            <a:fillToRect l="50000" t="-80000" r="50000" b="180000"/>
+          </a:path>
+        </a:gradFill>
+        <a:gradFill rotWithShape="1">
+          <a:gsLst>
+            <a:gs pos="0">
+              <a:schemeClr val="phClr">
+                <a:tint val="80000"/>
+                <a:satMod val="300000"/>
+              </a:schemeClr>
+            </a:gs>
+            <a:gs pos="100000">
+              <a:schemeClr val="phClr">
+                <a:shade val="30000"/>
+                <a:satMod val="200000"/>
+              </a:schemeClr>
+            </a:gs>
+          </a:gsLst>
+          <a:path path="circle">
+            <a:fillToRect l="50000" t="50000" r="50000" b="50000"/>
+          </a:path>
+        </a:gradFill>
+      </a:bgFillStyleLst>
+    </a:fmtScheme>
+  </a:themeElements>
+  <a:objectDefaults/>
+  <a:extraClrSchemeLst/>
+</a:theme>
 </file>
--- a/Documentation/presentation.pptx
+++ b/Documentation/presentation.pptx
@@ -199,7 +199,7 @@
             <a:fld id="{C29DD872-874E-4C43-A3B8-AD066DF4ED7D}" type="datetimeFigureOut">
               <a:rPr lang="vi-VN" smtClean="0"/>
               <a:pPr/>
-              <a:t>19/10/2010</a:t>
+              <a:t>26/10/2010</a:t>
             </a:fld>
             <a:endParaRPr lang="vi-VN"/>
           </a:p>
@@ -275,7 +275,7 @@
     </p:spTree>
     <p:extLst>
       <p:ext uri="{BB962C8B-B14F-4D97-AF65-F5344CB8AC3E}">
-        <p14:creationId xmlns:p14="http://schemas.microsoft.com/office/powerpoint/2010/main" xmlns="" val="1720896244"/>
+        <p14:creationId xmlns="" xmlns:p14="http://schemas.microsoft.com/office/powerpoint/2010/main" val="1720896244"/>
       </p:ext>
     </p:extLst>
   </p:cSld>
@@ -457,7 +457,7 @@
             <a:fld id="{1D8BD707-D9CF-40AE-B4C6-C98DA3205C09}" type="datetimeFigureOut">
               <a:rPr lang="en-US" smtClean="0"/>
               <a:pPr/>
-              <a:t>10/19/2010</a:t>
+              <a:t>10/26/2010</a:t>
             </a:fld>
             <a:endParaRPr lang="en-US"/>
           </a:p>
@@ -624,7 +624,7 @@
             <a:fld id="{1D8BD707-D9CF-40AE-B4C6-C98DA3205C09}" type="datetimeFigureOut">
               <a:rPr lang="en-US" smtClean="0"/>
               <a:pPr/>
-              <a:t>10/19/2010</a:t>
+              <a:t>10/26/2010</a:t>
             </a:fld>
             <a:endParaRPr lang="en-US"/>
           </a:p>
@@ -801,7 +801,7 @@
             <a:fld id="{1D8BD707-D9CF-40AE-B4C6-C98DA3205C09}" type="datetimeFigureOut">
               <a:rPr lang="en-US" smtClean="0"/>
               <a:pPr/>
-              <a:t>10/19/2010</a:t>
+              <a:t>10/26/2010</a:t>
             </a:fld>
             <a:endParaRPr lang="en-US"/>
           </a:p>
@@ -999,7 +999,7 @@
             <a:fld id="{1D8BD707-D9CF-40AE-B4C6-C98DA3205C09}" type="datetimeFigureOut">
               <a:rPr lang="en-US" smtClean="0"/>
               <a:pPr/>
-              <a:t>10/19/2010</a:t>
+              <a:t>10/26/2010</a:t>
             </a:fld>
             <a:endParaRPr lang="en-US"/>
           </a:p>
@@ -1243,7 +1243,7 @@
             <a:fld id="{1D8BD707-D9CF-40AE-B4C6-C98DA3205C09}" type="datetimeFigureOut">
               <a:rPr lang="en-US" smtClean="0"/>
               <a:pPr/>
-              <a:t>10/19/2010</a:t>
+              <a:t>10/26/2010</a:t>
             </a:fld>
             <a:endParaRPr lang="en-US"/>
           </a:p>
@@ -1509,7 +1509,7 @@
             <a:fld id="{1D8BD707-D9CF-40AE-B4C6-C98DA3205C09}" type="datetimeFigureOut">
               <a:rPr lang="en-US" smtClean="0"/>
               <a:pPr/>
-              <a:t>10/19/2010</a:t>
+              <a:t>10/26/2010</a:t>
             </a:fld>
             <a:endParaRPr lang="en-US"/>
           </a:p>
@@ -1889,7 +1889,7 @@
             <a:fld id="{1D8BD707-D9CF-40AE-B4C6-C98DA3205C09}" type="datetimeFigureOut">
               <a:rPr lang="en-US" smtClean="0"/>
               <a:pPr/>
-              <a:t>10/19/2010</a:t>
+              <a:t>10/26/2010</a:t>
             </a:fld>
             <a:endParaRPr lang="en-US"/>
           </a:p>
@@ -2041,7 +2041,7 @@
             <a:fld id="{1D8BD707-D9CF-40AE-B4C6-C98DA3205C09}" type="datetimeFigureOut">
               <a:rPr lang="en-US" smtClean="0"/>
               <a:pPr/>
-              <a:t>10/19/2010</a:t>
+              <a:t>10/26/2010</a:t>
             </a:fld>
             <a:endParaRPr lang="en-US"/>
           </a:p>
@@ -2133,7 +2133,7 @@
             <a:fld id="{1D8BD707-D9CF-40AE-B4C6-C98DA3205C09}" type="datetimeFigureOut">
               <a:rPr lang="en-US" smtClean="0"/>
               <a:pPr/>
-              <a:t>10/19/2010</a:t>
+              <a:t>10/26/2010</a:t>
             </a:fld>
             <a:endParaRPr lang="en-US"/>
           </a:p>
@@ -2396,7 +2396,7 @@
             <a:fld id="{1D8BD707-D9CF-40AE-B4C6-C98DA3205C09}" type="datetimeFigureOut">
               <a:rPr lang="en-US" smtClean="0"/>
               <a:pPr/>
-              <a:t>10/19/2010</a:t>
+              <a:t>10/26/2010</a:t>
             </a:fld>
             <a:endParaRPr lang="en-US"/>
           </a:p>
@@ -2686,7 +2686,7 @@
             <a:fld id="{1D8BD707-D9CF-40AE-B4C6-C98DA3205C09}" type="datetimeFigureOut">
               <a:rPr lang="en-US" smtClean="0"/>
               <a:pPr/>
-              <a:t>10/19/2010</a:t>
+              <a:t>10/26/2010</a:t>
             </a:fld>
             <a:endParaRPr lang="en-US"/>
           </a:p>
@@ -3459,7 +3459,7 @@
             <a:fld id="{1D8BD707-D9CF-40AE-B4C6-C98DA3205C09}" type="datetimeFigureOut">
               <a:rPr lang="en-US" smtClean="0"/>
               <a:pPr/>
-              <a:t>10/19/2010</a:t>
+              <a:t>10/26/2010</a:t>
             </a:fld>
             <a:endParaRPr lang="en-US"/>
           </a:p>
@@ -4130,11 +4130,7 @@
             </a:pPr>
             <a:r>
               <a:rPr lang="en-US" sz="6000" b="1" dirty="0" smtClean="0"/>
-              <a:t>NGUYỄN VĂN </a:t>
-            </a:r>
-            <a:r>
-              <a:rPr lang="en-US" sz="6000" b="1" dirty="0" smtClean="0"/>
-              <a:t>GIANG</a:t>
+              <a:t>NGUYỄN VĂN GIANG</a:t>
             </a:r>
             <a:endParaRPr lang="en-US" sz="6000" dirty="0" smtClean="0"/>
           </a:p>
@@ -4146,11 +4142,7 @@
             </a:pPr>
             <a:r>
               <a:rPr lang="en-US" sz="6000" b="1" dirty="0" smtClean="0"/>
-              <a:t>NGUYỄN </a:t>
-            </a:r>
-            <a:r>
-              <a:rPr lang="en-US" sz="6000" b="1" dirty="0" smtClean="0"/>
-              <a:t>HOÀN</a:t>
+              <a:t>NGUYỄN HOÀN</a:t>
             </a:r>
             <a:endParaRPr lang="en-US" sz="6000" dirty="0" smtClean="0"/>
           </a:p>
@@ -4162,11 +4154,7 @@
             </a:pPr>
             <a:r>
               <a:rPr lang="en-US" sz="6000" b="1" dirty="0" smtClean="0"/>
-              <a:t>LÊ MINH </a:t>
-            </a:r>
-            <a:r>
-              <a:rPr lang="en-US" sz="6000" b="1" dirty="0" smtClean="0"/>
-              <a:t>QUANG</a:t>
+              <a:t>LÊ MINH QUANG</a:t>
             </a:r>
             <a:endParaRPr lang="en-US" sz="6000" dirty="0" smtClean="0"/>
           </a:p>
@@ -4178,11 +4166,7 @@
             </a:pPr>
             <a:r>
               <a:rPr lang="en-US" sz="6000" b="1" dirty="0" smtClean="0"/>
-              <a:t>HOÀNG XUÂN </a:t>
-            </a:r>
-            <a:r>
-              <a:rPr lang="en-US" sz="6000" b="1" dirty="0" smtClean="0"/>
-              <a:t>THẢO</a:t>
+              <a:t>HOÀNG XUÂN THẢO</a:t>
             </a:r>
             <a:endParaRPr lang="en-US" dirty="0"/>
           </a:p>
@@ -4330,7 +4314,7 @@
             </a:pPr>
             <a:r>
               <a:rPr lang="en-US" dirty="0" err="1" smtClean="0"/>
-              <a:t>Các</a:t>
+              <a:t>Hướng</a:t>
             </a:r>
             <a:r>
               <a:rPr lang="en-US" dirty="0" smtClean="0"/>
@@ -4338,7 +4322,7 @@
             </a:r>
             <a:r>
               <a:rPr lang="en-US" dirty="0" err="1" smtClean="0"/>
-              <a:t>phương</a:t>
+              <a:t>tiếp</a:t>
             </a:r>
             <a:r>
               <a:rPr lang="en-US" dirty="0" smtClean="0"/>
@@ -4346,7 +4330,7 @@
             </a:r>
             <a:r>
               <a:rPr lang="en-US" dirty="0" err="1" smtClean="0"/>
-              <a:t>pháp</a:t>
+              <a:t>cận</a:t>
             </a:r>
             <a:endParaRPr lang="en-US" dirty="0" smtClean="0"/>
           </a:p>
@@ -4572,7 +4556,7 @@
           <a:p>
             <a:r>
               <a:rPr lang="en-US" dirty="0" err="1" smtClean="0"/>
-              <a:t>Các</a:t>
+              <a:t>Hướng</a:t>
             </a:r>
             <a:r>
               <a:rPr lang="en-US" dirty="0" smtClean="0"/>
@@ -4580,15 +4564,15 @@
             </a:r>
             <a:r>
               <a:rPr lang="en-US" dirty="0" err="1" smtClean="0"/>
-              <a:t>phương</a:t>
+              <a:t>tiếp</a:t>
             </a:r>
             <a:r>
               <a:rPr lang="en-US" dirty="0" smtClean="0"/>
               <a:t> </a:t>
             </a:r>
             <a:r>
-              <a:rPr lang="en-US" dirty="0" err="1" smtClean="0"/>
-              <a:t>pháp</a:t>
+              <a:rPr lang="en-US" smtClean="0"/>
+              <a:t>cận</a:t>
             </a:r>
             <a:endParaRPr lang="en-US" dirty="0"/>
           </a:p>

--- a/Documentation/presentation.pptx
+++ b/Documentation/presentation.pptx
@@ -1,20 +1,35 @@
 
 <file path=ppt/presentation.xml><?xml version="1.0" encoding="utf-8"?>
-<p:presentation xmlns:a="http://schemas.openxmlformats.org/drawingml/2006/main" xmlns:r="http://schemas.openxmlformats.org/officeDocument/2006/relationships" xmlns:p="http://schemas.openxmlformats.org/presentationml/2006/main" saveSubsetFonts="1">
+<p:presentation xmlns:a="http://schemas.openxmlformats.org/drawingml/2006/main" xmlns:r="http://schemas.openxmlformats.org/officeDocument/2006/relationships" xmlns:p="http://schemas.openxmlformats.org/presentationml/2006/main" showSpecialPlsOnTitleSld="0" saveSubsetFonts="1">
   <p:sldMasterIdLst>
     <p:sldMasterId id="2147483660" r:id="rId1"/>
   </p:sldMasterIdLst>
+  <p:notesMasterIdLst>
+    <p:notesMasterId r:id="rId21"/>
+  </p:notesMasterIdLst>
   <p:handoutMasterIdLst>
-    <p:handoutMasterId r:id="rId9"/>
+    <p:handoutMasterId r:id="rId22"/>
   </p:handoutMasterIdLst>
   <p:sldIdLst>
     <p:sldId id="256" r:id="rId2"/>
     <p:sldId id="257" r:id="rId3"/>
-    <p:sldId id="258" r:id="rId4"/>
-    <p:sldId id="259" r:id="rId5"/>
-    <p:sldId id="261" r:id="rId6"/>
-    <p:sldId id="262" r:id="rId7"/>
-    <p:sldId id="263" r:id="rId8"/>
+    <p:sldId id="265" r:id="rId4"/>
+    <p:sldId id="258" r:id="rId5"/>
+    <p:sldId id="264" r:id="rId6"/>
+    <p:sldId id="268" r:id="rId7"/>
+    <p:sldId id="266" r:id="rId8"/>
+    <p:sldId id="267" r:id="rId9"/>
+    <p:sldId id="259" r:id="rId10"/>
+    <p:sldId id="261" r:id="rId11"/>
+    <p:sldId id="275" r:id="rId12"/>
+    <p:sldId id="269" r:id="rId13"/>
+    <p:sldId id="270" r:id="rId14"/>
+    <p:sldId id="262" r:id="rId15"/>
+    <p:sldId id="272" r:id="rId16"/>
+    <p:sldId id="273" r:id="rId17"/>
+    <p:sldId id="274" r:id="rId18"/>
+    <p:sldId id="271" r:id="rId19"/>
+    <p:sldId id="263" r:id="rId20"/>
   </p:sldIdLst>
   <p:sldSz cx="9144000" cy="6858000" type="screen4x3"/>
   <p:notesSz cx="6858000" cy="9144000"/>
@@ -199,7 +214,7 @@
             <a:fld id="{C29DD872-874E-4C43-A3B8-AD066DF4ED7D}" type="datetimeFigureOut">
               <a:rPr lang="vi-VN" smtClean="0"/>
               <a:pPr/>
-              <a:t>26/10/2010</a:t>
+              <a:t>27/10/2010</a:t>
             </a:fld>
             <a:endParaRPr lang="vi-VN"/>
           </a:p>
@@ -281,6 +296,666 @@
   </p:cSld>
   <p:clrMap bg1="lt1" tx1="dk1" bg2="lt2" tx2="dk2" accent1="accent1" accent2="accent2" accent3="accent3" accent4="accent4" accent5="accent5" accent6="accent6" hlink="hlink" folHlink="folHlink"/>
 </p:handoutMaster>
+</file>
+
+<file path=ppt/notesMasters/notesMaster1.xml><?xml version="1.0" encoding="utf-8"?>
+<p:notesMaster xmlns:a="http://schemas.openxmlformats.org/drawingml/2006/main" xmlns:r="http://schemas.openxmlformats.org/officeDocument/2006/relationships" xmlns:p="http://schemas.openxmlformats.org/presentationml/2006/main">
+  <p:cSld>
+    <p:bg>
+      <p:bgRef idx="1001">
+        <a:schemeClr val="bg1"/>
+      </p:bgRef>
+    </p:bg>
+    <p:spTree>
+      <p:nvGrpSpPr>
+        <p:cNvPr id="1" name=""/>
+        <p:cNvGrpSpPr/>
+        <p:nvPr/>
+      </p:nvGrpSpPr>
+      <p:grpSpPr>
+        <a:xfrm>
+          <a:off x="0" y="0"/>
+          <a:ext cx="0" cy="0"/>
+          <a:chOff x="0" y="0"/>
+          <a:chExt cx="0" cy="0"/>
+        </a:xfrm>
+      </p:grpSpPr>
+      <p:sp>
+        <p:nvSpPr>
+          <p:cNvPr id="2" name="Header Placeholder 1"/>
+          <p:cNvSpPr>
+            <a:spLocks noGrp="1"/>
+          </p:cNvSpPr>
+          <p:nvPr>
+            <p:ph type="hdr" sz="quarter"/>
+          </p:nvPr>
+        </p:nvSpPr>
+        <p:spPr>
+          <a:xfrm>
+            <a:off x="0" y="0"/>
+            <a:ext cx="2971800" cy="457200"/>
+          </a:xfrm>
+          <a:prstGeom prst="rect">
+            <a:avLst/>
+          </a:prstGeom>
+        </p:spPr>
+        <p:txBody>
+          <a:bodyPr vert="horz" lIns="91440" tIns="45720" rIns="91440" bIns="45720" rtlCol="0"/>
+          <a:lstStyle>
+            <a:lvl1pPr algn="l">
+              <a:defRPr sz="1200"/>
+            </a:lvl1pPr>
+          </a:lstStyle>
+          <a:p>
+            <a:endParaRPr lang="en-US"/>
+          </a:p>
+        </p:txBody>
+      </p:sp>
+      <p:sp>
+        <p:nvSpPr>
+          <p:cNvPr id="3" name="Date Placeholder 2"/>
+          <p:cNvSpPr>
+            <a:spLocks noGrp="1"/>
+          </p:cNvSpPr>
+          <p:nvPr>
+            <p:ph type="dt" idx="1"/>
+          </p:nvPr>
+        </p:nvSpPr>
+        <p:spPr>
+          <a:xfrm>
+            <a:off x="3884613" y="0"/>
+            <a:ext cx="2971800" cy="457200"/>
+          </a:xfrm>
+          <a:prstGeom prst="rect">
+            <a:avLst/>
+          </a:prstGeom>
+        </p:spPr>
+        <p:txBody>
+          <a:bodyPr vert="horz" lIns="91440" tIns="45720" rIns="91440" bIns="45720" rtlCol="0"/>
+          <a:lstStyle>
+            <a:lvl1pPr algn="r">
+              <a:defRPr sz="1200"/>
+            </a:lvl1pPr>
+          </a:lstStyle>
+          <a:p>
+            <a:fld id="{88A263E0-0B66-4BBB-BD49-C22ADCF470AF}" type="datetimeFigureOut">
+              <a:rPr lang="en-US" smtClean="0"/>
+              <a:pPr/>
+              <a:t>10/27/2010</a:t>
+            </a:fld>
+            <a:endParaRPr lang="en-US"/>
+          </a:p>
+        </p:txBody>
+      </p:sp>
+      <p:sp>
+        <p:nvSpPr>
+          <p:cNvPr id="4" name="Slide Image Placeholder 3"/>
+          <p:cNvSpPr>
+            <a:spLocks noGrp="1" noRot="1" noChangeAspect="1"/>
+          </p:cNvSpPr>
+          <p:nvPr>
+            <p:ph type="sldImg" idx="2"/>
+          </p:nvPr>
+        </p:nvSpPr>
+        <p:spPr>
+          <a:xfrm>
+            <a:off x="1143000" y="685800"/>
+            <a:ext cx="4572000" cy="3429000"/>
+          </a:xfrm>
+          <a:prstGeom prst="rect">
+            <a:avLst/>
+          </a:prstGeom>
+          <a:noFill/>
+          <a:ln w="12700">
+            <a:solidFill>
+              <a:prstClr val="black"/>
+            </a:solidFill>
+          </a:ln>
+        </p:spPr>
+        <p:txBody>
+          <a:bodyPr vert="horz" lIns="91440" tIns="45720" rIns="91440" bIns="45720" rtlCol="0" anchor="ctr"/>
+          <a:lstStyle/>
+          <a:p>
+            <a:endParaRPr lang="en-US"/>
+          </a:p>
+        </p:txBody>
+      </p:sp>
+      <p:sp>
+        <p:nvSpPr>
+          <p:cNvPr id="5" name="Notes Placeholder 4"/>
+          <p:cNvSpPr>
+            <a:spLocks noGrp="1"/>
+          </p:cNvSpPr>
+          <p:nvPr>
+            <p:ph type="body" sz="quarter" idx="3"/>
+          </p:nvPr>
+        </p:nvSpPr>
+        <p:spPr>
+          <a:xfrm>
+            <a:off x="685800" y="4343400"/>
+            <a:ext cx="5486400" cy="4114800"/>
+          </a:xfrm>
+          <a:prstGeom prst="rect">
+            <a:avLst/>
+          </a:prstGeom>
+        </p:spPr>
+        <p:txBody>
+          <a:bodyPr vert="horz" lIns="91440" tIns="45720" rIns="91440" bIns="45720" rtlCol="0">
+            <a:normAutofit/>
+          </a:bodyPr>
+          <a:lstStyle/>
+          <a:p>
+            <a:pPr lvl="0"/>
+            <a:r>
+              <a:rPr lang="en-US" smtClean="0"/>
+              <a:t>Click to edit Master text styles</a:t>
+            </a:r>
+          </a:p>
+          <a:p>
+            <a:pPr lvl="1"/>
+            <a:r>
+              <a:rPr lang="en-US" smtClean="0"/>
+              <a:t>Second level</a:t>
+            </a:r>
+          </a:p>
+          <a:p>
+            <a:pPr lvl="2"/>
+            <a:r>
+              <a:rPr lang="en-US" smtClean="0"/>
+              <a:t>Third level</a:t>
+            </a:r>
+          </a:p>
+          <a:p>
+            <a:pPr lvl="3"/>
+            <a:r>
+              <a:rPr lang="en-US" smtClean="0"/>
+              <a:t>Fourth level</a:t>
+            </a:r>
+          </a:p>
+          <a:p>
+            <a:pPr lvl="4"/>
+            <a:r>
+              <a:rPr lang="en-US" smtClean="0"/>
+              <a:t>Fifth level</a:t>
+            </a:r>
+            <a:endParaRPr lang="en-US"/>
+          </a:p>
+        </p:txBody>
+      </p:sp>
+      <p:sp>
+        <p:nvSpPr>
+          <p:cNvPr id="6" name="Footer Placeholder 5"/>
+          <p:cNvSpPr>
+            <a:spLocks noGrp="1"/>
+          </p:cNvSpPr>
+          <p:nvPr>
+            <p:ph type="ftr" sz="quarter" idx="4"/>
+          </p:nvPr>
+        </p:nvSpPr>
+        <p:spPr>
+          <a:xfrm>
+            <a:off x="0" y="8685213"/>
+            <a:ext cx="2971800" cy="457200"/>
+          </a:xfrm>
+          <a:prstGeom prst="rect">
+            <a:avLst/>
+          </a:prstGeom>
+        </p:spPr>
+        <p:txBody>
+          <a:bodyPr vert="horz" lIns="91440" tIns="45720" rIns="91440" bIns="45720" rtlCol="0" anchor="b"/>
+          <a:lstStyle>
+            <a:lvl1pPr algn="l">
+              <a:defRPr sz="1200"/>
+            </a:lvl1pPr>
+          </a:lstStyle>
+          <a:p>
+            <a:endParaRPr lang="en-US"/>
+          </a:p>
+        </p:txBody>
+      </p:sp>
+      <p:sp>
+        <p:nvSpPr>
+          <p:cNvPr id="7" name="Slide Number Placeholder 6"/>
+          <p:cNvSpPr>
+            <a:spLocks noGrp="1"/>
+          </p:cNvSpPr>
+          <p:nvPr>
+            <p:ph type="sldNum" sz="quarter" idx="5"/>
+          </p:nvPr>
+        </p:nvSpPr>
+        <p:spPr>
+          <a:xfrm>
+            <a:off x="3884613" y="8685213"/>
+            <a:ext cx="2971800" cy="457200"/>
+          </a:xfrm>
+          <a:prstGeom prst="rect">
+            <a:avLst/>
+          </a:prstGeom>
+        </p:spPr>
+        <p:txBody>
+          <a:bodyPr vert="horz" lIns="91440" tIns="45720" rIns="91440" bIns="45720" rtlCol="0" anchor="b"/>
+          <a:lstStyle>
+            <a:lvl1pPr algn="r">
+              <a:defRPr sz="1200"/>
+            </a:lvl1pPr>
+          </a:lstStyle>
+          <a:p>
+            <a:fld id="{8D67FD47-375B-44D7-9DF6-340CCF0CE732}" type="slidenum">
+              <a:rPr lang="en-US" smtClean="0"/>
+              <a:pPr/>
+              <a:t>‹#›</a:t>
+            </a:fld>
+            <a:endParaRPr lang="en-US"/>
+          </a:p>
+        </p:txBody>
+      </p:sp>
+    </p:spTree>
+  </p:cSld>
+  <p:clrMap bg1="lt1" tx1="dk1" bg2="lt2" tx2="dk2" accent1="accent1" accent2="accent2" accent3="accent3" accent4="accent4" accent5="accent5" accent6="accent6" hlink="hlink" folHlink="folHlink"/>
+  <p:notesStyle>
+    <a:lvl1pPr marL="0" algn="l" defTabSz="914400" rtl="0" eaLnBrk="1" latinLnBrk="0" hangingPunct="1">
+      <a:defRPr sz="1200" kern="1200">
+        <a:solidFill>
+          <a:schemeClr val="tx1"/>
+        </a:solidFill>
+        <a:latin typeface="+mn-lt"/>
+        <a:ea typeface="+mn-ea"/>
+        <a:cs typeface="+mn-cs"/>
+      </a:defRPr>
+    </a:lvl1pPr>
+    <a:lvl2pPr marL="457200" algn="l" defTabSz="914400" rtl="0" eaLnBrk="1" latinLnBrk="0" hangingPunct="1">
+      <a:defRPr sz="1200" kern="1200">
+        <a:solidFill>
+          <a:schemeClr val="tx1"/>
+        </a:solidFill>
+        <a:latin typeface="+mn-lt"/>
+        <a:ea typeface="+mn-ea"/>
+        <a:cs typeface="+mn-cs"/>
+      </a:defRPr>
+    </a:lvl2pPr>
+    <a:lvl3pPr marL="914400" algn="l" defTabSz="914400" rtl="0" eaLnBrk="1" latinLnBrk="0" hangingPunct="1">
+      <a:defRPr sz="1200" kern="1200">
+        <a:solidFill>
+          <a:schemeClr val="tx1"/>
+        </a:solidFill>
+        <a:latin typeface="+mn-lt"/>
+        <a:ea typeface="+mn-ea"/>
+        <a:cs typeface="+mn-cs"/>
+      </a:defRPr>
+    </a:lvl3pPr>
+    <a:lvl4pPr marL="1371600" algn="l" defTabSz="914400" rtl="0" eaLnBrk="1" latinLnBrk="0" hangingPunct="1">
+      <a:defRPr sz="1200" kern="1200">
+        <a:solidFill>
+          <a:schemeClr val="tx1"/>
+        </a:solidFill>
+        <a:latin typeface="+mn-lt"/>
+        <a:ea typeface="+mn-ea"/>
+        <a:cs typeface="+mn-cs"/>
+      </a:defRPr>
+    </a:lvl4pPr>
+    <a:lvl5pPr marL="1828800" algn="l" defTabSz="914400" rtl="0" eaLnBrk="1" latinLnBrk="0" hangingPunct="1">
+      <a:defRPr sz="1200" kern="1200">
+        <a:solidFill>
+          <a:schemeClr val="tx1"/>
+        </a:solidFill>
+        <a:latin typeface="+mn-lt"/>
+        <a:ea typeface="+mn-ea"/>
+        <a:cs typeface="+mn-cs"/>
+      </a:defRPr>
+    </a:lvl5pPr>
+    <a:lvl6pPr marL="2286000" algn="l" defTabSz="914400" rtl="0" eaLnBrk="1" latinLnBrk="0" hangingPunct="1">
+      <a:defRPr sz="1200" kern="1200">
+        <a:solidFill>
+          <a:schemeClr val="tx1"/>
+        </a:solidFill>
+        <a:latin typeface="+mn-lt"/>
+        <a:ea typeface="+mn-ea"/>
+        <a:cs typeface="+mn-cs"/>
+      </a:defRPr>
+    </a:lvl6pPr>
+    <a:lvl7pPr marL="2743200" algn="l" defTabSz="914400" rtl="0" eaLnBrk="1" latinLnBrk="0" hangingPunct="1">
+      <a:defRPr sz="1200" kern="1200">
+        <a:solidFill>
+          <a:schemeClr val="tx1"/>
+        </a:solidFill>
+        <a:latin typeface="+mn-lt"/>
+        <a:ea typeface="+mn-ea"/>
+        <a:cs typeface="+mn-cs"/>
+      </a:defRPr>
+    </a:lvl7pPr>
+    <a:lvl8pPr marL="3200400" algn="l" defTabSz="914400" rtl="0" eaLnBrk="1" latinLnBrk="0" hangingPunct="1">
+      <a:defRPr sz="1200" kern="1200">
+        <a:solidFill>
+          <a:schemeClr val="tx1"/>
+        </a:solidFill>
+        <a:latin typeface="+mn-lt"/>
+        <a:ea typeface="+mn-ea"/>
+        <a:cs typeface="+mn-cs"/>
+      </a:defRPr>
+    </a:lvl8pPr>
+    <a:lvl9pPr marL="3657600" algn="l" defTabSz="914400" rtl="0" eaLnBrk="1" latinLnBrk="0" hangingPunct="1">
+      <a:defRPr sz="1200" kern="1200">
+        <a:solidFill>
+          <a:schemeClr val="tx1"/>
+        </a:solidFill>
+        <a:latin typeface="+mn-lt"/>
+        <a:ea typeface="+mn-ea"/>
+        <a:cs typeface="+mn-cs"/>
+      </a:defRPr>
+    </a:lvl9pPr>
+  </p:notesStyle>
+</p:notesMaster>
+</file>
+
+<file path=ppt/notesSlides/notesSlide1.xml><?xml version="1.0" encoding="utf-8"?>
+<p:notes xmlns:a="http://schemas.openxmlformats.org/drawingml/2006/main" xmlns:r="http://schemas.openxmlformats.org/officeDocument/2006/relationships" xmlns:p="http://schemas.openxmlformats.org/presentationml/2006/main">
+  <p:cSld>
+    <p:spTree>
+      <p:nvGrpSpPr>
+        <p:cNvPr id="1" name=""/>
+        <p:cNvGrpSpPr/>
+        <p:nvPr/>
+      </p:nvGrpSpPr>
+      <p:grpSpPr>
+        <a:xfrm>
+          <a:off x="0" y="0"/>
+          <a:ext cx="0" cy="0"/>
+          <a:chOff x="0" y="0"/>
+          <a:chExt cx="0" cy="0"/>
+        </a:xfrm>
+      </p:grpSpPr>
+      <p:sp>
+        <p:nvSpPr>
+          <p:cNvPr id="2" name="Slide Image Placeholder 1"/>
+          <p:cNvSpPr>
+            <a:spLocks noGrp="1" noRot="1" noChangeAspect="1"/>
+          </p:cNvSpPr>
+          <p:nvPr>
+            <p:ph type="sldImg"/>
+          </p:nvPr>
+        </p:nvSpPr>
+        <p:spPr/>
+      </p:sp>
+      <p:sp>
+        <p:nvSpPr>
+          <p:cNvPr id="3" name="Notes Placeholder 2"/>
+          <p:cNvSpPr>
+            <a:spLocks noGrp="1"/>
+          </p:cNvSpPr>
+          <p:nvPr>
+            <p:ph type="body" idx="1"/>
+          </p:nvPr>
+        </p:nvSpPr>
+        <p:spPr/>
+        <p:txBody>
+          <a:bodyPr>
+            <a:normAutofit/>
+          </a:bodyPr>
+          <a:lstStyle/>
+          <a:p>
+            <a:r>
+              <a:rPr lang="en-US" dirty="0" err="1" smtClean="0"/>
+              <a:t>Cuộc</a:t>
+            </a:r>
+            <a:r>
+              <a:rPr lang="en-US" dirty="0" smtClean="0"/>
+              <a:t> </a:t>
+            </a:r>
+            <a:r>
+              <a:rPr lang="en-US" dirty="0" err="1" smtClean="0"/>
+              <a:t>cách</a:t>
+            </a:r>
+            <a:r>
+              <a:rPr lang="en-US" dirty="0" smtClean="0"/>
+              <a:t> </a:t>
+            </a:r>
+            <a:r>
+              <a:rPr lang="en-US" dirty="0" err="1" smtClean="0"/>
+              <a:t>mạng</a:t>
+            </a:r>
+            <a:r>
+              <a:rPr lang="en-US" dirty="0" smtClean="0"/>
+              <a:t>” </a:t>
+            </a:r>
+            <a:r>
+              <a:rPr lang="en-US" dirty="0" err="1" smtClean="0"/>
+              <a:t>đối</a:t>
+            </a:r>
+            <a:r>
+              <a:rPr lang="en-US" dirty="0" smtClean="0"/>
+              <a:t> </a:t>
+            </a:r>
+            <a:r>
+              <a:rPr lang="en-US" dirty="0" err="1" smtClean="0"/>
+              <a:t>với</a:t>
+            </a:r>
+            <a:r>
+              <a:rPr lang="en-US" dirty="0" smtClean="0"/>
+              <a:t> </a:t>
+            </a:r>
+            <a:r>
+              <a:rPr lang="en-US" dirty="0" err="1" smtClean="0"/>
+              <a:t>máy</a:t>
+            </a:r>
+            <a:r>
+              <a:rPr lang="en-US" dirty="0" smtClean="0"/>
+              <a:t> </a:t>
+            </a:r>
+            <a:r>
+              <a:rPr lang="en-US" dirty="0" err="1" smtClean="0"/>
+              <a:t>nhận</a:t>
+            </a:r>
+            <a:r>
+              <a:rPr lang="en-US" dirty="0" smtClean="0"/>
+              <a:t> </a:t>
+            </a:r>
+            <a:r>
+              <a:rPr lang="en-US" dirty="0" err="1" smtClean="0"/>
+              <a:t>dạng</a:t>
+            </a:r>
+            <a:r>
+              <a:rPr lang="en-US" dirty="0" smtClean="0"/>
+              <a:t> </a:t>
+            </a:r>
+            <a:r>
+              <a:rPr lang="en-US" dirty="0" err="1" smtClean="0"/>
+              <a:t>bàn</a:t>
+            </a:r>
+            <a:r>
+              <a:rPr lang="en-US" dirty="0" smtClean="0"/>
+              <a:t> </a:t>
+            </a:r>
+            <a:r>
+              <a:rPr lang="en-US" dirty="0" err="1" smtClean="0"/>
+              <a:t>tay</a:t>
+            </a:r>
+            <a:r>
+              <a:rPr lang="en-US" dirty="0" smtClean="0"/>
+              <a:t> =&gt; </a:t>
+            </a:r>
+            <a:r>
+              <a:rPr lang="en-US" dirty="0" err="1" smtClean="0"/>
+              <a:t>Làm</a:t>
+            </a:r>
+            <a:r>
+              <a:rPr lang="en-US" dirty="0" smtClean="0"/>
+              <a:t> </a:t>
+            </a:r>
+            <a:r>
+              <a:rPr lang="en-US" dirty="0" err="1" smtClean="0"/>
+              <a:t>phổ</a:t>
+            </a:r>
+            <a:r>
+              <a:rPr lang="en-US" dirty="0" smtClean="0"/>
+              <a:t> </a:t>
+            </a:r>
+            <a:r>
+              <a:rPr lang="en-US" dirty="0" err="1" smtClean="0"/>
+              <a:t>biến</a:t>
+            </a:r>
+            <a:r>
+              <a:rPr lang="en-US" dirty="0" smtClean="0"/>
+              <a:t> </a:t>
+            </a:r>
+            <a:r>
+              <a:rPr lang="en-US" dirty="0" err="1" smtClean="0"/>
+              <a:t>máy</a:t>
+            </a:r>
+            <a:r>
+              <a:rPr lang="en-US" dirty="0" smtClean="0"/>
+              <a:t> </a:t>
+            </a:r>
+            <a:r>
+              <a:rPr lang="en-US" dirty="0" err="1" smtClean="0"/>
+              <a:t>nhận</a:t>
+            </a:r>
+            <a:r>
+              <a:rPr lang="en-US" dirty="0" smtClean="0"/>
+              <a:t> </a:t>
+            </a:r>
+            <a:r>
+              <a:rPr lang="en-US" dirty="0" err="1" smtClean="0"/>
+              <a:t>dạng</a:t>
+            </a:r>
+            <a:endParaRPr lang="en-US" dirty="0"/>
+          </a:p>
+        </p:txBody>
+      </p:sp>
+      <p:sp>
+        <p:nvSpPr>
+          <p:cNvPr id="4" name="Slide Number Placeholder 3"/>
+          <p:cNvSpPr>
+            <a:spLocks noGrp="1"/>
+          </p:cNvSpPr>
+          <p:nvPr>
+            <p:ph type="sldNum" sz="quarter" idx="10"/>
+          </p:nvPr>
+        </p:nvSpPr>
+        <p:spPr/>
+        <p:txBody>
+          <a:bodyPr/>
+          <a:lstStyle/>
+          <a:p>
+            <a:fld id="{8D67FD47-375B-44D7-9DF6-340CCF0CE732}" type="slidenum">
+              <a:rPr lang="en-US" smtClean="0"/>
+              <a:pPr/>
+              <a:t>11</a:t>
+            </a:fld>
+            <a:endParaRPr lang="en-US"/>
+          </a:p>
+        </p:txBody>
+      </p:sp>
+    </p:spTree>
+  </p:cSld>
+  <p:clrMapOvr>
+    <a:masterClrMapping/>
+  </p:clrMapOvr>
+</p:notes>
+</file>
+
+<file path=ppt/notesSlides/notesSlide2.xml><?xml version="1.0" encoding="utf-8"?>
+<p:notes xmlns:a="http://schemas.openxmlformats.org/drawingml/2006/main" xmlns:r="http://schemas.openxmlformats.org/officeDocument/2006/relationships" xmlns:p="http://schemas.openxmlformats.org/presentationml/2006/main">
+  <p:cSld>
+    <p:spTree>
+      <p:nvGrpSpPr>
+        <p:cNvPr id="1" name=""/>
+        <p:cNvGrpSpPr/>
+        <p:nvPr/>
+      </p:nvGrpSpPr>
+      <p:grpSpPr>
+        <a:xfrm>
+          <a:off x="0" y="0"/>
+          <a:ext cx="0" cy="0"/>
+          <a:chOff x="0" y="0"/>
+          <a:chExt cx="0" cy="0"/>
+        </a:xfrm>
+      </p:grpSpPr>
+      <p:sp>
+        <p:nvSpPr>
+          <p:cNvPr id="2" name="Slide Image Placeholder 1"/>
+          <p:cNvSpPr>
+            <a:spLocks noGrp="1" noRot="1" noChangeAspect="1"/>
+          </p:cNvSpPr>
+          <p:nvPr>
+            <p:ph type="sldImg"/>
+          </p:nvPr>
+        </p:nvSpPr>
+        <p:spPr/>
+      </p:sp>
+      <p:sp>
+        <p:nvSpPr>
+          <p:cNvPr id="3" name="Notes Placeholder 2"/>
+          <p:cNvSpPr>
+            <a:spLocks noGrp="1"/>
+          </p:cNvSpPr>
+          <p:nvPr>
+            <p:ph type="body" idx="1"/>
+          </p:nvPr>
+        </p:nvSpPr>
+        <p:spPr/>
+        <p:txBody>
+          <a:bodyPr>
+            <a:normAutofit/>
+          </a:bodyPr>
+          <a:lstStyle/>
+          <a:p>
+            <a:pPr marL="0" marR="0" indent="0" algn="l" defTabSz="914400" rtl="0" eaLnBrk="1" fontAlgn="auto" latinLnBrk="0" hangingPunct="1">
+              <a:lnSpc>
+                <a:spcPct val="100000"/>
+              </a:lnSpc>
+              <a:spcBef>
+                <a:spcPts val="0"/>
+              </a:spcBef>
+              <a:spcAft>
+                <a:spcPts val="0"/>
+              </a:spcAft>
+              <a:buClrTx/>
+              <a:buSzTx/>
+              <a:buFontTx/>
+              <a:buNone/>
+              <a:tabLst/>
+              <a:defRPr/>
+            </a:pPr>
+            <a:r>
+              <a:rPr lang="en-US" dirty="0" smtClean="0"/>
+              <a:t>Immigration and Naturalization Service Passenger Accelerated Service System</a:t>
+            </a:r>
+          </a:p>
+          <a:p>
+            <a:endParaRPr lang="en-US" dirty="0"/>
+          </a:p>
+        </p:txBody>
+      </p:sp>
+      <p:sp>
+        <p:nvSpPr>
+          <p:cNvPr id="4" name="Slide Number Placeholder 3"/>
+          <p:cNvSpPr>
+            <a:spLocks noGrp="1"/>
+          </p:cNvSpPr>
+          <p:nvPr>
+            <p:ph type="sldNum" sz="quarter" idx="10"/>
+          </p:nvPr>
+        </p:nvSpPr>
+        <p:spPr/>
+        <p:txBody>
+          <a:bodyPr/>
+          <a:lstStyle/>
+          <a:p>
+            <a:fld id="{8D67FD47-375B-44D7-9DF6-340CCF0CE732}" type="slidenum">
+              <a:rPr lang="en-US" smtClean="0"/>
+              <a:pPr/>
+              <a:t>14</a:t>
+            </a:fld>
+            <a:endParaRPr lang="en-US"/>
+          </a:p>
+        </p:txBody>
+      </p:sp>
+    </p:spTree>
+  </p:cSld>
+  <p:clrMapOvr>
+    <a:masterClrMapping/>
+  </p:clrMapOvr>
+</p:notes>
 </file>
 
 <file path=ppt/slideLayouts/slideLayout1.xml><?xml version="1.0" encoding="utf-8"?>
@@ -454,10 +1129,10 @@
           <a:bodyPr/>
           <a:lstStyle/>
           <a:p>
-            <a:fld id="{1D8BD707-D9CF-40AE-B4C6-C98DA3205C09}" type="datetimeFigureOut">
+            <a:fld id="{14213B08-C344-4298-9D2B-63FA7DC3B696}" type="datetime1">
               <a:rPr lang="en-US" smtClean="0"/>
               <a:pPr/>
-              <a:t>10/26/2010</a:t>
+              <a:t>10/27/2010</a:t>
             </a:fld>
             <a:endParaRPr lang="en-US"/>
           </a:p>
@@ -511,6 +1186,13 @@
   <p:clrMapOvr>
     <a:overrideClrMapping bg1="dk1" tx1="lt1" bg2="dk2" tx2="lt2" accent1="accent1" accent2="accent2" accent3="accent3" accent4="accent4" accent5="accent5" accent6="accent6" hlink="hlink" folHlink="folHlink"/>
   </p:clrMapOvr>
+  <p:timing>
+    <p:tnLst>
+      <p:par>
+        <p:cTn id="1" dur="indefinite" restart="never" nodeType="tmRoot"/>
+      </p:par>
+    </p:tnLst>
+  </p:timing>
 </p:sldLayout>
 </file>
 
@@ -621,10 +1303,10 @@
           <a:bodyPr/>
           <a:lstStyle/>
           <a:p>
-            <a:fld id="{1D8BD707-D9CF-40AE-B4C6-C98DA3205C09}" type="datetimeFigureOut">
+            <a:fld id="{1BE8B679-7536-42E8-9FB5-40A57D052050}" type="datetime1">
               <a:rPr lang="en-US" smtClean="0"/>
               <a:pPr/>
-              <a:t>10/26/2010</a:t>
+              <a:t>10/27/2010</a:t>
             </a:fld>
             <a:endParaRPr lang="en-US"/>
           </a:p>
@@ -678,6 +1360,13 @@
   <p:clrMapOvr>
     <a:masterClrMapping/>
   </p:clrMapOvr>
+  <p:timing>
+    <p:tnLst>
+      <p:par>
+        <p:cTn id="1" dur="indefinite" restart="never" nodeType="tmRoot"/>
+      </p:par>
+    </p:tnLst>
+  </p:timing>
 </p:sldLayout>
 </file>
 
@@ -798,10 +1487,10 @@
           <a:bodyPr/>
           <a:lstStyle/>
           <a:p>
-            <a:fld id="{1D8BD707-D9CF-40AE-B4C6-C98DA3205C09}" type="datetimeFigureOut">
+            <a:fld id="{AC731CF6-CE4E-49AB-A83D-5CF25E930D6F}" type="datetime1">
               <a:rPr lang="en-US" smtClean="0"/>
               <a:pPr/>
-              <a:t>10/26/2010</a:t>
+              <a:t>10/27/2010</a:t>
             </a:fld>
             <a:endParaRPr lang="en-US"/>
           </a:p>
@@ -996,10 +1685,10 @@
           <a:bodyPr/>
           <a:lstStyle/>
           <a:p>
-            <a:fld id="{1D8BD707-D9CF-40AE-B4C6-C98DA3205C09}" type="datetimeFigureOut">
+            <a:fld id="{9A3DD297-0901-404C-9492-929AD53265C0}" type="datetime1">
               <a:rPr lang="en-US" smtClean="0"/>
               <a:pPr/>
-              <a:t>10/26/2010</a:t>
+              <a:t>10/27/2010</a:t>
             </a:fld>
             <a:endParaRPr lang="en-US"/>
           </a:p>
@@ -1048,11 +1737,82 @@
           </a:p>
         </p:txBody>
       </p:sp>
+      <p:pic>
+        <p:nvPicPr>
+          <p:cNvPr id="7" name="Picture 2"/>
+          <p:cNvPicPr>
+            <a:picLocks noChangeAspect="1" noChangeArrowheads="1"/>
+          </p:cNvPicPr>
+          <p:nvPr userDrawn="1"/>
+        </p:nvPicPr>
+        <p:blipFill>
+          <a:blip r:embed="rId2" cstate="print">
+            <a:extLst>
+              <a:ext uri="{28A0092B-C50C-407E-A947-70E740481C1C}">
+                <a14:useLocalDpi xmlns="" xmlns:a14="http://schemas.microsoft.com/office/drawing/2010/main" val="0"/>
+              </a:ext>
+            </a:extLst>
+          </a:blip>
+          <a:srcRect/>
+          <a:stretch>
+            <a:fillRect/>
+          </a:stretch>
+        </p:blipFill>
+        <p:spPr bwMode="auto">
+          <a:xfrm>
+            <a:off x="7915275" y="609600"/>
+            <a:ext cx="1228725" cy="1228725"/>
+          </a:xfrm>
+          <a:prstGeom prst="rect">
+            <a:avLst/>
+          </a:prstGeom>
+          <a:noFill/>
+          <a:ln>
+            <a:noFill/>
+          </a:ln>
+          <a:effectLst/>
+          <a:extLst>
+            <a:ext uri="{909E8E84-426E-40DD-AFC4-6F175D3DCCD1}">
+              <a14:hiddenFill xmlns="" xmlns:a14="http://schemas.microsoft.com/office/drawing/2010/main">
+                <a:solidFill>
+                  <a:schemeClr val="accent1"/>
+                </a:solidFill>
+              </a14:hiddenFill>
+            </a:ext>
+            <a:ext uri="{91240B29-F687-4F45-9708-019B960494DF}">
+              <a14:hiddenLine xmlns="" xmlns:a14="http://schemas.microsoft.com/office/drawing/2010/main" w="9525">
+                <a:solidFill>
+                  <a:schemeClr val="tx1"/>
+                </a:solidFill>
+                <a:miter lim="800000"/>
+                <a:headEnd/>
+                <a:tailEnd/>
+              </a14:hiddenLine>
+            </a:ext>
+            <a:ext uri="{AF507438-7753-43E0-B8FC-AC1667EBCBE1}">
+              <a14:hiddenEffects xmlns="" xmlns:a14="http://schemas.microsoft.com/office/drawing/2010/main">
+                <a:effectLst>
+                  <a:outerShdw dist="35921" dir="2700000" algn="ctr" rotWithShape="0">
+                    <a:schemeClr val="bg2"/>
+                  </a:outerShdw>
+                </a:effectLst>
+              </a14:hiddenEffects>
+            </a:ext>
+          </a:extLst>
+        </p:spPr>
+      </p:pic>
     </p:spTree>
   </p:cSld>
   <p:clrMapOvr>
     <a:masterClrMapping/>
   </p:clrMapOvr>
+  <p:timing>
+    <p:tnLst>
+      <p:par>
+        <p:cTn id="1" dur="indefinite" restart="never" nodeType="tmRoot"/>
+      </p:par>
+    </p:tnLst>
+  </p:timing>
 </p:sldLayout>
 </file>
 
@@ -1240,10 +2000,10 @@
           <a:bodyPr/>
           <a:lstStyle/>
           <a:p>
-            <a:fld id="{1D8BD707-D9CF-40AE-B4C6-C98DA3205C09}" type="datetimeFigureOut">
+            <a:fld id="{B7EE86D6-B85D-4B0F-97BF-A75CB19C32F3}" type="datetime1">
               <a:rPr lang="en-US" smtClean="0"/>
               <a:pPr/>
-              <a:t>10/26/2010</a:t>
+              <a:t>10/27/2010</a:t>
             </a:fld>
             <a:endParaRPr lang="en-US"/>
           </a:p>
@@ -1506,10 +2266,10 @@
           <a:bodyPr/>
           <a:lstStyle/>
           <a:p>
-            <a:fld id="{1D8BD707-D9CF-40AE-B4C6-C98DA3205C09}" type="datetimeFigureOut">
+            <a:fld id="{714C3007-F112-444B-8E99-D3C654CC31C8}" type="datetime1">
               <a:rPr lang="en-US" smtClean="0"/>
               <a:pPr/>
-              <a:t>10/26/2010</a:t>
+              <a:t>10/27/2010</a:t>
             </a:fld>
             <a:endParaRPr lang="en-US"/>
           </a:p>
@@ -1886,10 +2646,10 @@
           <a:bodyPr/>
           <a:lstStyle/>
           <a:p>
-            <a:fld id="{1D8BD707-D9CF-40AE-B4C6-C98DA3205C09}" type="datetimeFigureOut">
+            <a:fld id="{EC253EFC-7C63-4AD7-8BBD-AB726C629B45}" type="datetime1">
               <a:rPr lang="en-US" smtClean="0"/>
               <a:pPr/>
-              <a:t>10/26/2010</a:t>
+              <a:t>10/27/2010</a:t>
             </a:fld>
             <a:endParaRPr lang="en-US"/>
           </a:p>
@@ -2016,10 +2776,10 @@
           </a:lstStyle>
           <a:p>
             <a:r>
-              <a:rPr kumimoji="0" lang="en-US" smtClean="0"/>
+              <a:rPr kumimoji="0" lang="en-US" dirty="0" smtClean="0"/>
               <a:t>Click to edit Master title style</a:t>
             </a:r>
-            <a:endParaRPr kumimoji="0" lang="en-US"/>
+            <a:endParaRPr kumimoji="0" lang="en-US" dirty="0"/>
           </a:p>
         </p:txBody>
       </p:sp>
@@ -2038,10 +2798,10 @@
           <a:bodyPr/>
           <a:lstStyle/>
           <a:p>
-            <a:fld id="{1D8BD707-D9CF-40AE-B4C6-C98DA3205C09}" type="datetimeFigureOut">
+            <a:fld id="{D5AA7226-8FB4-4BDA-8697-BA7EDE69599F}" type="datetime1">
               <a:rPr lang="en-US" smtClean="0"/>
               <a:pPr/>
-              <a:t>10/26/2010</a:t>
+              <a:t>10/27/2010</a:t>
             </a:fld>
             <a:endParaRPr lang="en-US"/>
           </a:p>
@@ -2090,11 +2850,82 @@
           </a:p>
         </p:txBody>
       </p:sp>
+      <p:pic>
+        <p:nvPicPr>
+          <p:cNvPr id="6" name="Picture 2"/>
+          <p:cNvPicPr>
+            <a:picLocks noChangeAspect="1" noChangeArrowheads="1"/>
+          </p:cNvPicPr>
+          <p:nvPr userDrawn="1"/>
+        </p:nvPicPr>
+        <p:blipFill>
+          <a:blip r:embed="rId2" cstate="print">
+            <a:extLst>
+              <a:ext uri="{28A0092B-C50C-407E-A947-70E740481C1C}">
+                <a14:useLocalDpi xmlns="" xmlns:a14="http://schemas.microsoft.com/office/drawing/2010/main" val="0"/>
+              </a:ext>
+            </a:extLst>
+          </a:blip>
+          <a:srcRect/>
+          <a:stretch>
+            <a:fillRect/>
+          </a:stretch>
+        </p:blipFill>
+        <p:spPr bwMode="auto">
+          <a:xfrm>
+            <a:off x="7915275" y="600075"/>
+            <a:ext cx="1228725" cy="1228725"/>
+          </a:xfrm>
+          <a:prstGeom prst="rect">
+            <a:avLst/>
+          </a:prstGeom>
+          <a:noFill/>
+          <a:ln>
+            <a:noFill/>
+          </a:ln>
+          <a:effectLst/>
+          <a:extLst>
+            <a:ext uri="{909E8E84-426E-40DD-AFC4-6F175D3DCCD1}">
+              <a14:hiddenFill xmlns="" xmlns:a14="http://schemas.microsoft.com/office/drawing/2010/main">
+                <a:solidFill>
+                  <a:schemeClr val="accent1"/>
+                </a:solidFill>
+              </a14:hiddenFill>
+            </a:ext>
+            <a:ext uri="{91240B29-F687-4F45-9708-019B960494DF}">
+              <a14:hiddenLine xmlns="" xmlns:a14="http://schemas.microsoft.com/office/drawing/2010/main" w="9525">
+                <a:solidFill>
+                  <a:schemeClr val="tx1"/>
+                </a:solidFill>
+                <a:miter lim="800000"/>
+                <a:headEnd/>
+                <a:tailEnd/>
+              </a14:hiddenLine>
+            </a:ext>
+            <a:ext uri="{AF507438-7753-43E0-B8FC-AC1667EBCBE1}">
+              <a14:hiddenEffects xmlns="" xmlns:a14="http://schemas.microsoft.com/office/drawing/2010/main">
+                <a:effectLst>
+                  <a:outerShdw dist="35921" dir="2700000" algn="ctr" rotWithShape="0">
+                    <a:schemeClr val="bg2"/>
+                  </a:outerShdw>
+                </a:effectLst>
+              </a14:hiddenEffects>
+            </a:ext>
+          </a:extLst>
+        </p:spPr>
+      </p:pic>
     </p:spTree>
   </p:cSld>
   <p:clrMapOvr>
     <a:masterClrMapping/>
   </p:clrMapOvr>
+  <p:timing>
+    <p:tnLst>
+      <p:par>
+        <p:cTn id="1" dur="indefinite" restart="never" nodeType="tmRoot"/>
+      </p:par>
+    </p:tnLst>
+  </p:timing>
 </p:sldLayout>
 </file>
 
@@ -2130,10 +2961,10 @@
           <a:bodyPr/>
           <a:lstStyle/>
           <a:p>
-            <a:fld id="{1D8BD707-D9CF-40AE-B4C6-C98DA3205C09}" type="datetimeFigureOut">
+            <a:fld id="{FCBE6375-37B0-43E2-87BB-21757BFC51A9}" type="datetime1">
               <a:rPr lang="en-US" smtClean="0"/>
               <a:pPr/>
-              <a:t>10/26/2010</a:t>
+              <a:t>10/27/2010</a:t>
             </a:fld>
             <a:endParaRPr lang="en-US"/>
           </a:p>
@@ -2187,6 +3018,13 @@
   <p:clrMapOvr>
     <a:masterClrMapping/>
   </p:clrMapOvr>
+  <p:timing>
+    <p:tnLst>
+      <p:par>
+        <p:cTn id="1" dur="indefinite" restart="never" nodeType="tmRoot"/>
+      </p:par>
+    </p:tnLst>
+  </p:timing>
 </p:sldLayout>
 </file>
 
@@ -2393,10 +3231,10 @@
           <a:bodyPr/>
           <a:lstStyle/>
           <a:p>
-            <a:fld id="{1D8BD707-D9CF-40AE-B4C6-C98DA3205C09}" type="datetimeFigureOut">
+            <a:fld id="{E71AA3D3-BFF6-4AAB-80FB-418E4DD286E4}" type="datetime1">
               <a:rPr lang="en-US" smtClean="0"/>
               <a:pPr/>
-              <a:t>10/26/2010</a:t>
+              <a:t>10/27/2010</a:t>
             </a:fld>
             <a:endParaRPr lang="en-US"/>
           </a:p>
@@ -2450,6 +3288,13 @@
   <p:clrMapOvr>
     <a:masterClrMapping/>
   </p:clrMapOvr>
+  <p:timing>
+    <p:tnLst>
+      <p:par>
+        <p:cTn id="1" dur="indefinite" restart="never" nodeType="tmRoot"/>
+      </p:par>
+    </p:tnLst>
+  </p:timing>
 </p:sldLayout>
 </file>
 
@@ -2683,10 +3528,10 @@
           <a:bodyPr/>
           <a:lstStyle/>
           <a:p>
-            <a:fld id="{1D8BD707-D9CF-40AE-B4C6-C98DA3205C09}" type="datetimeFigureOut">
+            <a:fld id="{51CEF966-CA87-49E5-9360-3BF0D2DF35B8}" type="datetime1">
               <a:rPr lang="en-US" smtClean="0"/>
               <a:pPr/>
-              <a:t>10/26/2010</a:t>
+              <a:t>10/27/2010</a:t>
             </a:fld>
             <a:endParaRPr lang="en-US"/>
           </a:p>
@@ -3047,6 +3892,13 @@
   <p:clrMapOvr>
     <a:masterClrMapping/>
   </p:clrMapOvr>
+  <p:timing>
+    <p:tnLst>
+      <p:par>
+        <p:cTn id="1" dur="indefinite" restart="never" nodeType="tmRoot"/>
+      </p:par>
+    </p:tnLst>
+  </p:timing>
 </p:sldLayout>
 </file>
 
@@ -3456,10 +4308,10 @@
             </a:lvl1pPr>
           </a:lstStyle>
           <a:p>
-            <a:fld id="{1D8BD707-D9CF-40AE-B4C6-C98DA3205C09}" type="datetimeFigureOut">
+            <a:fld id="{816B66A5-3A43-417D-BD44-A47E6974BF46}" type="datetime1">
               <a:rPr lang="en-US" smtClean="0"/>
               <a:pPr/>
-              <a:t>10/26/2010</a:t>
+              <a:t>10/27/2010</a:t>
             </a:fld>
             <a:endParaRPr lang="en-US"/>
           </a:p>
@@ -3774,6 +4626,14 @@
     <p:sldLayoutId id="2147483670" r:id="rId10"/>
     <p:sldLayoutId id="2147483671" r:id="rId11"/>
   </p:sldLayoutIdLst>
+  <p:timing>
+    <p:tnLst>
+      <p:par>
+        <p:cTn id="1" dur="indefinite" restart="never" nodeType="tmRoot"/>
+      </p:par>
+    </p:tnLst>
+  </p:timing>
+  <p:hf hdr="0" ftr="0" dt="0"/>
   <p:txStyles>
     <p:titleStyle>
       <a:lvl1pPr algn="l" rtl="0" eaLnBrk="1" latinLnBrk="0" hangingPunct="1">
@@ -4177,6 +5037,3770 @@
   <p:clrMapOvr>
     <a:masterClrMapping/>
   </p:clrMapOvr>
+  <p:timing>
+    <p:tnLst>
+      <p:par>
+        <p:cTn id="1" dur="indefinite" restart="never" nodeType="tmRoot"/>
+      </p:par>
+    </p:tnLst>
+  </p:timing>
+</p:sld>
+</file>
+
+<file path=ppt/slides/slide10.xml><?xml version="1.0" encoding="utf-8"?>
+<p:sld xmlns:a="http://schemas.openxmlformats.org/drawingml/2006/main" xmlns:r="http://schemas.openxmlformats.org/officeDocument/2006/relationships" xmlns:p="http://schemas.openxmlformats.org/presentationml/2006/main">
+  <p:cSld>
+    <p:spTree>
+      <p:nvGrpSpPr>
+        <p:cNvPr id="1" name=""/>
+        <p:cNvGrpSpPr/>
+        <p:nvPr/>
+      </p:nvGrpSpPr>
+      <p:grpSpPr>
+        <a:xfrm>
+          <a:off x="0" y="0"/>
+          <a:ext cx="0" cy="0"/>
+          <a:chOff x="0" y="0"/>
+          <a:chExt cx="0" cy="0"/>
+        </a:xfrm>
+      </p:grpSpPr>
+      <p:sp>
+        <p:nvSpPr>
+          <p:cNvPr id="2" name="Title 1"/>
+          <p:cNvSpPr>
+            <a:spLocks noGrp="1"/>
+          </p:cNvSpPr>
+          <p:nvPr>
+            <p:ph type="title"/>
+          </p:nvPr>
+        </p:nvSpPr>
+        <p:spPr/>
+        <p:txBody>
+          <a:bodyPr/>
+          <a:lstStyle/>
+          <a:p>
+            <a:r>
+              <a:rPr lang="en-US" dirty="0" err="1" smtClean="0"/>
+              <a:t>Lược</a:t>
+            </a:r>
+            <a:r>
+              <a:rPr lang="en-US" dirty="0" smtClean="0"/>
+              <a:t> </a:t>
+            </a:r>
+            <a:r>
+              <a:rPr lang="en-US" dirty="0" err="1" smtClean="0"/>
+              <a:t>sử</a:t>
+            </a:r>
+            <a:endParaRPr lang="en-US" dirty="0"/>
+          </a:p>
+        </p:txBody>
+      </p:sp>
+      <p:sp>
+        <p:nvSpPr>
+          <p:cNvPr id="3" name="Content Placeholder 2"/>
+          <p:cNvSpPr>
+            <a:spLocks noGrp="1"/>
+          </p:cNvSpPr>
+          <p:nvPr>
+            <p:ph idx="1"/>
+          </p:nvPr>
+        </p:nvSpPr>
+        <p:spPr/>
+        <p:txBody>
+          <a:bodyPr/>
+          <a:lstStyle/>
+          <a:p>
+            <a:r>
+              <a:rPr lang="en-US" dirty="0" smtClean="0"/>
+              <a:t>1986: </a:t>
+            </a:r>
+            <a:r>
+              <a:rPr lang="en-US" dirty="0" err="1" smtClean="0"/>
+              <a:t>Các</a:t>
+            </a:r>
+            <a:r>
+              <a:rPr lang="en-US" dirty="0" smtClean="0"/>
+              <a:t> </a:t>
+            </a:r>
+            <a:r>
+              <a:rPr lang="en-US" dirty="0" err="1" smtClean="0"/>
+              <a:t>hệ</a:t>
+            </a:r>
+            <a:r>
+              <a:rPr lang="en-US" dirty="0" smtClean="0"/>
+              <a:t> </a:t>
+            </a:r>
+            <a:r>
+              <a:rPr lang="en-US" dirty="0" err="1" smtClean="0"/>
+              <a:t>thống</a:t>
+            </a:r>
+            <a:r>
+              <a:rPr lang="en-US" dirty="0" smtClean="0"/>
+              <a:t> </a:t>
+            </a:r>
+            <a:r>
+              <a:rPr lang="en-US" dirty="0" err="1" smtClean="0"/>
+              <a:t>được</a:t>
+            </a:r>
+            <a:r>
+              <a:rPr lang="en-US" dirty="0" smtClean="0"/>
+              <a:t> </a:t>
+            </a:r>
+            <a:r>
+              <a:rPr lang="en-US" dirty="0" err="1" smtClean="0"/>
+              <a:t>cộng</a:t>
+            </a:r>
+            <a:r>
+              <a:rPr lang="en-US" dirty="0" smtClean="0"/>
+              <a:t> </a:t>
+            </a:r>
+            <a:r>
+              <a:rPr lang="en-US" dirty="0" err="1" smtClean="0"/>
+              <a:t>tác</a:t>
+            </a:r>
+            <a:r>
+              <a:rPr lang="en-US" dirty="0" smtClean="0"/>
+              <a:t> </a:t>
+            </a:r>
+            <a:r>
+              <a:rPr lang="en-US" dirty="0" err="1" smtClean="0"/>
+              <a:t>và</a:t>
+            </a:r>
+            <a:r>
+              <a:rPr lang="en-US" dirty="0" smtClean="0"/>
+              <a:t> </a:t>
+            </a:r>
+            <a:r>
+              <a:rPr lang="en-US" dirty="0" err="1" smtClean="0"/>
+              <a:t>thương</a:t>
+            </a:r>
+            <a:r>
+              <a:rPr lang="en-US" dirty="0" smtClean="0"/>
+              <a:t> </a:t>
+            </a:r>
+            <a:r>
+              <a:rPr lang="en-US" dirty="0" err="1" smtClean="0"/>
+              <a:t>mại</a:t>
+            </a:r>
+            <a:r>
+              <a:rPr lang="en-US" dirty="0" smtClean="0"/>
+              <a:t> </a:t>
+            </a:r>
+            <a:r>
+              <a:rPr lang="en-US" dirty="0" err="1" smtClean="0"/>
+              <a:t>hóa</a:t>
+            </a:r>
+            <a:r>
+              <a:rPr lang="en-US" dirty="0" smtClean="0"/>
+              <a:t> </a:t>
+            </a:r>
+            <a:r>
+              <a:rPr lang="en-US" dirty="0" err="1" smtClean="0"/>
+              <a:t>trên</a:t>
+            </a:r>
+            <a:r>
+              <a:rPr lang="en-US" dirty="0" smtClean="0"/>
+              <a:t> </a:t>
+            </a:r>
+            <a:r>
+              <a:rPr lang="en-US" dirty="0" err="1" smtClean="0"/>
+              <a:t>nhiều</a:t>
+            </a:r>
+            <a:r>
+              <a:rPr lang="en-US" dirty="0" smtClean="0"/>
+              <a:t> </a:t>
+            </a:r>
+            <a:r>
+              <a:rPr lang="en-US" dirty="0" err="1" smtClean="0"/>
+              <a:t>lĩnh</a:t>
+            </a:r>
+            <a:r>
+              <a:rPr lang="en-US" dirty="0" smtClean="0"/>
+              <a:t> </a:t>
+            </a:r>
+            <a:r>
+              <a:rPr lang="en-US" dirty="0" err="1" smtClean="0"/>
+              <a:t>vực</a:t>
+            </a:r>
+            <a:r>
+              <a:rPr lang="en-US" dirty="0" smtClean="0"/>
+              <a:t> </a:t>
+            </a:r>
+            <a:r>
+              <a:rPr lang="en-US" dirty="0" err="1" smtClean="0"/>
+              <a:t>nhằm</a:t>
+            </a:r>
+            <a:r>
+              <a:rPr lang="en-US" dirty="0" smtClean="0"/>
+              <a:t> </a:t>
+            </a:r>
+            <a:r>
+              <a:rPr lang="en-US" dirty="0" err="1" smtClean="0"/>
+              <a:t>giảm</a:t>
+            </a:r>
+            <a:r>
+              <a:rPr lang="en-US" dirty="0" smtClean="0"/>
+              <a:t> chi </a:t>
+            </a:r>
+            <a:r>
+              <a:rPr lang="en-US" dirty="0" err="1" smtClean="0"/>
+              <a:t>phí</a:t>
+            </a:r>
+            <a:r>
+              <a:rPr lang="en-US" dirty="0" smtClean="0"/>
+              <a:t> </a:t>
+            </a:r>
+            <a:r>
+              <a:rPr lang="en-US" dirty="0" err="1" smtClean="0"/>
+              <a:t>phát</a:t>
+            </a:r>
+            <a:r>
+              <a:rPr lang="en-US" dirty="0" smtClean="0"/>
+              <a:t> </a:t>
+            </a:r>
+            <a:r>
+              <a:rPr lang="en-US" dirty="0" err="1" smtClean="0"/>
+              <a:t>triển</a:t>
+            </a:r>
+            <a:r>
+              <a:rPr lang="en-US" dirty="0" smtClean="0"/>
+              <a:t>, </a:t>
+            </a:r>
+            <a:r>
+              <a:rPr lang="en-US" dirty="0" err="1" smtClean="0"/>
+              <a:t>sản</a:t>
+            </a:r>
+            <a:r>
+              <a:rPr lang="en-US" dirty="0" smtClean="0"/>
+              <a:t> </a:t>
+            </a:r>
+            <a:r>
+              <a:rPr lang="en-US" dirty="0" err="1" smtClean="0"/>
+              <a:t>xuất</a:t>
+            </a:r>
+            <a:r>
+              <a:rPr lang="en-US" dirty="0" smtClean="0"/>
+              <a:t>. VD: </a:t>
+            </a:r>
+            <a:r>
+              <a:rPr lang="en-US" dirty="0" err="1" smtClean="0"/>
+              <a:t>Tập</a:t>
+            </a:r>
+            <a:r>
+              <a:rPr lang="en-US" dirty="0" smtClean="0"/>
+              <a:t> </a:t>
+            </a:r>
+            <a:r>
+              <a:rPr lang="en-US" dirty="0" err="1" smtClean="0"/>
+              <a:t>đoàn</a:t>
+            </a:r>
+            <a:r>
+              <a:rPr lang="en-US" dirty="0" smtClean="0"/>
+              <a:t> Recognition System LLC</a:t>
+            </a:r>
+            <a:endParaRPr lang="en-US" dirty="0"/>
+          </a:p>
+        </p:txBody>
+      </p:sp>
+      <p:pic>
+        <p:nvPicPr>
+          <p:cNvPr id="4098" name="Picture 2"/>
+          <p:cNvPicPr>
+            <a:picLocks noChangeAspect="1" noChangeArrowheads="1"/>
+          </p:cNvPicPr>
+          <p:nvPr/>
+        </p:nvPicPr>
+        <p:blipFill>
+          <a:blip r:embed="rId2" cstate="print">
+            <a:extLst>
+              <a:ext uri="{28A0092B-C50C-407E-A947-70E740481C1C}">
+                <a14:useLocalDpi xmlns="" xmlns:a14="http://schemas.microsoft.com/office/drawing/2010/main" val="0"/>
+              </a:ext>
+            </a:extLst>
+          </a:blip>
+          <a:srcRect/>
+          <a:stretch>
+            <a:fillRect/>
+          </a:stretch>
+        </p:blipFill>
+        <p:spPr bwMode="auto">
+          <a:xfrm>
+            <a:off x="2771135" y="3276600"/>
+            <a:ext cx="2071884" cy="2667000"/>
+          </a:xfrm>
+          <a:prstGeom prst="rect">
+            <a:avLst/>
+          </a:prstGeom>
+          <a:noFill/>
+          <a:ln>
+            <a:noFill/>
+          </a:ln>
+          <a:effectLst/>
+          <a:extLst>
+            <a:ext uri="{909E8E84-426E-40DD-AFC4-6F175D3DCCD1}">
+              <a14:hiddenFill xmlns="" xmlns:a14="http://schemas.microsoft.com/office/drawing/2010/main">
+                <a:solidFill>
+                  <a:schemeClr val="accent1"/>
+                </a:solidFill>
+              </a14:hiddenFill>
+            </a:ext>
+            <a:ext uri="{91240B29-F687-4F45-9708-019B960494DF}">
+              <a14:hiddenLine xmlns="" xmlns:a14="http://schemas.microsoft.com/office/drawing/2010/main" w="9525">
+                <a:solidFill>
+                  <a:schemeClr val="tx1"/>
+                </a:solidFill>
+                <a:miter lim="800000"/>
+                <a:headEnd/>
+                <a:tailEnd/>
+              </a14:hiddenLine>
+            </a:ext>
+            <a:ext uri="{AF507438-7753-43E0-B8FC-AC1667EBCBE1}">
+              <a14:hiddenEffects xmlns="" xmlns:a14="http://schemas.microsoft.com/office/drawing/2010/main">
+                <a:effectLst>
+                  <a:outerShdw dist="35921" dir="2700000" algn="ctr" rotWithShape="0">
+                    <a:schemeClr val="bg2"/>
+                  </a:outerShdw>
+                </a:effectLst>
+              </a14:hiddenEffects>
+            </a:ext>
+          </a:extLst>
+        </p:spPr>
+      </p:pic>
+      <p:sp>
+        <p:nvSpPr>
+          <p:cNvPr id="7" name="TextBox 6"/>
+          <p:cNvSpPr txBox="1"/>
+          <p:nvPr/>
+        </p:nvSpPr>
+        <p:spPr>
+          <a:xfrm>
+            <a:off x="3276600" y="6008132"/>
+            <a:ext cx="855042" cy="369332"/>
+          </a:xfrm>
+          <a:prstGeom prst="rect">
+            <a:avLst/>
+          </a:prstGeom>
+          <a:noFill/>
+        </p:spPr>
+        <p:txBody>
+          <a:bodyPr wrap="none" rtlCol="0">
+            <a:spAutoFit/>
+          </a:bodyPr>
+          <a:lstStyle/>
+          <a:p>
+            <a:r>
+              <a:rPr lang="en-US" dirty="0" smtClean="0"/>
+              <a:t>GT400</a:t>
+            </a:r>
+            <a:endParaRPr lang="en-US" dirty="0"/>
+          </a:p>
+        </p:txBody>
+      </p:sp>
+      <p:sp>
+        <p:nvSpPr>
+          <p:cNvPr id="10" name="Slide Number Placeholder 9"/>
+          <p:cNvSpPr>
+            <a:spLocks noGrp="1"/>
+          </p:cNvSpPr>
+          <p:nvPr>
+            <p:ph type="sldNum" sz="quarter" idx="12"/>
+          </p:nvPr>
+        </p:nvSpPr>
+        <p:spPr/>
+        <p:txBody>
+          <a:bodyPr/>
+          <a:lstStyle/>
+          <a:p>
+            <a:fld id="{B6F15528-21DE-4FAA-801E-634DDDAF4B2B}" type="slidenum">
+              <a:rPr lang="en-US" smtClean="0"/>
+              <a:pPr/>
+              <a:t>10</a:t>
+            </a:fld>
+            <a:endParaRPr lang="en-US"/>
+          </a:p>
+        </p:txBody>
+      </p:sp>
+    </p:spTree>
+  </p:cSld>
+  <p:clrMapOvr>
+    <a:masterClrMapping/>
+  </p:clrMapOvr>
+  <p:timing>
+    <p:tnLst>
+      <p:par>
+        <p:cTn id="1" dur="indefinite" restart="never" nodeType="tmRoot">
+          <p:childTnLst>
+            <p:seq concurrent="1" nextAc="seek">
+              <p:cTn id="2" dur="indefinite" nodeType="mainSeq">
+                <p:childTnLst>
+                  <p:par>
+                    <p:cTn id="3" fill="hold">
+                      <p:stCondLst>
+                        <p:cond delay="indefinite"/>
+                      </p:stCondLst>
+                      <p:childTnLst>
+                        <p:par>
+                          <p:cTn id="4" fill="hold">
+                            <p:stCondLst>
+                              <p:cond delay="0"/>
+                            </p:stCondLst>
+                            <p:childTnLst>
+                              <p:par>
+                                <p:cTn id="5" presetID="10" presetClass="entr" presetSubtype="0" fill="hold" nodeType="clickEffect">
+                                  <p:stCondLst>
+                                    <p:cond delay="0"/>
+                                  </p:stCondLst>
+                                  <p:childTnLst>
+                                    <p:set>
+                                      <p:cBhvr>
+                                        <p:cTn id="6" dur="1" fill="hold">
+                                          <p:stCondLst>
+                                            <p:cond delay="0"/>
+                                          </p:stCondLst>
+                                        </p:cTn>
+                                        <p:tgtEl>
+                                          <p:spTgt spid="3">
+                                            <p:txEl>
+                                              <p:pRg st="0" end="0"/>
+                                            </p:txEl>
+                                          </p:spTgt>
+                                        </p:tgtEl>
+                                        <p:attrNameLst>
+                                          <p:attrName>style.visibility</p:attrName>
+                                        </p:attrNameLst>
+                                      </p:cBhvr>
+                                      <p:to>
+                                        <p:strVal val="visible"/>
+                                      </p:to>
+                                    </p:set>
+                                    <p:animEffect transition="in" filter="fade">
+                                      <p:cBhvr>
+                                        <p:cTn id="7" dur="500"/>
+                                        <p:tgtEl>
+                                          <p:spTgt spid="3">
+                                            <p:txEl>
+                                              <p:pRg st="0" end="0"/>
+                                            </p:txEl>
+                                          </p:spTgt>
+                                        </p:tgtEl>
+                                      </p:cBhvr>
+                                    </p:animEffect>
+                                  </p:childTnLst>
+                                </p:cTn>
+                              </p:par>
+                            </p:childTnLst>
+                          </p:cTn>
+                        </p:par>
+                      </p:childTnLst>
+                    </p:cTn>
+                  </p:par>
+                  <p:par>
+                    <p:cTn id="8" fill="hold">
+                      <p:stCondLst>
+                        <p:cond delay="indefinite"/>
+                      </p:stCondLst>
+                      <p:childTnLst>
+                        <p:par>
+                          <p:cTn id="9" fill="hold">
+                            <p:stCondLst>
+                              <p:cond delay="0"/>
+                            </p:stCondLst>
+                            <p:childTnLst>
+                              <p:par>
+                                <p:cTn id="10" presetID="16" presetClass="entr" presetSubtype="21" fill="hold" nodeType="clickEffect">
+                                  <p:stCondLst>
+                                    <p:cond delay="0"/>
+                                  </p:stCondLst>
+                                  <p:childTnLst>
+                                    <p:set>
+                                      <p:cBhvr>
+                                        <p:cTn id="11" dur="1" fill="hold">
+                                          <p:stCondLst>
+                                            <p:cond delay="0"/>
+                                          </p:stCondLst>
+                                        </p:cTn>
+                                        <p:tgtEl>
+                                          <p:spTgt spid="4098"/>
+                                        </p:tgtEl>
+                                        <p:attrNameLst>
+                                          <p:attrName>style.visibility</p:attrName>
+                                        </p:attrNameLst>
+                                      </p:cBhvr>
+                                      <p:to>
+                                        <p:strVal val="visible"/>
+                                      </p:to>
+                                    </p:set>
+                                    <p:animEffect transition="in" filter="barn(inVertical)">
+                                      <p:cBhvr>
+                                        <p:cTn id="12" dur="500"/>
+                                        <p:tgtEl>
+                                          <p:spTgt spid="4098"/>
+                                        </p:tgtEl>
+                                      </p:cBhvr>
+                                    </p:animEffect>
+                                  </p:childTnLst>
+                                </p:cTn>
+                              </p:par>
+                              <p:par>
+                                <p:cTn id="13" presetID="16" presetClass="entr" presetSubtype="21" fill="hold" grpId="0" nodeType="withEffect">
+                                  <p:stCondLst>
+                                    <p:cond delay="0"/>
+                                  </p:stCondLst>
+                                  <p:childTnLst>
+                                    <p:set>
+                                      <p:cBhvr>
+                                        <p:cTn id="14" dur="1" fill="hold">
+                                          <p:stCondLst>
+                                            <p:cond delay="0"/>
+                                          </p:stCondLst>
+                                        </p:cTn>
+                                        <p:tgtEl>
+                                          <p:spTgt spid="7"/>
+                                        </p:tgtEl>
+                                        <p:attrNameLst>
+                                          <p:attrName>style.visibility</p:attrName>
+                                        </p:attrNameLst>
+                                      </p:cBhvr>
+                                      <p:to>
+                                        <p:strVal val="visible"/>
+                                      </p:to>
+                                    </p:set>
+                                    <p:animEffect transition="in" filter="barn(inVertical)">
+                                      <p:cBhvr>
+                                        <p:cTn id="15" dur="500"/>
+                                        <p:tgtEl>
+                                          <p:spTgt spid="7"/>
+                                        </p:tgtEl>
+                                      </p:cBhvr>
+                                    </p:animEffect>
+                                  </p:childTnLst>
+                                </p:cTn>
+                              </p:par>
+                            </p:childTnLst>
+                          </p:cTn>
+                        </p:par>
+                      </p:childTnLst>
+                    </p:cTn>
+                  </p:par>
+                  <p:par>
+                    <p:cTn id="16" fill="hold">
+                      <p:stCondLst>
+                        <p:cond delay="indefinite"/>
+                      </p:stCondLst>
+                      <p:childTnLst>
+                        <p:par>
+                          <p:cTn id="17" fill="hold">
+                            <p:stCondLst>
+                              <p:cond delay="0"/>
+                            </p:stCondLst>
+                            <p:childTnLst>
+                              <p:par>
+                                <p:cTn id="18" presetID="2" presetClass="exit" presetSubtype="4" fill="hold" grpId="0" nodeType="clickEffect">
+                                  <p:stCondLst>
+                                    <p:cond delay="0"/>
+                                  </p:stCondLst>
+                                  <p:childTnLst>
+                                    <p:anim calcmode="lin" valueType="num">
+                                      <p:cBhvr additive="base">
+                                        <p:cTn id="19" dur="500"/>
+                                        <p:tgtEl>
+                                          <p:spTgt spid="3">
+                                            <p:txEl>
+                                              <p:pRg st="0" end="0"/>
+                                            </p:txEl>
+                                          </p:spTgt>
+                                        </p:tgtEl>
+                                        <p:attrNameLst>
+                                          <p:attrName>ppt_x</p:attrName>
+                                        </p:attrNameLst>
+                                      </p:cBhvr>
+                                      <p:tavLst>
+                                        <p:tav tm="0">
+                                          <p:val>
+                                            <p:strVal val="ppt_x"/>
+                                          </p:val>
+                                        </p:tav>
+                                        <p:tav tm="100000">
+                                          <p:val>
+                                            <p:strVal val="ppt_x"/>
+                                          </p:val>
+                                        </p:tav>
+                                      </p:tavLst>
+                                    </p:anim>
+                                    <p:anim calcmode="lin" valueType="num">
+                                      <p:cBhvr additive="base">
+                                        <p:cTn id="20" dur="500"/>
+                                        <p:tgtEl>
+                                          <p:spTgt spid="3">
+                                            <p:txEl>
+                                              <p:pRg st="0" end="0"/>
+                                            </p:txEl>
+                                          </p:spTgt>
+                                        </p:tgtEl>
+                                        <p:attrNameLst>
+                                          <p:attrName>ppt_y</p:attrName>
+                                        </p:attrNameLst>
+                                      </p:cBhvr>
+                                      <p:tavLst>
+                                        <p:tav tm="0">
+                                          <p:val>
+                                            <p:strVal val="ppt_y"/>
+                                          </p:val>
+                                        </p:tav>
+                                        <p:tav tm="100000">
+                                          <p:val>
+                                            <p:strVal val="1+ppt_h/2"/>
+                                          </p:val>
+                                        </p:tav>
+                                      </p:tavLst>
+                                    </p:anim>
+                                    <p:set>
+                                      <p:cBhvr>
+                                        <p:cTn id="21" dur="1" fill="hold">
+                                          <p:stCondLst>
+                                            <p:cond delay="499"/>
+                                          </p:stCondLst>
+                                        </p:cTn>
+                                        <p:tgtEl>
+                                          <p:spTgt spid="3">
+                                            <p:txEl>
+                                              <p:pRg st="0" end="0"/>
+                                            </p:txEl>
+                                          </p:spTgt>
+                                        </p:tgtEl>
+                                        <p:attrNameLst>
+                                          <p:attrName>style.visibility</p:attrName>
+                                        </p:attrNameLst>
+                                      </p:cBhvr>
+                                      <p:to>
+                                        <p:strVal val="hidden"/>
+                                      </p:to>
+                                    </p:set>
+                                  </p:childTnLst>
+                                </p:cTn>
+                              </p:par>
+                              <p:par>
+                                <p:cTn id="22" presetID="2" presetClass="exit" presetSubtype="4" fill="hold" nodeType="withEffect">
+                                  <p:stCondLst>
+                                    <p:cond delay="0"/>
+                                  </p:stCondLst>
+                                  <p:childTnLst>
+                                    <p:anim calcmode="lin" valueType="num">
+                                      <p:cBhvr additive="base">
+                                        <p:cTn id="23" dur="500"/>
+                                        <p:tgtEl>
+                                          <p:spTgt spid="4098"/>
+                                        </p:tgtEl>
+                                        <p:attrNameLst>
+                                          <p:attrName>ppt_x</p:attrName>
+                                        </p:attrNameLst>
+                                      </p:cBhvr>
+                                      <p:tavLst>
+                                        <p:tav tm="0">
+                                          <p:val>
+                                            <p:strVal val="ppt_x"/>
+                                          </p:val>
+                                        </p:tav>
+                                        <p:tav tm="100000">
+                                          <p:val>
+                                            <p:strVal val="ppt_x"/>
+                                          </p:val>
+                                        </p:tav>
+                                      </p:tavLst>
+                                    </p:anim>
+                                    <p:anim calcmode="lin" valueType="num">
+                                      <p:cBhvr additive="base">
+                                        <p:cTn id="24" dur="500"/>
+                                        <p:tgtEl>
+                                          <p:spTgt spid="4098"/>
+                                        </p:tgtEl>
+                                        <p:attrNameLst>
+                                          <p:attrName>ppt_y</p:attrName>
+                                        </p:attrNameLst>
+                                      </p:cBhvr>
+                                      <p:tavLst>
+                                        <p:tav tm="0">
+                                          <p:val>
+                                            <p:strVal val="ppt_y"/>
+                                          </p:val>
+                                        </p:tav>
+                                        <p:tav tm="100000">
+                                          <p:val>
+                                            <p:strVal val="1+ppt_h/2"/>
+                                          </p:val>
+                                        </p:tav>
+                                      </p:tavLst>
+                                    </p:anim>
+                                    <p:set>
+                                      <p:cBhvr>
+                                        <p:cTn id="25" dur="1" fill="hold">
+                                          <p:stCondLst>
+                                            <p:cond delay="499"/>
+                                          </p:stCondLst>
+                                        </p:cTn>
+                                        <p:tgtEl>
+                                          <p:spTgt spid="4098"/>
+                                        </p:tgtEl>
+                                        <p:attrNameLst>
+                                          <p:attrName>style.visibility</p:attrName>
+                                        </p:attrNameLst>
+                                      </p:cBhvr>
+                                      <p:to>
+                                        <p:strVal val="hidden"/>
+                                      </p:to>
+                                    </p:set>
+                                  </p:childTnLst>
+                                </p:cTn>
+                              </p:par>
+                              <p:par>
+                                <p:cTn id="26" presetID="2" presetClass="exit" presetSubtype="4" fill="hold" grpId="1" nodeType="withEffect">
+                                  <p:stCondLst>
+                                    <p:cond delay="0"/>
+                                  </p:stCondLst>
+                                  <p:childTnLst>
+                                    <p:anim calcmode="lin" valueType="num">
+                                      <p:cBhvr additive="base">
+                                        <p:cTn id="27" dur="500"/>
+                                        <p:tgtEl>
+                                          <p:spTgt spid="7"/>
+                                        </p:tgtEl>
+                                        <p:attrNameLst>
+                                          <p:attrName>ppt_x</p:attrName>
+                                        </p:attrNameLst>
+                                      </p:cBhvr>
+                                      <p:tavLst>
+                                        <p:tav tm="0">
+                                          <p:val>
+                                            <p:strVal val="ppt_x"/>
+                                          </p:val>
+                                        </p:tav>
+                                        <p:tav tm="100000">
+                                          <p:val>
+                                            <p:strVal val="ppt_x"/>
+                                          </p:val>
+                                        </p:tav>
+                                      </p:tavLst>
+                                    </p:anim>
+                                    <p:anim calcmode="lin" valueType="num">
+                                      <p:cBhvr additive="base">
+                                        <p:cTn id="28" dur="500"/>
+                                        <p:tgtEl>
+                                          <p:spTgt spid="7"/>
+                                        </p:tgtEl>
+                                        <p:attrNameLst>
+                                          <p:attrName>ppt_y</p:attrName>
+                                        </p:attrNameLst>
+                                      </p:cBhvr>
+                                      <p:tavLst>
+                                        <p:tav tm="0">
+                                          <p:val>
+                                            <p:strVal val="ppt_y"/>
+                                          </p:val>
+                                        </p:tav>
+                                        <p:tav tm="100000">
+                                          <p:val>
+                                            <p:strVal val="1+ppt_h/2"/>
+                                          </p:val>
+                                        </p:tav>
+                                      </p:tavLst>
+                                    </p:anim>
+                                    <p:set>
+                                      <p:cBhvr>
+                                        <p:cTn id="29" dur="1" fill="hold">
+                                          <p:stCondLst>
+                                            <p:cond delay="499"/>
+                                          </p:stCondLst>
+                                        </p:cTn>
+                                        <p:tgtEl>
+                                          <p:spTgt spid="7"/>
+                                        </p:tgtEl>
+                                        <p:attrNameLst>
+                                          <p:attrName>style.visibility</p:attrName>
+                                        </p:attrNameLst>
+                                      </p:cBhvr>
+                                      <p:to>
+                                        <p:strVal val="hidden"/>
+                                      </p:to>
+                                    </p:set>
+                                  </p:childTnLst>
+                                </p:cTn>
+                              </p:par>
+                            </p:childTnLst>
+                          </p:cTn>
+                        </p:par>
+                      </p:childTnLst>
+                    </p:cTn>
+                  </p:par>
+                </p:childTnLst>
+              </p:cTn>
+              <p:prevCondLst>
+                <p:cond evt="onPrev" delay="0">
+                  <p:tgtEl>
+                    <p:sldTgt/>
+                  </p:tgtEl>
+                </p:cond>
+              </p:prevCondLst>
+              <p:nextCondLst>
+                <p:cond evt="onNext" delay="0">
+                  <p:tgtEl>
+                    <p:sldTgt/>
+                  </p:tgtEl>
+                </p:cond>
+              </p:nextCondLst>
+            </p:seq>
+          </p:childTnLst>
+        </p:cTn>
+      </p:par>
+    </p:tnLst>
+    <p:bldLst>
+      <p:bldP spid="3" grpId="0" build="p"/>
+      <p:bldP spid="7" grpId="0"/>
+      <p:bldP spid="7" grpId="1"/>
+    </p:bldLst>
+  </p:timing>
+</p:sld>
+</file>
+
+<file path=ppt/slides/slide11.xml><?xml version="1.0" encoding="utf-8"?>
+<p:sld xmlns:a="http://schemas.openxmlformats.org/drawingml/2006/main" xmlns:r="http://schemas.openxmlformats.org/officeDocument/2006/relationships" xmlns:p="http://schemas.openxmlformats.org/presentationml/2006/main">
+  <p:cSld>
+    <p:spTree>
+      <p:nvGrpSpPr>
+        <p:cNvPr id="1" name=""/>
+        <p:cNvGrpSpPr/>
+        <p:nvPr/>
+      </p:nvGrpSpPr>
+      <p:grpSpPr>
+        <a:xfrm>
+          <a:off x="0" y="0"/>
+          <a:ext cx="0" cy="0"/>
+          <a:chOff x="0" y="0"/>
+          <a:chExt cx="0" cy="0"/>
+        </a:xfrm>
+      </p:grpSpPr>
+      <p:sp>
+        <p:nvSpPr>
+          <p:cNvPr id="2" name="Title 1"/>
+          <p:cNvSpPr>
+            <a:spLocks noGrp="1"/>
+          </p:cNvSpPr>
+          <p:nvPr>
+            <p:ph type="title"/>
+          </p:nvPr>
+        </p:nvSpPr>
+        <p:spPr/>
+        <p:txBody>
+          <a:bodyPr/>
+          <a:lstStyle/>
+          <a:p>
+            <a:r>
+              <a:rPr lang="en-US" dirty="0" err="1" smtClean="0"/>
+              <a:t>Lược</a:t>
+            </a:r>
+            <a:r>
+              <a:rPr lang="en-US" dirty="0" smtClean="0"/>
+              <a:t> </a:t>
+            </a:r>
+            <a:r>
+              <a:rPr lang="en-US" dirty="0" err="1" smtClean="0"/>
+              <a:t>sử</a:t>
+            </a:r>
+            <a:endParaRPr lang="en-US" dirty="0"/>
+          </a:p>
+        </p:txBody>
+      </p:sp>
+      <p:pic>
+        <p:nvPicPr>
+          <p:cNvPr id="4099" name="Picture 3"/>
+          <p:cNvPicPr>
+            <a:picLocks noChangeAspect="1" noChangeArrowheads="1"/>
+          </p:cNvPicPr>
+          <p:nvPr/>
+        </p:nvPicPr>
+        <p:blipFill>
+          <a:blip r:embed="rId3" cstate="print">
+            <a:extLst>
+              <a:ext uri="{28A0092B-C50C-407E-A947-70E740481C1C}">
+                <a14:useLocalDpi xmlns="" xmlns:a14="http://schemas.microsoft.com/office/drawing/2010/main" val="0"/>
+              </a:ext>
+            </a:extLst>
+          </a:blip>
+          <a:srcRect/>
+          <a:stretch>
+            <a:fillRect/>
+          </a:stretch>
+        </p:blipFill>
+        <p:spPr bwMode="auto">
+          <a:xfrm>
+            <a:off x="6753225" y="2590800"/>
+            <a:ext cx="2085975" cy="2571750"/>
+          </a:xfrm>
+          <a:prstGeom prst="rect">
+            <a:avLst/>
+          </a:prstGeom>
+          <a:noFill/>
+          <a:ln>
+            <a:noFill/>
+          </a:ln>
+          <a:effectLst/>
+          <a:extLst>
+            <a:ext uri="{909E8E84-426E-40DD-AFC4-6F175D3DCCD1}">
+              <a14:hiddenFill xmlns="" xmlns:a14="http://schemas.microsoft.com/office/drawing/2010/main">
+                <a:solidFill>
+                  <a:schemeClr val="accent1"/>
+                </a:solidFill>
+              </a14:hiddenFill>
+            </a:ext>
+            <a:ext uri="{91240B29-F687-4F45-9708-019B960494DF}">
+              <a14:hiddenLine xmlns="" xmlns:a14="http://schemas.microsoft.com/office/drawing/2010/main" w="9525">
+                <a:solidFill>
+                  <a:schemeClr val="tx1"/>
+                </a:solidFill>
+                <a:miter lim="800000"/>
+                <a:headEnd/>
+                <a:tailEnd/>
+              </a14:hiddenLine>
+            </a:ext>
+            <a:ext uri="{AF507438-7753-43E0-B8FC-AC1667EBCBE1}">
+              <a14:hiddenEffects xmlns="" xmlns:a14="http://schemas.microsoft.com/office/drawing/2010/main">
+                <a:effectLst>
+                  <a:outerShdw dist="35921" dir="2700000" algn="ctr" rotWithShape="0">
+                    <a:schemeClr val="bg2"/>
+                  </a:outerShdw>
+                </a:effectLst>
+              </a14:hiddenEffects>
+            </a:ext>
+          </a:extLst>
+        </p:spPr>
+      </p:pic>
+      <p:sp>
+        <p:nvSpPr>
+          <p:cNvPr id="4" name="TextBox 3"/>
+          <p:cNvSpPr txBox="1"/>
+          <p:nvPr/>
+        </p:nvSpPr>
+        <p:spPr>
+          <a:xfrm>
+            <a:off x="7129618" y="5284047"/>
+            <a:ext cx="1333185" cy="369332"/>
+          </a:xfrm>
+          <a:prstGeom prst="rect">
+            <a:avLst/>
+          </a:prstGeom>
+          <a:noFill/>
+        </p:spPr>
+        <p:txBody>
+          <a:bodyPr wrap="none" rtlCol="0">
+            <a:spAutoFit/>
+          </a:bodyPr>
+          <a:lstStyle/>
+          <a:p>
+            <a:r>
+              <a:rPr lang="en-US" dirty="0" err="1" smtClean="0"/>
+              <a:t>Chiếc</a:t>
+            </a:r>
+            <a:r>
+              <a:rPr lang="en-US" dirty="0" smtClean="0"/>
+              <a:t> ID3D</a:t>
+            </a:r>
+            <a:endParaRPr lang="en-US" dirty="0"/>
+          </a:p>
+        </p:txBody>
+      </p:sp>
+      <p:sp>
+        <p:nvSpPr>
+          <p:cNvPr id="9" name="Content Placeholder 2"/>
+          <p:cNvSpPr txBox="1">
+            <a:spLocks/>
+          </p:cNvSpPr>
+          <p:nvPr/>
+        </p:nvSpPr>
+        <p:spPr>
+          <a:xfrm>
+            <a:off x="381000" y="1935480"/>
+            <a:ext cx="6248400" cy="4389120"/>
+          </a:xfrm>
+          <a:prstGeom prst="rect">
+            <a:avLst/>
+          </a:prstGeom>
+        </p:spPr>
+        <p:txBody>
+          <a:bodyPr vert="horz">
+            <a:normAutofit/>
+          </a:bodyPr>
+          <a:lstStyle>
+            <a:lvl1pPr marL="274320" indent="-274320" algn="l" rtl="0" eaLnBrk="1" latinLnBrk="0" hangingPunct="1">
+              <a:spcBef>
+                <a:spcPct val="20000"/>
+              </a:spcBef>
+              <a:buClr>
+                <a:schemeClr val="accent3"/>
+              </a:buClr>
+              <a:buSzPct val="95000"/>
+              <a:buFont typeface="Wingdings 2"/>
+              <a:buChar char=""/>
+              <a:defRPr kumimoji="0" sz="2600" kern="1200">
+                <a:solidFill>
+                  <a:schemeClr val="tx1"/>
+                </a:solidFill>
+                <a:latin typeface="Arial" pitchFamily="34" charset="0"/>
+                <a:ea typeface="+mn-ea"/>
+                <a:cs typeface="Arial" pitchFamily="34" charset="0"/>
+              </a:defRPr>
+            </a:lvl1pPr>
+            <a:lvl2pPr marL="640080" indent="-246888" algn="l" rtl="0" eaLnBrk="1" latinLnBrk="0" hangingPunct="1">
+              <a:spcBef>
+                <a:spcPct val="20000"/>
+              </a:spcBef>
+              <a:buClr>
+                <a:schemeClr val="accent1"/>
+              </a:buClr>
+              <a:buSzPct val="85000"/>
+              <a:buFont typeface="Wingdings 2"/>
+              <a:buChar char=""/>
+              <a:defRPr kumimoji="0" sz="2400" kern="1200">
+                <a:solidFill>
+                  <a:schemeClr val="tx1"/>
+                </a:solidFill>
+                <a:latin typeface="Arial" pitchFamily="34" charset="0"/>
+                <a:ea typeface="+mn-ea"/>
+                <a:cs typeface="Arial" pitchFamily="34" charset="0"/>
+              </a:defRPr>
+            </a:lvl2pPr>
+            <a:lvl3pPr marL="914400" indent="-246888" algn="l" rtl="0" eaLnBrk="1" latinLnBrk="0" hangingPunct="1">
+              <a:spcBef>
+                <a:spcPct val="20000"/>
+              </a:spcBef>
+              <a:buClr>
+                <a:schemeClr val="accent2"/>
+              </a:buClr>
+              <a:buSzPct val="70000"/>
+              <a:buFont typeface="Wingdings 2"/>
+              <a:buChar char=""/>
+              <a:defRPr kumimoji="0" sz="2100" kern="1200">
+                <a:solidFill>
+                  <a:schemeClr val="tx1"/>
+                </a:solidFill>
+                <a:latin typeface="Arial" pitchFamily="34" charset="0"/>
+                <a:ea typeface="+mn-ea"/>
+                <a:cs typeface="Arial" pitchFamily="34" charset="0"/>
+              </a:defRPr>
+            </a:lvl3pPr>
+            <a:lvl4pPr marL="1188720" indent="-210312" algn="l" rtl="0" eaLnBrk="1" latinLnBrk="0" hangingPunct="1">
+              <a:spcBef>
+                <a:spcPct val="20000"/>
+              </a:spcBef>
+              <a:buClr>
+                <a:schemeClr val="accent3"/>
+              </a:buClr>
+              <a:buSzPct val="65000"/>
+              <a:buFont typeface="Wingdings 2"/>
+              <a:buChar char=""/>
+              <a:defRPr kumimoji="0" sz="2000" kern="1200">
+                <a:solidFill>
+                  <a:schemeClr val="tx1"/>
+                </a:solidFill>
+                <a:latin typeface="Arial" pitchFamily="34" charset="0"/>
+                <a:ea typeface="+mn-ea"/>
+                <a:cs typeface="Arial" pitchFamily="34" charset="0"/>
+              </a:defRPr>
+            </a:lvl4pPr>
+            <a:lvl5pPr marL="1463040" indent="-210312" algn="l" rtl="0" eaLnBrk="1" latinLnBrk="0" hangingPunct="1">
+              <a:spcBef>
+                <a:spcPct val="20000"/>
+              </a:spcBef>
+              <a:buClr>
+                <a:schemeClr val="accent4"/>
+              </a:buClr>
+              <a:buSzPct val="65000"/>
+              <a:buFont typeface="Wingdings 2"/>
+              <a:buChar char=""/>
+              <a:defRPr kumimoji="0" sz="2000" kern="1200">
+                <a:solidFill>
+                  <a:schemeClr val="tx1"/>
+                </a:solidFill>
+                <a:latin typeface="Arial" pitchFamily="34" charset="0"/>
+                <a:ea typeface="+mn-ea"/>
+                <a:cs typeface="Arial" pitchFamily="34" charset="0"/>
+              </a:defRPr>
+            </a:lvl5pPr>
+            <a:lvl6pPr marL="1737360" indent="-210312" algn="l" rtl="0" eaLnBrk="1" latinLnBrk="0" hangingPunct="1">
+              <a:spcBef>
+                <a:spcPct val="20000"/>
+              </a:spcBef>
+              <a:buClr>
+                <a:schemeClr val="accent5"/>
+              </a:buClr>
+              <a:buSzPct val="80000"/>
+              <a:buFont typeface="Wingdings 2"/>
+              <a:buChar char=""/>
+              <a:defRPr kumimoji="0" sz="1800" kern="1200">
+                <a:solidFill>
+                  <a:schemeClr val="tx1"/>
+                </a:solidFill>
+                <a:latin typeface="+mn-lt"/>
+                <a:ea typeface="+mn-ea"/>
+                <a:cs typeface="+mn-cs"/>
+              </a:defRPr>
+            </a:lvl6pPr>
+            <a:lvl7pPr marL="1920240" indent="-182880" algn="l" rtl="0" eaLnBrk="1" latinLnBrk="0" hangingPunct="1">
+              <a:spcBef>
+                <a:spcPct val="20000"/>
+              </a:spcBef>
+              <a:buClr>
+                <a:schemeClr val="accent6"/>
+              </a:buClr>
+              <a:buSzPct val="80000"/>
+              <a:buFont typeface="Wingdings 2"/>
+              <a:buChar char=""/>
+              <a:defRPr kumimoji="0" sz="1600" kern="1200" baseline="0">
+                <a:solidFill>
+                  <a:schemeClr val="tx1"/>
+                </a:solidFill>
+                <a:latin typeface="+mn-lt"/>
+                <a:ea typeface="+mn-ea"/>
+                <a:cs typeface="+mn-cs"/>
+              </a:defRPr>
+            </a:lvl7pPr>
+            <a:lvl8pPr marL="2194560" indent="-182880" algn="l" rtl="0" eaLnBrk="1" latinLnBrk="0" hangingPunct="1">
+              <a:spcBef>
+                <a:spcPct val="20000"/>
+              </a:spcBef>
+              <a:buClr>
+                <a:schemeClr val="tx2"/>
+              </a:buClr>
+              <a:buChar char="•"/>
+              <a:defRPr kumimoji="0" sz="1600" kern="1200">
+                <a:solidFill>
+                  <a:schemeClr val="tx1"/>
+                </a:solidFill>
+                <a:latin typeface="+mn-lt"/>
+                <a:ea typeface="+mn-ea"/>
+                <a:cs typeface="+mn-cs"/>
+              </a:defRPr>
+            </a:lvl8pPr>
+            <a:lvl9pPr marL="2468880" indent="-182880" algn="l" rtl="0" eaLnBrk="1" latinLnBrk="0" hangingPunct="1">
+              <a:spcBef>
+                <a:spcPct val="20000"/>
+              </a:spcBef>
+              <a:buClr>
+                <a:schemeClr val="tx2"/>
+              </a:buClr>
+              <a:buFontTx/>
+              <a:buChar char="•"/>
+              <a:defRPr kumimoji="0" sz="1400" kern="1200" baseline="0">
+                <a:solidFill>
+                  <a:schemeClr val="tx1"/>
+                </a:solidFill>
+                <a:latin typeface="+mn-lt"/>
+                <a:ea typeface="+mn-ea"/>
+                <a:cs typeface="+mn-cs"/>
+              </a:defRPr>
+            </a:lvl9pPr>
+          </a:lstStyle>
+          <a:p>
+            <a:r>
+              <a:rPr lang="en-US" dirty="0" err="1" smtClean="0"/>
+              <a:t>Máy</a:t>
+            </a:r>
+            <a:r>
+              <a:rPr lang="en-US" dirty="0" smtClean="0"/>
+              <a:t> II3D:</a:t>
+            </a:r>
+          </a:p>
+          <a:p>
+            <a:pPr lvl="1">
+              <a:lnSpc>
+                <a:spcPct val="150000"/>
+              </a:lnSpc>
+            </a:pPr>
+            <a:r>
+              <a:rPr lang="en-US" dirty="0" err="1" smtClean="0"/>
+              <a:t>Mô</a:t>
+            </a:r>
+            <a:r>
+              <a:rPr lang="en-US" dirty="0" smtClean="0"/>
+              <a:t> </a:t>
+            </a:r>
+            <a:r>
+              <a:rPr lang="en-US" dirty="0" err="1" smtClean="0"/>
+              <a:t>hình</a:t>
+            </a:r>
+            <a:r>
+              <a:rPr lang="en-US" dirty="0" smtClean="0"/>
+              <a:t> 3 </a:t>
+            </a:r>
+            <a:r>
+              <a:rPr lang="en-US" dirty="0" err="1" smtClean="0"/>
+              <a:t>chiều</a:t>
+            </a:r>
+            <a:endParaRPr lang="en-US" dirty="0" smtClean="0"/>
+          </a:p>
+          <a:p>
+            <a:pPr lvl="1">
+              <a:lnSpc>
+                <a:spcPct val="150000"/>
+              </a:lnSpc>
+            </a:pPr>
+            <a:r>
+              <a:rPr lang="en-US" dirty="0" err="1" smtClean="0"/>
+              <a:t>M</a:t>
+            </a:r>
+            <a:r>
+              <a:rPr lang="en-US" dirty="0" err="1" smtClean="0"/>
+              <a:t>ô</a:t>
+            </a:r>
+            <a:r>
+              <a:rPr lang="en-US" dirty="0" smtClean="0"/>
+              <a:t> </a:t>
+            </a:r>
+            <a:r>
+              <a:rPr lang="en-US" dirty="0" err="1" smtClean="0"/>
+              <a:t>phỏng</a:t>
+            </a:r>
+            <a:r>
+              <a:rPr lang="en-US" dirty="0" smtClean="0"/>
+              <a:t> Card </a:t>
+            </a:r>
+            <a:r>
+              <a:rPr lang="en-US" dirty="0" smtClean="0"/>
+              <a:t>Reader, </a:t>
+            </a:r>
+            <a:r>
+              <a:rPr lang="en-US" dirty="0" err="1" smtClean="0"/>
+              <a:t>có</a:t>
+            </a:r>
+            <a:r>
+              <a:rPr lang="en-US" dirty="0" smtClean="0"/>
+              <a:t> </a:t>
+            </a:r>
+            <a:r>
+              <a:rPr lang="en-US" dirty="0" err="1" smtClean="0"/>
+              <a:t>thể</a:t>
+            </a:r>
+            <a:r>
+              <a:rPr lang="en-US" dirty="0" smtClean="0"/>
+              <a:t> </a:t>
+            </a:r>
+            <a:r>
+              <a:rPr lang="en-US" dirty="0" err="1" smtClean="0"/>
+              <a:t>kết</a:t>
+            </a:r>
+            <a:r>
+              <a:rPr lang="en-US" dirty="0" smtClean="0"/>
+              <a:t> </a:t>
+            </a:r>
+            <a:r>
+              <a:rPr lang="en-US" dirty="0" err="1" smtClean="0"/>
+              <a:t>hợp</a:t>
+            </a:r>
+            <a:r>
+              <a:rPr lang="en-US" dirty="0" smtClean="0"/>
+              <a:t> </a:t>
+            </a:r>
+            <a:r>
+              <a:rPr lang="en-US" dirty="0" err="1" smtClean="0"/>
+              <a:t>ứng</a:t>
+            </a:r>
+            <a:r>
+              <a:rPr lang="en-US" dirty="0" smtClean="0"/>
+              <a:t> </a:t>
+            </a:r>
+            <a:r>
+              <a:rPr lang="en-US" dirty="0" err="1" smtClean="0"/>
+              <a:t>dụng</a:t>
+            </a:r>
+            <a:r>
+              <a:rPr lang="en-US" dirty="0" smtClean="0"/>
+              <a:t> Door </a:t>
+            </a:r>
+            <a:r>
+              <a:rPr lang="en-US" dirty="0" smtClean="0"/>
+              <a:t>Open, Logging </a:t>
+            </a:r>
+            <a:r>
+              <a:rPr lang="en-US" dirty="0" smtClean="0"/>
+              <a:t>Printer</a:t>
+            </a:r>
+            <a:endParaRPr lang="en-US" dirty="0" smtClean="0"/>
+          </a:p>
+          <a:p>
+            <a:pPr lvl="1">
+              <a:lnSpc>
+                <a:spcPct val="150000"/>
+              </a:lnSpc>
+            </a:pPr>
+            <a:r>
+              <a:rPr lang="en-US" b="1" dirty="0" err="1" smtClean="0"/>
+              <a:t>Quan</a:t>
+            </a:r>
+            <a:r>
+              <a:rPr lang="en-US" b="1" dirty="0" smtClean="0"/>
+              <a:t> </a:t>
+            </a:r>
+            <a:r>
+              <a:rPr lang="en-US" b="1" dirty="0" err="1" smtClean="0"/>
+              <a:t>trọng</a:t>
+            </a:r>
+            <a:r>
+              <a:rPr lang="en-US" b="1" dirty="0" smtClean="0"/>
+              <a:t>:</a:t>
+            </a:r>
+            <a:r>
+              <a:rPr lang="en-US" dirty="0" smtClean="0"/>
+              <a:t> </a:t>
+            </a:r>
+            <a:r>
+              <a:rPr lang="en-US" dirty="0" err="1" smtClean="0"/>
+              <a:t>Giá</a:t>
+            </a:r>
+            <a:r>
+              <a:rPr lang="en-US" dirty="0" smtClean="0"/>
+              <a:t> </a:t>
+            </a:r>
+            <a:r>
+              <a:rPr lang="en-US" dirty="0" err="1" smtClean="0"/>
+              <a:t>rẻ</a:t>
+            </a:r>
+            <a:endParaRPr lang="en-US" dirty="0"/>
+          </a:p>
+        </p:txBody>
+      </p:sp>
+      <p:sp>
+        <p:nvSpPr>
+          <p:cNvPr id="10" name="Slide Number Placeholder 9"/>
+          <p:cNvSpPr>
+            <a:spLocks noGrp="1"/>
+          </p:cNvSpPr>
+          <p:nvPr>
+            <p:ph type="sldNum" sz="quarter" idx="12"/>
+          </p:nvPr>
+        </p:nvSpPr>
+        <p:spPr/>
+        <p:txBody>
+          <a:bodyPr/>
+          <a:lstStyle/>
+          <a:p>
+            <a:fld id="{B6F15528-21DE-4FAA-801E-634DDDAF4B2B}" type="slidenum">
+              <a:rPr lang="en-US" smtClean="0"/>
+              <a:pPr/>
+              <a:t>11</a:t>
+            </a:fld>
+            <a:endParaRPr lang="en-US"/>
+          </a:p>
+        </p:txBody>
+      </p:sp>
+    </p:spTree>
+  </p:cSld>
+  <p:clrMapOvr>
+    <a:masterClrMapping/>
+  </p:clrMapOvr>
+  <p:timing>
+    <p:tnLst>
+      <p:par>
+        <p:cTn id="1" dur="indefinite" restart="never" nodeType="tmRoot">
+          <p:childTnLst>
+            <p:seq concurrent="1" nextAc="seek">
+              <p:cTn id="2" dur="indefinite" nodeType="mainSeq">
+                <p:childTnLst>
+                  <p:par>
+                    <p:cTn id="3" fill="hold">
+                      <p:stCondLst>
+                        <p:cond delay="indefinite"/>
+                      </p:stCondLst>
+                      <p:childTnLst>
+                        <p:par>
+                          <p:cTn id="4" fill="hold">
+                            <p:stCondLst>
+                              <p:cond delay="0"/>
+                            </p:stCondLst>
+                            <p:childTnLst>
+                              <p:par>
+                                <p:cTn id="5" presetID="16" presetClass="entr" presetSubtype="21" fill="hold" nodeType="clickEffect">
+                                  <p:stCondLst>
+                                    <p:cond delay="0"/>
+                                  </p:stCondLst>
+                                  <p:childTnLst>
+                                    <p:set>
+                                      <p:cBhvr>
+                                        <p:cTn id="6" dur="1" fill="hold">
+                                          <p:stCondLst>
+                                            <p:cond delay="0"/>
+                                          </p:stCondLst>
+                                        </p:cTn>
+                                        <p:tgtEl>
+                                          <p:spTgt spid="4099"/>
+                                        </p:tgtEl>
+                                        <p:attrNameLst>
+                                          <p:attrName>style.visibility</p:attrName>
+                                        </p:attrNameLst>
+                                      </p:cBhvr>
+                                      <p:to>
+                                        <p:strVal val="visible"/>
+                                      </p:to>
+                                    </p:set>
+                                    <p:animEffect transition="in" filter="barn(inVertical)">
+                                      <p:cBhvr>
+                                        <p:cTn id="7" dur="500"/>
+                                        <p:tgtEl>
+                                          <p:spTgt spid="4099"/>
+                                        </p:tgtEl>
+                                      </p:cBhvr>
+                                    </p:animEffect>
+                                  </p:childTnLst>
+                                </p:cTn>
+                              </p:par>
+                              <p:par>
+                                <p:cTn id="8" presetID="16" presetClass="entr" presetSubtype="21" fill="hold" grpId="0" nodeType="withEffect">
+                                  <p:stCondLst>
+                                    <p:cond delay="0"/>
+                                  </p:stCondLst>
+                                  <p:childTnLst>
+                                    <p:set>
+                                      <p:cBhvr>
+                                        <p:cTn id="9" dur="1" fill="hold">
+                                          <p:stCondLst>
+                                            <p:cond delay="0"/>
+                                          </p:stCondLst>
+                                        </p:cTn>
+                                        <p:tgtEl>
+                                          <p:spTgt spid="4"/>
+                                        </p:tgtEl>
+                                        <p:attrNameLst>
+                                          <p:attrName>style.visibility</p:attrName>
+                                        </p:attrNameLst>
+                                      </p:cBhvr>
+                                      <p:to>
+                                        <p:strVal val="visible"/>
+                                      </p:to>
+                                    </p:set>
+                                    <p:animEffect transition="in" filter="barn(inVertical)">
+                                      <p:cBhvr>
+                                        <p:cTn id="10" dur="500"/>
+                                        <p:tgtEl>
+                                          <p:spTgt spid="4"/>
+                                        </p:tgtEl>
+                                      </p:cBhvr>
+                                    </p:animEffect>
+                                  </p:childTnLst>
+                                </p:cTn>
+                              </p:par>
+                              <p:par>
+                                <p:cTn id="11" presetID="2" presetClass="exit" presetSubtype="4" fill="hold" nodeType="withEffect">
+                                  <p:stCondLst>
+                                    <p:cond delay="0"/>
+                                  </p:stCondLst>
+                                  <p:childTnLst>
+                                    <p:anim calcmode="lin" valueType="num">
+                                      <p:cBhvr additive="base">
+                                        <p:cTn id="12" dur="500"/>
+                                        <p:tgtEl>
+                                          <p:spTgt spid="4099"/>
+                                        </p:tgtEl>
+                                        <p:attrNameLst>
+                                          <p:attrName>ppt_x</p:attrName>
+                                        </p:attrNameLst>
+                                      </p:cBhvr>
+                                      <p:tavLst>
+                                        <p:tav tm="0">
+                                          <p:val>
+                                            <p:strVal val="ppt_x"/>
+                                          </p:val>
+                                        </p:tav>
+                                        <p:tav tm="100000">
+                                          <p:val>
+                                            <p:strVal val="ppt_x"/>
+                                          </p:val>
+                                        </p:tav>
+                                      </p:tavLst>
+                                    </p:anim>
+                                    <p:anim calcmode="lin" valueType="num">
+                                      <p:cBhvr additive="base">
+                                        <p:cTn id="13" dur="500"/>
+                                        <p:tgtEl>
+                                          <p:spTgt spid="4099"/>
+                                        </p:tgtEl>
+                                        <p:attrNameLst>
+                                          <p:attrName>ppt_y</p:attrName>
+                                        </p:attrNameLst>
+                                      </p:cBhvr>
+                                      <p:tavLst>
+                                        <p:tav tm="0">
+                                          <p:val>
+                                            <p:strVal val="ppt_y"/>
+                                          </p:val>
+                                        </p:tav>
+                                        <p:tav tm="100000">
+                                          <p:val>
+                                            <p:strVal val="1+ppt_h/2"/>
+                                          </p:val>
+                                        </p:tav>
+                                      </p:tavLst>
+                                    </p:anim>
+                                    <p:set>
+                                      <p:cBhvr>
+                                        <p:cTn id="14" dur="1" fill="hold">
+                                          <p:stCondLst>
+                                            <p:cond delay="499"/>
+                                          </p:stCondLst>
+                                        </p:cTn>
+                                        <p:tgtEl>
+                                          <p:spTgt spid="4099"/>
+                                        </p:tgtEl>
+                                        <p:attrNameLst>
+                                          <p:attrName>style.visibility</p:attrName>
+                                        </p:attrNameLst>
+                                      </p:cBhvr>
+                                      <p:to>
+                                        <p:strVal val="hidden"/>
+                                      </p:to>
+                                    </p:set>
+                                  </p:childTnLst>
+                                </p:cTn>
+                              </p:par>
+                              <p:par>
+                                <p:cTn id="15" presetID="2" presetClass="exit" presetSubtype="4" fill="hold" grpId="1" nodeType="withEffect">
+                                  <p:stCondLst>
+                                    <p:cond delay="0"/>
+                                  </p:stCondLst>
+                                  <p:childTnLst>
+                                    <p:anim calcmode="lin" valueType="num">
+                                      <p:cBhvr additive="base">
+                                        <p:cTn id="16" dur="500"/>
+                                        <p:tgtEl>
+                                          <p:spTgt spid="4"/>
+                                        </p:tgtEl>
+                                        <p:attrNameLst>
+                                          <p:attrName>ppt_x</p:attrName>
+                                        </p:attrNameLst>
+                                      </p:cBhvr>
+                                      <p:tavLst>
+                                        <p:tav tm="0">
+                                          <p:val>
+                                            <p:strVal val="ppt_x"/>
+                                          </p:val>
+                                        </p:tav>
+                                        <p:tav tm="100000">
+                                          <p:val>
+                                            <p:strVal val="ppt_x"/>
+                                          </p:val>
+                                        </p:tav>
+                                      </p:tavLst>
+                                    </p:anim>
+                                    <p:anim calcmode="lin" valueType="num">
+                                      <p:cBhvr additive="base">
+                                        <p:cTn id="17" dur="500"/>
+                                        <p:tgtEl>
+                                          <p:spTgt spid="4"/>
+                                        </p:tgtEl>
+                                        <p:attrNameLst>
+                                          <p:attrName>ppt_y</p:attrName>
+                                        </p:attrNameLst>
+                                      </p:cBhvr>
+                                      <p:tavLst>
+                                        <p:tav tm="0">
+                                          <p:val>
+                                            <p:strVal val="ppt_y"/>
+                                          </p:val>
+                                        </p:tav>
+                                        <p:tav tm="100000">
+                                          <p:val>
+                                            <p:strVal val="1+ppt_h/2"/>
+                                          </p:val>
+                                        </p:tav>
+                                      </p:tavLst>
+                                    </p:anim>
+                                    <p:set>
+                                      <p:cBhvr>
+                                        <p:cTn id="18" dur="1" fill="hold">
+                                          <p:stCondLst>
+                                            <p:cond delay="499"/>
+                                          </p:stCondLst>
+                                        </p:cTn>
+                                        <p:tgtEl>
+                                          <p:spTgt spid="4"/>
+                                        </p:tgtEl>
+                                        <p:attrNameLst>
+                                          <p:attrName>style.visibility</p:attrName>
+                                        </p:attrNameLst>
+                                      </p:cBhvr>
+                                      <p:to>
+                                        <p:strVal val="hidden"/>
+                                      </p:to>
+                                    </p:set>
+                                  </p:childTnLst>
+                                </p:cTn>
+                              </p:par>
+                            </p:childTnLst>
+                          </p:cTn>
+                        </p:par>
+                      </p:childTnLst>
+                    </p:cTn>
+                  </p:par>
+                  <p:par>
+                    <p:cTn id="19" fill="hold">
+                      <p:stCondLst>
+                        <p:cond delay="indefinite"/>
+                      </p:stCondLst>
+                      <p:childTnLst>
+                        <p:par>
+                          <p:cTn id="20" fill="hold">
+                            <p:stCondLst>
+                              <p:cond delay="0"/>
+                            </p:stCondLst>
+                            <p:childTnLst>
+                              <p:par>
+                                <p:cTn id="21" presetID="2" presetClass="entr" presetSubtype="4" fill="hold" grpId="0" nodeType="clickEffect">
+                                  <p:stCondLst>
+                                    <p:cond delay="0"/>
+                                  </p:stCondLst>
+                                  <p:childTnLst>
+                                    <p:set>
+                                      <p:cBhvr>
+                                        <p:cTn id="22" dur="1" fill="hold">
+                                          <p:stCondLst>
+                                            <p:cond delay="0"/>
+                                          </p:stCondLst>
+                                        </p:cTn>
+                                        <p:tgtEl>
+                                          <p:spTgt spid="9"/>
+                                        </p:tgtEl>
+                                        <p:attrNameLst>
+                                          <p:attrName>style.visibility</p:attrName>
+                                        </p:attrNameLst>
+                                      </p:cBhvr>
+                                      <p:to>
+                                        <p:strVal val="visible"/>
+                                      </p:to>
+                                    </p:set>
+                                    <p:anim calcmode="lin" valueType="num">
+                                      <p:cBhvr additive="base">
+                                        <p:cTn id="23" dur="500" fill="hold"/>
+                                        <p:tgtEl>
+                                          <p:spTgt spid="9"/>
+                                        </p:tgtEl>
+                                        <p:attrNameLst>
+                                          <p:attrName>ppt_x</p:attrName>
+                                        </p:attrNameLst>
+                                      </p:cBhvr>
+                                      <p:tavLst>
+                                        <p:tav tm="0">
+                                          <p:val>
+                                            <p:strVal val="#ppt_x"/>
+                                          </p:val>
+                                        </p:tav>
+                                        <p:tav tm="100000">
+                                          <p:val>
+                                            <p:strVal val="#ppt_x"/>
+                                          </p:val>
+                                        </p:tav>
+                                      </p:tavLst>
+                                    </p:anim>
+                                    <p:anim calcmode="lin" valueType="num">
+                                      <p:cBhvr additive="base">
+                                        <p:cTn id="24" dur="500" fill="hold"/>
+                                        <p:tgtEl>
+                                          <p:spTgt spid="9"/>
+                                        </p:tgtEl>
+                                        <p:attrNameLst>
+                                          <p:attrName>ppt_y</p:attrName>
+                                        </p:attrNameLst>
+                                      </p:cBhvr>
+                                      <p:tavLst>
+                                        <p:tav tm="0">
+                                          <p:val>
+                                            <p:strVal val="1+#ppt_h/2"/>
+                                          </p:val>
+                                        </p:tav>
+                                        <p:tav tm="100000">
+                                          <p:val>
+                                            <p:strVal val="#ppt_y"/>
+                                          </p:val>
+                                        </p:tav>
+                                      </p:tavLst>
+                                    </p:anim>
+                                  </p:childTnLst>
+                                </p:cTn>
+                              </p:par>
+                            </p:childTnLst>
+                          </p:cTn>
+                        </p:par>
+                      </p:childTnLst>
+                    </p:cTn>
+                  </p:par>
+                </p:childTnLst>
+              </p:cTn>
+              <p:prevCondLst>
+                <p:cond evt="onPrev" delay="0">
+                  <p:tgtEl>
+                    <p:sldTgt/>
+                  </p:tgtEl>
+                </p:cond>
+              </p:prevCondLst>
+              <p:nextCondLst>
+                <p:cond evt="onNext" delay="0">
+                  <p:tgtEl>
+                    <p:sldTgt/>
+                  </p:tgtEl>
+                </p:cond>
+              </p:nextCondLst>
+            </p:seq>
+          </p:childTnLst>
+        </p:cTn>
+      </p:par>
+    </p:tnLst>
+    <p:bldLst>
+      <p:bldP spid="4" grpId="0"/>
+      <p:bldP spid="4" grpId="1"/>
+      <p:bldP spid="9" grpId="0"/>
+    </p:bldLst>
+  </p:timing>
+</p:sld>
+</file>
+
+<file path=ppt/slides/slide12.xml><?xml version="1.0" encoding="utf-8"?>
+<p:sld xmlns:a="http://schemas.openxmlformats.org/drawingml/2006/main" xmlns:r="http://schemas.openxmlformats.org/officeDocument/2006/relationships" xmlns:p="http://schemas.openxmlformats.org/presentationml/2006/main">
+  <p:cSld>
+    <p:spTree>
+      <p:nvGrpSpPr>
+        <p:cNvPr id="1" name=""/>
+        <p:cNvGrpSpPr/>
+        <p:nvPr/>
+      </p:nvGrpSpPr>
+      <p:grpSpPr>
+        <a:xfrm>
+          <a:off x="0" y="0"/>
+          <a:ext cx="0" cy="0"/>
+          <a:chOff x="0" y="0"/>
+          <a:chExt cx="0" cy="0"/>
+        </a:xfrm>
+      </p:grpSpPr>
+      <p:sp>
+        <p:nvSpPr>
+          <p:cNvPr id="2" name="Title 1"/>
+          <p:cNvSpPr>
+            <a:spLocks noGrp="1"/>
+          </p:cNvSpPr>
+          <p:nvPr>
+            <p:ph type="title"/>
+          </p:nvPr>
+        </p:nvSpPr>
+        <p:spPr/>
+        <p:txBody>
+          <a:bodyPr/>
+          <a:lstStyle/>
+          <a:p>
+            <a:r>
+              <a:rPr lang="en-US" dirty="0" err="1" smtClean="0"/>
+              <a:t>Lược</a:t>
+            </a:r>
+            <a:r>
+              <a:rPr lang="en-US" dirty="0" smtClean="0"/>
+              <a:t> </a:t>
+            </a:r>
+            <a:r>
+              <a:rPr lang="en-US" dirty="0" err="1" smtClean="0"/>
+              <a:t>sử</a:t>
+            </a:r>
+            <a:r>
+              <a:rPr lang="en-US" dirty="0" smtClean="0"/>
+              <a:t> </a:t>
+            </a:r>
+            <a:endParaRPr lang="en-US" dirty="0"/>
+          </a:p>
+        </p:txBody>
+      </p:sp>
+      <p:sp>
+        <p:nvSpPr>
+          <p:cNvPr id="3" name="Content Placeholder 2"/>
+          <p:cNvSpPr>
+            <a:spLocks noGrp="1"/>
+          </p:cNvSpPr>
+          <p:nvPr>
+            <p:ph idx="1"/>
+          </p:nvPr>
+        </p:nvSpPr>
+        <p:spPr/>
+        <p:txBody>
+          <a:bodyPr/>
+          <a:lstStyle/>
+          <a:p>
+            <a:r>
+              <a:rPr lang="en-US" dirty="0" smtClean="0"/>
+              <a:t>1992: Biomet </a:t>
+            </a:r>
+            <a:r>
+              <a:rPr lang="en-US" dirty="0" smtClean="0"/>
+              <a:t>Partners - </a:t>
+            </a:r>
+            <a:r>
+              <a:rPr lang="en-US" dirty="0" err="1" smtClean="0"/>
+              <a:t>Máy</a:t>
+            </a:r>
+            <a:r>
+              <a:rPr lang="en-US" dirty="0" smtClean="0"/>
+              <a:t> </a:t>
+            </a:r>
+            <a:r>
+              <a:rPr lang="en-US" dirty="0" err="1" smtClean="0"/>
+              <a:t>nhận</a:t>
+            </a:r>
+            <a:r>
+              <a:rPr lang="en-US" dirty="0" smtClean="0"/>
+              <a:t> </a:t>
+            </a:r>
+            <a:r>
+              <a:rPr lang="en-US" dirty="0" err="1" smtClean="0"/>
+              <a:t>dạng</a:t>
+            </a:r>
+            <a:r>
+              <a:rPr lang="en-US" dirty="0" smtClean="0"/>
+              <a:t> 2 </a:t>
+            </a:r>
+            <a:r>
+              <a:rPr lang="en-US" dirty="0" err="1" smtClean="0"/>
+              <a:t>ngón</a:t>
+            </a:r>
+            <a:r>
+              <a:rPr lang="en-US" dirty="0" smtClean="0"/>
+              <a:t> </a:t>
+            </a:r>
+            <a:r>
+              <a:rPr lang="en-US" dirty="0" err="1" smtClean="0"/>
+              <a:t>tay</a:t>
+            </a:r>
+            <a:r>
+              <a:rPr lang="en-US" dirty="0" smtClean="0"/>
+              <a:t> </a:t>
+            </a:r>
+            <a:r>
+              <a:rPr lang="en-US" dirty="0" err="1" smtClean="0"/>
+              <a:t>dựa</a:t>
+            </a:r>
+            <a:r>
+              <a:rPr lang="en-US" dirty="0" smtClean="0"/>
+              <a:t> </a:t>
+            </a:r>
+            <a:r>
+              <a:rPr lang="en-US" dirty="0" err="1" smtClean="0"/>
+              <a:t>trên</a:t>
+            </a:r>
+            <a:r>
+              <a:rPr lang="en-US" dirty="0" smtClean="0"/>
+              <a:t> </a:t>
+            </a:r>
+            <a:r>
+              <a:rPr lang="en-US" dirty="0" err="1" smtClean="0"/>
+              <a:t>nhận</a:t>
+            </a:r>
+            <a:r>
+              <a:rPr lang="en-US" dirty="0" smtClean="0"/>
+              <a:t> </a:t>
+            </a:r>
+            <a:r>
+              <a:rPr lang="en-US" dirty="0" err="1" smtClean="0"/>
+              <a:t>dạng</a:t>
+            </a:r>
+            <a:r>
+              <a:rPr lang="en-US" dirty="0" smtClean="0"/>
+              <a:t> </a:t>
+            </a:r>
+            <a:r>
+              <a:rPr lang="en-US" dirty="0" err="1" smtClean="0"/>
+              <a:t>bàn</a:t>
+            </a:r>
+            <a:r>
+              <a:rPr lang="en-US" dirty="0" smtClean="0"/>
+              <a:t> </a:t>
+            </a:r>
+            <a:r>
+              <a:rPr lang="en-US" dirty="0" err="1" smtClean="0"/>
+              <a:t>tay</a:t>
+            </a:r>
+            <a:endParaRPr lang="en-US" dirty="0" smtClean="0"/>
+          </a:p>
+          <a:p>
+            <a:pPr lvl="1">
+              <a:lnSpc>
+                <a:spcPct val="150000"/>
+              </a:lnSpc>
+            </a:pPr>
+            <a:r>
+              <a:rPr lang="en-US" dirty="0" err="1" smtClean="0"/>
+              <a:t>Nhanh</a:t>
+            </a:r>
+            <a:r>
+              <a:rPr lang="en-US" dirty="0" smtClean="0"/>
+              <a:t>: &lt;1s</a:t>
+            </a:r>
+          </a:p>
+          <a:p>
+            <a:pPr lvl="1">
+              <a:lnSpc>
+                <a:spcPct val="150000"/>
+              </a:lnSpc>
+            </a:pPr>
+            <a:r>
+              <a:rPr lang="en-US" dirty="0" err="1" smtClean="0"/>
+              <a:t>Hỗ</a:t>
+            </a:r>
+            <a:r>
+              <a:rPr lang="en-US" dirty="0" smtClean="0"/>
+              <a:t> </a:t>
+            </a:r>
+            <a:r>
+              <a:rPr lang="en-US" dirty="0" err="1" smtClean="0"/>
+              <a:t>trợ</a:t>
+            </a:r>
+            <a:r>
+              <a:rPr lang="en-US" dirty="0" smtClean="0"/>
+              <a:t> </a:t>
+            </a:r>
+            <a:r>
+              <a:rPr lang="en-US" dirty="0" err="1" smtClean="0"/>
+              <a:t>cả</a:t>
+            </a:r>
+            <a:r>
+              <a:rPr lang="en-US" dirty="0" smtClean="0"/>
+              <a:t> </a:t>
+            </a:r>
+            <a:r>
+              <a:rPr lang="en-US" dirty="0" err="1" smtClean="0"/>
+              <a:t>tay</a:t>
+            </a:r>
+            <a:r>
+              <a:rPr lang="en-US" dirty="0" smtClean="0"/>
+              <a:t> </a:t>
+            </a:r>
+            <a:r>
+              <a:rPr lang="en-US" dirty="0" err="1" smtClean="0"/>
+              <a:t>trái</a:t>
+            </a:r>
+            <a:r>
+              <a:rPr lang="en-US" dirty="0" smtClean="0"/>
+              <a:t> </a:t>
+            </a:r>
+            <a:r>
+              <a:rPr lang="en-US" dirty="0" err="1" smtClean="0"/>
+              <a:t>và</a:t>
+            </a:r>
+            <a:r>
+              <a:rPr lang="en-US" dirty="0" smtClean="0"/>
+              <a:t> </a:t>
+            </a:r>
+            <a:r>
+              <a:rPr lang="en-US" dirty="0" err="1" smtClean="0"/>
+              <a:t>phải</a:t>
+            </a:r>
+            <a:endParaRPr lang="en-US" dirty="0" smtClean="0"/>
+          </a:p>
+          <a:p>
+            <a:pPr lvl="1">
+              <a:lnSpc>
+                <a:spcPct val="150000"/>
+              </a:lnSpc>
+            </a:pPr>
+            <a:r>
+              <a:rPr lang="en-US" dirty="0" smtClean="0"/>
+              <a:t>50 </a:t>
+            </a:r>
+            <a:r>
+              <a:rPr lang="en-US" dirty="0" err="1" smtClean="0"/>
+              <a:t>triệu</a:t>
+            </a:r>
+            <a:r>
+              <a:rPr lang="en-US" dirty="0" smtClean="0"/>
+              <a:t> </a:t>
+            </a:r>
+            <a:r>
+              <a:rPr lang="en-US" dirty="0" err="1" smtClean="0"/>
+              <a:t>người</a:t>
+            </a:r>
+            <a:r>
+              <a:rPr lang="en-US" dirty="0" smtClean="0"/>
+              <a:t> </a:t>
+            </a:r>
+            <a:r>
+              <a:rPr lang="en-US" dirty="0" err="1" smtClean="0"/>
+              <a:t>dùng</a:t>
+            </a:r>
+            <a:r>
+              <a:rPr lang="en-US" dirty="0" smtClean="0"/>
+              <a:t> </a:t>
+            </a:r>
+            <a:r>
+              <a:rPr lang="en-US" dirty="0" err="1" smtClean="0"/>
+              <a:t>đăng</a:t>
+            </a:r>
+            <a:r>
+              <a:rPr lang="en-US" dirty="0" smtClean="0"/>
+              <a:t> </a:t>
+            </a:r>
+            <a:r>
+              <a:rPr lang="en-US" dirty="0" err="1" smtClean="0"/>
+              <a:t>ký</a:t>
+            </a:r>
+            <a:endParaRPr lang="en-US" dirty="0" smtClean="0"/>
+          </a:p>
+          <a:p>
+            <a:endParaRPr lang="en-US" dirty="0" smtClean="0"/>
+          </a:p>
+          <a:p>
+            <a:endParaRPr lang="en-US" dirty="0"/>
+          </a:p>
+        </p:txBody>
+      </p:sp>
+      <p:pic>
+        <p:nvPicPr>
+          <p:cNvPr id="5122" name="Picture 2"/>
+          <p:cNvPicPr>
+            <a:picLocks noChangeAspect="1" noChangeArrowheads="1"/>
+          </p:cNvPicPr>
+          <p:nvPr/>
+        </p:nvPicPr>
+        <p:blipFill>
+          <a:blip r:embed="rId2" cstate="print">
+            <a:extLst>
+              <a:ext uri="{28A0092B-C50C-407E-A947-70E740481C1C}">
+                <a14:useLocalDpi xmlns="" xmlns:a14="http://schemas.microsoft.com/office/drawing/2010/main" val="0"/>
+              </a:ext>
+            </a:extLst>
+          </a:blip>
+          <a:srcRect/>
+          <a:stretch>
+            <a:fillRect/>
+          </a:stretch>
+        </p:blipFill>
+        <p:spPr bwMode="auto">
+          <a:xfrm>
+            <a:off x="5486400" y="2868967"/>
+            <a:ext cx="2286000" cy="3209925"/>
+          </a:xfrm>
+          <a:prstGeom prst="rect">
+            <a:avLst/>
+          </a:prstGeom>
+          <a:noFill/>
+          <a:ln>
+            <a:noFill/>
+          </a:ln>
+          <a:effectLst/>
+          <a:extLst>
+            <a:ext uri="{909E8E84-426E-40DD-AFC4-6F175D3DCCD1}">
+              <a14:hiddenFill xmlns="" xmlns:a14="http://schemas.microsoft.com/office/drawing/2010/main">
+                <a:solidFill>
+                  <a:schemeClr val="accent1"/>
+                </a:solidFill>
+              </a14:hiddenFill>
+            </a:ext>
+            <a:ext uri="{91240B29-F687-4F45-9708-019B960494DF}">
+              <a14:hiddenLine xmlns="" xmlns:a14="http://schemas.microsoft.com/office/drawing/2010/main" w="9525">
+                <a:solidFill>
+                  <a:schemeClr val="tx1"/>
+                </a:solidFill>
+                <a:miter lim="800000"/>
+                <a:headEnd/>
+                <a:tailEnd/>
+              </a14:hiddenLine>
+            </a:ext>
+            <a:ext uri="{AF507438-7753-43E0-B8FC-AC1667EBCBE1}">
+              <a14:hiddenEffects xmlns="" xmlns:a14="http://schemas.microsoft.com/office/drawing/2010/main">
+                <a:effectLst>
+                  <a:outerShdw dist="35921" dir="2700000" algn="ctr" rotWithShape="0">
+                    <a:schemeClr val="bg2"/>
+                  </a:outerShdw>
+                </a:effectLst>
+              </a14:hiddenEffects>
+            </a:ext>
+          </a:extLst>
+        </p:spPr>
+      </p:pic>
+      <p:sp>
+        <p:nvSpPr>
+          <p:cNvPr id="4" name="TextBox 3"/>
+          <p:cNvSpPr txBox="1"/>
+          <p:nvPr/>
+        </p:nvSpPr>
+        <p:spPr>
+          <a:xfrm>
+            <a:off x="14056" y="6488668"/>
+            <a:ext cx="4647811" cy="369332"/>
+          </a:xfrm>
+          <a:prstGeom prst="rect">
+            <a:avLst/>
+          </a:prstGeom>
+          <a:noFill/>
+        </p:spPr>
+        <p:txBody>
+          <a:bodyPr wrap="none" rtlCol="0">
+            <a:spAutoFit/>
+          </a:bodyPr>
+          <a:lstStyle/>
+          <a:p>
+            <a:r>
+              <a:rPr lang="en-US" dirty="0" smtClean="0"/>
+              <a:t>Source: http</a:t>
+            </a:r>
+            <a:r>
+              <a:rPr lang="en-US" dirty="0"/>
+              <a:t>://www.biomet.ch/products.htm</a:t>
+            </a:r>
+          </a:p>
+        </p:txBody>
+      </p:sp>
+      <p:sp>
+        <p:nvSpPr>
+          <p:cNvPr id="7" name="Slide Number Placeholder 6"/>
+          <p:cNvSpPr>
+            <a:spLocks noGrp="1"/>
+          </p:cNvSpPr>
+          <p:nvPr>
+            <p:ph type="sldNum" sz="quarter" idx="12"/>
+          </p:nvPr>
+        </p:nvSpPr>
+        <p:spPr/>
+        <p:txBody>
+          <a:bodyPr/>
+          <a:lstStyle/>
+          <a:p>
+            <a:fld id="{B6F15528-21DE-4FAA-801E-634DDDAF4B2B}" type="slidenum">
+              <a:rPr lang="en-US" smtClean="0"/>
+              <a:pPr/>
+              <a:t>12</a:t>
+            </a:fld>
+            <a:endParaRPr lang="en-US"/>
+          </a:p>
+        </p:txBody>
+      </p:sp>
+    </p:spTree>
+    <p:extLst>
+      <p:ext uri="{BB962C8B-B14F-4D97-AF65-F5344CB8AC3E}">
+        <p14:creationId xmlns="" xmlns:p14="http://schemas.microsoft.com/office/powerpoint/2010/main" val="920857711"/>
+      </p:ext>
+    </p:extLst>
+  </p:cSld>
+  <p:clrMapOvr>
+    <a:masterClrMapping/>
+  </p:clrMapOvr>
+  <p:timing>
+    <p:tnLst>
+      <p:par>
+        <p:cTn id="1" dur="indefinite" restart="never" nodeType="tmRoot">
+          <p:childTnLst>
+            <p:seq concurrent="1" nextAc="seek">
+              <p:cTn id="2" dur="indefinite" nodeType="mainSeq">
+                <p:childTnLst>
+                  <p:par>
+                    <p:cTn id="3" fill="hold">
+                      <p:stCondLst>
+                        <p:cond delay="indefinite"/>
+                      </p:stCondLst>
+                      <p:childTnLst>
+                        <p:par>
+                          <p:cTn id="4" fill="hold">
+                            <p:stCondLst>
+                              <p:cond delay="0"/>
+                            </p:stCondLst>
+                            <p:childTnLst>
+                              <p:par>
+                                <p:cTn id="5" presetID="10" presetClass="entr" presetSubtype="0" fill="hold" nodeType="clickEffect">
+                                  <p:stCondLst>
+                                    <p:cond delay="0"/>
+                                  </p:stCondLst>
+                                  <p:childTnLst>
+                                    <p:set>
+                                      <p:cBhvr>
+                                        <p:cTn id="6" dur="1" fill="hold">
+                                          <p:stCondLst>
+                                            <p:cond delay="0"/>
+                                          </p:stCondLst>
+                                        </p:cTn>
+                                        <p:tgtEl>
+                                          <p:spTgt spid="3">
+                                            <p:txEl>
+                                              <p:pRg st="0" end="0"/>
+                                            </p:txEl>
+                                          </p:spTgt>
+                                        </p:tgtEl>
+                                        <p:attrNameLst>
+                                          <p:attrName>style.visibility</p:attrName>
+                                        </p:attrNameLst>
+                                      </p:cBhvr>
+                                      <p:to>
+                                        <p:strVal val="visible"/>
+                                      </p:to>
+                                    </p:set>
+                                    <p:animEffect transition="in" filter="fade">
+                                      <p:cBhvr>
+                                        <p:cTn id="7" dur="500"/>
+                                        <p:tgtEl>
+                                          <p:spTgt spid="3">
+                                            <p:txEl>
+                                              <p:pRg st="0" end="0"/>
+                                            </p:txEl>
+                                          </p:spTgt>
+                                        </p:tgtEl>
+                                      </p:cBhvr>
+                                    </p:animEffect>
+                                  </p:childTnLst>
+                                </p:cTn>
+                              </p:par>
+                            </p:childTnLst>
+                          </p:cTn>
+                        </p:par>
+                      </p:childTnLst>
+                    </p:cTn>
+                  </p:par>
+                  <p:par>
+                    <p:cTn id="8" fill="hold">
+                      <p:stCondLst>
+                        <p:cond delay="indefinite"/>
+                      </p:stCondLst>
+                      <p:childTnLst>
+                        <p:par>
+                          <p:cTn id="9" fill="hold">
+                            <p:stCondLst>
+                              <p:cond delay="0"/>
+                            </p:stCondLst>
+                            <p:childTnLst>
+                              <p:par>
+                                <p:cTn id="10" presetID="10" presetClass="entr" presetSubtype="0" fill="hold" nodeType="clickEffect">
+                                  <p:stCondLst>
+                                    <p:cond delay="0"/>
+                                  </p:stCondLst>
+                                  <p:childTnLst>
+                                    <p:set>
+                                      <p:cBhvr>
+                                        <p:cTn id="11" dur="1" fill="hold">
+                                          <p:stCondLst>
+                                            <p:cond delay="0"/>
+                                          </p:stCondLst>
+                                        </p:cTn>
+                                        <p:tgtEl>
+                                          <p:spTgt spid="5122"/>
+                                        </p:tgtEl>
+                                        <p:attrNameLst>
+                                          <p:attrName>style.visibility</p:attrName>
+                                        </p:attrNameLst>
+                                      </p:cBhvr>
+                                      <p:to>
+                                        <p:strVal val="visible"/>
+                                      </p:to>
+                                    </p:set>
+                                    <p:animEffect transition="in" filter="fade">
+                                      <p:cBhvr>
+                                        <p:cTn id="12" dur="500"/>
+                                        <p:tgtEl>
+                                          <p:spTgt spid="5122"/>
+                                        </p:tgtEl>
+                                      </p:cBhvr>
+                                    </p:animEffect>
+                                  </p:childTnLst>
+                                </p:cTn>
+                              </p:par>
+                            </p:childTnLst>
+                          </p:cTn>
+                        </p:par>
+                      </p:childTnLst>
+                    </p:cTn>
+                  </p:par>
+                  <p:par>
+                    <p:cTn id="13" fill="hold">
+                      <p:stCondLst>
+                        <p:cond delay="indefinite"/>
+                      </p:stCondLst>
+                      <p:childTnLst>
+                        <p:par>
+                          <p:cTn id="14" fill="hold">
+                            <p:stCondLst>
+                              <p:cond delay="0"/>
+                            </p:stCondLst>
+                            <p:childTnLst>
+                              <p:par>
+                                <p:cTn id="15" presetID="10" presetClass="entr" presetSubtype="0" fill="hold" nodeType="clickEffect">
+                                  <p:stCondLst>
+                                    <p:cond delay="0"/>
+                                  </p:stCondLst>
+                                  <p:childTnLst>
+                                    <p:set>
+                                      <p:cBhvr>
+                                        <p:cTn id="16" dur="1" fill="hold">
+                                          <p:stCondLst>
+                                            <p:cond delay="0"/>
+                                          </p:stCondLst>
+                                        </p:cTn>
+                                        <p:tgtEl>
+                                          <p:spTgt spid="3">
+                                            <p:txEl>
+                                              <p:pRg st="1" end="1"/>
+                                            </p:txEl>
+                                          </p:spTgt>
+                                        </p:tgtEl>
+                                        <p:attrNameLst>
+                                          <p:attrName>style.visibility</p:attrName>
+                                        </p:attrNameLst>
+                                      </p:cBhvr>
+                                      <p:to>
+                                        <p:strVal val="visible"/>
+                                      </p:to>
+                                    </p:set>
+                                    <p:animEffect transition="in" filter="fade">
+                                      <p:cBhvr>
+                                        <p:cTn id="17" dur="500"/>
+                                        <p:tgtEl>
+                                          <p:spTgt spid="3">
+                                            <p:txEl>
+                                              <p:pRg st="1" end="1"/>
+                                            </p:txEl>
+                                          </p:spTgt>
+                                        </p:tgtEl>
+                                      </p:cBhvr>
+                                    </p:animEffect>
+                                  </p:childTnLst>
+                                </p:cTn>
+                              </p:par>
+                              <p:par>
+                                <p:cTn id="18" presetID="10" presetClass="entr" presetSubtype="0" fill="hold" nodeType="withEffect">
+                                  <p:stCondLst>
+                                    <p:cond delay="0"/>
+                                  </p:stCondLst>
+                                  <p:childTnLst>
+                                    <p:set>
+                                      <p:cBhvr>
+                                        <p:cTn id="19" dur="1" fill="hold">
+                                          <p:stCondLst>
+                                            <p:cond delay="0"/>
+                                          </p:stCondLst>
+                                        </p:cTn>
+                                        <p:tgtEl>
+                                          <p:spTgt spid="3">
+                                            <p:txEl>
+                                              <p:pRg st="2" end="2"/>
+                                            </p:txEl>
+                                          </p:spTgt>
+                                        </p:tgtEl>
+                                        <p:attrNameLst>
+                                          <p:attrName>style.visibility</p:attrName>
+                                        </p:attrNameLst>
+                                      </p:cBhvr>
+                                      <p:to>
+                                        <p:strVal val="visible"/>
+                                      </p:to>
+                                    </p:set>
+                                    <p:animEffect transition="in" filter="fade">
+                                      <p:cBhvr>
+                                        <p:cTn id="20" dur="500"/>
+                                        <p:tgtEl>
+                                          <p:spTgt spid="3">
+                                            <p:txEl>
+                                              <p:pRg st="2" end="2"/>
+                                            </p:txEl>
+                                          </p:spTgt>
+                                        </p:tgtEl>
+                                      </p:cBhvr>
+                                    </p:animEffect>
+                                  </p:childTnLst>
+                                </p:cTn>
+                              </p:par>
+                              <p:par>
+                                <p:cTn id="21" presetID="10" presetClass="entr" presetSubtype="0" fill="hold" nodeType="withEffect">
+                                  <p:stCondLst>
+                                    <p:cond delay="0"/>
+                                  </p:stCondLst>
+                                  <p:childTnLst>
+                                    <p:set>
+                                      <p:cBhvr>
+                                        <p:cTn id="22" dur="1" fill="hold">
+                                          <p:stCondLst>
+                                            <p:cond delay="0"/>
+                                          </p:stCondLst>
+                                        </p:cTn>
+                                        <p:tgtEl>
+                                          <p:spTgt spid="3">
+                                            <p:txEl>
+                                              <p:pRg st="3" end="3"/>
+                                            </p:txEl>
+                                          </p:spTgt>
+                                        </p:tgtEl>
+                                        <p:attrNameLst>
+                                          <p:attrName>style.visibility</p:attrName>
+                                        </p:attrNameLst>
+                                      </p:cBhvr>
+                                      <p:to>
+                                        <p:strVal val="visible"/>
+                                      </p:to>
+                                    </p:set>
+                                    <p:animEffect transition="in" filter="fade">
+                                      <p:cBhvr>
+                                        <p:cTn id="23" dur="500"/>
+                                        <p:tgtEl>
+                                          <p:spTgt spid="3">
+                                            <p:txEl>
+                                              <p:pRg st="3" end="3"/>
+                                            </p:txEl>
+                                          </p:spTgt>
+                                        </p:tgtEl>
+                                      </p:cBhvr>
+                                    </p:animEffect>
+                                  </p:childTnLst>
+                                </p:cTn>
+                              </p:par>
+                            </p:childTnLst>
+                          </p:cTn>
+                        </p:par>
+                      </p:childTnLst>
+                    </p:cTn>
+                  </p:par>
+                </p:childTnLst>
+              </p:cTn>
+              <p:prevCondLst>
+                <p:cond evt="onPrev" delay="0">
+                  <p:tgtEl>
+                    <p:sldTgt/>
+                  </p:tgtEl>
+                </p:cond>
+              </p:prevCondLst>
+              <p:nextCondLst>
+                <p:cond evt="onNext" delay="0">
+                  <p:tgtEl>
+                    <p:sldTgt/>
+                  </p:tgtEl>
+                </p:cond>
+              </p:nextCondLst>
+            </p:seq>
+          </p:childTnLst>
+        </p:cTn>
+      </p:par>
+    </p:tnLst>
+  </p:timing>
+</p:sld>
+</file>
+
+<file path=ppt/slides/slide13.xml><?xml version="1.0" encoding="utf-8"?>
+<p:sld xmlns:a="http://schemas.openxmlformats.org/drawingml/2006/main" xmlns:r="http://schemas.openxmlformats.org/officeDocument/2006/relationships" xmlns:p="http://schemas.openxmlformats.org/presentationml/2006/main">
+  <p:cSld>
+    <p:spTree>
+      <p:nvGrpSpPr>
+        <p:cNvPr id="1" name=""/>
+        <p:cNvGrpSpPr/>
+        <p:nvPr/>
+      </p:nvGrpSpPr>
+      <p:grpSpPr>
+        <a:xfrm>
+          <a:off x="0" y="0"/>
+          <a:ext cx="0" cy="0"/>
+          <a:chOff x="0" y="0"/>
+          <a:chExt cx="0" cy="0"/>
+        </a:xfrm>
+      </p:grpSpPr>
+      <p:sp>
+        <p:nvSpPr>
+          <p:cNvPr id="2" name="Title 1"/>
+          <p:cNvSpPr>
+            <a:spLocks noGrp="1"/>
+          </p:cNvSpPr>
+          <p:nvPr>
+            <p:ph type="title"/>
+          </p:nvPr>
+        </p:nvSpPr>
+        <p:spPr/>
+        <p:txBody>
+          <a:bodyPr/>
+          <a:lstStyle/>
+          <a:p>
+            <a:r>
+              <a:rPr lang="en-US" dirty="0" err="1" smtClean="0"/>
+              <a:t>Ứng</a:t>
+            </a:r>
+            <a:r>
+              <a:rPr lang="en-US" dirty="0" smtClean="0"/>
+              <a:t> </a:t>
+            </a:r>
+            <a:r>
+              <a:rPr lang="en-US" dirty="0" err="1" smtClean="0"/>
+              <a:t>dụng</a:t>
+            </a:r>
+            <a:endParaRPr lang="en-US" dirty="0"/>
+          </a:p>
+        </p:txBody>
+      </p:sp>
+      <p:sp>
+        <p:nvSpPr>
+          <p:cNvPr id="3" name="Content Placeholder 2"/>
+          <p:cNvSpPr>
+            <a:spLocks noGrp="1"/>
+          </p:cNvSpPr>
+          <p:nvPr>
+            <p:ph idx="1"/>
+          </p:nvPr>
+        </p:nvSpPr>
+        <p:spPr/>
+        <p:txBody>
+          <a:bodyPr/>
+          <a:lstStyle/>
+          <a:p>
+            <a:pPr>
+              <a:lnSpc>
+                <a:spcPct val="150000"/>
+              </a:lnSpc>
+            </a:pPr>
+            <a:r>
+              <a:rPr lang="en-US" dirty="0" err="1" smtClean="0"/>
+              <a:t>Hệ</a:t>
+            </a:r>
+            <a:r>
+              <a:rPr lang="en-US" dirty="0" smtClean="0"/>
+              <a:t> </a:t>
+            </a:r>
+            <a:r>
+              <a:rPr lang="en-US" dirty="0" err="1" smtClean="0"/>
+              <a:t>thống</a:t>
+            </a:r>
+            <a:r>
+              <a:rPr lang="en-US" dirty="0" smtClean="0"/>
+              <a:t> </a:t>
+            </a:r>
+            <a:r>
+              <a:rPr lang="en-US" dirty="0" err="1" smtClean="0"/>
+              <a:t>cửa</a:t>
+            </a:r>
+            <a:r>
+              <a:rPr lang="en-US" dirty="0" smtClean="0"/>
+              <a:t> </a:t>
+            </a:r>
+            <a:r>
+              <a:rPr lang="en-US" dirty="0" err="1" smtClean="0"/>
+              <a:t>ra</a:t>
+            </a:r>
+            <a:r>
+              <a:rPr lang="en-US" dirty="0" smtClean="0"/>
+              <a:t> </a:t>
+            </a:r>
+            <a:r>
+              <a:rPr lang="en-US" dirty="0" err="1" smtClean="0"/>
+              <a:t>vào</a:t>
+            </a:r>
+            <a:r>
+              <a:rPr lang="en-US" dirty="0" smtClean="0"/>
+              <a:t>: </a:t>
+            </a:r>
+            <a:r>
+              <a:rPr lang="en-US" dirty="0" err="1" smtClean="0"/>
+              <a:t>máy</a:t>
+            </a:r>
+            <a:r>
+              <a:rPr lang="en-US" dirty="0" smtClean="0"/>
+              <a:t> </a:t>
+            </a:r>
+            <a:r>
+              <a:rPr lang="en-US" dirty="0" smtClean="0"/>
+              <a:t>II3D</a:t>
+            </a:r>
+          </a:p>
+          <a:p>
+            <a:pPr>
+              <a:lnSpc>
+                <a:spcPct val="150000"/>
+              </a:lnSpc>
+            </a:pPr>
+            <a:r>
+              <a:rPr lang="en-US" dirty="0" err="1" smtClean="0"/>
+              <a:t>Hệ</a:t>
+            </a:r>
+            <a:r>
+              <a:rPr lang="en-US" dirty="0" smtClean="0"/>
+              <a:t> </a:t>
+            </a:r>
+            <a:r>
+              <a:rPr lang="en-US" dirty="0" err="1" smtClean="0"/>
+              <a:t>thống</a:t>
+            </a:r>
+            <a:r>
+              <a:rPr lang="en-US" dirty="0" smtClean="0"/>
+              <a:t> </a:t>
+            </a:r>
+            <a:r>
+              <a:rPr lang="en-US" dirty="0" err="1" smtClean="0"/>
+              <a:t>ghi</a:t>
+            </a:r>
+            <a:r>
+              <a:rPr lang="en-US" dirty="0" smtClean="0"/>
+              <a:t> </a:t>
+            </a:r>
+            <a:r>
+              <a:rPr lang="en-US" dirty="0" err="1" smtClean="0"/>
+              <a:t>nhận</a:t>
+            </a:r>
+            <a:r>
+              <a:rPr lang="en-US" dirty="0" smtClean="0"/>
+              <a:t> </a:t>
+            </a:r>
+            <a:r>
+              <a:rPr lang="en-US" dirty="0" err="1" smtClean="0"/>
+              <a:t>thời</a:t>
+            </a:r>
+            <a:r>
+              <a:rPr lang="en-US" dirty="0" smtClean="0"/>
+              <a:t> </a:t>
+            </a:r>
+            <a:r>
+              <a:rPr lang="en-US" dirty="0" err="1" smtClean="0"/>
+              <a:t>gian</a:t>
+            </a:r>
+            <a:r>
+              <a:rPr lang="en-US" dirty="0" smtClean="0"/>
+              <a:t>: </a:t>
+            </a:r>
+            <a:r>
+              <a:rPr lang="en-US" dirty="0" err="1" smtClean="0"/>
+              <a:t>thẻ</a:t>
+            </a:r>
+            <a:r>
+              <a:rPr lang="en-US" dirty="0" smtClean="0"/>
+              <a:t> </a:t>
+            </a:r>
+            <a:r>
+              <a:rPr lang="en-US" dirty="0" err="1" smtClean="0"/>
+              <a:t>chấm</a:t>
+            </a:r>
+            <a:r>
+              <a:rPr lang="en-US" dirty="0" smtClean="0"/>
+              <a:t> </a:t>
+            </a:r>
+            <a:r>
+              <a:rPr lang="en-US" dirty="0" err="1" smtClean="0"/>
+              <a:t>công</a:t>
+            </a:r>
+            <a:endParaRPr lang="en-US" dirty="0"/>
+          </a:p>
+        </p:txBody>
+      </p:sp>
+      <p:pic>
+        <p:nvPicPr>
+          <p:cNvPr id="6146" name="Picture 2"/>
+          <p:cNvPicPr>
+            <a:picLocks noChangeAspect="1" noChangeArrowheads="1"/>
+          </p:cNvPicPr>
+          <p:nvPr/>
+        </p:nvPicPr>
+        <p:blipFill>
+          <a:blip r:embed="rId2" cstate="print">
+            <a:extLst>
+              <a:ext uri="{28A0092B-C50C-407E-A947-70E740481C1C}">
+                <a14:useLocalDpi xmlns="" xmlns:a14="http://schemas.microsoft.com/office/drawing/2010/main" val="0"/>
+              </a:ext>
+            </a:extLst>
+          </a:blip>
+          <a:srcRect/>
+          <a:stretch>
+            <a:fillRect/>
+          </a:stretch>
+        </p:blipFill>
+        <p:spPr bwMode="auto">
+          <a:xfrm>
+            <a:off x="685800" y="3276600"/>
+            <a:ext cx="4673600" cy="3505200"/>
+          </a:xfrm>
+          <a:prstGeom prst="rect">
+            <a:avLst/>
+          </a:prstGeom>
+          <a:noFill/>
+          <a:ln>
+            <a:noFill/>
+          </a:ln>
+          <a:effectLst/>
+          <a:extLst>
+            <a:ext uri="{909E8E84-426E-40DD-AFC4-6F175D3DCCD1}">
+              <a14:hiddenFill xmlns="" xmlns:a14="http://schemas.microsoft.com/office/drawing/2010/main">
+                <a:solidFill>
+                  <a:schemeClr val="accent1"/>
+                </a:solidFill>
+              </a14:hiddenFill>
+            </a:ext>
+            <a:ext uri="{91240B29-F687-4F45-9708-019B960494DF}">
+              <a14:hiddenLine xmlns="" xmlns:a14="http://schemas.microsoft.com/office/drawing/2010/main" w="9525">
+                <a:solidFill>
+                  <a:schemeClr val="tx1"/>
+                </a:solidFill>
+                <a:miter lim="800000"/>
+                <a:headEnd/>
+                <a:tailEnd/>
+              </a14:hiddenLine>
+            </a:ext>
+            <a:ext uri="{AF507438-7753-43E0-B8FC-AC1667EBCBE1}">
+              <a14:hiddenEffects xmlns="" xmlns:a14="http://schemas.microsoft.com/office/drawing/2010/main">
+                <a:effectLst>
+                  <a:outerShdw dist="35921" dir="2700000" algn="ctr" rotWithShape="0">
+                    <a:schemeClr val="bg2"/>
+                  </a:outerShdw>
+                </a:effectLst>
+              </a14:hiddenEffects>
+            </a:ext>
+          </a:extLst>
+        </p:spPr>
+      </p:pic>
+      <p:sp>
+        <p:nvSpPr>
+          <p:cNvPr id="4" name="TextBox 3"/>
+          <p:cNvSpPr txBox="1"/>
+          <p:nvPr/>
+        </p:nvSpPr>
+        <p:spPr>
+          <a:xfrm>
+            <a:off x="5410200" y="4659868"/>
+            <a:ext cx="2475165" cy="369332"/>
+          </a:xfrm>
+          <a:prstGeom prst="rect">
+            <a:avLst/>
+          </a:prstGeom>
+          <a:noFill/>
+        </p:spPr>
+        <p:txBody>
+          <a:bodyPr wrap="square" rtlCol="0">
+            <a:spAutoFit/>
+          </a:bodyPr>
+          <a:lstStyle/>
+          <a:p>
+            <a:r>
+              <a:rPr lang="en-US" dirty="0" err="1" smtClean="0"/>
+              <a:t>Sân</a:t>
+            </a:r>
+            <a:r>
+              <a:rPr lang="en-US" dirty="0" smtClean="0"/>
+              <a:t> bay </a:t>
+            </a:r>
+            <a:r>
+              <a:rPr lang="en-US" dirty="0" err="1" smtClean="0"/>
+              <a:t>quốc</a:t>
+            </a:r>
+            <a:r>
+              <a:rPr lang="en-US" dirty="0" smtClean="0"/>
+              <a:t> </a:t>
+            </a:r>
+            <a:r>
+              <a:rPr lang="en-US" dirty="0" err="1" smtClean="0"/>
+              <a:t>tế</a:t>
+            </a:r>
+            <a:r>
+              <a:rPr lang="en-US" dirty="0" smtClean="0"/>
+              <a:t> Kuwait</a:t>
+            </a:r>
+            <a:endParaRPr lang="en-US" dirty="0"/>
+          </a:p>
+        </p:txBody>
+      </p:sp>
+      <p:sp>
+        <p:nvSpPr>
+          <p:cNvPr id="6" name="Slide Number Placeholder 5"/>
+          <p:cNvSpPr>
+            <a:spLocks noGrp="1"/>
+          </p:cNvSpPr>
+          <p:nvPr>
+            <p:ph type="sldNum" sz="quarter" idx="12"/>
+          </p:nvPr>
+        </p:nvSpPr>
+        <p:spPr/>
+        <p:txBody>
+          <a:bodyPr/>
+          <a:lstStyle/>
+          <a:p>
+            <a:fld id="{B6F15528-21DE-4FAA-801E-634DDDAF4B2B}" type="slidenum">
+              <a:rPr lang="en-US" smtClean="0"/>
+              <a:pPr/>
+              <a:t>13</a:t>
+            </a:fld>
+            <a:endParaRPr lang="en-US"/>
+          </a:p>
+        </p:txBody>
+      </p:sp>
+    </p:spTree>
+    <p:extLst>
+      <p:ext uri="{BB962C8B-B14F-4D97-AF65-F5344CB8AC3E}">
+        <p14:creationId xmlns="" xmlns:p14="http://schemas.microsoft.com/office/powerpoint/2010/main" val="635753240"/>
+      </p:ext>
+    </p:extLst>
+  </p:cSld>
+  <p:clrMapOvr>
+    <a:masterClrMapping/>
+  </p:clrMapOvr>
+  <p:timing>
+    <p:tnLst>
+      <p:par>
+        <p:cTn id="1" dur="indefinite" restart="never" nodeType="tmRoot"/>
+      </p:par>
+    </p:tnLst>
+  </p:timing>
+</p:sld>
+</file>
+
+<file path=ppt/slides/slide14.xml><?xml version="1.0" encoding="utf-8"?>
+<p:sld xmlns:a="http://schemas.openxmlformats.org/drawingml/2006/main" xmlns:r="http://schemas.openxmlformats.org/officeDocument/2006/relationships" xmlns:p="http://schemas.openxmlformats.org/presentationml/2006/main">
+  <p:cSld>
+    <p:spTree>
+      <p:nvGrpSpPr>
+        <p:cNvPr id="1" name=""/>
+        <p:cNvGrpSpPr/>
+        <p:nvPr/>
+      </p:nvGrpSpPr>
+      <p:grpSpPr>
+        <a:xfrm>
+          <a:off x="0" y="0"/>
+          <a:ext cx="0" cy="0"/>
+          <a:chOff x="0" y="0"/>
+          <a:chExt cx="0" cy="0"/>
+        </a:xfrm>
+      </p:grpSpPr>
+      <p:sp>
+        <p:nvSpPr>
+          <p:cNvPr id="2" name="Title 1"/>
+          <p:cNvSpPr>
+            <a:spLocks noGrp="1"/>
+          </p:cNvSpPr>
+          <p:nvPr>
+            <p:ph type="title"/>
+          </p:nvPr>
+        </p:nvSpPr>
+        <p:spPr/>
+        <p:txBody>
+          <a:bodyPr/>
+          <a:lstStyle/>
+          <a:p>
+            <a:r>
+              <a:rPr lang="en-US" dirty="0" err="1" smtClean="0"/>
+              <a:t>Ứng</a:t>
+            </a:r>
+            <a:r>
+              <a:rPr lang="en-US" dirty="0" smtClean="0"/>
+              <a:t> </a:t>
+            </a:r>
+            <a:r>
+              <a:rPr lang="en-US" dirty="0" err="1" smtClean="0"/>
+              <a:t>dụng</a:t>
+            </a:r>
+            <a:endParaRPr lang="en-US" dirty="0"/>
+          </a:p>
+        </p:txBody>
+      </p:sp>
+      <p:sp>
+        <p:nvSpPr>
+          <p:cNvPr id="3" name="Content Placeholder 2"/>
+          <p:cNvSpPr>
+            <a:spLocks noGrp="1"/>
+          </p:cNvSpPr>
+          <p:nvPr>
+            <p:ph idx="1"/>
+          </p:nvPr>
+        </p:nvSpPr>
+        <p:spPr/>
+        <p:txBody>
+          <a:bodyPr/>
+          <a:lstStyle/>
+          <a:p>
+            <a:r>
+              <a:rPr lang="en-US" dirty="0" err="1" smtClean="0"/>
+              <a:t>Hệ</a:t>
+            </a:r>
+            <a:r>
+              <a:rPr lang="en-US" dirty="0" smtClean="0"/>
+              <a:t> </a:t>
+            </a:r>
+            <a:r>
+              <a:rPr lang="en-US" dirty="0" err="1" smtClean="0"/>
+              <a:t>thống</a:t>
+            </a:r>
+            <a:r>
+              <a:rPr lang="en-US" dirty="0" smtClean="0"/>
+              <a:t> INSPASS:</a:t>
+            </a:r>
+            <a:endParaRPr lang="en-US" dirty="0"/>
+          </a:p>
+        </p:txBody>
+      </p:sp>
+      <p:pic>
+        <p:nvPicPr>
+          <p:cNvPr id="7170" name="Picture 2"/>
+          <p:cNvPicPr>
+            <a:picLocks noChangeAspect="1" noChangeArrowheads="1"/>
+          </p:cNvPicPr>
+          <p:nvPr/>
+        </p:nvPicPr>
+        <p:blipFill>
+          <a:blip r:embed="rId3" cstate="print">
+            <a:extLst>
+              <a:ext uri="{28A0092B-C50C-407E-A947-70E740481C1C}">
+                <a14:useLocalDpi xmlns="" xmlns:a14="http://schemas.microsoft.com/office/drawing/2010/main" val="0"/>
+              </a:ext>
+            </a:extLst>
+          </a:blip>
+          <a:srcRect/>
+          <a:stretch>
+            <a:fillRect/>
+          </a:stretch>
+        </p:blipFill>
+        <p:spPr bwMode="auto">
+          <a:xfrm>
+            <a:off x="3170754" y="2514600"/>
+            <a:ext cx="2802493" cy="4191000"/>
+          </a:xfrm>
+          <a:prstGeom prst="rect">
+            <a:avLst/>
+          </a:prstGeom>
+          <a:noFill/>
+          <a:ln>
+            <a:noFill/>
+          </a:ln>
+          <a:effectLst/>
+          <a:extLst>
+            <a:ext uri="{909E8E84-426E-40DD-AFC4-6F175D3DCCD1}">
+              <a14:hiddenFill xmlns="" xmlns:a14="http://schemas.microsoft.com/office/drawing/2010/main">
+                <a:solidFill>
+                  <a:schemeClr val="accent1"/>
+                </a:solidFill>
+              </a14:hiddenFill>
+            </a:ext>
+            <a:ext uri="{91240B29-F687-4F45-9708-019B960494DF}">
+              <a14:hiddenLine xmlns="" xmlns:a14="http://schemas.microsoft.com/office/drawing/2010/main" w="9525">
+                <a:solidFill>
+                  <a:schemeClr val="tx1"/>
+                </a:solidFill>
+                <a:miter lim="800000"/>
+                <a:headEnd/>
+                <a:tailEnd/>
+              </a14:hiddenLine>
+            </a:ext>
+            <a:ext uri="{AF507438-7753-43E0-B8FC-AC1667EBCBE1}">
+              <a14:hiddenEffects xmlns="" xmlns:a14="http://schemas.microsoft.com/office/drawing/2010/main">
+                <a:effectLst>
+                  <a:outerShdw dist="35921" dir="2700000" algn="ctr" rotWithShape="0">
+                    <a:schemeClr val="bg2"/>
+                  </a:outerShdw>
+                </a:effectLst>
+              </a14:hiddenEffects>
+            </a:ext>
+          </a:extLst>
+        </p:spPr>
+      </p:pic>
+      <p:sp>
+        <p:nvSpPr>
+          <p:cNvPr id="5" name="Slide Number Placeholder 4"/>
+          <p:cNvSpPr>
+            <a:spLocks noGrp="1"/>
+          </p:cNvSpPr>
+          <p:nvPr>
+            <p:ph type="sldNum" sz="quarter" idx="12"/>
+          </p:nvPr>
+        </p:nvSpPr>
+        <p:spPr/>
+        <p:txBody>
+          <a:bodyPr/>
+          <a:lstStyle/>
+          <a:p>
+            <a:fld id="{B6F15528-21DE-4FAA-801E-634DDDAF4B2B}" type="slidenum">
+              <a:rPr lang="en-US" smtClean="0"/>
+              <a:pPr/>
+              <a:t>14</a:t>
+            </a:fld>
+            <a:endParaRPr lang="en-US"/>
+          </a:p>
+        </p:txBody>
+      </p:sp>
+    </p:spTree>
+  </p:cSld>
+  <p:clrMapOvr>
+    <a:masterClrMapping/>
+  </p:clrMapOvr>
+  <p:timing>
+    <p:tnLst>
+      <p:par>
+        <p:cTn id="1" dur="indefinite" restart="never" nodeType="tmRoot"/>
+      </p:par>
+    </p:tnLst>
+  </p:timing>
+</p:sld>
+</file>
+
+<file path=ppt/slides/slide15.xml><?xml version="1.0" encoding="utf-8"?>
+<p:sld xmlns:a="http://schemas.openxmlformats.org/drawingml/2006/main" xmlns:r="http://schemas.openxmlformats.org/officeDocument/2006/relationships" xmlns:p="http://schemas.openxmlformats.org/presentationml/2006/main">
+  <p:cSld>
+    <p:spTree>
+      <p:nvGrpSpPr>
+        <p:cNvPr id="1" name=""/>
+        <p:cNvGrpSpPr/>
+        <p:nvPr/>
+      </p:nvGrpSpPr>
+      <p:grpSpPr>
+        <a:xfrm>
+          <a:off x="0" y="0"/>
+          <a:ext cx="0" cy="0"/>
+          <a:chOff x="0" y="0"/>
+          <a:chExt cx="0" cy="0"/>
+        </a:xfrm>
+      </p:grpSpPr>
+      <p:sp>
+        <p:nvSpPr>
+          <p:cNvPr id="2" name="Title 1"/>
+          <p:cNvSpPr>
+            <a:spLocks noGrp="1"/>
+          </p:cNvSpPr>
+          <p:nvPr>
+            <p:ph type="title"/>
+          </p:nvPr>
+        </p:nvSpPr>
+        <p:spPr/>
+        <p:txBody>
+          <a:bodyPr/>
+          <a:lstStyle/>
+          <a:p>
+            <a:r>
+              <a:rPr lang="en-US" dirty="0" err="1" smtClean="0"/>
+              <a:t>Hướng</a:t>
+            </a:r>
+            <a:r>
+              <a:rPr lang="en-US" dirty="0" smtClean="0"/>
+              <a:t> </a:t>
+            </a:r>
+            <a:r>
+              <a:rPr lang="en-US" dirty="0" err="1" smtClean="0"/>
+              <a:t>tiếp</a:t>
+            </a:r>
+            <a:r>
+              <a:rPr lang="en-US" dirty="0" smtClean="0"/>
+              <a:t> </a:t>
+            </a:r>
+            <a:r>
+              <a:rPr lang="en-US" dirty="0" err="1" smtClean="0"/>
+              <a:t>cận</a:t>
+            </a:r>
+            <a:endParaRPr lang="en-US" dirty="0"/>
+          </a:p>
+        </p:txBody>
+      </p:sp>
+      <p:sp>
+        <p:nvSpPr>
+          <p:cNvPr id="3" name="Content Placeholder 2"/>
+          <p:cNvSpPr>
+            <a:spLocks noGrp="1"/>
+          </p:cNvSpPr>
+          <p:nvPr>
+            <p:ph idx="1"/>
+          </p:nvPr>
+        </p:nvSpPr>
+        <p:spPr>
+          <a:xfrm>
+            <a:off x="457200" y="1935480"/>
+            <a:ext cx="8229600" cy="655320"/>
+          </a:xfrm>
+        </p:spPr>
+        <p:txBody>
+          <a:bodyPr/>
+          <a:lstStyle/>
+          <a:p>
+            <a:r>
+              <a:rPr lang="en-US" dirty="0" err="1" smtClean="0"/>
+              <a:t>Tổng</a:t>
+            </a:r>
+            <a:r>
+              <a:rPr lang="en-US" dirty="0" smtClean="0"/>
+              <a:t> </a:t>
+            </a:r>
+            <a:r>
+              <a:rPr lang="en-US" dirty="0" err="1" smtClean="0"/>
+              <a:t>quan</a:t>
+            </a:r>
+            <a:endParaRPr lang="en-US" dirty="0"/>
+          </a:p>
+        </p:txBody>
+      </p:sp>
+      <p:sp>
+        <p:nvSpPr>
+          <p:cNvPr id="36" name="Slide Number Placeholder 35"/>
+          <p:cNvSpPr>
+            <a:spLocks noGrp="1"/>
+          </p:cNvSpPr>
+          <p:nvPr>
+            <p:ph type="sldNum" sz="quarter" idx="12"/>
+          </p:nvPr>
+        </p:nvSpPr>
+        <p:spPr/>
+        <p:txBody>
+          <a:bodyPr/>
+          <a:lstStyle/>
+          <a:p>
+            <a:fld id="{B6F15528-21DE-4FAA-801E-634DDDAF4B2B}" type="slidenum">
+              <a:rPr lang="en-US" smtClean="0"/>
+              <a:pPr/>
+              <a:t>15</a:t>
+            </a:fld>
+            <a:endParaRPr lang="en-US"/>
+          </a:p>
+        </p:txBody>
+      </p:sp>
+    </p:spTree>
+    <p:extLst>
+      <p:ext uri="{BB962C8B-B14F-4D97-AF65-F5344CB8AC3E}">
+        <p14:creationId xmlns="" xmlns:p14="http://schemas.microsoft.com/office/powerpoint/2010/main" val="1297011577"/>
+      </p:ext>
+    </p:extLst>
+  </p:cSld>
+  <p:clrMapOvr>
+    <a:masterClrMapping/>
+  </p:clrMapOvr>
+  <p:timing>
+    <p:tnLst>
+      <p:par>
+        <p:cTn id="1" dur="indefinite" restart="never" nodeType="tmRoot"/>
+      </p:par>
+    </p:tnLst>
+  </p:timing>
+</p:sld>
+</file>
+
+<file path=ppt/slides/slide16.xml><?xml version="1.0" encoding="utf-8"?>
+<p:sld xmlns:a="http://schemas.openxmlformats.org/drawingml/2006/main" xmlns:r="http://schemas.openxmlformats.org/officeDocument/2006/relationships" xmlns:p="http://schemas.openxmlformats.org/presentationml/2006/main">
+  <p:cSld>
+    <p:spTree>
+      <p:nvGrpSpPr>
+        <p:cNvPr id="1" name=""/>
+        <p:cNvGrpSpPr/>
+        <p:nvPr/>
+      </p:nvGrpSpPr>
+      <p:grpSpPr>
+        <a:xfrm>
+          <a:off x="0" y="0"/>
+          <a:ext cx="0" cy="0"/>
+          <a:chOff x="0" y="0"/>
+          <a:chExt cx="0" cy="0"/>
+        </a:xfrm>
+      </p:grpSpPr>
+      <p:sp>
+        <p:nvSpPr>
+          <p:cNvPr id="2" name="Title 1"/>
+          <p:cNvSpPr>
+            <a:spLocks noGrp="1"/>
+          </p:cNvSpPr>
+          <p:nvPr>
+            <p:ph type="title"/>
+          </p:nvPr>
+        </p:nvSpPr>
+        <p:spPr/>
+        <p:txBody>
+          <a:bodyPr/>
+          <a:lstStyle/>
+          <a:p>
+            <a:r>
+              <a:rPr lang="en-US" dirty="0" err="1" smtClean="0"/>
+              <a:t>Hướng</a:t>
+            </a:r>
+            <a:r>
+              <a:rPr lang="en-US" dirty="0" smtClean="0"/>
+              <a:t> </a:t>
+            </a:r>
+            <a:r>
+              <a:rPr lang="en-US" dirty="0" err="1" smtClean="0"/>
+              <a:t>tiếp</a:t>
+            </a:r>
+            <a:r>
+              <a:rPr lang="en-US" dirty="0" smtClean="0"/>
+              <a:t> </a:t>
+            </a:r>
+            <a:r>
+              <a:rPr lang="en-US" dirty="0" err="1" smtClean="0"/>
+              <a:t>cận</a:t>
+            </a:r>
+            <a:endParaRPr lang="en-US" dirty="0"/>
+          </a:p>
+        </p:txBody>
+      </p:sp>
+      <p:sp>
+        <p:nvSpPr>
+          <p:cNvPr id="3" name="Content Placeholder 2"/>
+          <p:cNvSpPr>
+            <a:spLocks noGrp="1"/>
+          </p:cNvSpPr>
+          <p:nvPr>
+            <p:ph idx="1"/>
+          </p:nvPr>
+        </p:nvSpPr>
+        <p:spPr>
+          <a:xfrm>
+            <a:off x="457200" y="1935480"/>
+            <a:ext cx="8229600" cy="655320"/>
+          </a:xfrm>
+        </p:spPr>
+        <p:txBody>
+          <a:bodyPr/>
+          <a:lstStyle/>
+          <a:p>
+            <a:r>
+              <a:rPr lang="en-US" dirty="0" err="1" smtClean="0"/>
+              <a:t>Phân</a:t>
+            </a:r>
+            <a:r>
+              <a:rPr lang="en-US" dirty="0" smtClean="0"/>
+              <a:t> </a:t>
+            </a:r>
+            <a:r>
+              <a:rPr lang="en-US" dirty="0" err="1" smtClean="0"/>
+              <a:t>loại</a:t>
+            </a:r>
+            <a:endParaRPr lang="en-US" dirty="0"/>
+          </a:p>
+        </p:txBody>
+      </p:sp>
+      <p:sp>
+        <p:nvSpPr>
+          <p:cNvPr id="4" name="Slide Number Placeholder 3"/>
+          <p:cNvSpPr>
+            <a:spLocks noGrp="1"/>
+          </p:cNvSpPr>
+          <p:nvPr>
+            <p:ph type="sldNum" sz="quarter" idx="12"/>
+          </p:nvPr>
+        </p:nvSpPr>
+        <p:spPr/>
+        <p:txBody>
+          <a:bodyPr/>
+          <a:lstStyle/>
+          <a:p>
+            <a:fld id="{B6F15528-21DE-4FAA-801E-634DDDAF4B2B}" type="slidenum">
+              <a:rPr lang="en-US" smtClean="0"/>
+              <a:pPr/>
+              <a:t>16</a:t>
+            </a:fld>
+            <a:endParaRPr lang="en-US"/>
+          </a:p>
+        </p:txBody>
+      </p:sp>
+    </p:spTree>
+    <p:extLst>
+      <p:ext uri="{BB962C8B-B14F-4D97-AF65-F5344CB8AC3E}">
+        <p14:creationId xmlns="" xmlns:p14="http://schemas.microsoft.com/office/powerpoint/2010/main" val="1297011577"/>
+      </p:ext>
+    </p:extLst>
+  </p:cSld>
+  <p:clrMapOvr>
+    <a:masterClrMapping/>
+  </p:clrMapOvr>
+  <p:timing>
+    <p:tnLst>
+      <p:par>
+        <p:cTn id="1" dur="indefinite" restart="never" nodeType="tmRoot"/>
+      </p:par>
+    </p:tnLst>
+  </p:timing>
+</p:sld>
+</file>
+
+<file path=ppt/slides/slide17.xml><?xml version="1.0" encoding="utf-8"?>
+<p:sld xmlns:a="http://schemas.openxmlformats.org/drawingml/2006/main" xmlns:r="http://schemas.openxmlformats.org/officeDocument/2006/relationships" xmlns:p="http://schemas.openxmlformats.org/presentationml/2006/main">
+  <p:cSld>
+    <p:spTree>
+      <p:nvGrpSpPr>
+        <p:cNvPr id="1" name=""/>
+        <p:cNvGrpSpPr/>
+        <p:nvPr/>
+      </p:nvGrpSpPr>
+      <p:grpSpPr>
+        <a:xfrm>
+          <a:off x="0" y="0"/>
+          <a:ext cx="0" cy="0"/>
+          <a:chOff x="0" y="0"/>
+          <a:chExt cx="0" cy="0"/>
+        </a:xfrm>
+      </p:grpSpPr>
+      <p:sp>
+        <p:nvSpPr>
+          <p:cNvPr id="2" name="Title 1"/>
+          <p:cNvSpPr>
+            <a:spLocks noGrp="1"/>
+          </p:cNvSpPr>
+          <p:nvPr>
+            <p:ph type="title"/>
+          </p:nvPr>
+        </p:nvSpPr>
+        <p:spPr/>
+        <p:txBody>
+          <a:bodyPr/>
+          <a:lstStyle/>
+          <a:p>
+            <a:r>
+              <a:rPr lang="en-US" dirty="0" err="1" smtClean="0"/>
+              <a:t>Hướng</a:t>
+            </a:r>
+            <a:r>
+              <a:rPr lang="en-US" dirty="0" smtClean="0"/>
+              <a:t> </a:t>
+            </a:r>
+            <a:r>
+              <a:rPr lang="en-US" dirty="0" err="1" smtClean="0"/>
+              <a:t>tiếp</a:t>
+            </a:r>
+            <a:r>
+              <a:rPr lang="en-US" dirty="0" smtClean="0"/>
+              <a:t> </a:t>
+            </a:r>
+            <a:r>
+              <a:rPr lang="en-US" dirty="0" err="1" smtClean="0"/>
+              <a:t>cận</a:t>
+            </a:r>
+            <a:endParaRPr lang="en-US" dirty="0"/>
+          </a:p>
+        </p:txBody>
+      </p:sp>
+      <p:sp>
+        <p:nvSpPr>
+          <p:cNvPr id="3" name="Content Placeholder 2"/>
+          <p:cNvSpPr>
+            <a:spLocks noGrp="1"/>
+          </p:cNvSpPr>
+          <p:nvPr>
+            <p:ph idx="1"/>
+          </p:nvPr>
+        </p:nvSpPr>
+        <p:spPr>
+          <a:xfrm>
+            <a:off x="457200" y="1935480"/>
+            <a:ext cx="8229600" cy="655320"/>
+          </a:xfrm>
+        </p:spPr>
+        <p:txBody>
+          <a:bodyPr/>
+          <a:lstStyle/>
+          <a:p>
+            <a:r>
+              <a:rPr lang="en-US" dirty="0" err="1" smtClean="0"/>
+              <a:t>Hướng</a:t>
+            </a:r>
+            <a:r>
+              <a:rPr lang="en-US" dirty="0" smtClean="0"/>
+              <a:t> </a:t>
+            </a:r>
+            <a:r>
+              <a:rPr lang="en-US" dirty="0" err="1" smtClean="0"/>
+              <a:t>tiếp</a:t>
+            </a:r>
+            <a:r>
+              <a:rPr lang="en-US" dirty="0" smtClean="0"/>
+              <a:t> </a:t>
+            </a:r>
+            <a:r>
+              <a:rPr lang="en-US" dirty="0" err="1" smtClean="0"/>
+              <a:t>cận</a:t>
+            </a:r>
+            <a:r>
+              <a:rPr lang="en-US" dirty="0" smtClean="0"/>
+              <a:t> </a:t>
+            </a:r>
+            <a:r>
+              <a:rPr lang="en-US" dirty="0" err="1" smtClean="0"/>
+              <a:t>của</a:t>
+            </a:r>
+            <a:r>
+              <a:rPr lang="en-US" dirty="0" smtClean="0"/>
+              <a:t> </a:t>
+            </a:r>
+            <a:r>
+              <a:rPr lang="en-US" dirty="0" err="1" smtClean="0"/>
+              <a:t>nhóm</a:t>
+            </a:r>
+            <a:endParaRPr lang="en-US" dirty="0"/>
+          </a:p>
+        </p:txBody>
+      </p:sp>
+      <p:sp>
+        <p:nvSpPr>
+          <p:cNvPr id="4" name="Slide Number Placeholder 3"/>
+          <p:cNvSpPr>
+            <a:spLocks noGrp="1"/>
+          </p:cNvSpPr>
+          <p:nvPr>
+            <p:ph type="sldNum" sz="quarter" idx="12"/>
+          </p:nvPr>
+        </p:nvSpPr>
+        <p:spPr/>
+        <p:txBody>
+          <a:bodyPr/>
+          <a:lstStyle/>
+          <a:p>
+            <a:fld id="{B6F15528-21DE-4FAA-801E-634DDDAF4B2B}" type="slidenum">
+              <a:rPr lang="en-US" smtClean="0"/>
+              <a:pPr/>
+              <a:t>17</a:t>
+            </a:fld>
+            <a:endParaRPr lang="en-US"/>
+          </a:p>
+        </p:txBody>
+      </p:sp>
+    </p:spTree>
+    <p:extLst>
+      <p:ext uri="{BB962C8B-B14F-4D97-AF65-F5344CB8AC3E}">
+        <p14:creationId xmlns="" xmlns:p14="http://schemas.microsoft.com/office/powerpoint/2010/main" val="1297011577"/>
+      </p:ext>
+    </p:extLst>
+  </p:cSld>
+  <p:clrMapOvr>
+    <a:masterClrMapping/>
+  </p:clrMapOvr>
+  <p:timing>
+    <p:tnLst>
+      <p:par>
+        <p:cTn id="1" dur="indefinite" restart="never" nodeType="tmRoot"/>
+      </p:par>
+    </p:tnLst>
+  </p:timing>
+</p:sld>
+</file>
+
+<file path=ppt/slides/slide18.xml><?xml version="1.0" encoding="utf-8"?>
+<p:sld xmlns:a="http://schemas.openxmlformats.org/drawingml/2006/main" xmlns:r="http://schemas.openxmlformats.org/officeDocument/2006/relationships" xmlns:p="http://schemas.openxmlformats.org/presentationml/2006/main">
+  <p:cSld>
+    <p:spTree>
+      <p:nvGrpSpPr>
+        <p:cNvPr id="1" name=""/>
+        <p:cNvGrpSpPr/>
+        <p:nvPr/>
+      </p:nvGrpSpPr>
+      <p:grpSpPr>
+        <a:xfrm>
+          <a:off x="0" y="0"/>
+          <a:ext cx="0" cy="0"/>
+          <a:chOff x="0" y="0"/>
+          <a:chExt cx="0" cy="0"/>
+        </a:xfrm>
+      </p:grpSpPr>
+      <p:sp>
+        <p:nvSpPr>
+          <p:cNvPr id="2" name="Title 1"/>
+          <p:cNvSpPr>
+            <a:spLocks noGrp="1"/>
+          </p:cNvSpPr>
+          <p:nvPr>
+            <p:ph type="title"/>
+          </p:nvPr>
+        </p:nvSpPr>
+        <p:spPr/>
+        <p:txBody>
+          <a:bodyPr/>
+          <a:lstStyle/>
+          <a:p>
+            <a:r>
+              <a:rPr lang="en-US" dirty="0" smtClean="0"/>
+              <a:t>Demo</a:t>
+            </a:r>
+            <a:endParaRPr lang="en-US" dirty="0"/>
+          </a:p>
+        </p:txBody>
+      </p:sp>
+      <p:sp>
+        <p:nvSpPr>
+          <p:cNvPr id="3" name="Content Placeholder 2"/>
+          <p:cNvSpPr>
+            <a:spLocks noGrp="1"/>
+          </p:cNvSpPr>
+          <p:nvPr>
+            <p:ph idx="1"/>
+          </p:nvPr>
+        </p:nvSpPr>
+        <p:spPr/>
+        <p:txBody>
+          <a:bodyPr/>
+          <a:lstStyle/>
+          <a:p>
+            <a:endParaRPr lang="en-US"/>
+          </a:p>
+        </p:txBody>
+      </p:sp>
+      <p:sp>
+        <p:nvSpPr>
+          <p:cNvPr id="4" name="Slide Number Placeholder 3"/>
+          <p:cNvSpPr>
+            <a:spLocks noGrp="1"/>
+          </p:cNvSpPr>
+          <p:nvPr>
+            <p:ph type="sldNum" sz="quarter" idx="12"/>
+          </p:nvPr>
+        </p:nvSpPr>
+        <p:spPr/>
+        <p:txBody>
+          <a:bodyPr/>
+          <a:lstStyle/>
+          <a:p>
+            <a:fld id="{B6F15528-21DE-4FAA-801E-634DDDAF4B2B}" type="slidenum">
+              <a:rPr lang="en-US" smtClean="0"/>
+              <a:pPr/>
+              <a:t>18</a:t>
+            </a:fld>
+            <a:endParaRPr lang="en-US"/>
+          </a:p>
+        </p:txBody>
+      </p:sp>
+    </p:spTree>
+    <p:extLst>
+      <p:ext uri="{BB962C8B-B14F-4D97-AF65-F5344CB8AC3E}">
+        <p14:creationId xmlns="" xmlns:p14="http://schemas.microsoft.com/office/powerpoint/2010/main" val="1280618262"/>
+      </p:ext>
+    </p:extLst>
+  </p:cSld>
+  <p:clrMapOvr>
+    <a:masterClrMapping/>
+  </p:clrMapOvr>
+  <p:timing>
+    <p:tnLst>
+      <p:par>
+        <p:cTn id="1" dur="indefinite" restart="never" nodeType="tmRoot"/>
+      </p:par>
+    </p:tnLst>
+  </p:timing>
+</p:sld>
+</file>
+
+<file path=ppt/slides/slide19.xml><?xml version="1.0" encoding="utf-8"?>
+<p:sld xmlns:a="http://schemas.openxmlformats.org/drawingml/2006/main" xmlns:r="http://schemas.openxmlformats.org/officeDocument/2006/relationships" xmlns:p="http://schemas.openxmlformats.org/presentationml/2006/main">
+  <p:cSld>
+    <p:spTree>
+      <p:nvGrpSpPr>
+        <p:cNvPr id="1" name=""/>
+        <p:cNvGrpSpPr/>
+        <p:nvPr/>
+      </p:nvGrpSpPr>
+      <p:grpSpPr>
+        <a:xfrm>
+          <a:off x="0" y="0"/>
+          <a:ext cx="0" cy="0"/>
+          <a:chOff x="0" y="0"/>
+          <a:chExt cx="0" cy="0"/>
+        </a:xfrm>
+      </p:grpSpPr>
+      <p:sp>
+        <p:nvSpPr>
+          <p:cNvPr id="2" name="Title 1"/>
+          <p:cNvSpPr>
+            <a:spLocks noGrp="1"/>
+          </p:cNvSpPr>
+          <p:nvPr>
+            <p:ph type="title"/>
+          </p:nvPr>
+        </p:nvSpPr>
+        <p:spPr/>
+        <p:txBody>
+          <a:bodyPr/>
+          <a:lstStyle/>
+          <a:p>
+            <a:r>
+              <a:rPr lang="en-US" dirty="0" err="1" smtClean="0"/>
+              <a:t>Tài</a:t>
+            </a:r>
+            <a:r>
+              <a:rPr lang="en-US" dirty="0" smtClean="0"/>
+              <a:t> </a:t>
+            </a:r>
+            <a:r>
+              <a:rPr lang="en-US" dirty="0" err="1" smtClean="0"/>
+              <a:t>liệu</a:t>
+            </a:r>
+            <a:r>
+              <a:rPr lang="en-US" dirty="0" smtClean="0"/>
+              <a:t> </a:t>
+            </a:r>
+            <a:r>
+              <a:rPr lang="en-US" dirty="0" err="1" smtClean="0"/>
+              <a:t>tham</a:t>
+            </a:r>
+            <a:r>
+              <a:rPr lang="en-US" dirty="0" smtClean="0"/>
+              <a:t> </a:t>
+            </a:r>
+            <a:r>
+              <a:rPr lang="en-US" dirty="0" err="1" smtClean="0"/>
+              <a:t>khảo</a:t>
+            </a:r>
+            <a:endParaRPr lang="en-US" dirty="0"/>
+          </a:p>
+        </p:txBody>
+      </p:sp>
+      <p:sp>
+        <p:nvSpPr>
+          <p:cNvPr id="3" name="Content Placeholder 2"/>
+          <p:cNvSpPr>
+            <a:spLocks noGrp="1"/>
+          </p:cNvSpPr>
+          <p:nvPr>
+            <p:ph idx="1"/>
+          </p:nvPr>
+        </p:nvSpPr>
+        <p:spPr>
+          <a:xfrm>
+            <a:off x="0" y="1935480"/>
+            <a:ext cx="9144000" cy="4389120"/>
+          </a:xfrm>
+        </p:spPr>
+        <p:txBody>
+          <a:bodyPr>
+            <a:normAutofit/>
+          </a:bodyPr>
+          <a:lstStyle/>
+          <a:p>
+            <a:r>
+              <a:rPr lang="en-US" dirty="0" smtClean="0"/>
+              <a:t>[1] </a:t>
+            </a:r>
+            <a:r>
+              <a:rPr lang="en-US" dirty="0" err="1" smtClean="0"/>
+              <a:t>Kresimir</a:t>
+            </a:r>
+            <a:r>
+              <a:rPr lang="en-US" dirty="0" smtClean="0"/>
+              <a:t> </a:t>
+            </a:r>
+            <a:r>
+              <a:rPr lang="en-US" dirty="0" err="1" smtClean="0"/>
+              <a:t>Delac</a:t>
+            </a:r>
+            <a:r>
+              <a:rPr lang="en-US" dirty="0" smtClean="0"/>
+              <a:t> and </a:t>
+            </a:r>
+            <a:r>
+              <a:rPr lang="en-US" dirty="0" err="1" smtClean="0"/>
+              <a:t>Mislav</a:t>
+            </a:r>
+            <a:r>
+              <a:rPr lang="en-US" dirty="0" smtClean="0"/>
+              <a:t> </a:t>
+            </a:r>
+            <a:r>
+              <a:rPr lang="en-US" dirty="0" err="1" smtClean="0"/>
+              <a:t>Grgic</a:t>
+            </a:r>
+            <a:r>
+              <a:rPr lang="en-US" dirty="0" smtClean="0"/>
+              <a:t>, "A survey of biometric recognition methods," 2004.</a:t>
+            </a:r>
+          </a:p>
+          <a:p>
+            <a:r>
+              <a:rPr lang="en-US" dirty="0" smtClean="0"/>
+              <a:t>[2] </a:t>
+            </a:r>
+            <a:r>
+              <a:rPr lang="en-US" dirty="0" err="1" smtClean="0"/>
+              <a:t>Ravindra</a:t>
+            </a:r>
+            <a:r>
+              <a:rPr lang="en-US" dirty="0" smtClean="0"/>
+              <a:t> </a:t>
+            </a:r>
+            <a:r>
+              <a:rPr lang="en-US" dirty="0" err="1" smtClean="0"/>
+              <a:t>Thool</a:t>
+            </a:r>
+            <a:r>
+              <a:rPr lang="en-US" dirty="0" smtClean="0"/>
+              <a:t>, </a:t>
+            </a:r>
+            <a:r>
+              <a:rPr lang="en-US" dirty="0" err="1" smtClean="0"/>
+              <a:t>Balwant</a:t>
+            </a:r>
+            <a:r>
+              <a:rPr lang="en-US" dirty="0" smtClean="0"/>
+              <a:t> </a:t>
+            </a:r>
+            <a:r>
+              <a:rPr lang="en-US" dirty="0" err="1" smtClean="0"/>
+              <a:t>sonkamble</a:t>
+            </a:r>
+            <a:r>
+              <a:rPr lang="en-US" dirty="0" smtClean="0"/>
+              <a:t> </a:t>
+            </a:r>
+            <a:r>
+              <a:rPr lang="en-US" dirty="0" err="1" smtClean="0"/>
+              <a:t>Sulochana</a:t>
+            </a:r>
+            <a:r>
+              <a:rPr lang="en-US" dirty="0" smtClean="0"/>
+              <a:t> </a:t>
+            </a:r>
+            <a:r>
+              <a:rPr lang="en-US" dirty="0" err="1" smtClean="0"/>
+              <a:t>Sonkamble</a:t>
+            </a:r>
+            <a:r>
+              <a:rPr lang="en-US" dirty="0" smtClean="0"/>
+              <a:t>, "Survey of biometric recognition systems and their applications," </a:t>
+            </a:r>
+            <a:r>
+              <a:rPr lang="en-US" i="1" dirty="0" smtClean="0"/>
+              <a:t>Journal of Theoretical and Applied Information Technology</a:t>
+            </a:r>
+            <a:r>
+              <a:rPr lang="en-US" dirty="0" smtClean="0"/>
+              <a:t>, vol. 11, pp. 45-51.</a:t>
+            </a:r>
+          </a:p>
+          <a:p>
+            <a:r>
+              <a:rPr lang="en-US" dirty="0" smtClean="0"/>
+              <a:t>[3] Patrick Flynn, </a:t>
+            </a:r>
+            <a:r>
+              <a:rPr lang="en-US" dirty="0" err="1" smtClean="0"/>
+              <a:t>Arun</a:t>
+            </a:r>
+            <a:r>
+              <a:rPr lang="en-US" dirty="0" smtClean="0"/>
+              <a:t> A. Ross Anil K. Jain, Ed., </a:t>
+            </a:r>
+            <a:r>
+              <a:rPr lang="en-US" i="1" dirty="0" smtClean="0"/>
+              <a:t>Handbook of biometrics</a:t>
+            </a:r>
+            <a:r>
+              <a:rPr lang="en-US" dirty="0" smtClean="0"/>
+              <a:t>.: Springer, 2008.</a:t>
+            </a:r>
+          </a:p>
+          <a:p>
+            <a:endParaRPr lang="en-US" dirty="0"/>
+          </a:p>
+        </p:txBody>
+      </p:sp>
+      <p:sp>
+        <p:nvSpPr>
+          <p:cNvPr id="4" name="Slide Number Placeholder 3"/>
+          <p:cNvSpPr>
+            <a:spLocks noGrp="1"/>
+          </p:cNvSpPr>
+          <p:nvPr>
+            <p:ph type="sldNum" sz="quarter" idx="12"/>
+          </p:nvPr>
+        </p:nvSpPr>
+        <p:spPr/>
+        <p:txBody>
+          <a:bodyPr/>
+          <a:lstStyle/>
+          <a:p>
+            <a:fld id="{B6F15528-21DE-4FAA-801E-634DDDAF4B2B}" type="slidenum">
+              <a:rPr lang="en-US" smtClean="0"/>
+              <a:pPr/>
+              <a:t>19</a:t>
+            </a:fld>
+            <a:endParaRPr lang="en-US"/>
+          </a:p>
+        </p:txBody>
+      </p:sp>
+    </p:spTree>
+  </p:cSld>
+  <p:clrMapOvr>
+    <a:masterClrMapping/>
+  </p:clrMapOvr>
+  <p:timing>
+    <p:tnLst>
+      <p:par>
+        <p:cTn id="1" dur="indefinite" restart="never" nodeType="tmRoot"/>
+      </p:par>
+    </p:tnLst>
+  </p:timing>
 </p:sld>
 </file>
 
@@ -4348,11 +8972,42 @@
           </a:p>
         </p:txBody>
       </p:sp>
+      <p:sp>
+        <p:nvSpPr>
+          <p:cNvPr id="4" name="Slide Number Placeholder 3"/>
+          <p:cNvSpPr>
+            <a:spLocks noGrp="1"/>
+          </p:cNvSpPr>
+          <p:nvPr>
+            <p:ph type="sldNum" sz="quarter" idx="12"/>
+          </p:nvPr>
+        </p:nvSpPr>
+        <p:spPr/>
+        <p:txBody>
+          <a:bodyPr/>
+          <a:lstStyle/>
+          <a:p>
+            <a:fld id="{B6F15528-21DE-4FAA-801E-634DDDAF4B2B}" type="slidenum">
+              <a:rPr lang="en-US" smtClean="0"/>
+              <a:pPr/>
+              <a:t>2</a:t>
+            </a:fld>
+            <a:endParaRPr lang="en-US"/>
+          </a:p>
+        </p:txBody>
+      </p:sp>
     </p:spTree>
   </p:cSld>
   <p:clrMapOvr>
     <a:masterClrMapping/>
   </p:clrMapOvr>
+  <p:timing>
+    <p:tnLst>
+      <p:par>
+        <p:cTn id="1" dur="indefinite" restart="never" nodeType="tmRoot"/>
+      </p:par>
+    </p:tnLst>
+  </p:timing>
 </p:sld>
 </file>
 
@@ -4419,15 +9074,55 @@
           <a:bodyPr/>
           <a:lstStyle/>
           <a:p>
+            <a:r>
+              <a:rPr lang="en-US" dirty="0" smtClean="0"/>
+              <a:t>Starting clip plays on.</a:t>
+            </a:r>
             <a:endParaRPr lang="en-US" dirty="0"/>
           </a:p>
         </p:txBody>
       </p:sp>
+      <p:sp>
+        <p:nvSpPr>
+          <p:cNvPr id="4" name="Slide Number Placeholder 3"/>
+          <p:cNvSpPr>
+            <a:spLocks noGrp="1"/>
+          </p:cNvSpPr>
+          <p:nvPr>
+            <p:ph type="sldNum" sz="quarter" idx="12"/>
+          </p:nvPr>
+        </p:nvSpPr>
+        <p:spPr/>
+        <p:txBody>
+          <a:bodyPr/>
+          <a:lstStyle/>
+          <a:p>
+            <a:fld id="{B6F15528-21DE-4FAA-801E-634DDDAF4B2B}" type="slidenum">
+              <a:rPr lang="en-US" smtClean="0"/>
+              <a:pPr/>
+              <a:t>3</a:t>
+            </a:fld>
+            <a:endParaRPr lang="en-US"/>
+          </a:p>
+        </p:txBody>
+      </p:sp>
     </p:spTree>
+    <p:extLst>
+      <p:ext uri="{BB962C8B-B14F-4D97-AF65-F5344CB8AC3E}">
+        <p14:creationId xmlns="" xmlns:p14="http://schemas.microsoft.com/office/powerpoint/2010/main" val="631339435"/>
+      </p:ext>
+    </p:extLst>
   </p:cSld>
   <p:clrMapOvr>
     <a:masterClrMapping/>
   </p:clrMapOvr>
+  <p:timing>
+    <p:tnLst>
+      <p:par>
+        <p:cTn id="1" dur="indefinite" restart="never" nodeType="tmRoot"/>
+      </p:par>
+    </p:tnLst>
+  </p:timing>
 </p:sld>
 </file>
 
@@ -4465,44 +9160,381 @@
           <a:p>
             <a:r>
               <a:rPr lang="en-US" dirty="0" err="1" smtClean="0"/>
-              <a:t>Lược</a:t>
-            </a:r>
-            <a:r>
-              <a:rPr lang="en-US" dirty="0" smtClean="0"/>
-              <a:t> </a:t>
-            </a:r>
-            <a:r>
-              <a:rPr lang="en-US" dirty="0" err="1" smtClean="0"/>
-              <a:t>sử</a:t>
-            </a:r>
-            <a:r>
-              <a:rPr lang="en-US" dirty="0" smtClean="0"/>
-              <a:t> - </a:t>
-            </a:r>
-            <a:r>
-              <a:rPr lang="en-US" dirty="0" err="1" smtClean="0"/>
-              <a:t>Ứng</a:t>
-            </a:r>
-            <a:r>
-              <a:rPr lang="en-US" dirty="0" smtClean="0"/>
-              <a:t> </a:t>
-            </a:r>
-            <a:r>
-              <a:rPr lang="en-US" dirty="0" err="1" smtClean="0"/>
-              <a:t>dụng</a:t>
+              <a:t>Giới</a:t>
+            </a:r>
+            <a:r>
+              <a:rPr lang="en-US" dirty="0" smtClean="0"/>
+              <a:t> </a:t>
+            </a:r>
+            <a:r>
+              <a:rPr lang="en-US" dirty="0" err="1" smtClean="0"/>
+              <a:t>thiệu</a:t>
             </a:r>
             <a:endParaRPr lang="en-US" dirty="0"/>
           </a:p>
         </p:txBody>
       </p:sp>
-      <p:sp>
-        <p:nvSpPr>
-          <p:cNvPr id="3" name="Content Placeholder 2"/>
+      <p:pic>
+        <p:nvPicPr>
+          <p:cNvPr id="1026" name="Picture 2"/>
+          <p:cNvPicPr>
+            <a:picLocks noChangeAspect="1" noChangeArrowheads="1"/>
+          </p:cNvPicPr>
+          <p:nvPr/>
+        </p:nvPicPr>
+        <p:blipFill>
+          <a:blip r:embed="rId2" cstate="print">
+            <a:extLst>
+              <a:ext uri="{28A0092B-C50C-407E-A947-70E740481C1C}">
+                <a14:useLocalDpi xmlns="" xmlns:a14="http://schemas.microsoft.com/office/drawing/2010/main" val="0"/>
+              </a:ext>
+            </a:extLst>
+          </a:blip>
+          <a:srcRect/>
+          <a:stretch>
+            <a:fillRect/>
+          </a:stretch>
+        </p:blipFill>
+        <p:spPr bwMode="auto">
+          <a:xfrm>
+            <a:off x="457200" y="1905000"/>
+            <a:ext cx="1666875" cy="1781175"/>
+          </a:xfrm>
+          <a:prstGeom prst="rect">
+            <a:avLst/>
+          </a:prstGeom>
+          <a:noFill/>
+          <a:ln>
+            <a:noFill/>
+          </a:ln>
+          <a:effectLst/>
+          <a:extLst>
+            <a:ext uri="{909E8E84-426E-40DD-AFC4-6F175D3DCCD1}">
+              <a14:hiddenFill xmlns="" xmlns:a14="http://schemas.microsoft.com/office/drawing/2010/main">
+                <a:solidFill>
+                  <a:schemeClr val="accent1"/>
+                </a:solidFill>
+              </a14:hiddenFill>
+            </a:ext>
+            <a:ext uri="{91240B29-F687-4F45-9708-019B960494DF}">
+              <a14:hiddenLine xmlns="" xmlns:a14="http://schemas.microsoft.com/office/drawing/2010/main" w="9525">
+                <a:solidFill>
+                  <a:schemeClr val="tx1"/>
+                </a:solidFill>
+                <a:miter lim="800000"/>
+                <a:headEnd/>
+                <a:tailEnd/>
+              </a14:hiddenLine>
+            </a:ext>
+            <a:ext uri="{AF507438-7753-43E0-B8FC-AC1667EBCBE1}">
+              <a14:hiddenEffects xmlns="" xmlns:a14="http://schemas.microsoft.com/office/drawing/2010/main">
+                <a:effectLst>
+                  <a:outerShdw dist="35921" dir="2700000" algn="ctr" rotWithShape="0">
+                    <a:schemeClr val="bg2"/>
+                  </a:outerShdw>
+                </a:effectLst>
+              </a14:hiddenEffects>
+            </a:ext>
+          </a:extLst>
+        </p:spPr>
+      </p:pic>
+      <p:pic>
+        <p:nvPicPr>
+          <p:cNvPr id="1027" name="Picture 3"/>
+          <p:cNvPicPr>
+            <a:picLocks noChangeAspect="1" noChangeArrowheads="1"/>
+          </p:cNvPicPr>
+          <p:nvPr/>
+        </p:nvPicPr>
+        <p:blipFill>
+          <a:blip r:embed="rId3" cstate="print">
+            <a:extLst>
+              <a:ext uri="{28A0092B-C50C-407E-A947-70E740481C1C}">
+                <a14:useLocalDpi xmlns="" xmlns:a14="http://schemas.microsoft.com/office/drawing/2010/main" val="0"/>
+              </a:ext>
+            </a:extLst>
+          </a:blip>
+          <a:srcRect/>
+          <a:stretch>
+            <a:fillRect/>
+          </a:stretch>
+        </p:blipFill>
+        <p:spPr bwMode="auto">
+          <a:xfrm>
+            <a:off x="3581400" y="1905000"/>
+            <a:ext cx="1828800" cy="1781176"/>
+          </a:xfrm>
+          <a:prstGeom prst="rect">
+            <a:avLst/>
+          </a:prstGeom>
+          <a:noFill/>
+          <a:ln>
+            <a:noFill/>
+          </a:ln>
+          <a:effectLst/>
+          <a:extLst>
+            <a:ext uri="{909E8E84-426E-40DD-AFC4-6F175D3DCCD1}">
+              <a14:hiddenFill xmlns="" xmlns:a14="http://schemas.microsoft.com/office/drawing/2010/main">
+                <a:solidFill>
+                  <a:schemeClr val="accent1"/>
+                </a:solidFill>
+              </a14:hiddenFill>
+            </a:ext>
+            <a:ext uri="{91240B29-F687-4F45-9708-019B960494DF}">
+              <a14:hiddenLine xmlns="" xmlns:a14="http://schemas.microsoft.com/office/drawing/2010/main" w="9525">
+                <a:solidFill>
+                  <a:schemeClr val="tx1"/>
+                </a:solidFill>
+                <a:miter lim="800000"/>
+                <a:headEnd/>
+                <a:tailEnd/>
+              </a14:hiddenLine>
+            </a:ext>
+            <a:ext uri="{AF507438-7753-43E0-B8FC-AC1667EBCBE1}">
+              <a14:hiddenEffects xmlns="" xmlns:a14="http://schemas.microsoft.com/office/drawing/2010/main">
+                <a:effectLst>
+                  <a:outerShdw dist="35921" dir="2700000" algn="ctr" rotWithShape="0">
+                    <a:schemeClr val="bg2"/>
+                  </a:outerShdw>
+                </a:effectLst>
+              </a14:hiddenEffects>
+            </a:ext>
+          </a:extLst>
+        </p:spPr>
+      </p:pic>
+      <p:pic>
+        <p:nvPicPr>
+          <p:cNvPr id="1028" name="Picture 4"/>
+          <p:cNvPicPr>
+            <a:picLocks noChangeAspect="1" noChangeArrowheads="1"/>
+          </p:cNvPicPr>
+          <p:nvPr/>
+        </p:nvPicPr>
+        <p:blipFill>
+          <a:blip r:embed="rId4" cstate="print">
+            <a:extLst>
+              <a:ext uri="{28A0092B-C50C-407E-A947-70E740481C1C}">
+                <a14:useLocalDpi xmlns="" xmlns:a14="http://schemas.microsoft.com/office/drawing/2010/main" val="0"/>
+              </a:ext>
+            </a:extLst>
+          </a:blip>
+          <a:srcRect/>
+          <a:stretch>
+            <a:fillRect/>
+          </a:stretch>
+        </p:blipFill>
+        <p:spPr bwMode="auto">
+          <a:xfrm>
+            <a:off x="6858000" y="1909764"/>
+            <a:ext cx="1800225" cy="1776412"/>
+          </a:xfrm>
+          <a:prstGeom prst="rect">
+            <a:avLst/>
+          </a:prstGeom>
+          <a:noFill/>
+          <a:ln>
+            <a:noFill/>
+          </a:ln>
+          <a:effectLst/>
+          <a:extLst>
+            <a:ext uri="{909E8E84-426E-40DD-AFC4-6F175D3DCCD1}">
+              <a14:hiddenFill xmlns="" xmlns:a14="http://schemas.microsoft.com/office/drawing/2010/main">
+                <a:solidFill>
+                  <a:schemeClr val="accent1"/>
+                </a:solidFill>
+              </a14:hiddenFill>
+            </a:ext>
+            <a:ext uri="{91240B29-F687-4F45-9708-019B960494DF}">
+              <a14:hiddenLine xmlns="" xmlns:a14="http://schemas.microsoft.com/office/drawing/2010/main" w="9525">
+                <a:solidFill>
+                  <a:schemeClr val="tx1"/>
+                </a:solidFill>
+                <a:miter lim="800000"/>
+                <a:headEnd/>
+                <a:tailEnd/>
+              </a14:hiddenLine>
+            </a:ext>
+            <a:ext uri="{AF507438-7753-43E0-B8FC-AC1667EBCBE1}">
+              <a14:hiddenEffects xmlns="" xmlns:a14="http://schemas.microsoft.com/office/drawing/2010/main">
+                <a:effectLst>
+                  <a:outerShdw dist="35921" dir="2700000" algn="ctr" rotWithShape="0">
+                    <a:schemeClr val="bg2"/>
+                  </a:outerShdw>
+                </a:effectLst>
+              </a14:hiddenEffects>
+            </a:ext>
+          </a:extLst>
+        </p:spPr>
+      </p:pic>
+      <p:sp>
+        <p:nvSpPr>
+          <p:cNvPr id="4" name="TextBox 3"/>
+          <p:cNvSpPr txBox="1"/>
+          <p:nvPr/>
+        </p:nvSpPr>
+        <p:spPr>
+          <a:xfrm>
+            <a:off x="381830" y="3733800"/>
+            <a:ext cx="1817613" cy="369332"/>
+          </a:xfrm>
+          <a:prstGeom prst="rect">
+            <a:avLst/>
+          </a:prstGeom>
+          <a:noFill/>
+        </p:spPr>
+        <p:txBody>
+          <a:bodyPr wrap="none" rtlCol="0">
+            <a:spAutoFit/>
+          </a:bodyPr>
+          <a:lstStyle/>
+          <a:p>
+            <a:r>
+              <a:rPr lang="en-US" dirty="0" smtClean="0"/>
+              <a:t>Face recognition</a:t>
+            </a:r>
+          </a:p>
+        </p:txBody>
+      </p:sp>
+      <p:sp>
+        <p:nvSpPr>
+          <p:cNvPr id="9" name="TextBox 8"/>
+          <p:cNvSpPr txBox="1"/>
+          <p:nvPr/>
+        </p:nvSpPr>
+        <p:spPr>
+          <a:xfrm>
+            <a:off x="3592587" y="3757019"/>
+            <a:ext cx="1706173" cy="369332"/>
+          </a:xfrm>
+          <a:prstGeom prst="rect">
+            <a:avLst/>
+          </a:prstGeom>
+          <a:noFill/>
+        </p:spPr>
+        <p:txBody>
+          <a:bodyPr wrap="none" rtlCol="0">
+            <a:spAutoFit/>
+          </a:bodyPr>
+          <a:lstStyle/>
+          <a:p>
+            <a:r>
+              <a:rPr lang="en-US" dirty="0" smtClean="0"/>
+              <a:t>Iris recognition</a:t>
+            </a:r>
+          </a:p>
+        </p:txBody>
+      </p:sp>
+      <p:sp>
+        <p:nvSpPr>
+          <p:cNvPr id="10" name="TextBox 9"/>
+          <p:cNvSpPr txBox="1"/>
+          <p:nvPr/>
+        </p:nvSpPr>
+        <p:spPr>
+          <a:xfrm>
+            <a:off x="6477000" y="3766636"/>
+            <a:ext cx="2513060" cy="369332"/>
+          </a:xfrm>
+          <a:prstGeom prst="rect">
+            <a:avLst/>
+          </a:prstGeom>
+          <a:noFill/>
+        </p:spPr>
+        <p:txBody>
+          <a:bodyPr wrap="none" rtlCol="0">
+            <a:spAutoFit/>
+          </a:bodyPr>
+          <a:lstStyle/>
+          <a:p>
+            <a:r>
+              <a:rPr lang="en-US" dirty="0" smtClean="0"/>
+              <a:t>Fingerprint recognition</a:t>
+            </a:r>
+          </a:p>
+        </p:txBody>
+      </p:sp>
+      <p:sp>
+        <p:nvSpPr>
+          <p:cNvPr id="6" name="Left Brace 5"/>
+          <p:cNvSpPr/>
+          <p:nvPr/>
+        </p:nvSpPr>
+        <p:spPr>
+          <a:xfrm rot="16200000">
+            <a:off x="4455713" y="-36112"/>
+            <a:ext cx="432600" cy="8429625"/>
+          </a:xfrm>
+          <a:prstGeom prst="leftBrace">
+            <a:avLst>
+              <a:gd name="adj1" fmla="val 11828"/>
+              <a:gd name="adj2" fmla="val 50000"/>
+            </a:avLst>
+          </a:prstGeom>
+        </p:spPr>
+        <p:style>
+          <a:lnRef idx="1">
+            <a:schemeClr val="accent1"/>
+          </a:lnRef>
+          <a:fillRef idx="0">
+            <a:schemeClr val="accent1"/>
+          </a:fillRef>
+          <a:effectRef idx="0">
+            <a:schemeClr val="accent1"/>
+          </a:effectRef>
+          <a:fontRef idx="minor">
+            <a:schemeClr val="tx1"/>
+          </a:fontRef>
+        </p:style>
+        <p:txBody>
+          <a:bodyPr rtlCol="0" anchor="ctr"/>
+          <a:lstStyle/>
+          <a:p>
+            <a:pPr algn="ctr"/>
+            <a:endParaRPr lang="en-US"/>
+          </a:p>
+        </p:txBody>
+      </p:sp>
+      <p:sp>
+        <p:nvSpPr>
+          <p:cNvPr id="13" name="TextBox 12"/>
+          <p:cNvSpPr txBox="1"/>
+          <p:nvPr/>
+        </p:nvSpPr>
+        <p:spPr>
+          <a:xfrm>
+            <a:off x="3276600" y="4648200"/>
+            <a:ext cx="2590800" cy="646331"/>
+          </a:xfrm>
+          <a:prstGeom prst="rect">
+            <a:avLst/>
+          </a:prstGeom>
+          <a:noFill/>
+        </p:spPr>
+        <p:txBody>
+          <a:bodyPr wrap="square" rtlCol="0">
+            <a:spAutoFit/>
+          </a:bodyPr>
+          <a:lstStyle/>
+          <a:p>
+            <a:r>
+              <a:rPr lang="en-US" sz="3600" b="1" dirty="0" smtClean="0">
+                <a:solidFill>
+                  <a:srgbClr val="FF0000"/>
+                </a:solidFill>
+              </a:rPr>
+              <a:t>Biometric</a:t>
+            </a:r>
+          </a:p>
+        </p:txBody>
+      </p:sp>
+      <p:sp>
+        <p:nvSpPr>
+          <p:cNvPr id="12" name="Slide Number Placeholder 11"/>
           <p:cNvSpPr>
             <a:spLocks noGrp="1"/>
           </p:cNvSpPr>
           <p:nvPr>
-            <p:ph idx="1"/>
+            <p:ph type="sldNum" sz="quarter" idx="12"/>
           </p:nvPr>
         </p:nvSpPr>
         <p:spPr/>
@@ -4510,6 +9542,11 @@
           <a:bodyPr/>
           <a:lstStyle/>
           <a:p>
+            <a:fld id="{B6F15528-21DE-4FAA-801E-634DDDAF4B2B}" type="slidenum">
+              <a:rPr lang="en-US" smtClean="0"/>
+              <a:pPr/>
+              <a:t>4</a:t>
+            </a:fld>
             <a:endParaRPr lang="en-US"/>
           </a:p>
         </p:txBody>
@@ -4519,6 +9556,423 @@
   <p:clrMapOvr>
     <a:masterClrMapping/>
   </p:clrMapOvr>
+  <p:timing>
+    <p:tnLst>
+      <p:par>
+        <p:cTn id="1" dur="indefinite" restart="never" nodeType="tmRoot">
+          <p:childTnLst>
+            <p:seq concurrent="1" nextAc="seek">
+              <p:cTn id="2" dur="indefinite" nodeType="mainSeq">
+                <p:childTnLst>
+                  <p:par>
+                    <p:cTn id="3" fill="hold">
+                      <p:stCondLst>
+                        <p:cond delay="indefinite"/>
+                      </p:stCondLst>
+                      <p:childTnLst>
+                        <p:par>
+                          <p:cTn id="4" fill="hold">
+                            <p:stCondLst>
+                              <p:cond delay="0"/>
+                            </p:stCondLst>
+                            <p:childTnLst>
+                              <p:par>
+                                <p:cTn id="5" presetID="1" presetClass="entr" presetSubtype="0" fill="hold" grpId="0" nodeType="clickEffect">
+                                  <p:stCondLst>
+                                    <p:cond delay="0"/>
+                                  </p:stCondLst>
+                                  <p:childTnLst>
+                                    <p:set>
+                                      <p:cBhvr>
+                                        <p:cTn id="6" dur="1" fill="hold">
+                                          <p:stCondLst>
+                                            <p:cond delay="0"/>
+                                          </p:stCondLst>
+                                        </p:cTn>
+                                        <p:tgtEl>
+                                          <p:spTgt spid="4"/>
+                                        </p:tgtEl>
+                                        <p:attrNameLst>
+                                          <p:attrName>style.visibility</p:attrName>
+                                        </p:attrNameLst>
+                                      </p:cBhvr>
+                                      <p:to>
+                                        <p:strVal val="visible"/>
+                                      </p:to>
+                                    </p:set>
+                                  </p:childTnLst>
+                                </p:cTn>
+                              </p:par>
+                              <p:par>
+                                <p:cTn id="7" presetID="1" presetClass="entr" presetSubtype="0" fill="hold" nodeType="withEffect">
+                                  <p:stCondLst>
+                                    <p:cond delay="0"/>
+                                  </p:stCondLst>
+                                  <p:childTnLst>
+                                    <p:set>
+                                      <p:cBhvr>
+                                        <p:cTn id="8" dur="1" fill="hold">
+                                          <p:stCondLst>
+                                            <p:cond delay="0"/>
+                                          </p:stCondLst>
+                                        </p:cTn>
+                                        <p:tgtEl>
+                                          <p:spTgt spid="1026"/>
+                                        </p:tgtEl>
+                                        <p:attrNameLst>
+                                          <p:attrName>style.visibility</p:attrName>
+                                        </p:attrNameLst>
+                                      </p:cBhvr>
+                                      <p:to>
+                                        <p:strVal val="visible"/>
+                                      </p:to>
+                                    </p:set>
+                                  </p:childTnLst>
+                                </p:cTn>
+                              </p:par>
+                            </p:childTnLst>
+                          </p:cTn>
+                        </p:par>
+                      </p:childTnLst>
+                    </p:cTn>
+                  </p:par>
+                  <p:par>
+                    <p:cTn id="9" fill="hold">
+                      <p:stCondLst>
+                        <p:cond delay="indefinite"/>
+                      </p:stCondLst>
+                      <p:childTnLst>
+                        <p:par>
+                          <p:cTn id="10" fill="hold">
+                            <p:stCondLst>
+                              <p:cond delay="0"/>
+                            </p:stCondLst>
+                            <p:childTnLst>
+                              <p:par>
+                                <p:cTn id="11" presetID="1" presetClass="entr" presetSubtype="0" fill="hold" nodeType="clickEffect">
+                                  <p:stCondLst>
+                                    <p:cond delay="0"/>
+                                  </p:stCondLst>
+                                  <p:childTnLst>
+                                    <p:set>
+                                      <p:cBhvr>
+                                        <p:cTn id="12" dur="1" fill="hold">
+                                          <p:stCondLst>
+                                            <p:cond delay="0"/>
+                                          </p:stCondLst>
+                                        </p:cTn>
+                                        <p:tgtEl>
+                                          <p:spTgt spid="1027"/>
+                                        </p:tgtEl>
+                                        <p:attrNameLst>
+                                          <p:attrName>style.visibility</p:attrName>
+                                        </p:attrNameLst>
+                                      </p:cBhvr>
+                                      <p:to>
+                                        <p:strVal val="visible"/>
+                                      </p:to>
+                                    </p:set>
+                                  </p:childTnLst>
+                                </p:cTn>
+                              </p:par>
+                              <p:par>
+                                <p:cTn id="13" presetID="1" presetClass="entr" presetSubtype="0" fill="hold" grpId="0" nodeType="withEffect">
+                                  <p:stCondLst>
+                                    <p:cond delay="0"/>
+                                  </p:stCondLst>
+                                  <p:childTnLst>
+                                    <p:set>
+                                      <p:cBhvr>
+                                        <p:cTn id="14" dur="1" fill="hold">
+                                          <p:stCondLst>
+                                            <p:cond delay="0"/>
+                                          </p:stCondLst>
+                                        </p:cTn>
+                                        <p:tgtEl>
+                                          <p:spTgt spid="9"/>
+                                        </p:tgtEl>
+                                        <p:attrNameLst>
+                                          <p:attrName>style.visibility</p:attrName>
+                                        </p:attrNameLst>
+                                      </p:cBhvr>
+                                      <p:to>
+                                        <p:strVal val="visible"/>
+                                      </p:to>
+                                    </p:set>
+                                  </p:childTnLst>
+                                </p:cTn>
+                              </p:par>
+                            </p:childTnLst>
+                          </p:cTn>
+                        </p:par>
+                      </p:childTnLst>
+                    </p:cTn>
+                  </p:par>
+                  <p:par>
+                    <p:cTn id="15" fill="hold">
+                      <p:stCondLst>
+                        <p:cond delay="indefinite"/>
+                      </p:stCondLst>
+                      <p:childTnLst>
+                        <p:par>
+                          <p:cTn id="16" fill="hold">
+                            <p:stCondLst>
+                              <p:cond delay="0"/>
+                            </p:stCondLst>
+                            <p:childTnLst>
+                              <p:par>
+                                <p:cTn id="17" presetID="1" presetClass="entr" presetSubtype="0" fill="hold" nodeType="clickEffect">
+                                  <p:stCondLst>
+                                    <p:cond delay="0"/>
+                                  </p:stCondLst>
+                                  <p:childTnLst>
+                                    <p:set>
+                                      <p:cBhvr>
+                                        <p:cTn id="18" dur="1" fill="hold">
+                                          <p:stCondLst>
+                                            <p:cond delay="0"/>
+                                          </p:stCondLst>
+                                        </p:cTn>
+                                        <p:tgtEl>
+                                          <p:spTgt spid="1028"/>
+                                        </p:tgtEl>
+                                        <p:attrNameLst>
+                                          <p:attrName>style.visibility</p:attrName>
+                                        </p:attrNameLst>
+                                      </p:cBhvr>
+                                      <p:to>
+                                        <p:strVal val="visible"/>
+                                      </p:to>
+                                    </p:set>
+                                  </p:childTnLst>
+                                </p:cTn>
+                              </p:par>
+                              <p:par>
+                                <p:cTn id="19" presetID="1" presetClass="entr" presetSubtype="0" fill="hold" grpId="0" nodeType="withEffect">
+                                  <p:stCondLst>
+                                    <p:cond delay="0"/>
+                                  </p:stCondLst>
+                                  <p:childTnLst>
+                                    <p:set>
+                                      <p:cBhvr>
+                                        <p:cTn id="20" dur="1" fill="hold">
+                                          <p:stCondLst>
+                                            <p:cond delay="0"/>
+                                          </p:stCondLst>
+                                        </p:cTn>
+                                        <p:tgtEl>
+                                          <p:spTgt spid="10"/>
+                                        </p:tgtEl>
+                                        <p:attrNameLst>
+                                          <p:attrName>style.visibility</p:attrName>
+                                        </p:attrNameLst>
+                                      </p:cBhvr>
+                                      <p:to>
+                                        <p:strVal val="visible"/>
+                                      </p:to>
+                                    </p:set>
+                                  </p:childTnLst>
+                                </p:cTn>
+                              </p:par>
+                            </p:childTnLst>
+                          </p:cTn>
+                        </p:par>
+                      </p:childTnLst>
+                    </p:cTn>
+                  </p:par>
+                  <p:par>
+                    <p:cTn id="21" fill="hold">
+                      <p:stCondLst>
+                        <p:cond delay="indefinite"/>
+                      </p:stCondLst>
+                      <p:childTnLst>
+                        <p:par>
+                          <p:cTn id="22" fill="hold">
+                            <p:stCondLst>
+                              <p:cond delay="0"/>
+                            </p:stCondLst>
+                            <p:childTnLst>
+                              <p:par>
+                                <p:cTn id="23" presetID="2" presetClass="entr" presetSubtype="4" fill="hold" grpId="0" nodeType="clickEffect">
+                                  <p:stCondLst>
+                                    <p:cond delay="0"/>
+                                  </p:stCondLst>
+                                  <p:childTnLst>
+                                    <p:set>
+                                      <p:cBhvr>
+                                        <p:cTn id="24" dur="1" fill="hold">
+                                          <p:stCondLst>
+                                            <p:cond delay="0"/>
+                                          </p:stCondLst>
+                                        </p:cTn>
+                                        <p:tgtEl>
+                                          <p:spTgt spid="6"/>
+                                        </p:tgtEl>
+                                        <p:attrNameLst>
+                                          <p:attrName>style.visibility</p:attrName>
+                                        </p:attrNameLst>
+                                      </p:cBhvr>
+                                      <p:to>
+                                        <p:strVal val="visible"/>
+                                      </p:to>
+                                    </p:set>
+                                    <p:anim calcmode="lin" valueType="num">
+                                      <p:cBhvr additive="base">
+                                        <p:cTn id="25" dur="500" fill="hold"/>
+                                        <p:tgtEl>
+                                          <p:spTgt spid="6"/>
+                                        </p:tgtEl>
+                                        <p:attrNameLst>
+                                          <p:attrName>ppt_x</p:attrName>
+                                        </p:attrNameLst>
+                                      </p:cBhvr>
+                                      <p:tavLst>
+                                        <p:tav tm="0">
+                                          <p:val>
+                                            <p:strVal val="#ppt_x"/>
+                                          </p:val>
+                                        </p:tav>
+                                        <p:tav tm="100000">
+                                          <p:val>
+                                            <p:strVal val="#ppt_x"/>
+                                          </p:val>
+                                        </p:tav>
+                                      </p:tavLst>
+                                    </p:anim>
+                                    <p:anim calcmode="lin" valueType="num">
+                                      <p:cBhvr additive="base">
+                                        <p:cTn id="26" dur="500" fill="hold"/>
+                                        <p:tgtEl>
+                                          <p:spTgt spid="6"/>
+                                        </p:tgtEl>
+                                        <p:attrNameLst>
+                                          <p:attrName>ppt_y</p:attrName>
+                                        </p:attrNameLst>
+                                      </p:cBhvr>
+                                      <p:tavLst>
+                                        <p:tav tm="0">
+                                          <p:val>
+                                            <p:strVal val="1+#ppt_h/2"/>
+                                          </p:val>
+                                        </p:tav>
+                                        <p:tav tm="100000">
+                                          <p:val>
+                                            <p:strVal val="#ppt_y"/>
+                                          </p:val>
+                                        </p:tav>
+                                      </p:tavLst>
+                                    </p:anim>
+                                  </p:childTnLst>
+                                </p:cTn>
+                              </p:par>
+                              <p:par>
+                                <p:cTn id="27" presetID="2" presetClass="entr" presetSubtype="4" fill="hold" grpId="0" nodeType="withEffect">
+                                  <p:stCondLst>
+                                    <p:cond delay="0"/>
+                                  </p:stCondLst>
+                                  <p:childTnLst>
+                                    <p:set>
+                                      <p:cBhvr>
+                                        <p:cTn id="28" dur="1" fill="hold">
+                                          <p:stCondLst>
+                                            <p:cond delay="0"/>
+                                          </p:stCondLst>
+                                        </p:cTn>
+                                        <p:tgtEl>
+                                          <p:spTgt spid="13"/>
+                                        </p:tgtEl>
+                                        <p:attrNameLst>
+                                          <p:attrName>style.visibility</p:attrName>
+                                        </p:attrNameLst>
+                                      </p:cBhvr>
+                                      <p:to>
+                                        <p:strVal val="visible"/>
+                                      </p:to>
+                                    </p:set>
+                                    <p:anim calcmode="lin" valueType="num">
+                                      <p:cBhvr additive="base">
+                                        <p:cTn id="29" dur="500" fill="hold"/>
+                                        <p:tgtEl>
+                                          <p:spTgt spid="13"/>
+                                        </p:tgtEl>
+                                        <p:attrNameLst>
+                                          <p:attrName>ppt_x</p:attrName>
+                                        </p:attrNameLst>
+                                      </p:cBhvr>
+                                      <p:tavLst>
+                                        <p:tav tm="0">
+                                          <p:val>
+                                            <p:strVal val="#ppt_x"/>
+                                          </p:val>
+                                        </p:tav>
+                                        <p:tav tm="100000">
+                                          <p:val>
+                                            <p:strVal val="#ppt_x"/>
+                                          </p:val>
+                                        </p:tav>
+                                      </p:tavLst>
+                                    </p:anim>
+                                    <p:anim calcmode="lin" valueType="num">
+                                      <p:cBhvr additive="base">
+                                        <p:cTn id="30" dur="500" fill="hold"/>
+                                        <p:tgtEl>
+                                          <p:spTgt spid="13"/>
+                                        </p:tgtEl>
+                                        <p:attrNameLst>
+                                          <p:attrName>ppt_y</p:attrName>
+                                        </p:attrNameLst>
+                                      </p:cBhvr>
+                                      <p:tavLst>
+                                        <p:tav tm="0">
+                                          <p:val>
+                                            <p:strVal val="1+#ppt_h/2"/>
+                                          </p:val>
+                                        </p:tav>
+                                        <p:tav tm="100000">
+                                          <p:val>
+                                            <p:strVal val="#ppt_y"/>
+                                          </p:val>
+                                        </p:tav>
+                                      </p:tavLst>
+                                    </p:anim>
+                                  </p:childTnLst>
+                                </p:cTn>
+                              </p:par>
+                            </p:childTnLst>
+                          </p:cTn>
+                        </p:par>
+                      </p:childTnLst>
+                    </p:cTn>
+                  </p:par>
+                </p:childTnLst>
+              </p:cTn>
+              <p:prevCondLst>
+                <p:cond evt="onPrev" delay="0">
+                  <p:tgtEl>
+                    <p:sldTgt/>
+                  </p:tgtEl>
+                </p:cond>
+              </p:prevCondLst>
+              <p:nextCondLst>
+                <p:cond evt="onNext" delay="0">
+                  <p:tgtEl>
+                    <p:sldTgt/>
+                  </p:tgtEl>
+                </p:cond>
+              </p:nextCondLst>
+            </p:seq>
+          </p:childTnLst>
+        </p:cTn>
+      </p:par>
+    </p:tnLst>
+    <p:bldLst>
+      <p:bldP spid="4" grpId="0"/>
+      <p:bldP spid="9" grpId="0"/>
+      <p:bldP spid="10" grpId="0"/>
+      <p:bldP spid="6" grpId="0" animBg="1"/>
+      <p:bldP spid="13" grpId="0"/>
+    </p:bldLst>
+  </p:timing>
 </p:sld>
 </file>
 
@@ -4556,23 +10010,15 @@
           <a:p>
             <a:r>
               <a:rPr lang="en-US" dirty="0" err="1" smtClean="0"/>
-              <a:t>Hướng</a:t>
-            </a:r>
-            <a:r>
-              <a:rPr lang="en-US" dirty="0" smtClean="0"/>
-              <a:t> </a:t>
-            </a:r>
-            <a:r>
-              <a:rPr lang="en-US" dirty="0" err="1" smtClean="0"/>
-              <a:t>tiếp</a:t>
-            </a:r>
-            <a:r>
-              <a:rPr lang="en-US" dirty="0" smtClean="0"/>
-              <a:t> </a:t>
-            </a:r>
-            <a:r>
-              <a:rPr lang="en-US" smtClean="0"/>
-              <a:t>cận</a:t>
+              <a:t>Giới</a:t>
+            </a:r>
+            <a:r>
+              <a:rPr lang="en-US" dirty="0" smtClean="0"/>
+              <a:t> </a:t>
+            </a:r>
+            <a:r>
+              <a:rPr lang="en-US" dirty="0" err="1" smtClean="0"/>
+              <a:t>thiệu</a:t>
             </a:r>
             <a:endParaRPr lang="en-US" dirty="0"/>
           </a:p>
@@ -4593,15 +10039,1277 @@
           <a:bodyPr/>
           <a:lstStyle/>
           <a:p>
+            <a:r>
+              <a:rPr lang="en-US" dirty="0" err="1" smtClean="0"/>
+              <a:t>Nhận</a:t>
+            </a:r>
+            <a:r>
+              <a:rPr lang="en-US" dirty="0" smtClean="0"/>
+              <a:t> </a:t>
+            </a:r>
+            <a:r>
+              <a:rPr lang="en-US" dirty="0" err="1" smtClean="0"/>
+              <a:t>diện</a:t>
+            </a:r>
+            <a:r>
+              <a:rPr lang="en-US" dirty="0" smtClean="0"/>
+              <a:t> </a:t>
+            </a:r>
+            <a:r>
+              <a:rPr lang="en-US" dirty="0" err="1" smtClean="0"/>
+              <a:t>bàn</a:t>
+            </a:r>
+            <a:r>
+              <a:rPr lang="en-US" dirty="0" smtClean="0"/>
+              <a:t> </a:t>
+            </a:r>
+            <a:r>
+              <a:rPr lang="en-US" dirty="0" err="1" smtClean="0"/>
+              <a:t>tay</a:t>
+            </a:r>
+            <a:r>
+              <a:rPr lang="en-US" dirty="0" smtClean="0"/>
+              <a:t> (hand biometric)</a:t>
+            </a:r>
+          </a:p>
+          <a:p>
+            <a:pPr marL="393192" lvl="1" indent="0">
+              <a:buNone/>
+            </a:pPr>
+            <a:endParaRPr lang="en-US" dirty="0"/>
+          </a:p>
+        </p:txBody>
+      </p:sp>
+      <p:pic>
+        <p:nvPicPr>
+          <p:cNvPr id="2050" name="Picture 2"/>
+          <p:cNvPicPr>
+            <a:picLocks noChangeAspect="1" noChangeArrowheads="1"/>
+          </p:cNvPicPr>
+          <p:nvPr/>
+        </p:nvPicPr>
+        <p:blipFill>
+          <a:blip r:embed="rId2" cstate="print">
+            <a:extLst>
+              <a:ext uri="{28A0092B-C50C-407E-A947-70E740481C1C}">
+                <a14:useLocalDpi xmlns="" xmlns:a14="http://schemas.microsoft.com/office/drawing/2010/main" val="0"/>
+              </a:ext>
+            </a:extLst>
+          </a:blip>
+          <a:srcRect/>
+          <a:stretch>
+            <a:fillRect/>
+          </a:stretch>
+        </p:blipFill>
+        <p:spPr bwMode="auto">
+          <a:xfrm>
+            <a:off x="2590800" y="2563446"/>
+            <a:ext cx="3124200" cy="3684954"/>
+          </a:xfrm>
+          <a:prstGeom prst="rect">
+            <a:avLst/>
+          </a:prstGeom>
+          <a:noFill/>
+          <a:ln>
+            <a:noFill/>
+          </a:ln>
+          <a:effectLst/>
+          <a:extLst>
+            <a:ext uri="{909E8E84-426E-40DD-AFC4-6F175D3DCCD1}">
+              <a14:hiddenFill xmlns="" xmlns:a14="http://schemas.microsoft.com/office/drawing/2010/main">
+                <a:solidFill>
+                  <a:schemeClr val="accent1"/>
+                </a:solidFill>
+              </a14:hiddenFill>
+            </a:ext>
+            <a:ext uri="{91240B29-F687-4F45-9708-019B960494DF}">
+              <a14:hiddenLine xmlns="" xmlns:a14="http://schemas.microsoft.com/office/drawing/2010/main" w="9525">
+                <a:solidFill>
+                  <a:schemeClr val="tx1"/>
+                </a:solidFill>
+                <a:miter lim="800000"/>
+                <a:headEnd/>
+                <a:tailEnd/>
+              </a14:hiddenLine>
+            </a:ext>
+            <a:ext uri="{AF507438-7753-43E0-B8FC-AC1667EBCBE1}">
+              <a14:hiddenEffects xmlns="" xmlns:a14="http://schemas.microsoft.com/office/drawing/2010/main">
+                <a:effectLst>
+                  <a:outerShdw dist="35921" dir="2700000" algn="ctr" rotWithShape="0">
+                    <a:schemeClr val="bg2"/>
+                  </a:outerShdw>
+                </a:effectLst>
+              </a14:hiddenEffects>
+            </a:ext>
+          </a:extLst>
+        </p:spPr>
+      </p:pic>
+      <p:cxnSp>
+        <p:nvCxnSpPr>
+          <p:cNvPr id="5" name="Straight Arrow Connector 4"/>
+          <p:cNvCxnSpPr/>
+          <p:nvPr/>
+        </p:nvCxnSpPr>
+        <p:spPr>
+          <a:xfrm>
+            <a:off x="4876800" y="2743200"/>
+            <a:ext cx="1981200" cy="0"/>
+          </a:xfrm>
+          <a:prstGeom prst="straightConnector1">
+            <a:avLst/>
+          </a:prstGeom>
+          <a:ln>
+            <a:tailEnd type="arrow"/>
+          </a:ln>
+        </p:spPr>
+        <p:style>
+          <a:lnRef idx="1">
+            <a:schemeClr val="accent1"/>
+          </a:lnRef>
+          <a:fillRef idx="0">
+            <a:schemeClr val="accent1"/>
+          </a:fillRef>
+          <a:effectRef idx="0">
+            <a:schemeClr val="accent1"/>
+          </a:effectRef>
+          <a:fontRef idx="minor">
+            <a:schemeClr val="tx1"/>
+          </a:fontRef>
+        </p:style>
+      </p:cxnSp>
+      <p:cxnSp>
+        <p:nvCxnSpPr>
+          <p:cNvPr id="7" name="Straight Arrow Connector 6"/>
+          <p:cNvCxnSpPr/>
+          <p:nvPr/>
+        </p:nvCxnSpPr>
+        <p:spPr>
+          <a:xfrm>
+            <a:off x="4724400" y="4267200"/>
+            <a:ext cx="2133600" cy="0"/>
+          </a:xfrm>
+          <a:prstGeom prst="straightConnector1">
+            <a:avLst/>
+          </a:prstGeom>
+          <a:ln>
+            <a:tailEnd type="arrow"/>
+          </a:ln>
+        </p:spPr>
+        <p:style>
+          <a:lnRef idx="1">
+            <a:schemeClr val="accent1"/>
+          </a:lnRef>
+          <a:fillRef idx="0">
+            <a:schemeClr val="accent1"/>
+          </a:fillRef>
+          <a:effectRef idx="0">
+            <a:schemeClr val="accent1"/>
+          </a:effectRef>
+          <a:fontRef idx="minor">
+            <a:schemeClr val="tx1"/>
+          </a:fontRef>
+        </p:style>
+      </p:cxnSp>
+      <p:cxnSp>
+        <p:nvCxnSpPr>
+          <p:cNvPr id="9" name="Straight Arrow Connector 8"/>
+          <p:cNvCxnSpPr/>
+          <p:nvPr/>
+        </p:nvCxnSpPr>
+        <p:spPr>
+          <a:xfrm>
+            <a:off x="6858000" y="2743200"/>
+            <a:ext cx="0" cy="1524000"/>
+          </a:xfrm>
+          <a:prstGeom prst="straightConnector1">
+            <a:avLst/>
+          </a:prstGeom>
+          <a:ln>
+            <a:headEnd type="arrow"/>
+            <a:tailEnd type="arrow"/>
+          </a:ln>
+        </p:spPr>
+        <p:style>
+          <a:lnRef idx="1">
+            <a:schemeClr val="accent1"/>
+          </a:lnRef>
+          <a:fillRef idx="0">
+            <a:schemeClr val="accent1"/>
+          </a:fillRef>
+          <a:effectRef idx="0">
+            <a:schemeClr val="accent1"/>
+          </a:effectRef>
+          <a:fontRef idx="minor">
+            <a:schemeClr val="tx1"/>
+          </a:fontRef>
+        </p:style>
+      </p:cxnSp>
+      <p:sp>
+        <p:nvSpPr>
+          <p:cNvPr id="10" name="TextBox 9"/>
+          <p:cNvSpPr txBox="1"/>
+          <p:nvPr/>
+        </p:nvSpPr>
+        <p:spPr>
+          <a:xfrm>
+            <a:off x="6878370" y="3124200"/>
+            <a:ext cx="1523999" cy="646331"/>
+          </a:xfrm>
+          <a:prstGeom prst="rect">
+            <a:avLst/>
+          </a:prstGeom>
+          <a:noFill/>
+        </p:spPr>
+        <p:txBody>
+          <a:bodyPr wrap="square" rtlCol="0">
+            <a:spAutoFit/>
+          </a:bodyPr>
+          <a:lstStyle/>
+          <a:p>
+            <a:r>
+              <a:rPr lang="en-US" dirty="0" err="1" smtClean="0"/>
+              <a:t>Chiều</a:t>
+            </a:r>
+            <a:r>
+              <a:rPr lang="en-US" dirty="0" smtClean="0"/>
+              <a:t> </a:t>
+            </a:r>
+            <a:r>
+              <a:rPr lang="en-US" dirty="0" err="1" smtClean="0"/>
+              <a:t>dài</a:t>
+            </a:r>
+            <a:r>
+              <a:rPr lang="en-US" dirty="0" smtClean="0"/>
+              <a:t> </a:t>
+            </a:r>
+            <a:r>
+              <a:rPr lang="en-US" dirty="0" err="1" smtClean="0"/>
+              <a:t>các</a:t>
+            </a:r>
+            <a:r>
+              <a:rPr lang="en-US" dirty="0" smtClean="0"/>
+              <a:t> </a:t>
+            </a:r>
+            <a:r>
+              <a:rPr lang="en-US" dirty="0" err="1" smtClean="0"/>
+              <a:t>ngón</a:t>
+            </a:r>
+            <a:r>
+              <a:rPr lang="en-US" dirty="0" smtClean="0"/>
+              <a:t> </a:t>
+            </a:r>
+            <a:r>
+              <a:rPr lang="en-US" dirty="0" err="1" smtClean="0"/>
+              <a:t>tay</a:t>
+            </a:r>
+            <a:endParaRPr lang="en-US" dirty="0"/>
+          </a:p>
+        </p:txBody>
+      </p:sp>
+      <p:cxnSp>
+        <p:nvCxnSpPr>
+          <p:cNvPr id="12" name="Straight Arrow Connector 11"/>
+          <p:cNvCxnSpPr/>
+          <p:nvPr/>
+        </p:nvCxnSpPr>
+        <p:spPr>
+          <a:xfrm flipH="1">
+            <a:off x="1905000" y="3124200"/>
+            <a:ext cx="1905000" cy="0"/>
+          </a:xfrm>
+          <a:prstGeom prst="straightConnector1">
+            <a:avLst/>
+          </a:prstGeom>
+          <a:ln>
+            <a:tailEnd type="arrow"/>
+          </a:ln>
+        </p:spPr>
+        <p:style>
+          <a:lnRef idx="1">
+            <a:schemeClr val="accent1"/>
+          </a:lnRef>
+          <a:fillRef idx="0">
+            <a:schemeClr val="accent1"/>
+          </a:fillRef>
+          <a:effectRef idx="0">
+            <a:schemeClr val="accent1"/>
+          </a:effectRef>
+          <a:fontRef idx="minor">
+            <a:schemeClr val="tx1"/>
+          </a:fontRef>
+        </p:style>
+      </p:cxnSp>
+      <p:cxnSp>
+        <p:nvCxnSpPr>
+          <p:cNvPr id="14" name="Straight Arrow Connector 13"/>
+          <p:cNvCxnSpPr/>
+          <p:nvPr/>
+        </p:nvCxnSpPr>
+        <p:spPr>
+          <a:xfrm flipH="1">
+            <a:off x="1905000" y="3657600"/>
+            <a:ext cx="1905000" cy="0"/>
+          </a:xfrm>
+          <a:prstGeom prst="straightConnector1">
+            <a:avLst/>
+          </a:prstGeom>
+          <a:ln>
+            <a:tailEnd type="arrow"/>
+          </a:ln>
+        </p:spPr>
+        <p:style>
+          <a:lnRef idx="1">
+            <a:schemeClr val="accent1"/>
+          </a:lnRef>
+          <a:fillRef idx="0">
+            <a:schemeClr val="accent1"/>
+          </a:fillRef>
+          <a:effectRef idx="0">
+            <a:schemeClr val="accent1"/>
+          </a:effectRef>
+          <a:fontRef idx="minor">
+            <a:schemeClr val="tx1"/>
+          </a:fontRef>
+        </p:style>
+      </p:cxnSp>
+      <p:cxnSp>
+        <p:nvCxnSpPr>
+          <p:cNvPr id="16" name="Straight Arrow Connector 15"/>
+          <p:cNvCxnSpPr/>
+          <p:nvPr/>
+        </p:nvCxnSpPr>
+        <p:spPr>
+          <a:xfrm flipH="1">
+            <a:off x="1905000" y="3886200"/>
+            <a:ext cx="1371600" cy="0"/>
+          </a:xfrm>
+          <a:prstGeom prst="straightConnector1">
+            <a:avLst/>
+          </a:prstGeom>
+          <a:ln>
+            <a:tailEnd type="arrow"/>
+          </a:ln>
+        </p:spPr>
+        <p:style>
+          <a:lnRef idx="1">
+            <a:schemeClr val="accent1"/>
+          </a:lnRef>
+          <a:fillRef idx="0">
+            <a:schemeClr val="accent1"/>
+          </a:fillRef>
+          <a:effectRef idx="0">
+            <a:schemeClr val="accent1"/>
+          </a:effectRef>
+          <a:fontRef idx="minor">
+            <a:schemeClr val="tx1"/>
+          </a:fontRef>
+        </p:style>
+      </p:cxnSp>
+      <p:cxnSp>
+        <p:nvCxnSpPr>
+          <p:cNvPr id="18" name="Straight Arrow Connector 17"/>
+          <p:cNvCxnSpPr/>
+          <p:nvPr/>
+        </p:nvCxnSpPr>
+        <p:spPr>
+          <a:xfrm flipH="1">
+            <a:off x="1905000" y="4405923"/>
+            <a:ext cx="952500" cy="0"/>
+          </a:xfrm>
+          <a:prstGeom prst="straightConnector1">
+            <a:avLst/>
+          </a:prstGeom>
+          <a:ln>
+            <a:tailEnd type="arrow"/>
+          </a:ln>
+        </p:spPr>
+        <p:style>
+          <a:lnRef idx="1">
+            <a:schemeClr val="accent1"/>
+          </a:lnRef>
+          <a:fillRef idx="0">
+            <a:schemeClr val="accent1"/>
+          </a:fillRef>
+          <a:effectRef idx="0">
+            <a:schemeClr val="accent1"/>
+          </a:effectRef>
+          <a:fontRef idx="minor">
+            <a:schemeClr val="tx1"/>
+          </a:fontRef>
+        </p:style>
+      </p:cxnSp>
+      <p:sp>
+        <p:nvSpPr>
+          <p:cNvPr id="20" name="TextBox 19"/>
+          <p:cNvSpPr txBox="1"/>
+          <p:nvPr/>
+        </p:nvSpPr>
+        <p:spPr>
+          <a:xfrm>
+            <a:off x="533401" y="3289426"/>
+            <a:ext cx="1523999" cy="923330"/>
+          </a:xfrm>
+          <a:prstGeom prst="rect">
+            <a:avLst/>
+          </a:prstGeom>
+          <a:noFill/>
+        </p:spPr>
+        <p:txBody>
+          <a:bodyPr wrap="square" rtlCol="0">
+            <a:spAutoFit/>
+          </a:bodyPr>
+          <a:lstStyle/>
+          <a:p>
+            <a:r>
+              <a:rPr lang="en-US" dirty="0" err="1" smtClean="0"/>
+              <a:t>Vị</a:t>
+            </a:r>
+            <a:r>
+              <a:rPr lang="en-US" dirty="0" smtClean="0"/>
+              <a:t> </a:t>
+            </a:r>
+            <a:r>
+              <a:rPr lang="en-US" dirty="0" err="1" smtClean="0"/>
+              <a:t>trí</a:t>
+            </a:r>
+            <a:r>
+              <a:rPr lang="en-US" dirty="0" smtClean="0"/>
+              <a:t> </a:t>
+            </a:r>
+            <a:r>
+              <a:rPr lang="en-US" dirty="0" err="1" smtClean="0"/>
+              <a:t>các</a:t>
+            </a:r>
+            <a:r>
+              <a:rPr lang="en-US" dirty="0" smtClean="0"/>
+              <a:t> </a:t>
+            </a:r>
+            <a:r>
+              <a:rPr lang="en-US" dirty="0" err="1" smtClean="0"/>
+              <a:t>khớp</a:t>
+            </a:r>
+            <a:r>
+              <a:rPr lang="en-US" dirty="0" smtClean="0"/>
+              <a:t> </a:t>
+            </a:r>
+            <a:r>
+              <a:rPr lang="en-US" dirty="0" err="1" smtClean="0"/>
+              <a:t>ngón</a:t>
+            </a:r>
+            <a:r>
+              <a:rPr lang="en-US" dirty="0" smtClean="0"/>
+              <a:t> </a:t>
+            </a:r>
+            <a:r>
+              <a:rPr lang="en-US" dirty="0" err="1" smtClean="0"/>
+              <a:t>tay</a:t>
+            </a:r>
+            <a:endParaRPr lang="en-US" dirty="0"/>
+          </a:p>
+        </p:txBody>
+      </p:sp>
+      <p:sp>
+        <p:nvSpPr>
+          <p:cNvPr id="19" name="Oval 18"/>
+          <p:cNvSpPr/>
+          <p:nvPr/>
+        </p:nvSpPr>
+        <p:spPr>
+          <a:xfrm>
+            <a:off x="3505200" y="4724400"/>
+            <a:ext cx="1219200" cy="1066800"/>
+          </a:xfrm>
+          <a:prstGeom prst="ellipse">
+            <a:avLst/>
+          </a:prstGeom>
+        </p:spPr>
+        <p:style>
+          <a:lnRef idx="2">
+            <a:schemeClr val="accent1">
+              <a:shade val="50000"/>
+            </a:schemeClr>
+          </a:lnRef>
+          <a:fillRef idx="1">
+            <a:schemeClr val="accent1"/>
+          </a:fillRef>
+          <a:effectRef idx="0">
+            <a:schemeClr val="accent1"/>
+          </a:effectRef>
+          <a:fontRef idx="minor">
+            <a:schemeClr val="lt1"/>
+          </a:fontRef>
+        </p:style>
+        <p:txBody>
+          <a:bodyPr rtlCol="0" anchor="ctr"/>
+          <a:lstStyle/>
+          <a:p>
+            <a:pPr algn="ctr"/>
             <a:endParaRPr lang="en-US"/>
           </a:p>
         </p:txBody>
       </p:sp>
+      <p:cxnSp>
+        <p:nvCxnSpPr>
+          <p:cNvPr id="24" name="Straight Arrow Connector 23"/>
+          <p:cNvCxnSpPr/>
+          <p:nvPr/>
+        </p:nvCxnSpPr>
+        <p:spPr>
+          <a:xfrm>
+            <a:off x="4114800" y="5257800"/>
+            <a:ext cx="2743200" cy="0"/>
+          </a:xfrm>
+          <a:prstGeom prst="straightConnector1">
+            <a:avLst/>
+          </a:prstGeom>
+          <a:ln>
+            <a:tailEnd type="arrow"/>
+          </a:ln>
+        </p:spPr>
+        <p:style>
+          <a:lnRef idx="1">
+            <a:schemeClr val="accent1"/>
+          </a:lnRef>
+          <a:fillRef idx="0">
+            <a:schemeClr val="accent1"/>
+          </a:fillRef>
+          <a:effectRef idx="0">
+            <a:schemeClr val="accent1"/>
+          </a:effectRef>
+          <a:fontRef idx="minor">
+            <a:schemeClr val="tx1"/>
+          </a:fontRef>
+        </p:style>
+      </p:cxnSp>
+      <p:sp>
+        <p:nvSpPr>
+          <p:cNvPr id="26" name="TextBox 25"/>
+          <p:cNvSpPr txBox="1"/>
+          <p:nvPr/>
+        </p:nvSpPr>
+        <p:spPr>
+          <a:xfrm>
+            <a:off x="7003610" y="4934634"/>
+            <a:ext cx="1683190" cy="923330"/>
+          </a:xfrm>
+          <a:prstGeom prst="rect">
+            <a:avLst/>
+          </a:prstGeom>
+          <a:noFill/>
+        </p:spPr>
+        <p:txBody>
+          <a:bodyPr wrap="square" rtlCol="0">
+            <a:spAutoFit/>
+          </a:bodyPr>
+          <a:lstStyle/>
+          <a:p>
+            <a:r>
+              <a:rPr lang="en-US" dirty="0" err="1" smtClean="0"/>
+              <a:t>Hình</a:t>
+            </a:r>
+            <a:r>
+              <a:rPr lang="en-US" dirty="0" smtClean="0"/>
+              <a:t> </a:t>
+            </a:r>
+            <a:r>
+              <a:rPr lang="en-US" dirty="0" err="1" smtClean="0"/>
+              <a:t>dạng</a:t>
+            </a:r>
+            <a:r>
+              <a:rPr lang="en-US" dirty="0" smtClean="0"/>
+              <a:t> </a:t>
+            </a:r>
+            <a:r>
+              <a:rPr lang="en-US" dirty="0" err="1" smtClean="0"/>
+              <a:t>và</a:t>
+            </a:r>
+            <a:r>
+              <a:rPr lang="en-US" dirty="0" smtClean="0"/>
+              <a:t> </a:t>
+            </a:r>
+            <a:r>
+              <a:rPr lang="en-US" dirty="0" err="1" smtClean="0"/>
+              <a:t>kích</a:t>
+            </a:r>
+            <a:r>
+              <a:rPr lang="en-US" dirty="0" smtClean="0"/>
+              <a:t> </a:t>
+            </a:r>
+            <a:r>
+              <a:rPr lang="en-US" dirty="0" err="1" smtClean="0"/>
+              <a:t>thước</a:t>
+            </a:r>
+            <a:r>
+              <a:rPr lang="en-US" dirty="0" smtClean="0"/>
+              <a:t> </a:t>
+            </a:r>
+            <a:r>
+              <a:rPr lang="en-US" dirty="0" err="1" smtClean="0"/>
+              <a:t>lòng</a:t>
+            </a:r>
+            <a:r>
+              <a:rPr lang="en-US" dirty="0" smtClean="0"/>
+              <a:t> </a:t>
+            </a:r>
+            <a:r>
+              <a:rPr lang="en-US" dirty="0" err="1" smtClean="0"/>
+              <a:t>bàn</a:t>
+            </a:r>
+            <a:r>
+              <a:rPr lang="en-US" dirty="0" smtClean="0"/>
+              <a:t> </a:t>
+            </a:r>
+            <a:r>
+              <a:rPr lang="en-US" dirty="0" err="1" smtClean="0"/>
+              <a:t>tay</a:t>
+            </a:r>
+            <a:endParaRPr lang="en-US" dirty="0"/>
+          </a:p>
+        </p:txBody>
+      </p:sp>
+      <p:sp>
+        <p:nvSpPr>
+          <p:cNvPr id="17" name="Slide Number Placeholder 16"/>
+          <p:cNvSpPr>
+            <a:spLocks noGrp="1"/>
+          </p:cNvSpPr>
+          <p:nvPr>
+            <p:ph type="sldNum" sz="quarter" idx="12"/>
+          </p:nvPr>
+        </p:nvSpPr>
+        <p:spPr/>
+        <p:txBody>
+          <a:bodyPr/>
+          <a:lstStyle/>
+          <a:p>
+            <a:fld id="{B6F15528-21DE-4FAA-801E-634DDDAF4B2B}" type="slidenum">
+              <a:rPr lang="en-US" smtClean="0"/>
+              <a:pPr/>
+              <a:t>5</a:t>
+            </a:fld>
+            <a:endParaRPr lang="en-US"/>
+          </a:p>
+        </p:txBody>
+      </p:sp>
     </p:spTree>
+    <p:extLst>
+      <p:ext uri="{BB962C8B-B14F-4D97-AF65-F5344CB8AC3E}">
+        <p14:creationId xmlns="" xmlns:p14="http://schemas.microsoft.com/office/powerpoint/2010/main" val="1590311507"/>
+      </p:ext>
+    </p:extLst>
   </p:cSld>
   <p:clrMapOvr>
     <a:masterClrMapping/>
   </p:clrMapOvr>
+  <p:timing>
+    <p:tnLst>
+      <p:par>
+        <p:cTn id="1" dur="indefinite" restart="never" nodeType="tmRoot">
+          <p:childTnLst>
+            <p:seq concurrent="1" nextAc="seek">
+              <p:cTn id="2" dur="indefinite" nodeType="mainSeq">
+                <p:childTnLst>
+                  <p:par>
+                    <p:cTn id="3" fill="hold">
+                      <p:stCondLst>
+                        <p:cond delay="indefinite"/>
+                      </p:stCondLst>
+                      <p:childTnLst>
+                        <p:par>
+                          <p:cTn id="4" fill="hold">
+                            <p:stCondLst>
+                              <p:cond delay="0"/>
+                            </p:stCondLst>
+                            <p:childTnLst>
+                              <p:par>
+                                <p:cTn id="5" presetID="1" presetClass="entr" presetSubtype="0" fill="hold" nodeType="clickEffect">
+                                  <p:stCondLst>
+                                    <p:cond delay="0"/>
+                                  </p:stCondLst>
+                                  <p:childTnLst>
+                                    <p:set>
+                                      <p:cBhvr>
+                                        <p:cTn id="6" dur="1" fill="hold">
+                                          <p:stCondLst>
+                                            <p:cond delay="0"/>
+                                          </p:stCondLst>
+                                        </p:cTn>
+                                        <p:tgtEl>
+                                          <p:spTgt spid="2050"/>
+                                        </p:tgtEl>
+                                        <p:attrNameLst>
+                                          <p:attrName>style.visibility</p:attrName>
+                                        </p:attrNameLst>
+                                      </p:cBhvr>
+                                      <p:to>
+                                        <p:strVal val="visible"/>
+                                      </p:to>
+                                    </p:set>
+                                  </p:childTnLst>
+                                </p:cTn>
+                              </p:par>
+                            </p:childTnLst>
+                          </p:cTn>
+                        </p:par>
+                      </p:childTnLst>
+                    </p:cTn>
+                  </p:par>
+                  <p:par>
+                    <p:cTn id="7" fill="hold">
+                      <p:stCondLst>
+                        <p:cond delay="indefinite"/>
+                      </p:stCondLst>
+                      <p:childTnLst>
+                        <p:par>
+                          <p:cTn id="8" fill="hold">
+                            <p:stCondLst>
+                              <p:cond delay="0"/>
+                            </p:stCondLst>
+                            <p:childTnLst>
+                              <p:par>
+                                <p:cTn id="9" presetID="10" presetClass="entr" presetSubtype="0" fill="hold" nodeType="clickEffect">
+                                  <p:stCondLst>
+                                    <p:cond delay="0"/>
+                                  </p:stCondLst>
+                                  <p:childTnLst>
+                                    <p:set>
+                                      <p:cBhvr>
+                                        <p:cTn id="10" dur="1" fill="hold">
+                                          <p:stCondLst>
+                                            <p:cond delay="0"/>
+                                          </p:stCondLst>
+                                        </p:cTn>
+                                        <p:tgtEl>
+                                          <p:spTgt spid="5"/>
+                                        </p:tgtEl>
+                                        <p:attrNameLst>
+                                          <p:attrName>style.visibility</p:attrName>
+                                        </p:attrNameLst>
+                                      </p:cBhvr>
+                                      <p:to>
+                                        <p:strVal val="visible"/>
+                                      </p:to>
+                                    </p:set>
+                                    <p:animEffect transition="in" filter="fade">
+                                      <p:cBhvr>
+                                        <p:cTn id="11" dur="500"/>
+                                        <p:tgtEl>
+                                          <p:spTgt spid="5"/>
+                                        </p:tgtEl>
+                                      </p:cBhvr>
+                                    </p:animEffect>
+                                  </p:childTnLst>
+                                </p:cTn>
+                              </p:par>
+                              <p:par>
+                                <p:cTn id="12" presetID="10" presetClass="entr" presetSubtype="0" fill="hold" nodeType="withEffect">
+                                  <p:stCondLst>
+                                    <p:cond delay="0"/>
+                                  </p:stCondLst>
+                                  <p:childTnLst>
+                                    <p:set>
+                                      <p:cBhvr>
+                                        <p:cTn id="13" dur="1" fill="hold">
+                                          <p:stCondLst>
+                                            <p:cond delay="0"/>
+                                          </p:stCondLst>
+                                        </p:cTn>
+                                        <p:tgtEl>
+                                          <p:spTgt spid="9"/>
+                                        </p:tgtEl>
+                                        <p:attrNameLst>
+                                          <p:attrName>style.visibility</p:attrName>
+                                        </p:attrNameLst>
+                                      </p:cBhvr>
+                                      <p:to>
+                                        <p:strVal val="visible"/>
+                                      </p:to>
+                                    </p:set>
+                                    <p:animEffect transition="in" filter="fade">
+                                      <p:cBhvr>
+                                        <p:cTn id="14" dur="500"/>
+                                        <p:tgtEl>
+                                          <p:spTgt spid="9"/>
+                                        </p:tgtEl>
+                                      </p:cBhvr>
+                                    </p:animEffect>
+                                  </p:childTnLst>
+                                </p:cTn>
+                              </p:par>
+                              <p:par>
+                                <p:cTn id="15" presetID="10" presetClass="entr" presetSubtype="0" fill="hold" nodeType="withEffect">
+                                  <p:stCondLst>
+                                    <p:cond delay="0"/>
+                                  </p:stCondLst>
+                                  <p:childTnLst>
+                                    <p:set>
+                                      <p:cBhvr>
+                                        <p:cTn id="16" dur="1" fill="hold">
+                                          <p:stCondLst>
+                                            <p:cond delay="0"/>
+                                          </p:stCondLst>
+                                        </p:cTn>
+                                        <p:tgtEl>
+                                          <p:spTgt spid="7"/>
+                                        </p:tgtEl>
+                                        <p:attrNameLst>
+                                          <p:attrName>style.visibility</p:attrName>
+                                        </p:attrNameLst>
+                                      </p:cBhvr>
+                                      <p:to>
+                                        <p:strVal val="visible"/>
+                                      </p:to>
+                                    </p:set>
+                                    <p:animEffect transition="in" filter="fade">
+                                      <p:cBhvr>
+                                        <p:cTn id="17" dur="500"/>
+                                        <p:tgtEl>
+                                          <p:spTgt spid="7"/>
+                                        </p:tgtEl>
+                                      </p:cBhvr>
+                                    </p:animEffect>
+                                  </p:childTnLst>
+                                </p:cTn>
+                              </p:par>
+                            </p:childTnLst>
+                          </p:cTn>
+                        </p:par>
+                      </p:childTnLst>
+                    </p:cTn>
+                  </p:par>
+                  <p:par>
+                    <p:cTn id="18" fill="hold">
+                      <p:stCondLst>
+                        <p:cond delay="indefinite"/>
+                      </p:stCondLst>
+                      <p:childTnLst>
+                        <p:par>
+                          <p:cTn id="19" fill="hold">
+                            <p:stCondLst>
+                              <p:cond delay="0"/>
+                            </p:stCondLst>
+                            <p:childTnLst>
+                              <p:par>
+                                <p:cTn id="20" presetID="10" presetClass="entr" presetSubtype="0" fill="hold" grpId="0" nodeType="clickEffect">
+                                  <p:stCondLst>
+                                    <p:cond delay="0"/>
+                                  </p:stCondLst>
+                                  <p:childTnLst>
+                                    <p:set>
+                                      <p:cBhvr>
+                                        <p:cTn id="21" dur="1" fill="hold">
+                                          <p:stCondLst>
+                                            <p:cond delay="0"/>
+                                          </p:stCondLst>
+                                        </p:cTn>
+                                        <p:tgtEl>
+                                          <p:spTgt spid="10"/>
+                                        </p:tgtEl>
+                                        <p:attrNameLst>
+                                          <p:attrName>style.visibility</p:attrName>
+                                        </p:attrNameLst>
+                                      </p:cBhvr>
+                                      <p:to>
+                                        <p:strVal val="visible"/>
+                                      </p:to>
+                                    </p:set>
+                                    <p:animEffect transition="in" filter="fade">
+                                      <p:cBhvr>
+                                        <p:cTn id="22" dur="500"/>
+                                        <p:tgtEl>
+                                          <p:spTgt spid="10"/>
+                                        </p:tgtEl>
+                                      </p:cBhvr>
+                                    </p:animEffect>
+                                  </p:childTnLst>
+                                </p:cTn>
+                              </p:par>
+                            </p:childTnLst>
+                          </p:cTn>
+                        </p:par>
+                      </p:childTnLst>
+                    </p:cTn>
+                  </p:par>
+                  <p:par>
+                    <p:cTn id="23" fill="hold">
+                      <p:stCondLst>
+                        <p:cond delay="indefinite"/>
+                      </p:stCondLst>
+                      <p:childTnLst>
+                        <p:par>
+                          <p:cTn id="24" fill="hold">
+                            <p:stCondLst>
+                              <p:cond delay="0"/>
+                            </p:stCondLst>
+                            <p:childTnLst>
+                              <p:par>
+                                <p:cTn id="25" presetID="10" presetClass="entr" presetSubtype="0" fill="hold" nodeType="clickEffect">
+                                  <p:stCondLst>
+                                    <p:cond delay="0"/>
+                                  </p:stCondLst>
+                                  <p:childTnLst>
+                                    <p:set>
+                                      <p:cBhvr>
+                                        <p:cTn id="26" dur="1" fill="hold">
+                                          <p:stCondLst>
+                                            <p:cond delay="0"/>
+                                          </p:stCondLst>
+                                        </p:cTn>
+                                        <p:tgtEl>
+                                          <p:spTgt spid="12"/>
+                                        </p:tgtEl>
+                                        <p:attrNameLst>
+                                          <p:attrName>style.visibility</p:attrName>
+                                        </p:attrNameLst>
+                                      </p:cBhvr>
+                                      <p:to>
+                                        <p:strVal val="visible"/>
+                                      </p:to>
+                                    </p:set>
+                                    <p:animEffect transition="in" filter="fade">
+                                      <p:cBhvr>
+                                        <p:cTn id="27" dur="500"/>
+                                        <p:tgtEl>
+                                          <p:spTgt spid="12"/>
+                                        </p:tgtEl>
+                                      </p:cBhvr>
+                                    </p:animEffect>
+                                  </p:childTnLst>
+                                </p:cTn>
+                              </p:par>
+                              <p:par>
+                                <p:cTn id="28" presetID="10" presetClass="entr" presetSubtype="0" fill="hold" nodeType="withEffect">
+                                  <p:stCondLst>
+                                    <p:cond delay="0"/>
+                                  </p:stCondLst>
+                                  <p:childTnLst>
+                                    <p:set>
+                                      <p:cBhvr>
+                                        <p:cTn id="29" dur="1" fill="hold">
+                                          <p:stCondLst>
+                                            <p:cond delay="0"/>
+                                          </p:stCondLst>
+                                        </p:cTn>
+                                        <p:tgtEl>
+                                          <p:spTgt spid="14"/>
+                                        </p:tgtEl>
+                                        <p:attrNameLst>
+                                          <p:attrName>style.visibility</p:attrName>
+                                        </p:attrNameLst>
+                                      </p:cBhvr>
+                                      <p:to>
+                                        <p:strVal val="visible"/>
+                                      </p:to>
+                                    </p:set>
+                                    <p:animEffect transition="in" filter="fade">
+                                      <p:cBhvr>
+                                        <p:cTn id="30" dur="500"/>
+                                        <p:tgtEl>
+                                          <p:spTgt spid="14"/>
+                                        </p:tgtEl>
+                                      </p:cBhvr>
+                                    </p:animEffect>
+                                  </p:childTnLst>
+                                </p:cTn>
+                              </p:par>
+                              <p:par>
+                                <p:cTn id="31" presetID="10" presetClass="entr" presetSubtype="0" fill="hold" nodeType="withEffect">
+                                  <p:stCondLst>
+                                    <p:cond delay="0"/>
+                                  </p:stCondLst>
+                                  <p:childTnLst>
+                                    <p:set>
+                                      <p:cBhvr>
+                                        <p:cTn id="32" dur="1" fill="hold">
+                                          <p:stCondLst>
+                                            <p:cond delay="0"/>
+                                          </p:stCondLst>
+                                        </p:cTn>
+                                        <p:tgtEl>
+                                          <p:spTgt spid="16"/>
+                                        </p:tgtEl>
+                                        <p:attrNameLst>
+                                          <p:attrName>style.visibility</p:attrName>
+                                        </p:attrNameLst>
+                                      </p:cBhvr>
+                                      <p:to>
+                                        <p:strVal val="visible"/>
+                                      </p:to>
+                                    </p:set>
+                                    <p:animEffect transition="in" filter="fade">
+                                      <p:cBhvr>
+                                        <p:cTn id="33" dur="500"/>
+                                        <p:tgtEl>
+                                          <p:spTgt spid="16"/>
+                                        </p:tgtEl>
+                                      </p:cBhvr>
+                                    </p:animEffect>
+                                  </p:childTnLst>
+                                </p:cTn>
+                              </p:par>
+                              <p:par>
+                                <p:cTn id="34" presetID="10" presetClass="entr" presetSubtype="0" fill="hold" nodeType="withEffect">
+                                  <p:stCondLst>
+                                    <p:cond delay="0"/>
+                                  </p:stCondLst>
+                                  <p:childTnLst>
+                                    <p:set>
+                                      <p:cBhvr>
+                                        <p:cTn id="35" dur="1" fill="hold">
+                                          <p:stCondLst>
+                                            <p:cond delay="0"/>
+                                          </p:stCondLst>
+                                        </p:cTn>
+                                        <p:tgtEl>
+                                          <p:spTgt spid="18"/>
+                                        </p:tgtEl>
+                                        <p:attrNameLst>
+                                          <p:attrName>style.visibility</p:attrName>
+                                        </p:attrNameLst>
+                                      </p:cBhvr>
+                                      <p:to>
+                                        <p:strVal val="visible"/>
+                                      </p:to>
+                                    </p:set>
+                                    <p:animEffect transition="in" filter="fade">
+                                      <p:cBhvr>
+                                        <p:cTn id="36" dur="500"/>
+                                        <p:tgtEl>
+                                          <p:spTgt spid="18"/>
+                                        </p:tgtEl>
+                                      </p:cBhvr>
+                                    </p:animEffect>
+                                  </p:childTnLst>
+                                </p:cTn>
+                              </p:par>
+                            </p:childTnLst>
+                          </p:cTn>
+                        </p:par>
+                      </p:childTnLst>
+                    </p:cTn>
+                  </p:par>
+                  <p:par>
+                    <p:cTn id="37" fill="hold">
+                      <p:stCondLst>
+                        <p:cond delay="indefinite"/>
+                      </p:stCondLst>
+                      <p:childTnLst>
+                        <p:par>
+                          <p:cTn id="38" fill="hold">
+                            <p:stCondLst>
+                              <p:cond delay="0"/>
+                            </p:stCondLst>
+                            <p:childTnLst>
+                              <p:par>
+                                <p:cTn id="39" presetID="10" presetClass="entr" presetSubtype="0" fill="hold" grpId="0" nodeType="clickEffect">
+                                  <p:stCondLst>
+                                    <p:cond delay="0"/>
+                                  </p:stCondLst>
+                                  <p:childTnLst>
+                                    <p:set>
+                                      <p:cBhvr>
+                                        <p:cTn id="40" dur="1" fill="hold">
+                                          <p:stCondLst>
+                                            <p:cond delay="0"/>
+                                          </p:stCondLst>
+                                        </p:cTn>
+                                        <p:tgtEl>
+                                          <p:spTgt spid="20"/>
+                                        </p:tgtEl>
+                                        <p:attrNameLst>
+                                          <p:attrName>style.visibility</p:attrName>
+                                        </p:attrNameLst>
+                                      </p:cBhvr>
+                                      <p:to>
+                                        <p:strVal val="visible"/>
+                                      </p:to>
+                                    </p:set>
+                                    <p:animEffect transition="in" filter="fade">
+                                      <p:cBhvr>
+                                        <p:cTn id="41" dur="500"/>
+                                        <p:tgtEl>
+                                          <p:spTgt spid="20"/>
+                                        </p:tgtEl>
+                                      </p:cBhvr>
+                                    </p:animEffect>
+                                  </p:childTnLst>
+                                </p:cTn>
+                              </p:par>
+                            </p:childTnLst>
+                          </p:cTn>
+                        </p:par>
+                      </p:childTnLst>
+                    </p:cTn>
+                  </p:par>
+                  <p:par>
+                    <p:cTn id="42" fill="hold">
+                      <p:stCondLst>
+                        <p:cond delay="indefinite"/>
+                      </p:stCondLst>
+                      <p:childTnLst>
+                        <p:par>
+                          <p:cTn id="43" fill="hold">
+                            <p:stCondLst>
+                              <p:cond delay="0"/>
+                            </p:stCondLst>
+                            <p:childTnLst>
+                              <p:par>
+                                <p:cTn id="44" presetID="10" presetClass="entr" presetSubtype="0" fill="hold" grpId="0" nodeType="clickEffect">
+                                  <p:stCondLst>
+                                    <p:cond delay="0"/>
+                                  </p:stCondLst>
+                                  <p:childTnLst>
+                                    <p:set>
+                                      <p:cBhvr>
+                                        <p:cTn id="45" dur="1" fill="hold">
+                                          <p:stCondLst>
+                                            <p:cond delay="0"/>
+                                          </p:stCondLst>
+                                        </p:cTn>
+                                        <p:tgtEl>
+                                          <p:spTgt spid="19"/>
+                                        </p:tgtEl>
+                                        <p:attrNameLst>
+                                          <p:attrName>style.visibility</p:attrName>
+                                        </p:attrNameLst>
+                                      </p:cBhvr>
+                                      <p:to>
+                                        <p:strVal val="visible"/>
+                                      </p:to>
+                                    </p:set>
+                                    <p:animEffect transition="in" filter="fade">
+                                      <p:cBhvr>
+                                        <p:cTn id="46" dur="500"/>
+                                        <p:tgtEl>
+                                          <p:spTgt spid="19"/>
+                                        </p:tgtEl>
+                                      </p:cBhvr>
+                                    </p:animEffect>
+                                  </p:childTnLst>
+                                </p:cTn>
+                              </p:par>
+                              <p:par>
+                                <p:cTn id="47" presetID="10" presetClass="entr" presetSubtype="0" fill="hold" nodeType="withEffect">
+                                  <p:stCondLst>
+                                    <p:cond delay="0"/>
+                                  </p:stCondLst>
+                                  <p:childTnLst>
+                                    <p:set>
+                                      <p:cBhvr>
+                                        <p:cTn id="48" dur="1" fill="hold">
+                                          <p:stCondLst>
+                                            <p:cond delay="0"/>
+                                          </p:stCondLst>
+                                        </p:cTn>
+                                        <p:tgtEl>
+                                          <p:spTgt spid="24"/>
+                                        </p:tgtEl>
+                                        <p:attrNameLst>
+                                          <p:attrName>style.visibility</p:attrName>
+                                        </p:attrNameLst>
+                                      </p:cBhvr>
+                                      <p:to>
+                                        <p:strVal val="visible"/>
+                                      </p:to>
+                                    </p:set>
+                                    <p:animEffect transition="in" filter="fade">
+                                      <p:cBhvr>
+                                        <p:cTn id="49" dur="500"/>
+                                        <p:tgtEl>
+                                          <p:spTgt spid="24"/>
+                                        </p:tgtEl>
+                                      </p:cBhvr>
+                                    </p:animEffect>
+                                  </p:childTnLst>
+                                </p:cTn>
+                              </p:par>
+                            </p:childTnLst>
+                          </p:cTn>
+                        </p:par>
+                      </p:childTnLst>
+                    </p:cTn>
+                  </p:par>
+                  <p:par>
+                    <p:cTn id="50" fill="hold">
+                      <p:stCondLst>
+                        <p:cond delay="indefinite"/>
+                      </p:stCondLst>
+                      <p:childTnLst>
+                        <p:par>
+                          <p:cTn id="51" fill="hold">
+                            <p:stCondLst>
+                              <p:cond delay="0"/>
+                            </p:stCondLst>
+                            <p:childTnLst>
+                              <p:par>
+                                <p:cTn id="52" presetID="10" presetClass="entr" presetSubtype="0" fill="hold" grpId="0" nodeType="clickEffect">
+                                  <p:stCondLst>
+                                    <p:cond delay="0"/>
+                                  </p:stCondLst>
+                                  <p:childTnLst>
+                                    <p:set>
+                                      <p:cBhvr>
+                                        <p:cTn id="53" dur="1" fill="hold">
+                                          <p:stCondLst>
+                                            <p:cond delay="0"/>
+                                          </p:stCondLst>
+                                        </p:cTn>
+                                        <p:tgtEl>
+                                          <p:spTgt spid="26"/>
+                                        </p:tgtEl>
+                                        <p:attrNameLst>
+                                          <p:attrName>style.visibility</p:attrName>
+                                        </p:attrNameLst>
+                                      </p:cBhvr>
+                                      <p:to>
+                                        <p:strVal val="visible"/>
+                                      </p:to>
+                                    </p:set>
+                                    <p:animEffect transition="in" filter="fade">
+                                      <p:cBhvr>
+                                        <p:cTn id="54" dur="500"/>
+                                        <p:tgtEl>
+                                          <p:spTgt spid="26"/>
+                                        </p:tgtEl>
+                                      </p:cBhvr>
+                                    </p:animEffect>
+                                  </p:childTnLst>
+                                </p:cTn>
+                              </p:par>
+                            </p:childTnLst>
+                          </p:cTn>
+                        </p:par>
+                      </p:childTnLst>
+                    </p:cTn>
+                  </p:par>
+                </p:childTnLst>
+              </p:cTn>
+              <p:prevCondLst>
+                <p:cond evt="onPrev" delay="0">
+                  <p:tgtEl>
+                    <p:sldTgt/>
+                  </p:tgtEl>
+                </p:cond>
+              </p:prevCondLst>
+              <p:nextCondLst>
+                <p:cond evt="onNext" delay="0">
+                  <p:tgtEl>
+                    <p:sldTgt/>
+                  </p:tgtEl>
+                </p:cond>
+              </p:nextCondLst>
+            </p:seq>
+          </p:childTnLst>
+        </p:cTn>
+      </p:par>
+    </p:tnLst>
+    <p:bldLst>
+      <p:bldP spid="10" grpId="0"/>
+      <p:bldP spid="20" grpId="0"/>
+      <p:bldP spid="19" grpId="0" animBg="1"/>
+      <p:bldP spid="26" grpId="0"/>
+    </p:bldLst>
+  </p:timing>
 </p:sld>
 </file>
 
@@ -4638,21 +11346,59 @@
           <a:lstStyle/>
           <a:p>
             <a:r>
-              <a:rPr lang="en-US" dirty="0" smtClean="0"/>
-              <a:t>Demo</a:t>
+              <a:rPr lang="en-US" dirty="0" err="1" smtClean="0"/>
+              <a:t>Giới</a:t>
+            </a:r>
+            <a:r>
+              <a:rPr lang="en-US" dirty="0" smtClean="0"/>
+              <a:t> </a:t>
+            </a:r>
+            <a:r>
+              <a:rPr lang="en-US" dirty="0" err="1" smtClean="0"/>
+              <a:t>thiệu</a:t>
             </a:r>
             <a:endParaRPr lang="en-US" dirty="0"/>
           </a:p>
         </p:txBody>
       </p:sp>
-      <p:sp>
-        <p:nvSpPr>
-          <p:cNvPr id="3" name="Content Placeholder 2"/>
+      <p:pic>
+        <p:nvPicPr>
+          <p:cNvPr id="4" name="Picture 3"/>
+          <p:cNvPicPr/>
+          <p:nvPr/>
+        </p:nvPicPr>
+        <p:blipFill>
+          <a:blip r:embed="rId2" cstate="print"/>
+          <a:srcRect/>
+          <a:stretch>
+            <a:fillRect/>
+          </a:stretch>
+        </p:blipFill>
+        <p:spPr bwMode="auto">
+          <a:xfrm>
+            <a:off x="381000" y="1905000"/>
+            <a:ext cx="8382000" cy="4419600"/>
+          </a:xfrm>
+          <a:prstGeom prst="rect">
+            <a:avLst/>
+          </a:prstGeom>
+          <a:noFill/>
+          <a:ln w="9525">
+            <a:noFill/>
+            <a:miter lim="800000"/>
+            <a:headEnd/>
+            <a:tailEnd/>
+          </a:ln>
+        </p:spPr>
+      </p:pic>
+      <p:sp>
+        <p:nvSpPr>
+          <p:cNvPr id="5" name="Slide Number Placeholder 4"/>
           <p:cNvSpPr>
             <a:spLocks noGrp="1"/>
           </p:cNvSpPr>
           <p:nvPr>
-            <p:ph idx="1"/>
+            <p:ph type="sldNum" sz="quarter" idx="12"/>
           </p:nvPr>
         </p:nvSpPr>
         <p:spPr/>
@@ -4660,15 +11406,94 @@
           <a:bodyPr/>
           <a:lstStyle/>
           <a:p>
+            <a:fld id="{B6F15528-21DE-4FAA-801E-634DDDAF4B2B}" type="slidenum">
+              <a:rPr lang="en-US" smtClean="0"/>
+              <a:pPr/>
+              <a:t>6</a:t>
+            </a:fld>
             <a:endParaRPr lang="en-US"/>
           </a:p>
         </p:txBody>
       </p:sp>
+      <p:sp>
+        <p:nvSpPr>
+          <p:cNvPr id="6" name="TextBox 5"/>
+          <p:cNvSpPr txBox="1"/>
+          <p:nvPr/>
+        </p:nvSpPr>
+        <p:spPr>
+          <a:xfrm>
+            <a:off x="14056" y="6553200"/>
+            <a:ext cx="7332585" cy="307777"/>
+          </a:xfrm>
+          <a:prstGeom prst="rect">
+            <a:avLst/>
+          </a:prstGeom>
+          <a:noFill/>
+        </p:spPr>
+        <p:txBody>
+          <a:bodyPr wrap="none" rtlCol="0">
+            <a:spAutoFit/>
+          </a:bodyPr>
+          <a:lstStyle/>
+          <a:p>
+            <a:r>
+              <a:rPr lang="en-US" sz="1400" dirty="0" smtClean="0"/>
+              <a:t>Source: </a:t>
+            </a:r>
+            <a:r>
+              <a:rPr lang="en-US" sz="1400" dirty="0" err="1" smtClean="0"/>
+              <a:t>Kresimir</a:t>
+            </a:r>
+            <a:r>
+              <a:rPr lang="en-US" sz="1400" dirty="0" smtClean="0"/>
+              <a:t> </a:t>
+            </a:r>
+            <a:r>
+              <a:rPr lang="en-US" sz="1400" dirty="0" err="1" smtClean="0"/>
+              <a:t>Delac</a:t>
+            </a:r>
+            <a:r>
+              <a:rPr lang="en-US" sz="1400" dirty="0" smtClean="0"/>
+              <a:t> and </a:t>
+            </a:r>
+            <a:r>
+              <a:rPr lang="en-US" sz="1400" dirty="0" err="1" smtClean="0"/>
+              <a:t>Mislav</a:t>
+            </a:r>
+            <a:r>
+              <a:rPr lang="en-US" sz="1400" dirty="0" smtClean="0"/>
+              <a:t> </a:t>
+            </a:r>
+            <a:r>
+              <a:rPr lang="en-US" sz="1400" dirty="0" err="1" smtClean="0"/>
+              <a:t>Grgic</a:t>
+            </a:r>
+            <a:r>
+              <a:rPr lang="en-US" sz="1400" dirty="0" smtClean="0"/>
+              <a:t>, "A survey of biometric recognition methods," 2004.</a:t>
+            </a:r>
+            <a:endParaRPr lang="en-US" sz="1400" dirty="0"/>
+          </a:p>
+        </p:txBody>
+      </p:sp>
     </p:spTree>
+    <p:extLst>
+      <p:ext uri="{BB962C8B-B14F-4D97-AF65-F5344CB8AC3E}">
+        <p14:creationId xmlns="" xmlns:p14="http://schemas.microsoft.com/office/powerpoint/2010/main" val="1272277284"/>
+      </p:ext>
+    </p:extLst>
   </p:cSld>
   <p:clrMapOvr>
     <a:masterClrMapping/>
   </p:clrMapOvr>
+  <p:timing>
+    <p:tnLst>
+      <p:par>
+        <p:cTn id="1" dur="indefinite" restart="never" nodeType="tmRoot"/>
+      </p:par>
+    </p:tnLst>
+  </p:timing>
 </p:sld>
 </file>
 
@@ -4706,31 +11531,15 @@
           <a:p>
             <a:r>
               <a:rPr lang="en-US" dirty="0" err="1" smtClean="0"/>
-              <a:t>Tài</a:t>
-            </a:r>
-            <a:r>
-              <a:rPr lang="en-US" dirty="0" smtClean="0"/>
-              <a:t> </a:t>
-            </a:r>
-            <a:r>
-              <a:rPr lang="en-US" dirty="0" err="1" smtClean="0"/>
-              <a:t>liệu</a:t>
-            </a:r>
-            <a:r>
-              <a:rPr lang="en-US" dirty="0" smtClean="0"/>
-              <a:t> </a:t>
-            </a:r>
-            <a:r>
-              <a:rPr lang="en-US" dirty="0" err="1" smtClean="0"/>
-              <a:t>tham</a:t>
-            </a:r>
-            <a:r>
-              <a:rPr lang="en-US" dirty="0" smtClean="0"/>
-              <a:t> </a:t>
-            </a:r>
-            <a:r>
-              <a:rPr lang="en-US" dirty="0" err="1" smtClean="0"/>
-              <a:t>khảo</a:t>
+              <a:t>Giới</a:t>
+            </a:r>
+            <a:r>
+              <a:rPr lang="en-US" dirty="0" smtClean="0"/>
+              <a:t> </a:t>
+            </a:r>
+            <a:r>
+              <a:rPr lang="en-US" dirty="0" err="1" smtClean="0"/>
+              <a:t>thiệu</a:t>
             </a:r>
             <a:endParaRPr lang="en-US" dirty="0"/>
           </a:p>
@@ -4751,6 +11560,1174 @@
           <a:bodyPr/>
           <a:lstStyle/>
           <a:p>
+            <a:r>
+              <a:rPr lang="en-US" dirty="0" err="1" smtClean="0"/>
+              <a:t>Ưu</a:t>
+            </a:r>
+            <a:r>
+              <a:rPr lang="en-US" dirty="0" smtClean="0"/>
+              <a:t> </a:t>
+            </a:r>
+            <a:r>
+              <a:rPr lang="en-US" dirty="0" err="1" smtClean="0"/>
+              <a:t>điểm</a:t>
+            </a:r>
+            <a:r>
+              <a:rPr lang="en-US" dirty="0" smtClean="0"/>
+              <a:t>:</a:t>
+            </a:r>
+          </a:p>
+          <a:p>
+            <a:pPr lvl="1">
+              <a:lnSpc>
+                <a:spcPct val="150000"/>
+              </a:lnSpc>
+            </a:pPr>
+            <a:r>
+              <a:rPr lang="en-US" dirty="0" err="1"/>
+              <a:t>Dữ</a:t>
+            </a:r>
+            <a:r>
+              <a:rPr lang="en-US" dirty="0"/>
+              <a:t> </a:t>
+            </a:r>
+            <a:r>
+              <a:rPr lang="en-US" dirty="0" err="1"/>
+              <a:t>liệu</a:t>
+            </a:r>
+            <a:r>
+              <a:rPr lang="en-US" dirty="0"/>
+              <a:t> </a:t>
+            </a:r>
+            <a:r>
+              <a:rPr lang="en-US" dirty="0" err="1"/>
+              <a:t>lưu</a:t>
+            </a:r>
+            <a:r>
+              <a:rPr lang="en-US" dirty="0"/>
+              <a:t> </a:t>
+            </a:r>
+            <a:r>
+              <a:rPr lang="en-US" dirty="0" err="1"/>
+              <a:t>trữ</a:t>
+            </a:r>
+            <a:r>
+              <a:rPr lang="en-US" dirty="0"/>
+              <a:t> </a:t>
+            </a:r>
+            <a:r>
+              <a:rPr lang="en-US" dirty="0" err="1"/>
+              <a:t>không</a:t>
+            </a:r>
+            <a:r>
+              <a:rPr lang="en-US" dirty="0"/>
+              <a:t> </a:t>
+            </a:r>
+            <a:r>
+              <a:rPr lang="en-US" dirty="0" err="1"/>
+              <a:t>quá</a:t>
+            </a:r>
+            <a:r>
+              <a:rPr lang="en-US" dirty="0"/>
+              <a:t> </a:t>
+            </a:r>
+            <a:r>
+              <a:rPr lang="en-US" dirty="0" err="1"/>
+              <a:t>lớn</a:t>
+            </a:r>
+            <a:endParaRPr lang="en-US" dirty="0"/>
+          </a:p>
+          <a:p>
+            <a:pPr lvl="1">
+              <a:lnSpc>
+                <a:spcPct val="150000"/>
+              </a:lnSpc>
+            </a:pPr>
+            <a:r>
+              <a:rPr lang="en-US" dirty="0" err="1"/>
+              <a:t>Ít</a:t>
+            </a:r>
+            <a:r>
+              <a:rPr lang="en-US" dirty="0"/>
+              <a:t> </a:t>
+            </a:r>
+            <a:r>
+              <a:rPr lang="en-US" dirty="0" err="1"/>
+              <a:t>ảnh</a:t>
+            </a:r>
+            <a:r>
+              <a:rPr lang="en-US" dirty="0"/>
+              <a:t> </a:t>
+            </a:r>
+            <a:r>
+              <a:rPr lang="en-US" dirty="0" err="1"/>
+              <a:t>hưởng</a:t>
+            </a:r>
+            <a:r>
+              <a:rPr lang="en-US" dirty="0"/>
+              <a:t> </a:t>
+            </a:r>
+            <a:r>
+              <a:rPr lang="en-US" dirty="0" err="1"/>
+              <a:t>bởi</a:t>
+            </a:r>
+            <a:r>
+              <a:rPr lang="en-US" dirty="0"/>
+              <a:t> </a:t>
+            </a:r>
+            <a:r>
+              <a:rPr lang="en-US" dirty="0" err="1"/>
+              <a:t>các</a:t>
+            </a:r>
+            <a:r>
+              <a:rPr lang="en-US" dirty="0"/>
+              <a:t> </a:t>
+            </a:r>
+            <a:r>
+              <a:rPr lang="en-US" dirty="0" err="1"/>
+              <a:t>yếu</a:t>
+            </a:r>
+            <a:r>
+              <a:rPr lang="en-US" dirty="0"/>
+              <a:t> </a:t>
+            </a:r>
+            <a:r>
+              <a:rPr lang="en-US" dirty="0" err="1"/>
+              <a:t>tố</a:t>
+            </a:r>
+            <a:r>
+              <a:rPr lang="en-US" dirty="0"/>
+              <a:t> </a:t>
+            </a:r>
+            <a:r>
+              <a:rPr lang="en-US" dirty="0" err="1"/>
+              <a:t>ngoại</a:t>
+            </a:r>
+            <a:r>
+              <a:rPr lang="en-US" dirty="0"/>
+              <a:t> </a:t>
+            </a:r>
+            <a:r>
+              <a:rPr lang="en-US" dirty="0" err="1"/>
+              <a:t>cảnh</a:t>
+            </a:r>
+            <a:endParaRPr lang="en-US" dirty="0"/>
+          </a:p>
+          <a:p>
+            <a:pPr lvl="1">
+              <a:lnSpc>
+                <a:spcPct val="150000"/>
+              </a:lnSpc>
+            </a:pPr>
+            <a:r>
+              <a:rPr lang="en-US" dirty="0" err="1"/>
+              <a:t>Dễ</a:t>
+            </a:r>
+            <a:r>
+              <a:rPr lang="en-US" dirty="0"/>
+              <a:t> </a:t>
+            </a:r>
+            <a:r>
+              <a:rPr lang="en-US" dirty="0" err="1"/>
+              <a:t>sử</a:t>
+            </a:r>
+            <a:r>
+              <a:rPr lang="en-US" dirty="0"/>
+              <a:t> </a:t>
+            </a:r>
+            <a:r>
+              <a:rPr lang="en-US" dirty="0" err="1"/>
+              <a:t>dụng</a:t>
+            </a:r>
+            <a:r>
+              <a:rPr lang="en-US" dirty="0"/>
+              <a:t> </a:t>
+            </a:r>
+            <a:r>
+              <a:rPr lang="en-US" dirty="0" err="1"/>
+              <a:t>và</a:t>
+            </a:r>
+            <a:r>
+              <a:rPr lang="en-US" dirty="0"/>
+              <a:t> </a:t>
+            </a:r>
+            <a:r>
+              <a:rPr lang="en-US" dirty="0" err="1"/>
+              <a:t>thân</a:t>
+            </a:r>
+            <a:r>
+              <a:rPr lang="en-US" dirty="0"/>
+              <a:t> </a:t>
+            </a:r>
+            <a:r>
+              <a:rPr lang="en-US" dirty="0" err="1"/>
+              <a:t>thiện</a:t>
+            </a:r>
+            <a:r>
+              <a:rPr lang="en-US" dirty="0"/>
+              <a:t> </a:t>
+            </a:r>
+            <a:r>
+              <a:rPr lang="en-US" dirty="0" err="1"/>
+              <a:t>với</a:t>
+            </a:r>
+            <a:r>
+              <a:rPr lang="en-US" dirty="0"/>
+              <a:t> </a:t>
+            </a:r>
+            <a:r>
+              <a:rPr lang="en-US" dirty="0" err="1"/>
+              <a:t>người</a:t>
+            </a:r>
+            <a:r>
+              <a:rPr lang="en-US" dirty="0"/>
+              <a:t> </a:t>
+            </a:r>
+            <a:r>
+              <a:rPr lang="en-US" dirty="0" err="1"/>
+              <a:t>dùng</a:t>
+            </a:r>
+            <a:endParaRPr lang="en-US" dirty="0"/>
+          </a:p>
+          <a:p>
+            <a:pPr lvl="1">
+              <a:lnSpc>
+                <a:spcPct val="150000"/>
+              </a:lnSpc>
+            </a:pPr>
+            <a:r>
+              <a:rPr lang="en-US" dirty="0" err="1"/>
+              <a:t>Xử</a:t>
+            </a:r>
+            <a:r>
+              <a:rPr lang="en-US" dirty="0"/>
+              <a:t> </a:t>
+            </a:r>
+            <a:r>
+              <a:rPr lang="en-US" dirty="0" err="1"/>
+              <a:t>lý</a:t>
+            </a:r>
+            <a:r>
+              <a:rPr lang="en-US" dirty="0"/>
+              <a:t> </a:t>
+            </a:r>
+            <a:r>
+              <a:rPr lang="en-US" dirty="0" err="1"/>
+              <a:t>nhanh</a:t>
+            </a:r>
+            <a:endParaRPr lang="en-US" dirty="0"/>
+          </a:p>
+          <a:p>
+            <a:pPr lvl="1">
+              <a:lnSpc>
+                <a:spcPct val="150000"/>
+              </a:lnSpc>
+            </a:pPr>
+            <a:r>
+              <a:rPr lang="en-US" dirty="0" err="1"/>
+              <a:t>Dễ</a:t>
+            </a:r>
+            <a:r>
+              <a:rPr lang="en-US" dirty="0"/>
+              <a:t> </a:t>
+            </a:r>
+            <a:r>
+              <a:rPr lang="en-US" dirty="0" err="1"/>
+              <a:t>dàng</a:t>
+            </a:r>
+            <a:r>
+              <a:rPr lang="en-US" dirty="0"/>
+              <a:t> </a:t>
+            </a:r>
+            <a:r>
+              <a:rPr lang="en-US" dirty="0" err="1"/>
+              <a:t>tích</a:t>
+            </a:r>
+            <a:r>
+              <a:rPr lang="en-US" dirty="0"/>
+              <a:t> </a:t>
+            </a:r>
+            <a:r>
+              <a:rPr lang="en-US" dirty="0" err="1"/>
+              <a:t>hợp</a:t>
+            </a:r>
+            <a:r>
+              <a:rPr lang="en-US" dirty="0"/>
+              <a:t> </a:t>
+            </a:r>
+            <a:r>
+              <a:rPr lang="en-US" dirty="0" err="1"/>
+              <a:t>vào</a:t>
+            </a:r>
+            <a:r>
+              <a:rPr lang="en-US" dirty="0"/>
+              <a:t> </a:t>
+            </a:r>
+            <a:r>
+              <a:rPr lang="en-US" dirty="0" err="1"/>
+              <a:t>hệ</a:t>
+            </a:r>
+            <a:r>
+              <a:rPr lang="en-US" dirty="0"/>
+              <a:t> </a:t>
+            </a:r>
+            <a:r>
+              <a:rPr lang="en-US" dirty="0" err="1"/>
+              <a:t>thống</a:t>
+            </a:r>
+            <a:r>
+              <a:rPr lang="en-US" dirty="0"/>
+              <a:t> </a:t>
+            </a:r>
+            <a:r>
+              <a:rPr lang="en-US" dirty="0" err="1"/>
+              <a:t>đã</a:t>
+            </a:r>
+            <a:r>
+              <a:rPr lang="en-US" dirty="0"/>
+              <a:t> </a:t>
+            </a:r>
+            <a:r>
+              <a:rPr lang="en-US" dirty="0" err="1"/>
+              <a:t>tồn</a:t>
+            </a:r>
+            <a:r>
+              <a:rPr lang="en-US" dirty="0"/>
+              <a:t> </a:t>
+            </a:r>
+            <a:r>
+              <a:rPr lang="en-US" dirty="0" err="1"/>
+              <a:t>tại</a:t>
+            </a:r>
+            <a:endParaRPr lang="en-US" dirty="0"/>
+          </a:p>
+          <a:p>
+            <a:pPr lvl="1">
+              <a:lnSpc>
+                <a:spcPct val="150000"/>
+              </a:lnSpc>
+            </a:pPr>
+            <a:r>
+              <a:rPr lang="en-US" dirty="0" err="1"/>
+              <a:t>Tỉ</a:t>
+            </a:r>
+            <a:r>
+              <a:rPr lang="en-US" dirty="0"/>
+              <a:t> </a:t>
+            </a:r>
+            <a:r>
+              <a:rPr lang="en-US" dirty="0" err="1"/>
+              <a:t>lệ</a:t>
+            </a:r>
+            <a:r>
+              <a:rPr lang="en-US" dirty="0"/>
+              <a:t> </a:t>
+            </a:r>
+            <a:r>
+              <a:rPr lang="en-US" dirty="0" err="1"/>
+              <a:t>thất</a:t>
+            </a:r>
+            <a:r>
+              <a:rPr lang="en-US" dirty="0"/>
+              <a:t> </a:t>
+            </a:r>
+            <a:r>
+              <a:rPr lang="en-US" dirty="0" err="1"/>
+              <a:t>bại</a:t>
+            </a:r>
+            <a:r>
+              <a:rPr lang="en-US" dirty="0"/>
+              <a:t> </a:t>
+            </a:r>
+            <a:r>
+              <a:rPr lang="en-US" dirty="0" err="1"/>
+              <a:t>thấp</a:t>
+            </a:r>
+            <a:r>
+              <a:rPr lang="en-US" dirty="0"/>
+              <a:t> </a:t>
+            </a:r>
+            <a:r>
+              <a:rPr lang="en-US" dirty="0" err="1"/>
+              <a:t>khi</a:t>
+            </a:r>
+            <a:r>
+              <a:rPr lang="en-US" dirty="0"/>
+              <a:t> </a:t>
+            </a:r>
+            <a:r>
+              <a:rPr lang="en-US" dirty="0" err="1"/>
+              <a:t>đăng</a:t>
+            </a:r>
+            <a:r>
+              <a:rPr lang="en-US" dirty="0"/>
+              <a:t> </a:t>
+            </a:r>
+            <a:r>
+              <a:rPr lang="en-US" dirty="0" err="1"/>
+              <a:t>ký</a:t>
+            </a:r>
+            <a:r>
+              <a:rPr lang="en-US" dirty="0"/>
+              <a:t> </a:t>
+            </a:r>
+            <a:r>
+              <a:rPr lang="en-US" dirty="0" err="1"/>
+              <a:t>và</a:t>
+            </a:r>
+            <a:r>
+              <a:rPr lang="en-US" dirty="0"/>
+              <a:t> </a:t>
+            </a:r>
+            <a:r>
+              <a:rPr lang="en-US" dirty="0" err="1"/>
+              <a:t>chứng</a:t>
+            </a:r>
+            <a:r>
+              <a:rPr lang="en-US" dirty="0"/>
+              <a:t> </a:t>
+            </a:r>
+            <a:r>
+              <a:rPr lang="en-US" dirty="0" err="1"/>
+              <a:t>thực</a:t>
+            </a:r>
+            <a:endParaRPr lang="en-US" dirty="0"/>
+          </a:p>
+          <a:p>
+            <a:pPr lvl="1"/>
+            <a:endParaRPr lang="en-US" dirty="0"/>
+          </a:p>
+        </p:txBody>
+      </p:sp>
+      <p:sp>
+        <p:nvSpPr>
+          <p:cNvPr id="4" name="Slide Number Placeholder 3"/>
+          <p:cNvSpPr>
+            <a:spLocks noGrp="1"/>
+          </p:cNvSpPr>
+          <p:nvPr>
+            <p:ph type="sldNum" sz="quarter" idx="12"/>
+          </p:nvPr>
+        </p:nvSpPr>
+        <p:spPr/>
+        <p:txBody>
+          <a:bodyPr/>
+          <a:lstStyle/>
+          <a:p>
+            <a:fld id="{B6F15528-21DE-4FAA-801E-634DDDAF4B2B}" type="slidenum">
+              <a:rPr lang="en-US" smtClean="0"/>
+              <a:pPr/>
+              <a:t>7</a:t>
+            </a:fld>
+            <a:endParaRPr lang="en-US"/>
+          </a:p>
+        </p:txBody>
+      </p:sp>
+    </p:spTree>
+    <p:extLst>
+      <p:ext uri="{BB962C8B-B14F-4D97-AF65-F5344CB8AC3E}">
+        <p14:creationId xmlns="" xmlns:p14="http://schemas.microsoft.com/office/powerpoint/2010/main" val="2576316791"/>
+      </p:ext>
+    </p:extLst>
+  </p:cSld>
+  <p:clrMapOvr>
+    <a:masterClrMapping/>
+  </p:clrMapOvr>
+  <p:timing>
+    <p:tnLst>
+      <p:par>
+        <p:cTn id="1" dur="indefinite" restart="never" nodeType="tmRoot"/>
+      </p:par>
+    </p:tnLst>
+  </p:timing>
+</p:sld>
+</file>
+
+<file path=ppt/slides/slide8.xml><?xml version="1.0" encoding="utf-8"?>
+<p:sld xmlns:a="http://schemas.openxmlformats.org/drawingml/2006/main" xmlns:r="http://schemas.openxmlformats.org/officeDocument/2006/relationships" xmlns:p="http://schemas.openxmlformats.org/presentationml/2006/main">
+  <p:cSld>
+    <p:spTree>
+      <p:nvGrpSpPr>
+        <p:cNvPr id="1" name=""/>
+        <p:cNvGrpSpPr/>
+        <p:nvPr/>
+      </p:nvGrpSpPr>
+      <p:grpSpPr>
+        <a:xfrm>
+          <a:off x="0" y="0"/>
+          <a:ext cx="0" cy="0"/>
+          <a:chOff x="0" y="0"/>
+          <a:chExt cx="0" cy="0"/>
+        </a:xfrm>
+      </p:grpSpPr>
+      <p:sp>
+        <p:nvSpPr>
+          <p:cNvPr id="2" name="Title 1"/>
+          <p:cNvSpPr>
+            <a:spLocks noGrp="1"/>
+          </p:cNvSpPr>
+          <p:nvPr>
+            <p:ph type="title"/>
+          </p:nvPr>
+        </p:nvSpPr>
+        <p:spPr/>
+        <p:txBody>
+          <a:bodyPr/>
+          <a:lstStyle/>
+          <a:p>
+            <a:r>
+              <a:rPr lang="en-US" dirty="0" err="1" smtClean="0"/>
+              <a:t>Giới</a:t>
+            </a:r>
+            <a:r>
+              <a:rPr lang="en-US" dirty="0" smtClean="0"/>
+              <a:t> </a:t>
+            </a:r>
+            <a:r>
+              <a:rPr lang="en-US" dirty="0" err="1" smtClean="0"/>
+              <a:t>thiệu</a:t>
+            </a:r>
+            <a:endParaRPr lang="en-US" dirty="0"/>
+          </a:p>
+        </p:txBody>
+      </p:sp>
+      <p:sp>
+        <p:nvSpPr>
+          <p:cNvPr id="3" name="Content Placeholder 2"/>
+          <p:cNvSpPr>
+            <a:spLocks noGrp="1"/>
+          </p:cNvSpPr>
+          <p:nvPr>
+            <p:ph idx="1"/>
+          </p:nvPr>
+        </p:nvSpPr>
+        <p:spPr/>
+        <p:txBody>
+          <a:bodyPr/>
+          <a:lstStyle/>
+          <a:p>
+            <a:pPr lvl="0"/>
+            <a:r>
+              <a:rPr lang="en-US" sz="2800" dirty="0" err="1" smtClean="0"/>
+              <a:t>Khó</a:t>
+            </a:r>
+            <a:r>
+              <a:rPr lang="en-US" sz="2800" dirty="0" smtClean="0"/>
+              <a:t> </a:t>
+            </a:r>
+            <a:r>
+              <a:rPr lang="en-US" sz="2800" dirty="0" err="1" smtClean="0"/>
+              <a:t>khăn</a:t>
+            </a:r>
+            <a:r>
+              <a:rPr lang="en-US" sz="2800" dirty="0" smtClean="0"/>
+              <a:t>:</a:t>
+            </a:r>
+          </a:p>
+          <a:p>
+            <a:pPr lvl="1">
+              <a:lnSpc>
+                <a:spcPct val="150000"/>
+              </a:lnSpc>
+            </a:pPr>
+            <a:r>
+              <a:rPr lang="vi-VN" dirty="0" smtClean="0"/>
+              <a:t>Người </a:t>
+            </a:r>
+            <a:r>
+              <a:rPr lang="vi-VN" dirty="0"/>
+              <a:t>dùng chưa được huấn luyện tốt</a:t>
+            </a:r>
+            <a:endParaRPr lang="en-US" dirty="0"/>
+          </a:p>
+          <a:p>
+            <a:pPr lvl="1">
+              <a:lnSpc>
+                <a:spcPct val="150000"/>
+              </a:lnSpc>
+            </a:pPr>
+            <a:r>
+              <a:rPr lang="vi-VN" dirty="0"/>
+              <a:t>Vị trí đặt máy đọc không thích hợp</a:t>
+            </a:r>
+            <a:endParaRPr lang="en-US" dirty="0"/>
+          </a:p>
+          <a:p>
+            <a:pPr lvl="1">
+              <a:lnSpc>
+                <a:spcPct val="150000"/>
+              </a:lnSpc>
+            </a:pPr>
+            <a:r>
+              <a:rPr lang="vi-VN" dirty="0"/>
+              <a:t>Ánh sáng trực tiếp hoặc quá sáng</a:t>
+            </a:r>
+            <a:endParaRPr lang="en-US" dirty="0"/>
+          </a:p>
+          <a:p>
+            <a:pPr lvl="1">
+              <a:lnSpc>
+                <a:spcPct val="150000"/>
+              </a:lnSpc>
+            </a:pPr>
+            <a:r>
+              <a:rPr lang="vi-VN" dirty="0"/>
+              <a:t>Người dùng có đeo nhẫn có hạt đá</a:t>
+            </a:r>
+            <a:endParaRPr lang="en-US" dirty="0"/>
+          </a:p>
+          <a:p>
+            <a:pPr lvl="1">
+              <a:lnSpc>
+                <a:spcPct val="150000"/>
+              </a:lnSpc>
+            </a:pPr>
+            <a:r>
+              <a:rPr lang="vi-VN" dirty="0"/>
+              <a:t>Các băng bó, biến dạng của bàn tay (như bị mất ngón tay, …)</a:t>
+            </a:r>
+            <a:endParaRPr lang="en-US" dirty="0"/>
+          </a:p>
+          <a:p>
+            <a:pPr lvl="1"/>
+            <a:endParaRPr lang="en-US" dirty="0"/>
+          </a:p>
+        </p:txBody>
+      </p:sp>
+      <p:sp>
+        <p:nvSpPr>
+          <p:cNvPr id="4" name="Slide Number Placeholder 3"/>
+          <p:cNvSpPr>
+            <a:spLocks noGrp="1"/>
+          </p:cNvSpPr>
+          <p:nvPr>
+            <p:ph type="sldNum" sz="quarter" idx="12"/>
+          </p:nvPr>
+        </p:nvSpPr>
+        <p:spPr/>
+        <p:txBody>
+          <a:bodyPr/>
+          <a:lstStyle/>
+          <a:p>
+            <a:fld id="{B6F15528-21DE-4FAA-801E-634DDDAF4B2B}" type="slidenum">
+              <a:rPr lang="en-US" smtClean="0"/>
+              <a:pPr/>
+              <a:t>8</a:t>
+            </a:fld>
+            <a:endParaRPr lang="en-US"/>
+          </a:p>
+        </p:txBody>
+      </p:sp>
+    </p:spTree>
+    <p:extLst>
+      <p:ext uri="{BB962C8B-B14F-4D97-AF65-F5344CB8AC3E}">
+        <p14:creationId xmlns="" xmlns:p14="http://schemas.microsoft.com/office/powerpoint/2010/main" val="4197966627"/>
+      </p:ext>
+    </p:extLst>
+  </p:cSld>
+  <p:clrMapOvr>
+    <a:masterClrMapping/>
+  </p:clrMapOvr>
+  <p:timing>
+    <p:tnLst>
+      <p:par>
+        <p:cTn id="1" dur="indefinite" restart="never" nodeType="tmRoot"/>
+      </p:par>
+    </p:tnLst>
+  </p:timing>
+</p:sld>
+</file>
+
+<file path=ppt/slides/slide9.xml><?xml version="1.0" encoding="utf-8"?>
+<p:sld xmlns:a="http://schemas.openxmlformats.org/drawingml/2006/main" xmlns:r="http://schemas.openxmlformats.org/officeDocument/2006/relationships" xmlns:p="http://schemas.openxmlformats.org/presentationml/2006/main">
+  <p:cSld>
+    <p:spTree>
+      <p:nvGrpSpPr>
+        <p:cNvPr id="1" name=""/>
+        <p:cNvGrpSpPr/>
+        <p:nvPr/>
+      </p:nvGrpSpPr>
+      <p:grpSpPr>
+        <a:xfrm>
+          <a:off x="0" y="0"/>
+          <a:ext cx="0" cy="0"/>
+          <a:chOff x="0" y="0"/>
+          <a:chExt cx="0" cy="0"/>
+        </a:xfrm>
+      </p:grpSpPr>
+      <p:sp>
+        <p:nvSpPr>
+          <p:cNvPr id="2" name="Title 1"/>
+          <p:cNvSpPr>
+            <a:spLocks noGrp="1"/>
+          </p:cNvSpPr>
+          <p:nvPr>
+            <p:ph type="title"/>
+          </p:nvPr>
+        </p:nvSpPr>
+        <p:spPr/>
+        <p:txBody>
+          <a:bodyPr/>
+          <a:lstStyle/>
+          <a:p>
+            <a:r>
+              <a:rPr lang="en-US" dirty="0" err="1" smtClean="0"/>
+              <a:t>Lược</a:t>
+            </a:r>
+            <a:r>
+              <a:rPr lang="en-US" dirty="0" smtClean="0"/>
+              <a:t> </a:t>
+            </a:r>
+            <a:r>
+              <a:rPr lang="en-US" dirty="0" err="1" smtClean="0"/>
+              <a:t>sử</a:t>
+            </a:r>
+            <a:r>
+              <a:rPr lang="en-US" dirty="0" smtClean="0"/>
+              <a:t> </a:t>
+            </a:r>
+            <a:endParaRPr lang="en-US" dirty="0"/>
+          </a:p>
+        </p:txBody>
+      </p:sp>
+      <p:sp>
+        <p:nvSpPr>
+          <p:cNvPr id="3" name="Content Placeholder 2"/>
+          <p:cNvSpPr>
+            <a:spLocks noGrp="1"/>
+          </p:cNvSpPr>
+          <p:nvPr>
+            <p:ph idx="1"/>
+          </p:nvPr>
+        </p:nvSpPr>
+        <p:spPr/>
+        <p:txBody>
+          <a:bodyPr/>
+          <a:lstStyle/>
+          <a:p>
+            <a:r>
+              <a:rPr lang="en-US" dirty="0" smtClean="0"/>
+              <a:t>1960: Robert Miller: </a:t>
+            </a:r>
+            <a:r>
+              <a:rPr lang="en-US" dirty="0" err="1" smtClean="0"/>
+              <a:t>Kích</a:t>
+            </a:r>
+            <a:r>
+              <a:rPr lang="en-US" dirty="0" smtClean="0"/>
+              <a:t> </a:t>
+            </a:r>
+            <a:r>
+              <a:rPr lang="en-US" dirty="0" err="1" smtClean="0"/>
+              <a:t>cỡ</a:t>
+            </a:r>
+            <a:r>
+              <a:rPr lang="en-US" dirty="0" smtClean="0"/>
+              <a:t> </a:t>
+            </a:r>
+            <a:r>
+              <a:rPr lang="en-US" dirty="0" err="1" smtClean="0"/>
+              <a:t>của</a:t>
+            </a:r>
+            <a:r>
+              <a:rPr lang="en-US" dirty="0" smtClean="0"/>
+              <a:t> </a:t>
+            </a:r>
+            <a:r>
+              <a:rPr lang="en-US" dirty="0" err="1" smtClean="0"/>
+              <a:t>bàn</a:t>
+            </a:r>
+            <a:r>
+              <a:rPr lang="en-US" dirty="0" smtClean="0"/>
+              <a:t> </a:t>
+            </a:r>
+            <a:r>
+              <a:rPr lang="en-US" dirty="0" err="1" smtClean="0"/>
+              <a:t>tay</a:t>
+            </a:r>
+            <a:r>
+              <a:rPr lang="en-US" dirty="0" smtClean="0"/>
+              <a:t> </a:t>
+            </a:r>
+            <a:r>
+              <a:rPr lang="en-US" dirty="0" err="1" smtClean="0"/>
+              <a:t>rất</a:t>
+            </a:r>
+            <a:r>
+              <a:rPr lang="en-US" dirty="0" smtClean="0"/>
+              <a:t> </a:t>
+            </a:r>
+            <a:r>
+              <a:rPr lang="en-US" dirty="0" err="1" smtClean="0"/>
+              <a:t>đa</a:t>
+            </a:r>
+            <a:r>
+              <a:rPr lang="en-US" dirty="0" smtClean="0"/>
+              <a:t> </a:t>
+            </a:r>
+            <a:r>
+              <a:rPr lang="en-US" dirty="0" err="1" smtClean="0"/>
+              <a:t>dạng</a:t>
+            </a:r>
+            <a:endParaRPr lang="en-US" dirty="0" smtClean="0"/>
+          </a:p>
+          <a:p>
+            <a:endParaRPr lang="en-US" dirty="0"/>
+          </a:p>
+        </p:txBody>
+      </p:sp>
+      <p:pic>
+        <p:nvPicPr>
+          <p:cNvPr id="3074" name="Picture 2"/>
+          <p:cNvPicPr>
+            <a:picLocks noChangeAspect="1" noChangeArrowheads="1"/>
+          </p:cNvPicPr>
+          <p:nvPr/>
+        </p:nvPicPr>
+        <p:blipFill>
+          <a:blip r:embed="rId2" cstate="print">
+            <a:extLst>
+              <a:ext uri="{28A0092B-C50C-407E-A947-70E740481C1C}">
+                <a14:useLocalDpi xmlns="" xmlns:a14="http://schemas.microsoft.com/office/drawing/2010/main" val="0"/>
+              </a:ext>
+            </a:extLst>
+          </a:blip>
+          <a:srcRect/>
+          <a:stretch>
+            <a:fillRect/>
+          </a:stretch>
+        </p:blipFill>
+        <p:spPr bwMode="auto">
+          <a:xfrm>
+            <a:off x="2362200" y="2578100"/>
+            <a:ext cx="4349750" cy="2527300"/>
+          </a:xfrm>
+          <a:prstGeom prst="rect">
+            <a:avLst/>
+          </a:prstGeom>
+          <a:noFill/>
+          <a:ln>
+            <a:noFill/>
+          </a:ln>
+          <a:effectLst/>
+          <a:extLst>
+            <a:ext uri="{909E8E84-426E-40DD-AFC4-6F175D3DCCD1}">
+              <a14:hiddenFill xmlns="" xmlns:a14="http://schemas.microsoft.com/office/drawing/2010/main">
+                <a:solidFill>
+                  <a:schemeClr val="accent1"/>
+                </a:solidFill>
+              </a14:hiddenFill>
+            </a:ext>
+            <a:ext uri="{91240B29-F687-4F45-9708-019B960494DF}">
+              <a14:hiddenLine xmlns="" xmlns:a14="http://schemas.microsoft.com/office/drawing/2010/main" w="9525">
+                <a:solidFill>
+                  <a:schemeClr val="tx1"/>
+                </a:solidFill>
+                <a:miter lim="800000"/>
+                <a:headEnd/>
+                <a:tailEnd/>
+              </a14:hiddenLine>
+            </a:ext>
+            <a:ext uri="{AF507438-7753-43E0-B8FC-AC1667EBCBE1}">
+              <a14:hiddenEffects xmlns="" xmlns:a14="http://schemas.microsoft.com/office/drawing/2010/main">
+                <a:effectLst>
+                  <a:outerShdw dist="35921" dir="2700000" algn="ctr" rotWithShape="0">
+                    <a:schemeClr val="bg2"/>
+                  </a:outerShdw>
+                </a:effectLst>
+              </a14:hiddenEffects>
+            </a:ext>
+          </a:extLst>
+        </p:spPr>
+      </p:pic>
+      <p:sp>
+        <p:nvSpPr>
+          <p:cNvPr id="4" name="TextBox 3"/>
+          <p:cNvSpPr txBox="1"/>
+          <p:nvPr/>
+        </p:nvSpPr>
+        <p:spPr>
+          <a:xfrm>
+            <a:off x="2255168" y="5117977"/>
+            <a:ext cx="4563813" cy="369332"/>
+          </a:xfrm>
+          <a:prstGeom prst="rect">
+            <a:avLst/>
+          </a:prstGeom>
+          <a:noFill/>
+        </p:spPr>
+        <p:txBody>
+          <a:bodyPr wrap="none" rtlCol="0">
+            <a:spAutoFit/>
+          </a:bodyPr>
+          <a:lstStyle/>
+          <a:p>
+            <a:r>
+              <a:rPr lang="en-US" dirty="0" err="1" smtClean="0"/>
+              <a:t>Mô</a:t>
+            </a:r>
+            <a:r>
+              <a:rPr lang="en-US" dirty="0" smtClean="0"/>
+              <a:t> </a:t>
+            </a:r>
+            <a:r>
+              <a:rPr lang="en-US" dirty="0" err="1" smtClean="0"/>
+              <a:t>hình</a:t>
+            </a:r>
+            <a:r>
+              <a:rPr lang="en-US" dirty="0" smtClean="0"/>
+              <a:t> </a:t>
+            </a:r>
+            <a:r>
+              <a:rPr lang="en-US" dirty="0" err="1" smtClean="0"/>
+              <a:t>thiết</a:t>
+            </a:r>
+            <a:r>
+              <a:rPr lang="en-US" dirty="0" smtClean="0"/>
+              <a:t> </a:t>
+            </a:r>
+            <a:r>
+              <a:rPr lang="en-US" dirty="0" err="1" smtClean="0"/>
+              <a:t>bị</a:t>
+            </a:r>
+            <a:r>
+              <a:rPr lang="en-US" dirty="0" smtClean="0"/>
+              <a:t> </a:t>
+            </a:r>
+            <a:r>
+              <a:rPr lang="en-US" dirty="0" err="1" smtClean="0"/>
+              <a:t>nhận</a:t>
+            </a:r>
+            <a:r>
+              <a:rPr lang="en-US" dirty="0" smtClean="0"/>
+              <a:t> </a:t>
+            </a:r>
+            <a:r>
+              <a:rPr lang="en-US" dirty="0" err="1" smtClean="0"/>
+              <a:t>dạng</a:t>
+            </a:r>
+            <a:r>
+              <a:rPr lang="en-US" dirty="0" smtClean="0"/>
+              <a:t> </a:t>
+            </a:r>
+            <a:r>
+              <a:rPr lang="en-US" dirty="0" err="1" smtClean="0"/>
+              <a:t>bàn</a:t>
+            </a:r>
+            <a:r>
+              <a:rPr lang="en-US" dirty="0" smtClean="0"/>
+              <a:t> </a:t>
+            </a:r>
+            <a:r>
+              <a:rPr lang="en-US" dirty="0" err="1" smtClean="0"/>
+              <a:t>tay</a:t>
+            </a:r>
+            <a:r>
+              <a:rPr lang="en-US" dirty="0" smtClean="0"/>
+              <a:t> </a:t>
+            </a:r>
+            <a:r>
+              <a:rPr lang="en-US" dirty="0" err="1" smtClean="0"/>
+              <a:t>đầu</a:t>
+            </a:r>
+            <a:r>
+              <a:rPr lang="en-US" dirty="0" smtClean="0"/>
+              <a:t> </a:t>
+            </a:r>
+            <a:r>
+              <a:rPr lang="en-US" dirty="0" err="1" smtClean="0"/>
+              <a:t>tiên</a:t>
+            </a:r>
+            <a:endParaRPr lang="en-US" dirty="0"/>
+          </a:p>
+        </p:txBody>
+      </p:sp>
+      <p:pic>
+        <p:nvPicPr>
+          <p:cNvPr id="3075" name="Picture 3"/>
+          <p:cNvPicPr>
+            <a:picLocks noChangeAspect="1" noChangeArrowheads="1"/>
+          </p:cNvPicPr>
+          <p:nvPr/>
+        </p:nvPicPr>
+        <p:blipFill>
+          <a:blip r:embed="rId3" cstate="print">
+            <a:extLst>
+              <a:ext uri="{28A0092B-C50C-407E-A947-70E740481C1C}">
+                <a14:useLocalDpi xmlns="" xmlns:a14="http://schemas.microsoft.com/office/drawing/2010/main" val="0"/>
+              </a:ext>
+            </a:extLst>
+          </a:blip>
+          <a:srcRect/>
+          <a:stretch>
+            <a:fillRect/>
+          </a:stretch>
+        </p:blipFill>
+        <p:spPr bwMode="auto">
+          <a:xfrm>
+            <a:off x="2819400" y="2438400"/>
+            <a:ext cx="3149600" cy="3327400"/>
+          </a:xfrm>
+          <a:prstGeom prst="rect">
+            <a:avLst/>
+          </a:prstGeom>
+          <a:noFill/>
+          <a:ln>
+            <a:noFill/>
+          </a:ln>
+          <a:effectLst/>
+          <a:extLst>
+            <a:ext uri="{909E8E84-426E-40DD-AFC4-6F175D3DCCD1}">
+              <a14:hiddenFill xmlns="" xmlns:a14="http://schemas.microsoft.com/office/drawing/2010/main">
+                <a:solidFill>
+                  <a:schemeClr val="accent1"/>
+                </a:solidFill>
+              </a14:hiddenFill>
+            </a:ext>
+            <a:ext uri="{91240B29-F687-4F45-9708-019B960494DF}">
+              <a14:hiddenLine xmlns="" xmlns:a14="http://schemas.microsoft.com/office/drawing/2010/main" w="9525">
+                <a:solidFill>
+                  <a:schemeClr val="tx1"/>
+                </a:solidFill>
+                <a:miter lim="800000"/>
+                <a:headEnd/>
+                <a:tailEnd/>
+              </a14:hiddenLine>
+            </a:ext>
+            <a:ext uri="{AF507438-7753-43E0-B8FC-AC1667EBCBE1}">
+              <a14:hiddenEffects xmlns="" xmlns:a14="http://schemas.microsoft.com/office/drawing/2010/main">
+                <a:effectLst>
+                  <a:outerShdw dist="35921" dir="2700000" algn="ctr" rotWithShape="0">
+                    <a:schemeClr val="bg2"/>
+                  </a:outerShdw>
+                </a:effectLst>
+              </a14:hiddenEffects>
+            </a:ext>
+          </a:extLst>
+        </p:spPr>
+      </p:pic>
+      <p:sp>
+        <p:nvSpPr>
+          <p:cNvPr id="5" name="TextBox 4"/>
+          <p:cNvSpPr txBox="1"/>
+          <p:nvPr/>
+        </p:nvSpPr>
+        <p:spPr>
+          <a:xfrm>
+            <a:off x="1748652" y="5943600"/>
+            <a:ext cx="4978094" cy="369332"/>
+          </a:xfrm>
+          <a:prstGeom prst="rect">
+            <a:avLst/>
+          </a:prstGeom>
+          <a:noFill/>
+        </p:spPr>
+        <p:txBody>
+          <a:bodyPr wrap="none" rtlCol="0">
+            <a:spAutoFit/>
+          </a:bodyPr>
+          <a:lstStyle/>
+          <a:p>
+            <a:r>
+              <a:rPr lang="en-US" dirty="0" err="1" smtClean="0"/>
+              <a:t>Thiết</a:t>
+            </a:r>
+            <a:r>
+              <a:rPr lang="en-US" dirty="0" smtClean="0"/>
+              <a:t> </a:t>
+            </a:r>
+            <a:r>
+              <a:rPr lang="en-US" dirty="0" err="1" smtClean="0"/>
+              <a:t>bị</a:t>
+            </a:r>
+            <a:r>
+              <a:rPr lang="en-US" dirty="0" smtClean="0"/>
+              <a:t> </a:t>
+            </a:r>
+            <a:r>
+              <a:rPr lang="en-US" dirty="0" err="1" smtClean="0"/>
+              <a:t>nhận</a:t>
+            </a:r>
+            <a:r>
+              <a:rPr lang="en-US" dirty="0" smtClean="0"/>
+              <a:t> </a:t>
+            </a:r>
+            <a:r>
+              <a:rPr lang="en-US" dirty="0" err="1" smtClean="0"/>
+              <a:t>dạng</a:t>
+            </a:r>
+            <a:r>
+              <a:rPr lang="en-US" dirty="0" smtClean="0"/>
+              <a:t> </a:t>
+            </a:r>
+            <a:r>
+              <a:rPr lang="en-US" dirty="0" err="1" smtClean="0"/>
+              <a:t>bàn</a:t>
+            </a:r>
+            <a:r>
+              <a:rPr lang="en-US" dirty="0" smtClean="0"/>
+              <a:t> </a:t>
+            </a:r>
+            <a:r>
+              <a:rPr lang="en-US" dirty="0" err="1" smtClean="0"/>
+              <a:t>tay</a:t>
+            </a:r>
+            <a:r>
+              <a:rPr lang="en-US" dirty="0" smtClean="0"/>
+              <a:t> </a:t>
+            </a:r>
+            <a:r>
+              <a:rPr lang="en-US" dirty="0" err="1" smtClean="0"/>
+              <a:t>thương</a:t>
+            </a:r>
+            <a:r>
+              <a:rPr lang="en-US" dirty="0" smtClean="0"/>
+              <a:t> </a:t>
+            </a:r>
+            <a:r>
+              <a:rPr lang="en-US" dirty="0" err="1" smtClean="0"/>
+              <a:t>mại</a:t>
+            </a:r>
+            <a:r>
+              <a:rPr lang="en-US" dirty="0" smtClean="0"/>
+              <a:t> </a:t>
+            </a:r>
+            <a:r>
+              <a:rPr lang="en-US" dirty="0" err="1" smtClean="0"/>
+              <a:t>đầu</a:t>
+            </a:r>
+            <a:r>
+              <a:rPr lang="en-US" dirty="0" smtClean="0"/>
+              <a:t> </a:t>
+            </a:r>
+            <a:r>
+              <a:rPr lang="en-US" dirty="0" err="1" smtClean="0"/>
+              <a:t>tiên</a:t>
+            </a:r>
+            <a:endParaRPr lang="en-US" dirty="0"/>
+          </a:p>
+        </p:txBody>
+      </p:sp>
+      <p:sp>
+        <p:nvSpPr>
+          <p:cNvPr id="8" name="Slide Number Placeholder 7"/>
+          <p:cNvSpPr>
+            <a:spLocks noGrp="1"/>
+          </p:cNvSpPr>
+          <p:nvPr>
+            <p:ph type="sldNum" sz="quarter" idx="12"/>
+          </p:nvPr>
+        </p:nvSpPr>
+        <p:spPr/>
+        <p:txBody>
+          <a:bodyPr/>
+          <a:lstStyle/>
+          <a:p>
+            <a:fld id="{B6F15528-21DE-4FAA-801E-634DDDAF4B2B}" type="slidenum">
+              <a:rPr lang="en-US" smtClean="0"/>
+              <a:pPr/>
+              <a:t>9</a:t>
+            </a:fld>
             <a:endParaRPr lang="en-US"/>
           </a:p>
         </p:txBody>
@@ -4760,6 +12737,514 @@
   <p:clrMapOvr>
     <a:masterClrMapping/>
   </p:clrMapOvr>
+  <p:timing>
+    <p:tnLst>
+      <p:par>
+        <p:cTn id="1" dur="indefinite" restart="never" nodeType="tmRoot">
+          <p:childTnLst>
+            <p:seq concurrent="1" nextAc="seek">
+              <p:cTn id="2" dur="indefinite" nodeType="mainSeq">
+                <p:childTnLst>
+                  <p:par>
+                    <p:cTn id="3" fill="hold">
+                      <p:stCondLst>
+                        <p:cond delay="indefinite"/>
+                      </p:stCondLst>
+                      <p:childTnLst>
+                        <p:par>
+                          <p:cTn id="4" fill="hold">
+                            <p:stCondLst>
+                              <p:cond delay="0"/>
+                            </p:stCondLst>
+                            <p:childTnLst>
+                              <p:par>
+                                <p:cTn id="5" presetID="1" presetClass="entr" presetSubtype="0" fill="hold" nodeType="clickEffect">
+                                  <p:stCondLst>
+                                    <p:cond delay="0"/>
+                                  </p:stCondLst>
+                                  <p:childTnLst>
+                                    <p:set>
+                                      <p:cBhvr>
+                                        <p:cTn id="6" dur="1" fill="hold">
+                                          <p:stCondLst>
+                                            <p:cond delay="0"/>
+                                          </p:stCondLst>
+                                        </p:cTn>
+                                        <p:tgtEl>
+                                          <p:spTgt spid="3">
+                                            <p:txEl>
+                                              <p:pRg st="0" end="0"/>
+                                            </p:txEl>
+                                          </p:spTgt>
+                                        </p:tgtEl>
+                                        <p:attrNameLst>
+                                          <p:attrName>style.visibility</p:attrName>
+                                        </p:attrNameLst>
+                                      </p:cBhvr>
+                                      <p:to>
+                                        <p:strVal val="visible"/>
+                                      </p:to>
+                                    </p:set>
+                                  </p:childTnLst>
+                                </p:cTn>
+                              </p:par>
+                            </p:childTnLst>
+                          </p:cTn>
+                        </p:par>
+                      </p:childTnLst>
+                    </p:cTn>
+                  </p:par>
+                  <p:par>
+                    <p:cTn id="7" fill="hold">
+                      <p:stCondLst>
+                        <p:cond delay="indefinite"/>
+                      </p:stCondLst>
+                      <p:childTnLst>
+                        <p:par>
+                          <p:cTn id="8" fill="hold">
+                            <p:stCondLst>
+                              <p:cond delay="0"/>
+                            </p:stCondLst>
+                            <p:childTnLst>
+                              <p:par>
+                                <p:cTn id="9" presetID="1" presetClass="entr" presetSubtype="0" fill="hold" nodeType="clickEffect">
+                                  <p:stCondLst>
+                                    <p:cond delay="0"/>
+                                  </p:stCondLst>
+                                  <p:childTnLst>
+                                    <p:set>
+                                      <p:cBhvr>
+                                        <p:cTn id="10" dur="1" fill="hold">
+                                          <p:stCondLst>
+                                            <p:cond delay="0"/>
+                                          </p:stCondLst>
+                                        </p:cTn>
+                                        <p:tgtEl>
+                                          <p:spTgt spid="3074"/>
+                                        </p:tgtEl>
+                                        <p:attrNameLst>
+                                          <p:attrName>style.visibility</p:attrName>
+                                        </p:attrNameLst>
+                                      </p:cBhvr>
+                                      <p:to>
+                                        <p:strVal val="visible"/>
+                                      </p:to>
+                                    </p:set>
+                                  </p:childTnLst>
+                                </p:cTn>
+                              </p:par>
+                              <p:par>
+                                <p:cTn id="11" presetID="10" presetClass="entr" presetSubtype="0" fill="hold" grpId="1" nodeType="withEffect">
+                                  <p:stCondLst>
+                                    <p:cond delay="0"/>
+                                  </p:stCondLst>
+                                  <p:childTnLst>
+                                    <p:set>
+                                      <p:cBhvr>
+                                        <p:cTn id="12" dur="1" fill="hold">
+                                          <p:stCondLst>
+                                            <p:cond delay="0"/>
+                                          </p:stCondLst>
+                                        </p:cTn>
+                                        <p:tgtEl>
+                                          <p:spTgt spid="4"/>
+                                        </p:tgtEl>
+                                        <p:attrNameLst>
+                                          <p:attrName>style.visibility</p:attrName>
+                                        </p:attrNameLst>
+                                      </p:cBhvr>
+                                      <p:to>
+                                        <p:strVal val="visible"/>
+                                      </p:to>
+                                    </p:set>
+                                    <p:animEffect transition="in" filter="fade">
+                                      <p:cBhvr>
+                                        <p:cTn id="13" dur="500"/>
+                                        <p:tgtEl>
+                                          <p:spTgt spid="4"/>
+                                        </p:tgtEl>
+                                      </p:cBhvr>
+                                    </p:animEffect>
+                                  </p:childTnLst>
+                                </p:cTn>
+                              </p:par>
+                            </p:childTnLst>
+                          </p:cTn>
+                        </p:par>
+                      </p:childTnLst>
+                    </p:cTn>
+                  </p:par>
+                  <p:par>
+                    <p:cTn id="14" fill="hold">
+                      <p:stCondLst>
+                        <p:cond delay="indefinite"/>
+                      </p:stCondLst>
+                      <p:childTnLst>
+                        <p:par>
+                          <p:cTn id="15" fill="hold">
+                            <p:stCondLst>
+                              <p:cond delay="0"/>
+                            </p:stCondLst>
+                            <p:childTnLst>
+                              <p:par>
+                                <p:cTn id="16" presetID="2" presetClass="exit" presetSubtype="4" fill="hold" nodeType="clickEffect">
+                                  <p:stCondLst>
+                                    <p:cond delay="0"/>
+                                  </p:stCondLst>
+                                  <p:childTnLst>
+                                    <p:anim calcmode="lin" valueType="num">
+                                      <p:cBhvr additive="base">
+                                        <p:cTn id="17" dur="500"/>
+                                        <p:tgtEl>
+                                          <p:spTgt spid="3074"/>
+                                        </p:tgtEl>
+                                        <p:attrNameLst>
+                                          <p:attrName>ppt_x</p:attrName>
+                                        </p:attrNameLst>
+                                      </p:cBhvr>
+                                      <p:tavLst>
+                                        <p:tav tm="0">
+                                          <p:val>
+                                            <p:strVal val="ppt_x"/>
+                                          </p:val>
+                                        </p:tav>
+                                        <p:tav tm="100000">
+                                          <p:val>
+                                            <p:strVal val="ppt_x"/>
+                                          </p:val>
+                                        </p:tav>
+                                      </p:tavLst>
+                                    </p:anim>
+                                    <p:anim calcmode="lin" valueType="num">
+                                      <p:cBhvr additive="base">
+                                        <p:cTn id="18" dur="500"/>
+                                        <p:tgtEl>
+                                          <p:spTgt spid="3074"/>
+                                        </p:tgtEl>
+                                        <p:attrNameLst>
+                                          <p:attrName>ppt_y</p:attrName>
+                                        </p:attrNameLst>
+                                      </p:cBhvr>
+                                      <p:tavLst>
+                                        <p:tav tm="0">
+                                          <p:val>
+                                            <p:strVal val="ppt_y"/>
+                                          </p:val>
+                                        </p:tav>
+                                        <p:tav tm="100000">
+                                          <p:val>
+                                            <p:strVal val="1+ppt_h/2"/>
+                                          </p:val>
+                                        </p:tav>
+                                      </p:tavLst>
+                                    </p:anim>
+                                    <p:set>
+                                      <p:cBhvr>
+                                        <p:cTn id="19" dur="1" fill="hold">
+                                          <p:stCondLst>
+                                            <p:cond delay="499"/>
+                                          </p:stCondLst>
+                                        </p:cTn>
+                                        <p:tgtEl>
+                                          <p:spTgt spid="3074"/>
+                                        </p:tgtEl>
+                                        <p:attrNameLst>
+                                          <p:attrName>style.visibility</p:attrName>
+                                        </p:attrNameLst>
+                                      </p:cBhvr>
+                                      <p:to>
+                                        <p:strVal val="hidden"/>
+                                      </p:to>
+                                    </p:set>
+                                  </p:childTnLst>
+                                </p:cTn>
+                              </p:par>
+                              <p:par>
+                                <p:cTn id="20" presetID="2" presetClass="exit" presetSubtype="4" fill="hold" grpId="0" nodeType="withEffect">
+                                  <p:stCondLst>
+                                    <p:cond delay="0"/>
+                                  </p:stCondLst>
+                                  <p:childTnLst>
+                                    <p:anim calcmode="lin" valueType="num">
+                                      <p:cBhvr additive="base">
+                                        <p:cTn id="21" dur="500"/>
+                                        <p:tgtEl>
+                                          <p:spTgt spid="4"/>
+                                        </p:tgtEl>
+                                        <p:attrNameLst>
+                                          <p:attrName>ppt_x</p:attrName>
+                                        </p:attrNameLst>
+                                      </p:cBhvr>
+                                      <p:tavLst>
+                                        <p:tav tm="0">
+                                          <p:val>
+                                            <p:strVal val="ppt_x"/>
+                                          </p:val>
+                                        </p:tav>
+                                        <p:tav tm="100000">
+                                          <p:val>
+                                            <p:strVal val="ppt_x"/>
+                                          </p:val>
+                                        </p:tav>
+                                      </p:tavLst>
+                                    </p:anim>
+                                    <p:anim calcmode="lin" valueType="num">
+                                      <p:cBhvr additive="base">
+                                        <p:cTn id="22" dur="500"/>
+                                        <p:tgtEl>
+                                          <p:spTgt spid="4"/>
+                                        </p:tgtEl>
+                                        <p:attrNameLst>
+                                          <p:attrName>ppt_y</p:attrName>
+                                        </p:attrNameLst>
+                                      </p:cBhvr>
+                                      <p:tavLst>
+                                        <p:tav tm="0">
+                                          <p:val>
+                                            <p:strVal val="ppt_y"/>
+                                          </p:val>
+                                        </p:tav>
+                                        <p:tav tm="100000">
+                                          <p:val>
+                                            <p:strVal val="1+ppt_h/2"/>
+                                          </p:val>
+                                        </p:tav>
+                                      </p:tavLst>
+                                    </p:anim>
+                                    <p:set>
+                                      <p:cBhvr>
+                                        <p:cTn id="23" dur="1" fill="hold">
+                                          <p:stCondLst>
+                                            <p:cond delay="499"/>
+                                          </p:stCondLst>
+                                        </p:cTn>
+                                        <p:tgtEl>
+                                          <p:spTgt spid="4"/>
+                                        </p:tgtEl>
+                                        <p:attrNameLst>
+                                          <p:attrName>style.visibility</p:attrName>
+                                        </p:attrNameLst>
+                                      </p:cBhvr>
+                                      <p:to>
+                                        <p:strVal val="hidden"/>
+                                      </p:to>
+                                    </p:set>
+                                  </p:childTnLst>
+                                </p:cTn>
+                              </p:par>
+                            </p:childTnLst>
+                          </p:cTn>
+                        </p:par>
+                      </p:childTnLst>
+                    </p:cTn>
+                  </p:par>
+                  <p:par>
+                    <p:cTn id="24" fill="hold">
+                      <p:stCondLst>
+                        <p:cond delay="indefinite"/>
+                      </p:stCondLst>
+                      <p:childTnLst>
+                        <p:par>
+                          <p:cTn id="25" fill="hold">
+                            <p:stCondLst>
+                              <p:cond delay="0"/>
+                            </p:stCondLst>
+                            <p:childTnLst>
+                              <p:par>
+                                <p:cTn id="26" presetID="42" presetClass="entr" presetSubtype="0" fill="hold" nodeType="clickEffect">
+                                  <p:stCondLst>
+                                    <p:cond delay="0"/>
+                                  </p:stCondLst>
+                                  <p:childTnLst>
+                                    <p:set>
+                                      <p:cBhvr>
+                                        <p:cTn id="27" dur="1" fill="hold">
+                                          <p:stCondLst>
+                                            <p:cond delay="0"/>
+                                          </p:stCondLst>
+                                        </p:cTn>
+                                        <p:tgtEl>
+                                          <p:spTgt spid="3075"/>
+                                        </p:tgtEl>
+                                        <p:attrNameLst>
+                                          <p:attrName>style.visibility</p:attrName>
+                                        </p:attrNameLst>
+                                      </p:cBhvr>
+                                      <p:to>
+                                        <p:strVal val="visible"/>
+                                      </p:to>
+                                    </p:set>
+                                    <p:animEffect transition="in" filter="fade">
+                                      <p:cBhvr>
+                                        <p:cTn id="28" dur="1000"/>
+                                        <p:tgtEl>
+                                          <p:spTgt spid="3075"/>
+                                        </p:tgtEl>
+                                      </p:cBhvr>
+                                    </p:animEffect>
+                                    <p:anim calcmode="lin" valueType="num">
+                                      <p:cBhvr>
+                                        <p:cTn id="29" dur="1000" fill="hold"/>
+                                        <p:tgtEl>
+                                          <p:spTgt spid="3075"/>
+                                        </p:tgtEl>
+                                        <p:attrNameLst>
+                                          <p:attrName>ppt_x</p:attrName>
+                                        </p:attrNameLst>
+                                      </p:cBhvr>
+                                      <p:tavLst>
+                                        <p:tav tm="0">
+                                          <p:val>
+                                            <p:strVal val="#ppt_x"/>
+                                          </p:val>
+                                        </p:tav>
+                                        <p:tav tm="100000">
+                                          <p:val>
+                                            <p:strVal val="#ppt_x"/>
+                                          </p:val>
+                                        </p:tav>
+                                      </p:tavLst>
+                                    </p:anim>
+                                    <p:anim calcmode="lin" valueType="num">
+                                      <p:cBhvr>
+                                        <p:cTn id="30" dur="1000" fill="hold"/>
+                                        <p:tgtEl>
+                                          <p:spTgt spid="3075"/>
+                                        </p:tgtEl>
+                                        <p:attrNameLst>
+                                          <p:attrName>ppt_y</p:attrName>
+                                        </p:attrNameLst>
+                                      </p:cBhvr>
+                                      <p:tavLst>
+                                        <p:tav tm="0">
+                                          <p:val>
+                                            <p:strVal val="#ppt_y+.1"/>
+                                          </p:val>
+                                        </p:tav>
+                                        <p:tav tm="100000">
+                                          <p:val>
+                                            <p:strVal val="#ppt_y"/>
+                                          </p:val>
+                                        </p:tav>
+                                      </p:tavLst>
+                                    </p:anim>
+                                  </p:childTnLst>
+                                </p:cTn>
+                              </p:par>
+                              <p:par>
+                                <p:cTn id="31" presetID="42" presetClass="entr" presetSubtype="0" fill="hold" grpId="0" nodeType="withEffect">
+                                  <p:stCondLst>
+                                    <p:cond delay="0"/>
+                                  </p:stCondLst>
+                                  <p:childTnLst>
+                                    <p:set>
+                                      <p:cBhvr>
+                                        <p:cTn id="32" dur="1" fill="hold">
+                                          <p:stCondLst>
+                                            <p:cond delay="0"/>
+                                          </p:stCondLst>
+                                        </p:cTn>
+                                        <p:tgtEl>
+                                          <p:spTgt spid="5"/>
+                                        </p:tgtEl>
+                                        <p:attrNameLst>
+                                          <p:attrName>style.visibility</p:attrName>
+                                        </p:attrNameLst>
+                                      </p:cBhvr>
+                                      <p:to>
+                                        <p:strVal val="visible"/>
+                                      </p:to>
+                                    </p:set>
+                                    <p:animEffect transition="in" filter="fade">
+                                      <p:cBhvr>
+                                        <p:cTn id="33" dur="1000"/>
+                                        <p:tgtEl>
+                                          <p:spTgt spid="5"/>
+                                        </p:tgtEl>
+                                      </p:cBhvr>
+                                    </p:animEffect>
+                                    <p:anim calcmode="lin" valueType="num">
+                                      <p:cBhvr>
+                                        <p:cTn id="34" dur="1000" fill="hold"/>
+                                        <p:tgtEl>
+                                          <p:spTgt spid="5"/>
+                                        </p:tgtEl>
+                                        <p:attrNameLst>
+                                          <p:attrName>ppt_x</p:attrName>
+                                        </p:attrNameLst>
+                                      </p:cBhvr>
+                                      <p:tavLst>
+                                        <p:tav tm="0">
+                                          <p:val>
+                                            <p:strVal val="#ppt_x"/>
+                                          </p:val>
+                                        </p:tav>
+                                        <p:tav tm="100000">
+                                          <p:val>
+                                            <p:strVal val="#ppt_x"/>
+                                          </p:val>
+                                        </p:tav>
+                                      </p:tavLst>
+                                    </p:anim>
+                                    <p:anim calcmode="lin" valueType="num">
+                                      <p:cBhvr>
+                                        <p:cTn id="35" dur="1000" fill="hold"/>
+                                        <p:tgtEl>
+                                          <p:spTgt spid="5"/>
+                                        </p:tgtEl>
+                                        <p:attrNameLst>
+                                          <p:attrName>ppt_y</p:attrName>
+                                        </p:attrNameLst>
+                                      </p:cBhvr>
+                                      <p:tavLst>
+                                        <p:tav tm="0">
+                                          <p:val>
+                                            <p:strVal val="#ppt_y+.1"/>
+                                          </p:val>
+                                        </p:tav>
+                                        <p:tav tm="100000">
+                                          <p:val>
+                                            <p:strVal val="#ppt_y"/>
+                                          </p:val>
+                                        </p:tav>
+                                      </p:tavLst>
+                                    </p:anim>
+                                  </p:childTnLst>
+                                </p:cTn>
+                              </p:par>
+                            </p:childTnLst>
+                          </p:cTn>
+                        </p:par>
+                      </p:childTnLst>
+                    </p:cTn>
+                  </p:par>
+                </p:childTnLst>
+              </p:cTn>
+              <p:prevCondLst>
+                <p:cond evt="onPrev" delay="0">
+                  <p:tgtEl>
+                    <p:sldTgt/>
+                  </p:tgtEl>
+                </p:cond>
+              </p:prevCondLst>
+              <p:nextCondLst>
+                <p:cond evt="onNext" delay="0">
+                  <p:tgtEl>
+                    <p:sldTgt/>
+                  </p:tgtEl>
+                </p:cond>
+              </p:nextCondLst>
+            </p:seq>
+          </p:childTnLst>
+        </p:cTn>
+      </p:par>
+    </p:tnLst>
+    <p:bldLst>
+      <p:bldP spid="4" grpId="0"/>
+      <p:bldP spid="4" grpId="1"/>
+      <p:bldP spid="5" grpId="0"/>
+    </p:bldLst>
+  </p:timing>
 </p:sld>
 </file>
 
@@ -5133,6 +13618,289 @@
         <a:font script="Mong" typeface="Mongolian Baiti"/>
         <a:font script="Viet" typeface="Times New Roman"/>
         <a:font script="Uigh" typeface="Microsoft Uighur"/>
+      </a:majorFont>
+      <a:minorFont>
+        <a:latin typeface="Calibri"/>
+        <a:ea typeface=""/>
+        <a:cs typeface=""/>
+        <a:font script="Jpan" typeface="ＭＳ Ｐゴシック"/>
+        <a:font script="Hang" typeface="맑은 고딕"/>
+        <a:font script="Hans" typeface="宋体"/>
+        <a:font script="Hant" typeface="新細明體"/>
+        <a:font script="Arab" typeface="Arial"/>
+        <a:font script="Hebr" typeface="Arial"/>
+        <a:font script="Thai" typeface="Cordia New"/>
+        <a:font script="Ethi" typeface="Nyala"/>
+        <a:font script="Beng" typeface="Vrinda"/>
+        <a:font script="Gujr" typeface="Shruti"/>
+        <a:font script="Khmr" typeface="DaunPenh"/>
+        <a:font script="Knda" typeface="Tunga"/>
+        <a:font script="Guru" typeface="Raavi"/>
+        <a:font script="Cans" typeface="Euphemia"/>
+        <a:font script="Cher" typeface="Plantagenet Cherokee"/>
+        <a:font script="Yiii" typeface="Microsoft Yi Baiti"/>
+        <a:font script="Tibt" typeface="Microsoft Himalaya"/>
+        <a:font script="Thaa" typeface="MV Boli"/>
+        <a:font script="Deva" typeface="Mangal"/>
+        <a:font script="Telu" typeface="Gautami"/>
+        <a:font script="Taml" typeface="Latha"/>
+        <a:font script="Syrc" typeface="Estrangelo Edessa"/>
+        <a:font script="Orya" typeface="Kalinga"/>
+        <a:font script="Mlym" typeface="Kartika"/>
+        <a:font script="Laoo" typeface="DokChampa"/>
+        <a:font script="Sinh" typeface="Iskoola Pota"/>
+        <a:font script="Mong" typeface="Mongolian Baiti"/>
+        <a:font script="Viet" typeface="Arial"/>
+        <a:font script="Uigh" typeface="Microsoft Uighur"/>
+      </a:minorFont>
+    </a:fontScheme>
+    <a:fmtScheme name="Office">
+      <a:fillStyleLst>
+        <a:solidFill>
+          <a:schemeClr val="phClr"/>
+        </a:solidFill>
+        <a:gradFill rotWithShape="1">
+          <a:gsLst>
+            <a:gs pos="0">
+              <a:schemeClr val="phClr">
+                <a:tint val="50000"/>
+                <a:satMod val="300000"/>
+              </a:schemeClr>
+            </a:gs>
+            <a:gs pos="35000">
+              <a:schemeClr val="phClr">
+                <a:tint val="37000"/>
+                <a:satMod val="300000"/>
+              </a:schemeClr>
+            </a:gs>
+            <a:gs pos="100000">
+              <a:schemeClr val="phClr">
+                <a:tint val="15000"/>
+                <a:satMod val="350000"/>
+              </a:schemeClr>
+            </a:gs>
+          </a:gsLst>
+          <a:lin ang="16200000" scaled="1"/>
+        </a:gradFill>
+        <a:gradFill rotWithShape="1">
+          <a:gsLst>
+            <a:gs pos="0">
+              <a:schemeClr val="phClr">
+                <a:shade val="51000"/>
+                <a:satMod val="130000"/>
+              </a:schemeClr>
+            </a:gs>
+            <a:gs pos="80000">
+              <a:schemeClr val="phClr">
+                <a:shade val="93000"/>
+                <a:satMod val="130000"/>
+              </a:schemeClr>
+            </a:gs>
+            <a:gs pos="100000">
+              <a:schemeClr val="phClr">
+                <a:shade val="94000"/>
+                <a:satMod val="135000"/>
+              </a:schemeClr>
+            </a:gs>
+          </a:gsLst>
+          <a:lin ang="16200000" scaled="0"/>
+        </a:gradFill>
+      </a:fillStyleLst>
+      <a:lnStyleLst>
+        <a:ln w="9525" cap="flat" cmpd="sng" algn="ctr">
+          <a:solidFill>
+            <a:schemeClr val="phClr">
+              <a:shade val="95000"/>
+              <a:satMod val="105000"/>
+            </a:schemeClr>
+          </a:solidFill>
+          <a:prstDash val="solid"/>
+        </a:ln>
+        <a:ln w="25400" cap="flat" cmpd="sng" algn="ctr">
+          <a:solidFill>
+            <a:schemeClr val="phClr"/>
+          </a:solidFill>
+          <a:prstDash val="solid"/>
+        </a:ln>
+        <a:ln w="38100" cap="flat" cmpd="sng" algn="ctr">
+          <a:solidFill>
+            <a:schemeClr val="phClr"/>
+          </a:solidFill>
+          <a:prstDash val="solid"/>
+        </a:ln>
+      </a:lnStyleLst>
+      <a:effectStyleLst>
+        <a:effectStyle>
+          <a:effectLst>
+            <a:outerShdw blurRad="40000" dist="20000" dir="5400000" rotWithShape="0">
+              <a:srgbClr val="000000">
+                <a:alpha val="38000"/>
+              </a:srgbClr>
+            </a:outerShdw>
+          </a:effectLst>
+        </a:effectStyle>
+        <a:effectStyle>
+          <a:effectLst>
+            <a:outerShdw blurRad="40000" dist="23000" dir="5400000" rotWithShape="0">
+              <a:srgbClr val="000000">
+                <a:alpha val="35000"/>
+              </a:srgbClr>
+            </a:outerShdw>
+          </a:effectLst>
+        </a:effectStyle>
+        <a:effectStyle>
+          <a:effectLst>
+            <a:outerShdw blurRad="40000" dist="23000" dir="5400000" rotWithShape="0">
+              <a:srgbClr val="000000">
+                <a:alpha val="35000"/>
+              </a:srgbClr>
+            </a:outerShdw>
+          </a:effectLst>
+          <a:scene3d>
+            <a:camera prst="orthographicFront">
+              <a:rot lat="0" lon="0" rev="0"/>
+            </a:camera>
+            <a:lightRig rig="threePt" dir="t">
+              <a:rot lat="0" lon="0" rev="1200000"/>
+            </a:lightRig>
+          </a:scene3d>
+          <a:sp3d>
+            <a:bevelT w="63500" h="25400"/>
+          </a:sp3d>
+        </a:effectStyle>
+      </a:effectStyleLst>
+      <a:bgFillStyleLst>
+        <a:solidFill>
+          <a:schemeClr val="phClr"/>
+        </a:solidFill>
+        <a:gradFill rotWithShape="1">
+          <a:gsLst>
+            <a:gs pos="0">
+              <a:schemeClr val="phClr">
+                <a:tint val="40000"/>
+                <a:satMod val="350000"/>
+              </a:schemeClr>
+            </a:gs>
+            <a:gs pos="40000">
+              <a:schemeClr val="phClr">
+                <a:tint val="45000"/>
+                <a:shade val="99000"/>
+                <a:satMod val="350000"/>
+              </a:schemeClr>
+            </a:gs>
+            <a:gs pos="100000">
+              <a:schemeClr val="phClr">
+                <a:shade val="20000"/>
+                <a:satMod val="255000"/>
+              </a:schemeClr>
+            </a:gs>
+          </a:gsLst>
+          <a:path path="circle">
+            <a:fillToRect l="50000" t="-80000" r="50000" b="180000"/>
+          </a:path>
+        </a:gradFill>
+        <a:gradFill rotWithShape="1">
+          <a:gsLst>
+            <a:gs pos="0">
+              <a:schemeClr val="phClr">
+                <a:tint val="80000"/>
+                <a:satMod val="300000"/>
+              </a:schemeClr>
+            </a:gs>
+            <a:gs pos="100000">
+              <a:schemeClr val="phClr">
+                <a:shade val="30000"/>
+                <a:satMod val="200000"/>
+              </a:schemeClr>
+            </a:gs>
+          </a:gsLst>
+          <a:path path="circle">
+            <a:fillToRect l="50000" t="50000" r="50000" b="50000"/>
+          </a:path>
+        </a:gradFill>
+      </a:bgFillStyleLst>
+    </a:fmtScheme>
+  </a:themeElements>
+  <a:objectDefaults/>
+  <a:extraClrSchemeLst/>
+</a:theme>
+</file>
+
+<file path=ppt/theme/theme3.xml><?xml version="1.0" encoding="utf-8"?>
+<a:theme xmlns:a="http://schemas.openxmlformats.org/drawingml/2006/main" name="Office Theme">
+  <a:themeElements>
+    <a:clrScheme name="Office">
+      <a:dk1>
+        <a:sysClr val="windowText" lastClr="000000"/>
+      </a:dk1>
+      <a:lt1>
+        <a:sysClr val="window" lastClr="FFFFFF"/>
+      </a:lt1>
+      <a:dk2>
+        <a:srgbClr val="1F497D"/>
+      </a:dk2>
+      <a:lt2>
+        <a:srgbClr val="EEECE1"/>
+      </a:lt2>
+      <a:accent1>
+        <a:srgbClr val="4F81BD"/>
+      </a:accent1>
+      <a:accent2>
+        <a:srgbClr val="C0504D"/>
+      </a:accent2>
+      <a:accent3>
+        <a:srgbClr val="9BBB59"/>
+      </a:accent3>
+      <a:accent4>
+        <a:srgbClr val="8064A2"/>
+      </a:accent4>
+      <a:accent5>
+        <a:srgbClr val="4BACC6"/>
+      </a:accent5>
+      <a:accent6>
+        <a:srgbClr val="F79646"/>
+      </a:accent6>
+      <a:hlink>
+        <a:srgbClr val="0000FF"/>
+      </a:hlink>
+      <a:folHlink>
+        <a:srgbClr val="800080"/>
+      </a:folHlink>
+    </a:clrScheme>
+    <a:fontScheme name="Office">
+      <a:majorFont>
+        <a:latin typeface="Calibri"/>
+        <a:ea typeface=""/>
+        <a:cs typeface=""/>
+        <a:font script="Jpan" typeface="ＭＳ Ｐゴシック"/>
+        <a:font script="Hang" typeface="맑은 고딕"/>
+        <a:font script="Hans" typeface="宋体"/>
+        <a:font script="Hant" typeface="新細明體"/>
+        <a:font script="Arab" typeface="Times New Roman"/>
+        <a:font script="Hebr" typeface="Times New Roman"/>
+        <a:font script="Thai" typeface="Angsana New"/>
+        <a:font script="Ethi" typeface="Nyala"/>
+        <a:font script="Beng" typeface="Vrinda"/>
+        <a:font script="Gujr" typeface="Shruti"/>
+        <a:font script="Khmr" typeface="MoolBoran"/>
+        <a:font script="Knda" typeface="Tunga"/>
+        <a:font script="Guru" typeface="Raavi"/>
+        <a:font script="Cans" typeface="Euphemia"/>
+        <a:font script="Cher" typeface="Plantagenet Cherokee"/>
+        <a:font script="Yiii" typeface="Microsoft Yi Baiti"/>
+        <a:font script="Tibt" typeface="Microsoft Himalaya"/>
+        <a:font script="Thaa" typeface="MV Boli"/>
+        <a:font script="Deva" typeface="Mangal"/>
+        <a:font script="Telu" typeface="Gautami"/>
+        <a:font script="Taml" typeface="Latha"/>
+        <a:font script="Syrc" typeface="Estrangelo Edessa"/>
+        <a:font script="Orya" typeface="Kalinga"/>
+        <a:font script="Mlym" typeface="Kartika"/>
+        <a:font script="Laoo" typeface="DokChampa"/>
+        <a:font script="Sinh" typeface="Iskoola Pota"/>
+        <a:font script="Mong" typeface="Mongolian Baiti"/>
+        <a:font script="Viet" typeface="Times New Roman"/>
+        <a:font script="Uigh" typeface="Microsoft Uighur"/>
         <a:font script="Geor" typeface="Sylfaen"/>
       </a:majorFont>
       <a:minorFont>

--- a/Documentation/presentation.pptx
+++ b/Documentation/presentation.pptx
@@ -5,10 +5,10 @@
     <p:sldMasterId id="2147483660" r:id="rId1"/>
   </p:sldMasterIdLst>
   <p:notesMasterIdLst>
-    <p:notesMasterId r:id="rId21"/>
+    <p:notesMasterId r:id="rId27"/>
   </p:notesMasterIdLst>
   <p:handoutMasterIdLst>
-    <p:handoutMasterId r:id="rId22"/>
+    <p:handoutMasterId r:id="rId28"/>
   </p:handoutMasterIdLst>
   <p:sldIdLst>
     <p:sldId id="256" r:id="rId2"/>
@@ -25,11 +25,17 @@
     <p:sldId id="269" r:id="rId13"/>
     <p:sldId id="270" r:id="rId14"/>
     <p:sldId id="262" r:id="rId15"/>
-    <p:sldId id="272" r:id="rId16"/>
-    <p:sldId id="273" r:id="rId17"/>
-    <p:sldId id="274" r:id="rId18"/>
-    <p:sldId id="271" r:id="rId19"/>
-    <p:sldId id="263" r:id="rId20"/>
+    <p:sldId id="276" r:id="rId16"/>
+    <p:sldId id="277" r:id="rId17"/>
+    <p:sldId id="278" r:id="rId18"/>
+    <p:sldId id="279" r:id="rId19"/>
+    <p:sldId id="280" r:id="rId20"/>
+    <p:sldId id="281" r:id="rId21"/>
+    <p:sldId id="282" r:id="rId22"/>
+    <p:sldId id="283" r:id="rId23"/>
+    <p:sldId id="284" r:id="rId24"/>
+    <p:sldId id="271" r:id="rId25"/>
+    <p:sldId id="263" r:id="rId26"/>
   </p:sldIdLst>
   <p:sldSz cx="9144000" cy="6858000" type="screen4x3"/>
   <p:notesSz cx="6858000" cy="9144000"/>
@@ -214,7 +220,7 @@
             <a:fld id="{C29DD872-874E-4C43-A3B8-AD066DF4ED7D}" type="datetimeFigureOut">
               <a:rPr lang="vi-VN" smtClean="0"/>
               <a:pPr/>
-              <a:t>27/10/2010</a:t>
+              <a:t>31/10/2010</a:t>
             </a:fld>
             <a:endParaRPr lang="vi-VN"/>
           </a:p>
@@ -290,7 +296,7 @@
     </p:spTree>
     <p:extLst>
       <p:ext uri="{BB962C8B-B14F-4D97-AF65-F5344CB8AC3E}">
-        <p14:creationId xmlns="" xmlns:p14="http://schemas.microsoft.com/office/powerpoint/2010/main" val="1720896244"/>
+        <p14:creationId xmlns:p14="http://schemas.microsoft.com/office/powerpoint/2010/main" xmlns="" val="1720896244"/>
       </p:ext>
     </p:extLst>
   </p:cSld>
@@ -381,7 +387,7 @@
             <a:fld id="{88A263E0-0B66-4BBB-BD49-C22ADCF470AF}" type="datetimeFigureOut">
               <a:rPr lang="en-US" smtClean="0"/>
               <a:pPr/>
-              <a:t>10/27/2010</a:t>
+              <a:t>10/31/2010</a:t>
             </a:fld>
             <a:endParaRPr lang="en-US"/>
           </a:p>
@@ -1132,7 +1138,7 @@
             <a:fld id="{14213B08-C344-4298-9D2B-63FA7DC3B696}" type="datetime1">
               <a:rPr lang="en-US" smtClean="0"/>
               <a:pPr/>
-              <a:t>10/27/2010</a:t>
+              <a:t>10/31/2010</a:t>
             </a:fld>
             <a:endParaRPr lang="en-US"/>
           </a:p>
@@ -1306,7 +1312,7 @@
             <a:fld id="{1BE8B679-7536-42E8-9FB5-40A57D052050}" type="datetime1">
               <a:rPr lang="en-US" smtClean="0"/>
               <a:pPr/>
-              <a:t>10/27/2010</a:t>
+              <a:t>10/31/2010</a:t>
             </a:fld>
             <a:endParaRPr lang="en-US"/>
           </a:p>
@@ -1490,7 +1496,7 @@
             <a:fld id="{AC731CF6-CE4E-49AB-A83D-5CF25E930D6F}" type="datetime1">
               <a:rPr lang="en-US" smtClean="0"/>
               <a:pPr/>
-              <a:t>10/27/2010</a:t>
+              <a:t>10/31/2010</a:t>
             </a:fld>
             <a:endParaRPr lang="en-US"/>
           </a:p>
@@ -1688,7 +1694,7 @@
             <a:fld id="{9A3DD297-0901-404C-9492-929AD53265C0}" type="datetime1">
               <a:rPr lang="en-US" smtClean="0"/>
               <a:pPr/>
-              <a:t>10/27/2010</a:t>
+              <a:t>10/31/2010</a:t>
             </a:fld>
             <a:endParaRPr lang="en-US"/>
           </a:p>
@@ -1749,7 +1755,7 @@
           <a:blip r:embed="rId2" cstate="print">
             <a:extLst>
               <a:ext uri="{28A0092B-C50C-407E-A947-70E740481C1C}">
-                <a14:useLocalDpi xmlns="" xmlns:a14="http://schemas.microsoft.com/office/drawing/2010/main" val="0"/>
+                <a14:useLocalDpi xmlns:a14="http://schemas.microsoft.com/office/drawing/2010/main" xmlns="" val="0"/>
               </a:ext>
             </a:extLst>
           </a:blip>
@@ -1773,14 +1779,14 @@
           <a:effectLst/>
           <a:extLst>
             <a:ext uri="{909E8E84-426E-40DD-AFC4-6F175D3DCCD1}">
-              <a14:hiddenFill xmlns="" xmlns:a14="http://schemas.microsoft.com/office/drawing/2010/main">
+              <a14:hiddenFill xmlns:a14="http://schemas.microsoft.com/office/drawing/2010/main" xmlns="">
                 <a:solidFill>
                   <a:schemeClr val="accent1"/>
                 </a:solidFill>
               </a14:hiddenFill>
             </a:ext>
             <a:ext uri="{91240B29-F687-4F45-9708-019B960494DF}">
-              <a14:hiddenLine xmlns="" xmlns:a14="http://schemas.microsoft.com/office/drawing/2010/main" w="9525">
+              <a14:hiddenLine xmlns:a14="http://schemas.microsoft.com/office/drawing/2010/main" xmlns="" w="9525">
                 <a:solidFill>
                   <a:schemeClr val="tx1"/>
                 </a:solidFill>
@@ -1790,7 +1796,7 @@
               </a14:hiddenLine>
             </a:ext>
             <a:ext uri="{AF507438-7753-43E0-B8FC-AC1667EBCBE1}">
-              <a14:hiddenEffects xmlns="" xmlns:a14="http://schemas.microsoft.com/office/drawing/2010/main">
+              <a14:hiddenEffects xmlns:a14="http://schemas.microsoft.com/office/drawing/2010/main" xmlns="">
                 <a:effectLst>
                   <a:outerShdw dist="35921" dir="2700000" algn="ctr" rotWithShape="0">
                     <a:schemeClr val="bg2"/>
@@ -2003,7 +2009,7 @@
             <a:fld id="{B7EE86D6-B85D-4B0F-97BF-A75CB19C32F3}" type="datetime1">
               <a:rPr lang="en-US" smtClean="0"/>
               <a:pPr/>
-              <a:t>10/27/2010</a:t>
+              <a:t>10/31/2010</a:t>
             </a:fld>
             <a:endParaRPr lang="en-US"/>
           </a:p>
@@ -2269,7 +2275,7 @@
             <a:fld id="{714C3007-F112-444B-8E99-D3C654CC31C8}" type="datetime1">
               <a:rPr lang="en-US" smtClean="0"/>
               <a:pPr/>
-              <a:t>10/27/2010</a:t>
+              <a:t>10/31/2010</a:t>
             </a:fld>
             <a:endParaRPr lang="en-US"/>
           </a:p>
@@ -2649,7 +2655,7 @@
             <a:fld id="{EC253EFC-7C63-4AD7-8BBD-AB726C629B45}" type="datetime1">
               <a:rPr lang="en-US" smtClean="0"/>
               <a:pPr/>
-              <a:t>10/27/2010</a:t>
+              <a:t>10/31/2010</a:t>
             </a:fld>
             <a:endParaRPr lang="en-US"/>
           </a:p>
@@ -2801,7 +2807,7 @@
             <a:fld id="{D5AA7226-8FB4-4BDA-8697-BA7EDE69599F}" type="datetime1">
               <a:rPr lang="en-US" smtClean="0"/>
               <a:pPr/>
-              <a:t>10/27/2010</a:t>
+              <a:t>10/31/2010</a:t>
             </a:fld>
             <a:endParaRPr lang="en-US"/>
           </a:p>
@@ -2862,7 +2868,7 @@
           <a:blip r:embed="rId2" cstate="print">
             <a:extLst>
               <a:ext uri="{28A0092B-C50C-407E-A947-70E740481C1C}">
-                <a14:useLocalDpi xmlns="" xmlns:a14="http://schemas.microsoft.com/office/drawing/2010/main" val="0"/>
+                <a14:useLocalDpi xmlns:a14="http://schemas.microsoft.com/office/drawing/2010/main" xmlns="" val="0"/>
               </a:ext>
             </a:extLst>
           </a:blip>
@@ -2886,14 +2892,14 @@
           <a:effectLst/>
           <a:extLst>
             <a:ext uri="{909E8E84-426E-40DD-AFC4-6F175D3DCCD1}">
-              <a14:hiddenFill xmlns="" xmlns:a14="http://schemas.microsoft.com/office/drawing/2010/main">
+              <a14:hiddenFill xmlns:a14="http://schemas.microsoft.com/office/drawing/2010/main" xmlns="">
                 <a:solidFill>
                   <a:schemeClr val="accent1"/>
                 </a:solidFill>
               </a14:hiddenFill>
             </a:ext>
             <a:ext uri="{91240B29-F687-4F45-9708-019B960494DF}">
-              <a14:hiddenLine xmlns="" xmlns:a14="http://schemas.microsoft.com/office/drawing/2010/main" w="9525">
+              <a14:hiddenLine xmlns:a14="http://schemas.microsoft.com/office/drawing/2010/main" xmlns="" w="9525">
                 <a:solidFill>
                   <a:schemeClr val="tx1"/>
                 </a:solidFill>
@@ -2903,7 +2909,7 @@
               </a14:hiddenLine>
             </a:ext>
             <a:ext uri="{AF507438-7753-43E0-B8FC-AC1667EBCBE1}">
-              <a14:hiddenEffects xmlns="" xmlns:a14="http://schemas.microsoft.com/office/drawing/2010/main">
+              <a14:hiddenEffects xmlns:a14="http://schemas.microsoft.com/office/drawing/2010/main" xmlns="">
                 <a:effectLst>
                   <a:outerShdw dist="35921" dir="2700000" algn="ctr" rotWithShape="0">
                     <a:schemeClr val="bg2"/>
@@ -2964,7 +2970,7 @@
             <a:fld id="{FCBE6375-37B0-43E2-87BB-21757BFC51A9}" type="datetime1">
               <a:rPr lang="en-US" smtClean="0"/>
               <a:pPr/>
-              <a:t>10/27/2010</a:t>
+              <a:t>10/31/2010</a:t>
             </a:fld>
             <a:endParaRPr lang="en-US"/>
           </a:p>
@@ -3234,7 +3240,7 @@
             <a:fld id="{E71AA3D3-BFF6-4AAB-80FB-418E4DD286E4}" type="datetime1">
               <a:rPr lang="en-US" smtClean="0"/>
               <a:pPr/>
-              <a:t>10/27/2010</a:t>
+              <a:t>10/31/2010</a:t>
             </a:fld>
             <a:endParaRPr lang="en-US"/>
           </a:p>
@@ -3531,7 +3537,7 @@
             <a:fld id="{51CEF966-CA87-49E5-9360-3BF0D2DF35B8}" type="datetime1">
               <a:rPr lang="en-US" smtClean="0"/>
               <a:pPr/>
-              <a:t>10/27/2010</a:t>
+              <a:t>10/31/2010</a:t>
             </a:fld>
             <a:endParaRPr lang="en-US"/>
           </a:p>
@@ -4311,7 +4317,7 @@
             <a:fld id="{816B66A5-3A43-417D-BD44-A47E6974BF46}" type="datetime1">
               <a:rPr lang="en-US" smtClean="0"/>
               <a:pPr/>
-              <a:t>10/27/2010</a:t>
+              <a:t>10/31/2010</a:t>
             </a:fld>
             <a:endParaRPr lang="en-US"/>
           </a:p>
@@ -5314,7 +5320,7 @@
           <a:blip r:embed="rId2" cstate="print">
             <a:extLst>
               <a:ext uri="{28A0092B-C50C-407E-A947-70E740481C1C}">
-                <a14:useLocalDpi xmlns="" xmlns:a14="http://schemas.microsoft.com/office/drawing/2010/main" val="0"/>
+                <a14:useLocalDpi xmlns:a14="http://schemas.microsoft.com/office/drawing/2010/main" xmlns="" val="0"/>
               </a:ext>
             </a:extLst>
           </a:blip>
@@ -5338,14 +5344,14 @@
           <a:effectLst/>
           <a:extLst>
             <a:ext uri="{909E8E84-426E-40DD-AFC4-6F175D3DCCD1}">
-              <a14:hiddenFill xmlns="" xmlns:a14="http://schemas.microsoft.com/office/drawing/2010/main">
+              <a14:hiddenFill xmlns:a14="http://schemas.microsoft.com/office/drawing/2010/main" xmlns="">
                 <a:solidFill>
                   <a:schemeClr val="accent1"/>
                 </a:solidFill>
               </a14:hiddenFill>
             </a:ext>
             <a:ext uri="{91240B29-F687-4F45-9708-019B960494DF}">
-              <a14:hiddenLine xmlns="" xmlns:a14="http://schemas.microsoft.com/office/drawing/2010/main" w="9525">
+              <a14:hiddenLine xmlns:a14="http://schemas.microsoft.com/office/drawing/2010/main" xmlns="" w="9525">
                 <a:solidFill>
                   <a:schemeClr val="tx1"/>
                 </a:solidFill>
@@ -5355,7 +5361,7 @@
               </a14:hiddenLine>
             </a:ext>
             <a:ext uri="{AF507438-7753-43E0-B8FC-AC1667EBCBE1}">
-              <a14:hiddenEffects xmlns="" xmlns:a14="http://schemas.microsoft.com/office/drawing/2010/main">
+              <a14:hiddenEffects xmlns:a14="http://schemas.microsoft.com/office/drawing/2010/main" xmlns="">
                 <a:effectLst>
                   <a:outerShdw dist="35921" dir="2700000" algn="ctr" rotWithShape="0">
                     <a:schemeClr val="bg2"/>
@@ -5921,7 +5927,7 @@
           <a:blip r:embed="rId3" cstate="print">
             <a:extLst>
               <a:ext uri="{28A0092B-C50C-407E-A947-70E740481C1C}">
-                <a14:useLocalDpi xmlns="" xmlns:a14="http://schemas.microsoft.com/office/drawing/2010/main" val="0"/>
+                <a14:useLocalDpi xmlns:a14="http://schemas.microsoft.com/office/drawing/2010/main" xmlns="" val="0"/>
               </a:ext>
             </a:extLst>
           </a:blip>
@@ -5945,14 +5951,14 @@
           <a:effectLst/>
           <a:extLst>
             <a:ext uri="{909E8E84-426E-40DD-AFC4-6F175D3DCCD1}">
-              <a14:hiddenFill xmlns="" xmlns:a14="http://schemas.microsoft.com/office/drawing/2010/main">
+              <a14:hiddenFill xmlns:a14="http://schemas.microsoft.com/office/drawing/2010/main" xmlns="">
                 <a:solidFill>
                   <a:schemeClr val="accent1"/>
                 </a:solidFill>
               </a14:hiddenFill>
             </a:ext>
             <a:ext uri="{91240B29-F687-4F45-9708-019B960494DF}">
-              <a14:hiddenLine xmlns="" xmlns:a14="http://schemas.microsoft.com/office/drawing/2010/main" w="9525">
+              <a14:hiddenLine xmlns:a14="http://schemas.microsoft.com/office/drawing/2010/main" xmlns="" w="9525">
                 <a:solidFill>
                   <a:schemeClr val="tx1"/>
                 </a:solidFill>
@@ -5962,7 +5968,7 @@
               </a14:hiddenLine>
             </a:ext>
             <a:ext uri="{AF507438-7753-43E0-B8FC-AC1667EBCBE1}">
-              <a14:hiddenEffects xmlns="" xmlns:a14="http://schemas.microsoft.com/office/drawing/2010/main">
+              <a14:hiddenEffects xmlns:a14="http://schemas.microsoft.com/office/drawing/2010/main" xmlns="">
                 <a:effectLst>
                   <a:outerShdw dist="35921" dir="2700000" algn="ctr" rotWithShape="0">
                     <a:schemeClr val="bg2"/>
@@ -6244,11 +6250,7 @@
             </a:pPr>
             <a:r>
               <a:rPr lang="en-US" dirty="0" err="1" smtClean="0"/>
-              <a:t>M</a:t>
-            </a:r>
-            <a:r>
-              <a:rPr lang="en-US" dirty="0" err="1" smtClean="0"/>
-              <a:t>ô</a:t>
+              <a:t>Mô</a:t>
             </a:r>
             <a:r>
               <a:rPr lang="en-US" dirty="0" smtClean="0"/>
@@ -6260,11 +6262,7 @@
             </a:r>
             <a:r>
               <a:rPr lang="en-US" dirty="0" smtClean="0"/>
-              <a:t> Card </a:t>
-            </a:r>
-            <a:r>
-              <a:rPr lang="en-US" dirty="0" smtClean="0"/>
-              <a:t>Reader, </a:t>
+              <a:t> Card Reader, </a:t>
             </a:r>
             <a:r>
               <a:rPr lang="en-US" dirty="0" err="1" smtClean="0"/>
@@ -6312,17 +6310,8 @@
             </a:r>
             <a:r>
               <a:rPr lang="en-US" dirty="0" smtClean="0"/>
-              <a:t> Door </a:t>
-            </a:r>
-            <a:r>
-              <a:rPr lang="en-US" dirty="0" smtClean="0"/>
-              <a:t>Open, Logging </a:t>
-            </a:r>
-            <a:r>
-              <a:rPr lang="en-US" dirty="0" smtClean="0"/>
-              <a:t>Printer</a:t>
-            </a:r>
-            <a:endParaRPr lang="en-US" dirty="0" smtClean="0"/>
+              <a:t> Door Open, Logging Printer</a:t>
+            </a:r>
           </a:p>
           <a:p>
             <a:pPr lvl="1">
@@ -6827,11 +6816,7 @@
           <a:p>
             <a:r>
               <a:rPr lang="en-US" dirty="0" smtClean="0"/>
-              <a:t>1992: Biomet </a:t>
-            </a:r>
-            <a:r>
-              <a:rPr lang="en-US" dirty="0" smtClean="0"/>
-              <a:t>Partners - </a:t>
+              <a:t>1992: Biomet Partners - </a:t>
             </a:r>
             <a:r>
               <a:rPr lang="en-US" dirty="0" err="1" smtClean="0"/>
@@ -7062,7 +7047,7 @@
           <a:blip r:embed="rId2" cstate="print">
             <a:extLst>
               <a:ext uri="{28A0092B-C50C-407E-A947-70E740481C1C}">
-                <a14:useLocalDpi xmlns="" xmlns:a14="http://schemas.microsoft.com/office/drawing/2010/main" val="0"/>
+                <a14:useLocalDpi xmlns:a14="http://schemas.microsoft.com/office/drawing/2010/main" xmlns="" val="0"/>
               </a:ext>
             </a:extLst>
           </a:blip>
@@ -7086,14 +7071,14 @@
           <a:effectLst/>
           <a:extLst>
             <a:ext uri="{909E8E84-426E-40DD-AFC4-6F175D3DCCD1}">
-              <a14:hiddenFill xmlns="" xmlns:a14="http://schemas.microsoft.com/office/drawing/2010/main">
+              <a14:hiddenFill xmlns:a14="http://schemas.microsoft.com/office/drawing/2010/main" xmlns="">
                 <a:solidFill>
                   <a:schemeClr val="accent1"/>
                 </a:solidFill>
               </a14:hiddenFill>
             </a:ext>
             <a:ext uri="{91240B29-F687-4F45-9708-019B960494DF}">
-              <a14:hiddenLine xmlns="" xmlns:a14="http://schemas.microsoft.com/office/drawing/2010/main" w="9525">
+              <a14:hiddenLine xmlns:a14="http://schemas.microsoft.com/office/drawing/2010/main" xmlns="" w="9525">
                 <a:solidFill>
                   <a:schemeClr val="tx1"/>
                 </a:solidFill>
@@ -7103,7 +7088,7 @@
               </a14:hiddenLine>
             </a:ext>
             <a:ext uri="{AF507438-7753-43E0-B8FC-AC1667EBCBE1}">
-              <a14:hiddenEffects xmlns="" xmlns:a14="http://schemas.microsoft.com/office/drawing/2010/main">
+              <a14:hiddenEffects xmlns:a14="http://schemas.microsoft.com/office/drawing/2010/main" xmlns="">
                 <a:effectLst>
                   <a:outerShdw dist="35921" dir="2700000" algn="ctr" rotWithShape="0">
                     <a:schemeClr val="bg2"/>
@@ -7174,7 +7159,7 @@
     </p:spTree>
     <p:extLst>
       <p:ext uri="{BB962C8B-B14F-4D97-AF65-F5344CB8AC3E}">
-        <p14:creationId xmlns="" xmlns:p14="http://schemas.microsoft.com/office/powerpoint/2010/main" val="920857711"/>
+        <p14:creationId xmlns:p14="http://schemas.microsoft.com/office/powerpoint/2010/main" xmlns="" val="920857711"/>
       </p:ext>
     </p:extLst>
   </p:cSld>
@@ -7589,11 +7574,7 @@
             </a:r>
             <a:r>
               <a:rPr lang="en-US" dirty="0" smtClean="0"/>
-              <a:t> </a:t>
-            </a:r>
-            <a:r>
-              <a:rPr lang="en-US" dirty="0" smtClean="0"/>
-              <a:t>II3D</a:t>
+              <a:t> II3D</a:t>
             </a:r>
           </a:p>
           <a:p>
@@ -7686,7 +7667,7 @@
           <a:blip r:embed="rId2" cstate="print">
             <a:extLst>
               <a:ext uri="{28A0092B-C50C-407E-A947-70E740481C1C}">
-                <a14:useLocalDpi xmlns="" xmlns:a14="http://schemas.microsoft.com/office/drawing/2010/main" val="0"/>
+                <a14:useLocalDpi xmlns:a14="http://schemas.microsoft.com/office/drawing/2010/main" xmlns="" val="0"/>
               </a:ext>
             </a:extLst>
           </a:blip>
@@ -7710,14 +7691,14 @@
           <a:effectLst/>
           <a:extLst>
             <a:ext uri="{909E8E84-426E-40DD-AFC4-6F175D3DCCD1}">
-              <a14:hiddenFill xmlns="" xmlns:a14="http://schemas.microsoft.com/office/drawing/2010/main">
+              <a14:hiddenFill xmlns:a14="http://schemas.microsoft.com/office/drawing/2010/main" xmlns="">
                 <a:solidFill>
                   <a:schemeClr val="accent1"/>
                 </a:solidFill>
               </a14:hiddenFill>
             </a:ext>
             <a:ext uri="{91240B29-F687-4F45-9708-019B960494DF}">
-              <a14:hiddenLine xmlns="" xmlns:a14="http://schemas.microsoft.com/office/drawing/2010/main" w="9525">
+              <a14:hiddenLine xmlns:a14="http://schemas.microsoft.com/office/drawing/2010/main" xmlns="" w="9525">
                 <a:solidFill>
                   <a:schemeClr val="tx1"/>
                 </a:solidFill>
@@ -7727,7 +7708,7 @@
               </a14:hiddenLine>
             </a:ext>
             <a:ext uri="{AF507438-7753-43E0-B8FC-AC1667EBCBE1}">
-              <a14:hiddenEffects xmlns="" xmlns:a14="http://schemas.microsoft.com/office/drawing/2010/main">
+              <a14:hiddenEffects xmlns:a14="http://schemas.microsoft.com/office/drawing/2010/main" xmlns="">
                 <a:effectLst>
                   <a:outerShdw dist="35921" dir="2700000" algn="ctr" rotWithShape="0">
                     <a:schemeClr val="bg2"/>
@@ -7815,7 +7796,7 @@
     </p:spTree>
     <p:extLst>
       <p:ext uri="{BB962C8B-B14F-4D97-AF65-F5344CB8AC3E}">
-        <p14:creationId xmlns="" xmlns:p14="http://schemas.microsoft.com/office/powerpoint/2010/main" val="635753240"/>
+        <p14:creationId xmlns:p14="http://schemas.microsoft.com/office/powerpoint/2010/main" xmlns="" val="635753240"/>
       </p:ext>
     </p:extLst>
   </p:cSld>
@@ -7927,7 +7908,7 @@
           <a:blip r:embed="rId3" cstate="print">
             <a:extLst>
               <a:ext uri="{28A0092B-C50C-407E-A947-70E740481C1C}">
-                <a14:useLocalDpi xmlns="" xmlns:a14="http://schemas.microsoft.com/office/drawing/2010/main" val="0"/>
+                <a14:useLocalDpi xmlns:a14="http://schemas.microsoft.com/office/drawing/2010/main" xmlns="" val="0"/>
               </a:ext>
             </a:extLst>
           </a:blip>
@@ -7951,14 +7932,14 @@
           <a:effectLst/>
           <a:extLst>
             <a:ext uri="{909E8E84-426E-40DD-AFC4-6F175D3DCCD1}">
-              <a14:hiddenFill xmlns="" xmlns:a14="http://schemas.microsoft.com/office/drawing/2010/main">
+              <a14:hiddenFill xmlns:a14="http://schemas.microsoft.com/office/drawing/2010/main" xmlns="">
                 <a:solidFill>
                   <a:schemeClr val="accent1"/>
                 </a:solidFill>
               </a14:hiddenFill>
             </a:ext>
             <a:ext uri="{91240B29-F687-4F45-9708-019B960494DF}">
-              <a14:hiddenLine xmlns="" xmlns:a14="http://schemas.microsoft.com/office/drawing/2010/main" w="9525">
+              <a14:hiddenLine xmlns:a14="http://schemas.microsoft.com/office/drawing/2010/main" xmlns="" w="9525">
                 <a:solidFill>
                   <a:schemeClr val="tx1"/>
                 </a:solidFill>
@@ -7968,7 +7949,7 @@
               </a14:hiddenLine>
             </a:ext>
             <a:ext uri="{AF507438-7753-43E0-B8FC-AC1667EBCBE1}">
-              <a14:hiddenEffects xmlns="" xmlns:a14="http://schemas.microsoft.com/office/drawing/2010/main">
+              <a14:hiddenEffects xmlns:a14="http://schemas.microsoft.com/office/drawing/2010/main" xmlns="">
                 <a:effectLst>
                   <a:outerShdw dist="35921" dir="2700000" algn="ctr" rotWithShape="0">
                     <a:schemeClr val="bg2"/>
@@ -8134,10 +8115,700 @@
           </a:p>
         </p:txBody>
       </p:sp>
+      <p:grpSp>
+        <p:nvGrpSpPr>
+          <p:cNvPr id="11" name="Group 27"/>
+          <p:cNvGrpSpPr/>
+          <p:nvPr/>
+        </p:nvGrpSpPr>
+        <p:grpSpPr>
+          <a:xfrm>
+            <a:off x="76200" y="2286000"/>
+            <a:ext cx="8686800" cy="3429000"/>
+            <a:chOff x="76200" y="2286000"/>
+            <a:chExt cx="8686800" cy="3429000"/>
+          </a:xfrm>
+        </p:grpSpPr>
+        <p:sp>
+          <p:nvSpPr>
+            <p:cNvPr id="4" name="Rectangle 3"/>
+            <p:cNvSpPr/>
+            <p:nvPr/>
+          </p:nvSpPr>
+          <p:spPr>
+            <a:xfrm>
+              <a:off x="76200" y="3505200"/>
+              <a:ext cx="1219200" cy="838200"/>
+            </a:xfrm>
+            <a:prstGeom prst="rect">
+              <a:avLst/>
+            </a:prstGeom>
+            <a:noFill/>
+            <a:ln>
+              <a:noFill/>
+            </a:ln>
+          </p:spPr>
+          <p:style>
+            <a:lnRef idx="2">
+              <a:schemeClr val="accent1">
+                <a:shade val="50000"/>
+              </a:schemeClr>
+            </a:lnRef>
+            <a:fillRef idx="1">
+              <a:schemeClr val="accent1"/>
+            </a:fillRef>
+            <a:effectRef idx="0">
+              <a:schemeClr val="accent1"/>
+            </a:effectRef>
+            <a:fontRef idx="minor">
+              <a:schemeClr val="lt1"/>
+            </a:fontRef>
+          </p:style>
+          <p:txBody>
+            <a:bodyPr rtlCol="0" anchor="ctr"/>
+            <a:lstStyle/>
+            <a:p>
+              <a:pPr algn="ctr"/>
+              <a:r>
+                <a:rPr lang="en-US" dirty="0" err="1" smtClean="0">
+                  <a:solidFill>
+                    <a:schemeClr val="tx1"/>
+                  </a:solidFill>
+                </a:rPr>
+                <a:t>Mẫu</a:t>
+              </a:r>
+              <a:r>
+                <a:rPr lang="en-US" dirty="0" smtClean="0">
+                  <a:solidFill>
+                    <a:schemeClr val="tx1"/>
+                  </a:solidFill>
+                </a:rPr>
+                <a:t> </a:t>
+              </a:r>
+              <a:r>
+                <a:rPr lang="en-US" dirty="0" err="1" smtClean="0">
+                  <a:solidFill>
+                    <a:schemeClr val="tx1"/>
+                  </a:solidFill>
+                </a:rPr>
+                <a:t>sinh</a:t>
+              </a:r>
+              <a:r>
+                <a:rPr lang="en-US" dirty="0" smtClean="0">
+                  <a:solidFill>
+                    <a:schemeClr val="tx1"/>
+                  </a:solidFill>
+                </a:rPr>
+                <a:t> </a:t>
+              </a:r>
+              <a:r>
+                <a:rPr lang="en-US" dirty="0" err="1" smtClean="0">
+                  <a:solidFill>
+                    <a:schemeClr val="tx1"/>
+                  </a:solidFill>
+                </a:rPr>
+                <a:t>trắc</a:t>
+              </a:r>
+              <a:r>
+                <a:rPr lang="en-US" dirty="0" smtClean="0">
+                  <a:solidFill>
+                    <a:schemeClr val="tx1"/>
+                  </a:solidFill>
+                </a:rPr>
+                <a:t> </a:t>
+              </a:r>
+              <a:r>
+                <a:rPr lang="en-US" dirty="0" err="1" smtClean="0">
+                  <a:solidFill>
+                    <a:schemeClr val="tx1"/>
+                  </a:solidFill>
+                </a:rPr>
+                <a:t>học</a:t>
+              </a:r>
+              <a:endParaRPr lang="vi-VN" dirty="0">
+                <a:solidFill>
+                  <a:schemeClr val="tx1"/>
+                </a:solidFill>
+              </a:endParaRPr>
+            </a:p>
+          </p:txBody>
+        </p:sp>
+        <p:sp>
+          <p:nvSpPr>
+            <p:cNvPr id="6" name="Rectangle 5"/>
+            <p:cNvSpPr/>
+            <p:nvPr/>
+          </p:nvSpPr>
+          <p:spPr>
+            <a:xfrm>
+              <a:off x="1905000" y="3505200"/>
+              <a:ext cx="1219200" cy="838200"/>
+            </a:xfrm>
+            <a:prstGeom prst="rect">
+              <a:avLst/>
+            </a:prstGeom>
+          </p:spPr>
+          <p:style>
+            <a:lnRef idx="0">
+              <a:schemeClr val="accent1"/>
+            </a:lnRef>
+            <a:fillRef idx="3">
+              <a:schemeClr val="accent1"/>
+            </a:fillRef>
+            <a:effectRef idx="3">
+              <a:schemeClr val="accent1"/>
+            </a:effectRef>
+            <a:fontRef idx="minor">
+              <a:schemeClr val="lt1"/>
+            </a:fontRef>
+          </p:style>
+          <p:txBody>
+            <a:bodyPr rtlCol="0" anchor="ctr"/>
+            <a:lstStyle/>
+            <a:p>
+              <a:pPr algn="ctr"/>
+              <a:r>
+                <a:rPr lang="en-US" dirty="0" smtClean="0"/>
+                <a:t>Thu </a:t>
+              </a:r>
+              <a:r>
+                <a:rPr lang="en-US" dirty="0" err="1" smtClean="0"/>
+                <a:t>mẫu</a:t>
+              </a:r>
+              <a:endParaRPr lang="vi-VN" dirty="0"/>
+            </a:p>
+          </p:txBody>
+        </p:sp>
+        <p:sp>
+          <p:nvSpPr>
+            <p:cNvPr id="7" name="Rectangle 6"/>
+            <p:cNvSpPr/>
+            <p:nvPr/>
+          </p:nvSpPr>
+          <p:spPr>
+            <a:xfrm>
+              <a:off x="3810000" y="3505200"/>
+              <a:ext cx="1219200" cy="838200"/>
+            </a:xfrm>
+            <a:prstGeom prst="rect">
+              <a:avLst/>
+            </a:prstGeom>
+          </p:spPr>
+          <p:style>
+            <a:lnRef idx="0">
+              <a:schemeClr val="accent1"/>
+            </a:lnRef>
+            <a:fillRef idx="3">
+              <a:schemeClr val="accent1"/>
+            </a:fillRef>
+            <a:effectRef idx="3">
+              <a:schemeClr val="accent1"/>
+            </a:effectRef>
+            <a:fontRef idx="minor">
+              <a:schemeClr val="lt1"/>
+            </a:fontRef>
+          </p:style>
+          <p:txBody>
+            <a:bodyPr rtlCol="0" anchor="ctr"/>
+            <a:lstStyle/>
+            <a:p>
+              <a:pPr algn="ctr"/>
+              <a:r>
+                <a:rPr lang="en-US" dirty="0" err="1" smtClean="0"/>
+                <a:t>Xử</a:t>
+              </a:r>
+              <a:r>
+                <a:rPr lang="en-US" dirty="0" smtClean="0"/>
+                <a:t> </a:t>
+              </a:r>
+              <a:r>
+                <a:rPr lang="en-US" dirty="0" err="1" smtClean="0"/>
+                <a:t>lý</a:t>
+              </a:r>
+              <a:endParaRPr lang="vi-VN" dirty="0"/>
+            </a:p>
+          </p:txBody>
+        </p:sp>
+        <p:sp>
+          <p:nvSpPr>
+            <p:cNvPr id="8" name="Rectangle 7"/>
+            <p:cNvSpPr/>
+            <p:nvPr/>
+          </p:nvSpPr>
+          <p:spPr>
+            <a:xfrm>
+              <a:off x="5715000" y="3505200"/>
+              <a:ext cx="1219200" cy="838200"/>
+            </a:xfrm>
+            <a:prstGeom prst="rect">
+              <a:avLst/>
+            </a:prstGeom>
+          </p:spPr>
+          <p:style>
+            <a:lnRef idx="0">
+              <a:schemeClr val="accent1"/>
+            </a:lnRef>
+            <a:fillRef idx="3">
+              <a:schemeClr val="accent1"/>
+            </a:fillRef>
+            <a:effectRef idx="3">
+              <a:schemeClr val="accent1"/>
+            </a:effectRef>
+            <a:fontRef idx="minor">
+              <a:schemeClr val="lt1"/>
+            </a:fontRef>
+          </p:style>
+          <p:txBody>
+            <a:bodyPr rtlCol="0" anchor="ctr"/>
+            <a:lstStyle/>
+            <a:p>
+              <a:pPr algn="ctr"/>
+              <a:r>
+                <a:rPr lang="en-US" dirty="0" smtClean="0"/>
+                <a:t>So </a:t>
+              </a:r>
+              <a:r>
+                <a:rPr lang="en-US" dirty="0" err="1" smtClean="0"/>
+                <a:t>khớp</a:t>
+              </a:r>
+              <a:endParaRPr lang="vi-VN" dirty="0"/>
+            </a:p>
+          </p:txBody>
+        </p:sp>
+        <p:sp>
+          <p:nvSpPr>
+            <p:cNvPr id="9" name="Rectangle 8"/>
+            <p:cNvSpPr/>
+            <p:nvPr/>
+          </p:nvSpPr>
+          <p:spPr>
+            <a:xfrm>
+              <a:off x="7543800" y="3505200"/>
+              <a:ext cx="1219200" cy="838200"/>
+            </a:xfrm>
+            <a:prstGeom prst="rect">
+              <a:avLst/>
+            </a:prstGeom>
+            <a:ln>
+              <a:prstDash val="sysDash"/>
+            </a:ln>
+          </p:spPr>
+          <p:style>
+            <a:lnRef idx="2">
+              <a:schemeClr val="accent1"/>
+            </a:lnRef>
+            <a:fillRef idx="1">
+              <a:schemeClr val="lt1"/>
+            </a:fillRef>
+            <a:effectRef idx="0">
+              <a:schemeClr val="accent1"/>
+            </a:effectRef>
+            <a:fontRef idx="minor">
+              <a:schemeClr val="dk1"/>
+            </a:fontRef>
+          </p:style>
+          <p:txBody>
+            <a:bodyPr rtlCol="0" anchor="ctr"/>
+            <a:lstStyle/>
+            <a:p>
+              <a:pPr algn="ctr"/>
+              <a:r>
+                <a:rPr lang="en-US" dirty="0" err="1" smtClean="0"/>
+                <a:t>Điều</a:t>
+              </a:r>
+              <a:r>
+                <a:rPr lang="en-US" dirty="0" smtClean="0"/>
+                <a:t> </a:t>
+              </a:r>
+              <a:r>
+                <a:rPr lang="en-US" dirty="0" err="1" smtClean="0"/>
+                <a:t>chỉnh</a:t>
+              </a:r>
+              <a:endParaRPr lang="vi-VN" dirty="0"/>
+            </a:p>
+          </p:txBody>
+        </p:sp>
+        <p:sp>
+          <p:nvSpPr>
+            <p:cNvPr id="10" name="Rectangle 9"/>
+            <p:cNvSpPr/>
+            <p:nvPr/>
+          </p:nvSpPr>
+          <p:spPr>
+            <a:xfrm>
+              <a:off x="5715000" y="4876800"/>
+              <a:ext cx="1219200" cy="838200"/>
+            </a:xfrm>
+            <a:prstGeom prst="rect">
+              <a:avLst/>
+            </a:prstGeom>
+            <a:noFill/>
+            <a:ln>
+              <a:noFill/>
+            </a:ln>
+          </p:spPr>
+          <p:style>
+            <a:lnRef idx="2">
+              <a:schemeClr val="accent1">
+                <a:shade val="50000"/>
+              </a:schemeClr>
+            </a:lnRef>
+            <a:fillRef idx="1">
+              <a:schemeClr val="accent1"/>
+            </a:fillRef>
+            <a:effectRef idx="0">
+              <a:schemeClr val="accent1"/>
+            </a:effectRef>
+            <a:fontRef idx="minor">
+              <a:schemeClr val="lt1"/>
+            </a:fontRef>
+          </p:style>
+          <p:txBody>
+            <a:bodyPr rtlCol="0" anchor="ctr"/>
+            <a:lstStyle/>
+            <a:p>
+              <a:pPr algn="ctr"/>
+              <a:r>
+                <a:rPr lang="en-US" dirty="0" smtClean="0">
+                  <a:solidFill>
+                    <a:schemeClr val="tx1"/>
+                  </a:solidFill>
+                </a:rPr>
+                <a:t>Ra </a:t>
+              </a:r>
+              <a:r>
+                <a:rPr lang="en-US" dirty="0" err="1" smtClean="0">
+                  <a:solidFill>
+                    <a:schemeClr val="tx1"/>
+                  </a:solidFill>
+                </a:rPr>
+                <a:t>quyết</a:t>
+              </a:r>
+              <a:r>
+                <a:rPr lang="en-US" dirty="0" smtClean="0">
+                  <a:solidFill>
+                    <a:schemeClr val="tx1"/>
+                  </a:solidFill>
+                </a:rPr>
+                <a:t> </a:t>
+              </a:r>
+              <a:r>
+                <a:rPr lang="en-US" dirty="0" err="1" smtClean="0">
+                  <a:solidFill>
+                    <a:schemeClr val="tx1"/>
+                  </a:solidFill>
+                </a:rPr>
+                <a:t>định</a:t>
+              </a:r>
+              <a:endParaRPr lang="vi-VN" dirty="0">
+                <a:solidFill>
+                  <a:schemeClr val="tx1"/>
+                </a:solidFill>
+              </a:endParaRPr>
+            </a:p>
+          </p:txBody>
+        </p:sp>
+        <p:sp>
+          <p:nvSpPr>
+            <p:cNvPr id="5" name="Can 4"/>
+            <p:cNvSpPr/>
+            <p:nvPr/>
+          </p:nvSpPr>
+          <p:spPr>
+            <a:xfrm>
+              <a:off x="5715000" y="2286000"/>
+              <a:ext cx="1219200" cy="685800"/>
+            </a:xfrm>
+            <a:prstGeom prst="can">
+              <a:avLst/>
+            </a:prstGeom>
+          </p:spPr>
+          <p:style>
+            <a:lnRef idx="0">
+              <a:schemeClr val="accent1"/>
+            </a:lnRef>
+            <a:fillRef idx="3">
+              <a:schemeClr val="accent1"/>
+            </a:fillRef>
+            <a:effectRef idx="3">
+              <a:schemeClr val="accent1"/>
+            </a:effectRef>
+            <a:fontRef idx="minor">
+              <a:schemeClr val="lt1"/>
+            </a:fontRef>
+          </p:style>
+          <p:txBody>
+            <a:bodyPr rtlCol="0" anchor="ctr"/>
+            <a:lstStyle/>
+            <a:p>
+              <a:pPr algn="ctr"/>
+              <a:r>
+                <a:rPr lang="en-US" dirty="0" smtClean="0"/>
+                <a:t>CSDL</a:t>
+              </a:r>
+              <a:endParaRPr lang="vi-VN" dirty="0"/>
+            </a:p>
+          </p:txBody>
+        </p:sp>
+        <p:cxnSp>
+          <p:nvCxnSpPr>
+            <p:cNvPr id="12" name="Straight Arrow Connector 11"/>
+            <p:cNvCxnSpPr>
+              <a:stCxn id="4" idx="3"/>
+              <a:endCxn id="6" idx="1"/>
+            </p:cNvCxnSpPr>
+            <p:nvPr/>
+          </p:nvCxnSpPr>
+          <p:spPr>
+            <a:xfrm>
+              <a:off x="1295400" y="3924300"/>
+              <a:ext cx="609600" cy="0"/>
+            </a:xfrm>
+            <a:prstGeom prst="straightConnector1">
+              <a:avLst/>
+            </a:prstGeom>
+            <a:ln>
+              <a:tailEnd type="arrow"/>
+            </a:ln>
+          </p:spPr>
+          <p:style>
+            <a:lnRef idx="3">
+              <a:schemeClr val="accent1"/>
+            </a:lnRef>
+            <a:fillRef idx="0">
+              <a:schemeClr val="accent1"/>
+            </a:fillRef>
+            <a:effectRef idx="2">
+              <a:schemeClr val="accent1"/>
+            </a:effectRef>
+            <a:fontRef idx="minor">
+              <a:schemeClr val="tx1"/>
+            </a:fontRef>
+          </p:style>
+        </p:cxnSp>
+        <p:cxnSp>
+          <p:nvCxnSpPr>
+            <p:cNvPr id="14" name="Straight Arrow Connector 13"/>
+            <p:cNvCxnSpPr>
+              <a:stCxn id="6" idx="3"/>
+              <a:endCxn id="7" idx="1"/>
+            </p:cNvCxnSpPr>
+            <p:nvPr/>
+          </p:nvCxnSpPr>
+          <p:spPr>
+            <a:xfrm>
+              <a:off x="3124200" y="3924300"/>
+              <a:ext cx="685800" cy="0"/>
+            </a:xfrm>
+            <a:prstGeom prst="straightConnector1">
+              <a:avLst/>
+            </a:prstGeom>
+            <a:ln>
+              <a:tailEnd type="arrow"/>
+            </a:ln>
+          </p:spPr>
+          <p:style>
+            <a:lnRef idx="3">
+              <a:schemeClr val="accent1"/>
+            </a:lnRef>
+            <a:fillRef idx="0">
+              <a:schemeClr val="accent1"/>
+            </a:fillRef>
+            <a:effectRef idx="2">
+              <a:schemeClr val="accent1"/>
+            </a:effectRef>
+            <a:fontRef idx="minor">
+              <a:schemeClr val="tx1"/>
+            </a:fontRef>
+          </p:style>
+        </p:cxnSp>
+        <p:cxnSp>
+          <p:nvCxnSpPr>
+            <p:cNvPr id="19" name="Straight Arrow Connector 18"/>
+            <p:cNvCxnSpPr>
+              <a:stCxn id="7" idx="3"/>
+              <a:endCxn id="8" idx="1"/>
+            </p:cNvCxnSpPr>
+            <p:nvPr/>
+          </p:nvCxnSpPr>
+          <p:spPr>
+            <a:xfrm>
+              <a:off x="5029200" y="3924300"/>
+              <a:ext cx="685800" cy="0"/>
+            </a:xfrm>
+            <a:prstGeom prst="straightConnector1">
+              <a:avLst/>
+            </a:prstGeom>
+            <a:ln>
+              <a:tailEnd type="arrow"/>
+            </a:ln>
+          </p:spPr>
+          <p:style>
+            <a:lnRef idx="3">
+              <a:schemeClr val="accent1"/>
+            </a:lnRef>
+            <a:fillRef idx="0">
+              <a:schemeClr val="accent1"/>
+            </a:fillRef>
+            <a:effectRef idx="2">
+              <a:schemeClr val="accent1"/>
+            </a:effectRef>
+            <a:fontRef idx="minor">
+              <a:schemeClr val="tx1"/>
+            </a:fontRef>
+          </p:style>
+        </p:cxnSp>
+        <p:cxnSp>
+          <p:nvCxnSpPr>
+            <p:cNvPr id="21" name="Straight Arrow Connector 20"/>
+            <p:cNvCxnSpPr>
+              <a:stCxn id="8" idx="2"/>
+              <a:endCxn id="10" idx="0"/>
+            </p:cNvCxnSpPr>
+            <p:nvPr/>
+          </p:nvCxnSpPr>
+          <p:spPr>
+            <a:xfrm>
+              <a:off x="6324600" y="4343400"/>
+              <a:ext cx="0" cy="533400"/>
+            </a:xfrm>
+            <a:prstGeom prst="straightConnector1">
+              <a:avLst/>
+            </a:prstGeom>
+            <a:ln>
+              <a:tailEnd type="arrow"/>
+            </a:ln>
+          </p:spPr>
+          <p:style>
+            <a:lnRef idx="3">
+              <a:schemeClr val="accent1"/>
+            </a:lnRef>
+            <a:fillRef idx="0">
+              <a:schemeClr val="accent1"/>
+            </a:fillRef>
+            <a:effectRef idx="2">
+              <a:schemeClr val="accent1"/>
+            </a:effectRef>
+            <a:fontRef idx="minor">
+              <a:schemeClr val="tx1"/>
+            </a:fontRef>
+          </p:style>
+        </p:cxnSp>
+        <p:cxnSp>
+          <p:nvCxnSpPr>
+            <p:cNvPr id="23" name="Straight Arrow Connector 22"/>
+            <p:cNvCxnSpPr>
+              <a:stCxn id="5" idx="3"/>
+              <a:endCxn id="8" idx="0"/>
+            </p:cNvCxnSpPr>
+            <p:nvPr/>
+          </p:nvCxnSpPr>
+          <p:spPr>
+            <a:xfrm>
+              <a:off x="6324600" y="2971800"/>
+              <a:ext cx="0" cy="533400"/>
+            </a:xfrm>
+            <a:prstGeom prst="straightConnector1">
+              <a:avLst/>
+            </a:prstGeom>
+            <a:ln>
+              <a:tailEnd type="arrow"/>
+            </a:ln>
+          </p:spPr>
+          <p:style>
+            <a:lnRef idx="3">
+              <a:schemeClr val="accent1"/>
+            </a:lnRef>
+            <a:fillRef idx="0">
+              <a:schemeClr val="accent1"/>
+            </a:fillRef>
+            <a:effectRef idx="2">
+              <a:schemeClr val="accent1"/>
+            </a:effectRef>
+            <a:fontRef idx="minor">
+              <a:schemeClr val="tx1"/>
+            </a:fontRef>
+          </p:style>
+        </p:cxnSp>
+        <p:cxnSp>
+          <p:nvCxnSpPr>
+            <p:cNvPr id="25" name="Straight Arrow Connector 24"/>
+            <p:cNvCxnSpPr>
+              <a:stCxn id="8" idx="3"/>
+              <a:endCxn id="9" idx="1"/>
+            </p:cNvCxnSpPr>
+            <p:nvPr/>
+          </p:nvCxnSpPr>
+          <p:spPr>
+            <a:xfrm>
+              <a:off x="6934200" y="3924300"/>
+              <a:ext cx="609600" cy="0"/>
+            </a:xfrm>
+            <a:prstGeom prst="straightConnector1">
+              <a:avLst/>
+            </a:prstGeom>
+            <a:ln>
+              <a:prstDash val="dash"/>
+              <a:tailEnd type="arrow"/>
+            </a:ln>
+          </p:spPr>
+          <p:style>
+            <a:lnRef idx="1">
+              <a:schemeClr val="accent1"/>
+            </a:lnRef>
+            <a:fillRef idx="0">
+              <a:schemeClr val="accent1"/>
+            </a:fillRef>
+            <a:effectRef idx="0">
+              <a:schemeClr val="accent1"/>
+            </a:effectRef>
+            <a:fontRef idx="minor">
+              <a:schemeClr val="tx1"/>
+            </a:fontRef>
+          </p:style>
+        </p:cxnSp>
+        <p:cxnSp>
+          <p:nvCxnSpPr>
+            <p:cNvPr id="27" name="Straight Arrow Connector 26"/>
+            <p:cNvCxnSpPr>
+              <a:stCxn id="9" idx="0"/>
+              <a:endCxn id="5" idx="4"/>
+            </p:cNvCxnSpPr>
+            <p:nvPr/>
+          </p:nvCxnSpPr>
+          <p:spPr>
+            <a:xfrm rot="16200000" flipV="1">
+              <a:off x="7105650" y="2457450"/>
+              <a:ext cx="876300" cy="1219200"/>
+            </a:xfrm>
+            <a:prstGeom prst="bentConnector2">
+              <a:avLst/>
+            </a:prstGeom>
+            <a:ln>
+              <a:prstDash val="dash"/>
+              <a:tailEnd type="arrow"/>
+            </a:ln>
+          </p:spPr>
+          <p:style>
+            <a:lnRef idx="1">
+              <a:schemeClr val="accent1"/>
+            </a:lnRef>
+            <a:fillRef idx="0">
+              <a:schemeClr val="accent1"/>
+            </a:fillRef>
+            <a:effectRef idx="0">
+              <a:schemeClr val="accent1"/>
+            </a:effectRef>
+            <a:fontRef idx="minor">
+              <a:schemeClr val="tx1"/>
+            </a:fontRef>
+          </p:style>
+        </p:cxnSp>
+      </p:grpSp>
     </p:spTree>
     <p:extLst>
       <p:ext uri="{BB962C8B-B14F-4D97-AF65-F5344CB8AC3E}">
-        <p14:creationId xmlns="" xmlns:p14="http://schemas.microsoft.com/office/powerpoint/2010/main" val="1297011577"/>
+        <p14:creationId xmlns:p14="http://schemas.microsoft.com/office/powerpoint/2010/main" xmlns="" val="1297011577"/>
       </p:ext>
     </p:extLst>
   </p:cSld>
@@ -8232,15 +8903,15 @@
           <a:p>
             <a:r>
               <a:rPr lang="en-US" dirty="0" err="1" smtClean="0"/>
-              <a:t>Phân</a:t>
-            </a:r>
-            <a:r>
-              <a:rPr lang="en-US" dirty="0" smtClean="0"/>
-              <a:t> </a:t>
-            </a:r>
-            <a:r>
-              <a:rPr lang="en-US" dirty="0" err="1" smtClean="0"/>
-              <a:t>loại</a:t>
+              <a:t>Tổng</a:t>
+            </a:r>
+            <a:r>
+              <a:rPr lang="en-US" dirty="0" smtClean="0"/>
+              <a:t> </a:t>
+            </a:r>
+            <a:r>
+              <a:rPr lang="en-US" dirty="0" err="1" smtClean="0"/>
+              <a:t>quan</a:t>
             </a:r>
             <a:endParaRPr lang="en-US" dirty="0"/>
           </a:p>
@@ -8248,7 +8919,7 @@
       </p:sp>
       <p:sp>
         <p:nvSpPr>
-          <p:cNvPr id="4" name="Slide Number Placeholder 3"/>
+          <p:cNvPr id="36" name="Slide Number Placeholder 35"/>
           <p:cNvSpPr>
             <a:spLocks noGrp="1"/>
           </p:cNvSpPr>
@@ -8270,10 +8941,685 @@
           </a:p>
         </p:txBody>
       </p:sp>
+      <p:sp>
+        <p:nvSpPr>
+          <p:cNvPr id="4" name="Rectangle 3"/>
+          <p:cNvSpPr/>
+          <p:nvPr/>
+        </p:nvSpPr>
+        <p:spPr>
+          <a:xfrm>
+            <a:off x="76200" y="3505200"/>
+            <a:ext cx="1219200" cy="838200"/>
+          </a:xfrm>
+          <a:prstGeom prst="rect">
+            <a:avLst/>
+          </a:prstGeom>
+          <a:noFill/>
+          <a:ln>
+            <a:noFill/>
+          </a:ln>
+        </p:spPr>
+        <p:style>
+          <a:lnRef idx="2">
+            <a:schemeClr val="accent1">
+              <a:shade val="50000"/>
+            </a:schemeClr>
+          </a:lnRef>
+          <a:fillRef idx="1">
+            <a:schemeClr val="accent1"/>
+          </a:fillRef>
+          <a:effectRef idx="0">
+            <a:schemeClr val="accent1"/>
+          </a:effectRef>
+          <a:fontRef idx="minor">
+            <a:schemeClr val="lt1"/>
+          </a:fontRef>
+        </p:style>
+        <p:txBody>
+          <a:bodyPr rtlCol="0" anchor="ctr"/>
+          <a:lstStyle/>
+          <a:p>
+            <a:pPr algn="ctr"/>
+            <a:r>
+              <a:rPr lang="en-US" dirty="0" err="1" smtClean="0">
+                <a:solidFill>
+                  <a:schemeClr val="tx1"/>
+                </a:solidFill>
+              </a:rPr>
+              <a:t>Mẫu</a:t>
+            </a:r>
+            <a:r>
+              <a:rPr lang="en-US" dirty="0" smtClean="0">
+                <a:solidFill>
+                  <a:schemeClr val="tx1"/>
+                </a:solidFill>
+              </a:rPr>
+              <a:t> </a:t>
+            </a:r>
+            <a:r>
+              <a:rPr lang="en-US" dirty="0" err="1" smtClean="0">
+                <a:solidFill>
+                  <a:schemeClr val="tx1"/>
+                </a:solidFill>
+              </a:rPr>
+              <a:t>sinh</a:t>
+            </a:r>
+            <a:r>
+              <a:rPr lang="en-US" dirty="0" smtClean="0">
+                <a:solidFill>
+                  <a:schemeClr val="tx1"/>
+                </a:solidFill>
+              </a:rPr>
+              <a:t> </a:t>
+            </a:r>
+            <a:r>
+              <a:rPr lang="en-US" dirty="0" err="1" smtClean="0">
+                <a:solidFill>
+                  <a:schemeClr val="tx1"/>
+                </a:solidFill>
+              </a:rPr>
+              <a:t>trắc</a:t>
+            </a:r>
+            <a:r>
+              <a:rPr lang="en-US" dirty="0" smtClean="0">
+                <a:solidFill>
+                  <a:schemeClr val="tx1"/>
+                </a:solidFill>
+              </a:rPr>
+              <a:t> </a:t>
+            </a:r>
+            <a:r>
+              <a:rPr lang="en-US" dirty="0" err="1" smtClean="0">
+                <a:solidFill>
+                  <a:schemeClr val="tx1"/>
+                </a:solidFill>
+              </a:rPr>
+              <a:t>học</a:t>
+            </a:r>
+            <a:endParaRPr lang="vi-VN" dirty="0">
+              <a:solidFill>
+                <a:schemeClr val="tx1"/>
+              </a:solidFill>
+            </a:endParaRPr>
+          </a:p>
+        </p:txBody>
+      </p:sp>
+      <p:sp>
+        <p:nvSpPr>
+          <p:cNvPr id="6" name="Rectangle 5"/>
+          <p:cNvSpPr/>
+          <p:nvPr/>
+        </p:nvSpPr>
+        <p:spPr>
+          <a:xfrm>
+            <a:off x="1905000" y="3505200"/>
+            <a:ext cx="1219200" cy="838200"/>
+          </a:xfrm>
+          <a:prstGeom prst="rect">
+            <a:avLst/>
+          </a:prstGeom>
+        </p:spPr>
+        <p:style>
+          <a:lnRef idx="0">
+            <a:schemeClr val="accent1"/>
+          </a:lnRef>
+          <a:fillRef idx="3">
+            <a:schemeClr val="accent1"/>
+          </a:fillRef>
+          <a:effectRef idx="3">
+            <a:schemeClr val="accent1"/>
+          </a:effectRef>
+          <a:fontRef idx="minor">
+            <a:schemeClr val="lt1"/>
+          </a:fontRef>
+        </p:style>
+        <p:txBody>
+          <a:bodyPr rtlCol="0" anchor="ctr"/>
+          <a:lstStyle/>
+          <a:p>
+            <a:pPr algn="ctr"/>
+            <a:r>
+              <a:rPr lang="en-US" dirty="0" smtClean="0"/>
+              <a:t>Thu </a:t>
+            </a:r>
+            <a:r>
+              <a:rPr lang="en-US" dirty="0" err="1" smtClean="0"/>
+              <a:t>mẫu</a:t>
+            </a:r>
+            <a:endParaRPr lang="vi-VN" dirty="0"/>
+          </a:p>
+        </p:txBody>
+      </p:sp>
+      <p:sp>
+        <p:nvSpPr>
+          <p:cNvPr id="7" name="Rectangle 6"/>
+          <p:cNvSpPr/>
+          <p:nvPr/>
+        </p:nvSpPr>
+        <p:spPr>
+          <a:xfrm>
+            <a:off x="3810000" y="3505200"/>
+            <a:ext cx="1219200" cy="838200"/>
+          </a:xfrm>
+          <a:prstGeom prst="rect">
+            <a:avLst/>
+          </a:prstGeom>
+        </p:spPr>
+        <p:style>
+          <a:lnRef idx="0">
+            <a:schemeClr val="accent1"/>
+          </a:lnRef>
+          <a:fillRef idx="3">
+            <a:schemeClr val="accent1"/>
+          </a:fillRef>
+          <a:effectRef idx="3">
+            <a:schemeClr val="accent1"/>
+          </a:effectRef>
+          <a:fontRef idx="minor">
+            <a:schemeClr val="lt1"/>
+          </a:fontRef>
+        </p:style>
+        <p:txBody>
+          <a:bodyPr rtlCol="0" anchor="ctr"/>
+          <a:lstStyle/>
+          <a:p>
+            <a:pPr algn="ctr"/>
+            <a:r>
+              <a:rPr lang="en-US" dirty="0" err="1" smtClean="0"/>
+              <a:t>Xử</a:t>
+            </a:r>
+            <a:r>
+              <a:rPr lang="en-US" dirty="0" smtClean="0"/>
+              <a:t> </a:t>
+            </a:r>
+            <a:r>
+              <a:rPr lang="en-US" dirty="0" err="1" smtClean="0"/>
+              <a:t>lý</a:t>
+            </a:r>
+            <a:endParaRPr lang="vi-VN" dirty="0"/>
+          </a:p>
+        </p:txBody>
+      </p:sp>
+      <p:sp>
+        <p:nvSpPr>
+          <p:cNvPr id="8" name="Rectangle 7"/>
+          <p:cNvSpPr/>
+          <p:nvPr/>
+        </p:nvSpPr>
+        <p:spPr>
+          <a:xfrm>
+            <a:off x="5715000" y="3505200"/>
+            <a:ext cx="1219200" cy="838200"/>
+          </a:xfrm>
+          <a:prstGeom prst="rect">
+            <a:avLst/>
+          </a:prstGeom>
+        </p:spPr>
+        <p:style>
+          <a:lnRef idx="0">
+            <a:schemeClr val="accent1"/>
+          </a:lnRef>
+          <a:fillRef idx="3">
+            <a:schemeClr val="accent1"/>
+          </a:fillRef>
+          <a:effectRef idx="3">
+            <a:schemeClr val="accent1"/>
+          </a:effectRef>
+          <a:fontRef idx="minor">
+            <a:schemeClr val="lt1"/>
+          </a:fontRef>
+        </p:style>
+        <p:txBody>
+          <a:bodyPr rtlCol="0" anchor="ctr"/>
+          <a:lstStyle/>
+          <a:p>
+            <a:pPr algn="ctr"/>
+            <a:r>
+              <a:rPr lang="en-US" dirty="0" smtClean="0"/>
+              <a:t>So </a:t>
+            </a:r>
+            <a:r>
+              <a:rPr lang="en-US" dirty="0" err="1" smtClean="0"/>
+              <a:t>khớp</a:t>
+            </a:r>
+            <a:endParaRPr lang="vi-VN" dirty="0"/>
+          </a:p>
+        </p:txBody>
+      </p:sp>
+      <p:sp>
+        <p:nvSpPr>
+          <p:cNvPr id="9" name="Rectangle 8"/>
+          <p:cNvSpPr/>
+          <p:nvPr/>
+        </p:nvSpPr>
+        <p:spPr>
+          <a:xfrm>
+            <a:off x="7543800" y="3505200"/>
+            <a:ext cx="1219200" cy="838200"/>
+          </a:xfrm>
+          <a:prstGeom prst="rect">
+            <a:avLst/>
+          </a:prstGeom>
+          <a:ln>
+            <a:prstDash val="sysDash"/>
+          </a:ln>
+        </p:spPr>
+        <p:style>
+          <a:lnRef idx="2">
+            <a:schemeClr val="accent1"/>
+          </a:lnRef>
+          <a:fillRef idx="1">
+            <a:schemeClr val="lt1"/>
+          </a:fillRef>
+          <a:effectRef idx="0">
+            <a:schemeClr val="accent1"/>
+          </a:effectRef>
+          <a:fontRef idx="minor">
+            <a:schemeClr val="dk1"/>
+          </a:fontRef>
+        </p:style>
+        <p:txBody>
+          <a:bodyPr rtlCol="0" anchor="ctr"/>
+          <a:lstStyle/>
+          <a:p>
+            <a:pPr algn="ctr"/>
+            <a:r>
+              <a:rPr lang="en-US" dirty="0" err="1" smtClean="0"/>
+              <a:t>Điều</a:t>
+            </a:r>
+            <a:r>
+              <a:rPr lang="en-US" dirty="0" smtClean="0"/>
+              <a:t> </a:t>
+            </a:r>
+            <a:r>
+              <a:rPr lang="en-US" dirty="0" err="1" smtClean="0"/>
+              <a:t>chỉnh</a:t>
+            </a:r>
+            <a:endParaRPr lang="vi-VN" dirty="0"/>
+          </a:p>
+        </p:txBody>
+      </p:sp>
+      <p:sp>
+        <p:nvSpPr>
+          <p:cNvPr id="10" name="Rectangle 9"/>
+          <p:cNvSpPr/>
+          <p:nvPr/>
+        </p:nvSpPr>
+        <p:spPr>
+          <a:xfrm>
+            <a:off x="5715000" y="4876800"/>
+            <a:ext cx="1219200" cy="838200"/>
+          </a:xfrm>
+          <a:prstGeom prst="rect">
+            <a:avLst/>
+          </a:prstGeom>
+          <a:noFill/>
+          <a:ln>
+            <a:noFill/>
+          </a:ln>
+        </p:spPr>
+        <p:style>
+          <a:lnRef idx="2">
+            <a:schemeClr val="accent1">
+              <a:shade val="50000"/>
+            </a:schemeClr>
+          </a:lnRef>
+          <a:fillRef idx="1">
+            <a:schemeClr val="accent1"/>
+          </a:fillRef>
+          <a:effectRef idx="0">
+            <a:schemeClr val="accent1"/>
+          </a:effectRef>
+          <a:fontRef idx="minor">
+            <a:schemeClr val="lt1"/>
+          </a:fontRef>
+        </p:style>
+        <p:txBody>
+          <a:bodyPr rtlCol="0" anchor="ctr"/>
+          <a:lstStyle/>
+          <a:p>
+            <a:pPr algn="ctr"/>
+            <a:r>
+              <a:rPr lang="en-US" dirty="0" smtClean="0">
+                <a:solidFill>
+                  <a:schemeClr val="tx1"/>
+                </a:solidFill>
+              </a:rPr>
+              <a:t>Ra </a:t>
+            </a:r>
+            <a:r>
+              <a:rPr lang="en-US" dirty="0" err="1" smtClean="0">
+                <a:solidFill>
+                  <a:schemeClr val="tx1"/>
+                </a:solidFill>
+              </a:rPr>
+              <a:t>quyết</a:t>
+            </a:r>
+            <a:r>
+              <a:rPr lang="en-US" dirty="0" smtClean="0">
+                <a:solidFill>
+                  <a:schemeClr val="tx1"/>
+                </a:solidFill>
+              </a:rPr>
+              <a:t> </a:t>
+            </a:r>
+            <a:r>
+              <a:rPr lang="en-US" dirty="0" err="1" smtClean="0">
+                <a:solidFill>
+                  <a:schemeClr val="tx1"/>
+                </a:solidFill>
+              </a:rPr>
+              <a:t>định</a:t>
+            </a:r>
+            <a:endParaRPr lang="vi-VN" dirty="0">
+              <a:solidFill>
+                <a:schemeClr val="tx1"/>
+              </a:solidFill>
+            </a:endParaRPr>
+          </a:p>
+        </p:txBody>
+      </p:sp>
+      <p:sp>
+        <p:nvSpPr>
+          <p:cNvPr id="5" name="Can 4"/>
+          <p:cNvSpPr/>
+          <p:nvPr/>
+        </p:nvSpPr>
+        <p:spPr>
+          <a:xfrm>
+            <a:off x="5715000" y="2286000"/>
+            <a:ext cx="1219200" cy="685800"/>
+          </a:xfrm>
+          <a:prstGeom prst="can">
+            <a:avLst/>
+          </a:prstGeom>
+        </p:spPr>
+        <p:style>
+          <a:lnRef idx="0">
+            <a:schemeClr val="accent1"/>
+          </a:lnRef>
+          <a:fillRef idx="3">
+            <a:schemeClr val="accent1"/>
+          </a:fillRef>
+          <a:effectRef idx="3">
+            <a:schemeClr val="accent1"/>
+          </a:effectRef>
+          <a:fontRef idx="minor">
+            <a:schemeClr val="lt1"/>
+          </a:fontRef>
+        </p:style>
+        <p:txBody>
+          <a:bodyPr rtlCol="0" anchor="ctr"/>
+          <a:lstStyle/>
+          <a:p>
+            <a:pPr algn="ctr"/>
+            <a:r>
+              <a:rPr lang="en-US" dirty="0" smtClean="0"/>
+              <a:t>CSDL</a:t>
+            </a:r>
+            <a:endParaRPr lang="vi-VN" dirty="0"/>
+          </a:p>
+        </p:txBody>
+      </p:sp>
+      <p:cxnSp>
+        <p:nvCxnSpPr>
+          <p:cNvPr id="12" name="Straight Arrow Connector 11"/>
+          <p:cNvCxnSpPr>
+            <a:stCxn id="4" idx="3"/>
+            <a:endCxn id="6" idx="1"/>
+          </p:cNvCxnSpPr>
+          <p:nvPr/>
+        </p:nvCxnSpPr>
+        <p:spPr>
+          <a:xfrm>
+            <a:off x="1295400" y="3924300"/>
+            <a:ext cx="609600" cy="0"/>
+          </a:xfrm>
+          <a:prstGeom prst="straightConnector1">
+            <a:avLst/>
+          </a:prstGeom>
+          <a:ln>
+            <a:tailEnd type="arrow"/>
+          </a:ln>
+        </p:spPr>
+        <p:style>
+          <a:lnRef idx="3">
+            <a:schemeClr val="accent1"/>
+          </a:lnRef>
+          <a:fillRef idx="0">
+            <a:schemeClr val="accent1"/>
+          </a:fillRef>
+          <a:effectRef idx="2">
+            <a:schemeClr val="accent1"/>
+          </a:effectRef>
+          <a:fontRef idx="minor">
+            <a:schemeClr val="tx1"/>
+          </a:fontRef>
+        </p:style>
+      </p:cxnSp>
+      <p:cxnSp>
+        <p:nvCxnSpPr>
+          <p:cNvPr id="14" name="Straight Arrow Connector 13"/>
+          <p:cNvCxnSpPr>
+            <a:stCxn id="6" idx="3"/>
+            <a:endCxn id="7" idx="1"/>
+          </p:cNvCxnSpPr>
+          <p:nvPr/>
+        </p:nvCxnSpPr>
+        <p:spPr>
+          <a:xfrm>
+            <a:off x="3124200" y="3924300"/>
+            <a:ext cx="685800" cy="0"/>
+          </a:xfrm>
+          <a:prstGeom prst="straightConnector1">
+            <a:avLst/>
+          </a:prstGeom>
+          <a:ln>
+            <a:tailEnd type="arrow"/>
+          </a:ln>
+        </p:spPr>
+        <p:style>
+          <a:lnRef idx="3">
+            <a:schemeClr val="accent1"/>
+          </a:lnRef>
+          <a:fillRef idx="0">
+            <a:schemeClr val="accent1"/>
+          </a:fillRef>
+          <a:effectRef idx="2">
+            <a:schemeClr val="accent1"/>
+          </a:effectRef>
+          <a:fontRef idx="minor">
+            <a:schemeClr val="tx1"/>
+          </a:fontRef>
+        </p:style>
+      </p:cxnSp>
+      <p:cxnSp>
+        <p:nvCxnSpPr>
+          <p:cNvPr id="19" name="Straight Arrow Connector 18"/>
+          <p:cNvCxnSpPr>
+            <a:stCxn id="7" idx="3"/>
+            <a:endCxn id="8" idx="1"/>
+          </p:cNvCxnSpPr>
+          <p:nvPr/>
+        </p:nvCxnSpPr>
+        <p:spPr>
+          <a:xfrm>
+            <a:off x="5029200" y="3924300"/>
+            <a:ext cx="685800" cy="0"/>
+          </a:xfrm>
+          <a:prstGeom prst="straightConnector1">
+            <a:avLst/>
+          </a:prstGeom>
+          <a:ln>
+            <a:tailEnd type="arrow"/>
+          </a:ln>
+        </p:spPr>
+        <p:style>
+          <a:lnRef idx="3">
+            <a:schemeClr val="accent1"/>
+          </a:lnRef>
+          <a:fillRef idx="0">
+            <a:schemeClr val="accent1"/>
+          </a:fillRef>
+          <a:effectRef idx="2">
+            <a:schemeClr val="accent1"/>
+          </a:effectRef>
+          <a:fontRef idx="minor">
+            <a:schemeClr val="tx1"/>
+          </a:fontRef>
+        </p:style>
+      </p:cxnSp>
+      <p:cxnSp>
+        <p:nvCxnSpPr>
+          <p:cNvPr id="21" name="Straight Arrow Connector 20"/>
+          <p:cNvCxnSpPr>
+            <a:stCxn id="8" idx="2"/>
+            <a:endCxn id="10" idx="0"/>
+          </p:cNvCxnSpPr>
+          <p:nvPr/>
+        </p:nvCxnSpPr>
+        <p:spPr>
+          <a:xfrm>
+            <a:off x="6324600" y="4343400"/>
+            <a:ext cx="0" cy="533400"/>
+          </a:xfrm>
+          <a:prstGeom prst="straightConnector1">
+            <a:avLst/>
+          </a:prstGeom>
+          <a:ln>
+            <a:tailEnd type="arrow"/>
+          </a:ln>
+        </p:spPr>
+        <p:style>
+          <a:lnRef idx="3">
+            <a:schemeClr val="accent1"/>
+          </a:lnRef>
+          <a:fillRef idx="0">
+            <a:schemeClr val="accent1"/>
+          </a:fillRef>
+          <a:effectRef idx="2">
+            <a:schemeClr val="accent1"/>
+          </a:effectRef>
+          <a:fontRef idx="minor">
+            <a:schemeClr val="tx1"/>
+          </a:fontRef>
+        </p:style>
+      </p:cxnSp>
+      <p:cxnSp>
+        <p:nvCxnSpPr>
+          <p:cNvPr id="23" name="Straight Arrow Connector 22"/>
+          <p:cNvCxnSpPr>
+            <a:stCxn id="5" idx="3"/>
+            <a:endCxn id="8" idx="0"/>
+          </p:cNvCxnSpPr>
+          <p:nvPr/>
+        </p:nvCxnSpPr>
+        <p:spPr>
+          <a:xfrm>
+            <a:off x="6324600" y="2971800"/>
+            <a:ext cx="0" cy="533400"/>
+          </a:xfrm>
+          <a:prstGeom prst="straightConnector1">
+            <a:avLst/>
+          </a:prstGeom>
+          <a:ln>
+            <a:tailEnd type="arrow"/>
+          </a:ln>
+        </p:spPr>
+        <p:style>
+          <a:lnRef idx="3">
+            <a:schemeClr val="accent1"/>
+          </a:lnRef>
+          <a:fillRef idx="0">
+            <a:schemeClr val="accent1"/>
+          </a:fillRef>
+          <a:effectRef idx="2">
+            <a:schemeClr val="accent1"/>
+          </a:effectRef>
+          <a:fontRef idx="minor">
+            <a:schemeClr val="tx1"/>
+          </a:fontRef>
+        </p:style>
+      </p:cxnSp>
+      <p:cxnSp>
+        <p:nvCxnSpPr>
+          <p:cNvPr id="25" name="Straight Arrow Connector 24"/>
+          <p:cNvCxnSpPr>
+            <a:stCxn id="8" idx="3"/>
+            <a:endCxn id="9" idx="1"/>
+          </p:cNvCxnSpPr>
+          <p:nvPr/>
+        </p:nvCxnSpPr>
+        <p:spPr>
+          <a:xfrm>
+            <a:off x="6934200" y="3924300"/>
+            <a:ext cx="609600" cy="0"/>
+          </a:xfrm>
+          <a:prstGeom prst="straightConnector1">
+            <a:avLst/>
+          </a:prstGeom>
+          <a:ln>
+            <a:prstDash val="dash"/>
+            <a:tailEnd type="arrow"/>
+          </a:ln>
+        </p:spPr>
+        <p:style>
+          <a:lnRef idx="1">
+            <a:schemeClr val="accent1"/>
+          </a:lnRef>
+          <a:fillRef idx="0">
+            <a:schemeClr val="accent1"/>
+          </a:fillRef>
+          <a:effectRef idx="0">
+            <a:schemeClr val="accent1"/>
+          </a:effectRef>
+          <a:fontRef idx="minor">
+            <a:schemeClr val="tx1"/>
+          </a:fontRef>
+        </p:style>
+      </p:cxnSp>
+      <p:cxnSp>
+        <p:nvCxnSpPr>
+          <p:cNvPr id="27" name="Straight Arrow Connector 26"/>
+          <p:cNvCxnSpPr>
+            <a:stCxn id="9" idx="0"/>
+            <a:endCxn id="5" idx="4"/>
+          </p:cNvCxnSpPr>
+          <p:nvPr/>
+        </p:nvCxnSpPr>
+        <p:spPr>
+          <a:xfrm rot="16200000" flipV="1">
+            <a:off x="7105650" y="2457450"/>
+            <a:ext cx="876300" cy="1219200"/>
+          </a:xfrm>
+          <a:prstGeom prst="bentConnector2">
+            <a:avLst/>
+          </a:prstGeom>
+          <a:ln>
+            <a:prstDash val="dash"/>
+            <a:tailEnd type="arrow"/>
+          </a:ln>
+        </p:spPr>
+        <p:style>
+          <a:lnRef idx="1">
+            <a:schemeClr val="accent1"/>
+          </a:lnRef>
+          <a:fillRef idx="0">
+            <a:schemeClr val="accent1"/>
+          </a:fillRef>
+          <a:effectRef idx="0">
+            <a:schemeClr val="accent1"/>
+          </a:effectRef>
+          <a:fontRef idx="minor">
+            <a:schemeClr val="tx1"/>
+          </a:fontRef>
+        </p:style>
+      </p:cxnSp>
     </p:spTree>
     <p:extLst>
       <p:ext uri="{BB962C8B-B14F-4D97-AF65-F5344CB8AC3E}">
-        <p14:creationId xmlns="" xmlns:p14="http://schemas.microsoft.com/office/powerpoint/2010/main" val="1297011577"/>
+        <p14:creationId xmlns:p14="http://schemas.microsoft.com/office/powerpoint/2010/main" xmlns="" val="3925425045"/>
       </p:ext>
     </p:extLst>
   </p:cSld>
@@ -8283,9 +9629,82 @@
   <p:timing>
     <p:tnLst>
       <p:par>
-        <p:cTn id="1" dur="indefinite" restart="never" nodeType="tmRoot"/>
+        <p:cTn id="1" dur="indefinite" restart="never" nodeType="tmRoot">
+          <p:childTnLst>
+            <p:seq concurrent="1" nextAc="seek">
+              <p:cTn id="2" dur="indefinite" nodeType="mainSeq">
+                <p:childTnLst>
+                  <p:par>
+                    <p:cTn id="3" fill="hold">
+                      <p:stCondLst>
+                        <p:cond delay="indefinite"/>
+                        <p:cond evt="onBegin" delay="0">
+                          <p:tn val="2"/>
+                        </p:cond>
+                      </p:stCondLst>
+                      <p:childTnLst>
+                        <p:par>
+                          <p:cTn id="4" fill="hold">
+                            <p:stCondLst>
+                              <p:cond delay="0"/>
+                            </p:stCondLst>
+                            <p:childTnLst>
+                              <p:par>
+                                <p:cTn id="5" presetID="26" presetClass="emph" presetSubtype="0" fill="hold" grpId="0" nodeType="withEffect">
+                                  <p:stCondLst>
+                                    <p:cond delay="0"/>
+                                  </p:stCondLst>
+                                  <p:childTnLst>
+                                    <p:animEffect transition="out" filter="fade">
+                                      <p:cBhvr>
+                                        <p:cTn id="6" dur="1000" tmFilter="0, 0; .2, .5; .8, .5; 1, 0"/>
+                                        <p:tgtEl>
+                                          <p:spTgt spid="6"/>
+                                        </p:tgtEl>
+                                      </p:cBhvr>
+                                    </p:animEffect>
+                                    <p:animScale>
+                                      <p:cBhvr>
+                                        <p:cTn id="7" dur="500" autoRev="1" fill="hold"/>
+                                        <p:tgtEl>
+                                          <p:spTgt spid="6"/>
+                                        </p:tgtEl>
+                                      </p:cBhvr>
+                                      <p:by x="105000" y="105000"/>
+                                    </p:animScale>
+                                  </p:childTnLst>
+                                </p:cTn>
+                              </p:par>
+                            </p:childTnLst>
+                          </p:cTn>
+                        </p:par>
+                      </p:childTnLst>
+                    </p:cTn>
+                  </p:par>
+                </p:childTnLst>
+              </p:cTn>
+              <p:prevCondLst>
+                <p:cond evt="onPrev" delay="0">
+                  <p:tgtEl>
+                    <p:sldTgt/>
+                  </p:tgtEl>
+                </p:cond>
+              </p:prevCondLst>
+              <p:nextCondLst>
+                <p:cond evt="onNext" delay="0">
+                  <p:tgtEl>
+                    <p:sldTgt/>
+                  </p:tgtEl>
+                </p:cond>
+              </p:nextCondLst>
+            </p:seq>
+          </p:childTnLst>
+        </p:cTn>
       </p:par>
     </p:tnLst>
+    <p:bldLst>
+      <p:bldP spid="6" grpId="0" animBg="1"/>
+    </p:bldLst>
   </p:timing>
 </p:sld>
 </file>
@@ -8368,39 +9787,23 @@
           <a:p>
             <a:r>
               <a:rPr lang="en-US" dirty="0" err="1" smtClean="0"/>
-              <a:t>Hướng</a:t>
-            </a:r>
-            <a:r>
-              <a:rPr lang="en-US" dirty="0" smtClean="0"/>
-              <a:t> </a:t>
-            </a:r>
-            <a:r>
-              <a:rPr lang="en-US" dirty="0" err="1" smtClean="0"/>
-              <a:t>tiếp</a:t>
-            </a:r>
-            <a:r>
-              <a:rPr lang="en-US" dirty="0" smtClean="0"/>
-              <a:t> </a:t>
-            </a:r>
-            <a:r>
-              <a:rPr lang="en-US" dirty="0" err="1" smtClean="0"/>
-              <a:t>cận</a:t>
-            </a:r>
-            <a:r>
-              <a:rPr lang="en-US" dirty="0" smtClean="0"/>
-              <a:t> </a:t>
-            </a:r>
-            <a:r>
-              <a:rPr lang="en-US" dirty="0" err="1" smtClean="0"/>
-              <a:t>của</a:t>
-            </a:r>
-            <a:r>
-              <a:rPr lang="en-US" dirty="0" smtClean="0"/>
-              <a:t> </a:t>
-            </a:r>
-            <a:r>
-              <a:rPr lang="en-US" dirty="0" err="1" smtClean="0"/>
-              <a:t>nhóm</a:t>
+              <a:t>Tổng</a:t>
+            </a:r>
+            <a:r>
+              <a:rPr lang="en-US" dirty="0" smtClean="0"/>
+              <a:t> </a:t>
+            </a:r>
+            <a:r>
+              <a:rPr lang="en-US" dirty="0" err="1" smtClean="0"/>
+              <a:t>quan</a:t>
+            </a:r>
+            <a:r>
+              <a:rPr lang="en-US" dirty="0" smtClean="0"/>
+              <a:t> – Thu </a:t>
+            </a:r>
+            <a:r>
+              <a:rPr lang="en-US" dirty="0" err="1" smtClean="0"/>
+              <a:t>mẫu</a:t>
             </a:r>
             <a:endParaRPr lang="en-US" dirty="0"/>
           </a:p>
@@ -8408,7 +9811,7 @@
       </p:sp>
       <p:sp>
         <p:nvSpPr>
-          <p:cNvPr id="4" name="Slide Number Placeholder 3"/>
+          <p:cNvPr id="36" name="Slide Number Placeholder 35"/>
           <p:cNvSpPr>
             <a:spLocks noGrp="1"/>
           </p:cNvSpPr>
@@ -8430,10 +9833,133 @@
           </a:p>
         </p:txBody>
       </p:sp>
+      <p:pic>
+        <p:nvPicPr>
+          <p:cNvPr id="11" name="Picture 10"/>
+          <p:cNvPicPr>
+            <a:picLocks noChangeAspect="1"/>
+          </p:cNvPicPr>
+          <p:nvPr/>
+        </p:nvPicPr>
+        <p:blipFill>
+          <a:blip r:embed="rId2" cstate="print">
+            <a:extLst>
+              <a:ext uri="{28A0092B-C50C-407E-A947-70E740481C1C}">
+                <a14:useLocalDpi xmlns:a14="http://schemas.microsoft.com/office/drawing/2010/main" xmlns="" val="0"/>
+              </a:ext>
+            </a:extLst>
+          </a:blip>
+          <a:stretch>
+            <a:fillRect/>
+          </a:stretch>
+        </p:blipFill>
+        <p:spPr>
+          <a:xfrm>
+            <a:off x="990600" y="2590800"/>
+            <a:ext cx="2870200" cy="3556000"/>
+          </a:xfrm>
+          <a:prstGeom prst="rect">
+            <a:avLst/>
+          </a:prstGeom>
+        </p:spPr>
+      </p:pic>
+      <p:sp>
+        <p:nvSpPr>
+          <p:cNvPr id="20" name="TextBox 19"/>
+          <p:cNvSpPr txBox="1"/>
+          <p:nvPr/>
+        </p:nvSpPr>
+        <p:spPr>
+          <a:xfrm>
+            <a:off x="381000" y="6215390"/>
+            <a:ext cx="4011034" cy="261610"/>
+          </a:xfrm>
+          <a:prstGeom prst="rect">
+            <a:avLst/>
+          </a:prstGeom>
+          <a:noFill/>
+        </p:spPr>
+        <p:txBody>
+          <a:bodyPr wrap="none" rtlCol="0">
+            <a:spAutoFit/>
+          </a:bodyPr>
+          <a:lstStyle/>
+          <a:p>
+            <a:r>
+              <a:rPr lang="en-US" sz="1100" dirty="0"/>
+              <a:t>Source: http://www.questbiometrics.com/hand-scanning.html</a:t>
+            </a:r>
+          </a:p>
+        </p:txBody>
+      </p:sp>
+      <p:sp>
+        <p:nvSpPr>
+          <p:cNvPr id="22" name="TextBox 21"/>
+          <p:cNvSpPr txBox="1"/>
+          <p:nvPr/>
+        </p:nvSpPr>
+        <p:spPr>
+          <a:xfrm>
+            <a:off x="5272249" y="6213847"/>
+            <a:ext cx="2828860" cy="261610"/>
+          </a:xfrm>
+          <a:prstGeom prst="rect">
+            <a:avLst/>
+          </a:prstGeom>
+          <a:noFill/>
+        </p:spPr>
+        <p:txBody>
+          <a:bodyPr wrap="square" rtlCol="0">
+            <a:spAutoFit/>
+          </a:bodyPr>
+          <a:lstStyle/>
+          <a:p>
+            <a:r>
+              <a:rPr lang="en-US" sz="1100" dirty="0" smtClean="0"/>
+              <a:t>Source: </a:t>
+            </a:r>
+            <a:r>
+              <a:rPr lang="en-US" sz="1100" i="1" dirty="0" smtClean="0"/>
+              <a:t>Hand geometry based verification</a:t>
+            </a:r>
+            <a:endParaRPr lang="en-US" sz="1100" dirty="0"/>
+          </a:p>
+        </p:txBody>
+      </p:sp>
+      <p:pic>
+        <p:nvPicPr>
+          <p:cNvPr id="15" name="Picture 14" descr="Screen Clipping"/>
+          <p:cNvPicPr>
+            <a:picLocks noChangeAspect="1"/>
+          </p:cNvPicPr>
+          <p:nvPr/>
+        </p:nvPicPr>
+        <p:blipFill>
+          <a:blip r:embed="rId3" cstate="print">
+            <a:extLst>
+              <a:ext uri="{28A0092B-C50C-407E-A947-70E740481C1C}">
+                <a14:useLocalDpi xmlns:a14="http://schemas.microsoft.com/office/drawing/2010/main" xmlns="" val="0"/>
+              </a:ext>
+            </a:extLst>
+          </a:blip>
+          <a:stretch>
+            <a:fillRect/>
+          </a:stretch>
+        </p:blipFill>
+        <p:spPr>
+          <a:xfrm>
+            <a:off x="4533729" y="2768376"/>
+            <a:ext cx="4305901" cy="3200847"/>
+          </a:xfrm>
+          <a:prstGeom prst="rect">
+            <a:avLst/>
+          </a:prstGeom>
+        </p:spPr>
+      </p:pic>
     </p:spTree>
     <p:extLst>
       <p:ext uri="{BB962C8B-B14F-4D97-AF65-F5344CB8AC3E}">
-        <p14:creationId xmlns="" xmlns:p14="http://schemas.microsoft.com/office/powerpoint/2010/main" val="1297011577"/>
+        <p14:creationId xmlns:p14="http://schemas.microsoft.com/office/powerpoint/2010/main" xmlns="" val="2797135597"/>
       </p:ext>
     </p:extLst>
   </p:cSld>
@@ -8483,8 +10009,24 @@
           <a:lstStyle/>
           <a:p>
             <a:r>
-              <a:rPr lang="en-US" dirty="0" smtClean="0"/>
-              <a:t>Demo</a:t>
+              <a:rPr lang="en-US" dirty="0" err="1" smtClean="0"/>
+              <a:t>Hướng</a:t>
+            </a:r>
+            <a:r>
+              <a:rPr lang="en-US" dirty="0" smtClean="0"/>
+              <a:t> </a:t>
+            </a:r>
+            <a:r>
+              <a:rPr lang="en-US" dirty="0" err="1" smtClean="0"/>
+              <a:t>tiếp</a:t>
+            </a:r>
+            <a:r>
+              <a:rPr lang="en-US" dirty="0" smtClean="0"/>
+              <a:t> </a:t>
+            </a:r>
+            <a:r>
+              <a:rPr lang="en-US" dirty="0" err="1" smtClean="0"/>
+              <a:t>cận</a:t>
             </a:r>
             <a:endParaRPr lang="en-US" dirty="0"/>
           </a:p>
@@ -8500,18 +10042,35 @@
             <p:ph idx="1"/>
           </p:nvPr>
         </p:nvSpPr>
-        <p:spPr/>
+        <p:spPr>
+          <a:xfrm>
+            <a:off x="457200" y="1935480"/>
+            <a:ext cx="8229600" cy="655320"/>
+          </a:xfrm>
+        </p:spPr>
         <p:txBody>
           <a:bodyPr/>
           <a:lstStyle/>
           <a:p>
-            <a:endParaRPr lang="en-US"/>
-          </a:p>
-        </p:txBody>
-      </p:sp>
-      <p:sp>
-        <p:nvSpPr>
-          <p:cNvPr id="4" name="Slide Number Placeholder 3"/>
+            <a:r>
+              <a:rPr lang="en-US" dirty="0" err="1" smtClean="0"/>
+              <a:t>Tổng</a:t>
+            </a:r>
+            <a:r>
+              <a:rPr lang="en-US" dirty="0" smtClean="0"/>
+              <a:t> </a:t>
+            </a:r>
+            <a:r>
+              <a:rPr lang="en-US" dirty="0" err="1" smtClean="0"/>
+              <a:t>quan</a:t>
+            </a:r>
+            <a:endParaRPr lang="en-US" dirty="0"/>
+          </a:p>
+        </p:txBody>
+      </p:sp>
+      <p:sp>
+        <p:nvSpPr>
+          <p:cNvPr id="36" name="Slide Number Placeholder 35"/>
           <p:cNvSpPr>
             <a:spLocks noGrp="1"/>
           </p:cNvSpPr>
@@ -8533,10 +10092,685 @@
           </a:p>
         </p:txBody>
       </p:sp>
+      <p:sp>
+        <p:nvSpPr>
+          <p:cNvPr id="4" name="Rectangle 3"/>
+          <p:cNvSpPr/>
+          <p:nvPr/>
+        </p:nvSpPr>
+        <p:spPr>
+          <a:xfrm>
+            <a:off x="76200" y="3505200"/>
+            <a:ext cx="1219200" cy="838200"/>
+          </a:xfrm>
+          <a:prstGeom prst="rect">
+            <a:avLst/>
+          </a:prstGeom>
+          <a:noFill/>
+          <a:ln>
+            <a:noFill/>
+          </a:ln>
+        </p:spPr>
+        <p:style>
+          <a:lnRef idx="2">
+            <a:schemeClr val="accent1">
+              <a:shade val="50000"/>
+            </a:schemeClr>
+          </a:lnRef>
+          <a:fillRef idx="1">
+            <a:schemeClr val="accent1"/>
+          </a:fillRef>
+          <a:effectRef idx="0">
+            <a:schemeClr val="accent1"/>
+          </a:effectRef>
+          <a:fontRef idx="minor">
+            <a:schemeClr val="lt1"/>
+          </a:fontRef>
+        </p:style>
+        <p:txBody>
+          <a:bodyPr rtlCol="0" anchor="ctr"/>
+          <a:lstStyle/>
+          <a:p>
+            <a:pPr algn="ctr"/>
+            <a:r>
+              <a:rPr lang="en-US" dirty="0" err="1" smtClean="0">
+                <a:solidFill>
+                  <a:schemeClr val="tx1"/>
+                </a:solidFill>
+              </a:rPr>
+              <a:t>Mẫu</a:t>
+            </a:r>
+            <a:r>
+              <a:rPr lang="en-US" dirty="0" smtClean="0">
+                <a:solidFill>
+                  <a:schemeClr val="tx1"/>
+                </a:solidFill>
+              </a:rPr>
+              <a:t> </a:t>
+            </a:r>
+            <a:r>
+              <a:rPr lang="en-US" dirty="0" err="1" smtClean="0">
+                <a:solidFill>
+                  <a:schemeClr val="tx1"/>
+                </a:solidFill>
+              </a:rPr>
+              <a:t>sinh</a:t>
+            </a:r>
+            <a:r>
+              <a:rPr lang="en-US" dirty="0" smtClean="0">
+                <a:solidFill>
+                  <a:schemeClr val="tx1"/>
+                </a:solidFill>
+              </a:rPr>
+              <a:t> </a:t>
+            </a:r>
+            <a:r>
+              <a:rPr lang="en-US" dirty="0" err="1" smtClean="0">
+                <a:solidFill>
+                  <a:schemeClr val="tx1"/>
+                </a:solidFill>
+              </a:rPr>
+              <a:t>trắc</a:t>
+            </a:r>
+            <a:r>
+              <a:rPr lang="en-US" dirty="0" smtClean="0">
+                <a:solidFill>
+                  <a:schemeClr val="tx1"/>
+                </a:solidFill>
+              </a:rPr>
+              <a:t> </a:t>
+            </a:r>
+            <a:r>
+              <a:rPr lang="en-US" dirty="0" err="1" smtClean="0">
+                <a:solidFill>
+                  <a:schemeClr val="tx1"/>
+                </a:solidFill>
+              </a:rPr>
+              <a:t>học</a:t>
+            </a:r>
+            <a:endParaRPr lang="vi-VN" dirty="0">
+              <a:solidFill>
+                <a:schemeClr val="tx1"/>
+              </a:solidFill>
+            </a:endParaRPr>
+          </a:p>
+        </p:txBody>
+      </p:sp>
+      <p:sp>
+        <p:nvSpPr>
+          <p:cNvPr id="6" name="Rectangle 5"/>
+          <p:cNvSpPr/>
+          <p:nvPr/>
+        </p:nvSpPr>
+        <p:spPr>
+          <a:xfrm>
+            <a:off x="1905000" y="3505200"/>
+            <a:ext cx="1219200" cy="838200"/>
+          </a:xfrm>
+          <a:prstGeom prst="rect">
+            <a:avLst/>
+          </a:prstGeom>
+        </p:spPr>
+        <p:style>
+          <a:lnRef idx="0">
+            <a:schemeClr val="accent1"/>
+          </a:lnRef>
+          <a:fillRef idx="3">
+            <a:schemeClr val="accent1"/>
+          </a:fillRef>
+          <a:effectRef idx="3">
+            <a:schemeClr val="accent1"/>
+          </a:effectRef>
+          <a:fontRef idx="minor">
+            <a:schemeClr val="lt1"/>
+          </a:fontRef>
+        </p:style>
+        <p:txBody>
+          <a:bodyPr rtlCol="0" anchor="ctr"/>
+          <a:lstStyle/>
+          <a:p>
+            <a:pPr algn="ctr"/>
+            <a:r>
+              <a:rPr lang="en-US" dirty="0" smtClean="0"/>
+              <a:t>Thu </a:t>
+            </a:r>
+            <a:r>
+              <a:rPr lang="en-US" dirty="0" err="1" smtClean="0"/>
+              <a:t>mẫu</a:t>
+            </a:r>
+            <a:endParaRPr lang="vi-VN" dirty="0"/>
+          </a:p>
+        </p:txBody>
+      </p:sp>
+      <p:sp>
+        <p:nvSpPr>
+          <p:cNvPr id="7" name="Rectangle 6"/>
+          <p:cNvSpPr/>
+          <p:nvPr/>
+        </p:nvSpPr>
+        <p:spPr>
+          <a:xfrm>
+            <a:off x="3810000" y="3505200"/>
+            <a:ext cx="1219200" cy="838200"/>
+          </a:xfrm>
+          <a:prstGeom prst="rect">
+            <a:avLst/>
+          </a:prstGeom>
+        </p:spPr>
+        <p:style>
+          <a:lnRef idx="0">
+            <a:schemeClr val="accent1"/>
+          </a:lnRef>
+          <a:fillRef idx="3">
+            <a:schemeClr val="accent1"/>
+          </a:fillRef>
+          <a:effectRef idx="3">
+            <a:schemeClr val="accent1"/>
+          </a:effectRef>
+          <a:fontRef idx="minor">
+            <a:schemeClr val="lt1"/>
+          </a:fontRef>
+        </p:style>
+        <p:txBody>
+          <a:bodyPr rtlCol="0" anchor="ctr"/>
+          <a:lstStyle/>
+          <a:p>
+            <a:pPr algn="ctr"/>
+            <a:r>
+              <a:rPr lang="en-US" dirty="0" err="1" smtClean="0"/>
+              <a:t>Xử</a:t>
+            </a:r>
+            <a:r>
+              <a:rPr lang="en-US" dirty="0" smtClean="0"/>
+              <a:t> </a:t>
+            </a:r>
+            <a:r>
+              <a:rPr lang="en-US" dirty="0" err="1" smtClean="0"/>
+              <a:t>lý</a:t>
+            </a:r>
+            <a:endParaRPr lang="vi-VN" dirty="0"/>
+          </a:p>
+        </p:txBody>
+      </p:sp>
+      <p:sp>
+        <p:nvSpPr>
+          <p:cNvPr id="8" name="Rectangle 7"/>
+          <p:cNvSpPr/>
+          <p:nvPr/>
+        </p:nvSpPr>
+        <p:spPr>
+          <a:xfrm>
+            <a:off x="5715000" y="3505200"/>
+            <a:ext cx="1219200" cy="838200"/>
+          </a:xfrm>
+          <a:prstGeom prst="rect">
+            <a:avLst/>
+          </a:prstGeom>
+        </p:spPr>
+        <p:style>
+          <a:lnRef idx="0">
+            <a:schemeClr val="accent1"/>
+          </a:lnRef>
+          <a:fillRef idx="3">
+            <a:schemeClr val="accent1"/>
+          </a:fillRef>
+          <a:effectRef idx="3">
+            <a:schemeClr val="accent1"/>
+          </a:effectRef>
+          <a:fontRef idx="minor">
+            <a:schemeClr val="lt1"/>
+          </a:fontRef>
+        </p:style>
+        <p:txBody>
+          <a:bodyPr rtlCol="0" anchor="ctr"/>
+          <a:lstStyle/>
+          <a:p>
+            <a:pPr algn="ctr"/>
+            <a:r>
+              <a:rPr lang="en-US" dirty="0" smtClean="0"/>
+              <a:t>So </a:t>
+            </a:r>
+            <a:r>
+              <a:rPr lang="en-US" dirty="0" err="1" smtClean="0"/>
+              <a:t>khớp</a:t>
+            </a:r>
+            <a:endParaRPr lang="vi-VN" dirty="0"/>
+          </a:p>
+        </p:txBody>
+      </p:sp>
+      <p:sp>
+        <p:nvSpPr>
+          <p:cNvPr id="9" name="Rectangle 8"/>
+          <p:cNvSpPr/>
+          <p:nvPr/>
+        </p:nvSpPr>
+        <p:spPr>
+          <a:xfrm>
+            <a:off x="7543800" y="3505200"/>
+            <a:ext cx="1219200" cy="838200"/>
+          </a:xfrm>
+          <a:prstGeom prst="rect">
+            <a:avLst/>
+          </a:prstGeom>
+          <a:ln>
+            <a:prstDash val="sysDash"/>
+          </a:ln>
+        </p:spPr>
+        <p:style>
+          <a:lnRef idx="2">
+            <a:schemeClr val="accent1"/>
+          </a:lnRef>
+          <a:fillRef idx="1">
+            <a:schemeClr val="lt1"/>
+          </a:fillRef>
+          <a:effectRef idx="0">
+            <a:schemeClr val="accent1"/>
+          </a:effectRef>
+          <a:fontRef idx="minor">
+            <a:schemeClr val="dk1"/>
+          </a:fontRef>
+        </p:style>
+        <p:txBody>
+          <a:bodyPr rtlCol="0" anchor="ctr"/>
+          <a:lstStyle/>
+          <a:p>
+            <a:pPr algn="ctr"/>
+            <a:r>
+              <a:rPr lang="en-US" dirty="0" err="1" smtClean="0"/>
+              <a:t>Điều</a:t>
+            </a:r>
+            <a:r>
+              <a:rPr lang="en-US" dirty="0" smtClean="0"/>
+              <a:t> </a:t>
+            </a:r>
+            <a:r>
+              <a:rPr lang="en-US" dirty="0" err="1" smtClean="0"/>
+              <a:t>chỉnh</a:t>
+            </a:r>
+            <a:endParaRPr lang="vi-VN" dirty="0"/>
+          </a:p>
+        </p:txBody>
+      </p:sp>
+      <p:sp>
+        <p:nvSpPr>
+          <p:cNvPr id="10" name="Rectangle 9"/>
+          <p:cNvSpPr/>
+          <p:nvPr/>
+        </p:nvSpPr>
+        <p:spPr>
+          <a:xfrm>
+            <a:off x="5715000" y="4876800"/>
+            <a:ext cx="1219200" cy="838200"/>
+          </a:xfrm>
+          <a:prstGeom prst="rect">
+            <a:avLst/>
+          </a:prstGeom>
+          <a:noFill/>
+          <a:ln>
+            <a:noFill/>
+          </a:ln>
+        </p:spPr>
+        <p:style>
+          <a:lnRef idx="2">
+            <a:schemeClr val="accent1">
+              <a:shade val="50000"/>
+            </a:schemeClr>
+          </a:lnRef>
+          <a:fillRef idx="1">
+            <a:schemeClr val="accent1"/>
+          </a:fillRef>
+          <a:effectRef idx="0">
+            <a:schemeClr val="accent1"/>
+          </a:effectRef>
+          <a:fontRef idx="minor">
+            <a:schemeClr val="lt1"/>
+          </a:fontRef>
+        </p:style>
+        <p:txBody>
+          <a:bodyPr rtlCol="0" anchor="ctr"/>
+          <a:lstStyle/>
+          <a:p>
+            <a:pPr algn="ctr"/>
+            <a:r>
+              <a:rPr lang="en-US" dirty="0" smtClean="0">
+                <a:solidFill>
+                  <a:schemeClr val="tx1"/>
+                </a:solidFill>
+              </a:rPr>
+              <a:t>Ra </a:t>
+            </a:r>
+            <a:r>
+              <a:rPr lang="en-US" dirty="0" err="1" smtClean="0">
+                <a:solidFill>
+                  <a:schemeClr val="tx1"/>
+                </a:solidFill>
+              </a:rPr>
+              <a:t>quyết</a:t>
+            </a:r>
+            <a:r>
+              <a:rPr lang="en-US" dirty="0" smtClean="0">
+                <a:solidFill>
+                  <a:schemeClr val="tx1"/>
+                </a:solidFill>
+              </a:rPr>
+              <a:t> </a:t>
+            </a:r>
+            <a:r>
+              <a:rPr lang="en-US" dirty="0" err="1" smtClean="0">
+                <a:solidFill>
+                  <a:schemeClr val="tx1"/>
+                </a:solidFill>
+              </a:rPr>
+              <a:t>định</a:t>
+            </a:r>
+            <a:endParaRPr lang="vi-VN" dirty="0">
+              <a:solidFill>
+                <a:schemeClr val="tx1"/>
+              </a:solidFill>
+            </a:endParaRPr>
+          </a:p>
+        </p:txBody>
+      </p:sp>
+      <p:sp>
+        <p:nvSpPr>
+          <p:cNvPr id="5" name="Can 4"/>
+          <p:cNvSpPr/>
+          <p:nvPr/>
+        </p:nvSpPr>
+        <p:spPr>
+          <a:xfrm>
+            <a:off x="5715000" y="2286000"/>
+            <a:ext cx="1219200" cy="685800"/>
+          </a:xfrm>
+          <a:prstGeom prst="can">
+            <a:avLst/>
+          </a:prstGeom>
+        </p:spPr>
+        <p:style>
+          <a:lnRef idx="0">
+            <a:schemeClr val="accent1"/>
+          </a:lnRef>
+          <a:fillRef idx="3">
+            <a:schemeClr val="accent1"/>
+          </a:fillRef>
+          <a:effectRef idx="3">
+            <a:schemeClr val="accent1"/>
+          </a:effectRef>
+          <a:fontRef idx="minor">
+            <a:schemeClr val="lt1"/>
+          </a:fontRef>
+        </p:style>
+        <p:txBody>
+          <a:bodyPr rtlCol="0" anchor="ctr"/>
+          <a:lstStyle/>
+          <a:p>
+            <a:pPr algn="ctr"/>
+            <a:r>
+              <a:rPr lang="en-US" dirty="0" smtClean="0"/>
+              <a:t>CSDL</a:t>
+            </a:r>
+            <a:endParaRPr lang="vi-VN" dirty="0"/>
+          </a:p>
+        </p:txBody>
+      </p:sp>
+      <p:cxnSp>
+        <p:nvCxnSpPr>
+          <p:cNvPr id="12" name="Straight Arrow Connector 11"/>
+          <p:cNvCxnSpPr>
+            <a:stCxn id="4" idx="3"/>
+            <a:endCxn id="6" idx="1"/>
+          </p:cNvCxnSpPr>
+          <p:nvPr/>
+        </p:nvCxnSpPr>
+        <p:spPr>
+          <a:xfrm>
+            <a:off x="1295400" y="3924300"/>
+            <a:ext cx="609600" cy="0"/>
+          </a:xfrm>
+          <a:prstGeom prst="straightConnector1">
+            <a:avLst/>
+          </a:prstGeom>
+          <a:ln>
+            <a:tailEnd type="arrow"/>
+          </a:ln>
+        </p:spPr>
+        <p:style>
+          <a:lnRef idx="3">
+            <a:schemeClr val="accent1"/>
+          </a:lnRef>
+          <a:fillRef idx="0">
+            <a:schemeClr val="accent1"/>
+          </a:fillRef>
+          <a:effectRef idx="2">
+            <a:schemeClr val="accent1"/>
+          </a:effectRef>
+          <a:fontRef idx="minor">
+            <a:schemeClr val="tx1"/>
+          </a:fontRef>
+        </p:style>
+      </p:cxnSp>
+      <p:cxnSp>
+        <p:nvCxnSpPr>
+          <p:cNvPr id="14" name="Straight Arrow Connector 13"/>
+          <p:cNvCxnSpPr>
+            <a:stCxn id="6" idx="3"/>
+            <a:endCxn id="7" idx="1"/>
+          </p:cNvCxnSpPr>
+          <p:nvPr/>
+        </p:nvCxnSpPr>
+        <p:spPr>
+          <a:xfrm>
+            <a:off x="3124200" y="3924300"/>
+            <a:ext cx="685800" cy="0"/>
+          </a:xfrm>
+          <a:prstGeom prst="straightConnector1">
+            <a:avLst/>
+          </a:prstGeom>
+          <a:ln>
+            <a:tailEnd type="arrow"/>
+          </a:ln>
+        </p:spPr>
+        <p:style>
+          <a:lnRef idx="3">
+            <a:schemeClr val="accent1"/>
+          </a:lnRef>
+          <a:fillRef idx="0">
+            <a:schemeClr val="accent1"/>
+          </a:fillRef>
+          <a:effectRef idx="2">
+            <a:schemeClr val="accent1"/>
+          </a:effectRef>
+          <a:fontRef idx="minor">
+            <a:schemeClr val="tx1"/>
+          </a:fontRef>
+        </p:style>
+      </p:cxnSp>
+      <p:cxnSp>
+        <p:nvCxnSpPr>
+          <p:cNvPr id="19" name="Straight Arrow Connector 18"/>
+          <p:cNvCxnSpPr>
+            <a:stCxn id="7" idx="3"/>
+            <a:endCxn id="8" idx="1"/>
+          </p:cNvCxnSpPr>
+          <p:nvPr/>
+        </p:nvCxnSpPr>
+        <p:spPr>
+          <a:xfrm>
+            <a:off x="5029200" y="3924300"/>
+            <a:ext cx="685800" cy="0"/>
+          </a:xfrm>
+          <a:prstGeom prst="straightConnector1">
+            <a:avLst/>
+          </a:prstGeom>
+          <a:ln>
+            <a:tailEnd type="arrow"/>
+          </a:ln>
+        </p:spPr>
+        <p:style>
+          <a:lnRef idx="3">
+            <a:schemeClr val="accent1"/>
+          </a:lnRef>
+          <a:fillRef idx="0">
+            <a:schemeClr val="accent1"/>
+          </a:fillRef>
+          <a:effectRef idx="2">
+            <a:schemeClr val="accent1"/>
+          </a:effectRef>
+          <a:fontRef idx="minor">
+            <a:schemeClr val="tx1"/>
+          </a:fontRef>
+        </p:style>
+      </p:cxnSp>
+      <p:cxnSp>
+        <p:nvCxnSpPr>
+          <p:cNvPr id="21" name="Straight Arrow Connector 20"/>
+          <p:cNvCxnSpPr>
+            <a:stCxn id="8" idx="2"/>
+            <a:endCxn id="10" idx="0"/>
+          </p:cNvCxnSpPr>
+          <p:nvPr/>
+        </p:nvCxnSpPr>
+        <p:spPr>
+          <a:xfrm>
+            <a:off x="6324600" y="4343400"/>
+            <a:ext cx="0" cy="533400"/>
+          </a:xfrm>
+          <a:prstGeom prst="straightConnector1">
+            <a:avLst/>
+          </a:prstGeom>
+          <a:ln>
+            <a:tailEnd type="arrow"/>
+          </a:ln>
+        </p:spPr>
+        <p:style>
+          <a:lnRef idx="3">
+            <a:schemeClr val="accent1"/>
+          </a:lnRef>
+          <a:fillRef idx="0">
+            <a:schemeClr val="accent1"/>
+          </a:fillRef>
+          <a:effectRef idx="2">
+            <a:schemeClr val="accent1"/>
+          </a:effectRef>
+          <a:fontRef idx="minor">
+            <a:schemeClr val="tx1"/>
+          </a:fontRef>
+        </p:style>
+      </p:cxnSp>
+      <p:cxnSp>
+        <p:nvCxnSpPr>
+          <p:cNvPr id="23" name="Straight Arrow Connector 22"/>
+          <p:cNvCxnSpPr>
+            <a:stCxn id="5" idx="3"/>
+            <a:endCxn id="8" idx="0"/>
+          </p:cNvCxnSpPr>
+          <p:nvPr/>
+        </p:nvCxnSpPr>
+        <p:spPr>
+          <a:xfrm>
+            <a:off x="6324600" y="2971800"/>
+            <a:ext cx="0" cy="533400"/>
+          </a:xfrm>
+          <a:prstGeom prst="straightConnector1">
+            <a:avLst/>
+          </a:prstGeom>
+          <a:ln>
+            <a:tailEnd type="arrow"/>
+          </a:ln>
+        </p:spPr>
+        <p:style>
+          <a:lnRef idx="3">
+            <a:schemeClr val="accent1"/>
+          </a:lnRef>
+          <a:fillRef idx="0">
+            <a:schemeClr val="accent1"/>
+          </a:fillRef>
+          <a:effectRef idx="2">
+            <a:schemeClr val="accent1"/>
+          </a:effectRef>
+          <a:fontRef idx="minor">
+            <a:schemeClr val="tx1"/>
+          </a:fontRef>
+        </p:style>
+      </p:cxnSp>
+      <p:cxnSp>
+        <p:nvCxnSpPr>
+          <p:cNvPr id="25" name="Straight Arrow Connector 24"/>
+          <p:cNvCxnSpPr>
+            <a:stCxn id="8" idx="3"/>
+            <a:endCxn id="9" idx="1"/>
+          </p:cNvCxnSpPr>
+          <p:nvPr/>
+        </p:nvCxnSpPr>
+        <p:spPr>
+          <a:xfrm>
+            <a:off x="6934200" y="3924300"/>
+            <a:ext cx="609600" cy="0"/>
+          </a:xfrm>
+          <a:prstGeom prst="straightConnector1">
+            <a:avLst/>
+          </a:prstGeom>
+          <a:ln>
+            <a:prstDash val="dash"/>
+            <a:tailEnd type="arrow"/>
+          </a:ln>
+        </p:spPr>
+        <p:style>
+          <a:lnRef idx="1">
+            <a:schemeClr val="accent1"/>
+          </a:lnRef>
+          <a:fillRef idx="0">
+            <a:schemeClr val="accent1"/>
+          </a:fillRef>
+          <a:effectRef idx="0">
+            <a:schemeClr val="accent1"/>
+          </a:effectRef>
+          <a:fontRef idx="minor">
+            <a:schemeClr val="tx1"/>
+          </a:fontRef>
+        </p:style>
+      </p:cxnSp>
+      <p:cxnSp>
+        <p:nvCxnSpPr>
+          <p:cNvPr id="27" name="Straight Arrow Connector 26"/>
+          <p:cNvCxnSpPr>
+            <a:stCxn id="9" idx="0"/>
+            <a:endCxn id="5" idx="4"/>
+          </p:cNvCxnSpPr>
+          <p:nvPr/>
+        </p:nvCxnSpPr>
+        <p:spPr>
+          <a:xfrm rot="16200000" flipV="1">
+            <a:off x="7105650" y="2457450"/>
+            <a:ext cx="876300" cy="1219200"/>
+          </a:xfrm>
+          <a:prstGeom prst="bentConnector2">
+            <a:avLst/>
+          </a:prstGeom>
+          <a:ln>
+            <a:prstDash val="dash"/>
+            <a:tailEnd type="arrow"/>
+          </a:ln>
+        </p:spPr>
+        <p:style>
+          <a:lnRef idx="1">
+            <a:schemeClr val="accent1"/>
+          </a:lnRef>
+          <a:fillRef idx="0">
+            <a:schemeClr val="accent1"/>
+          </a:fillRef>
+          <a:effectRef idx="0">
+            <a:schemeClr val="accent1"/>
+          </a:effectRef>
+          <a:fontRef idx="minor">
+            <a:schemeClr val="tx1"/>
+          </a:fontRef>
+        </p:style>
+      </p:cxnSp>
     </p:spTree>
     <p:extLst>
       <p:ext uri="{BB962C8B-B14F-4D97-AF65-F5344CB8AC3E}">
-        <p14:creationId xmlns="" xmlns:p14="http://schemas.microsoft.com/office/powerpoint/2010/main" val="1280618262"/>
+        <p14:creationId xmlns:p14="http://schemas.microsoft.com/office/powerpoint/2010/main" xmlns="" val="3352509565"/>
       </p:ext>
     </p:extLst>
   </p:cSld>
@@ -8546,9 +10780,82 @@
   <p:timing>
     <p:tnLst>
       <p:par>
-        <p:cTn id="1" dur="indefinite" restart="never" nodeType="tmRoot"/>
+        <p:cTn id="1" dur="indefinite" restart="never" nodeType="tmRoot">
+          <p:childTnLst>
+            <p:seq concurrent="1" nextAc="seek">
+              <p:cTn id="2" dur="indefinite" nodeType="mainSeq">
+                <p:childTnLst>
+                  <p:par>
+                    <p:cTn id="3" fill="hold">
+                      <p:stCondLst>
+                        <p:cond delay="indefinite"/>
+                        <p:cond evt="onBegin" delay="0">
+                          <p:tn val="2"/>
+                        </p:cond>
+                      </p:stCondLst>
+                      <p:childTnLst>
+                        <p:par>
+                          <p:cTn id="4" fill="hold">
+                            <p:stCondLst>
+                              <p:cond delay="0"/>
+                            </p:stCondLst>
+                            <p:childTnLst>
+                              <p:par>
+                                <p:cTn id="5" presetID="26" presetClass="emph" presetSubtype="0" fill="hold" grpId="0" nodeType="withEffect">
+                                  <p:stCondLst>
+                                    <p:cond delay="0"/>
+                                  </p:stCondLst>
+                                  <p:childTnLst>
+                                    <p:animEffect transition="out" filter="fade">
+                                      <p:cBhvr>
+                                        <p:cTn id="6" dur="1000" tmFilter="0, 0; .2, .5; .8, .5; 1, 0"/>
+                                        <p:tgtEl>
+                                          <p:spTgt spid="7"/>
+                                        </p:tgtEl>
+                                      </p:cBhvr>
+                                    </p:animEffect>
+                                    <p:animScale>
+                                      <p:cBhvr>
+                                        <p:cTn id="7" dur="500" autoRev="1" fill="hold"/>
+                                        <p:tgtEl>
+                                          <p:spTgt spid="7"/>
+                                        </p:tgtEl>
+                                      </p:cBhvr>
+                                      <p:by x="105000" y="105000"/>
+                                    </p:animScale>
+                                  </p:childTnLst>
+                                </p:cTn>
+                              </p:par>
+                            </p:childTnLst>
+                          </p:cTn>
+                        </p:par>
+                      </p:childTnLst>
+                    </p:cTn>
+                  </p:par>
+                </p:childTnLst>
+              </p:cTn>
+              <p:prevCondLst>
+                <p:cond evt="onPrev" delay="0">
+                  <p:tgtEl>
+                    <p:sldTgt/>
+                  </p:tgtEl>
+                </p:cond>
+              </p:prevCondLst>
+              <p:nextCondLst>
+                <p:cond evt="onNext" delay="0">
+                  <p:tgtEl>
+                    <p:sldTgt/>
+                  </p:tgtEl>
+                </p:cond>
+              </p:nextCondLst>
+            </p:seq>
+          </p:childTnLst>
+        </p:cTn>
       </p:par>
     </p:tnLst>
+    <p:bldLst>
+      <p:bldP spid="7" grpId="0" animBg="1"/>
+    </p:bldLst>
   </p:timing>
 </p:sld>
 </file>
@@ -8587,31 +10894,23 @@
           <a:p>
             <a:r>
               <a:rPr lang="en-US" dirty="0" err="1" smtClean="0"/>
-              <a:t>Tài</a:t>
-            </a:r>
-            <a:r>
-              <a:rPr lang="en-US" dirty="0" smtClean="0"/>
-              <a:t> </a:t>
-            </a:r>
-            <a:r>
-              <a:rPr lang="en-US" dirty="0" err="1" smtClean="0"/>
-              <a:t>liệu</a:t>
-            </a:r>
-            <a:r>
-              <a:rPr lang="en-US" dirty="0" smtClean="0"/>
-              <a:t> </a:t>
-            </a:r>
-            <a:r>
-              <a:rPr lang="en-US" dirty="0" err="1" smtClean="0"/>
-              <a:t>tham</a:t>
-            </a:r>
-            <a:r>
-              <a:rPr lang="en-US" dirty="0" smtClean="0"/>
-              <a:t> </a:t>
-            </a:r>
-            <a:r>
-              <a:rPr lang="en-US" dirty="0" err="1" smtClean="0"/>
-              <a:t>khảo</a:t>
+              <a:t>Hướng</a:t>
+            </a:r>
+            <a:r>
+              <a:rPr lang="en-US" dirty="0" smtClean="0"/>
+              <a:t> </a:t>
+            </a:r>
+            <a:r>
+              <a:rPr lang="en-US" dirty="0" err="1" smtClean="0"/>
+              <a:t>tiếp</a:t>
+            </a:r>
+            <a:r>
+              <a:rPr lang="en-US" dirty="0" smtClean="0"/>
+              <a:t> </a:t>
+            </a:r>
+            <a:r>
+              <a:rPr lang="en-US" dirty="0" err="1" smtClean="0"/>
+              <a:t>cận</a:t>
             </a:r>
             <a:endParaRPr lang="en-US" dirty="0"/>
           </a:p>
@@ -8629,145 +10928,49 @@
         </p:nvSpPr>
         <p:spPr>
           <a:xfrm>
-            <a:off x="0" y="1935480"/>
-            <a:ext cx="9144000" cy="4389120"/>
+            <a:off x="457200" y="1935480"/>
+            <a:ext cx="8229600" cy="655320"/>
           </a:xfrm>
         </p:spPr>
         <p:txBody>
-          <a:bodyPr>
-            <a:normAutofit/>
-          </a:bodyPr>
+          <a:bodyPr/>
           <a:lstStyle/>
           <a:p>
             <a:r>
-              <a:rPr lang="en-US" dirty="0" smtClean="0"/>
-              <a:t>[1] </a:t>
-            </a:r>
-            <a:r>
-              <a:rPr lang="en-US" dirty="0" err="1" smtClean="0"/>
-              <a:t>Kresimir</a:t>
-            </a:r>
-            <a:r>
-              <a:rPr lang="en-US" dirty="0" smtClean="0"/>
-              <a:t> </a:t>
-            </a:r>
-            <a:r>
-              <a:rPr lang="en-US" dirty="0" err="1" smtClean="0"/>
-              <a:t>Delac</a:t>
-            </a:r>
-            <a:r>
-              <a:rPr lang="en-US" dirty="0" smtClean="0"/>
-              <a:t> and </a:t>
-            </a:r>
-            <a:r>
-              <a:rPr lang="en-US" dirty="0" err="1" smtClean="0"/>
-              <a:t>Mislav</a:t>
-            </a:r>
-            <a:r>
-              <a:rPr lang="en-US" dirty="0" smtClean="0"/>
-              <a:t> </a:t>
-            </a:r>
-            <a:r>
-              <a:rPr lang="en-US" dirty="0" err="1" smtClean="0"/>
-              <a:t>Grgic</a:t>
-            </a:r>
-            <a:r>
-              <a:rPr lang="en-US" dirty="0" smtClean="0"/>
-              <a:t>, "A survey of biometric recognition methods," 2004.</a:t>
-            </a:r>
-          </a:p>
-          <a:p>
-            <a:r>
-              <a:rPr lang="en-US" dirty="0" smtClean="0"/>
-              <a:t>[2] </a:t>
-            </a:r>
-            <a:r>
-              <a:rPr lang="en-US" dirty="0" err="1" smtClean="0"/>
-              <a:t>Ravindra</a:t>
-            </a:r>
-            <a:r>
-              <a:rPr lang="en-US" dirty="0" smtClean="0"/>
-              <a:t> </a:t>
-            </a:r>
-            <a:r>
-              <a:rPr lang="en-US" dirty="0" err="1" smtClean="0"/>
-              <a:t>Thool</a:t>
-            </a:r>
-            <a:r>
-              <a:rPr lang="en-US" dirty="0" smtClean="0"/>
-              <a:t>, </a:t>
-            </a:r>
-            <a:r>
-              <a:rPr lang="en-US" dirty="0" err="1" smtClean="0"/>
-              <a:t>Balwant</a:t>
-            </a:r>
-            <a:r>
-              <a:rPr lang="en-US" dirty="0" smtClean="0"/>
-              <a:t> </a:t>
-            </a:r>
-            <a:r>
-              <a:rPr lang="en-US" dirty="0" err="1" smtClean="0"/>
-              <a:t>sonkamble</a:t>
-            </a:r>
-            <a:r>
-              <a:rPr lang="en-US" dirty="0" smtClean="0"/>
-              <a:t> </a:t>
-            </a:r>
-            <a:r>
-              <a:rPr lang="en-US" dirty="0" err="1" smtClean="0"/>
-              <a:t>Sulochana</a:t>
-            </a:r>
-            <a:r>
-              <a:rPr lang="en-US" dirty="0" smtClean="0"/>
-              <a:t> </a:t>
-            </a:r>
-            <a:r>
-              <a:rPr lang="en-US" dirty="0" err="1" smtClean="0"/>
-              <a:t>Sonkamble</a:t>
-            </a:r>
-            <a:r>
-              <a:rPr lang="en-US" dirty="0" smtClean="0"/>
-              <a:t>, "Survey of biometric recognition systems and their applications," </a:t>
-            </a:r>
-            <a:r>
-              <a:rPr lang="en-US" i="1" dirty="0" smtClean="0"/>
-              <a:t>Journal of Theoretical and Applied Information Technology</a:t>
-            </a:r>
-            <a:r>
-              <a:rPr lang="en-US" dirty="0" smtClean="0"/>
-              <a:t>, vol. 11, pp. 45-51.</a:t>
-            </a:r>
-          </a:p>
-          <a:p>
-            <a:r>
-              <a:rPr lang="en-US" dirty="0" smtClean="0"/>
-              <a:t>[3] Patrick Flynn, </a:t>
-            </a:r>
-            <a:r>
-              <a:rPr lang="en-US" dirty="0" err="1" smtClean="0"/>
-              <a:t>Arun</a:t>
-            </a:r>
-            <a:r>
-              <a:rPr lang="en-US" dirty="0" smtClean="0"/>
-              <a:t> A. Ross Anil K. Jain, Ed., </a:t>
-            </a:r>
-            <a:r>
-              <a:rPr lang="en-US" i="1" dirty="0" smtClean="0"/>
-              <a:t>Handbook of biometrics</a:t>
-            </a:r>
-            <a:r>
-              <a:rPr lang="en-US" dirty="0" smtClean="0"/>
-              <a:t>.: Springer, 2008.</a:t>
-            </a:r>
-          </a:p>
-          <a:p>
+              <a:rPr lang="en-US" dirty="0" err="1" smtClean="0"/>
+              <a:t>Tổng</a:t>
+            </a:r>
+            <a:r>
+              <a:rPr lang="en-US" dirty="0" smtClean="0"/>
+              <a:t> </a:t>
+            </a:r>
+            <a:r>
+              <a:rPr lang="en-US" dirty="0" err="1" smtClean="0"/>
+              <a:t>quan</a:t>
+            </a:r>
+            <a:r>
+              <a:rPr lang="en-US" dirty="0" smtClean="0"/>
+              <a:t> – </a:t>
+            </a:r>
+            <a:r>
+              <a:rPr lang="en-US" dirty="0" err="1" smtClean="0"/>
+              <a:t>Xử</a:t>
+            </a:r>
+            <a:r>
+              <a:rPr lang="en-US" dirty="0" smtClean="0"/>
+              <a:t> </a:t>
+            </a:r>
+            <a:r>
+              <a:rPr lang="en-US" dirty="0" err="1" smtClean="0"/>
+              <a:t>lý</a:t>
+            </a:r>
             <a:endParaRPr lang="en-US" dirty="0"/>
           </a:p>
         </p:txBody>
       </p:sp>
       <p:sp>
         <p:nvSpPr>
-          <p:cNvPr id="4" name="Slide Number Placeholder 3"/>
+          <p:cNvPr id="36" name="Slide Number Placeholder 35"/>
           <p:cNvSpPr>
             <a:spLocks noGrp="1"/>
           </p:cNvSpPr>
@@ -8789,7 +10992,71 @@
           </a:p>
         </p:txBody>
       </p:sp>
+      <p:pic>
+        <p:nvPicPr>
+          <p:cNvPr id="22" name="Picture 21"/>
+          <p:cNvPicPr>
+            <a:picLocks noChangeAspect="1"/>
+          </p:cNvPicPr>
+          <p:nvPr/>
+        </p:nvPicPr>
+        <p:blipFill>
+          <a:blip r:embed="rId2" cstate="print">
+            <a:extLst>
+              <a:ext uri="{28A0092B-C50C-407E-A947-70E740481C1C}">
+                <a14:useLocalDpi xmlns:a14="http://schemas.microsoft.com/office/drawing/2010/main" xmlns="" val="0"/>
+              </a:ext>
+            </a:extLst>
+          </a:blip>
+          <a:stretch>
+            <a:fillRect/>
+          </a:stretch>
+        </p:blipFill>
+        <p:spPr>
+          <a:xfrm>
+            <a:off x="1752601" y="2396490"/>
+            <a:ext cx="5477828" cy="4080510"/>
+          </a:xfrm>
+          <a:prstGeom prst="rect">
+            <a:avLst/>
+          </a:prstGeom>
+        </p:spPr>
+      </p:pic>
+      <p:sp>
+        <p:nvSpPr>
+          <p:cNvPr id="24" name="TextBox 23"/>
+          <p:cNvSpPr txBox="1"/>
+          <p:nvPr/>
+        </p:nvSpPr>
+        <p:spPr>
+          <a:xfrm>
+            <a:off x="0" y="6596390"/>
+            <a:ext cx="4011034" cy="261610"/>
+          </a:xfrm>
+          <a:prstGeom prst="rect">
+            <a:avLst/>
+          </a:prstGeom>
+          <a:noFill/>
+        </p:spPr>
+        <p:txBody>
+          <a:bodyPr wrap="none" rtlCol="0">
+            <a:spAutoFit/>
+          </a:bodyPr>
+          <a:lstStyle/>
+          <a:p>
+            <a:r>
+              <a:rPr lang="en-US" sz="1100" dirty="0"/>
+              <a:t>Source: http://www.cse.msu.edu/biometrics/hand_proto.html</a:t>
+            </a:r>
+          </a:p>
+        </p:txBody>
+      </p:sp>
     </p:spTree>
+    <p:extLst>
+      <p:ext uri="{BB962C8B-B14F-4D97-AF65-F5344CB8AC3E}">
+        <p14:creationId xmlns:p14="http://schemas.microsoft.com/office/powerpoint/2010/main" xmlns="" val="2222945292"/>
+      </p:ext>
+    </p:extLst>
   </p:cSld>
   <p:clrMapOvr>
     <a:masterClrMapping/>
@@ -8991,6 +11258,1745 @@
               <a:rPr lang="en-US" smtClean="0"/>
               <a:pPr/>
               <a:t>2</a:t>
+            </a:fld>
+            <a:endParaRPr lang="en-US"/>
+          </a:p>
+        </p:txBody>
+      </p:sp>
+    </p:spTree>
+  </p:cSld>
+  <p:clrMapOvr>
+    <a:masterClrMapping/>
+  </p:clrMapOvr>
+  <p:timing>
+    <p:tnLst>
+      <p:par>
+        <p:cTn id="1" dur="indefinite" restart="never" nodeType="tmRoot"/>
+      </p:par>
+    </p:tnLst>
+  </p:timing>
+</p:sld>
+</file>
+
+<file path=ppt/slides/slide20.xml><?xml version="1.0" encoding="utf-8"?>
+<p:sld xmlns:a="http://schemas.openxmlformats.org/drawingml/2006/main" xmlns:r="http://schemas.openxmlformats.org/officeDocument/2006/relationships" xmlns:p="http://schemas.openxmlformats.org/presentationml/2006/main">
+  <p:cSld>
+    <p:spTree>
+      <p:nvGrpSpPr>
+        <p:cNvPr id="1" name=""/>
+        <p:cNvGrpSpPr/>
+        <p:nvPr/>
+      </p:nvGrpSpPr>
+      <p:grpSpPr>
+        <a:xfrm>
+          <a:off x="0" y="0"/>
+          <a:ext cx="0" cy="0"/>
+          <a:chOff x="0" y="0"/>
+          <a:chExt cx="0" cy="0"/>
+        </a:xfrm>
+      </p:grpSpPr>
+      <p:sp>
+        <p:nvSpPr>
+          <p:cNvPr id="2" name="Title 1"/>
+          <p:cNvSpPr>
+            <a:spLocks noGrp="1"/>
+          </p:cNvSpPr>
+          <p:nvPr>
+            <p:ph type="title"/>
+          </p:nvPr>
+        </p:nvSpPr>
+        <p:spPr/>
+        <p:txBody>
+          <a:bodyPr/>
+          <a:lstStyle/>
+          <a:p>
+            <a:r>
+              <a:rPr lang="en-US" dirty="0" err="1" smtClean="0"/>
+              <a:t>Hướng</a:t>
+            </a:r>
+            <a:r>
+              <a:rPr lang="en-US" dirty="0" smtClean="0"/>
+              <a:t> </a:t>
+            </a:r>
+            <a:r>
+              <a:rPr lang="en-US" dirty="0" err="1" smtClean="0"/>
+              <a:t>tiếp</a:t>
+            </a:r>
+            <a:r>
+              <a:rPr lang="en-US" dirty="0" smtClean="0"/>
+              <a:t> </a:t>
+            </a:r>
+            <a:r>
+              <a:rPr lang="en-US" dirty="0" err="1" smtClean="0"/>
+              <a:t>cận</a:t>
+            </a:r>
+            <a:endParaRPr lang="en-US" dirty="0"/>
+          </a:p>
+        </p:txBody>
+      </p:sp>
+      <p:sp>
+        <p:nvSpPr>
+          <p:cNvPr id="3" name="Content Placeholder 2"/>
+          <p:cNvSpPr>
+            <a:spLocks noGrp="1"/>
+          </p:cNvSpPr>
+          <p:nvPr>
+            <p:ph idx="1"/>
+          </p:nvPr>
+        </p:nvSpPr>
+        <p:spPr>
+          <a:xfrm>
+            <a:off x="457200" y="1935480"/>
+            <a:ext cx="8229600" cy="655320"/>
+          </a:xfrm>
+        </p:spPr>
+        <p:txBody>
+          <a:bodyPr/>
+          <a:lstStyle/>
+          <a:p>
+            <a:r>
+              <a:rPr lang="en-US" dirty="0" err="1" smtClean="0"/>
+              <a:t>Tổng</a:t>
+            </a:r>
+            <a:r>
+              <a:rPr lang="en-US" dirty="0" smtClean="0"/>
+              <a:t> </a:t>
+            </a:r>
+            <a:r>
+              <a:rPr lang="en-US" dirty="0" err="1" smtClean="0"/>
+              <a:t>quan</a:t>
+            </a:r>
+            <a:endParaRPr lang="en-US" dirty="0"/>
+          </a:p>
+        </p:txBody>
+      </p:sp>
+      <p:sp>
+        <p:nvSpPr>
+          <p:cNvPr id="36" name="Slide Number Placeholder 35"/>
+          <p:cNvSpPr>
+            <a:spLocks noGrp="1"/>
+          </p:cNvSpPr>
+          <p:nvPr>
+            <p:ph type="sldNum" sz="quarter" idx="12"/>
+          </p:nvPr>
+        </p:nvSpPr>
+        <p:spPr/>
+        <p:txBody>
+          <a:bodyPr/>
+          <a:lstStyle/>
+          <a:p>
+            <a:fld id="{B6F15528-21DE-4FAA-801E-634DDDAF4B2B}" type="slidenum">
+              <a:rPr lang="en-US" smtClean="0"/>
+              <a:pPr/>
+              <a:t>20</a:t>
+            </a:fld>
+            <a:endParaRPr lang="en-US"/>
+          </a:p>
+        </p:txBody>
+      </p:sp>
+      <p:sp>
+        <p:nvSpPr>
+          <p:cNvPr id="4" name="Rectangle 3"/>
+          <p:cNvSpPr/>
+          <p:nvPr/>
+        </p:nvSpPr>
+        <p:spPr>
+          <a:xfrm>
+            <a:off x="76200" y="3505200"/>
+            <a:ext cx="1219200" cy="838200"/>
+          </a:xfrm>
+          <a:prstGeom prst="rect">
+            <a:avLst/>
+          </a:prstGeom>
+          <a:noFill/>
+          <a:ln>
+            <a:noFill/>
+          </a:ln>
+        </p:spPr>
+        <p:style>
+          <a:lnRef idx="2">
+            <a:schemeClr val="accent1">
+              <a:shade val="50000"/>
+            </a:schemeClr>
+          </a:lnRef>
+          <a:fillRef idx="1">
+            <a:schemeClr val="accent1"/>
+          </a:fillRef>
+          <a:effectRef idx="0">
+            <a:schemeClr val="accent1"/>
+          </a:effectRef>
+          <a:fontRef idx="minor">
+            <a:schemeClr val="lt1"/>
+          </a:fontRef>
+        </p:style>
+        <p:txBody>
+          <a:bodyPr rtlCol="0" anchor="ctr"/>
+          <a:lstStyle/>
+          <a:p>
+            <a:pPr algn="ctr"/>
+            <a:r>
+              <a:rPr lang="en-US" dirty="0" err="1" smtClean="0">
+                <a:solidFill>
+                  <a:schemeClr val="tx1"/>
+                </a:solidFill>
+              </a:rPr>
+              <a:t>Mẫu</a:t>
+            </a:r>
+            <a:r>
+              <a:rPr lang="en-US" dirty="0" smtClean="0">
+                <a:solidFill>
+                  <a:schemeClr val="tx1"/>
+                </a:solidFill>
+              </a:rPr>
+              <a:t> </a:t>
+            </a:r>
+            <a:r>
+              <a:rPr lang="en-US" dirty="0" err="1" smtClean="0">
+                <a:solidFill>
+                  <a:schemeClr val="tx1"/>
+                </a:solidFill>
+              </a:rPr>
+              <a:t>sinh</a:t>
+            </a:r>
+            <a:r>
+              <a:rPr lang="en-US" dirty="0" smtClean="0">
+                <a:solidFill>
+                  <a:schemeClr val="tx1"/>
+                </a:solidFill>
+              </a:rPr>
+              <a:t> </a:t>
+            </a:r>
+            <a:r>
+              <a:rPr lang="en-US" dirty="0" err="1" smtClean="0">
+                <a:solidFill>
+                  <a:schemeClr val="tx1"/>
+                </a:solidFill>
+              </a:rPr>
+              <a:t>trắc</a:t>
+            </a:r>
+            <a:r>
+              <a:rPr lang="en-US" dirty="0" smtClean="0">
+                <a:solidFill>
+                  <a:schemeClr val="tx1"/>
+                </a:solidFill>
+              </a:rPr>
+              <a:t> </a:t>
+            </a:r>
+            <a:r>
+              <a:rPr lang="en-US" dirty="0" err="1" smtClean="0">
+                <a:solidFill>
+                  <a:schemeClr val="tx1"/>
+                </a:solidFill>
+              </a:rPr>
+              <a:t>học</a:t>
+            </a:r>
+            <a:endParaRPr lang="vi-VN" dirty="0">
+              <a:solidFill>
+                <a:schemeClr val="tx1"/>
+              </a:solidFill>
+            </a:endParaRPr>
+          </a:p>
+        </p:txBody>
+      </p:sp>
+      <p:sp>
+        <p:nvSpPr>
+          <p:cNvPr id="6" name="Rectangle 5"/>
+          <p:cNvSpPr/>
+          <p:nvPr/>
+        </p:nvSpPr>
+        <p:spPr>
+          <a:xfrm>
+            <a:off x="1905000" y="3505200"/>
+            <a:ext cx="1219200" cy="838200"/>
+          </a:xfrm>
+          <a:prstGeom prst="rect">
+            <a:avLst/>
+          </a:prstGeom>
+        </p:spPr>
+        <p:style>
+          <a:lnRef idx="0">
+            <a:schemeClr val="accent1"/>
+          </a:lnRef>
+          <a:fillRef idx="3">
+            <a:schemeClr val="accent1"/>
+          </a:fillRef>
+          <a:effectRef idx="3">
+            <a:schemeClr val="accent1"/>
+          </a:effectRef>
+          <a:fontRef idx="minor">
+            <a:schemeClr val="lt1"/>
+          </a:fontRef>
+        </p:style>
+        <p:txBody>
+          <a:bodyPr rtlCol="0" anchor="ctr"/>
+          <a:lstStyle/>
+          <a:p>
+            <a:pPr algn="ctr"/>
+            <a:r>
+              <a:rPr lang="en-US" dirty="0" smtClean="0"/>
+              <a:t>Thu </a:t>
+            </a:r>
+            <a:r>
+              <a:rPr lang="en-US" dirty="0" err="1" smtClean="0"/>
+              <a:t>mẫu</a:t>
+            </a:r>
+            <a:endParaRPr lang="vi-VN" dirty="0"/>
+          </a:p>
+        </p:txBody>
+      </p:sp>
+      <p:sp>
+        <p:nvSpPr>
+          <p:cNvPr id="7" name="Rectangle 6"/>
+          <p:cNvSpPr/>
+          <p:nvPr/>
+        </p:nvSpPr>
+        <p:spPr>
+          <a:xfrm>
+            <a:off x="3810000" y="3505200"/>
+            <a:ext cx="1219200" cy="838200"/>
+          </a:xfrm>
+          <a:prstGeom prst="rect">
+            <a:avLst/>
+          </a:prstGeom>
+        </p:spPr>
+        <p:style>
+          <a:lnRef idx="0">
+            <a:schemeClr val="accent1"/>
+          </a:lnRef>
+          <a:fillRef idx="3">
+            <a:schemeClr val="accent1"/>
+          </a:fillRef>
+          <a:effectRef idx="3">
+            <a:schemeClr val="accent1"/>
+          </a:effectRef>
+          <a:fontRef idx="minor">
+            <a:schemeClr val="lt1"/>
+          </a:fontRef>
+        </p:style>
+        <p:txBody>
+          <a:bodyPr rtlCol="0" anchor="ctr"/>
+          <a:lstStyle/>
+          <a:p>
+            <a:pPr algn="ctr"/>
+            <a:r>
+              <a:rPr lang="en-US" dirty="0" err="1" smtClean="0"/>
+              <a:t>Xử</a:t>
+            </a:r>
+            <a:r>
+              <a:rPr lang="en-US" dirty="0" smtClean="0"/>
+              <a:t> </a:t>
+            </a:r>
+            <a:r>
+              <a:rPr lang="en-US" dirty="0" err="1" smtClean="0"/>
+              <a:t>lý</a:t>
+            </a:r>
+            <a:endParaRPr lang="vi-VN" dirty="0"/>
+          </a:p>
+        </p:txBody>
+      </p:sp>
+      <p:sp>
+        <p:nvSpPr>
+          <p:cNvPr id="8" name="Rectangle 7"/>
+          <p:cNvSpPr/>
+          <p:nvPr/>
+        </p:nvSpPr>
+        <p:spPr>
+          <a:xfrm>
+            <a:off x="5715000" y="3505200"/>
+            <a:ext cx="1219200" cy="838200"/>
+          </a:xfrm>
+          <a:prstGeom prst="rect">
+            <a:avLst/>
+          </a:prstGeom>
+        </p:spPr>
+        <p:style>
+          <a:lnRef idx="0">
+            <a:schemeClr val="accent1"/>
+          </a:lnRef>
+          <a:fillRef idx="3">
+            <a:schemeClr val="accent1"/>
+          </a:fillRef>
+          <a:effectRef idx="3">
+            <a:schemeClr val="accent1"/>
+          </a:effectRef>
+          <a:fontRef idx="minor">
+            <a:schemeClr val="lt1"/>
+          </a:fontRef>
+        </p:style>
+        <p:txBody>
+          <a:bodyPr rtlCol="0" anchor="ctr"/>
+          <a:lstStyle/>
+          <a:p>
+            <a:pPr algn="ctr"/>
+            <a:r>
+              <a:rPr lang="en-US" dirty="0" smtClean="0"/>
+              <a:t>So </a:t>
+            </a:r>
+            <a:r>
+              <a:rPr lang="en-US" dirty="0" err="1" smtClean="0"/>
+              <a:t>khớp</a:t>
+            </a:r>
+            <a:endParaRPr lang="vi-VN" dirty="0"/>
+          </a:p>
+        </p:txBody>
+      </p:sp>
+      <p:sp>
+        <p:nvSpPr>
+          <p:cNvPr id="9" name="Rectangle 8"/>
+          <p:cNvSpPr/>
+          <p:nvPr/>
+        </p:nvSpPr>
+        <p:spPr>
+          <a:xfrm>
+            <a:off x="7543800" y="3505200"/>
+            <a:ext cx="1219200" cy="838200"/>
+          </a:xfrm>
+          <a:prstGeom prst="rect">
+            <a:avLst/>
+          </a:prstGeom>
+          <a:ln>
+            <a:prstDash val="sysDash"/>
+          </a:ln>
+        </p:spPr>
+        <p:style>
+          <a:lnRef idx="2">
+            <a:schemeClr val="accent1"/>
+          </a:lnRef>
+          <a:fillRef idx="1">
+            <a:schemeClr val="lt1"/>
+          </a:fillRef>
+          <a:effectRef idx="0">
+            <a:schemeClr val="accent1"/>
+          </a:effectRef>
+          <a:fontRef idx="minor">
+            <a:schemeClr val="dk1"/>
+          </a:fontRef>
+        </p:style>
+        <p:txBody>
+          <a:bodyPr rtlCol="0" anchor="ctr"/>
+          <a:lstStyle/>
+          <a:p>
+            <a:pPr algn="ctr"/>
+            <a:r>
+              <a:rPr lang="en-US" dirty="0" err="1" smtClean="0"/>
+              <a:t>Điều</a:t>
+            </a:r>
+            <a:r>
+              <a:rPr lang="en-US" dirty="0" smtClean="0"/>
+              <a:t> </a:t>
+            </a:r>
+            <a:r>
+              <a:rPr lang="en-US" dirty="0" err="1" smtClean="0"/>
+              <a:t>chỉnh</a:t>
+            </a:r>
+            <a:endParaRPr lang="vi-VN" dirty="0"/>
+          </a:p>
+        </p:txBody>
+      </p:sp>
+      <p:sp>
+        <p:nvSpPr>
+          <p:cNvPr id="10" name="Rectangle 9"/>
+          <p:cNvSpPr/>
+          <p:nvPr/>
+        </p:nvSpPr>
+        <p:spPr>
+          <a:xfrm>
+            <a:off x="5715000" y="4876800"/>
+            <a:ext cx="1219200" cy="838200"/>
+          </a:xfrm>
+          <a:prstGeom prst="rect">
+            <a:avLst/>
+          </a:prstGeom>
+          <a:noFill/>
+          <a:ln>
+            <a:noFill/>
+          </a:ln>
+        </p:spPr>
+        <p:style>
+          <a:lnRef idx="2">
+            <a:schemeClr val="accent1">
+              <a:shade val="50000"/>
+            </a:schemeClr>
+          </a:lnRef>
+          <a:fillRef idx="1">
+            <a:schemeClr val="accent1"/>
+          </a:fillRef>
+          <a:effectRef idx="0">
+            <a:schemeClr val="accent1"/>
+          </a:effectRef>
+          <a:fontRef idx="minor">
+            <a:schemeClr val="lt1"/>
+          </a:fontRef>
+        </p:style>
+        <p:txBody>
+          <a:bodyPr rtlCol="0" anchor="ctr"/>
+          <a:lstStyle/>
+          <a:p>
+            <a:pPr algn="ctr"/>
+            <a:r>
+              <a:rPr lang="en-US" dirty="0" smtClean="0">
+                <a:solidFill>
+                  <a:schemeClr val="tx1"/>
+                </a:solidFill>
+              </a:rPr>
+              <a:t>Ra </a:t>
+            </a:r>
+            <a:r>
+              <a:rPr lang="en-US" dirty="0" err="1" smtClean="0">
+                <a:solidFill>
+                  <a:schemeClr val="tx1"/>
+                </a:solidFill>
+              </a:rPr>
+              <a:t>quyết</a:t>
+            </a:r>
+            <a:r>
+              <a:rPr lang="en-US" dirty="0" smtClean="0">
+                <a:solidFill>
+                  <a:schemeClr val="tx1"/>
+                </a:solidFill>
+              </a:rPr>
+              <a:t> </a:t>
+            </a:r>
+            <a:r>
+              <a:rPr lang="en-US" dirty="0" err="1" smtClean="0">
+                <a:solidFill>
+                  <a:schemeClr val="tx1"/>
+                </a:solidFill>
+              </a:rPr>
+              <a:t>định</a:t>
+            </a:r>
+            <a:endParaRPr lang="vi-VN" dirty="0">
+              <a:solidFill>
+                <a:schemeClr val="tx1"/>
+              </a:solidFill>
+            </a:endParaRPr>
+          </a:p>
+        </p:txBody>
+      </p:sp>
+      <p:sp>
+        <p:nvSpPr>
+          <p:cNvPr id="5" name="Can 4"/>
+          <p:cNvSpPr/>
+          <p:nvPr/>
+        </p:nvSpPr>
+        <p:spPr>
+          <a:xfrm>
+            <a:off x="5715000" y="2286000"/>
+            <a:ext cx="1219200" cy="685800"/>
+          </a:xfrm>
+          <a:prstGeom prst="can">
+            <a:avLst/>
+          </a:prstGeom>
+        </p:spPr>
+        <p:style>
+          <a:lnRef idx="0">
+            <a:schemeClr val="accent1"/>
+          </a:lnRef>
+          <a:fillRef idx="3">
+            <a:schemeClr val="accent1"/>
+          </a:fillRef>
+          <a:effectRef idx="3">
+            <a:schemeClr val="accent1"/>
+          </a:effectRef>
+          <a:fontRef idx="minor">
+            <a:schemeClr val="lt1"/>
+          </a:fontRef>
+        </p:style>
+        <p:txBody>
+          <a:bodyPr rtlCol="0" anchor="ctr"/>
+          <a:lstStyle/>
+          <a:p>
+            <a:pPr algn="ctr"/>
+            <a:r>
+              <a:rPr lang="en-US" dirty="0" smtClean="0"/>
+              <a:t>CSDL</a:t>
+            </a:r>
+            <a:endParaRPr lang="vi-VN" dirty="0"/>
+          </a:p>
+        </p:txBody>
+      </p:sp>
+      <p:cxnSp>
+        <p:nvCxnSpPr>
+          <p:cNvPr id="12" name="Straight Arrow Connector 11"/>
+          <p:cNvCxnSpPr>
+            <a:stCxn id="4" idx="3"/>
+            <a:endCxn id="6" idx="1"/>
+          </p:cNvCxnSpPr>
+          <p:nvPr/>
+        </p:nvCxnSpPr>
+        <p:spPr>
+          <a:xfrm>
+            <a:off x="1295400" y="3924300"/>
+            <a:ext cx="609600" cy="0"/>
+          </a:xfrm>
+          <a:prstGeom prst="straightConnector1">
+            <a:avLst/>
+          </a:prstGeom>
+          <a:ln>
+            <a:tailEnd type="arrow"/>
+          </a:ln>
+        </p:spPr>
+        <p:style>
+          <a:lnRef idx="3">
+            <a:schemeClr val="accent1"/>
+          </a:lnRef>
+          <a:fillRef idx="0">
+            <a:schemeClr val="accent1"/>
+          </a:fillRef>
+          <a:effectRef idx="2">
+            <a:schemeClr val="accent1"/>
+          </a:effectRef>
+          <a:fontRef idx="minor">
+            <a:schemeClr val="tx1"/>
+          </a:fontRef>
+        </p:style>
+      </p:cxnSp>
+      <p:cxnSp>
+        <p:nvCxnSpPr>
+          <p:cNvPr id="14" name="Straight Arrow Connector 13"/>
+          <p:cNvCxnSpPr>
+            <a:stCxn id="6" idx="3"/>
+            <a:endCxn id="7" idx="1"/>
+          </p:cNvCxnSpPr>
+          <p:nvPr/>
+        </p:nvCxnSpPr>
+        <p:spPr>
+          <a:xfrm>
+            <a:off x="3124200" y="3924300"/>
+            <a:ext cx="685800" cy="0"/>
+          </a:xfrm>
+          <a:prstGeom prst="straightConnector1">
+            <a:avLst/>
+          </a:prstGeom>
+          <a:ln>
+            <a:tailEnd type="arrow"/>
+          </a:ln>
+        </p:spPr>
+        <p:style>
+          <a:lnRef idx="3">
+            <a:schemeClr val="accent1"/>
+          </a:lnRef>
+          <a:fillRef idx="0">
+            <a:schemeClr val="accent1"/>
+          </a:fillRef>
+          <a:effectRef idx="2">
+            <a:schemeClr val="accent1"/>
+          </a:effectRef>
+          <a:fontRef idx="minor">
+            <a:schemeClr val="tx1"/>
+          </a:fontRef>
+        </p:style>
+      </p:cxnSp>
+      <p:cxnSp>
+        <p:nvCxnSpPr>
+          <p:cNvPr id="19" name="Straight Arrow Connector 18"/>
+          <p:cNvCxnSpPr>
+            <a:stCxn id="7" idx="3"/>
+            <a:endCxn id="8" idx="1"/>
+          </p:cNvCxnSpPr>
+          <p:nvPr/>
+        </p:nvCxnSpPr>
+        <p:spPr>
+          <a:xfrm>
+            <a:off x="5029200" y="3924300"/>
+            <a:ext cx="685800" cy="0"/>
+          </a:xfrm>
+          <a:prstGeom prst="straightConnector1">
+            <a:avLst/>
+          </a:prstGeom>
+          <a:ln>
+            <a:tailEnd type="arrow"/>
+          </a:ln>
+        </p:spPr>
+        <p:style>
+          <a:lnRef idx="3">
+            <a:schemeClr val="accent1"/>
+          </a:lnRef>
+          <a:fillRef idx="0">
+            <a:schemeClr val="accent1"/>
+          </a:fillRef>
+          <a:effectRef idx="2">
+            <a:schemeClr val="accent1"/>
+          </a:effectRef>
+          <a:fontRef idx="minor">
+            <a:schemeClr val="tx1"/>
+          </a:fontRef>
+        </p:style>
+      </p:cxnSp>
+      <p:cxnSp>
+        <p:nvCxnSpPr>
+          <p:cNvPr id="21" name="Straight Arrow Connector 20"/>
+          <p:cNvCxnSpPr>
+            <a:stCxn id="8" idx="2"/>
+            <a:endCxn id="10" idx="0"/>
+          </p:cNvCxnSpPr>
+          <p:nvPr/>
+        </p:nvCxnSpPr>
+        <p:spPr>
+          <a:xfrm>
+            <a:off x="6324600" y="4343400"/>
+            <a:ext cx="0" cy="533400"/>
+          </a:xfrm>
+          <a:prstGeom prst="straightConnector1">
+            <a:avLst/>
+          </a:prstGeom>
+          <a:ln>
+            <a:tailEnd type="arrow"/>
+          </a:ln>
+        </p:spPr>
+        <p:style>
+          <a:lnRef idx="3">
+            <a:schemeClr val="accent1"/>
+          </a:lnRef>
+          <a:fillRef idx="0">
+            <a:schemeClr val="accent1"/>
+          </a:fillRef>
+          <a:effectRef idx="2">
+            <a:schemeClr val="accent1"/>
+          </a:effectRef>
+          <a:fontRef idx="minor">
+            <a:schemeClr val="tx1"/>
+          </a:fontRef>
+        </p:style>
+      </p:cxnSp>
+      <p:cxnSp>
+        <p:nvCxnSpPr>
+          <p:cNvPr id="23" name="Straight Arrow Connector 22"/>
+          <p:cNvCxnSpPr>
+            <a:stCxn id="5" idx="3"/>
+            <a:endCxn id="8" idx="0"/>
+          </p:cNvCxnSpPr>
+          <p:nvPr/>
+        </p:nvCxnSpPr>
+        <p:spPr>
+          <a:xfrm>
+            <a:off x="6324600" y="2971800"/>
+            <a:ext cx="0" cy="533400"/>
+          </a:xfrm>
+          <a:prstGeom prst="straightConnector1">
+            <a:avLst/>
+          </a:prstGeom>
+          <a:ln>
+            <a:tailEnd type="arrow"/>
+          </a:ln>
+        </p:spPr>
+        <p:style>
+          <a:lnRef idx="3">
+            <a:schemeClr val="accent1"/>
+          </a:lnRef>
+          <a:fillRef idx="0">
+            <a:schemeClr val="accent1"/>
+          </a:fillRef>
+          <a:effectRef idx="2">
+            <a:schemeClr val="accent1"/>
+          </a:effectRef>
+          <a:fontRef idx="minor">
+            <a:schemeClr val="tx1"/>
+          </a:fontRef>
+        </p:style>
+      </p:cxnSp>
+      <p:cxnSp>
+        <p:nvCxnSpPr>
+          <p:cNvPr id="25" name="Straight Arrow Connector 24"/>
+          <p:cNvCxnSpPr>
+            <a:stCxn id="8" idx="3"/>
+            <a:endCxn id="9" idx="1"/>
+          </p:cNvCxnSpPr>
+          <p:nvPr/>
+        </p:nvCxnSpPr>
+        <p:spPr>
+          <a:xfrm>
+            <a:off x="6934200" y="3924300"/>
+            <a:ext cx="609600" cy="0"/>
+          </a:xfrm>
+          <a:prstGeom prst="straightConnector1">
+            <a:avLst/>
+          </a:prstGeom>
+          <a:ln>
+            <a:prstDash val="dash"/>
+            <a:tailEnd type="arrow"/>
+          </a:ln>
+        </p:spPr>
+        <p:style>
+          <a:lnRef idx="1">
+            <a:schemeClr val="accent1"/>
+          </a:lnRef>
+          <a:fillRef idx="0">
+            <a:schemeClr val="accent1"/>
+          </a:fillRef>
+          <a:effectRef idx="0">
+            <a:schemeClr val="accent1"/>
+          </a:effectRef>
+          <a:fontRef idx="minor">
+            <a:schemeClr val="tx1"/>
+          </a:fontRef>
+        </p:style>
+      </p:cxnSp>
+      <p:cxnSp>
+        <p:nvCxnSpPr>
+          <p:cNvPr id="27" name="Straight Arrow Connector 26"/>
+          <p:cNvCxnSpPr>
+            <a:stCxn id="9" idx="0"/>
+            <a:endCxn id="5" idx="4"/>
+          </p:cNvCxnSpPr>
+          <p:nvPr/>
+        </p:nvCxnSpPr>
+        <p:spPr>
+          <a:xfrm rot="16200000" flipV="1">
+            <a:off x="7105650" y="2457450"/>
+            <a:ext cx="876300" cy="1219200"/>
+          </a:xfrm>
+          <a:prstGeom prst="bentConnector2">
+            <a:avLst/>
+          </a:prstGeom>
+          <a:ln>
+            <a:prstDash val="dash"/>
+            <a:tailEnd type="arrow"/>
+          </a:ln>
+        </p:spPr>
+        <p:style>
+          <a:lnRef idx="1">
+            <a:schemeClr val="accent1"/>
+          </a:lnRef>
+          <a:fillRef idx="0">
+            <a:schemeClr val="accent1"/>
+          </a:fillRef>
+          <a:effectRef idx="0">
+            <a:schemeClr val="accent1"/>
+          </a:effectRef>
+          <a:fontRef idx="minor">
+            <a:schemeClr val="tx1"/>
+          </a:fontRef>
+        </p:style>
+      </p:cxnSp>
+    </p:spTree>
+    <p:extLst>
+      <p:ext uri="{BB962C8B-B14F-4D97-AF65-F5344CB8AC3E}">
+        <p14:creationId xmlns:p14="http://schemas.microsoft.com/office/powerpoint/2010/main" xmlns="" val="118173244"/>
+      </p:ext>
+    </p:extLst>
+  </p:cSld>
+  <p:clrMapOvr>
+    <a:masterClrMapping/>
+  </p:clrMapOvr>
+  <p:timing>
+    <p:tnLst>
+      <p:par>
+        <p:cTn id="1" dur="indefinite" restart="never" nodeType="tmRoot">
+          <p:childTnLst>
+            <p:seq concurrent="1" nextAc="seek">
+              <p:cTn id="2" dur="indefinite" nodeType="mainSeq">
+                <p:childTnLst>
+                  <p:par>
+                    <p:cTn id="3" fill="hold">
+                      <p:stCondLst>
+                        <p:cond delay="indefinite"/>
+                        <p:cond evt="onBegin" delay="0">
+                          <p:tn val="2"/>
+                        </p:cond>
+                      </p:stCondLst>
+                      <p:childTnLst>
+                        <p:par>
+                          <p:cTn id="4" fill="hold">
+                            <p:stCondLst>
+                              <p:cond delay="0"/>
+                            </p:stCondLst>
+                            <p:childTnLst>
+                              <p:par>
+                                <p:cTn id="5" presetID="26" presetClass="emph" presetSubtype="0" fill="hold" grpId="0" nodeType="withEffect">
+                                  <p:stCondLst>
+                                    <p:cond delay="0"/>
+                                  </p:stCondLst>
+                                  <p:childTnLst>
+                                    <p:animEffect transition="out" filter="fade">
+                                      <p:cBhvr>
+                                        <p:cTn id="6" dur="1000" tmFilter="0, 0; .2, .5; .8, .5; 1, 0"/>
+                                        <p:tgtEl>
+                                          <p:spTgt spid="8"/>
+                                        </p:tgtEl>
+                                      </p:cBhvr>
+                                    </p:animEffect>
+                                    <p:animScale>
+                                      <p:cBhvr>
+                                        <p:cTn id="7" dur="500" autoRev="1" fill="hold"/>
+                                        <p:tgtEl>
+                                          <p:spTgt spid="8"/>
+                                        </p:tgtEl>
+                                      </p:cBhvr>
+                                      <p:by x="105000" y="105000"/>
+                                    </p:animScale>
+                                  </p:childTnLst>
+                                </p:cTn>
+                              </p:par>
+                            </p:childTnLst>
+                          </p:cTn>
+                        </p:par>
+                      </p:childTnLst>
+                    </p:cTn>
+                  </p:par>
+                </p:childTnLst>
+              </p:cTn>
+              <p:prevCondLst>
+                <p:cond evt="onPrev" delay="0">
+                  <p:tgtEl>
+                    <p:sldTgt/>
+                  </p:tgtEl>
+                </p:cond>
+              </p:prevCondLst>
+              <p:nextCondLst>
+                <p:cond evt="onNext" delay="0">
+                  <p:tgtEl>
+                    <p:sldTgt/>
+                  </p:tgtEl>
+                </p:cond>
+              </p:nextCondLst>
+            </p:seq>
+          </p:childTnLst>
+        </p:cTn>
+      </p:par>
+    </p:tnLst>
+    <p:bldLst>
+      <p:bldP spid="8" grpId="0" animBg="1"/>
+    </p:bldLst>
+  </p:timing>
+</p:sld>
+</file>
+
+<file path=ppt/slides/slide21.xml><?xml version="1.0" encoding="utf-8"?>
+<p:sld xmlns:a="http://schemas.openxmlformats.org/drawingml/2006/main" xmlns:r="http://schemas.openxmlformats.org/officeDocument/2006/relationships" xmlns:p="http://schemas.openxmlformats.org/presentationml/2006/main">
+  <p:cSld>
+    <p:spTree>
+      <p:nvGrpSpPr>
+        <p:cNvPr id="1" name=""/>
+        <p:cNvGrpSpPr/>
+        <p:nvPr/>
+      </p:nvGrpSpPr>
+      <p:grpSpPr>
+        <a:xfrm>
+          <a:off x="0" y="0"/>
+          <a:ext cx="0" cy="0"/>
+          <a:chOff x="0" y="0"/>
+          <a:chExt cx="0" cy="0"/>
+        </a:xfrm>
+      </p:grpSpPr>
+      <p:sp>
+        <p:nvSpPr>
+          <p:cNvPr id="2" name="Title 1"/>
+          <p:cNvSpPr>
+            <a:spLocks noGrp="1"/>
+          </p:cNvSpPr>
+          <p:nvPr>
+            <p:ph type="title"/>
+          </p:nvPr>
+        </p:nvSpPr>
+        <p:spPr/>
+        <p:txBody>
+          <a:bodyPr/>
+          <a:lstStyle/>
+          <a:p>
+            <a:r>
+              <a:rPr lang="en-US" dirty="0" err="1" smtClean="0"/>
+              <a:t>Hướng</a:t>
+            </a:r>
+            <a:r>
+              <a:rPr lang="en-US" dirty="0" smtClean="0"/>
+              <a:t> </a:t>
+            </a:r>
+            <a:r>
+              <a:rPr lang="en-US" dirty="0" err="1" smtClean="0"/>
+              <a:t>tiếp</a:t>
+            </a:r>
+            <a:r>
+              <a:rPr lang="en-US" dirty="0" smtClean="0"/>
+              <a:t> </a:t>
+            </a:r>
+            <a:r>
+              <a:rPr lang="en-US" dirty="0" err="1" smtClean="0"/>
+              <a:t>cận</a:t>
+            </a:r>
+            <a:endParaRPr lang="en-US" dirty="0"/>
+          </a:p>
+        </p:txBody>
+      </p:sp>
+      <p:sp>
+        <p:nvSpPr>
+          <p:cNvPr id="3" name="Content Placeholder 2"/>
+          <p:cNvSpPr>
+            <a:spLocks noGrp="1"/>
+          </p:cNvSpPr>
+          <p:nvPr>
+            <p:ph idx="1"/>
+          </p:nvPr>
+        </p:nvSpPr>
+        <p:spPr>
+          <a:xfrm>
+            <a:off x="457200" y="1935480"/>
+            <a:ext cx="8229600" cy="4008120"/>
+          </a:xfrm>
+        </p:spPr>
+        <p:txBody>
+          <a:bodyPr/>
+          <a:lstStyle/>
+          <a:p>
+            <a:r>
+              <a:rPr lang="en-US" dirty="0" err="1" smtClean="0"/>
+              <a:t>Tổng</a:t>
+            </a:r>
+            <a:r>
+              <a:rPr lang="en-US" dirty="0" smtClean="0"/>
+              <a:t> </a:t>
+            </a:r>
+            <a:r>
+              <a:rPr lang="en-US" dirty="0" err="1" smtClean="0"/>
+              <a:t>quan</a:t>
+            </a:r>
+            <a:r>
+              <a:rPr lang="en-US" dirty="0" smtClean="0"/>
+              <a:t> – So </a:t>
+            </a:r>
+            <a:r>
+              <a:rPr lang="en-US" dirty="0" err="1" smtClean="0"/>
+              <a:t>khớp</a:t>
+            </a:r>
+            <a:endParaRPr lang="en-US" dirty="0" smtClean="0"/>
+          </a:p>
+          <a:p>
+            <a:pPr lvl="1"/>
+            <a:r>
+              <a:rPr lang="en-US" dirty="0" smtClean="0"/>
+              <a:t>So </a:t>
+            </a:r>
+            <a:r>
+              <a:rPr lang="en-US" dirty="0" err="1" smtClean="0"/>
+              <a:t>khớp</a:t>
+            </a:r>
+            <a:r>
+              <a:rPr lang="en-US" dirty="0" smtClean="0"/>
+              <a:t> 2 vector</a:t>
+            </a:r>
+          </a:p>
+          <a:p>
+            <a:pPr lvl="1"/>
+            <a:r>
+              <a:rPr lang="en-US" dirty="0" err="1" smtClean="0"/>
+              <a:t>Các</a:t>
+            </a:r>
+            <a:r>
+              <a:rPr lang="en-US" dirty="0" smtClean="0"/>
+              <a:t> </a:t>
+            </a:r>
+            <a:r>
+              <a:rPr lang="en-US" dirty="0" err="1" smtClean="0"/>
+              <a:t>độ</a:t>
+            </a:r>
+            <a:r>
+              <a:rPr lang="en-US" dirty="0" smtClean="0"/>
+              <a:t> </a:t>
+            </a:r>
+            <a:r>
+              <a:rPr lang="en-US" dirty="0" err="1" smtClean="0"/>
+              <a:t>đo</a:t>
+            </a:r>
+            <a:r>
+              <a:rPr lang="en-US" dirty="0" smtClean="0"/>
+              <a:t> </a:t>
+            </a:r>
+            <a:r>
+              <a:rPr lang="en-US" dirty="0" err="1" smtClean="0"/>
+              <a:t>khoảng</a:t>
+            </a:r>
+            <a:r>
+              <a:rPr lang="en-US" dirty="0" smtClean="0"/>
+              <a:t> </a:t>
+            </a:r>
+            <a:r>
+              <a:rPr lang="en-US" smtClean="0"/>
+              <a:t>cách</a:t>
+            </a:r>
+            <a:endParaRPr lang="en-US" dirty="0"/>
+          </a:p>
+          <a:p>
+            <a:pPr marL="0" indent="0">
+              <a:buNone/>
+            </a:pPr>
+            <a:endParaRPr lang="en-US" dirty="0"/>
+          </a:p>
+        </p:txBody>
+      </p:sp>
+      <p:sp>
+        <p:nvSpPr>
+          <p:cNvPr id="36" name="Slide Number Placeholder 35"/>
+          <p:cNvSpPr>
+            <a:spLocks noGrp="1"/>
+          </p:cNvSpPr>
+          <p:nvPr>
+            <p:ph type="sldNum" sz="quarter" idx="12"/>
+          </p:nvPr>
+        </p:nvSpPr>
+        <p:spPr/>
+        <p:txBody>
+          <a:bodyPr/>
+          <a:lstStyle/>
+          <a:p>
+            <a:fld id="{B6F15528-21DE-4FAA-801E-634DDDAF4B2B}" type="slidenum">
+              <a:rPr lang="en-US" smtClean="0"/>
+              <a:pPr/>
+              <a:t>21</a:t>
+            </a:fld>
+            <a:endParaRPr lang="en-US"/>
+          </a:p>
+        </p:txBody>
+      </p:sp>
+    </p:spTree>
+    <p:extLst>
+      <p:ext uri="{BB962C8B-B14F-4D97-AF65-F5344CB8AC3E}">
+        <p14:creationId xmlns:p14="http://schemas.microsoft.com/office/powerpoint/2010/main" xmlns="" val="4175840664"/>
+      </p:ext>
+    </p:extLst>
+  </p:cSld>
+  <p:clrMapOvr>
+    <a:masterClrMapping/>
+  </p:clrMapOvr>
+  <p:timing>
+    <p:tnLst>
+      <p:par>
+        <p:cTn id="1" dur="indefinite" restart="never" nodeType="tmRoot"/>
+      </p:par>
+    </p:tnLst>
+  </p:timing>
+</p:sld>
+</file>
+
+<file path=ppt/slides/slide22.xml><?xml version="1.0" encoding="utf-8"?>
+<p:sld xmlns:a="http://schemas.openxmlformats.org/drawingml/2006/main" xmlns:r="http://schemas.openxmlformats.org/officeDocument/2006/relationships" xmlns:p="http://schemas.openxmlformats.org/presentationml/2006/main">
+  <p:cSld>
+    <p:spTree>
+      <p:nvGrpSpPr>
+        <p:cNvPr id="1" name=""/>
+        <p:cNvGrpSpPr/>
+        <p:nvPr/>
+      </p:nvGrpSpPr>
+      <p:grpSpPr>
+        <a:xfrm>
+          <a:off x="0" y="0"/>
+          <a:ext cx="0" cy="0"/>
+          <a:chOff x="0" y="0"/>
+          <a:chExt cx="0" cy="0"/>
+        </a:xfrm>
+      </p:grpSpPr>
+      <p:sp>
+        <p:nvSpPr>
+          <p:cNvPr id="2" name="Title 1"/>
+          <p:cNvSpPr>
+            <a:spLocks noGrp="1"/>
+          </p:cNvSpPr>
+          <p:nvPr>
+            <p:ph type="title"/>
+          </p:nvPr>
+        </p:nvSpPr>
+        <p:spPr/>
+        <p:txBody>
+          <a:bodyPr/>
+          <a:lstStyle/>
+          <a:p>
+            <a:r>
+              <a:rPr lang="en-US" dirty="0" err="1" smtClean="0"/>
+              <a:t>Hướng</a:t>
+            </a:r>
+            <a:r>
+              <a:rPr lang="en-US" dirty="0" smtClean="0"/>
+              <a:t> </a:t>
+            </a:r>
+            <a:r>
+              <a:rPr lang="en-US" dirty="0" err="1" smtClean="0"/>
+              <a:t>tiếp</a:t>
+            </a:r>
+            <a:r>
+              <a:rPr lang="en-US" dirty="0" smtClean="0"/>
+              <a:t> </a:t>
+            </a:r>
+            <a:r>
+              <a:rPr lang="en-US" dirty="0" err="1" smtClean="0"/>
+              <a:t>cận</a:t>
+            </a:r>
+            <a:endParaRPr lang="en-US" dirty="0"/>
+          </a:p>
+        </p:txBody>
+      </p:sp>
+      <p:sp>
+        <p:nvSpPr>
+          <p:cNvPr id="3" name="Content Placeholder 2"/>
+          <p:cNvSpPr>
+            <a:spLocks noGrp="1"/>
+          </p:cNvSpPr>
+          <p:nvPr>
+            <p:ph idx="1"/>
+          </p:nvPr>
+        </p:nvSpPr>
+        <p:spPr>
+          <a:xfrm>
+            <a:off x="457200" y="1935480"/>
+            <a:ext cx="8229600" cy="655320"/>
+          </a:xfrm>
+        </p:spPr>
+        <p:txBody>
+          <a:bodyPr/>
+          <a:lstStyle/>
+          <a:p>
+            <a:r>
+              <a:rPr lang="en-US" dirty="0" err="1" smtClean="0"/>
+              <a:t>Phân</a:t>
+            </a:r>
+            <a:r>
+              <a:rPr lang="en-US" dirty="0" smtClean="0"/>
+              <a:t> </a:t>
+            </a:r>
+            <a:r>
+              <a:rPr lang="en-US" dirty="0" err="1" smtClean="0"/>
+              <a:t>loại</a:t>
+            </a:r>
+            <a:endParaRPr lang="en-US" dirty="0"/>
+          </a:p>
+        </p:txBody>
+      </p:sp>
+      <p:sp>
+        <p:nvSpPr>
+          <p:cNvPr id="4" name="Slide Number Placeholder 3"/>
+          <p:cNvSpPr>
+            <a:spLocks noGrp="1"/>
+          </p:cNvSpPr>
+          <p:nvPr>
+            <p:ph type="sldNum" sz="quarter" idx="12"/>
+          </p:nvPr>
+        </p:nvSpPr>
+        <p:spPr/>
+        <p:txBody>
+          <a:bodyPr/>
+          <a:lstStyle/>
+          <a:p>
+            <a:fld id="{B6F15528-21DE-4FAA-801E-634DDDAF4B2B}" type="slidenum">
+              <a:rPr lang="en-US" smtClean="0"/>
+              <a:pPr/>
+              <a:t>22</a:t>
+            </a:fld>
+            <a:endParaRPr lang="en-US"/>
+          </a:p>
+        </p:txBody>
+      </p:sp>
+    </p:spTree>
+    <p:extLst>
+      <p:ext uri="{BB962C8B-B14F-4D97-AF65-F5344CB8AC3E}">
+        <p14:creationId xmlns:p14="http://schemas.microsoft.com/office/powerpoint/2010/main" xmlns="" val="1297011577"/>
+      </p:ext>
+    </p:extLst>
+  </p:cSld>
+  <p:clrMapOvr>
+    <a:masterClrMapping/>
+  </p:clrMapOvr>
+  <p:timing>
+    <p:tnLst>
+      <p:par>
+        <p:cTn id="1" dur="indefinite" restart="never" nodeType="tmRoot"/>
+      </p:par>
+    </p:tnLst>
+  </p:timing>
+</p:sld>
+</file>
+
+<file path=ppt/slides/slide23.xml><?xml version="1.0" encoding="utf-8"?>
+<p:sld xmlns:a="http://schemas.openxmlformats.org/drawingml/2006/main" xmlns:r="http://schemas.openxmlformats.org/officeDocument/2006/relationships" xmlns:p="http://schemas.openxmlformats.org/presentationml/2006/main">
+  <p:cSld>
+    <p:spTree>
+      <p:nvGrpSpPr>
+        <p:cNvPr id="1" name=""/>
+        <p:cNvGrpSpPr/>
+        <p:nvPr/>
+      </p:nvGrpSpPr>
+      <p:grpSpPr>
+        <a:xfrm>
+          <a:off x="0" y="0"/>
+          <a:ext cx="0" cy="0"/>
+          <a:chOff x="0" y="0"/>
+          <a:chExt cx="0" cy="0"/>
+        </a:xfrm>
+      </p:grpSpPr>
+      <p:sp>
+        <p:nvSpPr>
+          <p:cNvPr id="2" name="Title 1"/>
+          <p:cNvSpPr>
+            <a:spLocks noGrp="1"/>
+          </p:cNvSpPr>
+          <p:nvPr>
+            <p:ph type="title"/>
+          </p:nvPr>
+        </p:nvSpPr>
+        <p:spPr/>
+        <p:txBody>
+          <a:bodyPr/>
+          <a:lstStyle/>
+          <a:p>
+            <a:r>
+              <a:rPr lang="en-US" dirty="0" err="1" smtClean="0"/>
+              <a:t>Hướng</a:t>
+            </a:r>
+            <a:r>
+              <a:rPr lang="en-US" dirty="0" smtClean="0"/>
+              <a:t> </a:t>
+            </a:r>
+            <a:r>
+              <a:rPr lang="en-US" dirty="0" err="1" smtClean="0"/>
+              <a:t>tiếp</a:t>
+            </a:r>
+            <a:r>
+              <a:rPr lang="en-US" dirty="0" smtClean="0"/>
+              <a:t> </a:t>
+            </a:r>
+            <a:r>
+              <a:rPr lang="en-US" dirty="0" err="1" smtClean="0"/>
+              <a:t>cận</a:t>
+            </a:r>
+            <a:endParaRPr lang="en-US" dirty="0"/>
+          </a:p>
+        </p:txBody>
+      </p:sp>
+      <p:sp>
+        <p:nvSpPr>
+          <p:cNvPr id="3" name="Content Placeholder 2"/>
+          <p:cNvSpPr>
+            <a:spLocks noGrp="1"/>
+          </p:cNvSpPr>
+          <p:nvPr>
+            <p:ph idx="1"/>
+          </p:nvPr>
+        </p:nvSpPr>
+        <p:spPr>
+          <a:xfrm>
+            <a:off x="457200" y="1935480"/>
+            <a:ext cx="8229600" cy="655320"/>
+          </a:xfrm>
+        </p:spPr>
+        <p:txBody>
+          <a:bodyPr/>
+          <a:lstStyle/>
+          <a:p>
+            <a:r>
+              <a:rPr lang="en-US" dirty="0" err="1" smtClean="0"/>
+              <a:t>Hướng</a:t>
+            </a:r>
+            <a:r>
+              <a:rPr lang="en-US" dirty="0" smtClean="0"/>
+              <a:t> </a:t>
+            </a:r>
+            <a:r>
+              <a:rPr lang="en-US" dirty="0" err="1" smtClean="0"/>
+              <a:t>tiếp</a:t>
+            </a:r>
+            <a:r>
+              <a:rPr lang="en-US" dirty="0" smtClean="0"/>
+              <a:t> </a:t>
+            </a:r>
+            <a:r>
+              <a:rPr lang="en-US" dirty="0" err="1" smtClean="0"/>
+              <a:t>cận</a:t>
+            </a:r>
+            <a:r>
+              <a:rPr lang="en-US" dirty="0" smtClean="0"/>
+              <a:t> </a:t>
+            </a:r>
+            <a:r>
+              <a:rPr lang="en-US" dirty="0" err="1" smtClean="0"/>
+              <a:t>của</a:t>
+            </a:r>
+            <a:r>
+              <a:rPr lang="en-US" dirty="0" smtClean="0"/>
+              <a:t> </a:t>
+            </a:r>
+            <a:r>
+              <a:rPr lang="en-US" dirty="0" err="1" smtClean="0"/>
+              <a:t>nhóm</a:t>
+            </a:r>
+            <a:endParaRPr lang="en-US" dirty="0"/>
+          </a:p>
+        </p:txBody>
+      </p:sp>
+      <p:sp>
+        <p:nvSpPr>
+          <p:cNvPr id="4" name="Slide Number Placeholder 3"/>
+          <p:cNvSpPr>
+            <a:spLocks noGrp="1"/>
+          </p:cNvSpPr>
+          <p:nvPr>
+            <p:ph type="sldNum" sz="quarter" idx="12"/>
+          </p:nvPr>
+        </p:nvSpPr>
+        <p:spPr/>
+        <p:txBody>
+          <a:bodyPr/>
+          <a:lstStyle/>
+          <a:p>
+            <a:fld id="{B6F15528-21DE-4FAA-801E-634DDDAF4B2B}" type="slidenum">
+              <a:rPr lang="en-US" smtClean="0"/>
+              <a:pPr/>
+              <a:t>23</a:t>
+            </a:fld>
+            <a:endParaRPr lang="en-US"/>
+          </a:p>
+        </p:txBody>
+      </p:sp>
+    </p:spTree>
+    <p:extLst>
+      <p:ext uri="{BB962C8B-B14F-4D97-AF65-F5344CB8AC3E}">
+        <p14:creationId xmlns:p14="http://schemas.microsoft.com/office/powerpoint/2010/main" xmlns="" val="1297011577"/>
+      </p:ext>
+    </p:extLst>
+  </p:cSld>
+  <p:clrMapOvr>
+    <a:masterClrMapping/>
+  </p:clrMapOvr>
+  <p:timing>
+    <p:tnLst>
+      <p:par>
+        <p:cTn id="1" dur="indefinite" restart="never" nodeType="tmRoot"/>
+      </p:par>
+    </p:tnLst>
+  </p:timing>
+</p:sld>
+</file>
+
+<file path=ppt/slides/slide24.xml><?xml version="1.0" encoding="utf-8"?>
+<p:sld xmlns:a="http://schemas.openxmlformats.org/drawingml/2006/main" xmlns:r="http://schemas.openxmlformats.org/officeDocument/2006/relationships" xmlns:p="http://schemas.openxmlformats.org/presentationml/2006/main">
+  <p:cSld>
+    <p:spTree>
+      <p:nvGrpSpPr>
+        <p:cNvPr id="1" name=""/>
+        <p:cNvGrpSpPr/>
+        <p:nvPr/>
+      </p:nvGrpSpPr>
+      <p:grpSpPr>
+        <a:xfrm>
+          <a:off x="0" y="0"/>
+          <a:ext cx="0" cy="0"/>
+          <a:chOff x="0" y="0"/>
+          <a:chExt cx="0" cy="0"/>
+        </a:xfrm>
+      </p:grpSpPr>
+      <p:sp>
+        <p:nvSpPr>
+          <p:cNvPr id="2" name="Title 1"/>
+          <p:cNvSpPr>
+            <a:spLocks noGrp="1"/>
+          </p:cNvSpPr>
+          <p:nvPr>
+            <p:ph type="title"/>
+          </p:nvPr>
+        </p:nvSpPr>
+        <p:spPr/>
+        <p:txBody>
+          <a:bodyPr/>
+          <a:lstStyle/>
+          <a:p>
+            <a:r>
+              <a:rPr lang="en-US" dirty="0" smtClean="0"/>
+              <a:t>Demo</a:t>
+            </a:r>
+            <a:endParaRPr lang="en-US" dirty="0"/>
+          </a:p>
+        </p:txBody>
+      </p:sp>
+      <p:sp>
+        <p:nvSpPr>
+          <p:cNvPr id="3" name="Content Placeholder 2"/>
+          <p:cNvSpPr>
+            <a:spLocks noGrp="1"/>
+          </p:cNvSpPr>
+          <p:nvPr>
+            <p:ph idx="1"/>
+          </p:nvPr>
+        </p:nvSpPr>
+        <p:spPr/>
+        <p:txBody>
+          <a:bodyPr/>
+          <a:lstStyle/>
+          <a:p>
+            <a:endParaRPr lang="en-US"/>
+          </a:p>
+        </p:txBody>
+      </p:sp>
+      <p:sp>
+        <p:nvSpPr>
+          <p:cNvPr id="4" name="Slide Number Placeholder 3"/>
+          <p:cNvSpPr>
+            <a:spLocks noGrp="1"/>
+          </p:cNvSpPr>
+          <p:nvPr>
+            <p:ph type="sldNum" sz="quarter" idx="12"/>
+          </p:nvPr>
+        </p:nvSpPr>
+        <p:spPr/>
+        <p:txBody>
+          <a:bodyPr/>
+          <a:lstStyle/>
+          <a:p>
+            <a:fld id="{B6F15528-21DE-4FAA-801E-634DDDAF4B2B}" type="slidenum">
+              <a:rPr lang="en-US" smtClean="0"/>
+              <a:pPr/>
+              <a:t>24</a:t>
+            </a:fld>
+            <a:endParaRPr lang="en-US"/>
+          </a:p>
+        </p:txBody>
+      </p:sp>
+    </p:spTree>
+    <p:extLst>
+      <p:ext uri="{BB962C8B-B14F-4D97-AF65-F5344CB8AC3E}">
+        <p14:creationId xmlns:p14="http://schemas.microsoft.com/office/powerpoint/2010/main" xmlns="" val="1280618262"/>
+      </p:ext>
+    </p:extLst>
+  </p:cSld>
+  <p:clrMapOvr>
+    <a:masterClrMapping/>
+  </p:clrMapOvr>
+  <p:timing>
+    <p:tnLst>
+      <p:par>
+        <p:cTn id="1" dur="indefinite" restart="never" nodeType="tmRoot"/>
+      </p:par>
+    </p:tnLst>
+  </p:timing>
+</p:sld>
+</file>
+
+<file path=ppt/slides/slide25.xml><?xml version="1.0" encoding="utf-8"?>
+<p:sld xmlns:a="http://schemas.openxmlformats.org/drawingml/2006/main" xmlns:r="http://schemas.openxmlformats.org/officeDocument/2006/relationships" xmlns:p="http://schemas.openxmlformats.org/presentationml/2006/main">
+  <p:cSld>
+    <p:spTree>
+      <p:nvGrpSpPr>
+        <p:cNvPr id="1" name=""/>
+        <p:cNvGrpSpPr/>
+        <p:nvPr/>
+      </p:nvGrpSpPr>
+      <p:grpSpPr>
+        <a:xfrm>
+          <a:off x="0" y="0"/>
+          <a:ext cx="0" cy="0"/>
+          <a:chOff x="0" y="0"/>
+          <a:chExt cx="0" cy="0"/>
+        </a:xfrm>
+      </p:grpSpPr>
+      <p:sp>
+        <p:nvSpPr>
+          <p:cNvPr id="2" name="Title 1"/>
+          <p:cNvSpPr>
+            <a:spLocks noGrp="1"/>
+          </p:cNvSpPr>
+          <p:nvPr>
+            <p:ph type="title"/>
+          </p:nvPr>
+        </p:nvSpPr>
+        <p:spPr/>
+        <p:txBody>
+          <a:bodyPr/>
+          <a:lstStyle/>
+          <a:p>
+            <a:r>
+              <a:rPr lang="en-US" dirty="0" err="1" smtClean="0"/>
+              <a:t>Tài</a:t>
+            </a:r>
+            <a:r>
+              <a:rPr lang="en-US" dirty="0" smtClean="0"/>
+              <a:t> </a:t>
+            </a:r>
+            <a:r>
+              <a:rPr lang="en-US" dirty="0" err="1" smtClean="0"/>
+              <a:t>liệu</a:t>
+            </a:r>
+            <a:r>
+              <a:rPr lang="en-US" dirty="0" smtClean="0"/>
+              <a:t> </a:t>
+            </a:r>
+            <a:r>
+              <a:rPr lang="en-US" dirty="0" err="1" smtClean="0"/>
+              <a:t>tham</a:t>
+            </a:r>
+            <a:r>
+              <a:rPr lang="en-US" dirty="0" smtClean="0"/>
+              <a:t> </a:t>
+            </a:r>
+            <a:r>
+              <a:rPr lang="en-US" dirty="0" err="1" smtClean="0"/>
+              <a:t>khảo</a:t>
+            </a:r>
+            <a:endParaRPr lang="en-US" dirty="0"/>
+          </a:p>
+        </p:txBody>
+      </p:sp>
+      <p:sp>
+        <p:nvSpPr>
+          <p:cNvPr id="3" name="Content Placeholder 2"/>
+          <p:cNvSpPr>
+            <a:spLocks noGrp="1"/>
+          </p:cNvSpPr>
+          <p:nvPr>
+            <p:ph idx="1"/>
+          </p:nvPr>
+        </p:nvSpPr>
+        <p:spPr>
+          <a:xfrm>
+            <a:off x="0" y="1935480"/>
+            <a:ext cx="9144000" cy="4389120"/>
+          </a:xfrm>
+        </p:spPr>
+        <p:txBody>
+          <a:bodyPr>
+            <a:normAutofit/>
+          </a:bodyPr>
+          <a:lstStyle/>
+          <a:p>
+            <a:r>
+              <a:rPr lang="en-US" dirty="0" smtClean="0"/>
+              <a:t>[1] </a:t>
+            </a:r>
+            <a:r>
+              <a:rPr lang="en-US" dirty="0" err="1" smtClean="0"/>
+              <a:t>Kresimir</a:t>
+            </a:r>
+            <a:r>
+              <a:rPr lang="en-US" dirty="0" smtClean="0"/>
+              <a:t> </a:t>
+            </a:r>
+            <a:r>
+              <a:rPr lang="en-US" dirty="0" err="1" smtClean="0"/>
+              <a:t>Delac</a:t>
+            </a:r>
+            <a:r>
+              <a:rPr lang="en-US" dirty="0" smtClean="0"/>
+              <a:t> and </a:t>
+            </a:r>
+            <a:r>
+              <a:rPr lang="en-US" dirty="0" err="1" smtClean="0"/>
+              <a:t>Mislav</a:t>
+            </a:r>
+            <a:r>
+              <a:rPr lang="en-US" dirty="0" smtClean="0"/>
+              <a:t> </a:t>
+            </a:r>
+            <a:r>
+              <a:rPr lang="en-US" dirty="0" err="1" smtClean="0"/>
+              <a:t>Grgic</a:t>
+            </a:r>
+            <a:r>
+              <a:rPr lang="en-US" dirty="0" smtClean="0"/>
+              <a:t>, "A survey of biometric recognition methods," 2004.</a:t>
+            </a:r>
+          </a:p>
+          <a:p>
+            <a:r>
+              <a:rPr lang="en-US" dirty="0" smtClean="0"/>
+              <a:t>[2] </a:t>
+            </a:r>
+            <a:r>
+              <a:rPr lang="en-US" dirty="0" err="1" smtClean="0"/>
+              <a:t>Ravindra</a:t>
+            </a:r>
+            <a:r>
+              <a:rPr lang="en-US" dirty="0" smtClean="0"/>
+              <a:t> </a:t>
+            </a:r>
+            <a:r>
+              <a:rPr lang="en-US" dirty="0" err="1" smtClean="0"/>
+              <a:t>Thool</a:t>
+            </a:r>
+            <a:r>
+              <a:rPr lang="en-US" dirty="0" smtClean="0"/>
+              <a:t>, </a:t>
+            </a:r>
+            <a:r>
+              <a:rPr lang="en-US" dirty="0" err="1" smtClean="0"/>
+              <a:t>Balwant</a:t>
+            </a:r>
+            <a:r>
+              <a:rPr lang="en-US" dirty="0" smtClean="0"/>
+              <a:t> </a:t>
+            </a:r>
+            <a:r>
+              <a:rPr lang="en-US" dirty="0" err="1" smtClean="0"/>
+              <a:t>sonkamble</a:t>
+            </a:r>
+            <a:r>
+              <a:rPr lang="en-US" dirty="0" smtClean="0"/>
+              <a:t> </a:t>
+            </a:r>
+            <a:r>
+              <a:rPr lang="en-US" dirty="0" err="1" smtClean="0"/>
+              <a:t>Sulochana</a:t>
+            </a:r>
+            <a:r>
+              <a:rPr lang="en-US" dirty="0" smtClean="0"/>
+              <a:t> </a:t>
+            </a:r>
+            <a:r>
+              <a:rPr lang="en-US" dirty="0" err="1" smtClean="0"/>
+              <a:t>Sonkamble</a:t>
+            </a:r>
+            <a:r>
+              <a:rPr lang="en-US" dirty="0" smtClean="0"/>
+              <a:t>, "Survey of biometric recognition systems and their applications," </a:t>
+            </a:r>
+            <a:r>
+              <a:rPr lang="en-US" i="1" dirty="0" smtClean="0"/>
+              <a:t>Journal of Theoretical and Applied Information Technology</a:t>
+            </a:r>
+            <a:r>
+              <a:rPr lang="en-US" dirty="0" smtClean="0"/>
+              <a:t>, vol. 11, pp. 45-51.</a:t>
+            </a:r>
+          </a:p>
+          <a:p>
+            <a:r>
+              <a:rPr lang="en-US" dirty="0" smtClean="0"/>
+              <a:t>[3] Patrick Flynn, </a:t>
+            </a:r>
+            <a:r>
+              <a:rPr lang="en-US" dirty="0" err="1" smtClean="0"/>
+              <a:t>Arun</a:t>
+            </a:r>
+            <a:r>
+              <a:rPr lang="en-US" dirty="0" smtClean="0"/>
+              <a:t> A. Ross Anil K. Jain, Ed., </a:t>
+            </a:r>
+            <a:r>
+              <a:rPr lang="en-US" i="1" dirty="0" smtClean="0"/>
+              <a:t>Handbook of biometrics</a:t>
+            </a:r>
+            <a:r>
+              <a:rPr lang="en-US" dirty="0" smtClean="0"/>
+              <a:t>.: Springer, 2008.</a:t>
+            </a:r>
+          </a:p>
+          <a:p>
+            <a:endParaRPr lang="en-US" dirty="0"/>
+          </a:p>
+        </p:txBody>
+      </p:sp>
+      <p:sp>
+        <p:nvSpPr>
+          <p:cNvPr id="4" name="Slide Number Placeholder 3"/>
+          <p:cNvSpPr>
+            <a:spLocks noGrp="1"/>
+          </p:cNvSpPr>
+          <p:nvPr>
+            <p:ph type="sldNum" sz="quarter" idx="12"/>
+          </p:nvPr>
+        </p:nvSpPr>
+        <p:spPr/>
+        <p:txBody>
+          <a:bodyPr/>
+          <a:lstStyle/>
+          <a:p>
+            <a:fld id="{B6F15528-21DE-4FAA-801E-634DDDAF4B2B}" type="slidenum">
+              <a:rPr lang="en-US" smtClean="0"/>
+              <a:pPr/>
+              <a:t>25</a:t>
             </a:fld>
             <a:endParaRPr lang="en-US"/>
           </a:p>
@@ -9109,7 +13115,7 @@
     </p:spTree>
     <p:extLst>
       <p:ext uri="{BB962C8B-B14F-4D97-AF65-F5344CB8AC3E}">
-        <p14:creationId xmlns="" xmlns:p14="http://schemas.microsoft.com/office/powerpoint/2010/main" val="631339435"/>
+        <p14:creationId xmlns:p14="http://schemas.microsoft.com/office/powerpoint/2010/main" xmlns="" val="631339435"/>
       </p:ext>
     </p:extLst>
   </p:cSld>
@@ -9186,7 +13192,7 @@
           <a:blip r:embed="rId2" cstate="print">
             <a:extLst>
               <a:ext uri="{28A0092B-C50C-407E-A947-70E740481C1C}">
-                <a14:useLocalDpi xmlns="" xmlns:a14="http://schemas.microsoft.com/office/drawing/2010/main" val="0"/>
+                <a14:useLocalDpi xmlns:a14="http://schemas.microsoft.com/office/drawing/2010/main" xmlns="" val="0"/>
               </a:ext>
             </a:extLst>
           </a:blip>
@@ -9210,14 +13216,14 @@
           <a:effectLst/>
           <a:extLst>
             <a:ext uri="{909E8E84-426E-40DD-AFC4-6F175D3DCCD1}">
-              <a14:hiddenFill xmlns="" xmlns:a14="http://schemas.microsoft.com/office/drawing/2010/main">
+              <a14:hiddenFill xmlns:a14="http://schemas.microsoft.com/office/drawing/2010/main" xmlns="">
                 <a:solidFill>
                   <a:schemeClr val="accent1"/>
                 </a:solidFill>
               </a14:hiddenFill>
             </a:ext>
             <a:ext uri="{91240B29-F687-4F45-9708-019B960494DF}">
-              <a14:hiddenLine xmlns="" xmlns:a14="http://schemas.microsoft.com/office/drawing/2010/main" w="9525">
+              <a14:hiddenLine xmlns:a14="http://schemas.microsoft.com/office/drawing/2010/main" xmlns="" w="9525">
                 <a:solidFill>
                   <a:schemeClr val="tx1"/>
                 </a:solidFill>
@@ -9227,7 +13233,7 @@
               </a14:hiddenLine>
             </a:ext>
             <a:ext uri="{AF507438-7753-43E0-B8FC-AC1667EBCBE1}">
-              <a14:hiddenEffects xmlns="" xmlns:a14="http://schemas.microsoft.com/office/drawing/2010/main">
+              <a14:hiddenEffects xmlns:a14="http://schemas.microsoft.com/office/drawing/2010/main" xmlns="">
                 <a:effectLst>
                   <a:outerShdw dist="35921" dir="2700000" algn="ctr" rotWithShape="0">
                     <a:schemeClr val="bg2"/>
@@ -9250,7 +13256,7 @@
           <a:blip r:embed="rId3" cstate="print">
             <a:extLst>
               <a:ext uri="{28A0092B-C50C-407E-A947-70E740481C1C}">
-                <a14:useLocalDpi xmlns="" xmlns:a14="http://schemas.microsoft.com/office/drawing/2010/main" val="0"/>
+                <a14:useLocalDpi xmlns:a14="http://schemas.microsoft.com/office/drawing/2010/main" xmlns="" val="0"/>
               </a:ext>
             </a:extLst>
           </a:blip>
@@ -9274,14 +13280,14 @@
           <a:effectLst/>
           <a:extLst>
             <a:ext uri="{909E8E84-426E-40DD-AFC4-6F175D3DCCD1}">
-              <a14:hiddenFill xmlns="" xmlns:a14="http://schemas.microsoft.com/office/drawing/2010/main">
+              <a14:hiddenFill xmlns:a14="http://schemas.microsoft.com/office/drawing/2010/main" xmlns="">
                 <a:solidFill>
                   <a:schemeClr val="accent1"/>
                 </a:solidFill>
               </a14:hiddenFill>
             </a:ext>
             <a:ext uri="{91240B29-F687-4F45-9708-019B960494DF}">
-              <a14:hiddenLine xmlns="" xmlns:a14="http://schemas.microsoft.com/office/drawing/2010/main" w="9525">
+              <a14:hiddenLine xmlns:a14="http://schemas.microsoft.com/office/drawing/2010/main" xmlns="" w="9525">
                 <a:solidFill>
                   <a:schemeClr val="tx1"/>
                 </a:solidFill>
@@ -9291,7 +13297,7 @@
               </a14:hiddenLine>
             </a:ext>
             <a:ext uri="{AF507438-7753-43E0-B8FC-AC1667EBCBE1}">
-              <a14:hiddenEffects xmlns="" xmlns:a14="http://schemas.microsoft.com/office/drawing/2010/main">
+              <a14:hiddenEffects xmlns:a14="http://schemas.microsoft.com/office/drawing/2010/main" xmlns="">
                 <a:effectLst>
                   <a:outerShdw dist="35921" dir="2700000" algn="ctr" rotWithShape="0">
                     <a:schemeClr val="bg2"/>
@@ -9314,7 +13320,7 @@
           <a:blip r:embed="rId4" cstate="print">
             <a:extLst>
               <a:ext uri="{28A0092B-C50C-407E-A947-70E740481C1C}">
-                <a14:useLocalDpi xmlns="" xmlns:a14="http://schemas.microsoft.com/office/drawing/2010/main" val="0"/>
+                <a14:useLocalDpi xmlns:a14="http://schemas.microsoft.com/office/drawing/2010/main" xmlns="" val="0"/>
               </a:ext>
             </a:extLst>
           </a:blip>
@@ -9338,14 +13344,14 @@
           <a:effectLst/>
           <a:extLst>
             <a:ext uri="{909E8E84-426E-40DD-AFC4-6F175D3DCCD1}">
-              <a14:hiddenFill xmlns="" xmlns:a14="http://schemas.microsoft.com/office/drawing/2010/main">
+              <a14:hiddenFill xmlns:a14="http://schemas.microsoft.com/office/drawing/2010/main" xmlns="">
                 <a:solidFill>
                   <a:schemeClr val="accent1"/>
                 </a:solidFill>
               </a14:hiddenFill>
             </a:ext>
             <a:ext uri="{91240B29-F687-4F45-9708-019B960494DF}">
-              <a14:hiddenLine xmlns="" xmlns:a14="http://schemas.microsoft.com/office/drawing/2010/main" w="9525">
+              <a14:hiddenLine xmlns:a14="http://schemas.microsoft.com/office/drawing/2010/main" xmlns="" w="9525">
                 <a:solidFill>
                   <a:schemeClr val="tx1"/>
                 </a:solidFill>
@@ -9355,7 +13361,7 @@
               </a14:hiddenLine>
             </a:ext>
             <a:ext uri="{AF507438-7753-43E0-B8FC-AC1667EBCBE1}">
-              <a14:hiddenEffects xmlns="" xmlns:a14="http://schemas.microsoft.com/office/drawing/2010/main">
+              <a14:hiddenEffects xmlns:a14="http://schemas.microsoft.com/office/drawing/2010/main" xmlns="">
                 <a:effectLst>
                   <a:outerShdw dist="35921" dir="2700000" algn="ctr" rotWithShape="0">
                     <a:schemeClr val="bg2"/>
@@ -10092,7 +14098,7 @@
           <a:blip r:embed="rId2" cstate="print">
             <a:extLst>
               <a:ext uri="{28A0092B-C50C-407E-A947-70E740481C1C}">
-                <a14:useLocalDpi xmlns="" xmlns:a14="http://schemas.microsoft.com/office/drawing/2010/main" val="0"/>
+                <a14:useLocalDpi xmlns:a14="http://schemas.microsoft.com/office/drawing/2010/main" xmlns="" val="0"/>
               </a:ext>
             </a:extLst>
           </a:blip>
@@ -10116,14 +14122,14 @@
           <a:effectLst/>
           <a:extLst>
             <a:ext uri="{909E8E84-426E-40DD-AFC4-6F175D3DCCD1}">
-              <a14:hiddenFill xmlns="" xmlns:a14="http://schemas.microsoft.com/office/drawing/2010/main">
+              <a14:hiddenFill xmlns:a14="http://schemas.microsoft.com/office/drawing/2010/main" xmlns="">
                 <a:solidFill>
                   <a:schemeClr val="accent1"/>
                 </a:solidFill>
               </a14:hiddenFill>
             </a:ext>
             <a:ext uri="{91240B29-F687-4F45-9708-019B960494DF}">
-              <a14:hiddenLine xmlns="" xmlns:a14="http://schemas.microsoft.com/office/drawing/2010/main" w="9525">
+              <a14:hiddenLine xmlns:a14="http://schemas.microsoft.com/office/drawing/2010/main" xmlns="" w="9525">
                 <a:solidFill>
                   <a:schemeClr val="tx1"/>
                 </a:solidFill>
@@ -10133,7 +14139,7 @@
               </a14:hiddenLine>
             </a:ext>
             <a:ext uri="{AF507438-7753-43E0-B8FC-AC1667EBCBE1}">
-              <a14:hiddenEffects xmlns="" xmlns:a14="http://schemas.microsoft.com/office/drawing/2010/main">
+              <a14:hiddenEffects xmlns:a14="http://schemas.microsoft.com/office/drawing/2010/main" xmlns="">
                 <a:effectLst>
                   <a:outerShdw dist="35921" dir="2700000" algn="ctr" rotWithShape="0">
                     <a:schemeClr val="bg2"/>
@@ -10694,7 +14700,7 @@
     </p:spTree>
     <p:extLst>
       <p:ext uri="{BB962C8B-B14F-4D97-AF65-F5344CB8AC3E}">
-        <p14:creationId xmlns="" xmlns:p14="http://schemas.microsoft.com/office/powerpoint/2010/main" val="1590311507"/>
+        <p14:creationId xmlns:p14="http://schemas.microsoft.com/office/powerpoint/2010/main" xmlns="" val="1590311507"/>
       </p:ext>
     </p:extLst>
   </p:cSld>
@@ -11480,7 +15486,7 @@
     </p:spTree>
     <p:extLst>
       <p:ext uri="{BB962C8B-B14F-4D97-AF65-F5344CB8AC3E}">
-        <p14:creationId xmlns="" xmlns:p14="http://schemas.microsoft.com/office/powerpoint/2010/main" val="1272277284"/>
+        <p14:creationId xmlns:p14="http://schemas.microsoft.com/office/powerpoint/2010/main" xmlns="" val="1272277284"/>
       </p:ext>
     </p:extLst>
   </p:cSld>
@@ -12026,7 +16032,7 @@
     </p:spTree>
     <p:extLst>
       <p:ext uri="{BB962C8B-B14F-4D97-AF65-F5344CB8AC3E}">
-        <p14:creationId xmlns="" xmlns:p14="http://schemas.microsoft.com/office/powerpoint/2010/main" val="2576316791"/>
+        <p14:creationId xmlns:p14="http://schemas.microsoft.com/office/powerpoint/2010/main" xmlns="" val="2576316791"/>
       </p:ext>
     </p:extLst>
   </p:cSld>
@@ -12221,7 +16227,7 @@
     </p:spTree>
     <p:extLst>
       <p:ext uri="{BB962C8B-B14F-4D97-AF65-F5344CB8AC3E}">
-        <p14:creationId xmlns="" xmlns:p14="http://schemas.microsoft.com/office/powerpoint/2010/main" val="4197966627"/>
+        <p14:creationId xmlns:p14="http://schemas.microsoft.com/office/powerpoint/2010/main" xmlns="" val="4197966627"/>
       </p:ext>
     </p:extLst>
   </p:cSld>
@@ -12388,7 +16394,7 @@
           <a:blip r:embed="rId2" cstate="print">
             <a:extLst>
               <a:ext uri="{28A0092B-C50C-407E-A947-70E740481C1C}">
-                <a14:useLocalDpi xmlns="" xmlns:a14="http://schemas.microsoft.com/office/drawing/2010/main" val="0"/>
+                <a14:useLocalDpi xmlns:a14="http://schemas.microsoft.com/office/drawing/2010/main" xmlns="" val="0"/>
               </a:ext>
             </a:extLst>
           </a:blip>
@@ -12412,14 +16418,14 @@
           <a:effectLst/>
           <a:extLst>
             <a:ext uri="{909E8E84-426E-40DD-AFC4-6F175D3DCCD1}">
-              <a14:hiddenFill xmlns="" xmlns:a14="http://schemas.microsoft.com/office/drawing/2010/main">
+              <a14:hiddenFill xmlns:a14="http://schemas.microsoft.com/office/drawing/2010/main" xmlns="">
                 <a:solidFill>
                   <a:schemeClr val="accent1"/>
                 </a:solidFill>
               </a14:hiddenFill>
             </a:ext>
             <a:ext uri="{91240B29-F687-4F45-9708-019B960494DF}">
-              <a14:hiddenLine xmlns="" xmlns:a14="http://schemas.microsoft.com/office/drawing/2010/main" w="9525">
+              <a14:hiddenLine xmlns:a14="http://schemas.microsoft.com/office/drawing/2010/main" xmlns="" w="9525">
                 <a:solidFill>
                   <a:schemeClr val="tx1"/>
                 </a:solidFill>
@@ -12429,7 +16435,7 @@
               </a14:hiddenLine>
             </a:ext>
             <a:ext uri="{AF507438-7753-43E0-B8FC-AC1667EBCBE1}">
-              <a14:hiddenEffects xmlns="" xmlns:a14="http://schemas.microsoft.com/office/drawing/2010/main">
+              <a14:hiddenEffects xmlns:a14="http://schemas.microsoft.com/office/drawing/2010/main" xmlns="">
                 <a:effectLst>
                   <a:outerShdw dist="35921" dir="2700000" algn="ctr" rotWithShape="0">
                     <a:schemeClr val="bg2"/>
@@ -12554,7 +16560,7 @@
           <a:blip r:embed="rId3" cstate="print">
             <a:extLst>
               <a:ext uri="{28A0092B-C50C-407E-A947-70E740481C1C}">
-                <a14:useLocalDpi xmlns="" xmlns:a14="http://schemas.microsoft.com/office/drawing/2010/main" val="0"/>
+                <a14:useLocalDpi xmlns:a14="http://schemas.microsoft.com/office/drawing/2010/main" xmlns="" val="0"/>
               </a:ext>
             </a:extLst>
           </a:blip>
@@ -12578,14 +16584,14 @@
           <a:effectLst/>
           <a:extLst>
             <a:ext uri="{909E8E84-426E-40DD-AFC4-6F175D3DCCD1}">
-              <a14:hiddenFill xmlns="" xmlns:a14="http://schemas.microsoft.com/office/drawing/2010/main">
+              <a14:hiddenFill xmlns:a14="http://schemas.microsoft.com/office/drawing/2010/main" xmlns="">
                 <a:solidFill>
                   <a:schemeClr val="accent1"/>
                 </a:solidFill>
               </a14:hiddenFill>
             </a:ext>
             <a:ext uri="{91240B29-F687-4F45-9708-019B960494DF}">
-              <a14:hiddenLine xmlns="" xmlns:a14="http://schemas.microsoft.com/office/drawing/2010/main" w="9525">
+              <a14:hiddenLine xmlns:a14="http://schemas.microsoft.com/office/drawing/2010/main" xmlns="" w="9525">
                 <a:solidFill>
                   <a:schemeClr val="tx1"/>
                 </a:solidFill>
@@ -12595,7 +16601,7 @@
               </a14:hiddenLine>
             </a:ext>
             <a:ext uri="{AF507438-7753-43E0-B8FC-AC1667EBCBE1}">
-              <a14:hiddenEffects xmlns="" xmlns:a14="http://schemas.microsoft.com/office/drawing/2010/main">
+              <a14:hiddenEffects xmlns:a14="http://schemas.microsoft.com/office/drawing/2010/main" xmlns="">
                 <a:effectLst>
                   <a:outerShdw dist="35921" dir="2700000" algn="ctr" rotWithShape="0">
                     <a:schemeClr val="bg2"/>

--- a/Documentation/presentation.pptx
+++ b/Documentation/presentation.pptx
@@ -5,10 +5,10 @@
     <p:sldMasterId id="2147483660" r:id="rId1"/>
   </p:sldMasterIdLst>
   <p:notesMasterIdLst>
-    <p:notesMasterId r:id="rId27"/>
+    <p:notesMasterId r:id="rId33"/>
   </p:notesMasterIdLst>
   <p:handoutMasterIdLst>
-    <p:handoutMasterId r:id="rId28"/>
+    <p:handoutMasterId r:id="rId34"/>
   </p:handoutMasterIdLst>
   <p:sldIdLst>
     <p:sldId id="256" r:id="rId2"/>
@@ -25,17 +25,23 @@
     <p:sldId id="269" r:id="rId13"/>
     <p:sldId id="270" r:id="rId14"/>
     <p:sldId id="262" r:id="rId15"/>
-    <p:sldId id="276" r:id="rId16"/>
-    <p:sldId id="277" r:id="rId17"/>
-    <p:sldId id="278" r:id="rId18"/>
+    <p:sldId id="272" r:id="rId16"/>
+    <p:sldId id="278" r:id="rId17"/>
+    <p:sldId id="281" r:id="rId18"/>
     <p:sldId id="279" r:id="rId19"/>
-    <p:sldId id="280" r:id="rId20"/>
-    <p:sldId id="281" r:id="rId21"/>
-    <p:sldId id="282" r:id="rId22"/>
-    <p:sldId id="283" r:id="rId23"/>
-    <p:sldId id="284" r:id="rId24"/>
-    <p:sldId id="271" r:id="rId25"/>
-    <p:sldId id="263" r:id="rId26"/>
+    <p:sldId id="282" r:id="rId20"/>
+    <p:sldId id="286" r:id="rId21"/>
+    <p:sldId id="287" r:id="rId22"/>
+    <p:sldId id="285" r:id="rId23"/>
+    <p:sldId id="288" r:id="rId24"/>
+    <p:sldId id="280" r:id="rId25"/>
+    <p:sldId id="283" r:id="rId26"/>
+    <p:sldId id="273" r:id="rId27"/>
+    <p:sldId id="284" r:id="rId28"/>
+    <p:sldId id="274" r:id="rId29"/>
+    <p:sldId id="271" r:id="rId30"/>
+    <p:sldId id="277" r:id="rId31"/>
+    <p:sldId id="263" r:id="rId32"/>
   </p:sldIdLst>
   <p:sldSz cx="9144000" cy="6858000" type="screen4x3"/>
   <p:notesSz cx="6858000" cy="9144000"/>
@@ -220,7 +226,7 @@
             <a:fld id="{C29DD872-874E-4C43-A3B8-AD066DF4ED7D}" type="datetimeFigureOut">
               <a:rPr lang="vi-VN" smtClean="0"/>
               <a:pPr/>
-              <a:t>31/10/2010</a:t>
+              <a:t>03/11/2010</a:t>
             </a:fld>
             <a:endParaRPr lang="vi-VN"/>
           </a:p>
@@ -387,7 +393,7 @@
             <a:fld id="{88A263E0-0B66-4BBB-BD49-C22ADCF470AF}" type="datetimeFigureOut">
               <a:rPr lang="en-US" smtClean="0"/>
               <a:pPr/>
-              <a:t>10/31/2010</a:t>
+              <a:t>11/3/2010</a:t>
             </a:fld>
             <a:endParaRPr lang="en-US"/>
           </a:p>
@@ -556,6 +562,11 @@
         </p:txBody>
       </p:sp>
     </p:spTree>
+    <p:extLst>
+      <p:ext uri="{BB962C8B-B14F-4D97-AF65-F5344CB8AC3E}">
+        <p14:creationId xmlns:p14="http://schemas.microsoft.com/office/powerpoint/2010/main" xmlns="" val="2903458520"/>
+      </p:ext>
+    </p:extLst>
   </p:cSld>
   <p:clrMap bg1="lt1" tx1="dk1" bg2="lt2" tx2="dk2" accent1="accent1" accent2="accent2" accent3="accent3" accent4="accent4" accent5="accent5" accent6="accent6" hlink="hlink" folHlink="folHlink"/>
   <p:notesStyle>
@@ -964,6 +975,268 @@
 </p:notes>
 </file>
 
+<file path=ppt/notesSlides/notesSlide3.xml><?xml version="1.0" encoding="utf-8"?>
+<p:notes xmlns:a="http://schemas.openxmlformats.org/drawingml/2006/main" xmlns:r="http://schemas.openxmlformats.org/officeDocument/2006/relationships" xmlns:p="http://schemas.openxmlformats.org/presentationml/2006/main">
+  <p:cSld>
+    <p:spTree>
+      <p:nvGrpSpPr>
+        <p:cNvPr id="1" name=""/>
+        <p:cNvGrpSpPr/>
+        <p:nvPr/>
+      </p:nvGrpSpPr>
+      <p:grpSpPr>
+        <a:xfrm>
+          <a:off x="0" y="0"/>
+          <a:ext cx="0" cy="0"/>
+          <a:chOff x="0" y="0"/>
+          <a:chExt cx="0" cy="0"/>
+        </a:xfrm>
+      </p:grpSpPr>
+      <p:sp>
+        <p:nvSpPr>
+          <p:cNvPr id="2" name="Slide Image Placeholder 1"/>
+          <p:cNvSpPr>
+            <a:spLocks noGrp="1" noRot="1" noChangeAspect="1"/>
+          </p:cNvSpPr>
+          <p:nvPr>
+            <p:ph type="sldImg"/>
+          </p:nvPr>
+        </p:nvSpPr>
+        <p:spPr/>
+      </p:sp>
+      <p:sp>
+        <p:nvSpPr>
+          <p:cNvPr id="3" name="Notes Placeholder 2"/>
+          <p:cNvSpPr>
+            <a:spLocks noGrp="1"/>
+          </p:cNvSpPr>
+          <p:nvPr>
+            <p:ph type="body" idx="1"/>
+          </p:nvPr>
+        </p:nvSpPr>
+        <p:spPr/>
+        <p:txBody>
+          <a:bodyPr>
+            <a:normAutofit/>
+          </a:bodyPr>
+          <a:lstStyle/>
+          <a:p>
+            <a:r>
+              <a:rPr lang="en-US" dirty="0" smtClean="0"/>
+              <a:t>grayscale</a:t>
+            </a:r>
+            <a:endParaRPr lang="en-US" dirty="0"/>
+          </a:p>
+        </p:txBody>
+      </p:sp>
+      <p:sp>
+        <p:nvSpPr>
+          <p:cNvPr id="4" name="Slide Number Placeholder 3"/>
+          <p:cNvSpPr>
+            <a:spLocks noGrp="1"/>
+          </p:cNvSpPr>
+          <p:nvPr>
+            <p:ph type="sldNum" sz="quarter" idx="10"/>
+          </p:nvPr>
+        </p:nvSpPr>
+        <p:spPr/>
+        <p:txBody>
+          <a:bodyPr/>
+          <a:lstStyle/>
+          <a:p>
+            <a:fld id="{8D67FD47-375B-44D7-9DF6-340CCF0CE732}" type="slidenum">
+              <a:rPr lang="en-US" smtClean="0"/>
+              <a:pPr/>
+              <a:t>19</a:t>
+            </a:fld>
+            <a:endParaRPr lang="en-US"/>
+          </a:p>
+        </p:txBody>
+      </p:sp>
+    </p:spTree>
+  </p:cSld>
+  <p:clrMapOvr>
+    <a:masterClrMapping/>
+  </p:clrMapOvr>
+</p:notes>
+</file>
+
+<file path=ppt/notesSlides/notesSlide4.xml><?xml version="1.0" encoding="utf-8"?>
+<p:notes xmlns:a="http://schemas.openxmlformats.org/drawingml/2006/main" xmlns:r="http://schemas.openxmlformats.org/officeDocument/2006/relationships" xmlns:p="http://schemas.openxmlformats.org/presentationml/2006/main">
+  <p:cSld>
+    <p:spTree>
+      <p:nvGrpSpPr>
+        <p:cNvPr id="1" name=""/>
+        <p:cNvGrpSpPr/>
+        <p:nvPr/>
+      </p:nvGrpSpPr>
+      <p:grpSpPr>
+        <a:xfrm>
+          <a:off x="0" y="0"/>
+          <a:ext cx="0" cy="0"/>
+          <a:chOff x="0" y="0"/>
+          <a:chExt cx="0" cy="0"/>
+        </a:xfrm>
+      </p:grpSpPr>
+      <p:sp>
+        <p:nvSpPr>
+          <p:cNvPr id="2" name="Slide Image Placeholder 1"/>
+          <p:cNvSpPr>
+            <a:spLocks noGrp="1" noRot="1" noChangeAspect="1"/>
+          </p:cNvSpPr>
+          <p:nvPr>
+            <p:ph type="sldImg"/>
+          </p:nvPr>
+        </p:nvSpPr>
+        <p:spPr/>
+      </p:sp>
+      <p:sp>
+        <p:nvSpPr>
+          <p:cNvPr id="3" name="Notes Placeholder 2"/>
+          <p:cNvSpPr>
+            <a:spLocks noGrp="1"/>
+          </p:cNvSpPr>
+          <p:nvPr>
+            <p:ph type="body" idx="1"/>
+          </p:nvPr>
+        </p:nvSpPr>
+        <p:spPr/>
+        <p:txBody>
+          <a:bodyPr>
+            <a:normAutofit/>
+          </a:bodyPr>
+          <a:lstStyle/>
+          <a:p>
+            <a:r>
+              <a:rPr lang="en-US" dirty="0" smtClean="0"/>
+              <a:t>Binary</a:t>
+            </a:r>
+            <a:r>
+              <a:rPr lang="en-US" baseline="0" dirty="0" smtClean="0"/>
+              <a:t> + remove peg</a:t>
+            </a:r>
+            <a:endParaRPr lang="en-US" dirty="0"/>
+          </a:p>
+        </p:txBody>
+      </p:sp>
+      <p:sp>
+        <p:nvSpPr>
+          <p:cNvPr id="4" name="Slide Number Placeholder 3"/>
+          <p:cNvSpPr>
+            <a:spLocks noGrp="1"/>
+          </p:cNvSpPr>
+          <p:nvPr>
+            <p:ph type="sldNum" sz="quarter" idx="10"/>
+          </p:nvPr>
+        </p:nvSpPr>
+        <p:spPr/>
+        <p:txBody>
+          <a:bodyPr/>
+          <a:lstStyle/>
+          <a:p>
+            <a:fld id="{8D67FD47-375B-44D7-9DF6-340CCF0CE732}" type="slidenum">
+              <a:rPr lang="en-US" smtClean="0"/>
+              <a:pPr/>
+              <a:t>20</a:t>
+            </a:fld>
+            <a:endParaRPr lang="en-US"/>
+          </a:p>
+        </p:txBody>
+      </p:sp>
+    </p:spTree>
+  </p:cSld>
+  <p:clrMapOvr>
+    <a:masterClrMapping/>
+  </p:clrMapOvr>
+</p:notes>
+</file>
+
+<file path=ppt/notesSlides/notesSlide5.xml><?xml version="1.0" encoding="utf-8"?>
+<p:notes xmlns:a="http://schemas.openxmlformats.org/drawingml/2006/main" xmlns:r="http://schemas.openxmlformats.org/officeDocument/2006/relationships" xmlns:p="http://schemas.openxmlformats.org/presentationml/2006/main">
+  <p:cSld>
+    <p:spTree>
+      <p:nvGrpSpPr>
+        <p:cNvPr id="1" name=""/>
+        <p:cNvGrpSpPr/>
+        <p:nvPr/>
+      </p:nvGrpSpPr>
+      <p:grpSpPr>
+        <a:xfrm>
+          <a:off x="0" y="0"/>
+          <a:ext cx="0" cy="0"/>
+          <a:chOff x="0" y="0"/>
+          <a:chExt cx="0" cy="0"/>
+        </a:xfrm>
+      </p:grpSpPr>
+      <p:sp>
+        <p:nvSpPr>
+          <p:cNvPr id="2" name="Slide Image Placeholder 1"/>
+          <p:cNvSpPr>
+            <a:spLocks noGrp="1" noRot="1" noChangeAspect="1"/>
+          </p:cNvSpPr>
+          <p:nvPr>
+            <p:ph type="sldImg"/>
+          </p:nvPr>
+        </p:nvSpPr>
+        <p:spPr/>
+      </p:sp>
+      <p:sp>
+        <p:nvSpPr>
+          <p:cNvPr id="3" name="Notes Placeholder 2"/>
+          <p:cNvSpPr>
+            <a:spLocks noGrp="1"/>
+          </p:cNvSpPr>
+          <p:nvPr>
+            <p:ph type="body" idx="1"/>
+          </p:nvPr>
+        </p:nvSpPr>
+        <p:spPr/>
+        <p:txBody>
+          <a:bodyPr>
+            <a:normAutofit/>
+          </a:bodyPr>
+          <a:lstStyle/>
+          <a:p>
+            <a:r>
+              <a:rPr lang="en-US" dirty="0" smtClean="0"/>
+              <a:t>grayscale</a:t>
+            </a:r>
+            <a:endParaRPr lang="en-US" dirty="0"/>
+          </a:p>
+        </p:txBody>
+      </p:sp>
+      <p:sp>
+        <p:nvSpPr>
+          <p:cNvPr id="4" name="Slide Number Placeholder 3"/>
+          <p:cNvSpPr>
+            <a:spLocks noGrp="1"/>
+          </p:cNvSpPr>
+          <p:nvPr>
+            <p:ph type="sldNum" sz="quarter" idx="10"/>
+          </p:nvPr>
+        </p:nvSpPr>
+        <p:spPr/>
+        <p:txBody>
+          <a:bodyPr/>
+          <a:lstStyle/>
+          <a:p>
+            <a:fld id="{8D67FD47-375B-44D7-9DF6-340CCF0CE732}" type="slidenum">
+              <a:rPr lang="en-US" smtClean="0"/>
+              <a:pPr/>
+              <a:t>21</a:t>
+            </a:fld>
+            <a:endParaRPr lang="en-US"/>
+          </a:p>
+        </p:txBody>
+      </p:sp>
+    </p:spTree>
+  </p:cSld>
+  <p:clrMapOvr>
+    <a:masterClrMapping/>
+  </p:clrMapOvr>
+</p:notes>
+</file>
+
 <file path=ppt/slideLayouts/slideLayout1.xml><?xml version="1.0" encoding="utf-8"?>
 <p:sldLayout xmlns:a="http://schemas.openxmlformats.org/drawingml/2006/main" xmlns:r="http://schemas.openxmlformats.org/officeDocument/2006/relationships" xmlns:p="http://schemas.openxmlformats.org/presentationml/2006/main" type="title" preserve="1">
   <p:cSld name="Title Slide">
@@ -1138,7 +1411,7 @@
             <a:fld id="{14213B08-C344-4298-9D2B-63FA7DC3B696}" type="datetime1">
               <a:rPr lang="en-US" smtClean="0"/>
               <a:pPr/>
-              <a:t>10/31/2010</a:t>
+              <a:t>11/3/2010</a:t>
             </a:fld>
             <a:endParaRPr lang="en-US"/>
           </a:p>
@@ -1312,7 +1585,7 @@
             <a:fld id="{1BE8B679-7536-42E8-9FB5-40A57D052050}" type="datetime1">
               <a:rPr lang="en-US" smtClean="0"/>
               <a:pPr/>
-              <a:t>10/31/2010</a:t>
+              <a:t>11/3/2010</a:t>
             </a:fld>
             <a:endParaRPr lang="en-US"/>
           </a:p>
@@ -1496,7 +1769,7 @@
             <a:fld id="{AC731CF6-CE4E-49AB-A83D-5CF25E930D6F}" type="datetime1">
               <a:rPr lang="en-US" smtClean="0"/>
               <a:pPr/>
-              <a:t>10/31/2010</a:t>
+              <a:t>11/3/2010</a:t>
             </a:fld>
             <a:endParaRPr lang="en-US"/>
           </a:p>
@@ -1694,7 +1967,7 @@
             <a:fld id="{9A3DD297-0901-404C-9492-929AD53265C0}" type="datetime1">
               <a:rPr lang="en-US" smtClean="0"/>
               <a:pPr/>
-              <a:t>10/31/2010</a:t>
+              <a:t>11/3/2010</a:t>
             </a:fld>
             <a:endParaRPr lang="en-US"/>
           </a:p>
@@ -2009,7 +2282,7 @@
             <a:fld id="{B7EE86D6-B85D-4B0F-97BF-A75CB19C32F3}" type="datetime1">
               <a:rPr lang="en-US" smtClean="0"/>
               <a:pPr/>
-              <a:t>10/31/2010</a:t>
+              <a:t>11/3/2010</a:t>
             </a:fld>
             <a:endParaRPr lang="en-US"/>
           </a:p>
@@ -2275,7 +2548,7 @@
             <a:fld id="{714C3007-F112-444B-8E99-D3C654CC31C8}" type="datetime1">
               <a:rPr lang="en-US" smtClean="0"/>
               <a:pPr/>
-              <a:t>10/31/2010</a:t>
+              <a:t>11/3/2010</a:t>
             </a:fld>
             <a:endParaRPr lang="en-US"/>
           </a:p>
@@ -2655,7 +2928,7 @@
             <a:fld id="{EC253EFC-7C63-4AD7-8BBD-AB726C629B45}" type="datetime1">
               <a:rPr lang="en-US" smtClean="0"/>
               <a:pPr/>
-              <a:t>10/31/2010</a:t>
+              <a:t>11/3/2010</a:t>
             </a:fld>
             <a:endParaRPr lang="en-US"/>
           </a:p>
@@ -2807,7 +3080,7 @@
             <a:fld id="{D5AA7226-8FB4-4BDA-8697-BA7EDE69599F}" type="datetime1">
               <a:rPr lang="en-US" smtClean="0"/>
               <a:pPr/>
-              <a:t>10/31/2010</a:t>
+              <a:t>11/3/2010</a:t>
             </a:fld>
             <a:endParaRPr lang="en-US"/>
           </a:p>
@@ -2970,7 +3243,7 @@
             <a:fld id="{FCBE6375-37B0-43E2-87BB-21757BFC51A9}" type="datetime1">
               <a:rPr lang="en-US" smtClean="0"/>
               <a:pPr/>
-              <a:t>10/31/2010</a:t>
+              <a:t>11/3/2010</a:t>
             </a:fld>
             <a:endParaRPr lang="en-US"/>
           </a:p>
@@ -3240,7 +3513,7 @@
             <a:fld id="{E71AA3D3-BFF6-4AAB-80FB-418E4DD286E4}" type="datetime1">
               <a:rPr lang="en-US" smtClean="0"/>
               <a:pPr/>
-              <a:t>10/31/2010</a:t>
+              <a:t>11/3/2010</a:t>
             </a:fld>
             <a:endParaRPr lang="en-US"/>
           </a:p>
@@ -3537,7 +3810,7 @@
             <a:fld id="{51CEF966-CA87-49E5-9360-3BF0D2DF35B8}" type="datetime1">
               <a:rPr lang="en-US" smtClean="0"/>
               <a:pPr/>
-              <a:t>10/31/2010</a:t>
+              <a:t>11/3/2010</a:t>
             </a:fld>
             <a:endParaRPr lang="en-US"/>
           </a:p>
@@ -4317,7 +4590,7 @@
             <a:fld id="{816B66A5-3A43-417D-BD44-A47E6974BF46}" type="datetime1">
               <a:rPr lang="en-US" smtClean="0"/>
               <a:pPr/>
-              <a:t>10/31/2010</a:t>
+              <a:t>11/3/2010</a:t>
             </a:fld>
             <a:endParaRPr lang="en-US"/>
           </a:p>
@@ -4996,7 +5269,11 @@
             </a:pPr>
             <a:r>
               <a:rPr lang="en-US" sz="6000" b="1" dirty="0" smtClean="0"/>
-              <a:t>NGUYỄN VĂN GIANG</a:t>
+              <a:t>NGUYỄN VĂN </a:t>
+            </a:r>
+            <a:r>
+              <a:rPr lang="en-US" sz="6000" b="1" dirty="0" smtClean="0"/>
+              <a:t>GIANG - 1011</a:t>
             </a:r>
             <a:endParaRPr lang="en-US" sz="6000" dirty="0" smtClean="0"/>
           </a:p>
@@ -5008,7 +5285,11 @@
             </a:pPr>
             <a:r>
               <a:rPr lang="en-US" sz="6000" b="1" dirty="0" smtClean="0"/>
-              <a:t>NGUYỄN HOÀN</a:t>
+              <a:t>NGUYỄN </a:t>
+            </a:r>
+            <a:r>
+              <a:rPr lang="en-US" sz="6000" b="1" dirty="0" smtClean="0"/>
+              <a:t>HOÀN - 1011 </a:t>
             </a:r>
             <a:endParaRPr lang="en-US" sz="6000" dirty="0" smtClean="0"/>
           </a:p>
@@ -5020,7 +5301,11 @@
             </a:pPr>
             <a:r>
               <a:rPr lang="en-US" sz="6000" b="1" dirty="0" smtClean="0"/>
-              <a:t>LÊ MINH QUANG</a:t>
+              <a:t>LÊ MINH </a:t>
+            </a:r>
+            <a:r>
+              <a:rPr lang="en-US" sz="6000" b="1" dirty="0" smtClean="0"/>
+              <a:t>QUANG - 1012064</a:t>
             </a:r>
             <a:endParaRPr lang="en-US" sz="6000" dirty="0" smtClean="0"/>
           </a:p>
@@ -5032,7 +5317,11 @@
             </a:pPr>
             <a:r>
               <a:rPr lang="en-US" sz="6000" b="1" dirty="0" smtClean="0"/>
-              <a:t>HOÀNG XUÂN THẢO</a:t>
+              <a:t>HOÀNG XUÂN </a:t>
+            </a:r>
+            <a:r>
+              <a:rPr lang="en-US" sz="6000" b="1" dirty="0" smtClean="0"/>
+              <a:t>THẢO - 1011</a:t>
             </a:r>
             <a:endParaRPr lang="en-US" dirty="0"/>
           </a:p>
@@ -8117,7 +8406,7 @@
       </p:sp>
       <p:grpSp>
         <p:nvGrpSpPr>
-          <p:cNvPr id="11" name="Group 27"/>
+          <p:cNvPr id="28" name="Group 27"/>
           <p:cNvGrpSpPr/>
           <p:nvPr/>
         </p:nvGrpSpPr>
@@ -10994,44 +11283,118 @@
       </p:sp>
       <p:pic>
         <p:nvPicPr>
-          <p:cNvPr id="22" name="Picture 21"/>
+          <p:cNvPr id="1026" name="Picture 2"/>
           <p:cNvPicPr>
-            <a:picLocks noChangeAspect="1"/>
+            <a:picLocks noChangeAspect="1" noChangeArrowheads="1"/>
           </p:cNvPicPr>
           <p:nvPr/>
         </p:nvPicPr>
         <p:blipFill>
-          <a:blip r:embed="rId2" cstate="print">
-            <a:extLst>
-              <a:ext uri="{28A0092B-C50C-407E-A947-70E740481C1C}">
-                <a14:useLocalDpi xmlns:a14="http://schemas.microsoft.com/office/drawing/2010/main" xmlns="" val="0"/>
-              </a:ext>
-            </a:extLst>
-          </a:blip>
+          <a:blip r:embed="rId3" cstate="print"/>
+          <a:srcRect/>
           <a:stretch>
             <a:fillRect/>
           </a:stretch>
         </p:blipFill>
-        <p:spPr>
+        <p:spPr bwMode="auto">
           <a:xfrm>
-            <a:off x="1752601" y="2396490"/>
-            <a:ext cx="5477828" cy="4080510"/>
+            <a:off x="1120140" y="2638425"/>
+            <a:ext cx="2766060" cy="3583305"/>
           </a:xfrm>
           <a:prstGeom prst="rect">
             <a:avLst/>
           </a:prstGeom>
+          <a:noFill/>
+          <a:ln w="9525">
+            <a:noFill/>
+            <a:miter lim="800000"/>
+            <a:headEnd/>
+            <a:tailEnd/>
+          </a:ln>
+          <a:effectLst/>
         </p:spPr>
       </p:pic>
-      <p:sp>
-        <p:nvSpPr>
-          <p:cNvPr id="24" name="TextBox 23"/>
+      <p:pic>
+        <p:nvPicPr>
+          <p:cNvPr id="1027" name="Picture 3"/>
+          <p:cNvPicPr>
+            <a:picLocks noChangeAspect="1" noChangeArrowheads="1"/>
+          </p:cNvPicPr>
+          <p:nvPr/>
+        </p:nvPicPr>
+        <p:blipFill>
+          <a:blip r:embed="rId4" cstate="print"/>
+          <a:srcRect/>
+          <a:stretch>
+            <a:fillRect/>
+          </a:stretch>
+        </p:blipFill>
+        <p:spPr bwMode="auto">
+          <a:xfrm>
+            <a:off x="4867275" y="2627947"/>
+            <a:ext cx="2828925" cy="3604260"/>
+          </a:xfrm>
+          <a:prstGeom prst="rect">
+            <a:avLst/>
+          </a:prstGeom>
+          <a:noFill/>
+          <a:ln w="9525">
+            <a:noFill/>
+            <a:miter lim="800000"/>
+            <a:headEnd/>
+            <a:tailEnd/>
+          </a:ln>
+          <a:effectLst/>
+        </p:spPr>
+      </p:pic>
+      <p:sp>
+        <p:nvSpPr>
+          <p:cNvPr id="9" name="Right Arrow 8"/>
+          <p:cNvSpPr/>
+          <p:nvPr/>
+        </p:nvSpPr>
+        <p:spPr>
+          <a:xfrm>
+            <a:off x="3962400" y="4038600"/>
+            <a:ext cx="914400" cy="533400"/>
+          </a:xfrm>
+          <a:prstGeom prst="rightArrow">
+            <a:avLst/>
+          </a:prstGeom>
+        </p:spPr>
+        <p:style>
+          <a:lnRef idx="1">
+            <a:schemeClr val="accent1"/>
+          </a:lnRef>
+          <a:fillRef idx="3">
+            <a:schemeClr val="accent1"/>
+          </a:fillRef>
+          <a:effectRef idx="2">
+            <a:schemeClr val="accent1"/>
+          </a:effectRef>
+          <a:fontRef idx="minor">
+            <a:schemeClr val="lt1"/>
+          </a:fontRef>
+        </p:style>
+        <p:txBody>
+          <a:bodyPr rtlCol="0" anchor="ctr"/>
+          <a:lstStyle/>
+          <a:p>
+            <a:pPr algn="ctr"/>
+            <a:endParaRPr lang="en-US"/>
+          </a:p>
+        </p:txBody>
+      </p:sp>
+      <p:sp>
+        <p:nvSpPr>
+          <p:cNvPr id="10" name="TextBox 9"/>
           <p:cNvSpPr txBox="1"/>
           <p:nvPr/>
         </p:nvSpPr>
         <p:spPr>
           <a:xfrm>
             <a:off x="0" y="6596390"/>
-            <a:ext cx="4011034" cy="261610"/>
+            <a:ext cx="4168129" cy="261610"/>
           </a:xfrm>
           <a:prstGeom prst="rect">
             <a:avLst/>
@@ -11046,8 +11409,13 @@
           <a:p>
             <a:r>
               <a:rPr lang="en-US" sz="1100" dirty="0"/>
-              <a:t>Source: http://www.cse.msu.edu/biometrics/hand_proto.html</a:t>
-            </a:r>
+              <a:t>Source: </a:t>
+            </a:r>
+            <a:r>
+              <a:rPr lang="en-US" sz="1100" dirty="0" smtClean="0"/>
+              <a:t>Person Identification based on Palm and Hand Geometry</a:t>
+            </a:r>
+            <a:endParaRPr lang="en-US" sz="1100" dirty="0"/>
           </a:p>
         </p:txBody>
       </p:sp>
@@ -11305,7 +11673,12 @@
             <p:ph type="title"/>
           </p:nvPr>
         </p:nvSpPr>
-        <p:spPr/>
+        <p:spPr>
+          <a:xfrm>
+            <a:off x="457200" y="304800"/>
+            <a:ext cx="8229600" cy="1143000"/>
+          </a:xfrm>
+        </p:spPr>
         <p:txBody>
           <a:bodyPr/>
           <a:lstStyle/>
@@ -11346,7 +11719,7 @@
         </p:nvSpPr>
         <p:spPr>
           <a:xfrm>
-            <a:off x="457200" y="1935480"/>
+            <a:off x="457200" y="1402080"/>
             <a:ext cx="8229600" cy="655320"/>
           </a:xfrm>
         </p:spPr>
@@ -11365,6 +11738,22 @@
             <a:r>
               <a:rPr lang="en-US" dirty="0" err="1" smtClean="0"/>
               <a:t>quan</a:t>
+            </a:r>
+            <a:r>
+              <a:rPr lang="en-US" dirty="0" smtClean="0"/>
+              <a:t> – </a:t>
+            </a:r>
+            <a:r>
+              <a:rPr lang="en-US" dirty="0" err="1" smtClean="0"/>
+              <a:t>Xử</a:t>
+            </a:r>
+            <a:r>
+              <a:rPr lang="en-US" dirty="0" smtClean="0"/>
+              <a:t> </a:t>
+            </a:r>
+            <a:r>
+              <a:rPr lang="en-US" dirty="0" err="1" smtClean="0"/>
+              <a:t>lý</a:t>
             </a:r>
             <a:endParaRPr lang="en-US" dirty="0"/>
           </a:p>
@@ -11389,6 +11778,1046 @@
               <a:rPr lang="en-US" smtClean="0"/>
               <a:pPr/>
               <a:t>20</a:t>
+            </a:fld>
+            <a:endParaRPr lang="en-US"/>
+          </a:p>
+        </p:txBody>
+      </p:sp>
+      <p:sp>
+        <p:nvSpPr>
+          <p:cNvPr id="9" name="Right Arrow 8"/>
+          <p:cNvSpPr/>
+          <p:nvPr/>
+        </p:nvSpPr>
+        <p:spPr>
+          <a:xfrm>
+            <a:off x="3962400" y="4038600"/>
+            <a:ext cx="914400" cy="533400"/>
+          </a:xfrm>
+          <a:prstGeom prst="rightArrow">
+            <a:avLst/>
+          </a:prstGeom>
+        </p:spPr>
+        <p:style>
+          <a:lnRef idx="1">
+            <a:schemeClr val="accent1"/>
+          </a:lnRef>
+          <a:fillRef idx="3">
+            <a:schemeClr val="accent1"/>
+          </a:fillRef>
+          <a:effectRef idx="2">
+            <a:schemeClr val="accent1"/>
+          </a:effectRef>
+          <a:fontRef idx="minor">
+            <a:schemeClr val="lt1"/>
+          </a:fontRef>
+        </p:style>
+        <p:txBody>
+          <a:bodyPr rtlCol="0" anchor="ctr"/>
+          <a:lstStyle/>
+          <a:p>
+            <a:pPr algn="ctr"/>
+            <a:endParaRPr lang="en-US"/>
+          </a:p>
+        </p:txBody>
+      </p:sp>
+      <p:pic>
+        <p:nvPicPr>
+          <p:cNvPr id="2050" name="Picture 2"/>
+          <p:cNvPicPr>
+            <a:picLocks noChangeAspect="1" noChangeArrowheads="1"/>
+          </p:cNvPicPr>
+          <p:nvPr/>
+        </p:nvPicPr>
+        <p:blipFill>
+          <a:blip r:embed="rId3" cstate="print"/>
+          <a:srcRect/>
+          <a:stretch>
+            <a:fillRect/>
+          </a:stretch>
+        </p:blipFill>
+        <p:spPr bwMode="auto">
+          <a:xfrm>
+            <a:off x="1266825" y="1881187"/>
+            <a:ext cx="1857375" cy="2386013"/>
+          </a:xfrm>
+          <a:prstGeom prst="rect">
+            <a:avLst/>
+          </a:prstGeom>
+          <a:noFill/>
+          <a:ln w="9525">
+            <a:noFill/>
+            <a:miter lim="800000"/>
+            <a:headEnd/>
+            <a:tailEnd/>
+          </a:ln>
+          <a:effectLst/>
+        </p:spPr>
+      </p:pic>
+      <p:pic>
+        <p:nvPicPr>
+          <p:cNvPr id="2051" name="Picture 3"/>
+          <p:cNvPicPr>
+            <a:picLocks noChangeAspect="1" noChangeArrowheads="1"/>
+          </p:cNvPicPr>
+          <p:nvPr/>
+        </p:nvPicPr>
+        <p:blipFill>
+          <a:blip r:embed="rId4" cstate="print"/>
+          <a:srcRect/>
+          <a:stretch>
+            <a:fillRect/>
+          </a:stretch>
+        </p:blipFill>
+        <p:spPr bwMode="auto">
+          <a:xfrm>
+            <a:off x="1219200" y="4414837"/>
+            <a:ext cx="1900238" cy="2443163"/>
+          </a:xfrm>
+          <a:prstGeom prst="rect">
+            <a:avLst/>
+          </a:prstGeom>
+          <a:noFill/>
+          <a:ln w="9525">
+            <a:noFill/>
+            <a:miter lim="800000"/>
+            <a:headEnd/>
+            <a:tailEnd/>
+          </a:ln>
+          <a:effectLst/>
+        </p:spPr>
+      </p:pic>
+      <p:pic>
+        <p:nvPicPr>
+          <p:cNvPr id="2052" name="Picture 4"/>
+          <p:cNvPicPr>
+            <a:picLocks noChangeAspect="1" noChangeArrowheads="1"/>
+          </p:cNvPicPr>
+          <p:nvPr/>
+        </p:nvPicPr>
+        <p:blipFill>
+          <a:blip r:embed="rId5" cstate="print"/>
+          <a:srcRect/>
+          <a:stretch>
+            <a:fillRect/>
+          </a:stretch>
+        </p:blipFill>
+        <p:spPr bwMode="auto">
+          <a:xfrm>
+            <a:off x="5334000" y="2724150"/>
+            <a:ext cx="2552700" cy="3219450"/>
+          </a:xfrm>
+          <a:prstGeom prst="rect">
+            <a:avLst/>
+          </a:prstGeom>
+          <a:noFill/>
+          <a:ln w="9525">
+            <a:noFill/>
+            <a:miter lim="800000"/>
+            <a:headEnd/>
+            <a:tailEnd/>
+          </a:ln>
+          <a:effectLst/>
+        </p:spPr>
+      </p:pic>
+      <p:sp>
+        <p:nvSpPr>
+          <p:cNvPr id="11" name="TextBox 10"/>
+          <p:cNvSpPr txBox="1"/>
+          <p:nvPr/>
+        </p:nvSpPr>
+        <p:spPr>
+          <a:xfrm>
+            <a:off x="4061471" y="6596390"/>
+            <a:ext cx="4168129" cy="261610"/>
+          </a:xfrm>
+          <a:prstGeom prst="rect">
+            <a:avLst/>
+          </a:prstGeom>
+          <a:noFill/>
+        </p:spPr>
+        <p:txBody>
+          <a:bodyPr wrap="none" rtlCol="0">
+            <a:spAutoFit/>
+          </a:bodyPr>
+          <a:lstStyle/>
+          <a:p>
+            <a:r>
+              <a:rPr lang="en-US" sz="1100" dirty="0"/>
+              <a:t>Source: </a:t>
+            </a:r>
+            <a:r>
+              <a:rPr lang="en-US" sz="1100" dirty="0" smtClean="0"/>
+              <a:t>Person Identification based on Palm and Hand Geometry</a:t>
+            </a:r>
+            <a:endParaRPr lang="en-US" sz="1100" dirty="0"/>
+          </a:p>
+        </p:txBody>
+      </p:sp>
+    </p:spTree>
+    <p:extLst>
+      <p:ext uri="{BB962C8B-B14F-4D97-AF65-F5344CB8AC3E}">
+        <p14:creationId xmlns:p14="http://schemas.microsoft.com/office/powerpoint/2010/main" xmlns="" val="2222945292"/>
+      </p:ext>
+    </p:extLst>
+  </p:cSld>
+  <p:clrMapOvr>
+    <a:masterClrMapping/>
+  </p:clrMapOvr>
+  <p:timing>
+    <p:tnLst>
+      <p:par>
+        <p:cTn id="1" dur="indefinite" restart="never" nodeType="tmRoot"/>
+      </p:par>
+    </p:tnLst>
+  </p:timing>
+</p:sld>
+</file>
+
+<file path=ppt/slides/slide21.xml><?xml version="1.0" encoding="utf-8"?>
+<p:sld xmlns:a="http://schemas.openxmlformats.org/drawingml/2006/main" xmlns:r="http://schemas.openxmlformats.org/officeDocument/2006/relationships" xmlns:p="http://schemas.openxmlformats.org/presentationml/2006/main">
+  <p:cSld>
+    <p:spTree>
+      <p:nvGrpSpPr>
+        <p:cNvPr id="1" name=""/>
+        <p:cNvGrpSpPr/>
+        <p:nvPr/>
+      </p:nvGrpSpPr>
+      <p:grpSpPr>
+        <a:xfrm>
+          <a:off x="0" y="0"/>
+          <a:ext cx="0" cy="0"/>
+          <a:chOff x="0" y="0"/>
+          <a:chExt cx="0" cy="0"/>
+        </a:xfrm>
+      </p:grpSpPr>
+      <p:sp>
+        <p:nvSpPr>
+          <p:cNvPr id="2" name="Title 1"/>
+          <p:cNvSpPr>
+            <a:spLocks noGrp="1"/>
+          </p:cNvSpPr>
+          <p:nvPr>
+            <p:ph type="title"/>
+          </p:nvPr>
+        </p:nvSpPr>
+        <p:spPr/>
+        <p:txBody>
+          <a:bodyPr/>
+          <a:lstStyle/>
+          <a:p>
+            <a:r>
+              <a:rPr lang="en-US" dirty="0" err="1" smtClean="0"/>
+              <a:t>Hướng</a:t>
+            </a:r>
+            <a:r>
+              <a:rPr lang="en-US" dirty="0" smtClean="0"/>
+              <a:t> </a:t>
+            </a:r>
+            <a:r>
+              <a:rPr lang="en-US" dirty="0" err="1" smtClean="0"/>
+              <a:t>tiếp</a:t>
+            </a:r>
+            <a:r>
+              <a:rPr lang="en-US" dirty="0" smtClean="0"/>
+              <a:t> </a:t>
+            </a:r>
+            <a:r>
+              <a:rPr lang="en-US" dirty="0" err="1" smtClean="0"/>
+              <a:t>cận</a:t>
+            </a:r>
+            <a:endParaRPr lang="en-US" dirty="0"/>
+          </a:p>
+        </p:txBody>
+      </p:sp>
+      <p:sp>
+        <p:nvSpPr>
+          <p:cNvPr id="3" name="Content Placeholder 2"/>
+          <p:cNvSpPr>
+            <a:spLocks noGrp="1"/>
+          </p:cNvSpPr>
+          <p:nvPr>
+            <p:ph idx="1"/>
+          </p:nvPr>
+        </p:nvSpPr>
+        <p:spPr>
+          <a:xfrm>
+            <a:off x="457200" y="1935480"/>
+            <a:ext cx="8229600" cy="655320"/>
+          </a:xfrm>
+        </p:spPr>
+        <p:txBody>
+          <a:bodyPr/>
+          <a:lstStyle/>
+          <a:p>
+            <a:r>
+              <a:rPr lang="en-US" dirty="0" err="1" smtClean="0"/>
+              <a:t>Tổng</a:t>
+            </a:r>
+            <a:r>
+              <a:rPr lang="en-US" dirty="0" smtClean="0"/>
+              <a:t> </a:t>
+            </a:r>
+            <a:r>
+              <a:rPr lang="en-US" dirty="0" err="1" smtClean="0"/>
+              <a:t>quan</a:t>
+            </a:r>
+            <a:r>
+              <a:rPr lang="en-US" dirty="0" smtClean="0"/>
+              <a:t> – </a:t>
+            </a:r>
+            <a:r>
+              <a:rPr lang="en-US" dirty="0" err="1" smtClean="0"/>
+              <a:t>Xử</a:t>
+            </a:r>
+            <a:r>
+              <a:rPr lang="en-US" dirty="0" smtClean="0"/>
+              <a:t> </a:t>
+            </a:r>
+            <a:r>
+              <a:rPr lang="en-US" dirty="0" err="1" smtClean="0"/>
+              <a:t>lý</a:t>
+            </a:r>
+            <a:endParaRPr lang="en-US" dirty="0"/>
+          </a:p>
+        </p:txBody>
+      </p:sp>
+      <p:sp>
+        <p:nvSpPr>
+          <p:cNvPr id="36" name="Slide Number Placeholder 35"/>
+          <p:cNvSpPr>
+            <a:spLocks noGrp="1"/>
+          </p:cNvSpPr>
+          <p:nvPr>
+            <p:ph type="sldNum" sz="quarter" idx="12"/>
+          </p:nvPr>
+        </p:nvSpPr>
+        <p:spPr/>
+        <p:txBody>
+          <a:bodyPr/>
+          <a:lstStyle/>
+          <a:p>
+            <a:fld id="{B6F15528-21DE-4FAA-801E-634DDDAF4B2B}" type="slidenum">
+              <a:rPr lang="en-US" smtClean="0"/>
+              <a:pPr/>
+              <a:t>21</a:t>
+            </a:fld>
+            <a:endParaRPr lang="en-US"/>
+          </a:p>
+        </p:txBody>
+      </p:sp>
+      <p:sp>
+        <p:nvSpPr>
+          <p:cNvPr id="9" name="Right Arrow 8"/>
+          <p:cNvSpPr/>
+          <p:nvPr/>
+        </p:nvSpPr>
+        <p:spPr>
+          <a:xfrm>
+            <a:off x="3962400" y="4038600"/>
+            <a:ext cx="914400" cy="533400"/>
+          </a:xfrm>
+          <a:prstGeom prst="rightArrow">
+            <a:avLst/>
+          </a:prstGeom>
+        </p:spPr>
+        <p:style>
+          <a:lnRef idx="1">
+            <a:schemeClr val="accent1"/>
+          </a:lnRef>
+          <a:fillRef idx="3">
+            <a:schemeClr val="accent1"/>
+          </a:fillRef>
+          <a:effectRef idx="2">
+            <a:schemeClr val="accent1"/>
+          </a:effectRef>
+          <a:fontRef idx="minor">
+            <a:schemeClr val="lt1"/>
+          </a:fontRef>
+        </p:style>
+        <p:txBody>
+          <a:bodyPr rtlCol="0" anchor="ctr"/>
+          <a:lstStyle/>
+          <a:p>
+            <a:pPr algn="ctr"/>
+            <a:endParaRPr lang="en-US"/>
+          </a:p>
+        </p:txBody>
+      </p:sp>
+      <p:pic>
+        <p:nvPicPr>
+          <p:cNvPr id="3074" name="Picture 2"/>
+          <p:cNvPicPr>
+            <a:picLocks noChangeAspect="1" noChangeArrowheads="1"/>
+          </p:cNvPicPr>
+          <p:nvPr/>
+        </p:nvPicPr>
+        <p:blipFill>
+          <a:blip r:embed="rId3" cstate="print"/>
+          <a:srcRect/>
+          <a:stretch>
+            <a:fillRect/>
+          </a:stretch>
+        </p:blipFill>
+        <p:spPr bwMode="auto">
+          <a:xfrm>
+            <a:off x="5029200" y="2484120"/>
+            <a:ext cx="2807970" cy="3688080"/>
+          </a:xfrm>
+          <a:prstGeom prst="rect">
+            <a:avLst/>
+          </a:prstGeom>
+          <a:noFill/>
+          <a:ln w="9525">
+            <a:noFill/>
+            <a:miter lim="800000"/>
+            <a:headEnd/>
+            <a:tailEnd/>
+          </a:ln>
+          <a:effectLst/>
+        </p:spPr>
+      </p:pic>
+      <p:pic>
+        <p:nvPicPr>
+          <p:cNvPr id="10" name="Picture 4"/>
+          <p:cNvPicPr>
+            <a:picLocks noChangeAspect="1" noChangeArrowheads="1"/>
+          </p:cNvPicPr>
+          <p:nvPr/>
+        </p:nvPicPr>
+        <p:blipFill>
+          <a:blip r:embed="rId4" cstate="print"/>
+          <a:srcRect/>
+          <a:stretch>
+            <a:fillRect/>
+          </a:stretch>
+        </p:blipFill>
+        <p:spPr bwMode="auto">
+          <a:xfrm>
+            <a:off x="1066800" y="2557463"/>
+            <a:ext cx="2807970" cy="3541395"/>
+          </a:xfrm>
+          <a:prstGeom prst="rect">
+            <a:avLst/>
+          </a:prstGeom>
+          <a:noFill/>
+          <a:ln w="9525">
+            <a:noFill/>
+            <a:miter lim="800000"/>
+            <a:headEnd/>
+            <a:tailEnd/>
+          </a:ln>
+          <a:effectLst/>
+        </p:spPr>
+      </p:pic>
+      <p:sp>
+        <p:nvSpPr>
+          <p:cNvPr id="11" name="TextBox 10"/>
+          <p:cNvSpPr txBox="1"/>
+          <p:nvPr/>
+        </p:nvSpPr>
+        <p:spPr>
+          <a:xfrm>
+            <a:off x="0" y="6596390"/>
+            <a:ext cx="4168129" cy="261610"/>
+          </a:xfrm>
+          <a:prstGeom prst="rect">
+            <a:avLst/>
+          </a:prstGeom>
+          <a:noFill/>
+        </p:spPr>
+        <p:txBody>
+          <a:bodyPr wrap="none" rtlCol="0">
+            <a:spAutoFit/>
+          </a:bodyPr>
+          <a:lstStyle/>
+          <a:p>
+            <a:r>
+              <a:rPr lang="en-US" sz="1100" dirty="0"/>
+              <a:t>Source: </a:t>
+            </a:r>
+            <a:r>
+              <a:rPr lang="en-US" sz="1100" dirty="0" smtClean="0"/>
+              <a:t>Person Identification based on Palm and Hand Geometry</a:t>
+            </a:r>
+            <a:endParaRPr lang="en-US" sz="1100" dirty="0"/>
+          </a:p>
+        </p:txBody>
+      </p:sp>
+    </p:spTree>
+    <p:extLst>
+      <p:ext uri="{BB962C8B-B14F-4D97-AF65-F5344CB8AC3E}">
+        <p14:creationId xmlns:p14="http://schemas.microsoft.com/office/powerpoint/2010/main" xmlns="" val="2222945292"/>
+      </p:ext>
+    </p:extLst>
+  </p:cSld>
+  <p:clrMapOvr>
+    <a:masterClrMapping/>
+  </p:clrMapOvr>
+  <p:timing>
+    <p:tnLst>
+      <p:par>
+        <p:cTn id="1" dur="indefinite" restart="never" nodeType="tmRoot"/>
+      </p:par>
+    </p:tnLst>
+  </p:timing>
+</p:sld>
+</file>
+
+<file path=ppt/slides/slide22.xml><?xml version="1.0" encoding="utf-8"?>
+<p:sld xmlns:a="http://schemas.openxmlformats.org/drawingml/2006/main" xmlns:r="http://schemas.openxmlformats.org/officeDocument/2006/relationships" xmlns:p="http://schemas.openxmlformats.org/presentationml/2006/main">
+  <p:cSld>
+    <p:spTree>
+      <p:nvGrpSpPr>
+        <p:cNvPr id="1" name=""/>
+        <p:cNvGrpSpPr/>
+        <p:nvPr/>
+      </p:nvGrpSpPr>
+      <p:grpSpPr>
+        <a:xfrm>
+          <a:off x="0" y="0"/>
+          <a:ext cx="0" cy="0"/>
+          <a:chOff x="0" y="0"/>
+          <a:chExt cx="0" cy="0"/>
+        </a:xfrm>
+      </p:grpSpPr>
+      <p:sp>
+        <p:nvSpPr>
+          <p:cNvPr id="2" name="Title 1"/>
+          <p:cNvSpPr>
+            <a:spLocks noGrp="1"/>
+          </p:cNvSpPr>
+          <p:nvPr>
+            <p:ph type="title"/>
+          </p:nvPr>
+        </p:nvSpPr>
+        <p:spPr/>
+        <p:txBody>
+          <a:bodyPr/>
+          <a:lstStyle/>
+          <a:p>
+            <a:r>
+              <a:rPr lang="en-US" dirty="0" err="1" smtClean="0"/>
+              <a:t>Hướng</a:t>
+            </a:r>
+            <a:r>
+              <a:rPr lang="en-US" dirty="0" smtClean="0"/>
+              <a:t> </a:t>
+            </a:r>
+            <a:r>
+              <a:rPr lang="en-US" dirty="0" err="1" smtClean="0"/>
+              <a:t>tiếp</a:t>
+            </a:r>
+            <a:r>
+              <a:rPr lang="en-US" dirty="0" smtClean="0"/>
+              <a:t> </a:t>
+            </a:r>
+            <a:r>
+              <a:rPr lang="en-US" dirty="0" err="1" smtClean="0"/>
+              <a:t>cận</a:t>
+            </a:r>
+            <a:endParaRPr lang="en-US" dirty="0"/>
+          </a:p>
+        </p:txBody>
+      </p:sp>
+      <p:sp>
+        <p:nvSpPr>
+          <p:cNvPr id="3" name="Content Placeholder 2"/>
+          <p:cNvSpPr>
+            <a:spLocks noGrp="1"/>
+          </p:cNvSpPr>
+          <p:nvPr>
+            <p:ph idx="1"/>
+          </p:nvPr>
+        </p:nvSpPr>
+        <p:spPr>
+          <a:xfrm>
+            <a:off x="457200" y="1935480"/>
+            <a:ext cx="8229600" cy="655320"/>
+          </a:xfrm>
+        </p:spPr>
+        <p:txBody>
+          <a:bodyPr/>
+          <a:lstStyle/>
+          <a:p>
+            <a:r>
+              <a:rPr lang="en-US" dirty="0" err="1" smtClean="0"/>
+              <a:t>Tổng</a:t>
+            </a:r>
+            <a:r>
+              <a:rPr lang="en-US" dirty="0" smtClean="0"/>
+              <a:t> </a:t>
+            </a:r>
+            <a:r>
+              <a:rPr lang="en-US" dirty="0" err="1" smtClean="0"/>
+              <a:t>quan</a:t>
+            </a:r>
+            <a:r>
+              <a:rPr lang="en-US" dirty="0" smtClean="0"/>
+              <a:t> – </a:t>
+            </a:r>
+            <a:r>
+              <a:rPr lang="en-US" dirty="0" err="1" smtClean="0"/>
+              <a:t>Xử</a:t>
+            </a:r>
+            <a:r>
+              <a:rPr lang="en-US" dirty="0" smtClean="0"/>
+              <a:t> </a:t>
+            </a:r>
+            <a:r>
+              <a:rPr lang="en-US" dirty="0" err="1" smtClean="0"/>
+              <a:t>lý</a:t>
+            </a:r>
+            <a:endParaRPr lang="en-US" dirty="0"/>
+          </a:p>
+        </p:txBody>
+      </p:sp>
+      <p:sp>
+        <p:nvSpPr>
+          <p:cNvPr id="36" name="Slide Number Placeholder 35"/>
+          <p:cNvSpPr>
+            <a:spLocks noGrp="1"/>
+          </p:cNvSpPr>
+          <p:nvPr>
+            <p:ph type="sldNum" sz="quarter" idx="12"/>
+          </p:nvPr>
+        </p:nvSpPr>
+        <p:spPr/>
+        <p:txBody>
+          <a:bodyPr/>
+          <a:lstStyle/>
+          <a:p>
+            <a:fld id="{B6F15528-21DE-4FAA-801E-634DDDAF4B2B}" type="slidenum">
+              <a:rPr lang="en-US" smtClean="0"/>
+              <a:pPr/>
+              <a:t>22</a:t>
+            </a:fld>
+            <a:endParaRPr lang="en-US"/>
+          </a:p>
+        </p:txBody>
+      </p:sp>
+      <p:pic>
+        <p:nvPicPr>
+          <p:cNvPr id="22" name="Picture 21"/>
+          <p:cNvPicPr>
+            <a:picLocks noChangeAspect="1"/>
+          </p:cNvPicPr>
+          <p:nvPr/>
+        </p:nvPicPr>
+        <p:blipFill>
+          <a:blip r:embed="rId2" cstate="print">
+            <a:extLst>
+              <a:ext uri="{28A0092B-C50C-407E-A947-70E740481C1C}">
+                <a14:useLocalDpi xmlns:a14="http://schemas.microsoft.com/office/drawing/2010/main" xmlns="" val="0"/>
+              </a:ext>
+            </a:extLst>
+          </a:blip>
+          <a:stretch>
+            <a:fillRect/>
+          </a:stretch>
+        </p:blipFill>
+        <p:spPr>
+          <a:xfrm>
+            <a:off x="1752601" y="2396490"/>
+            <a:ext cx="5477828" cy="4080510"/>
+          </a:xfrm>
+          <a:prstGeom prst="rect">
+            <a:avLst/>
+          </a:prstGeom>
+        </p:spPr>
+      </p:pic>
+      <p:sp>
+        <p:nvSpPr>
+          <p:cNvPr id="24" name="TextBox 23"/>
+          <p:cNvSpPr txBox="1"/>
+          <p:nvPr/>
+        </p:nvSpPr>
+        <p:spPr>
+          <a:xfrm>
+            <a:off x="0" y="6596390"/>
+            <a:ext cx="4011034" cy="261610"/>
+          </a:xfrm>
+          <a:prstGeom prst="rect">
+            <a:avLst/>
+          </a:prstGeom>
+          <a:noFill/>
+        </p:spPr>
+        <p:txBody>
+          <a:bodyPr wrap="none" rtlCol="0">
+            <a:spAutoFit/>
+          </a:bodyPr>
+          <a:lstStyle/>
+          <a:p>
+            <a:r>
+              <a:rPr lang="en-US" sz="1100" dirty="0"/>
+              <a:t>Source: http://www.cse.msu.edu/biometrics/hand_proto.html</a:t>
+            </a:r>
+          </a:p>
+        </p:txBody>
+      </p:sp>
+    </p:spTree>
+    <p:extLst>
+      <p:ext uri="{BB962C8B-B14F-4D97-AF65-F5344CB8AC3E}">
+        <p14:creationId xmlns:p14="http://schemas.microsoft.com/office/powerpoint/2010/main" xmlns="" val="2222945292"/>
+      </p:ext>
+    </p:extLst>
+  </p:cSld>
+  <p:clrMapOvr>
+    <a:masterClrMapping/>
+  </p:clrMapOvr>
+  <p:timing>
+    <p:tnLst>
+      <p:par>
+        <p:cTn id="1" dur="indefinite" restart="never" nodeType="tmRoot"/>
+      </p:par>
+    </p:tnLst>
+  </p:timing>
+</p:sld>
+</file>
+
+<file path=ppt/slides/slide23.xml><?xml version="1.0" encoding="utf-8"?>
+<p:sld xmlns:a="http://schemas.openxmlformats.org/drawingml/2006/main" xmlns:r="http://schemas.openxmlformats.org/officeDocument/2006/relationships" xmlns:p="http://schemas.openxmlformats.org/presentationml/2006/main">
+  <p:cSld>
+    <p:spTree>
+      <p:nvGrpSpPr>
+        <p:cNvPr id="1" name=""/>
+        <p:cNvGrpSpPr/>
+        <p:nvPr/>
+      </p:nvGrpSpPr>
+      <p:grpSpPr>
+        <a:xfrm>
+          <a:off x="0" y="0"/>
+          <a:ext cx="0" cy="0"/>
+          <a:chOff x="0" y="0"/>
+          <a:chExt cx="0" cy="0"/>
+        </a:xfrm>
+      </p:grpSpPr>
+      <p:sp>
+        <p:nvSpPr>
+          <p:cNvPr id="2" name="Title 1"/>
+          <p:cNvSpPr>
+            <a:spLocks noGrp="1"/>
+          </p:cNvSpPr>
+          <p:nvPr>
+            <p:ph type="title"/>
+          </p:nvPr>
+        </p:nvSpPr>
+        <p:spPr>
+          <a:xfrm>
+            <a:off x="457200" y="304800"/>
+            <a:ext cx="8229600" cy="1143000"/>
+          </a:xfrm>
+        </p:spPr>
+        <p:txBody>
+          <a:bodyPr/>
+          <a:lstStyle/>
+          <a:p>
+            <a:r>
+              <a:rPr lang="en-US" dirty="0" err="1" smtClean="0"/>
+              <a:t>Hướng</a:t>
+            </a:r>
+            <a:r>
+              <a:rPr lang="en-US" dirty="0" smtClean="0"/>
+              <a:t> </a:t>
+            </a:r>
+            <a:r>
+              <a:rPr lang="en-US" dirty="0" err="1" smtClean="0"/>
+              <a:t>tiếp</a:t>
+            </a:r>
+            <a:r>
+              <a:rPr lang="en-US" dirty="0" smtClean="0"/>
+              <a:t> </a:t>
+            </a:r>
+            <a:r>
+              <a:rPr lang="en-US" dirty="0" err="1" smtClean="0"/>
+              <a:t>cận</a:t>
+            </a:r>
+            <a:endParaRPr lang="en-US" dirty="0"/>
+          </a:p>
+        </p:txBody>
+      </p:sp>
+      <p:sp>
+        <p:nvSpPr>
+          <p:cNvPr id="3" name="Content Placeholder 2"/>
+          <p:cNvSpPr>
+            <a:spLocks noGrp="1"/>
+          </p:cNvSpPr>
+          <p:nvPr>
+            <p:ph idx="1"/>
+          </p:nvPr>
+        </p:nvSpPr>
+        <p:spPr>
+          <a:xfrm>
+            <a:off x="457200" y="1371600"/>
+            <a:ext cx="8229600" cy="655320"/>
+          </a:xfrm>
+        </p:spPr>
+        <p:txBody>
+          <a:bodyPr/>
+          <a:lstStyle/>
+          <a:p>
+            <a:r>
+              <a:rPr lang="en-US" dirty="0" err="1" smtClean="0"/>
+              <a:t>Tổng</a:t>
+            </a:r>
+            <a:r>
+              <a:rPr lang="en-US" dirty="0" smtClean="0"/>
+              <a:t> </a:t>
+            </a:r>
+            <a:r>
+              <a:rPr lang="en-US" dirty="0" err="1" smtClean="0"/>
+              <a:t>quan</a:t>
+            </a:r>
+            <a:r>
+              <a:rPr lang="en-US" dirty="0" smtClean="0"/>
+              <a:t> – </a:t>
+            </a:r>
+            <a:r>
+              <a:rPr lang="en-US" dirty="0" err="1" smtClean="0"/>
+              <a:t>Xử</a:t>
+            </a:r>
+            <a:r>
+              <a:rPr lang="en-US" dirty="0" smtClean="0"/>
+              <a:t> </a:t>
+            </a:r>
+            <a:r>
+              <a:rPr lang="en-US" dirty="0" err="1" smtClean="0"/>
+              <a:t>lý</a:t>
+            </a:r>
+            <a:endParaRPr lang="en-US" dirty="0"/>
+          </a:p>
+        </p:txBody>
+      </p:sp>
+      <p:sp>
+        <p:nvSpPr>
+          <p:cNvPr id="36" name="Slide Number Placeholder 35"/>
+          <p:cNvSpPr>
+            <a:spLocks noGrp="1"/>
+          </p:cNvSpPr>
+          <p:nvPr>
+            <p:ph type="sldNum" sz="quarter" idx="12"/>
+          </p:nvPr>
+        </p:nvSpPr>
+        <p:spPr/>
+        <p:txBody>
+          <a:bodyPr/>
+          <a:lstStyle/>
+          <a:p>
+            <a:fld id="{B6F15528-21DE-4FAA-801E-634DDDAF4B2B}" type="slidenum">
+              <a:rPr lang="en-US" smtClean="0"/>
+              <a:pPr/>
+              <a:t>23</a:t>
+            </a:fld>
+            <a:endParaRPr lang="en-US"/>
+          </a:p>
+        </p:txBody>
+      </p:sp>
+      <p:sp>
+        <p:nvSpPr>
+          <p:cNvPr id="24" name="TextBox 23"/>
+          <p:cNvSpPr txBox="1"/>
+          <p:nvPr/>
+        </p:nvSpPr>
+        <p:spPr>
+          <a:xfrm>
+            <a:off x="0" y="6596390"/>
+            <a:ext cx="5623655" cy="261610"/>
+          </a:xfrm>
+          <a:prstGeom prst="rect">
+            <a:avLst/>
+          </a:prstGeom>
+          <a:noFill/>
+        </p:spPr>
+        <p:txBody>
+          <a:bodyPr wrap="none" rtlCol="0">
+            <a:spAutoFit/>
+          </a:bodyPr>
+          <a:lstStyle/>
+          <a:p>
+            <a:r>
+              <a:rPr lang="en-US" sz="1100" dirty="0"/>
+              <a:t>Source: </a:t>
+            </a:r>
+            <a:r>
+              <a:rPr lang="en-US" sz="1100" dirty="0" smtClean="0"/>
+              <a:t>Biometric verification using contour-based hand geometry and </a:t>
+            </a:r>
+            <a:r>
+              <a:rPr lang="en-US" sz="1100" dirty="0" err="1" smtClean="0"/>
+              <a:t>palmprint</a:t>
+            </a:r>
+            <a:r>
+              <a:rPr lang="en-US" sz="1100" dirty="0" smtClean="0"/>
+              <a:t> texture</a:t>
+            </a:r>
+            <a:endParaRPr lang="en-US" sz="1100" dirty="0"/>
+          </a:p>
+        </p:txBody>
+      </p:sp>
+      <p:pic>
+        <p:nvPicPr>
+          <p:cNvPr id="4098" name="Picture 2"/>
+          <p:cNvPicPr>
+            <a:picLocks noChangeAspect="1" noChangeArrowheads="1"/>
+          </p:cNvPicPr>
+          <p:nvPr/>
+        </p:nvPicPr>
+        <p:blipFill>
+          <a:blip r:embed="rId2" cstate="print"/>
+          <a:srcRect/>
+          <a:stretch>
+            <a:fillRect/>
+          </a:stretch>
+        </p:blipFill>
+        <p:spPr bwMode="auto">
+          <a:xfrm>
+            <a:off x="2338388" y="1924050"/>
+            <a:ext cx="4467225" cy="4552950"/>
+          </a:xfrm>
+          <a:prstGeom prst="rect">
+            <a:avLst/>
+          </a:prstGeom>
+          <a:noFill/>
+          <a:ln w="9525">
+            <a:noFill/>
+            <a:miter lim="800000"/>
+            <a:headEnd/>
+            <a:tailEnd/>
+          </a:ln>
+          <a:effectLst/>
+        </p:spPr>
+      </p:pic>
+    </p:spTree>
+    <p:extLst>
+      <p:ext uri="{BB962C8B-B14F-4D97-AF65-F5344CB8AC3E}">
+        <p14:creationId xmlns:p14="http://schemas.microsoft.com/office/powerpoint/2010/main" xmlns="" val="2222945292"/>
+      </p:ext>
+    </p:extLst>
+  </p:cSld>
+  <p:clrMapOvr>
+    <a:masterClrMapping/>
+  </p:clrMapOvr>
+  <p:timing>
+    <p:tnLst>
+      <p:par>
+        <p:cTn id="1" dur="indefinite" restart="never" nodeType="tmRoot"/>
+      </p:par>
+    </p:tnLst>
+  </p:timing>
+</p:sld>
+</file>
+
+<file path=ppt/slides/slide24.xml><?xml version="1.0" encoding="utf-8"?>
+<p:sld xmlns:a="http://schemas.openxmlformats.org/drawingml/2006/main" xmlns:r="http://schemas.openxmlformats.org/officeDocument/2006/relationships" xmlns:p="http://schemas.openxmlformats.org/presentationml/2006/main">
+  <p:cSld>
+    <p:spTree>
+      <p:nvGrpSpPr>
+        <p:cNvPr id="1" name=""/>
+        <p:cNvGrpSpPr/>
+        <p:nvPr/>
+      </p:nvGrpSpPr>
+      <p:grpSpPr>
+        <a:xfrm>
+          <a:off x="0" y="0"/>
+          <a:ext cx="0" cy="0"/>
+          <a:chOff x="0" y="0"/>
+          <a:chExt cx="0" cy="0"/>
+        </a:xfrm>
+      </p:grpSpPr>
+      <p:sp>
+        <p:nvSpPr>
+          <p:cNvPr id="2" name="Title 1"/>
+          <p:cNvSpPr>
+            <a:spLocks noGrp="1"/>
+          </p:cNvSpPr>
+          <p:nvPr>
+            <p:ph type="title"/>
+          </p:nvPr>
+        </p:nvSpPr>
+        <p:spPr/>
+        <p:txBody>
+          <a:bodyPr/>
+          <a:lstStyle/>
+          <a:p>
+            <a:r>
+              <a:rPr lang="en-US" dirty="0" err="1" smtClean="0"/>
+              <a:t>Hướng</a:t>
+            </a:r>
+            <a:r>
+              <a:rPr lang="en-US" dirty="0" smtClean="0"/>
+              <a:t> </a:t>
+            </a:r>
+            <a:r>
+              <a:rPr lang="en-US" dirty="0" err="1" smtClean="0"/>
+              <a:t>tiếp</a:t>
+            </a:r>
+            <a:r>
+              <a:rPr lang="en-US" dirty="0" smtClean="0"/>
+              <a:t> </a:t>
+            </a:r>
+            <a:r>
+              <a:rPr lang="en-US" dirty="0" err="1" smtClean="0"/>
+              <a:t>cận</a:t>
+            </a:r>
+            <a:endParaRPr lang="en-US" dirty="0"/>
+          </a:p>
+        </p:txBody>
+      </p:sp>
+      <p:sp>
+        <p:nvSpPr>
+          <p:cNvPr id="3" name="Content Placeholder 2"/>
+          <p:cNvSpPr>
+            <a:spLocks noGrp="1"/>
+          </p:cNvSpPr>
+          <p:nvPr>
+            <p:ph idx="1"/>
+          </p:nvPr>
+        </p:nvSpPr>
+        <p:spPr>
+          <a:xfrm>
+            <a:off x="457200" y="1935480"/>
+            <a:ext cx="8229600" cy="655320"/>
+          </a:xfrm>
+        </p:spPr>
+        <p:txBody>
+          <a:bodyPr/>
+          <a:lstStyle/>
+          <a:p>
+            <a:r>
+              <a:rPr lang="en-US" dirty="0" err="1" smtClean="0"/>
+              <a:t>Tổng</a:t>
+            </a:r>
+            <a:r>
+              <a:rPr lang="en-US" dirty="0" smtClean="0"/>
+              <a:t> </a:t>
+            </a:r>
+            <a:r>
+              <a:rPr lang="en-US" dirty="0" err="1" smtClean="0"/>
+              <a:t>quan</a:t>
+            </a:r>
+            <a:endParaRPr lang="en-US" dirty="0"/>
+          </a:p>
+        </p:txBody>
+      </p:sp>
+      <p:sp>
+        <p:nvSpPr>
+          <p:cNvPr id="36" name="Slide Number Placeholder 35"/>
+          <p:cNvSpPr>
+            <a:spLocks noGrp="1"/>
+          </p:cNvSpPr>
+          <p:nvPr>
+            <p:ph type="sldNum" sz="quarter" idx="12"/>
+          </p:nvPr>
+        </p:nvSpPr>
+        <p:spPr/>
+        <p:txBody>
+          <a:bodyPr/>
+          <a:lstStyle/>
+          <a:p>
+            <a:fld id="{B6F15528-21DE-4FAA-801E-634DDDAF4B2B}" type="slidenum">
+              <a:rPr lang="en-US" smtClean="0"/>
+              <a:pPr/>
+              <a:t>24</a:t>
             </a:fld>
             <a:endParaRPr lang="en-US"/>
           </a:p>
@@ -12162,7 +13591,7 @@
 </p:sld>
 </file>
 
-<file path=ppt/slides/slide21.xml><?xml version="1.0" encoding="utf-8"?>
+<file path=ppt/slides/slide25.xml><?xml version="1.0" encoding="utf-8"?>
 <p:sld xmlns:a="http://schemas.openxmlformats.org/drawingml/2006/main" xmlns:r="http://schemas.openxmlformats.org/officeDocument/2006/relationships" xmlns:p="http://schemas.openxmlformats.org/presentationml/2006/main">
   <p:cSld>
     <p:spTree>
@@ -12261,7 +13690,11 @@
             <a:endParaRPr lang="en-US" dirty="0" smtClean="0"/>
           </a:p>
           <a:p>
-            <a:pPr lvl="1"/>
+            <a:pPr lvl="1">
+              <a:lnSpc>
+                <a:spcPct val="150000"/>
+              </a:lnSpc>
+            </a:pPr>
             <a:r>
               <a:rPr lang="en-US" dirty="0" smtClean="0"/>
               <a:t>So </a:t>
@@ -12276,7 +13709,11 @@
             </a:r>
           </a:p>
           <a:p>
-            <a:pPr lvl="1"/>
+            <a:pPr lvl="1">
+              <a:lnSpc>
+                <a:spcPct val="150000"/>
+              </a:lnSpc>
+            </a:pPr>
             <a:r>
               <a:rPr lang="en-US" dirty="0" err="1" smtClean="0"/>
               <a:t>Các</a:t>
@@ -12310,8 +13747,63 @@
               <a:t> </a:t>
             </a:r>
             <a:r>
+              <a:rPr lang="en-US" dirty="0" err="1" smtClean="0"/>
+              <a:t>cách</a:t>
+            </a:r>
+            <a:r>
+              <a:rPr lang="en-US" dirty="0" smtClean="0"/>
+              <a:t> (</a:t>
+            </a:r>
+            <a:r>
+              <a:rPr lang="en-US" dirty="0" err="1" smtClean="0"/>
+              <a:t>Euclide</a:t>
+            </a:r>
+            <a:r>
+              <a:rPr lang="en-US" dirty="0" smtClean="0"/>
+              <a:t>, …)</a:t>
+            </a:r>
+          </a:p>
+          <a:p>
+            <a:pPr lvl="1">
+              <a:lnSpc>
+                <a:spcPct val="150000"/>
+              </a:lnSpc>
+            </a:pPr>
+            <a:r>
+              <a:rPr lang="en-US" dirty="0" err="1" smtClean="0"/>
+              <a:t>Các</a:t>
+            </a:r>
+            <a:r>
+              <a:rPr lang="en-US" dirty="0" smtClean="0"/>
+              <a:t> </a:t>
+            </a:r>
+            <a:r>
+              <a:rPr lang="en-US" dirty="0" err="1" smtClean="0"/>
+              <a:t>phương</a:t>
+            </a:r>
+            <a:r>
+              <a:rPr lang="en-US" dirty="0" smtClean="0"/>
+              <a:t> </a:t>
+            </a:r>
+            <a:r>
+              <a:rPr lang="en-US" dirty="0" err="1" smtClean="0"/>
+              <a:t>pháp</a:t>
+            </a:r>
+            <a:r>
+              <a:rPr lang="en-US" dirty="0" smtClean="0"/>
+              <a:t> </a:t>
+            </a:r>
+            <a:r>
+              <a:rPr lang="en-US" dirty="0" err="1" smtClean="0"/>
+              <a:t>khác</a:t>
+            </a:r>
+            <a:r>
+              <a:rPr lang="en-US" dirty="0" smtClean="0"/>
+              <a:t> (Correlation, Principal </a:t>
+            </a:r>
+            <a:r>
               <a:rPr lang="en-US" smtClean="0"/>
-              <a:t>cách</a:t>
+              <a:t>Component Analysis)</a:t>
             </a:r>
             <a:endParaRPr lang="en-US" dirty="0"/>
           </a:p>
@@ -12341,7 +13833,7 @@
             <a:fld id="{B6F15528-21DE-4FAA-801E-634DDDAF4B2B}" type="slidenum">
               <a:rPr lang="en-US" smtClean="0"/>
               <a:pPr/>
-              <a:t>21</a:t>
+              <a:t>25</a:t>
             </a:fld>
             <a:endParaRPr lang="en-US"/>
           </a:p>
@@ -12367,7 +13859,7 @@
 </p:sld>
 </file>
 
-<file path=ppt/slides/slide22.xml><?xml version="1.0" encoding="utf-8"?>
+<file path=ppt/slides/slide26.xml><?xml version="1.0" encoding="utf-8"?>
 <p:sld xmlns:a="http://schemas.openxmlformats.org/drawingml/2006/main" xmlns:r="http://schemas.openxmlformats.org/officeDocument/2006/relationships" xmlns:p="http://schemas.openxmlformats.org/presentationml/2006/main">
   <p:cSld>
     <p:spTree>
@@ -12445,15 +13937,55 @@
           <a:p>
             <a:r>
               <a:rPr lang="en-US" dirty="0" err="1" smtClean="0"/>
-              <a:t>Phân</a:t>
-            </a:r>
-            <a:r>
-              <a:rPr lang="en-US" dirty="0" smtClean="0"/>
-              <a:t> </a:t>
-            </a:r>
-            <a:r>
-              <a:rPr lang="en-US" dirty="0" err="1" smtClean="0"/>
-              <a:t>loại</a:t>
+              <a:t>Các</a:t>
+            </a:r>
+            <a:r>
+              <a:rPr lang="en-US" dirty="0" smtClean="0"/>
+              <a:t> </a:t>
+            </a:r>
+            <a:r>
+              <a:rPr lang="en-US" dirty="0" err="1" smtClean="0"/>
+              <a:t>phương</a:t>
+            </a:r>
+            <a:r>
+              <a:rPr lang="en-US" dirty="0" smtClean="0"/>
+              <a:t> </a:t>
+            </a:r>
+            <a:r>
+              <a:rPr lang="en-US" dirty="0" err="1" smtClean="0"/>
+              <a:t>pháp</a:t>
+            </a:r>
+            <a:r>
+              <a:rPr lang="en-US" dirty="0" smtClean="0"/>
+              <a:t> </a:t>
+            </a:r>
+            <a:r>
+              <a:rPr lang="en-US" dirty="0" err="1" smtClean="0"/>
+              <a:t>rút</a:t>
+            </a:r>
+            <a:r>
+              <a:rPr lang="en-US" dirty="0" smtClean="0"/>
+              <a:t> </a:t>
+            </a:r>
+            <a:r>
+              <a:rPr lang="en-US" dirty="0" err="1" smtClean="0"/>
+              <a:t>trích</a:t>
+            </a:r>
+            <a:r>
+              <a:rPr lang="en-US" dirty="0" smtClean="0"/>
+              <a:t> </a:t>
+            </a:r>
+            <a:r>
+              <a:rPr lang="en-US" dirty="0" err="1" smtClean="0"/>
+              <a:t>đặc</a:t>
+            </a:r>
+            <a:r>
+              <a:rPr lang="en-US" dirty="0" smtClean="0"/>
+              <a:t> </a:t>
+            </a:r>
+            <a:r>
+              <a:rPr lang="en-US" dirty="0" err="1" smtClean="0"/>
+              <a:t>trưng</a:t>
             </a:r>
             <a:endParaRPr lang="en-US" dirty="0"/>
           </a:p>
@@ -12477,12 +14009,34 @@
             <a:fld id="{B6F15528-21DE-4FAA-801E-634DDDAF4B2B}" type="slidenum">
               <a:rPr lang="en-US" smtClean="0"/>
               <a:pPr/>
-              <a:t>22</a:t>
+              <a:t>26</a:t>
             </a:fld>
             <a:endParaRPr lang="en-US"/>
           </a:p>
         </p:txBody>
       </p:sp>
+      <p:pic>
+        <p:nvPicPr>
+          <p:cNvPr id="5" name="Picture 4" descr="hand.GIF"/>
+          <p:cNvPicPr/>
+          <p:nvPr/>
+        </p:nvPicPr>
+        <p:blipFill>
+          <a:blip r:embed="rId2" cstate="print"/>
+          <a:stretch>
+            <a:fillRect/>
+          </a:stretch>
+        </p:blipFill>
+        <p:spPr>
+          <a:xfrm>
+            <a:off x="2805113" y="2543175"/>
+            <a:ext cx="3533775" cy="3857625"/>
+          </a:xfrm>
+          <a:prstGeom prst="rect">
+            <a:avLst/>
+          </a:prstGeom>
+        </p:spPr>
+      </p:pic>
     </p:spTree>
     <p:extLst>
       <p:ext uri="{BB962C8B-B14F-4D97-AF65-F5344CB8AC3E}">
@@ -12503,7 +14057,7 @@
 </p:sld>
 </file>
 
-<file path=ppt/slides/slide23.xml><?xml version="1.0" encoding="utf-8"?>
+<file path=ppt/slides/slide27.xml><?xml version="1.0" encoding="utf-8"?>
 <p:sld xmlns:a="http://schemas.openxmlformats.org/drawingml/2006/main" xmlns:r="http://schemas.openxmlformats.org/officeDocument/2006/relationships" xmlns:p="http://schemas.openxmlformats.org/presentationml/2006/main">
   <p:cSld>
     <p:spTree>
@@ -12581,39 +14135,55 @@
           <a:p>
             <a:r>
               <a:rPr lang="en-US" dirty="0" err="1" smtClean="0"/>
-              <a:t>Hướng</a:t>
-            </a:r>
-            <a:r>
-              <a:rPr lang="en-US" dirty="0" smtClean="0"/>
-              <a:t> </a:t>
-            </a:r>
-            <a:r>
-              <a:rPr lang="en-US" dirty="0" err="1" smtClean="0"/>
-              <a:t>tiếp</a:t>
-            </a:r>
-            <a:r>
-              <a:rPr lang="en-US" dirty="0" smtClean="0"/>
-              <a:t> </a:t>
-            </a:r>
-            <a:r>
-              <a:rPr lang="en-US" dirty="0" err="1" smtClean="0"/>
-              <a:t>cận</a:t>
-            </a:r>
-            <a:r>
-              <a:rPr lang="en-US" dirty="0" smtClean="0"/>
-              <a:t> </a:t>
-            </a:r>
-            <a:r>
-              <a:rPr lang="en-US" dirty="0" err="1" smtClean="0"/>
-              <a:t>của</a:t>
-            </a:r>
-            <a:r>
-              <a:rPr lang="en-US" dirty="0" smtClean="0"/>
-              <a:t> </a:t>
-            </a:r>
-            <a:r>
-              <a:rPr lang="en-US" dirty="0" err="1" smtClean="0"/>
-              <a:t>nhóm</a:t>
+              <a:t>Các</a:t>
+            </a:r>
+            <a:r>
+              <a:rPr lang="en-US" dirty="0" smtClean="0"/>
+              <a:t> </a:t>
+            </a:r>
+            <a:r>
+              <a:rPr lang="en-US" dirty="0" err="1" smtClean="0"/>
+              <a:t>phương</a:t>
+            </a:r>
+            <a:r>
+              <a:rPr lang="en-US" dirty="0" smtClean="0"/>
+              <a:t> </a:t>
+            </a:r>
+            <a:r>
+              <a:rPr lang="en-US" dirty="0" err="1" smtClean="0"/>
+              <a:t>pháp</a:t>
+            </a:r>
+            <a:r>
+              <a:rPr lang="en-US" dirty="0" smtClean="0"/>
+              <a:t> </a:t>
+            </a:r>
+            <a:r>
+              <a:rPr lang="en-US" dirty="0" err="1" smtClean="0"/>
+              <a:t>rút</a:t>
+            </a:r>
+            <a:r>
+              <a:rPr lang="en-US" dirty="0" smtClean="0"/>
+              <a:t> </a:t>
+            </a:r>
+            <a:r>
+              <a:rPr lang="en-US" dirty="0" err="1" smtClean="0"/>
+              <a:t>trích</a:t>
+            </a:r>
+            <a:r>
+              <a:rPr lang="en-US" dirty="0" smtClean="0"/>
+              <a:t> </a:t>
+            </a:r>
+            <a:r>
+              <a:rPr lang="en-US" dirty="0" err="1" smtClean="0"/>
+              <a:t>đặc</a:t>
+            </a:r>
+            <a:r>
+              <a:rPr lang="en-US" dirty="0" smtClean="0"/>
+              <a:t> </a:t>
+            </a:r>
+            <a:r>
+              <a:rPr lang="en-US" dirty="0" err="1" smtClean="0"/>
+              <a:t>trưng</a:t>
             </a:r>
             <a:endParaRPr lang="en-US" dirty="0"/>
           </a:p>
@@ -12637,7 +14207,189 @@
             <a:fld id="{B6F15528-21DE-4FAA-801E-634DDDAF4B2B}" type="slidenum">
               <a:rPr lang="en-US" smtClean="0"/>
               <a:pPr/>
-              <a:t>23</a:t>
+              <a:t>27</a:t>
+            </a:fld>
+            <a:endParaRPr lang="en-US"/>
+          </a:p>
+        </p:txBody>
+      </p:sp>
+      <p:pic>
+        <p:nvPicPr>
+          <p:cNvPr id="5" name="Picture 4" descr="contour.GIF"/>
+          <p:cNvPicPr/>
+          <p:nvPr/>
+        </p:nvPicPr>
+        <p:blipFill>
+          <a:blip r:embed="rId2" cstate="print"/>
+          <a:stretch>
+            <a:fillRect/>
+          </a:stretch>
+        </p:blipFill>
+        <p:spPr>
+          <a:xfrm>
+            <a:off x="2731782" y="2590800"/>
+            <a:ext cx="3680437" cy="3962400"/>
+          </a:xfrm>
+          <a:prstGeom prst="rect">
+            <a:avLst/>
+          </a:prstGeom>
+        </p:spPr>
+      </p:pic>
+    </p:spTree>
+    <p:extLst>
+      <p:ext uri="{BB962C8B-B14F-4D97-AF65-F5344CB8AC3E}">
+        <p14:creationId xmlns:p14="http://schemas.microsoft.com/office/powerpoint/2010/main" xmlns="" val="3182484930"/>
+      </p:ext>
+    </p:extLst>
+  </p:cSld>
+  <p:clrMapOvr>
+    <a:masterClrMapping/>
+  </p:clrMapOvr>
+  <p:timing>
+    <p:tnLst>
+      <p:par>
+        <p:cTn id="1" dur="indefinite" restart="never" nodeType="tmRoot"/>
+      </p:par>
+    </p:tnLst>
+  </p:timing>
+</p:sld>
+</file>
+
+<file path=ppt/slides/slide28.xml><?xml version="1.0" encoding="utf-8"?>
+<p:sld xmlns:a="http://schemas.openxmlformats.org/drawingml/2006/main" xmlns:r="http://schemas.openxmlformats.org/officeDocument/2006/relationships" xmlns:p="http://schemas.openxmlformats.org/presentationml/2006/main">
+  <p:cSld>
+    <p:spTree>
+      <p:nvGrpSpPr>
+        <p:cNvPr id="1" name=""/>
+        <p:cNvGrpSpPr/>
+        <p:nvPr/>
+      </p:nvGrpSpPr>
+      <p:grpSpPr>
+        <a:xfrm>
+          <a:off x="0" y="0"/>
+          <a:ext cx="0" cy="0"/>
+          <a:chOff x="0" y="0"/>
+          <a:chExt cx="0" cy="0"/>
+        </a:xfrm>
+      </p:grpSpPr>
+      <p:sp>
+        <p:nvSpPr>
+          <p:cNvPr id="2" name="Title 1"/>
+          <p:cNvSpPr>
+            <a:spLocks noGrp="1"/>
+          </p:cNvSpPr>
+          <p:nvPr>
+            <p:ph type="title"/>
+          </p:nvPr>
+        </p:nvSpPr>
+        <p:spPr/>
+        <p:txBody>
+          <a:bodyPr/>
+          <a:lstStyle/>
+          <a:p>
+            <a:r>
+              <a:rPr lang="en-US" dirty="0" err="1" smtClean="0"/>
+              <a:t>Hướng</a:t>
+            </a:r>
+            <a:r>
+              <a:rPr lang="en-US" dirty="0" smtClean="0"/>
+              <a:t> </a:t>
+            </a:r>
+            <a:r>
+              <a:rPr lang="en-US" dirty="0" err="1" smtClean="0"/>
+              <a:t>tiếp</a:t>
+            </a:r>
+            <a:r>
+              <a:rPr lang="en-US" dirty="0" smtClean="0"/>
+              <a:t> </a:t>
+            </a:r>
+            <a:r>
+              <a:rPr lang="en-US" dirty="0" err="1" smtClean="0"/>
+              <a:t>cận</a:t>
+            </a:r>
+            <a:endParaRPr lang="en-US" dirty="0"/>
+          </a:p>
+        </p:txBody>
+      </p:sp>
+      <p:sp>
+        <p:nvSpPr>
+          <p:cNvPr id="3" name="Content Placeholder 2"/>
+          <p:cNvSpPr>
+            <a:spLocks noGrp="1"/>
+          </p:cNvSpPr>
+          <p:nvPr>
+            <p:ph idx="1"/>
+          </p:nvPr>
+        </p:nvSpPr>
+        <p:spPr>
+          <a:xfrm>
+            <a:off x="457200" y="1935480"/>
+            <a:ext cx="8229600" cy="655320"/>
+          </a:xfrm>
+        </p:spPr>
+        <p:txBody>
+          <a:bodyPr/>
+          <a:lstStyle/>
+          <a:p>
+            <a:r>
+              <a:rPr lang="en-US" dirty="0" err="1" smtClean="0"/>
+              <a:t>Hướng</a:t>
+            </a:r>
+            <a:r>
+              <a:rPr lang="en-US" dirty="0" smtClean="0"/>
+              <a:t> </a:t>
+            </a:r>
+            <a:r>
+              <a:rPr lang="en-US" dirty="0" err="1" smtClean="0"/>
+              <a:t>tiếp</a:t>
+            </a:r>
+            <a:r>
+              <a:rPr lang="en-US" dirty="0" smtClean="0"/>
+              <a:t> </a:t>
+            </a:r>
+            <a:r>
+              <a:rPr lang="en-US" dirty="0" err="1" smtClean="0"/>
+              <a:t>cận</a:t>
+            </a:r>
+            <a:r>
+              <a:rPr lang="en-US" dirty="0" smtClean="0"/>
+              <a:t> </a:t>
+            </a:r>
+            <a:r>
+              <a:rPr lang="en-US" dirty="0" err="1" smtClean="0"/>
+              <a:t>của</a:t>
+            </a:r>
+            <a:r>
+              <a:rPr lang="en-US" dirty="0" smtClean="0"/>
+              <a:t> </a:t>
+            </a:r>
+            <a:r>
+              <a:rPr lang="en-US" dirty="0" err="1" smtClean="0"/>
+              <a:t>nhóm</a:t>
+            </a:r>
+            <a:endParaRPr lang="en-US" dirty="0"/>
+          </a:p>
+        </p:txBody>
+      </p:sp>
+      <p:sp>
+        <p:nvSpPr>
+          <p:cNvPr id="4" name="Slide Number Placeholder 3"/>
+          <p:cNvSpPr>
+            <a:spLocks noGrp="1"/>
+          </p:cNvSpPr>
+          <p:nvPr>
+            <p:ph type="sldNum" sz="quarter" idx="12"/>
+          </p:nvPr>
+        </p:nvSpPr>
+        <p:spPr/>
+        <p:txBody>
+          <a:bodyPr/>
+          <a:lstStyle/>
+          <a:p>
+            <a:fld id="{B6F15528-21DE-4FAA-801E-634DDDAF4B2B}" type="slidenum">
+              <a:rPr lang="en-US" smtClean="0"/>
+              <a:pPr/>
+              <a:t>28</a:t>
             </a:fld>
             <a:endParaRPr lang="en-US"/>
           </a:p>
@@ -12663,7 +14415,7 @@
 </p:sld>
 </file>
 
-<file path=ppt/slides/slide24.xml><?xml version="1.0" encoding="utf-8"?>
+<file path=ppt/slides/slide29.xml><?xml version="1.0" encoding="utf-8"?>
 <p:sld xmlns:a="http://schemas.openxmlformats.org/drawingml/2006/main" xmlns:r="http://schemas.openxmlformats.org/officeDocument/2006/relationships" xmlns:p="http://schemas.openxmlformats.org/presentationml/2006/main">
   <p:cSld>
     <p:spTree>
@@ -12740,7 +14492,7 @@
             <a:fld id="{B6F15528-21DE-4FAA-801E-634DDDAF4B2B}" type="slidenum">
               <a:rPr lang="en-US" smtClean="0"/>
               <a:pPr/>
-              <a:t>24</a:t>
+              <a:t>29</a:t>
             </a:fld>
             <a:endParaRPr lang="en-US"/>
           </a:p>
@@ -12752,257 +14504,6 @@
         <p14:creationId xmlns:p14="http://schemas.microsoft.com/office/powerpoint/2010/main" xmlns="" val="1280618262"/>
       </p:ext>
     </p:extLst>
-  </p:cSld>
-  <p:clrMapOvr>
-    <a:masterClrMapping/>
-  </p:clrMapOvr>
-  <p:timing>
-    <p:tnLst>
-      <p:par>
-        <p:cTn id="1" dur="indefinite" restart="never" nodeType="tmRoot"/>
-      </p:par>
-    </p:tnLst>
-  </p:timing>
-</p:sld>
-</file>
-
-<file path=ppt/slides/slide25.xml><?xml version="1.0" encoding="utf-8"?>
-<p:sld xmlns:a="http://schemas.openxmlformats.org/drawingml/2006/main" xmlns:r="http://schemas.openxmlformats.org/officeDocument/2006/relationships" xmlns:p="http://schemas.openxmlformats.org/presentationml/2006/main">
-  <p:cSld>
-    <p:spTree>
-      <p:nvGrpSpPr>
-        <p:cNvPr id="1" name=""/>
-        <p:cNvGrpSpPr/>
-        <p:nvPr/>
-      </p:nvGrpSpPr>
-      <p:grpSpPr>
-        <a:xfrm>
-          <a:off x="0" y="0"/>
-          <a:ext cx="0" cy="0"/>
-          <a:chOff x="0" y="0"/>
-          <a:chExt cx="0" cy="0"/>
-        </a:xfrm>
-      </p:grpSpPr>
-      <p:sp>
-        <p:nvSpPr>
-          <p:cNvPr id="2" name="Title 1"/>
-          <p:cNvSpPr>
-            <a:spLocks noGrp="1"/>
-          </p:cNvSpPr>
-          <p:nvPr>
-            <p:ph type="title"/>
-          </p:nvPr>
-        </p:nvSpPr>
-        <p:spPr/>
-        <p:txBody>
-          <a:bodyPr/>
-          <a:lstStyle/>
-          <a:p>
-            <a:r>
-              <a:rPr lang="en-US" dirty="0" err="1" smtClean="0"/>
-              <a:t>Tài</a:t>
-            </a:r>
-            <a:r>
-              <a:rPr lang="en-US" dirty="0" smtClean="0"/>
-              <a:t> </a:t>
-            </a:r>
-            <a:r>
-              <a:rPr lang="en-US" dirty="0" err="1" smtClean="0"/>
-              <a:t>liệu</a:t>
-            </a:r>
-            <a:r>
-              <a:rPr lang="en-US" dirty="0" smtClean="0"/>
-              <a:t> </a:t>
-            </a:r>
-            <a:r>
-              <a:rPr lang="en-US" dirty="0" err="1" smtClean="0"/>
-              <a:t>tham</a:t>
-            </a:r>
-            <a:r>
-              <a:rPr lang="en-US" dirty="0" smtClean="0"/>
-              <a:t> </a:t>
-            </a:r>
-            <a:r>
-              <a:rPr lang="en-US" dirty="0" err="1" smtClean="0"/>
-              <a:t>khảo</a:t>
-            </a:r>
-            <a:endParaRPr lang="en-US" dirty="0"/>
-          </a:p>
-        </p:txBody>
-      </p:sp>
-      <p:sp>
-        <p:nvSpPr>
-          <p:cNvPr id="3" name="Content Placeholder 2"/>
-          <p:cNvSpPr>
-            <a:spLocks noGrp="1"/>
-          </p:cNvSpPr>
-          <p:nvPr>
-            <p:ph idx="1"/>
-          </p:nvPr>
-        </p:nvSpPr>
-        <p:spPr>
-          <a:xfrm>
-            <a:off x="0" y="1935480"/>
-            <a:ext cx="9144000" cy="4389120"/>
-          </a:xfrm>
-        </p:spPr>
-        <p:txBody>
-          <a:bodyPr>
-            <a:normAutofit/>
-          </a:bodyPr>
-          <a:lstStyle/>
-          <a:p>
-            <a:r>
-              <a:rPr lang="en-US" dirty="0" smtClean="0"/>
-              <a:t>[1] </a:t>
-            </a:r>
-            <a:r>
-              <a:rPr lang="en-US" dirty="0" err="1" smtClean="0"/>
-              <a:t>Kresimir</a:t>
-            </a:r>
-            <a:r>
-              <a:rPr lang="en-US" dirty="0" smtClean="0"/>
-              <a:t> </a:t>
-            </a:r>
-            <a:r>
-              <a:rPr lang="en-US" dirty="0" err="1" smtClean="0"/>
-              <a:t>Delac</a:t>
-            </a:r>
-            <a:r>
-              <a:rPr lang="en-US" dirty="0" smtClean="0"/>
-              <a:t> and </a:t>
-            </a:r>
-            <a:r>
-              <a:rPr lang="en-US" dirty="0" err="1" smtClean="0"/>
-              <a:t>Mislav</a:t>
-            </a:r>
-            <a:r>
-              <a:rPr lang="en-US" dirty="0" smtClean="0"/>
-              <a:t> </a:t>
-            </a:r>
-            <a:r>
-              <a:rPr lang="en-US" dirty="0" err="1" smtClean="0"/>
-              <a:t>Grgic</a:t>
-            </a:r>
-            <a:r>
-              <a:rPr lang="en-US" dirty="0" smtClean="0"/>
-              <a:t>, "A survey of biometric recognition methods," 2004.</a:t>
-            </a:r>
-          </a:p>
-          <a:p>
-            <a:r>
-              <a:rPr lang="en-US" dirty="0" smtClean="0"/>
-              <a:t>[2] </a:t>
-            </a:r>
-            <a:r>
-              <a:rPr lang="en-US" dirty="0" err="1" smtClean="0"/>
-              <a:t>Ravindra</a:t>
-            </a:r>
-            <a:r>
-              <a:rPr lang="en-US" dirty="0" smtClean="0"/>
-              <a:t> </a:t>
-            </a:r>
-            <a:r>
-              <a:rPr lang="en-US" dirty="0" err="1" smtClean="0"/>
-              <a:t>Thool</a:t>
-            </a:r>
-            <a:r>
-              <a:rPr lang="en-US" dirty="0" smtClean="0"/>
-              <a:t>, </a:t>
-            </a:r>
-            <a:r>
-              <a:rPr lang="en-US" dirty="0" err="1" smtClean="0"/>
-              <a:t>Balwant</a:t>
-            </a:r>
-            <a:r>
-              <a:rPr lang="en-US" dirty="0" smtClean="0"/>
-              <a:t> </a:t>
-            </a:r>
-            <a:r>
-              <a:rPr lang="en-US" dirty="0" err="1" smtClean="0"/>
-              <a:t>sonkamble</a:t>
-            </a:r>
-            <a:r>
-              <a:rPr lang="en-US" dirty="0" smtClean="0"/>
-              <a:t> </a:t>
-            </a:r>
-            <a:r>
-              <a:rPr lang="en-US" dirty="0" err="1" smtClean="0"/>
-              <a:t>Sulochana</a:t>
-            </a:r>
-            <a:r>
-              <a:rPr lang="en-US" dirty="0" smtClean="0"/>
-              <a:t> </a:t>
-            </a:r>
-            <a:r>
-              <a:rPr lang="en-US" dirty="0" err="1" smtClean="0"/>
-              <a:t>Sonkamble</a:t>
-            </a:r>
-            <a:r>
-              <a:rPr lang="en-US" dirty="0" smtClean="0"/>
-              <a:t>, "Survey of biometric recognition systems and their applications," </a:t>
-            </a:r>
-            <a:r>
-              <a:rPr lang="en-US" i="1" dirty="0" smtClean="0"/>
-              <a:t>Journal of Theoretical and Applied Information Technology</a:t>
-            </a:r>
-            <a:r>
-              <a:rPr lang="en-US" dirty="0" smtClean="0"/>
-              <a:t>, vol. 11, pp. 45-51.</a:t>
-            </a:r>
-          </a:p>
-          <a:p>
-            <a:r>
-              <a:rPr lang="en-US" dirty="0" smtClean="0"/>
-              <a:t>[3] Patrick Flynn, </a:t>
-            </a:r>
-            <a:r>
-              <a:rPr lang="en-US" dirty="0" err="1" smtClean="0"/>
-              <a:t>Arun</a:t>
-            </a:r>
-            <a:r>
-              <a:rPr lang="en-US" dirty="0" smtClean="0"/>
-              <a:t> A. Ross Anil K. Jain, Ed., </a:t>
-            </a:r>
-            <a:r>
-              <a:rPr lang="en-US" i="1" dirty="0" smtClean="0"/>
-              <a:t>Handbook of biometrics</a:t>
-            </a:r>
-            <a:r>
-              <a:rPr lang="en-US" dirty="0" smtClean="0"/>
-              <a:t>.: Springer, 2008.</a:t>
-            </a:r>
-          </a:p>
-          <a:p>
-            <a:endParaRPr lang="en-US" dirty="0"/>
-          </a:p>
-        </p:txBody>
-      </p:sp>
-      <p:sp>
-        <p:nvSpPr>
-          <p:cNvPr id="4" name="Slide Number Placeholder 3"/>
-          <p:cNvSpPr>
-            <a:spLocks noGrp="1"/>
-          </p:cNvSpPr>
-          <p:nvPr>
-            <p:ph type="sldNum" sz="quarter" idx="12"/>
-          </p:nvPr>
-        </p:nvSpPr>
-        <p:spPr/>
-        <p:txBody>
-          <a:bodyPr/>
-          <a:lstStyle/>
-          <a:p>
-            <a:fld id="{B6F15528-21DE-4FAA-801E-634DDDAF4B2B}" type="slidenum">
-              <a:rPr lang="en-US" smtClean="0"/>
-              <a:pPr/>
-              <a:t>25</a:t>
-            </a:fld>
-            <a:endParaRPr lang="en-US"/>
-          </a:p>
-        </p:txBody>
-      </p:sp>
-    </p:spTree>
   </p:cSld>
   <p:clrMapOvr>
     <a:masterClrMapping/>
@@ -13118,6 +14619,606 @@
         <p14:creationId xmlns:p14="http://schemas.microsoft.com/office/powerpoint/2010/main" xmlns="" val="631339435"/>
       </p:ext>
     </p:extLst>
+  </p:cSld>
+  <p:clrMapOvr>
+    <a:masterClrMapping/>
+  </p:clrMapOvr>
+  <p:timing>
+    <p:tnLst>
+      <p:par>
+        <p:cTn id="1" dur="indefinite" restart="never" nodeType="tmRoot"/>
+      </p:par>
+    </p:tnLst>
+  </p:timing>
+</p:sld>
+</file>
+
+<file path=ppt/slides/slide30.xml><?xml version="1.0" encoding="utf-8"?>
+<p:sld xmlns:a="http://schemas.openxmlformats.org/drawingml/2006/main" xmlns:r="http://schemas.openxmlformats.org/officeDocument/2006/relationships" xmlns:p="http://schemas.openxmlformats.org/presentationml/2006/main">
+  <p:cSld>
+    <p:spTree>
+      <p:nvGrpSpPr>
+        <p:cNvPr id="1" name=""/>
+        <p:cNvGrpSpPr/>
+        <p:nvPr/>
+      </p:nvGrpSpPr>
+      <p:grpSpPr>
+        <a:xfrm>
+          <a:off x="0" y="0"/>
+          <a:ext cx="0" cy="0"/>
+          <a:chOff x="0" y="0"/>
+          <a:chExt cx="0" cy="0"/>
+        </a:xfrm>
+      </p:grpSpPr>
+      <p:sp>
+        <p:nvSpPr>
+          <p:cNvPr id="2" name="Title 1"/>
+          <p:cNvSpPr>
+            <a:spLocks noGrp="1"/>
+          </p:cNvSpPr>
+          <p:nvPr>
+            <p:ph type="title"/>
+          </p:nvPr>
+        </p:nvSpPr>
+        <p:spPr/>
+        <p:txBody>
+          <a:bodyPr vert="horz" lIns="0" rIns="0" bIns="0" anchor="b">
+            <a:normAutofit/>
+          </a:bodyPr>
+          <a:lstStyle/>
+          <a:p>
+            <a:r>
+              <a:rPr lang="en-US" dirty="0" err="1"/>
+              <a:t>Hướng</a:t>
+            </a:r>
+            <a:r>
+              <a:rPr lang="en-US" dirty="0"/>
+              <a:t> </a:t>
+            </a:r>
+            <a:r>
+              <a:rPr lang="en-US" dirty="0" err="1"/>
+              <a:t>phát</a:t>
+            </a:r>
+            <a:r>
+              <a:rPr lang="en-US" dirty="0"/>
+              <a:t> </a:t>
+            </a:r>
+            <a:r>
+              <a:rPr lang="en-US" dirty="0" err="1"/>
+              <a:t>triển</a:t>
+            </a:r>
+            <a:endParaRPr lang="vi-VN" dirty="0"/>
+          </a:p>
+        </p:txBody>
+      </p:sp>
+      <p:sp>
+        <p:nvSpPr>
+          <p:cNvPr id="3" name="Content Placeholder 2"/>
+          <p:cNvSpPr>
+            <a:spLocks noGrp="1"/>
+          </p:cNvSpPr>
+          <p:nvPr>
+            <p:ph idx="1"/>
+          </p:nvPr>
+        </p:nvSpPr>
+        <p:spPr/>
+        <p:txBody>
+          <a:bodyPr/>
+          <a:lstStyle/>
+          <a:p>
+            <a:r>
+              <a:rPr lang="en-US" dirty="0" err="1" smtClean="0"/>
+              <a:t>Hiện</a:t>
+            </a:r>
+            <a:r>
+              <a:rPr lang="en-US" dirty="0" smtClean="0"/>
+              <a:t> nay:</a:t>
+            </a:r>
+          </a:p>
+          <a:p>
+            <a:pPr lvl="1"/>
+            <a:r>
+              <a:rPr lang="vi-VN" dirty="0" smtClean="0"/>
+              <a:t>Giảm </a:t>
+            </a:r>
+            <a:r>
+              <a:rPr lang="vi-VN" dirty="0"/>
+              <a:t>tỉ lệ so khớp thất bại</a:t>
+            </a:r>
+          </a:p>
+          <a:p>
+            <a:pPr lvl="1"/>
+            <a:r>
+              <a:rPr lang="vi-VN" dirty="0" smtClean="0"/>
+              <a:t>Hạn </a:t>
+            </a:r>
+            <a:r>
+              <a:rPr lang="vi-VN" dirty="0"/>
+              <a:t>chế </a:t>
+            </a:r>
+            <a:r>
+              <a:rPr lang="vi-VN" dirty="0" smtClean="0"/>
+              <a:t>đặt </a:t>
+            </a:r>
+            <a:r>
+              <a:rPr lang="vi-VN" dirty="0"/>
+              <a:t>tay theo </a:t>
+            </a:r>
+            <a:r>
+              <a:rPr lang="vi-VN" dirty="0" smtClean="0"/>
+              <a:t>dạng mẫu</a:t>
+            </a:r>
+          </a:p>
+          <a:p>
+            <a:r>
+              <a:rPr lang="vi-VN" dirty="0" smtClean="0"/>
+              <a:t>Thương mại</a:t>
+            </a:r>
+          </a:p>
+          <a:p>
+            <a:pPr lvl="1"/>
+            <a:r>
+              <a:rPr lang="vi-VN" dirty="0" smtClean="0"/>
+              <a:t>Tăng số byte mẫu nhận dạng</a:t>
+            </a:r>
+          </a:p>
+          <a:p>
+            <a:pPr lvl="1"/>
+            <a:r>
+              <a:rPr lang="vi-VN" dirty="0" smtClean="0"/>
+              <a:t>Sử dụng thiết bị quang học có độ phân giải cao</a:t>
+            </a:r>
+          </a:p>
+          <a:p>
+            <a:r>
+              <a:rPr lang="vi-VN" dirty="0" smtClean="0"/>
+              <a:t>Nghiên cứu</a:t>
+            </a:r>
+          </a:p>
+          <a:p>
+            <a:pPr lvl="1"/>
+            <a:r>
+              <a:rPr lang="vi-VN" dirty="0" smtClean="0"/>
+              <a:t>Kết hợp 2 hướng tiếp cận</a:t>
+            </a:r>
+          </a:p>
+          <a:p>
+            <a:pPr lvl="1"/>
+            <a:r>
+              <a:rPr lang="vi-VN" dirty="0" smtClean="0"/>
+              <a:t>Kết hợp với các mô hình sinh trắc học khác</a:t>
+            </a:r>
+            <a:endParaRPr lang="vi-VN" dirty="0"/>
+          </a:p>
+          <a:p>
+            <a:pPr lvl="1"/>
+            <a:endParaRPr lang="vi-VN" dirty="0"/>
+          </a:p>
+        </p:txBody>
+      </p:sp>
+      <p:sp>
+        <p:nvSpPr>
+          <p:cNvPr id="4" name="Slide Number Placeholder 3"/>
+          <p:cNvSpPr>
+            <a:spLocks noGrp="1"/>
+          </p:cNvSpPr>
+          <p:nvPr>
+            <p:ph type="sldNum" sz="quarter" idx="12"/>
+          </p:nvPr>
+        </p:nvSpPr>
+        <p:spPr/>
+        <p:txBody>
+          <a:bodyPr/>
+          <a:lstStyle/>
+          <a:p>
+            <a:fld id="{B6F15528-21DE-4FAA-801E-634DDDAF4B2B}" type="slidenum">
+              <a:rPr lang="en-US" smtClean="0"/>
+              <a:pPr/>
+              <a:t>30</a:t>
+            </a:fld>
+            <a:endParaRPr lang="en-US"/>
+          </a:p>
+        </p:txBody>
+      </p:sp>
+    </p:spTree>
+    <p:extLst>
+      <p:ext uri="{BB962C8B-B14F-4D97-AF65-F5344CB8AC3E}">
+        <p14:creationId xmlns:p14="http://schemas.microsoft.com/office/powerpoint/2010/main" xmlns="" val="73910125"/>
+      </p:ext>
+    </p:extLst>
+  </p:cSld>
+  <p:clrMapOvr>
+    <a:masterClrMapping/>
+  </p:clrMapOvr>
+  <p:timing>
+    <p:tnLst>
+      <p:par>
+        <p:cTn id="1" dur="indefinite" restart="never" nodeType="tmRoot"/>
+      </p:par>
+    </p:tnLst>
+  </p:timing>
+</p:sld>
+</file>
+
+<file path=ppt/slides/slide31.xml><?xml version="1.0" encoding="utf-8"?>
+<p:sld xmlns:a="http://schemas.openxmlformats.org/drawingml/2006/main" xmlns:r="http://schemas.openxmlformats.org/officeDocument/2006/relationships" xmlns:p="http://schemas.openxmlformats.org/presentationml/2006/main">
+  <p:cSld>
+    <p:spTree>
+      <p:nvGrpSpPr>
+        <p:cNvPr id="1" name=""/>
+        <p:cNvGrpSpPr/>
+        <p:nvPr/>
+      </p:nvGrpSpPr>
+      <p:grpSpPr>
+        <a:xfrm>
+          <a:off x="0" y="0"/>
+          <a:ext cx="0" cy="0"/>
+          <a:chOff x="0" y="0"/>
+          <a:chExt cx="0" cy="0"/>
+        </a:xfrm>
+      </p:grpSpPr>
+      <p:sp>
+        <p:nvSpPr>
+          <p:cNvPr id="2" name="Title 1"/>
+          <p:cNvSpPr>
+            <a:spLocks noGrp="1"/>
+          </p:cNvSpPr>
+          <p:nvPr>
+            <p:ph type="title"/>
+          </p:nvPr>
+        </p:nvSpPr>
+        <p:spPr/>
+        <p:txBody>
+          <a:bodyPr/>
+          <a:lstStyle/>
+          <a:p>
+            <a:r>
+              <a:rPr lang="en-US" dirty="0" err="1" smtClean="0"/>
+              <a:t>Tài</a:t>
+            </a:r>
+            <a:r>
+              <a:rPr lang="en-US" dirty="0" smtClean="0"/>
+              <a:t> </a:t>
+            </a:r>
+            <a:r>
+              <a:rPr lang="en-US" dirty="0" err="1" smtClean="0"/>
+              <a:t>liệu</a:t>
+            </a:r>
+            <a:r>
+              <a:rPr lang="en-US" dirty="0" smtClean="0"/>
+              <a:t> </a:t>
+            </a:r>
+            <a:r>
+              <a:rPr lang="en-US" dirty="0" err="1" smtClean="0"/>
+              <a:t>tham</a:t>
+            </a:r>
+            <a:r>
+              <a:rPr lang="en-US" dirty="0" smtClean="0"/>
+              <a:t> </a:t>
+            </a:r>
+            <a:r>
+              <a:rPr lang="en-US" dirty="0" err="1" smtClean="0"/>
+              <a:t>khảo</a:t>
+            </a:r>
+            <a:endParaRPr lang="en-US" dirty="0"/>
+          </a:p>
+        </p:txBody>
+      </p:sp>
+      <p:sp>
+        <p:nvSpPr>
+          <p:cNvPr id="3" name="Content Placeholder 2"/>
+          <p:cNvSpPr>
+            <a:spLocks noGrp="1"/>
+          </p:cNvSpPr>
+          <p:nvPr>
+            <p:ph idx="1"/>
+          </p:nvPr>
+        </p:nvSpPr>
+        <p:spPr>
+          <a:xfrm>
+            <a:off x="0" y="1935480"/>
+            <a:ext cx="9144000" cy="4617720"/>
+          </a:xfrm>
+        </p:spPr>
+        <p:txBody>
+          <a:bodyPr>
+            <a:normAutofit fontScale="47500" lnSpcReduction="20000"/>
+          </a:bodyPr>
+          <a:lstStyle/>
+          <a:p>
+            <a:r>
+              <a:rPr lang="en-US" sz="3300" dirty="0"/>
+              <a:t>[</a:t>
+            </a:r>
+            <a:r>
+              <a:rPr lang="en-US" sz="3300" dirty="0" smtClean="0"/>
+              <a:t>1] </a:t>
+            </a:r>
+            <a:r>
+              <a:rPr lang="en-US" sz="3300" dirty="0" err="1" smtClean="0"/>
+              <a:t>Kresimir</a:t>
+            </a:r>
+            <a:r>
+              <a:rPr lang="en-US" sz="3300" dirty="0" smtClean="0"/>
+              <a:t> </a:t>
+            </a:r>
+            <a:r>
+              <a:rPr lang="en-US" sz="3300" dirty="0" err="1"/>
+              <a:t>Delac</a:t>
+            </a:r>
+            <a:r>
+              <a:rPr lang="en-US" sz="3300" dirty="0"/>
+              <a:t> and </a:t>
+            </a:r>
+            <a:r>
+              <a:rPr lang="en-US" sz="3300" dirty="0" err="1"/>
+              <a:t>Mislav</a:t>
+            </a:r>
+            <a:r>
+              <a:rPr lang="en-US" sz="3300" dirty="0"/>
+              <a:t> </a:t>
+            </a:r>
+            <a:r>
+              <a:rPr lang="en-US" sz="3300" dirty="0" err="1"/>
+              <a:t>Grgic</a:t>
+            </a:r>
+            <a:r>
+              <a:rPr lang="en-US" sz="3300" dirty="0"/>
+              <a:t>, "A survey of biometric recognition methods," 2004.</a:t>
+            </a:r>
+          </a:p>
+          <a:p>
+            <a:r>
+              <a:rPr lang="en-US" sz="3300" dirty="0"/>
+              <a:t>[</a:t>
+            </a:r>
+            <a:r>
+              <a:rPr lang="en-US" sz="3300" dirty="0" smtClean="0"/>
+              <a:t>2] </a:t>
+            </a:r>
+            <a:r>
+              <a:rPr lang="en-US" sz="3300" dirty="0" err="1" smtClean="0"/>
+              <a:t>Ravindra</a:t>
+            </a:r>
+            <a:r>
+              <a:rPr lang="en-US" sz="3300" dirty="0" smtClean="0"/>
+              <a:t> </a:t>
+            </a:r>
+            <a:r>
+              <a:rPr lang="en-US" sz="3300" dirty="0" err="1"/>
+              <a:t>Thool</a:t>
+            </a:r>
+            <a:r>
+              <a:rPr lang="en-US" sz="3300" dirty="0"/>
+              <a:t>, </a:t>
+            </a:r>
+            <a:r>
+              <a:rPr lang="en-US" sz="3300" dirty="0" err="1"/>
+              <a:t>Balwant</a:t>
+            </a:r>
+            <a:r>
+              <a:rPr lang="en-US" sz="3300" dirty="0"/>
+              <a:t> </a:t>
+            </a:r>
+            <a:r>
+              <a:rPr lang="en-US" sz="3300" dirty="0" err="1"/>
+              <a:t>sonkamble</a:t>
+            </a:r>
+            <a:r>
+              <a:rPr lang="en-US" sz="3300" dirty="0"/>
+              <a:t> </a:t>
+            </a:r>
+            <a:r>
+              <a:rPr lang="en-US" sz="3300" dirty="0" err="1"/>
+              <a:t>Sulochana</a:t>
+            </a:r>
+            <a:r>
+              <a:rPr lang="en-US" sz="3300" dirty="0"/>
+              <a:t> </a:t>
+            </a:r>
+            <a:r>
+              <a:rPr lang="en-US" sz="3300" dirty="0" err="1"/>
+              <a:t>Sonkamble</a:t>
+            </a:r>
+            <a:r>
+              <a:rPr lang="en-US" sz="3300" dirty="0"/>
+              <a:t>, "Survey of biometric recognition systems and their applications," Journal of Theoretical and Applied Information Technology, vol. 11, pp. 45-51.</a:t>
+            </a:r>
+          </a:p>
+          <a:p>
+            <a:r>
+              <a:rPr lang="en-US" sz="3300" dirty="0"/>
+              <a:t>[</a:t>
+            </a:r>
+            <a:r>
+              <a:rPr lang="en-US" sz="3300" dirty="0" smtClean="0"/>
+              <a:t>3] Patrick </a:t>
+            </a:r>
+            <a:r>
+              <a:rPr lang="en-US" sz="3300" dirty="0"/>
+              <a:t>Flynn, </a:t>
+            </a:r>
+            <a:r>
+              <a:rPr lang="en-US" sz="3300" dirty="0" err="1"/>
+              <a:t>Arun</a:t>
+            </a:r>
+            <a:r>
+              <a:rPr lang="en-US" sz="3300" dirty="0"/>
+              <a:t> A. Ross Anil K. Jain, Ed., Handbook of biometrics.: Springer, 2008.</a:t>
+            </a:r>
+          </a:p>
+          <a:p>
+            <a:r>
+              <a:rPr lang="en-US" sz="3300" dirty="0"/>
+              <a:t>[</a:t>
+            </a:r>
+            <a:r>
+              <a:rPr lang="en-US" sz="3300" dirty="0" smtClean="0"/>
+              <a:t>4] </a:t>
+            </a:r>
+            <a:r>
+              <a:rPr lang="en-US" sz="3300" dirty="0" err="1" smtClean="0"/>
+              <a:t>Fayyaz</a:t>
+            </a:r>
+            <a:r>
+              <a:rPr lang="en-US" sz="3300" dirty="0" smtClean="0"/>
+              <a:t> </a:t>
+            </a:r>
+            <a:r>
+              <a:rPr lang="en-US" sz="3300" dirty="0"/>
+              <a:t>A. </a:t>
+            </a:r>
+            <a:r>
+              <a:rPr lang="en-US" sz="3300" dirty="0" err="1"/>
+              <a:t>Afsar</a:t>
+            </a:r>
+            <a:r>
+              <a:rPr lang="en-US" sz="3300" dirty="0"/>
+              <a:t> </a:t>
+            </a:r>
+            <a:r>
+              <a:rPr lang="en-US" sz="3300" dirty="0" err="1"/>
+              <a:t>Qaisar</a:t>
+            </a:r>
+            <a:r>
+              <a:rPr lang="en-US" sz="3300" dirty="0"/>
+              <a:t> N. Ashraf, "Person Identification based on Palm and Hand Geometry,".</a:t>
+            </a:r>
+          </a:p>
+          <a:p>
+            <a:r>
+              <a:rPr lang="en-US" sz="3300" dirty="0"/>
+              <a:t>[</a:t>
+            </a:r>
+            <a:r>
+              <a:rPr lang="en-US" sz="3300" dirty="0" smtClean="0"/>
+              <a:t>5] Asker </a:t>
+            </a:r>
+            <a:r>
+              <a:rPr lang="en-US" sz="3300" dirty="0"/>
+              <a:t>M. </a:t>
+            </a:r>
+            <a:r>
+              <a:rPr lang="en-US" sz="3300" dirty="0" err="1"/>
+              <a:t>Bazen</a:t>
+            </a:r>
+            <a:r>
+              <a:rPr lang="en-US" sz="3300" dirty="0"/>
+              <a:t>, </a:t>
+            </a:r>
+            <a:r>
+              <a:rPr lang="en-US" sz="3300" dirty="0" err="1"/>
+              <a:t>Wim</a:t>
+            </a:r>
+            <a:r>
+              <a:rPr lang="en-US" sz="3300" dirty="0"/>
+              <a:t> </a:t>
+            </a:r>
+            <a:r>
+              <a:rPr lang="en-US" sz="3300" dirty="0" err="1"/>
+              <a:t>Booij</a:t>
+            </a:r>
+            <a:r>
+              <a:rPr lang="en-US" sz="3300" dirty="0"/>
+              <a:t>, Anne </a:t>
+            </a:r>
+            <a:r>
+              <a:rPr lang="en-US" sz="3300" dirty="0" err="1"/>
+              <a:t>Hendrikse</a:t>
+            </a:r>
+            <a:r>
+              <a:rPr lang="en-US" sz="3300" dirty="0"/>
+              <a:t> Raymond N. J. </a:t>
+            </a:r>
+            <a:r>
+              <a:rPr lang="en-US" sz="3300" dirty="0" err="1"/>
+              <a:t>Veldhuis</a:t>
+            </a:r>
+            <a:r>
+              <a:rPr lang="en-US" sz="3300" dirty="0"/>
+              <a:t>, "Hand-geometry Recognition Based on Contour Landmarks," Data and Information Analysis to Knowledge Engineering, Proceedings of the 29th Annual Conference of the </a:t>
+            </a:r>
+            <a:r>
+              <a:rPr lang="en-US" sz="3300" dirty="0" err="1"/>
+              <a:t>Gesellschaft</a:t>
+            </a:r>
+            <a:r>
+              <a:rPr lang="en-US" sz="3300" dirty="0"/>
+              <a:t>, 2005.</a:t>
+            </a:r>
+          </a:p>
+          <a:p>
+            <a:r>
+              <a:rPr lang="en-US" sz="3300" dirty="0"/>
+              <a:t>[</a:t>
+            </a:r>
+            <a:r>
+              <a:rPr lang="en-US" sz="3300" dirty="0" smtClean="0"/>
+              <a:t>6] N</a:t>
+            </a:r>
+            <a:r>
+              <a:rPr lang="en-US" sz="3300" dirty="0"/>
+              <a:t>. Otsu, "A Threshold Selection Method from Gray-Level Histograms," IEEE Transactions on Systems, Man, and Cybernetics, vol. 9, no. 1, pp. 62-66, 1979.</a:t>
+            </a:r>
+          </a:p>
+          <a:p>
+            <a:r>
+              <a:rPr lang="en-US" sz="3300" dirty="0"/>
+              <a:t>[</a:t>
+            </a:r>
+            <a:r>
+              <a:rPr lang="en-US" sz="3300" dirty="0" smtClean="0"/>
+              <a:t>7] J</a:t>
+            </a:r>
+            <a:r>
+              <a:rPr lang="en-US" sz="3300" dirty="0"/>
+              <a:t>. Canny, "A Computational Approach To Edge Detection," IEEE Trans. Pattern Analysis and Machine Intelligence, pp. 679–698, 1986.</a:t>
+            </a:r>
+          </a:p>
+          <a:p>
+            <a:r>
+              <a:rPr lang="en-US" sz="3300" dirty="0"/>
+              <a:t>[</a:t>
+            </a:r>
+            <a:r>
+              <a:rPr lang="en-US" sz="3300" dirty="0" smtClean="0"/>
+              <a:t>8] K</a:t>
+            </a:r>
+            <a:r>
+              <a:rPr lang="en-US" sz="3300" dirty="0"/>
+              <a:t>. Abe S. Suzuki, "Topological Structural Analysis of Digitized Binary Images by Border Following," CVGIP, pp. 32-46, 1985.</a:t>
+            </a:r>
+          </a:p>
+          <a:p>
+            <a:endParaRPr lang="en-US" dirty="0"/>
+          </a:p>
+        </p:txBody>
+      </p:sp>
+      <p:sp>
+        <p:nvSpPr>
+          <p:cNvPr id="4" name="Slide Number Placeholder 3"/>
+          <p:cNvSpPr>
+            <a:spLocks noGrp="1"/>
+          </p:cNvSpPr>
+          <p:nvPr>
+            <p:ph type="sldNum" sz="quarter" idx="12"/>
+          </p:nvPr>
+        </p:nvSpPr>
+        <p:spPr/>
+        <p:txBody>
+          <a:bodyPr/>
+          <a:lstStyle/>
+          <a:p>
+            <a:fld id="{B6F15528-21DE-4FAA-801E-634DDDAF4B2B}" type="slidenum">
+              <a:rPr lang="en-US" smtClean="0"/>
+              <a:pPr/>
+              <a:t>31</a:t>
+            </a:fld>
+            <a:endParaRPr lang="en-US"/>
+          </a:p>
+        </p:txBody>
+      </p:sp>
+    </p:spTree>
   </p:cSld>
   <p:clrMapOvr>
     <a:masterClrMapping/>

--- a/Documentation/presentation.pptx
+++ b/Documentation/presentation.pptx
@@ -5,10 +5,10 @@
     <p:sldMasterId id="2147483660" r:id="rId1"/>
   </p:sldMasterIdLst>
   <p:notesMasterIdLst>
-    <p:notesMasterId r:id="rId33"/>
+    <p:notesMasterId r:id="rId36"/>
   </p:notesMasterIdLst>
   <p:handoutMasterIdLst>
-    <p:handoutMasterId r:id="rId34"/>
+    <p:handoutMasterId r:id="rId37"/>
   </p:handoutMasterIdLst>
   <p:sldIdLst>
     <p:sldId id="256" r:id="rId2"/>
@@ -39,9 +39,12 @@
     <p:sldId id="273" r:id="rId27"/>
     <p:sldId id="284" r:id="rId28"/>
     <p:sldId id="274" r:id="rId29"/>
-    <p:sldId id="271" r:id="rId30"/>
-    <p:sldId id="277" r:id="rId31"/>
-    <p:sldId id="263" r:id="rId32"/>
+    <p:sldId id="289" r:id="rId30"/>
+    <p:sldId id="290" r:id="rId31"/>
+    <p:sldId id="291" r:id="rId32"/>
+    <p:sldId id="271" r:id="rId33"/>
+    <p:sldId id="277" r:id="rId34"/>
+    <p:sldId id="263" r:id="rId35"/>
   </p:sldIdLst>
   <p:sldSz cx="9144000" cy="6858000" type="screen4x3"/>
   <p:notesSz cx="6858000" cy="9144000"/>
@@ -226,7 +229,7 @@
             <a:fld id="{C29DD872-874E-4C43-A3B8-AD066DF4ED7D}" type="datetimeFigureOut">
               <a:rPr lang="vi-VN" smtClean="0"/>
               <a:pPr/>
-              <a:t>03/11/2010</a:t>
+              <a:t>04/11/2010</a:t>
             </a:fld>
             <a:endParaRPr lang="vi-VN"/>
           </a:p>
@@ -302,7 +305,7 @@
     </p:spTree>
     <p:extLst>
       <p:ext uri="{BB962C8B-B14F-4D97-AF65-F5344CB8AC3E}">
-        <p14:creationId xmlns:p14="http://schemas.microsoft.com/office/powerpoint/2010/main" xmlns="" val="1720896244"/>
+        <p14:creationId xmlns="" xmlns:p14="http://schemas.microsoft.com/office/powerpoint/2010/main" val="1720896244"/>
       </p:ext>
     </p:extLst>
   </p:cSld>
@@ -393,7 +396,7 @@
             <a:fld id="{88A263E0-0B66-4BBB-BD49-C22ADCF470AF}" type="datetimeFigureOut">
               <a:rPr lang="en-US" smtClean="0"/>
               <a:pPr/>
-              <a:t>11/3/2010</a:t>
+              <a:t>11/4/2010</a:t>
             </a:fld>
             <a:endParaRPr lang="en-US"/>
           </a:p>
@@ -564,7 +567,7 @@
     </p:spTree>
     <p:extLst>
       <p:ext uri="{BB962C8B-B14F-4D97-AF65-F5344CB8AC3E}">
-        <p14:creationId xmlns:p14="http://schemas.microsoft.com/office/powerpoint/2010/main" xmlns="" val="2903458520"/>
+        <p14:creationId xmlns="" xmlns:p14="http://schemas.microsoft.com/office/powerpoint/2010/main" val="2903458520"/>
       </p:ext>
     </p:extLst>
   </p:cSld>
@@ -1411,7 +1414,7 @@
             <a:fld id="{14213B08-C344-4298-9D2B-63FA7DC3B696}" type="datetime1">
               <a:rPr lang="en-US" smtClean="0"/>
               <a:pPr/>
-              <a:t>11/3/2010</a:t>
+              <a:t>11/4/2010</a:t>
             </a:fld>
             <a:endParaRPr lang="en-US"/>
           </a:p>
@@ -1585,7 +1588,7 @@
             <a:fld id="{1BE8B679-7536-42E8-9FB5-40A57D052050}" type="datetime1">
               <a:rPr lang="en-US" smtClean="0"/>
               <a:pPr/>
-              <a:t>11/3/2010</a:t>
+              <a:t>11/4/2010</a:t>
             </a:fld>
             <a:endParaRPr lang="en-US"/>
           </a:p>
@@ -1769,7 +1772,7 @@
             <a:fld id="{AC731CF6-CE4E-49AB-A83D-5CF25E930D6F}" type="datetime1">
               <a:rPr lang="en-US" smtClean="0"/>
               <a:pPr/>
-              <a:t>11/3/2010</a:t>
+              <a:t>11/4/2010</a:t>
             </a:fld>
             <a:endParaRPr lang="en-US"/>
           </a:p>
@@ -1967,7 +1970,7 @@
             <a:fld id="{9A3DD297-0901-404C-9492-929AD53265C0}" type="datetime1">
               <a:rPr lang="en-US" smtClean="0"/>
               <a:pPr/>
-              <a:t>11/3/2010</a:t>
+              <a:t>11/4/2010</a:t>
             </a:fld>
             <a:endParaRPr lang="en-US"/>
           </a:p>
@@ -2028,7 +2031,7 @@
           <a:blip r:embed="rId2" cstate="print">
             <a:extLst>
               <a:ext uri="{28A0092B-C50C-407E-A947-70E740481C1C}">
-                <a14:useLocalDpi xmlns:a14="http://schemas.microsoft.com/office/drawing/2010/main" xmlns="" val="0"/>
+                <a14:useLocalDpi xmlns="" xmlns:a14="http://schemas.microsoft.com/office/drawing/2010/main" val="0"/>
               </a:ext>
             </a:extLst>
           </a:blip>
@@ -2052,14 +2055,14 @@
           <a:effectLst/>
           <a:extLst>
             <a:ext uri="{909E8E84-426E-40DD-AFC4-6F175D3DCCD1}">
-              <a14:hiddenFill xmlns:a14="http://schemas.microsoft.com/office/drawing/2010/main" xmlns="">
+              <a14:hiddenFill xmlns="" xmlns:a14="http://schemas.microsoft.com/office/drawing/2010/main">
                 <a:solidFill>
                   <a:schemeClr val="accent1"/>
                 </a:solidFill>
               </a14:hiddenFill>
             </a:ext>
             <a:ext uri="{91240B29-F687-4F45-9708-019B960494DF}">
-              <a14:hiddenLine xmlns:a14="http://schemas.microsoft.com/office/drawing/2010/main" xmlns="" w="9525">
+              <a14:hiddenLine xmlns="" xmlns:a14="http://schemas.microsoft.com/office/drawing/2010/main" w="9525">
                 <a:solidFill>
                   <a:schemeClr val="tx1"/>
                 </a:solidFill>
@@ -2069,7 +2072,7 @@
               </a14:hiddenLine>
             </a:ext>
             <a:ext uri="{AF507438-7753-43E0-B8FC-AC1667EBCBE1}">
-              <a14:hiddenEffects xmlns:a14="http://schemas.microsoft.com/office/drawing/2010/main" xmlns="">
+              <a14:hiddenEffects xmlns="" xmlns:a14="http://schemas.microsoft.com/office/drawing/2010/main">
                 <a:effectLst>
                   <a:outerShdw dist="35921" dir="2700000" algn="ctr" rotWithShape="0">
                     <a:schemeClr val="bg2"/>
@@ -2282,7 +2285,7 @@
             <a:fld id="{B7EE86D6-B85D-4B0F-97BF-A75CB19C32F3}" type="datetime1">
               <a:rPr lang="en-US" smtClean="0"/>
               <a:pPr/>
-              <a:t>11/3/2010</a:t>
+              <a:t>11/4/2010</a:t>
             </a:fld>
             <a:endParaRPr lang="en-US"/>
           </a:p>
@@ -2548,7 +2551,7 @@
             <a:fld id="{714C3007-F112-444B-8E99-D3C654CC31C8}" type="datetime1">
               <a:rPr lang="en-US" smtClean="0"/>
               <a:pPr/>
-              <a:t>11/3/2010</a:t>
+              <a:t>11/4/2010</a:t>
             </a:fld>
             <a:endParaRPr lang="en-US"/>
           </a:p>
@@ -2928,7 +2931,7 @@
             <a:fld id="{EC253EFC-7C63-4AD7-8BBD-AB726C629B45}" type="datetime1">
               <a:rPr lang="en-US" smtClean="0"/>
               <a:pPr/>
-              <a:t>11/3/2010</a:t>
+              <a:t>11/4/2010</a:t>
             </a:fld>
             <a:endParaRPr lang="en-US"/>
           </a:p>
@@ -3080,7 +3083,7 @@
             <a:fld id="{D5AA7226-8FB4-4BDA-8697-BA7EDE69599F}" type="datetime1">
               <a:rPr lang="en-US" smtClean="0"/>
               <a:pPr/>
-              <a:t>11/3/2010</a:t>
+              <a:t>11/4/2010</a:t>
             </a:fld>
             <a:endParaRPr lang="en-US"/>
           </a:p>
@@ -3141,7 +3144,7 @@
           <a:blip r:embed="rId2" cstate="print">
             <a:extLst>
               <a:ext uri="{28A0092B-C50C-407E-A947-70E740481C1C}">
-                <a14:useLocalDpi xmlns:a14="http://schemas.microsoft.com/office/drawing/2010/main" xmlns="" val="0"/>
+                <a14:useLocalDpi xmlns="" xmlns:a14="http://schemas.microsoft.com/office/drawing/2010/main" val="0"/>
               </a:ext>
             </a:extLst>
           </a:blip>
@@ -3165,14 +3168,14 @@
           <a:effectLst/>
           <a:extLst>
             <a:ext uri="{909E8E84-426E-40DD-AFC4-6F175D3DCCD1}">
-              <a14:hiddenFill xmlns:a14="http://schemas.microsoft.com/office/drawing/2010/main" xmlns="">
+              <a14:hiddenFill xmlns="" xmlns:a14="http://schemas.microsoft.com/office/drawing/2010/main">
                 <a:solidFill>
                   <a:schemeClr val="accent1"/>
                 </a:solidFill>
               </a14:hiddenFill>
             </a:ext>
             <a:ext uri="{91240B29-F687-4F45-9708-019B960494DF}">
-              <a14:hiddenLine xmlns:a14="http://schemas.microsoft.com/office/drawing/2010/main" xmlns="" w="9525">
+              <a14:hiddenLine xmlns="" xmlns:a14="http://schemas.microsoft.com/office/drawing/2010/main" w="9525">
                 <a:solidFill>
                   <a:schemeClr val="tx1"/>
                 </a:solidFill>
@@ -3182,7 +3185,7 @@
               </a14:hiddenLine>
             </a:ext>
             <a:ext uri="{AF507438-7753-43E0-B8FC-AC1667EBCBE1}">
-              <a14:hiddenEffects xmlns:a14="http://schemas.microsoft.com/office/drawing/2010/main" xmlns="">
+              <a14:hiddenEffects xmlns="" xmlns:a14="http://schemas.microsoft.com/office/drawing/2010/main">
                 <a:effectLst>
                   <a:outerShdw dist="35921" dir="2700000" algn="ctr" rotWithShape="0">
                     <a:schemeClr val="bg2"/>
@@ -3243,7 +3246,7 @@
             <a:fld id="{FCBE6375-37B0-43E2-87BB-21757BFC51A9}" type="datetime1">
               <a:rPr lang="en-US" smtClean="0"/>
               <a:pPr/>
-              <a:t>11/3/2010</a:t>
+              <a:t>11/4/2010</a:t>
             </a:fld>
             <a:endParaRPr lang="en-US"/>
           </a:p>
@@ -3513,7 +3516,7 @@
             <a:fld id="{E71AA3D3-BFF6-4AAB-80FB-418E4DD286E4}" type="datetime1">
               <a:rPr lang="en-US" smtClean="0"/>
               <a:pPr/>
-              <a:t>11/3/2010</a:t>
+              <a:t>11/4/2010</a:t>
             </a:fld>
             <a:endParaRPr lang="en-US"/>
           </a:p>
@@ -3810,7 +3813,7 @@
             <a:fld id="{51CEF966-CA87-49E5-9360-3BF0D2DF35B8}" type="datetime1">
               <a:rPr lang="en-US" smtClean="0"/>
               <a:pPr/>
-              <a:t>11/3/2010</a:t>
+              <a:t>11/4/2010</a:t>
             </a:fld>
             <a:endParaRPr lang="en-US"/>
           </a:p>
@@ -4590,7 +4593,7 @@
             <a:fld id="{816B66A5-3A43-417D-BD44-A47E6974BF46}" type="datetime1">
               <a:rPr lang="en-US" smtClean="0"/>
               <a:pPr/>
-              <a:t>11/3/2010</a:t>
+              <a:t>11/4/2010</a:t>
             </a:fld>
             <a:endParaRPr lang="en-US"/>
           </a:p>
@@ -5269,11 +5272,7 @@
             </a:pPr>
             <a:r>
               <a:rPr lang="en-US" sz="6000" b="1" dirty="0" smtClean="0"/>
-              <a:t>NGUYỄN VĂN </a:t>
-            </a:r>
-            <a:r>
-              <a:rPr lang="en-US" sz="6000" b="1" dirty="0" smtClean="0"/>
-              <a:t>GIANG - 1011</a:t>
+              <a:t>NGUYỄN VĂN GIANG - 1011</a:t>
             </a:r>
             <a:endParaRPr lang="en-US" sz="6000" dirty="0" smtClean="0"/>
           </a:p>
@@ -5285,11 +5284,7 @@
             </a:pPr>
             <a:r>
               <a:rPr lang="en-US" sz="6000" b="1" dirty="0" smtClean="0"/>
-              <a:t>NGUYỄN </a:t>
-            </a:r>
-            <a:r>
-              <a:rPr lang="en-US" sz="6000" b="1" dirty="0" smtClean="0"/>
-              <a:t>HOÀN - 1011 </a:t>
+              <a:t>NGUYỄN HOÀN - 1011 </a:t>
             </a:r>
             <a:endParaRPr lang="en-US" sz="6000" dirty="0" smtClean="0"/>
           </a:p>
@@ -5301,11 +5296,7 @@
             </a:pPr>
             <a:r>
               <a:rPr lang="en-US" sz="6000" b="1" dirty="0" smtClean="0"/>
-              <a:t>LÊ MINH </a:t>
-            </a:r>
-            <a:r>
-              <a:rPr lang="en-US" sz="6000" b="1" dirty="0" smtClean="0"/>
-              <a:t>QUANG - 1012064</a:t>
+              <a:t>LÊ MINH QUANG - 1012064</a:t>
             </a:r>
             <a:endParaRPr lang="en-US" sz="6000" dirty="0" smtClean="0"/>
           </a:p>
@@ -5317,11 +5308,7 @@
             </a:pPr>
             <a:r>
               <a:rPr lang="en-US" sz="6000" b="1" dirty="0" smtClean="0"/>
-              <a:t>HOÀNG XUÂN </a:t>
-            </a:r>
-            <a:r>
-              <a:rPr lang="en-US" sz="6000" b="1" dirty="0" smtClean="0"/>
-              <a:t>THẢO - 1011</a:t>
+              <a:t>HOÀNG XUÂN THẢO - 1011</a:t>
             </a:r>
             <a:endParaRPr lang="en-US" dirty="0"/>
           </a:p>
@@ -5609,7 +5596,7 @@
           <a:blip r:embed="rId2" cstate="print">
             <a:extLst>
               <a:ext uri="{28A0092B-C50C-407E-A947-70E740481C1C}">
-                <a14:useLocalDpi xmlns:a14="http://schemas.microsoft.com/office/drawing/2010/main" xmlns="" val="0"/>
+                <a14:useLocalDpi xmlns="" xmlns:a14="http://schemas.microsoft.com/office/drawing/2010/main" val="0"/>
               </a:ext>
             </a:extLst>
           </a:blip>
@@ -5633,14 +5620,14 @@
           <a:effectLst/>
           <a:extLst>
             <a:ext uri="{909E8E84-426E-40DD-AFC4-6F175D3DCCD1}">
-              <a14:hiddenFill xmlns:a14="http://schemas.microsoft.com/office/drawing/2010/main" xmlns="">
+              <a14:hiddenFill xmlns="" xmlns:a14="http://schemas.microsoft.com/office/drawing/2010/main">
                 <a:solidFill>
                   <a:schemeClr val="accent1"/>
                 </a:solidFill>
               </a14:hiddenFill>
             </a:ext>
             <a:ext uri="{91240B29-F687-4F45-9708-019B960494DF}">
-              <a14:hiddenLine xmlns:a14="http://schemas.microsoft.com/office/drawing/2010/main" xmlns="" w="9525">
+              <a14:hiddenLine xmlns="" xmlns:a14="http://schemas.microsoft.com/office/drawing/2010/main" w="9525">
                 <a:solidFill>
                   <a:schemeClr val="tx1"/>
                 </a:solidFill>
@@ -5650,7 +5637,7 @@
               </a14:hiddenLine>
             </a:ext>
             <a:ext uri="{AF507438-7753-43E0-B8FC-AC1667EBCBE1}">
-              <a14:hiddenEffects xmlns:a14="http://schemas.microsoft.com/office/drawing/2010/main" xmlns="">
+              <a14:hiddenEffects xmlns="" xmlns:a14="http://schemas.microsoft.com/office/drawing/2010/main">
                 <a:effectLst>
                   <a:outerShdw dist="35921" dir="2700000" algn="ctr" rotWithShape="0">
                     <a:schemeClr val="bg2"/>
@@ -6216,7 +6203,7 @@
           <a:blip r:embed="rId3" cstate="print">
             <a:extLst>
               <a:ext uri="{28A0092B-C50C-407E-A947-70E740481C1C}">
-                <a14:useLocalDpi xmlns:a14="http://schemas.microsoft.com/office/drawing/2010/main" xmlns="" val="0"/>
+                <a14:useLocalDpi xmlns="" xmlns:a14="http://schemas.microsoft.com/office/drawing/2010/main" val="0"/>
               </a:ext>
             </a:extLst>
           </a:blip>
@@ -6240,14 +6227,14 @@
           <a:effectLst/>
           <a:extLst>
             <a:ext uri="{909E8E84-426E-40DD-AFC4-6F175D3DCCD1}">
-              <a14:hiddenFill xmlns:a14="http://schemas.microsoft.com/office/drawing/2010/main" xmlns="">
+              <a14:hiddenFill xmlns="" xmlns:a14="http://schemas.microsoft.com/office/drawing/2010/main">
                 <a:solidFill>
                   <a:schemeClr val="accent1"/>
                 </a:solidFill>
               </a14:hiddenFill>
             </a:ext>
             <a:ext uri="{91240B29-F687-4F45-9708-019B960494DF}">
-              <a14:hiddenLine xmlns:a14="http://schemas.microsoft.com/office/drawing/2010/main" xmlns="" w="9525">
+              <a14:hiddenLine xmlns="" xmlns:a14="http://schemas.microsoft.com/office/drawing/2010/main" w="9525">
                 <a:solidFill>
                   <a:schemeClr val="tx1"/>
                 </a:solidFill>
@@ -6257,7 +6244,7 @@
               </a14:hiddenLine>
             </a:ext>
             <a:ext uri="{AF507438-7753-43E0-B8FC-AC1667EBCBE1}">
-              <a14:hiddenEffects xmlns:a14="http://schemas.microsoft.com/office/drawing/2010/main" xmlns="">
+              <a14:hiddenEffects xmlns="" xmlns:a14="http://schemas.microsoft.com/office/drawing/2010/main">
                 <a:effectLst>
                   <a:outerShdw dist="35921" dir="2700000" algn="ctr" rotWithShape="0">
                     <a:schemeClr val="bg2"/>
@@ -7336,7 +7323,7 @@
           <a:blip r:embed="rId2" cstate="print">
             <a:extLst>
               <a:ext uri="{28A0092B-C50C-407E-A947-70E740481C1C}">
-                <a14:useLocalDpi xmlns:a14="http://schemas.microsoft.com/office/drawing/2010/main" xmlns="" val="0"/>
+                <a14:useLocalDpi xmlns="" xmlns:a14="http://schemas.microsoft.com/office/drawing/2010/main" val="0"/>
               </a:ext>
             </a:extLst>
           </a:blip>
@@ -7360,14 +7347,14 @@
           <a:effectLst/>
           <a:extLst>
             <a:ext uri="{909E8E84-426E-40DD-AFC4-6F175D3DCCD1}">
-              <a14:hiddenFill xmlns:a14="http://schemas.microsoft.com/office/drawing/2010/main" xmlns="">
+              <a14:hiddenFill xmlns="" xmlns:a14="http://schemas.microsoft.com/office/drawing/2010/main">
                 <a:solidFill>
                   <a:schemeClr val="accent1"/>
                 </a:solidFill>
               </a14:hiddenFill>
             </a:ext>
             <a:ext uri="{91240B29-F687-4F45-9708-019B960494DF}">
-              <a14:hiddenLine xmlns:a14="http://schemas.microsoft.com/office/drawing/2010/main" xmlns="" w="9525">
+              <a14:hiddenLine xmlns="" xmlns:a14="http://schemas.microsoft.com/office/drawing/2010/main" w="9525">
                 <a:solidFill>
                   <a:schemeClr val="tx1"/>
                 </a:solidFill>
@@ -7377,7 +7364,7 @@
               </a14:hiddenLine>
             </a:ext>
             <a:ext uri="{AF507438-7753-43E0-B8FC-AC1667EBCBE1}">
-              <a14:hiddenEffects xmlns:a14="http://schemas.microsoft.com/office/drawing/2010/main" xmlns="">
+              <a14:hiddenEffects xmlns="" xmlns:a14="http://schemas.microsoft.com/office/drawing/2010/main">
                 <a:effectLst>
                   <a:outerShdw dist="35921" dir="2700000" algn="ctr" rotWithShape="0">
                     <a:schemeClr val="bg2"/>
@@ -7448,7 +7435,7 @@
     </p:spTree>
     <p:extLst>
       <p:ext uri="{BB962C8B-B14F-4D97-AF65-F5344CB8AC3E}">
-        <p14:creationId xmlns:p14="http://schemas.microsoft.com/office/powerpoint/2010/main" xmlns="" val="920857711"/>
+        <p14:creationId xmlns="" xmlns:p14="http://schemas.microsoft.com/office/powerpoint/2010/main" val="920857711"/>
       </p:ext>
     </p:extLst>
   </p:cSld>
@@ -7956,7 +7943,7 @@
           <a:blip r:embed="rId2" cstate="print">
             <a:extLst>
               <a:ext uri="{28A0092B-C50C-407E-A947-70E740481C1C}">
-                <a14:useLocalDpi xmlns:a14="http://schemas.microsoft.com/office/drawing/2010/main" xmlns="" val="0"/>
+                <a14:useLocalDpi xmlns="" xmlns:a14="http://schemas.microsoft.com/office/drawing/2010/main" val="0"/>
               </a:ext>
             </a:extLst>
           </a:blip>
@@ -7980,14 +7967,14 @@
           <a:effectLst/>
           <a:extLst>
             <a:ext uri="{909E8E84-426E-40DD-AFC4-6F175D3DCCD1}">
-              <a14:hiddenFill xmlns:a14="http://schemas.microsoft.com/office/drawing/2010/main" xmlns="">
+              <a14:hiddenFill xmlns="" xmlns:a14="http://schemas.microsoft.com/office/drawing/2010/main">
                 <a:solidFill>
                   <a:schemeClr val="accent1"/>
                 </a:solidFill>
               </a14:hiddenFill>
             </a:ext>
             <a:ext uri="{91240B29-F687-4F45-9708-019B960494DF}">
-              <a14:hiddenLine xmlns:a14="http://schemas.microsoft.com/office/drawing/2010/main" xmlns="" w="9525">
+              <a14:hiddenLine xmlns="" xmlns:a14="http://schemas.microsoft.com/office/drawing/2010/main" w="9525">
                 <a:solidFill>
                   <a:schemeClr val="tx1"/>
                 </a:solidFill>
@@ -7997,7 +7984,7 @@
               </a14:hiddenLine>
             </a:ext>
             <a:ext uri="{AF507438-7753-43E0-B8FC-AC1667EBCBE1}">
-              <a14:hiddenEffects xmlns:a14="http://schemas.microsoft.com/office/drawing/2010/main" xmlns="">
+              <a14:hiddenEffects xmlns="" xmlns:a14="http://schemas.microsoft.com/office/drawing/2010/main">
                 <a:effectLst>
                   <a:outerShdw dist="35921" dir="2700000" algn="ctr" rotWithShape="0">
                     <a:schemeClr val="bg2"/>
@@ -8085,7 +8072,7 @@
     </p:spTree>
     <p:extLst>
       <p:ext uri="{BB962C8B-B14F-4D97-AF65-F5344CB8AC3E}">
-        <p14:creationId xmlns:p14="http://schemas.microsoft.com/office/powerpoint/2010/main" xmlns="" val="635753240"/>
+        <p14:creationId xmlns="" xmlns:p14="http://schemas.microsoft.com/office/powerpoint/2010/main" val="635753240"/>
       </p:ext>
     </p:extLst>
   </p:cSld>
@@ -8197,7 +8184,7 @@
           <a:blip r:embed="rId3" cstate="print">
             <a:extLst>
               <a:ext uri="{28A0092B-C50C-407E-A947-70E740481C1C}">
-                <a14:useLocalDpi xmlns:a14="http://schemas.microsoft.com/office/drawing/2010/main" xmlns="" val="0"/>
+                <a14:useLocalDpi xmlns="" xmlns:a14="http://schemas.microsoft.com/office/drawing/2010/main" val="0"/>
               </a:ext>
             </a:extLst>
           </a:blip>
@@ -8221,14 +8208,14 @@
           <a:effectLst/>
           <a:extLst>
             <a:ext uri="{909E8E84-426E-40DD-AFC4-6F175D3DCCD1}">
-              <a14:hiddenFill xmlns:a14="http://schemas.microsoft.com/office/drawing/2010/main" xmlns="">
+              <a14:hiddenFill xmlns="" xmlns:a14="http://schemas.microsoft.com/office/drawing/2010/main">
                 <a:solidFill>
                   <a:schemeClr val="accent1"/>
                 </a:solidFill>
               </a14:hiddenFill>
             </a:ext>
             <a:ext uri="{91240B29-F687-4F45-9708-019B960494DF}">
-              <a14:hiddenLine xmlns:a14="http://schemas.microsoft.com/office/drawing/2010/main" xmlns="" w="9525">
+              <a14:hiddenLine xmlns="" xmlns:a14="http://schemas.microsoft.com/office/drawing/2010/main" w="9525">
                 <a:solidFill>
                   <a:schemeClr val="tx1"/>
                 </a:solidFill>
@@ -8238,7 +8225,7 @@
               </a14:hiddenLine>
             </a:ext>
             <a:ext uri="{AF507438-7753-43E0-B8FC-AC1667EBCBE1}">
-              <a14:hiddenEffects xmlns:a14="http://schemas.microsoft.com/office/drawing/2010/main" xmlns="">
+              <a14:hiddenEffects xmlns="" xmlns:a14="http://schemas.microsoft.com/office/drawing/2010/main">
                 <a:effectLst>
                   <a:outerShdw dist="35921" dir="2700000" algn="ctr" rotWithShape="0">
                     <a:schemeClr val="bg2"/>
@@ -9097,7 +9084,7 @@
     </p:spTree>
     <p:extLst>
       <p:ext uri="{BB962C8B-B14F-4D97-AF65-F5344CB8AC3E}">
-        <p14:creationId xmlns:p14="http://schemas.microsoft.com/office/powerpoint/2010/main" xmlns="" val="1297011577"/>
+        <p14:creationId xmlns="" xmlns:p14="http://schemas.microsoft.com/office/powerpoint/2010/main" val="1297011577"/>
       </p:ext>
     </p:extLst>
   </p:cSld>
@@ -9908,7 +9895,7 @@
     </p:spTree>
     <p:extLst>
       <p:ext uri="{BB962C8B-B14F-4D97-AF65-F5344CB8AC3E}">
-        <p14:creationId xmlns:p14="http://schemas.microsoft.com/office/powerpoint/2010/main" xmlns="" val="3925425045"/>
+        <p14:creationId xmlns="" xmlns:p14="http://schemas.microsoft.com/office/powerpoint/2010/main" val="3925425045"/>
       </p:ext>
     </p:extLst>
   </p:cSld>
@@ -10134,7 +10121,7 @@
           <a:blip r:embed="rId2" cstate="print">
             <a:extLst>
               <a:ext uri="{28A0092B-C50C-407E-A947-70E740481C1C}">
-                <a14:useLocalDpi xmlns:a14="http://schemas.microsoft.com/office/drawing/2010/main" xmlns="" val="0"/>
+                <a14:useLocalDpi xmlns="" xmlns:a14="http://schemas.microsoft.com/office/drawing/2010/main" val="0"/>
               </a:ext>
             </a:extLst>
           </a:blip>
@@ -10227,7 +10214,7 @@
           <a:blip r:embed="rId3" cstate="print">
             <a:extLst>
               <a:ext uri="{28A0092B-C50C-407E-A947-70E740481C1C}">
-                <a14:useLocalDpi xmlns:a14="http://schemas.microsoft.com/office/drawing/2010/main" xmlns="" val="0"/>
+                <a14:useLocalDpi xmlns="" xmlns:a14="http://schemas.microsoft.com/office/drawing/2010/main" val="0"/>
               </a:ext>
             </a:extLst>
           </a:blip>
@@ -10248,7 +10235,7 @@
     </p:spTree>
     <p:extLst>
       <p:ext uri="{BB962C8B-B14F-4D97-AF65-F5344CB8AC3E}">
-        <p14:creationId xmlns:p14="http://schemas.microsoft.com/office/powerpoint/2010/main" xmlns="" val="2797135597"/>
+        <p14:creationId xmlns="" xmlns:p14="http://schemas.microsoft.com/office/powerpoint/2010/main" val="2797135597"/>
       </p:ext>
     </p:extLst>
   </p:cSld>
@@ -11059,7 +11046,7 @@
     </p:spTree>
     <p:extLst>
       <p:ext uri="{BB962C8B-B14F-4D97-AF65-F5344CB8AC3E}">
-        <p14:creationId xmlns:p14="http://schemas.microsoft.com/office/powerpoint/2010/main" xmlns="" val="3352509565"/>
+        <p14:creationId xmlns="" xmlns:p14="http://schemas.microsoft.com/office/powerpoint/2010/main" val="3352509565"/>
       </p:ext>
     </p:extLst>
   </p:cSld>
@@ -11422,7 +11409,7 @@
     </p:spTree>
     <p:extLst>
       <p:ext uri="{BB962C8B-B14F-4D97-AF65-F5344CB8AC3E}">
-        <p14:creationId xmlns:p14="http://schemas.microsoft.com/office/powerpoint/2010/main" xmlns="" val="2222945292"/>
+        <p14:creationId xmlns="" xmlns:p14="http://schemas.microsoft.com/office/powerpoint/2010/main" val="2222945292"/>
       </p:ext>
     </p:extLst>
   </p:cSld>
@@ -11957,7 +11944,7 @@
     </p:spTree>
     <p:extLst>
       <p:ext uri="{BB962C8B-B14F-4D97-AF65-F5344CB8AC3E}">
-        <p14:creationId xmlns:p14="http://schemas.microsoft.com/office/powerpoint/2010/main" xmlns="" val="2222945292"/>
+        <p14:creationId xmlns="" xmlns:p14="http://schemas.microsoft.com/office/powerpoint/2010/main" val="2222945292"/>
       </p:ext>
     </p:extLst>
   </p:cSld>
@@ -12247,7 +12234,7 @@
     </p:spTree>
     <p:extLst>
       <p:ext uri="{BB962C8B-B14F-4D97-AF65-F5344CB8AC3E}">
-        <p14:creationId xmlns:p14="http://schemas.microsoft.com/office/powerpoint/2010/main" xmlns="" val="2222945292"/>
+        <p14:creationId xmlns="" xmlns:p14="http://schemas.microsoft.com/office/powerpoint/2010/main" val="2222945292"/>
       </p:ext>
     </p:extLst>
   </p:cSld>
@@ -12408,7 +12395,7 @@
           <a:blip r:embed="rId2" cstate="print">
             <a:extLst>
               <a:ext uri="{28A0092B-C50C-407E-A947-70E740481C1C}">
-                <a14:useLocalDpi xmlns:a14="http://schemas.microsoft.com/office/drawing/2010/main" xmlns="" val="0"/>
+                <a14:useLocalDpi xmlns="" xmlns:a14="http://schemas.microsoft.com/office/drawing/2010/main" val="0"/>
               </a:ext>
             </a:extLst>
           </a:blip>
@@ -12458,7 +12445,7 @@
     </p:spTree>
     <p:extLst>
       <p:ext uri="{BB962C8B-B14F-4D97-AF65-F5344CB8AC3E}">
-        <p14:creationId xmlns:p14="http://schemas.microsoft.com/office/powerpoint/2010/main" xmlns="" val="2222945292"/>
+        <p14:creationId xmlns="" xmlns:p14="http://schemas.microsoft.com/office/powerpoint/2010/main" val="2222945292"/>
       </p:ext>
     </p:extLst>
   </p:cSld>
@@ -12690,7 +12677,7 @@
     </p:spTree>
     <p:extLst>
       <p:ext uri="{BB962C8B-B14F-4D97-AF65-F5344CB8AC3E}">
-        <p14:creationId xmlns:p14="http://schemas.microsoft.com/office/powerpoint/2010/main" xmlns="" val="2222945292"/>
+        <p14:creationId xmlns="" xmlns:p14="http://schemas.microsoft.com/office/powerpoint/2010/main" val="2222945292"/>
       </p:ext>
     </p:extLst>
   </p:cSld>
@@ -13501,7 +13488,7 @@
     </p:spTree>
     <p:extLst>
       <p:ext uri="{BB962C8B-B14F-4D97-AF65-F5344CB8AC3E}">
-        <p14:creationId xmlns:p14="http://schemas.microsoft.com/office/powerpoint/2010/main" xmlns="" val="118173244"/>
+        <p14:creationId xmlns="" xmlns:p14="http://schemas.microsoft.com/office/powerpoint/2010/main" val="118173244"/>
       </p:ext>
     </p:extLst>
   </p:cSld>
@@ -13842,7 +13829,7 @@
     </p:spTree>
     <p:extLst>
       <p:ext uri="{BB962C8B-B14F-4D97-AF65-F5344CB8AC3E}">
-        <p14:creationId xmlns:p14="http://schemas.microsoft.com/office/powerpoint/2010/main" xmlns="" val="4175840664"/>
+        <p14:creationId xmlns="" xmlns:p14="http://schemas.microsoft.com/office/powerpoint/2010/main" val="4175840664"/>
       </p:ext>
     </p:extLst>
   </p:cSld>
@@ -14040,7 +14027,7 @@
     </p:spTree>
     <p:extLst>
       <p:ext uri="{BB962C8B-B14F-4D97-AF65-F5344CB8AC3E}">
-        <p14:creationId xmlns:p14="http://schemas.microsoft.com/office/powerpoint/2010/main" xmlns="" val="1297011577"/>
+        <p14:creationId xmlns="" xmlns:p14="http://schemas.microsoft.com/office/powerpoint/2010/main" val="1297011577"/>
       </p:ext>
     </p:extLst>
   </p:cSld>
@@ -14238,7 +14225,7 @@
     </p:spTree>
     <p:extLst>
       <p:ext uri="{BB962C8B-B14F-4D97-AF65-F5344CB8AC3E}">
-        <p14:creationId xmlns:p14="http://schemas.microsoft.com/office/powerpoint/2010/main" xmlns="" val="3182484930"/>
+        <p14:creationId xmlns="" xmlns:p14="http://schemas.microsoft.com/office/powerpoint/2010/main" val="3182484930"/>
       </p:ext>
     </p:extLst>
   </p:cSld>
@@ -14313,66 +14300,6 @@
       </p:sp>
       <p:sp>
         <p:nvSpPr>
-          <p:cNvPr id="3" name="Content Placeholder 2"/>
-          <p:cNvSpPr>
-            <a:spLocks noGrp="1"/>
-          </p:cNvSpPr>
-          <p:nvPr>
-            <p:ph idx="1"/>
-          </p:nvPr>
-        </p:nvSpPr>
-        <p:spPr>
-          <a:xfrm>
-            <a:off x="457200" y="1935480"/>
-            <a:ext cx="8229600" cy="655320"/>
-          </a:xfrm>
-        </p:spPr>
-        <p:txBody>
-          <a:bodyPr/>
-          <a:lstStyle/>
-          <a:p>
-            <a:r>
-              <a:rPr lang="en-US" dirty="0" err="1" smtClean="0"/>
-              <a:t>Hướng</a:t>
-            </a:r>
-            <a:r>
-              <a:rPr lang="en-US" dirty="0" smtClean="0"/>
-              <a:t> </a:t>
-            </a:r>
-            <a:r>
-              <a:rPr lang="en-US" dirty="0" err="1" smtClean="0"/>
-              <a:t>tiếp</a:t>
-            </a:r>
-            <a:r>
-              <a:rPr lang="en-US" dirty="0" smtClean="0"/>
-              <a:t> </a:t>
-            </a:r>
-            <a:r>
-              <a:rPr lang="en-US" dirty="0" err="1" smtClean="0"/>
-              <a:t>cận</a:t>
-            </a:r>
-            <a:r>
-              <a:rPr lang="en-US" dirty="0" smtClean="0"/>
-              <a:t> </a:t>
-            </a:r>
-            <a:r>
-              <a:rPr lang="en-US" dirty="0" err="1" smtClean="0"/>
-              <a:t>của</a:t>
-            </a:r>
-            <a:r>
-              <a:rPr lang="en-US" dirty="0" smtClean="0"/>
-              <a:t> </a:t>
-            </a:r>
-            <a:r>
-              <a:rPr lang="en-US" dirty="0" err="1" smtClean="0"/>
-              <a:t>nhóm</a:t>
-            </a:r>
-            <a:endParaRPr lang="en-US" dirty="0"/>
-          </a:p>
-        </p:txBody>
-      </p:sp>
-      <p:sp>
-        <p:nvSpPr>
           <p:cNvPr id="4" name="Slide Number Placeholder 3"/>
           <p:cNvSpPr>
             <a:spLocks noGrp="1"/>
@@ -14395,10 +14322,950 @@
           </a:p>
         </p:txBody>
       </p:sp>
+      <p:sp>
+        <p:nvSpPr>
+          <p:cNvPr id="5" name="Content Placeholder 4"/>
+          <p:cNvSpPr>
+            <a:spLocks noGrp="1"/>
+          </p:cNvSpPr>
+          <p:nvPr>
+            <p:ph idx="1"/>
+          </p:nvPr>
+        </p:nvSpPr>
+        <p:spPr/>
+        <p:txBody>
+          <a:bodyPr/>
+          <a:lstStyle/>
+          <a:p>
+            <a:endParaRPr lang="en-US"/>
+          </a:p>
+        </p:txBody>
+      </p:sp>
+      <p:sp>
+        <p:nvSpPr>
+          <p:cNvPr id="6159" name="Rectangle 15"/>
+          <p:cNvSpPr>
+            <a:spLocks noChangeArrowheads="1"/>
+          </p:cNvSpPr>
+          <p:nvPr/>
+        </p:nvSpPr>
+        <p:spPr bwMode="auto">
+          <a:xfrm>
+            <a:off x="0" y="0"/>
+            <a:ext cx="9144000" cy="0"/>
+          </a:xfrm>
+          <a:prstGeom prst="rect">
+            <a:avLst/>
+          </a:prstGeom>
+          <a:noFill/>
+          <a:ln w="9525">
+            <a:noFill/>
+            <a:miter lim="800000"/>
+            <a:headEnd/>
+            <a:tailEnd/>
+          </a:ln>
+          <a:effectLst/>
+        </p:spPr>
+        <p:txBody>
+          <a:bodyPr vert="horz" wrap="none" lIns="91440" tIns="45720" rIns="91440" bIns="45720" numCol="1" anchor="ctr" anchorCtr="0" compatLnSpc="1">
+            <a:prstTxWarp prst="textNoShape">
+              <a:avLst/>
+            </a:prstTxWarp>
+            <a:spAutoFit/>
+          </a:bodyPr>
+          <a:lstStyle/>
+          <a:p>
+            <a:endParaRPr lang="en-US"/>
+          </a:p>
+        </p:txBody>
+      </p:sp>
+      <p:grpSp>
+        <p:nvGrpSpPr>
+          <p:cNvPr id="6145" name="Canvas 7"/>
+          <p:cNvGrpSpPr>
+            <a:grpSpLocks/>
+          </p:cNvGrpSpPr>
+          <p:nvPr/>
+        </p:nvGrpSpPr>
+        <p:grpSpPr bwMode="auto">
+          <a:xfrm>
+            <a:off x="381000" y="1905000"/>
+            <a:ext cx="8077271" cy="4724400"/>
+            <a:chOff x="0" y="0"/>
+            <a:chExt cx="55387" cy="32004"/>
+          </a:xfrm>
+        </p:grpSpPr>
+        <p:sp>
+          <p:nvSpPr>
+            <p:cNvPr id="6158" name="AutoShape 14"/>
+            <p:cNvSpPr>
+              <a:spLocks noChangeAspect="1" noChangeArrowheads="1"/>
+            </p:cNvSpPr>
+            <p:nvPr/>
+          </p:nvSpPr>
+          <p:spPr bwMode="auto">
+            <a:xfrm>
+              <a:off x="0" y="0"/>
+              <a:ext cx="54864" cy="32004"/>
+            </a:xfrm>
+            <a:prstGeom prst="rect">
+              <a:avLst/>
+            </a:prstGeom>
+            <a:noFill/>
+          </p:spPr>
+          <p:txBody>
+            <a:bodyPr vert="horz" wrap="square" lIns="91440" tIns="45720" rIns="91440" bIns="45720" numCol="1" anchor="t" anchorCtr="0" compatLnSpc="1">
+              <a:prstTxWarp prst="textNoShape">
+                <a:avLst/>
+              </a:prstTxWarp>
+            </a:bodyPr>
+            <a:lstStyle/>
+            <a:p>
+              <a:endParaRPr lang="en-US"/>
+            </a:p>
+          </p:txBody>
+        </p:sp>
+        <p:sp>
+          <p:nvSpPr>
+            <p:cNvPr id="10" name="Rectangle 10"/>
+            <p:cNvSpPr>
+              <a:spLocks noChangeArrowheads="1"/>
+            </p:cNvSpPr>
+            <p:nvPr/>
+          </p:nvSpPr>
+          <p:spPr bwMode="auto">
+            <a:xfrm>
+              <a:off x="15958" y="1134"/>
+              <a:ext cx="19410" cy="28726"/>
+            </a:xfrm>
+            <a:prstGeom prst="rect">
+              <a:avLst/>
+            </a:prstGeom>
+            <a:solidFill>
+              <a:srgbClr val="FFFFFF"/>
+            </a:solidFill>
+            <a:ln w="25400">
+              <a:solidFill>
+                <a:srgbClr val="0000FF"/>
+              </a:solidFill>
+              <a:prstDash val="dash"/>
+              <a:miter lim="800000"/>
+              <a:headEnd/>
+              <a:tailEnd/>
+            </a:ln>
+          </p:spPr>
+          <p:txBody>
+            <a:bodyPr vert="horz" wrap="square" lIns="91440" tIns="45720" rIns="91440" bIns="45720" numCol="1" anchor="t" anchorCtr="0" compatLnSpc="1">
+              <a:prstTxWarp prst="textNoShape">
+                <a:avLst/>
+              </a:prstTxWarp>
+            </a:bodyPr>
+            <a:lstStyle/>
+            <a:p>
+              <a:pPr marL="0" marR="0" lvl="0" indent="0" algn="ctr" defTabSz="914400" rtl="0" eaLnBrk="1" fontAlgn="base" latinLnBrk="0" hangingPunct="1">
+                <a:lnSpc>
+                  <a:spcPct val="100000"/>
+                </a:lnSpc>
+                <a:spcBef>
+                  <a:spcPct val="0"/>
+                </a:spcBef>
+                <a:spcAft>
+                  <a:spcPct val="0"/>
+                </a:spcAft>
+                <a:buClrTx/>
+                <a:buSzTx/>
+                <a:buFontTx/>
+                <a:buNone/>
+                <a:tabLst/>
+              </a:pPr>
+              <a:r>
+                <a:rPr kumimoji="0" lang="vi-VN" sz="2000" b="0" i="0" u="none" strike="noStrike" cap="none" normalizeH="0" baseline="0" smtClean="0">
+                  <a:ln>
+                    <a:noFill/>
+                  </a:ln>
+                  <a:solidFill>
+                    <a:srgbClr val="FF0000"/>
+                  </a:solidFill>
+                  <a:effectLst/>
+                  <a:latin typeface="Arial" pitchFamily="34" charset="0"/>
+                  <a:ea typeface="Times New Roman" pitchFamily="18" charset="0"/>
+                  <a:cs typeface="Times New Roman" pitchFamily="18" charset="0"/>
+                </a:rPr>
+                <a:t>Tiền xử lý</a:t>
+              </a:r>
+              <a:endParaRPr kumimoji="0" lang="vi-VN" sz="2000" b="0" i="0" u="none" strike="noStrike" cap="none" normalizeH="0" baseline="0" smtClean="0">
+                <a:ln>
+                  <a:noFill/>
+                </a:ln>
+                <a:solidFill>
+                  <a:schemeClr val="tx1"/>
+                </a:solidFill>
+                <a:effectLst/>
+                <a:latin typeface="Arial" pitchFamily="34" charset="0"/>
+              </a:endParaRPr>
+            </a:p>
+          </p:txBody>
+        </p:sp>
+        <p:sp>
+          <p:nvSpPr>
+            <p:cNvPr id="9" name="Rounded Rectangle 9"/>
+            <p:cNvSpPr>
+              <a:spLocks noChangeArrowheads="1"/>
+            </p:cNvSpPr>
+            <p:nvPr/>
+          </p:nvSpPr>
+          <p:spPr bwMode="auto">
+            <a:xfrm>
+              <a:off x="2329" y="5526"/>
+              <a:ext cx="10610" cy="3968"/>
+            </a:xfrm>
+            <a:prstGeom prst="roundRect">
+              <a:avLst>
+                <a:gd name="adj" fmla="val 16667"/>
+              </a:avLst>
+            </a:prstGeom>
+            <a:solidFill>
+              <a:srgbClr val="FFFFFF"/>
+            </a:solidFill>
+            <a:ln w="25400">
+              <a:solidFill>
+                <a:srgbClr val="4F81BD"/>
+              </a:solidFill>
+              <a:round/>
+              <a:headEnd/>
+              <a:tailEnd/>
+            </a:ln>
+          </p:spPr>
+          <p:txBody>
+            <a:bodyPr vert="horz" wrap="square" lIns="91440" tIns="45720" rIns="91440" bIns="45720" numCol="1" anchor="ctr" anchorCtr="0" compatLnSpc="1">
+              <a:prstTxWarp prst="textNoShape">
+                <a:avLst/>
+              </a:prstTxWarp>
+            </a:bodyPr>
+            <a:lstStyle/>
+            <a:p>
+              <a:pPr marL="0" marR="0" lvl="0" indent="0" algn="ctr" defTabSz="914400" rtl="0" eaLnBrk="1" fontAlgn="base" latinLnBrk="0" hangingPunct="1">
+                <a:lnSpc>
+                  <a:spcPct val="100000"/>
+                </a:lnSpc>
+                <a:spcBef>
+                  <a:spcPct val="0"/>
+                </a:spcBef>
+                <a:spcAft>
+                  <a:spcPct val="0"/>
+                </a:spcAft>
+                <a:buClrTx/>
+                <a:buSzTx/>
+                <a:buFontTx/>
+                <a:buNone/>
+                <a:tabLst/>
+              </a:pPr>
+              <a:r>
+                <a:rPr kumimoji="0" lang="vi-VN" sz="2000" b="0" i="0" u="none" strike="noStrike" cap="none" normalizeH="0" baseline="0" smtClean="0">
+                  <a:ln>
+                    <a:noFill/>
+                  </a:ln>
+                  <a:solidFill>
+                    <a:schemeClr val="tx1"/>
+                  </a:solidFill>
+                  <a:effectLst/>
+                  <a:latin typeface="Arial" pitchFamily="34" charset="0"/>
+                  <a:ea typeface="Times New Roman" pitchFamily="18" charset="0"/>
+                  <a:cs typeface="Times New Roman" pitchFamily="18" charset="0"/>
+                </a:rPr>
+                <a:t>Thu thập</a:t>
+              </a:r>
+              <a:endParaRPr kumimoji="0" lang="vi-VN" sz="2000" b="0" i="0" u="none" strike="noStrike" cap="none" normalizeH="0" baseline="0" smtClean="0">
+                <a:ln>
+                  <a:noFill/>
+                </a:ln>
+                <a:solidFill>
+                  <a:schemeClr val="tx1"/>
+                </a:solidFill>
+                <a:effectLst/>
+                <a:latin typeface="Arial" pitchFamily="34" charset="0"/>
+              </a:endParaRPr>
+            </a:p>
+          </p:txBody>
+        </p:sp>
+        <p:sp>
+          <p:nvSpPr>
+            <p:cNvPr id="42" name="Rounded Rectangle 42"/>
+            <p:cNvSpPr>
+              <a:spLocks noChangeArrowheads="1"/>
+            </p:cNvSpPr>
+            <p:nvPr/>
+          </p:nvSpPr>
+          <p:spPr bwMode="auto">
+            <a:xfrm>
+              <a:off x="19570" y="5526"/>
+              <a:ext cx="12261" cy="3962"/>
+            </a:xfrm>
+            <a:prstGeom prst="roundRect">
+              <a:avLst>
+                <a:gd name="adj" fmla="val 16667"/>
+              </a:avLst>
+            </a:prstGeom>
+            <a:solidFill>
+              <a:srgbClr val="FFFFFF"/>
+            </a:solidFill>
+            <a:ln w="25400">
+              <a:solidFill>
+                <a:srgbClr val="4F81BD"/>
+              </a:solidFill>
+              <a:round/>
+              <a:headEnd/>
+              <a:tailEnd/>
+            </a:ln>
+          </p:spPr>
+          <p:txBody>
+            <a:bodyPr vert="horz" wrap="square" lIns="91440" tIns="45720" rIns="91440" bIns="45720" numCol="1" anchor="ctr" anchorCtr="0" compatLnSpc="1">
+              <a:prstTxWarp prst="textNoShape">
+                <a:avLst/>
+              </a:prstTxWarp>
+            </a:bodyPr>
+            <a:lstStyle/>
+            <a:p>
+              <a:pPr marL="0" marR="0" lvl="0" indent="0" algn="ctr" defTabSz="914400" rtl="0" eaLnBrk="1" fontAlgn="base" latinLnBrk="0" hangingPunct="1">
+                <a:lnSpc>
+                  <a:spcPct val="100000"/>
+                </a:lnSpc>
+                <a:spcBef>
+                  <a:spcPct val="0"/>
+                </a:spcBef>
+                <a:spcAft>
+                  <a:spcPct val="0"/>
+                </a:spcAft>
+                <a:buClrTx/>
+                <a:buSzTx/>
+                <a:buFontTx/>
+                <a:buNone/>
+                <a:tabLst/>
+              </a:pPr>
+              <a:r>
+                <a:rPr kumimoji="0" lang="en-US" sz="2000" b="0" i="0" u="none" strike="noStrike" cap="none" normalizeH="0" baseline="0" smtClean="0">
+                  <a:ln>
+                    <a:noFill/>
+                  </a:ln>
+                  <a:solidFill>
+                    <a:schemeClr val="tx1"/>
+                  </a:solidFill>
+                  <a:effectLst/>
+                  <a:latin typeface="Arial" pitchFamily="34" charset="0"/>
+                  <a:ea typeface="Arial" pitchFamily="34" charset="0"/>
+                </a:rPr>
+                <a:t>Loại bỏ nền</a:t>
+              </a:r>
+              <a:endParaRPr kumimoji="0" lang="en-US" sz="2000" b="0" i="0" u="none" strike="noStrike" cap="none" normalizeH="0" baseline="0" smtClean="0">
+                <a:ln>
+                  <a:noFill/>
+                </a:ln>
+                <a:solidFill>
+                  <a:schemeClr val="tx1"/>
+                </a:solidFill>
+                <a:effectLst/>
+                <a:latin typeface="Arial" pitchFamily="34" charset="0"/>
+              </a:endParaRPr>
+            </a:p>
+          </p:txBody>
+        </p:sp>
+        <p:sp>
+          <p:nvSpPr>
+            <p:cNvPr id="44" name="Rounded Rectangle 44"/>
+            <p:cNvSpPr>
+              <a:spLocks noChangeArrowheads="1"/>
+            </p:cNvSpPr>
+            <p:nvPr/>
+          </p:nvSpPr>
+          <p:spPr bwMode="auto">
+            <a:xfrm>
+              <a:off x="19570" y="14308"/>
+              <a:ext cx="12255" cy="3962"/>
+            </a:xfrm>
+            <a:prstGeom prst="roundRect">
+              <a:avLst>
+                <a:gd name="adj" fmla="val 16667"/>
+              </a:avLst>
+            </a:prstGeom>
+            <a:solidFill>
+              <a:srgbClr val="FFFFFF"/>
+            </a:solidFill>
+            <a:ln w="25400">
+              <a:solidFill>
+                <a:srgbClr val="4F81BD"/>
+              </a:solidFill>
+              <a:round/>
+              <a:headEnd/>
+              <a:tailEnd/>
+            </a:ln>
+          </p:spPr>
+          <p:txBody>
+            <a:bodyPr vert="horz" wrap="square" lIns="91440" tIns="45720" rIns="91440" bIns="45720" numCol="1" anchor="ctr" anchorCtr="0" compatLnSpc="1">
+              <a:prstTxWarp prst="textNoShape">
+                <a:avLst/>
+              </a:prstTxWarp>
+            </a:bodyPr>
+            <a:lstStyle/>
+            <a:p>
+              <a:pPr marL="0" marR="0" lvl="0" indent="0" algn="ctr" defTabSz="914400" rtl="0" eaLnBrk="1" fontAlgn="base" latinLnBrk="0" hangingPunct="1">
+                <a:lnSpc>
+                  <a:spcPct val="100000"/>
+                </a:lnSpc>
+                <a:spcBef>
+                  <a:spcPct val="0"/>
+                </a:spcBef>
+                <a:spcAft>
+                  <a:spcPct val="0"/>
+                </a:spcAft>
+                <a:buClrTx/>
+                <a:buSzTx/>
+                <a:buFontTx/>
+                <a:buNone/>
+                <a:tabLst/>
+              </a:pPr>
+              <a:r>
+                <a:rPr kumimoji="0" lang="en-US" sz="2000" b="0" i="0" u="none" strike="noStrike" cap="none" normalizeH="0" baseline="0" smtClean="0">
+                  <a:ln>
+                    <a:noFill/>
+                  </a:ln>
+                  <a:solidFill>
+                    <a:schemeClr val="tx1"/>
+                  </a:solidFill>
+                  <a:effectLst/>
+                  <a:latin typeface="Arial" pitchFamily="34" charset="0"/>
+                  <a:ea typeface="Arial" pitchFamily="34" charset="0"/>
+                </a:rPr>
+                <a:t>Nhị phân hóa</a:t>
+              </a:r>
+              <a:endParaRPr kumimoji="0" lang="en-US" sz="2000" b="0" i="0" u="none" strike="noStrike" cap="none" normalizeH="0" baseline="0" smtClean="0">
+                <a:ln>
+                  <a:noFill/>
+                </a:ln>
+                <a:solidFill>
+                  <a:schemeClr val="tx1"/>
+                </a:solidFill>
+                <a:effectLst/>
+                <a:latin typeface="Arial" pitchFamily="34" charset="0"/>
+              </a:endParaRPr>
+            </a:p>
+          </p:txBody>
+        </p:sp>
+        <p:sp>
+          <p:nvSpPr>
+            <p:cNvPr id="45" name="Rounded Rectangle 45"/>
+            <p:cNvSpPr>
+              <a:spLocks noChangeArrowheads="1"/>
+            </p:cNvSpPr>
+            <p:nvPr/>
+          </p:nvSpPr>
+          <p:spPr bwMode="auto">
+            <a:xfrm>
+              <a:off x="19575" y="23365"/>
+              <a:ext cx="12256" cy="3963"/>
+            </a:xfrm>
+            <a:prstGeom prst="roundRect">
+              <a:avLst>
+                <a:gd name="adj" fmla="val 16667"/>
+              </a:avLst>
+            </a:prstGeom>
+            <a:solidFill>
+              <a:srgbClr val="FFFFFF"/>
+            </a:solidFill>
+            <a:ln w="25400">
+              <a:solidFill>
+                <a:srgbClr val="4F81BD"/>
+              </a:solidFill>
+              <a:round/>
+              <a:headEnd/>
+              <a:tailEnd/>
+            </a:ln>
+          </p:spPr>
+          <p:txBody>
+            <a:bodyPr vert="horz" wrap="square" lIns="91440" tIns="45720" rIns="91440" bIns="45720" numCol="1" anchor="ctr" anchorCtr="0" compatLnSpc="1">
+              <a:prstTxWarp prst="textNoShape">
+                <a:avLst/>
+              </a:prstTxWarp>
+            </a:bodyPr>
+            <a:lstStyle/>
+            <a:p>
+              <a:pPr marL="0" marR="0" lvl="0" indent="0" algn="ctr" defTabSz="914400" rtl="0" eaLnBrk="1" fontAlgn="base" latinLnBrk="0" hangingPunct="1">
+                <a:lnSpc>
+                  <a:spcPct val="100000"/>
+                </a:lnSpc>
+                <a:spcBef>
+                  <a:spcPct val="0"/>
+                </a:spcBef>
+                <a:spcAft>
+                  <a:spcPct val="0"/>
+                </a:spcAft>
+                <a:buClrTx/>
+                <a:buSzTx/>
+                <a:buFontTx/>
+                <a:buNone/>
+                <a:tabLst/>
+              </a:pPr>
+              <a:r>
+                <a:rPr kumimoji="0" lang="en-US" sz="2000" b="0" i="0" u="none" strike="noStrike" cap="none" normalizeH="0" baseline="0" smtClean="0">
+                  <a:ln>
+                    <a:noFill/>
+                  </a:ln>
+                  <a:solidFill>
+                    <a:schemeClr val="tx1"/>
+                  </a:solidFill>
+                  <a:effectLst/>
+                  <a:latin typeface="Arial" pitchFamily="34" charset="0"/>
+                  <a:ea typeface="Arial" pitchFamily="34" charset="0"/>
+                </a:rPr>
+                <a:t>Xác định biên</a:t>
+              </a:r>
+              <a:endParaRPr kumimoji="0" lang="en-US" sz="2000" b="0" i="0" u="none" strike="noStrike" cap="none" normalizeH="0" baseline="0" smtClean="0">
+                <a:ln>
+                  <a:noFill/>
+                </a:ln>
+                <a:solidFill>
+                  <a:schemeClr val="tx1"/>
+                </a:solidFill>
+                <a:effectLst/>
+                <a:latin typeface="Arial" pitchFamily="34" charset="0"/>
+              </a:endParaRPr>
+            </a:p>
+          </p:txBody>
+        </p:sp>
+        <p:sp>
+          <p:nvSpPr>
+            <p:cNvPr id="47" name="Rounded Rectangle 47"/>
+            <p:cNvSpPr>
+              <a:spLocks noChangeArrowheads="1"/>
+            </p:cNvSpPr>
+            <p:nvPr/>
+          </p:nvSpPr>
+          <p:spPr bwMode="auto">
+            <a:xfrm>
+              <a:off x="38721" y="5678"/>
+              <a:ext cx="16666" cy="4130"/>
+            </a:xfrm>
+            <a:prstGeom prst="roundRect">
+              <a:avLst>
+                <a:gd name="adj" fmla="val 16667"/>
+              </a:avLst>
+            </a:prstGeom>
+            <a:solidFill>
+              <a:srgbClr val="FFFFFF"/>
+            </a:solidFill>
+            <a:ln w="25400">
+              <a:solidFill>
+                <a:srgbClr val="4F81BD"/>
+              </a:solidFill>
+              <a:round/>
+              <a:headEnd/>
+              <a:tailEnd/>
+            </a:ln>
+          </p:spPr>
+          <p:txBody>
+            <a:bodyPr vert="horz" wrap="square" lIns="91440" tIns="45720" rIns="91440" bIns="45720" numCol="1" anchor="ctr" anchorCtr="0" compatLnSpc="1">
+              <a:prstTxWarp prst="textNoShape">
+                <a:avLst/>
+              </a:prstTxWarp>
+            </a:bodyPr>
+            <a:lstStyle/>
+            <a:p>
+              <a:pPr marL="0" marR="0" lvl="0" indent="0" algn="ctr" defTabSz="914400" rtl="0" eaLnBrk="1" fontAlgn="base" latinLnBrk="0" hangingPunct="1">
+                <a:lnSpc>
+                  <a:spcPct val="100000"/>
+                </a:lnSpc>
+                <a:spcBef>
+                  <a:spcPct val="0"/>
+                </a:spcBef>
+                <a:spcAft>
+                  <a:spcPct val="0"/>
+                </a:spcAft>
+                <a:buClrTx/>
+                <a:buSzTx/>
+                <a:buFontTx/>
+                <a:buNone/>
+                <a:tabLst/>
+              </a:pPr>
+              <a:r>
+                <a:rPr kumimoji="0" lang="en-US" sz="2000" b="0" i="0" u="none" strike="noStrike" cap="none" normalizeH="0" baseline="0" smtClean="0">
+                  <a:ln>
+                    <a:noFill/>
+                  </a:ln>
+                  <a:solidFill>
+                    <a:schemeClr val="tx1"/>
+                  </a:solidFill>
+                  <a:effectLst/>
+                  <a:latin typeface="Arial" pitchFamily="34" charset="0"/>
+                  <a:ea typeface="Arial" pitchFamily="34" charset="0"/>
+                </a:rPr>
+                <a:t>Xây dựng vector đặc trưng</a:t>
+              </a:r>
+              <a:endParaRPr kumimoji="0" lang="en-US" sz="2000" b="0" i="0" u="none" strike="noStrike" cap="none" normalizeH="0" baseline="0" smtClean="0">
+                <a:ln>
+                  <a:noFill/>
+                </a:ln>
+                <a:solidFill>
+                  <a:schemeClr val="tx1"/>
+                </a:solidFill>
+                <a:effectLst/>
+                <a:latin typeface="Arial" pitchFamily="34" charset="0"/>
+              </a:endParaRPr>
+            </a:p>
+          </p:txBody>
+        </p:sp>
+        <p:sp>
+          <p:nvSpPr>
+            <p:cNvPr id="48" name="Rounded Rectangle 48"/>
+            <p:cNvSpPr>
+              <a:spLocks noChangeArrowheads="1"/>
+            </p:cNvSpPr>
+            <p:nvPr/>
+          </p:nvSpPr>
+          <p:spPr bwMode="auto">
+            <a:xfrm>
+              <a:off x="38725" y="23229"/>
+              <a:ext cx="16662" cy="4130"/>
+            </a:xfrm>
+            <a:prstGeom prst="roundRect">
+              <a:avLst>
+                <a:gd name="adj" fmla="val 16667"/>
+              </a:avLst>
+            </a:prstGeom>
+            <a:solidFill>
+              <a:srgbClr val="FFFFFF"/>
+            </a:solidFill>
+            <a:ln w="25400">
+              <a:solidFill>
+                <a:srgbClr val="4F81BD"/>
+              </a:solidFill>
+              <a:round/>
+              <a:headEnd/>
+              <a:tailEnd/>
+            </a:ln>
+          </p:spPr>
+          <p:txBody>
+            <a:bodyPr vert="horz" wrap="square" lIns="91440" tIns="45720" rIns="91440" bIns="45720" numCol="1" anchor="ctr" anchorCtr="0" compatLnSpc="1">
+              <a:prstTxWarp prst="textNoShape">
+                <a:avLst/>
+              </a:prstTxWarp>
+            </a:bodyPr>
+            <a:lstStyle/>
+            <a:p>
+              <a:pPr marL="0" marR="0" lvl="0" indent="0" algn="ctr" defTabSz="914400" rtl="0" eaLnBrk="1" fontAlgn="base" latinLnBrk="0" hangingPunct="1">
+                <a:lnSpc>
+                  <a:spcPct val="100000"/>
+                </a:lnSpc>
+                <a:spcBef>
+                  <a:spcPct val="0"/>
+                </a:spcBef>
+                <a:spcAft>
+                  <a:spcPct val="0"/>
+                </a:spcAft>
+                <a:buClrTx/>
+                <a:buSzTx/>
+                <a:buFontTx/>
+                <a:buNone/>
+                <a:tabLst/>
+              </a:pPr>
+              <a:r>
+                <a:rPr kumimoji="0" lang="en-US" sz="2000" b="0" i="0" u="none" strike="noStrike" cap="none" normalizeH="0" baseline="0" smtClean="0">
+                  <a:ln>
+                    <a:noFill/>
+                  </a:ln>
+                  <a:solidFill>
+                    <a:schemeClr val="tx1"/>
+                  </a:solidFill>
+                  <a:effectLst/>
+                  <a:latin typeface="Arial" pitchFamily="34" charset="0"/>
+                  <a:ea typeface="Arial" pitchFamily="34" charset="0"/>
+                </a:rPr>
+                <a:t>Rút trích</a:t>
+              </a:r>
+              <a:endParaRPr kumimoji="0" lang="vi-VN" sz="2000" b="0" i="0" u="none" strike="noStrike" cap="none" normalizeH="0" baseline="0" smtClean="0">
+                <a:ln>
+                  <a:noFill/>
+                </a:ln>
+                <a:solidFill>
+                  <a:schemeClr val="tx1"/>
+                </a:solidFill>
+                <a:effectLst/>
+                <a:latin typeface="Arial" pitchFamily="34" charset="0"/>
+                <a:ea typeface="Times New Roman" pitchFamily="18" charset="0"/>
+              </a:endParaRPr>
+            </a:p>
+            <a:p>
+              <a:pPr marL="0" marR="0" lvl="0" indent="0" algn="ctr" defTabSz="914400" rtl="0" eaLnBrk="0" fontAlgn="base" latinLnBrk="0" hangingPunct="0">
+                <a:lnSpc>
+                  <a:spcPct val="100000"/>
+                </a:lnSpc>
+                <a:spcBef>
+                  <a:spcPct val="0"/>
+                </a:spcBef>
+                <a:spcAft>
+                  <a:spcPct val="0"/>
+                </a:spcAft>
+                <a:buClrTx/>
+                <a:buSzTx/>
+                <a:buFontTx/>
+                <a:buNone/>
+                <a:tabLst/>
+              </a:pPr>
+              <a:r>
+                <a:rPr kumimoji="0" lang="en-US" sz="2000" b="0" i="0" u="none" strike="noStrike" cap="none" normalizeH="0" baseline="0" smtClean="0">
+                  <a:ln>
+                    <a:noFill/>
+                  </a:ln>
+                  <a:solidFill>
+                    <a:schemeClr val="tx1"/>
+                  </a:solidFill>
+                  <a:effectLst/>
+                  <a:latin typeface="Arial" pitchFamily="34" charset="0"/>
+                  <a:ea typeface="Arial" pitchFamily="34" charset="0"/>
+                </a:rPr>
+                <a:t> đặc trưng</a:t>
+              </a:r>
+              <a:endParaRPr kumimoji="0" lang="en-US" sz="2000" b="0" i="0" u="none" strike="noStrike" cap="none" normalizeH="0" baseline="0" smtClean="0">
+                <a:ln>
+                  <a:noFill/>
+                </a:ln>
+                <a:solidFill>
+                  <a:schemeClr val="tx1"/>
+                </a:solidFill>
+                <a:effectLst/>
+                <a:latin typeface="Arial" pitchFamily="34" charset="0"/>
+              </a:endParaRPr>
+            </a:p>
+          </p:txBody>
+        </p:sp>
+        <p:sp>
+          <p:nvSpPr>
+            <p:cNvPr id="11" name="Straight Arrow Connector 11"/>
+            <p:cNvSpPr>
+              <a:spLocks noChangeShapeType="1"/>
+            </p:cNvSpPr>
+            <p:nvPr/>
+          </p:nvSpPr>
+          <p:spPr bwMode="auto">
+            <a:xfrm flipV="1">
+              <a:off x="12939" y="7507"/>
+              <a:ext cx="6631" cy="3"/>
+            </a:xfrm>
+            <a:prstGeom prst="straightConnector1">
+              <a:avLst/>
+            </a:prstGeom>
+            <a:noFill/>
+            <a:ln w="38100">
+              <a:solidFill>
+                <a:srgbClr val="4F81BD"/>
+              </a:solidFill>
+              <a:round/>
+              <a:headEnd/>
+              <a:tailEnd type="arrow" w="med" len="med"/>
+            </a:ln>
+            <a:effectLst>
+              <a:outerShdw dist="23000" dir="5400000" rotWithShape="0">
+                <a:srgbClr val="000000">
+                  <a:alpha val="34999"/>
+                </a:srgbClr>
+              </a:outerShdw>
+            </a:effectLst>
+          </p:spPr>
+          <p:txBody>
+            <a:bodyPr vert="horz" wrap="square" lIns="91440" tIns="45720" rIns="91440" bIns="45720" numCol="1" anchor="t" anchorCtr="0" compatLnSpc="1">
+              <a:prstTxWarp prst="textNoShape">
+                <a:avLst/>
+              </a:prstTxWarp>
+            </a:bodyPr>
+            <a:lstStyle/>
+            <a:p>
+              <a:endParaRPr lang="en-US"/>
+            </a:p>
+          </p:txBody>
+        </p:sp>
+        <p:sp>
+          <p:nvSpPr>
+            <p:cNvPr id="12" name="Straight Arrow Connector 12"/>
+            <p:cNvSpPr>
+              <a:spLocks noChangeShapeType="1"/>
+            </p:cNvSpPr>
+            <p:nvPr/>
+          </p:nvSpPr>
+          <p:spPr bwMode="auto">
+            <a:xfrm flipH="1">
+              <a:off x="25698" y="9488"/>
+              <a:ext cx="2" cy="4820"/>
+            </a:xfrm>
+            <a:prstGeom prst="straightConnector1">
+              <a:avLst/>
+            </a:prstGeom>
+            <a:noFill/>
+            <a:ln w="38100">
+              <a:solidFill>
+                <a:srgbClr val="4F81BD"/>
+              </a:solidFill>
+              <a:round/>
+              <a:headEnd/>
+              <a:tailEnd type="arrow" w="med" len="med"/>
+            </a:ln>
+            <a:effectLst>
+              <a:outerShdw dist="23000" dir="5400000" rotWithShape="0">
+                <a:srgbClr val="000000">
+                  <a:alpha val="34999"/>
+                </a:srgbClr>
+              </a:outerShdw>
+            </a:effectLst>
+          </p:spPr>
+          <p:txBody>
+            <a:bodyPr vert="horz" wrap="square" lIns="91440" tIns="45720" rIns="91440" bIns="45720" numCol="1" anchor="t" anchorCtr="0" compatLnSpc="1">
+              <a:prstTxWarp prst="textNoShape">
+                <a:avLst/>
+              </a:prstTxWarp>
+            </a:bodyPr>
+            <a:lstStyle/>
+            <a:p>
+              <a:endParaRPr lang="en-US"/>
+            </a:p>
+          </p:txBody>
+        </p:sp>
+        <p:sp>
+          <p:nvSpPr>
+            <p:cNvPr id="13" name="Straight Arrow Connector 13"/>
+            <p:cNvSpPr>
+              <a:spLocks noChangeShapeType="1"/>
+            </p:cNvSpPr>
+            <p:nvPr/>
+          </p:nvSpPr>
+          <p:spPr bwMode="auto">
+            <a:xfrm>
+              <a:off x="25698" y="18270"/>
+              <a:ext cx="5" cy="5095"/>
+            </a:xfrm>
+            <a:prstGeom prst="straightConnector1">
+              <a:avLst/>
+            </a:prstGeom>
+            <a:noFill/>
+            <a:ln w="38100">
+              <a:solidFill>
+                <a:srgbClr val="4F81BD"/>
+              </a:solidFill>
+              <a:round/>
+              <a:headEnd/>
+              <a:tailEnd type="arrow" w="med" len="med"/>
+            </a:ln>
+            <a:effectLst>
+              <a:outerShdw dist="23000" dir="5400000" rotWithShape="0">
+                <a:srgbClr val="000000">
+                  <a:alpha val="34999"/>
+                </a:srgbClr>
+              </a:outerShdw>
+            </a:effectLst>
+          </p:spPr>
+          <p:txBody>
+            <a:bodyPr vert="horz" wrap="square" lIns="91440" tIns="45720" rIns="91440" bIns="45720" numCol="1" anchor="t" anchorCtr="0" compatLnSpc="1">
+              <a:prstTxWarp prst="textNoShape">
+                <a:avLst/>
+              </a:prstTxWarp>
+            </a:bodyPr>
+            <a:lstStyle/>
+            <a:p>
+              <a:endParaRPr lang="en-US"/>
+            </a:p>
+          </p:txBody>
+        </p:sp>
+        <p:sp>
+          <p:nvSpPr>
+            <p:cNvPr id="14" name="Straight Arrow Connector 14"/>
+            <p:cNvSpPr>
+              <a:spLocks noChangeShapeType="1"/>
+            </p:cNvSpPr>
+            <p:nvPr/>
+          </p:nvSpPr>
+          <p:spPr bwMode="auto">
+            <a:xfrm flipV="1">
+              <a:off x="31831" y="25319"/>
+              <a:ext cx="6894" cy="28"/>
+            </a:xfrm>
+            <a:prstGeom prst="straightConnector1">
+              <a:avLst/>
+            </a:prstGeom>
+            <a:noFill/>
+            <a:ln w="38100">
+              <a:solidFill>
+                <a:srgbClr val="4F81BD"/>
+              </a:solidFill>
+              <a:round/>
+              <a:headEnd/>
+              <a:tailEnd type="arrow" w="med" len="med"/>
+            </a:ln>
+            <a:effectLst>
+              <a:outerShdw dist="23000" dir="5400000" rotWithShape="0">
+                <a:srgbClr val="000000">
+                  <a:alpha val="34999"/>
+                </a:srgbClr>
+              </a:outerShdw>
+            </a:effectLst>
+          </p:spPr>
+          <p:txBody>
+            <a:bodyPr vert="horz" wrap="square" lIns="91440" tIns="45720" rIns="91440" bIns="45720" numCol="1" anchor="t" anchorCtr="0" compatLnSpc="1">
+              <a:prstTxWarp prst="textNoShape">
+                <a:avLst/>
+              </a:prstTxWarp>
+            </a:bodyPr>
+            <a:lstStyle/>
+            <a:p>
+              <a:endParaRPr lang="en-US"/>
+            </a:p>
+          </p:txBody>
+        </p:sp>
+        <p:sp>
+          <p:nvSpPr>
+            <p:cNvPr id="15" name="Straight Arrow Connector 15"/>
+            <p:cNvSpPr>
+              <a:spLocks noChangeShapeType="1"/>
+            </p:cNvSpPr>
+            <p:nvPr/>
+          </p:nvSpPr>
+          <p:spPr bwMode="auto">
+            <a:xfrm flipH="1" flipV="1">
+              <a:off x="47026" y="9808"/>
+              <a:ext cx="2" cy="13421"/>
+            </a:xfrm>
+            <a:prstGeom prst="straightConnector1">
+              <a:avLst/>
+            </a:prstGeom>
+            <a:noFill/>
+            <a:ln w="38100">
+              <a:solidFill>
+                <a:srgbClr val="4F81BD"/>
+              </a:solidFill>
+              <a:round/>
+              <a:headEnd/>
+              <a:tailEnd type="arrow" w="med" len="med"/>
+            </a:ln>
+            <a:effectLst>
+              <a:outerShdw dist="23000" dir="5400000" rotWithShape="0">
+                <a:srgbClr val="000000">
+                  <a:alpha val="34999"/>
+                </a:srgbClr>
+              </a:outerShdw>
+            </a:effectLst>
+          </p:spPr>
+          <p:txBody>
+            <a:bodyPr vert="horz" wrap="square" lIns="91440" tIns="45720" rIns="91440" bIns="45720" numCol="1" anchor="t" anchorCtr="0" compatLnSpc="1">
+              <a:prstTxWarp prst="textNoShape">
+                <a:avLst/>
+              </a:prstTxWarp>
+            </a:bodyPr>
+            <a:lstStyle/>
+            <a:p>
+              <a:endParaRPr lang="en-US"/>
+            </a:p>
+          </p:txBody>
+        </p:sp>
+      </p:grpSp>
     </p:spTree>
     <p:extLst>
       <p:ext uri="{BB962C8B-B14F-4D97-AF65-F5344CB8AC3E}">
-        <p14:creationId xmlns:p14="http://schemas.microsoft.com/office/powerpoint/2010/main" xmlns="" val="1297011577"/>
+        <p14:creationId xmlns="" xmlns:p14="http://schemas.microsoft.com/office/powerpoint/2010/main" val="1297011577"/>
       </p:ext>
     </p:extLst>
   </p:cSld>
@@ -14448,29 +15315,26 @@
           <a:lstStyle/>
           <a:p>
             <a:r>
-              <a:rPr lang="en-US" dirty="0" smtClean="0"/>
-              <a:t>Demo</a:t>
+              <a:rPr lang="en-US" dirty="0" err="1" smtClean="0"/>
+              <a:t>Hướng</a:t>
+            </a:r>
+            <a:r>
+              <a:rPr lang="en-US" dirty="0" smtClean="0"/>
+              <a:t> </a:t>
+            </a:r>
+            <a:r>
+              <a:rPr lang="en-US" dirty="0" err="1" smtClean="0"/>
+              <a:t>tiếp</a:t>
+            </a:r>
+            <a:r>
+              <a:rPr lang="en-US" dirty="0" smtClean="0"/>
+              <a:t> </a:t>
+            </a:r>
+            <a:r>
+              <a:rPr lang="en-US" dirty="0" err="1" smtClean="0"/>
+              <a:t>cận</a:t>
             </a:r>
             <a:endParaRPr lang="en-US" dirty="0"/>
-          </a:p>
-        </p:txBody>
-      </p:sp>
-      <p:sp>
-        <p:nvSpPr>
-          <p:cNvPr id="3" name="Content Placeholder 2"/>
-          <p:cNvSpPr>
-            <a:spLocks noGrp="1"/>
-          </p:cNvSpPr>
-          <p:nvPr>
-            <p:ph idx="1"/>
-          </p:nvPr>
-        </p:nvSpPr>
-        <p:spPr/>
-        <p:txBody>
-          <a:bodyPr/>
-          <a:lstStyle/>
-          <a:p>
-            <a:endParaRPr lang="en-US"/>
           </a:p>
         </p:txBody>
       </p:sp>
@@ -14498,10 +15362,71 @@
           </a:p>
         </p:txBody>
       </p:sp>
+      <p:pic>
+        <p:nvPicPr>
+          <p:cNvPr id="20" name="Content Placeholder 19" descr="binary.png"/>
+          <p:cNvPicPr>
+            <a:picLocks noGrp="1" noChangeAspect="1"/>
+          </p:cNvPicPr>
+          <p:nvPr>
+            <p:ph idx="1"/>
+          </p:nvPr>
+        </p:nvPicPr>
+        <p:blipFill>
+          <a:blip r:embed="rId2" cstate="print"/>
+          <a:stretch>
+            <a:fillRect/>
+          </a:stretch>
+        </p:blipFill>
+        <p:spPr>
+          <a:xfrm>
+            <a:off x="457200" y="2583663"/>
+            <a:ext cx="8229600" cy="3092437"/>
+          </a:xfrm>
+        </p:spPr>
+      </p:pic>
+      <p:sp>
+        <p:nvSpPr>
+          <p:cNvPr id="6159" name="Rectangle 15"/>
+          <p:cNvSpPr>
+            <a:spLocks noChangeArrowheads="1"/>
+          </p:cNvSpPr>
+          <p:nvPr/>
+        </p:nvSpPr>
+        <p:spPr bwMode="auto">
+          <a:xfrm>
+            <a:off x="0" y="0"/>
+            <a:ext cx="9144000" cy="0"/>
+          </a:xfrm>
+          <a:prstGeom prst="rect">
+            <a:avLst/>
+          </a:prstGeom>
+          <a:noFill/>
+          <a:ln w="9525">
+            <a:noFill/>
+            <a:miter lim="800000"/>
+            <a:headEnd/>
+            <a:tailEnd/>
+          </a:ln>
+          <a:effectLst/>
+        </p:spPr>
+        <p:txBody>
+          <a:bodyPr vert="horz" wrap="none" lIns="91440" tIns="45720" rIns="91440" bIns="45720" numCol="1" anchor="ctr" anchorCtr="0" compatLnSpc="1">
+            <a:prstTxWarp prst="textNoShape">
+              <a:avLst/>
+            </a:prstTxWarp>
+            <a:spAutoFit/>
+          </a:bodyPr>
+          <a:lstStyle/>
+          <a:p>
+            <a:endParaRPr lang="en-US"/>
+          </a:p>
+        </p:txBody>
+      </p:sp>
     </p:spTree>
     <p:extLst>
       <p:ext uri="{BB962C8B-B14F-4D97-AF65-F5344CB8AC3E}">
-        <p14:creationId xmlns:p14="http://schemas.microsoft.com/office/powerpoint/2010/main" xmlns="" val="1280618262"/>
+        <p14:creationId xmlns="" xmlns:p14="http://schemas.microsoft.com/office/powerpoint/2010/main" val="1297011577"/>
       </p:ext>
     </p:extLst>
   </p:cSld>
@@ -14616,7 +15541,7 @@
     </p:spTree>
     <p:extLst>
       <p:ext uri="{BB962C8B-B14F-4D97-AF65-F5344CB8AC3E}">
-        <p14:creationId xmlns:p14="http://schemas.microsoft.com/office/powerpoint/2010/main" xmlns="" val="631339435"/>
+        <p14:creationId xmlns="" xmlns:p14="http://schemas.microsoft.com/office/powerpoint/2010/main" val="631339435"/>
       </p:ext>
     </p:extLst>
   </p:cSld>
@@ -14662,137 +15587,30 @@
         </p:nvSpPr>
         <p:spPr/>
         <p:txBody>
-          <a:bodyPr vert="horz" lIns="0" rIns="0" bIns="0" anchor="b">
-            <a:normAutofit/>
-          </a:bodyPr>
-          <a:lstStyle/>
-          <a:p>
-            <a:r>
-              <a:rPr lang="en-US" dirty="0" err="1"/>
-              <a:t>Hướng</a:t>
-            </a:r>
-            <a:r>
-              <a:rPr lang="en-US" dirty="0"/>
-              <a:t> </a:t>
-            </a:r>
-            <a:r>
-              <a:rPr lang="en-US" dirty="0" err="1"/>
-              <a:t>phát</a:t>
-            </a:r>
-            <a:r>
-              <a:rPr lang="en-US" dirty="0"/>
-              <a:t> </a:t>
-            </a:r>
-            <a:r>
-              <a:rPr lang="en-US" dirty="0" err="1"/>
-              <a:t>triển</a:t>
-            </a:r>
-            <a:endParaRPr lang="vi-VN" dirty="0"/>
-          </a:p>
-        </p:txBody>
-      </p:sp>
-      <p:sp>
-        <p:nvSpPr>
-          <p:cNvPr id="3" name="Content Placeholder 2"/>
-          <p:cNvSpPr>
-            <a:spLocks noGrp="1"/>
-          </p:cNvSpPr>
-          <p:nvPr>
-            <p:ph idx="1"/>
-          </p:nvPr>
-        </p:nvSpPr>
-        <p:spPr/>
-        <p:txBody>
           <a:bodyPr/>
           <a:lstStyle/>
           <a:p>
             <a:r>
               <a:rPr lang="en-US" dirty="0" err="1" smtClean="0"/>
-              <a:t>Hiện</a:t>
-            </a:r>
-            <a:r>
-              <a:rPr lang="en-US" dirty="0" smtClean="0"/>
-              <a:t> nay:</a:t>
-            </a:r>
-          </a:p>
-          <a:p>
-            <a:pPr lvl="1"/>
-            <a:r>
-              <a:rPr lang="vi-VN" dirty="0" smtClean="0"/>
-              <a:t>Giảm </a:t>
-            </a:r>
-            <a:r>
-              <a:rPr lang="vi-VN" dirty="0"/>
-              <a:t>tỉ lệ so khớp thất bại</a:t>
-            </a:r>
-          </a:p>
-          <a:p>
-            <a:pPr lvl="1"/>
-            <a:r>
-              <a:rPr lang="vi-VN" dirty="0" smtClean="0"/>
-              <a:t>Hạn </a:t>
-            </a:r>
-            <a:r>
-              <a:rPr lang="vi-VN" dirty="0"/>
-              <a:t>chế </a:t>
-            </a:r>
-            <a:r>
-              <a:rPr lang="vi-VN" dirty="0" smtClean="0"/>
-              <a:t>đặt </a:t>
-            </a:r>
-            <a:r>
-              <a:rPr lang="vi-VN" dirty="0"/>
-              <a:t>tay theo </a:t>
-            </a:r>
-            <a:r>
-              <a:rPr lang="vi-VN" dirty="0" smtClean="0"/>
-              <a:t>dạng mẫu</a:t>
-            </a:r>
-          </a:p>
-          <a:p>
-            <a:r>
-              <a:rPr lang="vi-VN" dirty="0" smtClean="0"/>
-              <a:t>Thương mại</a:t>
-            </a:r>
-          </a:p>
-          <a:p>
-            <a:pPr lvl="1"/>
-            <a:r>
-              <a:rPr lang="vi-VN" dirty="0" smtClean="0"/>
-              <a:t>Tăng số byte mẫu nhận dạng</a:t>
-            </a:r>
-          </a:p>
-          <a:p>
-            <a:pPr lvl="1"/>
-            <a:r>
-              <a:rPr lang="vi-VN" dirty="0" smtClean="0"/>
-              <a:t>Sử dụng thiết bị quang học có độ phân giải cao</a:t>
-            </a:r>
-          </a:p>
-          <a:p>
-            <a:r>
-              <a:rPr lang="vi-VN" dirty="0" smtClean="0"/>
-              <a:t>Nghiên cứu</a:t>
-            </a:r>
-          </a:p>
-          <a:p>
-            <a:pPr lvl="1"/>
-            <a:r>
-              <a:rPr lang="vi-VN" dirty="0" smtClean="0"/>
-              <a:t>Kết hợp 2 hướng tiếp cận</a:t>
-            </a:r>
-          </a:p>
-          <a:p>
-            <a:pPr lvl="1"/>
-            <a:r>
-              <a:rPr lang="vi-VN" dirty="0" smtClean="0"/>
-              <a:t>Kết hợp với các mô hình sinh trắc học khác</a:t>
-            </a:r>
-            <a:endParaRPr lang="vi-VN" dirty="0"/>
-          </a:p>
-          <a:p>
-            <a:pPr lvl="1"/>
-            <a:endParaRPr lang="vi-VN" dirty="0"/>
+              <a:t>Hướng</a:t>
+            </a:r>
+            <a:r>
+              <a:rPr lang="en-US" dirty="0" smtClean="0"/>
+              <a:t> </a:t>
+            </a:r>
+            <a:r>
+              <a:rPr lang="en-US" dirty="0" err="1" smtClean="0"/>
+              <a:t>tiếp</a:t>
+            </a:r>
+            <a:r>
+              <a:rPr lang="en-US" dirty="0" smtClean="0"/>
+              <a:t> </a:t>
+            </a:r>
+            <a:r>
+              <a:rPr lang="en-US" dirty="0" err="1" smtClean="0"/>
+              <a:t>cận</a:t>
+            </a:r>
+            <a:endParaRPr lang="en-US" dirty="0"/>
           </a:p>
         </p:txBody>
       </p:sp>
@@ -14820,10 +15638,71 @@
           </a:p>
         </p:txBody>
       </p:sp>
+      <p:sp>
+        <p:nvSpPr>
+          <p:cNvPr id="6159" name="Rectangle 15"/>
+          <p:cNvSpPr>
+            <a:spLocks noChangeArrowheads="1"/>
+          </p:cNvSpPr>
+          <p:nvPr/>
+        </p:nvSpPr>
+        <p:spPr bwMode="auto">
+          <a:xfrm>
+            <a:off x="0" y="0"/>
+            <a:ext cx="9144000" cy="0"/>
+          </a:xfrm>
+          <a:prstGeom prst="rect">
+            <a:avLst/>
+          </a:prstGeom>
+          <a:noFill/>
+          <a:ln w="9525">
+            <a:noFill/>
+            <a:miter lim="800000"/>
+            <a:headEnd/>
+            <a:tailEnd/>
+          </a:ln>
+          <a:effectLst/>
+        </p:spPr>
+        <p:txBody>
+          <a:bodyPr vert="horz" wrap="none" lIns="91440" tIns="45720" rIns="91440" bIns="45720" numCol="1" anchor="ctr" anchorCtr="0" compatLnSpc="1">
+            <a:prstTxWarp prst="textNoShape">
+              <a:avLst/>
+            </a:prstTxWarp>
+            <a:spAutoFit/>
+          </a:bodyPr>
+          <a:lstStyle/>
+          <a:p>
+            <a:endParaRPr lang="en-US"/>
+          </a:p>
+        </p:txBody>
+      </p:sp>
+      <p:pic>
+        <p:nvPicPr>
+          <p:cNvPr id="7" name="Content Placeholder 6" descr="edge.png"/>
+          <p:cNvPicPr>
+            <a:picLocks noGrp="1" noChangeAspect="1"/>
+          </p:cNvPicPr>
+          <p:nvPr>
+            <p:ph idx="1"/>
+          </p:nvPr>
+        </p:nvPicPr>
+        <p:blipFill>
+          <a:blip r:embed="rId2" cstate="print"/>
+          <a:stretch>
+            <a:fillRect/>
+          </a:stretch>
+        </p:blipFill>
+        <p:spPr>
+          <a:xfrm>
+            <a:off x="2243137" y="2377281"/>
+            <a:ext cx="4657725" cy="3505200"/>
+          </a:xfrm>
+        </p:spPr>
+      </p:pic>
     </p:spTree>
     <p:extLst>
       <p:ext uri="{BB962C8B-B14F-4D97-AF65-F5344CB8AC3E}">
-        <p14:creationId xmlns:p14="http://schemas.microsoft.com/office/powerpoint/2010/main" xmlns="" val="73910125"/>
+        <p14:creationId xmlns="" xmlns:p14="http://schemas.microsoft.com/office/powerpoint/2010/main" val="1297011577"/>
       </p:ext>
     </p:extLst>
   </p:cSld>
@@ -14874,31 +15753,168 @@
           <a:p>
             <a:r>
               <a:rPr lang="en-US" dirty="0" err="1" smtClean="0"/>
-              <a:t>Tài</a:t>
-            </a:r>
-            <a:r>
-              <a:rPr lang="en-US" dirty="0" smtClean="0"/>
-              <a:t> </a:t>
-            </a:r>
-            <a:r>
-              <a:rPr lang="en-US" dirty="0" err="1" smtClean="0"/>
-              <a:t>liệu</a:t>
-            </a:r>
-            <a:r>
-              <a:rPr lang="en-US" dirty="0" smtClean="0"/>
-              <a:t> </a:t>
-            </a:r>
-            <a:r>
-              <a:rPr lang="en-US" dirty="0" err="1" smtClean="0"/>
-              <a:t>tham</a:t>
-            </a:r>
-            <a:r>
-              <a:rPr lang="en-US" dirty="0" smtClean="0"/>
-              <a:t> </a:t>
-            </a:r>
-            <a:r>
-              <a:rPr lang="en-US" dirty="0" err="1" smtClean="0"/>
-              <a:t>khảo</a:t>
+              <a:t>Hướng</a:t>
+            </a:r>
+            <a:r>
+              <a:rPr lang="en-US" dirty="0" smtClean="0"/>
+              <a:t> </a:t>
+            </a:r>
+            <a:r>
+              <a:rPr lang="en-US" dirty="0" err="1" smtClean="0"/>
+              <a:t>tiếp</a:t>
+            </a:r>
+            <a:r>
+              <a:rPr lang="en-US" dirty="0" smtClean="0"/>
+              <a:t> </a:t>
+            </a:r>
+            <a:r>
+              <a:rPr lang="en-US" dirty="0" err="1" smtClean="0"/>
+              <a:t>cận</a:t>
+            </a:r>
+            <a:endParaRPr lang="en-US" dirty="0"/>
+          </a:p>
+        </p:txBody>
+      </p:sp>
+      <p:sp>
+        <p:nvSpPr>
+          <p:cNvPr id="4" name="Slide Number Placeholder 3"/>
+          <p:cNvSpPr>
+            <a:spLocks noGrp="1"/>
+          </p:cNvSpPr>
+          <p:nvPr>
+            <p:ph type="sldNum" sz="quarter" idx="12"/>
+          </p:nvPr>
+        </p:nvSpPr>
+        <p:spPr/>
+        <p:txBody>
+          <a:bodyPr/>
+          <a:lstStyle/>
+          <a:p>
+            <a:fld id="{B6F15528-21DE-4FAA-801E-634DDDAF4B2B}" type="slidenum">
+              <a:rPr lang="en-US" smtClean="0"/>
+              <a:pPr/>
+              <a:t>31</a:t>
+            </a:fld>
+            <a:endParaRPr lang="en-US"/>
+          </a:p>
+        </p:txBody>
+      </p:sp>
+      <p:sp>
+        <p:nvSpPr>
+          <p:cNvPr id="6159" name="Rectangle 15"/>
+          <p:cNvSpPr>
+            <a:spLocks noChangeArrowheads="1"/>
+          </p:cNvSpPr>
+          <p:nvPr/>
+        </p:nvSpPr>
+        <p:spPr bwMode="auto">
+          <a:xfrm>
+            <a:off x="0" y="0"/>
+            <a:ext cx="9144000" cy="0"/>
+          </a:xfrm>
+          <a:prstGeom prst="rect">
+            <a:avLst/>
+          </a:prstGeom>
+          <a:noFill/>
+          <a:ln w="9525">
+            <a:noFill/>
+            <a:miter lim="800000"/>
+            <a:headEnd/>
+            <a:tailEnd/>
+          </a:ln>
+          <a:effectLst/>
+        </p:spPr>
+        <p:txBody>
+          <a:bodyPr vert="horz" wrap="none" lIns="91440" tIns="45720" rIns="91440" bIns="45720" numCol="1" anchor="ctr" anchorCtr="0" compatLnSpc="1">
+            <a:prstTxWarp prst="textNoShape">
+              <a:avLst/>
+            </a:prstTxWarp>
+            <a:spAutoFit/>
+          </a:bodyPr>
+          <a:lstStyle/>
+          <a:p>
+            <a:endParaRPr lang="en-US"/>
+          </a:p>
+        </p:txBody>
+      </p:sp>
+      <p:pic>
+        <p:nvPicPr>
+          <p:cNvPr id="8" name="Content Placeholder 7" descr="edge.png"/>
+          <p:cNvPicPr>
+            <a:picLocks noGrp="1" noChangeAspect="1"/>
+          </p:cNvPicPr>
+          <p:nvPr>
+            <p:ph idx="1"/>
+          </p:nvPr>
+        </p:nvPicPr>
+        <p:blipFill>
+          <a:blip r:embed="rId2" cstate="print"/>
+          <a:stretch>
+            <a:fillRect/>
+          </a:stretch>
+        </p:blipFill>
+        <p:spPr>
+          <a:xfrm>
+            <a:off x="2243137" y="2401094"/>
+            <a:ext cx="4657725" cy="3457575"/>
+          </a:xfrm>
+        </p:spPr>
+      </p:pic>
+    </p:spTree>
+    <p:extLst>
+      <p:ext uri="{BB962C8B-B14F-4D97-AF65-F5344CB8AC3E}">
+        <p14:creationId xmlns="" xmlns:p14="http://schemas.microsoft.com/office/powerpoint/2010/main" val="1297011577"/>
+      </p:ext>
+    </p:extLst>
+  </p:cSld>
+  <p:clrMapOvr>
+    <a:masterClrMapping/>
+  </p:clrMapOvr>
+  <p:timing>
+    <p:tnLst>
+      <p:par>
+        <p:cTn id="1" dur="indefinite" restart="never" nodeType="tmRoot"/>
+      </p:par>
+    </p:tnLst>
+  </p:timing>
+</p:sld>
+</file>
+
+<file path=ppt/slides/slide32.xml><?xml version="1.0" encoding="utf-8"?>
+<p:sld xmlns:a="http://schemas.openxmlformats.org/drawingml/2006/main" xmlns:r="http://schemas.openxmlformats.org/officeDocument/2006/relationships" xmlns:p="http://schemas.openxmlformats.org/presentationml/2006/main">
+  <p:cSld>
+    <p:spTree>
+      <p:nvGrpSpPr>
+        <p:cNvPr id="1" name=""/>
+        <p:cNvGrpSpPr/>
+        <p:nvPr/>
+      </p:nvGrpSpPr>
+      <p:grpSpPr>
+        <a:xfrm>
+          <a:off x="0" y="0"/>
+          <a:ext cx="0" cy="0"/>
+          <a:chOff x="0" y="0"/>
+          <a:chExt cx="0" cy="0"/>
+        </a:xfrm>
+      </p:grpSpPr>
+      <p:sp>
+        <p:nvSpPr>
+          <p:cNvPr id="2" name="Title 1"/>
+          <p:cNvSpPr>
+            <a:spLocks noGrp="1"/>
+          </p:cNvSpPr>
+          <p:nvPr>
+            <p:ph type="title"/>
+          </p:nvPr>
+        </p:nvSpPr>
+        <p:spPr/>
+        <p:txBody>
+          <a:bodyPr/>
+          <a:lstStyle/>
+          <a:p>
+            <a:r>
+              <a:rPr lang="en-US" dirty="0" smtClean="0"/>
+              <a:t>Demo</a:t>
             </a:r>
             <a:endParaRPr lang="en-US" dirty="0"/>
           </a:p>
@@ -14914,283 +15930,12 @@
             <p:ph idx="1"/>
           </p:nvPr>
         </p:nvSpPr>
-        <p:spPr>
-          <a:xfrm>
-            <a:off x="0" y="1935480"/>
-            <a:ext cx="9144000" cy="4617720"/>
-          </a:xfrm>
-        </p:spPr>
-        <p:txBody>
-          <a:bodyPr>
-            <a:normAutofit fontScale="47500" lnSpcReduction="20000"/>
-          </a:bodyPr>
+        <p:spPr/>
+        <p:txBody>
+          <a:bodyPr/>
           <a:lstStyle/>
           <a:p>
-            <a:r>
-              <a:rPr lang="en-US" sz="3300" dirty="0"/>
-              <a:t>[</a:t>
-            </a:r>
-            <a:r>
-              <a:rPr lang="en-US" sz="3300" dirty="0" smtClean="0"/>
-              <a:t>1] </a:t>
-            </a:r>
-            <a:r>
-              <a:rPr lang="en-US" sz="3300" dirty="0" err="1" smtClean="0"/>
-              <a:t>Kresimir</a:t>
-            </a:r>
-            <a:r>
-              <a:rPr lang="en-US" sz="3300" dirty="0" smtClean="0"/>
-              <a:t> </a:t>
-            </a:r>
-            <a:r>
-              <a:rPr lang="en-US" sz="3300" dirty="0" err="1"/>
-              <a:t>Delac</a:t>
-            </a:r>
-            <a:r>
-              <a:rPr lang="en-US" sz="3300" dirty="0"/>
-              <a:t> and </a:t>
-            </a:r>
-            <a:r>
-              <a:rPr lang="en-US" sz="3300" dirty="0" err="1"/>
-              <a:t>Mislav</a:t>
-            </a:r>
-            <a:r>
-              <a:rPr lang="en-US" sz="3300" dirty="0"/>
-              <a:t> </a:t>
-            </a:r>
-            <a:r>
-              <a:rPr lang="en-US" sz="3300" dirty="0" err="1"/>
-              <a:t>Grgic</a:t>
-            </a:r>
-            <a:r>
-              <a:rPr lang="en-US" sz="3300" dirty="0"/>
-              <a:t>, "A survey of biometric recognition methods," 2004.</a:t>
-            </a:r>
-          </a:p>
-          <a:p>
-            <a:r>
-              <a:rPr lang="en-US" sz="3300" dirty="0"/>
-              <a:t>[</a:t>
-            </a:r>
-            <a:r>
-              <a:rPr lang="en-US" sz="3300" dirty="0" smtClean="0"/>
-              <a:t>2] </a:t>
-            </a:r>
-            <a:r>
-              <a:rPr lang="en-US" sz="3300" dirty="0" err="1" smtClean="0"/>
-              <a:t>Ravindra</a:t>
-            </a:r>
-            <a:r>
-              <a:rPr lang="en-US" sz="3300" dirty="0" smtClean="0"/>
-              <a:t> </a:t>
-            </a:r>
-            <a:r>
-              <a:rPr lang="en-US" sz="3300" dirty="0" err="1"/>
-              <a:t>Thool</a:t>
-            </a:r>
-            <a:r>
-              <a:rPr lang="en-US" sz="3300" dirty="0"/>
-              <a:t>, </a:t>
-            </a:r>
-            <a:r>
-              <a:rPr lang="en-US" sz="3300" dirty="0" err="1"/>
-              <a:t>Balwant</a:t>
-            </a:r>
-            <a:r>
-              <a:rPr lang="en-US" sz="3300" dirty="0"/>
-              <a:t> </a:t>
-            </a:r>
-            <a:r>
-              <a:rPr lang="en-US" sz="3300" dirty="0" err="1"/>
-              <a:t>sonkamble</a:t>
-            </a:r>
-            <a:r>
-              <a:rPr lang="en-US" sz="3300" dirty="0"/>
-              <a:t> </a:t>
-            </a:r>
-            <a:r>
-              <a:rPr lang="en-US" sz="3300" dirty="0" err="1"/>
-              <a:t>Sulochana</a:t>
-            </a:r>
-            <a:r>
-              <a:rPr lang="en-US" sz="3300" dirty="0"/>
-              <a:t> </a:t>
-            </a:r>
-            <a:r>
-              <a:rPr lang="en-US" sz="3300" dirty="0" err="1"/>
-              <a:t>Sonkamble</a:t>
-            </a:r>
-            <a:r>
-              <a:rPr lang="en-US" sz="3300" dirty="0"/>
-              <a:t>, "Survey of biometric recognition systems and their applications," Journal of Theoretical and Applied Information Technology, vol. 11, pp. 45-51.</a:t>
-            </a:r>
-          </a:p>
-          <a:p>
-            <a:r>
-              <a:rPr lang="en-US" sz="3300" dirty="0"/>
-              <a:t>[</a:t>
-            </a:r>
-            <a:r>
-              <a:rPr lang="en-US" sz="3300" dirty="0" smtClean="0"/>
-              <a:t>3] Patrick </a:t>
-            </a:r>
-            <a:r>
-              <a:rPr lang="en-US" sz="3300" dirty="0"/>
-              <a:t>Flynn, </a:t>
-            </a:r>
-            <a:r>
-              <a:rPr lang="en-US" sz="3300" dirty="0" err="1"/>
-              <a:t>Arun</a:t>
-            </a:r>
-            <a:r>
-              <a:rPr lang="en-US" sz="3300" dirty="0"/>
-              <a:t> A. Ross Anil K. Jain, Ed., Handbook of biometrics.: Springer, 2008.</a:t>
-            </a:r>
-          </a:p>
-          <a:p>
-            <a:r>
-              <a:rPr lang="en-US" sz="3300" dirty="0"/>
-              <a:t>[</a:t>
-            </a:r>
-            <a:r>
-              <a:rPr lang="en-US" sz="3300" dirty="0" smtClean="0"/>
-              <a:t>4] </a:t>
-            </a:r>
-            <a:r>
-              <a:rPr lang="en-US" sz="3300" dirty="0" err="1" smtClean="0"/>
-              <a:t>Fayyaz</a:t>
-            </a:r>
-            <a:r>
-              <a:rPr lang="en-US" sz="3300" dirty="0" smtClean="0"/>
-              <a:t> </a:t>
-            </a:r>
-            <a:r>
-              <a:rPr lang="en-US" sz="3300" dirty="0"/>
-              <a:t>A. </a:t>
-            </a:r>
-            <a:r>
-              <a:rPr lang="en-US" sz="3300" dirty="0" err="1"/>
-              <a:t>Afsar</a:t>
-            </a:r>
-            <a:r>
-              <a:rPr lang="en-US" sz="3300" dirty="0"/>
-              <a:t> </a:t>
-            </a:r>
-            <a:r>
-              <a:rPr lang="en-US" sz="3300" dirty="0" err="1"/>
-              <a:t>Qaisar</a:t>
-            </a:r>
-            <a:r>
-              <a:rPr lang="en-US" sz="3300" dirty="0"/>
-              <a:t> N. Ashraf, "Person Identification based on Palm and Hand Geometry,".</a:t>
-            </a:r>
-          </a:p>
-          <a:p>
-            <a:r>
-              <a:rPr lang="en-US" sz="3300" dirty="0"/>
-              <a:t>[</a:t>
-            </a:r>
-            <a:r>
-              <a:rPr lang="en-US" sz="3300" dirty="0" smtClean="0"/>
-              <a:t>5] Asker </a:t>
-            </a:r>
-            <a:r>
-              <a:rPr lang="en-US" sz="3300" dirty="0"/>
-              <a:t>M. </a:t>
-            </a:r>
-            <a:r>
-              <a:rPr lang="en-US" sz="3300" dirty="0" err="1"/>
-              <a:t>Bazen</a:t>
-            </a:r>
-            <a:r>
-              <a:rPr lang="en-US" sz="3300" dirty="0"/>
-              <a:t>, </a:t>
-            </a:r>
-            <a:r>
-              <a:rPr lang="en-US" sz="3300" dirty="0" err="1"/>
-              <a:t>Wim</a:t>
-            </a:r>
-            <a:r>
-              <a:rPr lang="en-US" sz="3300" dirty="0"/>
-              <a:t> </a:t>
-            </a:r>
-            <a:r>
-              <a:rPr lang="en-US" sz="3300" dirty="0" err="1"/>
-              <a:t>Booij</a:t>
-            </a:r>
-            <a:r>
-              <a:rPr lang="en-US" sz="3300" dirty="0"/>
-              <a:t>, Anne </a:t>
-            </a:r>
-            <a:r>
-              <a:rPr lang="en-US" sz="3300" dirty="0" err="1"/>
-              <a:t>Hendrikse</a:t>
-            </a:r>
-            <a:r>
-              <a:rPr lang="en-US" sz="3300" dirty="0"/>
-              <a:t> Raymond N. J. </a:t>
-            </a:r>
-            <a:r>
-              <a:rPr lang="en-US" sz="3300" dirty="0" err="1"/>
-              <a:t>Veldhuis</a:t>
-            </a:r>
-            <a:r>
-              <a:rPr lang="en-US" sz="3300" dirty="0"/>
-              <a:t>, "Hand-geometry Recognition Based on Contour Landmarks," Data and Information Analysis to Knowledge Engineering, Proceedings of the 29th Annual Conference of the </a:t>
-            </a:r>
-            <a:r>
-              <a:rPr lang="en-US" sz="3300" dirty="0" err="1"/>
-              <a:t>Gesellschaft</a:t>
-            </a:r>
-            <a:r>
-              <a:rPr lang="en-US" sz="3300" dirty="0"/>
-              <a:t>, 2005.</a:t>
-            </a:r>
-          </a:p>
-          <a:p>
-            <a:r>
-              <a:rPr lang="en-US" sz="3300" dirty="0"/>
-              <a:t>[</a:t>
-            </a:r>
-            <a:r>
-              <a:rPr lang="en-US" sz="3300" dirty="0" smtClean="0"/>
-              <a:t>6] N</a:t>
-            </a:r>
-            <a:r>
-              <a:rPr lang="en-US" sz="3300" dirty="0"/>
-              <a:t>. Otsu, "A Threshold Selection Method from Gray-Level Histograms," IEEE Transactions on Systems, Man, and Cybernetics, vol. 9, no. 1, pp. 62-66, 1979.</a:t>
-            </a:r>
-          </a:p>
-          <a:p>
-            <a:r>
-              <a:rPr lang="en-US" sz="3300" dirty="0"/>
-              <a:t>[</a:t>
-            </a:r>
-            <a:r>
-              <a:rPr lang="en-US" sz="3300" dirty="0" smtClean="0"/>
-              <a:t>7] J</a:t>
-            </a:r>
-            <a:r>
-              <a:rPr lang="en-US" sz="3300" dirty="0"/>
-              <a:t>. Canny, "A Computational Approach To Edge Detection," IEEE Trans. Pattern Analysis and Machine Intelligence, pp. 679–698, 1986.</a:t>
-            </a:r>
-          </a:p>
-          <a:p>
-            <a:r>
-              <a:rPr lang="en-US" sz="3300" dirty="0"/>
-              <a:t>[</a:t>
-            </a:r>
-            <a:r>
-              <a:rPr lang="en-US" sz="3300" dirty="0" smtClean="0"/>
-              <a:t>8] K</a:t>
-            </a:r>
-            <a:r>
-              <a:rPr lang="en-US" sz="3300" dirty="0"/>
-              <a:t>. Abe S. Suzuki, "Topological Structural Analysis of Digitized Binary Images by Border Following," CVGIP, pp. 32-46, 1985.</a:t>
-            </a:r>
-          </a:p>
-          <a:p>
-            <a:endParaRPr lang="en-US" dirty="0"/>
+            <a:endParaRPr lang="en-US"/>
           </a:p>
         </p:txBody>
       </p:sp>
@@ -15212,7 +15957,612 @@
             <a:fld id="{B6F15528-21DE-4FAA-801E-634DDDAF4B2B}" type="slidenum">
               <a:rPr lang="en-US" smtClean="0"/>
               <a:pPr/>
-              <a:t>31</a:t>
+              <a:t>32</a:t>
+            </a:fld>
+            <a:endParaRPr lang="en-US"/>
+          </a:p>
+        </p:txBody>
+      </p:sp>
+    </p:spTree>
+    <p:extLst>
+      <p:ext uri="{BB962C8B-B14F-4D97-AF65-F5344CB8AC3E}">
+        <p14:creationId xmlns="" xmlns:p14="http://schemas.microsoft.com/office/powerpoint/2010/main" val="1280618262"/>
+      </p:ext>
+    </p:extLst>
+  </p:cSld>
+  <p:clrMapOvr>
+    <a:masterClrMapping/>
+  </p:clrMapOvr>
+  <p:timing>
+    <p:tnLst>
+      <p:par>
+        <p:cTn id="1" dur="indefinite" restart="never" nodeType="tmRoot"/>
+      </p:par>
+    </p:tnLst>
+  </p:timing>
+</p:sld>
+</file>
+
+<file path=ppt/slides/slide33.xml><?xml version="1.0" encoding="utf-8"?>
+<p:sld xmlns:a="http://schemas.openxmlformats.org/drawingml/2006/main" xmlns:r="http://schemas.openxmlformats.org/officeDocument/2006/relationships" xmlns:p="http://schemas.openxmlformats.org/presentationml/2006/main">
+  <p:cSld>
+    <p:spTree>
+      <p:nvGrpSpPr>
+        <p:cNvPr id="1" name=""/>
+        <p:cNvGrpSpPr/>
+        <p:nvPr/>
+      </p:nvGrpSpPr>
+      <p:grpSpPr>
+        <a:xfrm>
+          <a:off x="0" y="0"/>
+          <a:ext cx="0" cy="0"/>
+          <a:chOff x="0" y="0"/>
+          <a:chExt cx="0" cy="0"/>
+        </a:xfrm>
+      </p:grpSpPr>
+      <p:sp>
+        <p:nvSpPr>
+          <p:cNvPr id="2" name="Title 1"/>
+          <p:cNvSpPr>
+            <a:spLocks noGrp="1"/>
+          </p:cNvSpPr>
+          <p:nvPr>
+            <p:ph type="title"/>
+          </p:nvPr>
+        </p:nvSpPr>
+        <p:spPr/>
+        <p:txBody>
+          <a:bodyPr vert="horz" lIns="0" rIns="0" bIns="0" anchor="b">
+            <a:normAutofit/>
+          </a:bodyPr>
+          <a:lstStyle/>
+          <a:p>
+            <a:r>
+              <a:rPr lang="en-US" dirty="0" err="1"/>
+              <a:t>Hướng</a:t>
+            </a:r>
+            <a:r>
+              <a:rPr lang="en-US" dirty="0"/>
+              <a:t> </a:t>
+            </a:r>
+            <a:r>
+              <a:rPr lang="en-US" dirty="0" err="1"/>
+              <a:t>phát</a:t>
+            </a:r>
+            <a:r>
+              <a:rPr lang="en-US" dirty="0"/>
+              <a:t> </a:t>
+            </a:r>
+            <a:r>
+              <a:rPr lang="en-US" dirty="0" err="1"/>
+              <a:t>triển</a:t>
+            </a:r>
+            <a:endParaRPr lang="vi-VN" dirty="0"/>
+          </a:p>
+        </p:txBody>
+      </p:sp>
+      <p:sp>
+        <p:nvSpPr>
+          <p:cNvPr id="3" name="Content Placeholder 2"/>
+          <p:cNvSpPr>
+            <a:spLocks noGrp="1"/>
+          </p:cNvSpPr>
+          <p:nvPr>
+            <p:ph idx="1"/>
+          </p:nvPr>
+        </p:nvSpPr>
+        <p:spPr/>
+        <p:txBody>
+          <a:bodyPr/>
+          <a:lstStyle/>
+          <a:p>
+            <a:r>
+              <a:rPr lang="en-US" dirty="0" err="1" smtClean="0"/>
+              <a:t>Hiện</a:t>
+            </a:r>
+            <a:r>
+              <a:rPr lang="en-US" dirty="0" smtClean="0"/>
+              <a:t> nay:</a:t>
+            </a:r>
+          </a:p>
+          <a:p>
+            <a:pPr lvl="1"/>
+            <a:r>
+              <a:rPr lang="vi-VN" dirty="0" smtClean="0"/>
+              <a:t>Giảm </a:t>
+            </a:r>
+            <a:r>
+              <a:rPr lang="vi-VN" dirty="0"/>
+              <a:t>tỉ lệ so khớp thất bại</a:t>
+            </a:r>
+          </a:p>
+          <a:p>
+            <a:pPr lvl="1"/>
+            <a:r>
+              <a:rPr lang="vi-VN" dirty="0" smtClean="0"/>
+              <a:t>Hạn </a:t>
+            </a:r>
+            <a:r>
+              <a:rPr lang="vi-VN" dirty="0"/>
+              <a:t>chế </a:t>
+            </a:r>
+            <a:r>
+              <a:rPr lang="vi-VN" dirty="0" smtClean="0"/>
+              <a:t>đặt </a:t>
+            </a:r>
+            <a:r>
+              <a:rPr lang="vi-VN" dirty="0"/>
+              <a:t>tay theo </a:t>
+            </a:r>
+            <a:r>
+              <a:rPr lang="vi-VN" dirty="0" smtClean="0"/>
+              <a:t>dạng mẫu</a:t>
+            </a:r>
+          </a:p>
+          <a:p>
+            <a:r>
+              <a:rPr lang="vi-VN" dirty="0" smtClean="0"/>
+              <a:t>Thương mại</a:t>
+            </a:r>
+          </a:p>
+          <a:p>
+            <a:pPr lvl="1"/>
+            <a:r>
+              <a:rPr lang="vi-VN" dirty="0" smtClean="0"/>
+              <a:t>Tăng số byte mẫu nhận dạng</a:t>
+            </a:r>
+          </a:p>
+          <a:p>
+            <a:pPr lvl="1"/>
+            <a:r>
+              <a:rPr lang="vi-VN" dirty="0" smtClean="0"/>
+              <a:t>Sử dụng thiết bị quang học có độ phân giải cao</a:t>
+            </a:r>
+          </a:p>
+          <a:p>
+            <a:r>
+              <a:rPr lang="vi-VN" dirty="0" smtClean="0"/>
+              <a:t>Nghiên cứu</a:t>
+            </a:r>
+          </a:p>
+          <a:p>
+            <a:pPr lvl="1"/>
+            <a:r>
+              <a:rPr lang="vi-VN" dirty="0" smtClean="0"/>
+              <a:t>Kết hợp 2 hướng tiếp cận</a:t>
+            </a:r>
+          </a:p>
+          <a:p>
+            <a:pPr lvl="1"/>
+            <a:r>
+              <a:rPr lang="vi-VN" dirty="0" smtClean="0"/>
+              <a:t>Kết hợp với các mô hình sinh trắc học khác</a:t>
+            </a:r>
+            <a:endParaRPr lang="vi-VN" dirty="0"/>
+          </a:p>
+          <a:p>
+            <a:pPr lvl="1"/>
+            <a:endParaRPr lang="vi-VN" dirty="0"/>
+          </a:p>
+        </p:txBody>
+      </p:sp>
+      <p:sp>
+        <p:nvSpPr>
+          <p:cNvPr id="4" name="Slide Number Placeholder 3"/>
+          <p:cNvSpPr>
+            <a:spLocks noGrp="1"/>
+          </p:cNvSpPr>
+          <p:nvPr>
+            <p:ph type="sldNum" sz="quarter" idx="12"/>
+          </p:nvPr>
+        </p:nvSpPr>
+        <p:spPr/>
+        <p:txBody>
+          <a:bodyPr/>
+          <a:lstStyle/>
+          <a:p>
+            <a:fld id="{B6F15528-21DE-4FAA-801E-634DDDAF4B2B}" type="slidenum">
+              <a:rPr lang="en-US" smtClean="0"/>
+              <a:pPr/>
+              <a:t>33</a:t>
+            </a:fld>
+            <a:endParaRPr lang="en-US"/>
+          </a:p>
+        </p:txBody>
+      </p:sp>
+    </p:spTree>
+    <p:extLst>
+      <p:ext uri="{BB962C8B-B14F-4D97-AF65-F5344CB8AC3E}">
+        <p14:creationId xmlns="" xmlns:p14="http://schemas.microsoft.com/office/powerpoint/2010/main" val="73910125"/>
+      </p:ext>
+    </p:extLst>
+  </p:cSld>
+  <p:clrMapOvr>
+    <a:masterClrMapping/>
+  </p:clrMapOvr>
+  <p:timing>
+    <p:tnLst>
+      <p:par>
+        <p:cTn id="1" dur="indefinite" restart="never" nodeType="tmRoot"/>
+      </p:par>
+    </p:tnLst>
+  </p:timing>
+</p:sld>
+</file>
+
+<file path=ppt/slides/slide34.xml><?xml version="1.0" encoding="utf-8"?>
+<p:sld xmlns:a="http://schemas.openxmlformats.org/drawingml/2006/main" xmlns:r="http://schemas.openxmlformats.org/officeDocument/2006/relationships" xmlns:p="http://schemas.openxmlformats.org/presentationml/2006/main">
+  <p:cSld>
+    <p:spTree>
+      <p:nvGrpSpPr>
+        <p:cNvPr id="1" name=""/>
+        <p:cNvGrpSpPr/>
+        <p:nvPr/>
+      </p:nvGrpSpPr>
+      <p:grpSpPr>
+        <a:xfrm>
+          <a:off x="0" y="0"/>
+          <a:ext cx="0" cy="0"/>
+          <a:chOff x="0" y="0"/>
+          <a:chExt cx="0" cy="0"/>
+        </a:xfrm>
+      </p:grpSpPr>
+      <p:sp>
+        <p:nvSpPr>
+          <p:cNvPr id="2" name="Title 1"/>
+          <p:cNvSpPr>
+            <a:spLocks noGrp="1"/>
+          </p:cNvSpPr>
+          <p:nvPr>
+            <p:ph type="title"/>
+          </p:nvPr>
+        </p:nvSpPr>
+        <p:spPr/>
+        <p:txBody>
+          <a:bodyPr/>
+          <a:lstStyle/>
+          <a:p>
+            <a:r>
+              <a:rPr lang="en-US" dirty="0" err="1" smtClean="0"/>
+              <a:t>Tài</a:t>
+            </a:r>
+            <a:r>
+              <a:rPr lang="en-US" dirty="0" smtClean="0"/>
+              <a:t> </a:t>
+            </a:r>
+            <a:r>
+              <a:rPr lang="en-US" dirty="0" err="1" smtClean="0"/>
+              <a:t>liệu</a:t>
+            </a:r>
+            <a:r>
+              <a:rPr lang="en-US" dirty="0" smtClean="0"/>
+              <a:t> </a:t>
+            </a:r>
+            <a:r>
+              <a:rPr lang="en-US" dirty="0" err="1" smtClean="0"/>
+              <a:t>tham</a:t>
+            </a:r>
+            <a:r>
+              <a:rPr lang="en-US" dirty="0" smtClean="0"/>
+              <a:t> </a:t>
+            </a:r>
+            <a:r>
+              <a:rPr lang="en-US" dirty="0" err="1" smtClean="0"/>
+              <a:t>khảo</a:t>
+            </a:r>
+            <a:endParaRPr lang="en-US" dirty="0"/>
+          </a:p>
+        </p:txBody>
+      </p:sp>
+      <p:sp>
+        <p:nvSpPr>
+          <p:cNvPr id="3" name="Content Placeholder 2"/>
+          <p:cNvSpPr>
+            <a:spLocks noGrp="1"/>
+          </p:cNvSpPr>
+          <p:nvPr>
+            <p:ph idx="1"/>
+          </p:nvPr>
+        </p:nvSpPr>
+        <p:spPr>
+          <a:xfrm>
+            <a:off x="0" y="1935480"/>
+            <a:ext cx="9144000" cy="4617720"/>
+          </a:xfrm>
+        </p:spPr>
+        <p:txBody>
+          <a:bodyPr>
+            <a:normAutofit fontScale="47500" lnSpcReduction="20000"/>
+          </a:bodyPr>
+          <a:lstStyle/>
+          <a:p>
+            <a:r>
+              <a:rPr lang="en-US" sz="3300" dirty="0"/>
+              <a:t>[</a:t>
+            </a:r>
+            <a:r>
+              <a:rPr lang="en-US" sz="3300" dirty="0" smtClean="0"/>
+              <a:t>1] </a:t>
+            </a:r>
+            <a:r>
+              <a:rPr lang="en-US" sz="3300" dirty="0" err="1" smtClean="0"/>
+              <a:t>Kresimir</a:t>
+            </a:r>
+            <a:r>
+              <a:rPr lang="en-US" sz="3300" dirty="0" smtClean="0"/>
+              <a:t> </a:t>
+            </a:r>
+            <a:r>
+              <a:rPr lang="en-US" sz="3300" dirty="0" err="1"/>
+              <a:t>Delac</a:t>
+            </a:r>
+            <a:r>
+              <a:rPr lang="en-US" sz="3300" dirty="0"/>
+              <a:t> and </a:t>
+            </a:r>
+            <a:r>
+              <a:rPr lang="en-US" sz="3300" dirty="0" err="1"/>
+              <a:t>Mislav</a:t>
+            </a:r>
+            <a:r>
+              <a:rPr lang="en-US" sz="3300" dirty="0"/>
+              <a:t> </a:t>
+            </a:r>
+            <a:r>
+              <a:rPr lang="en-US" sz="3300" dirty="0" err="1"/>
+              <a:t>Grgic</a:t>
+            </a:r>
+            <a:r>
+              <a:rPr lang="en-US" sz="3300" dirty="0"/>
+              <a:t>, "A survey of biometric recognition methods," 2004.</a:t>
+            </a:r>
+          </a:p>
+          <a:p>
+            <a:r>
+              <a:rPr lang="en-US" sz="3300" dirty="0"/>
+              <a:t>[</a:t>
+            </a:r>
+            <a:r>
+              <a:rPr lang="en-US" sz="3300" dirty="0" smtClean="0"/>
+              <a:t>2] </a:t>
+            </a:r>
+            <a:r>
+              <a:rPr lang="en-US" sz="3300" dirty="0" err="1" smtClean="0"/>
+              <a:t>Ravindra</a:t>
+            </a:r>
+            <a:r>
+              <a:rPr lang="en-US" sz="3300" dirty="0" smtClean="0"/>
+              <a:t> </a:t>
+            </a:r>
+            <a:r>
+              <a:rPr lang="en-US" sz="3300" dirty="0" err="1"/>
+              <a:t>Thool</a:t>
+            </a:r>
+            <a:r>
+              <a:rPr lang="en-US" sz="3300" dirty="0"/>
+              <a:t>, </a:t>
+            </a:r>
+            <a:r>
+              <a:rPr lang="en-US" sz="3300" dirty="0" err="1"/>
+              <a:t>Balwant</a:t>
+            </a:r>
+            <a:r>
+              <a:rPr lang="en-US" sz="3300" dirty="0"/>
+              <a:t> </a:t>
+            </a:r>
+            <a:r>
+              <a:rPr lang="en-US" sz="3300" dirty="0" err="1"/>
+              <a:t>sonkamble</a:t>
+            </a:r>
+            <a:r>
+              <a:rPr lang="en-US" sz="3300" dirty="0"/>
+              <a:t> </a:t>
+            </a:r>
+            <a:r>
+              <a:rPr lang="en-US" sz="3300" dirty="0" err="1"/>
+              <a:t>Sulochana</a:t>
+            </a:r>
+            <a:r>
+              <a:rPr lang="en-US" sz="3300" dirty="0"/>
+              <a:t> </a:t>
+            </a:r>
+            <a:r>
+              <a:rPr lang="en-US" sz="3300" dirty="0" err="1"/>
+              <a:t>Sonkamble</a:t>
+            </a:r>
+            <a:r>
+              <a:rPr lang="en-US" sz="3300" dirty="0"/>
+              <a:t>, "Survey of biometric recognition systems and their applications," Journal of Theoretical and Applied Information Technology, vol. 11, pp. 45-51.</a:t>
+            </a:r>
+          </a:p>
+          <a:p>
+            <a:r>
+              <a:rPr lang="en-US" sz="3300" dirty="0"/>
+              <a:t>[</a:t>
+            </a:r>
+            <a:r>
+              <a:rPr lang="en-US" sz="3300" dirty="0" smtClean="0"/>
+              <a:t>3] Patrick </a:t>
+            </a:r>
+            <a:r>
+              <a:rPr lang="en-US" sz="3300" dirty="0"/>
+              <a:t>Flynn, </a:t>
+            </a:r>
+            <a:r>
+              <a:rPr lang="en-US" sz="3300" dirty="0" err="1"/>
+              <a:t>Arun</a:t>
+            </a:r>
+            <a:r>
+              <a:rPr lang="en-US" sz="3300" dirty="0"/>
+              <a:t> A. Ross Anil K. Jain, Ed., Handbook of biometrics.: Springer, 2008.</a:t>
+            </a:r>
+          </a:p>
+          <a:p>
+            <a:r>
+              <a:rPr lang="en-US" sz="3300" dirty="0"/>
+              <a:t>[</a:t>
+            </a:r>
+            <a:r>
+              <a:rPr lang="en-US" sz="3300" dirty="0" smtClean="0"/>
+              <a:t>4] </a:t>
+            </a:r>
+            <a:r>
+              <a:rPr lang="en-US" sz="3300" dirty="0" err="1" smtClean="0"/>
+              <a:t>Fayyaz</a:t>
+            </a:r>
+            <a:r>
+              <a:rPr lang="en-US" sz="3300" dirty="0" smtClean="0"/>
+              <a:t> </a:t>
+            </a:r>
+            <a:r>
+              <a:rPr lang="en-US" sz="3300" dirty="0"/>
+              <a:t>A. </a:t>
+            </a:r>
+            <a:r>
+              <a:rPr lang="en-US" sz="3300" dirty="0" err="1"/>
+              <a:t>Afsar</a:t>
+            </a:r>
+            <a:r>
+              <a:rPr lang="en-US" sz="3300" dirty="0"/>
+              <a:t> </a:t>
+            </a:r>
+            <a:r>
+              <a:rPr lang="en-US" sz="3300" dirty="0" err="1"/>
+              <a:t>Qaisar</a:t>
+            </a:r>
+            <a:r>
+              <a:rPr lang="en-US" sz="3300" dirty="0"/>
+              <a:t> N. Ashraf, "Person Identification based on Palm and Hand Geometry,".</a:t>
+            </a:r>
+          </a:p>
+          <a:p>
+            <a:r>
+              <a:rPr lang="en-US" sz="3300" dirty="0"/>
+              <a:t>[</a:t>
+            </a:r>
+            <a:r>
+              <a:rPr lang="en-US" sz="3300" dirty="0" smtClean="0"/>
+              <a:t>5] Asker </a:t>
+            </a:r>
+            <a:r>
+              <a:rPr lang="en-US" sz="3300" dirty="0"/>
+              <a:t>M. </a:t>
+            </a:r>
+            <a:r>
+              <a:rPr lang="en-US" sz="3300" dirty="0" err="1"/>
+              <a:t>Bazen</a:t>
+            </a:r>
+            <a:r>
+              <a:rPr lang="en-US" sz="3300" dirty="0"/>
+              <a:t>, </a:t>
+            </a:r>
+            <a:r>
+              <a:rPr lang="en-US" sz="3300" dirty="0" err="1"/>
+              <a:t>Wim</a:t>
+            </a:r>
+            <a:r>
+              <a:rPr lang="en-US" sz="3300" dirty="0"/>
+              <a:t> </a:t>
+            </a:r>
+            <a:r>
+              <a:rPr lang="en-US" sz="3300" dirty="0" err="1"/>
+              <a:t>Booij</a:t>
+            </a:r>
+            <a:r>
+              <a:rPr lang="en-US" sz="3300" dirty="0"/>
+              <a:t>, Anne </a:t>
+            </a:r>
+            <a:r>
+              <a:rPr lang="en-US" sz="3300" dirty="0" err="1"/>
+              <a:t>Hendrikse</a:t>
+            </a:r>
+            <a:r>
+              <a:rPr lang="en-US" sz="3300" dirty="0"/>
+              <a:t> Raymond N. J. </a:t>
+            </a:r>
+            <a:r>
+              <a:rPr lang="en-US" sz="3300" dirty="0" err="1"/>
+              <a:t>Veldhuis</a:t>
+            </a:r>
+            <a:r>
+              <a:rPr lang="en-US" sz="3300" dirty="0"/>
+              <a:t>, "Hand-geometry Recognition Based on Contour Landmarks," Data and Information Analysis to Knowledge Engineering, Proceedings of the 29th Annual Conference of the </a:t>
+            </a:r>
+            <a:r>
+              <a:rPr lang="en-US" sz="3300" dirty="0" err="1"/>
+              <a:t>Gesellschaft</a:t>
+            </a:r>
+            <a:r>
+              <a:rPr lang="en-US" sz="3300" dirty="0"/>
+              <a:t>, 2005.</a:t>
+            </a:r>
+          </a:p>
+          <a:p>
+            <a:r>
+              <a:rPr lang="en-US" sz="3300" dirty="0"/>
+              <a:t>[</a:t>
+            </a:r>
+            <a:r>
+              <a:rPr lang="en-US" sz="3300" dirty="0" smtClean="0"/>
+              <a:t>6] N</a:t>
+            </a:r>
+            <a:r>
+              <a:rPr lang="en-US" sz="3300" dirty="0"/>
+              <a:t>. Otsu, "A Threshold Selection Method from Gray-Level Histograms," IEEE Transactions on Systems, Man, and Cybernetics, vol. 9, no. 1, pp. 62-66, 1979.</a:t>
+            </a:r>
+          </a:p>
+          <a:p>
+            <a:r>
+              <a:rPr lang="en-US" sz="3300" dirty="0"/>
+              <a:t>[</a:t>
+            </a:r>
+            <a:r>
+              <a:rPr lang="en-US" sz="3300" dirty="0" smtClean="0"/>
+              <a:t>7] J</a:t>
+            </a:r>
+            <a:r>
+              <a:rPr lang="en-US" sz="3300" dirty="0"/>
+              <a:t>. Canny, "A Computational Approach To Edge Detection," IEEE Trans. Pattern Analysis and Machine Intelligence, pp. 679–698, 1986.</a:t>
+            </a:r>
+          </a:p>
+          <a:p>
+            <a:r>
+              <a:rPr lang="en-US" sz="3300" dirty="0"/>
+              <a:t>[</a:t>
+            </a:r>
+            <a:r>
+              <a:rPr lang="en-US" sz="3300" dirty="0" smtClean="0"/>
+              <a:t>8] K</a:t>
+            </a:r>
+            <a:r>
+              <a:rPr lang="en-US" sz="3300" dirty="0"/>
+              <a:t>. Abe S. Suzuki, "Topological Structural Analysis of Digitized Binary Images by Border Following," CVGIP, pp. 32-46, 1985.</a:t>
+            </a:r>
+          </a:p>
+          <a:p>
+            <a:endParaRPr lang="en-US" dirty="0"/>
+          </a:p>
+        </p:txBody>
+      </p:sp>
+      <p:sp>
+        <p:nvSpPr>
+          <p:cNvPr id="4" name="Slide Number Placeholder 3"/>
+          <p:cNvSpPr>
+            <a:spLocks noGrp="1"/>
+          </p:cNvSpPr>
+          <p:nvPr>
+            <p:ph type="sldNum" sz="quarter" idx="12"/>
+          </p:nvPr>
+        </p:nvSpPr>
+        <p:spPr/>
+        <p:txBody>
+          <a:bodyPr/>
+          <a:lstStyle/>
+          <a:p>
+            <a:fld id="{B6F15528-21DE-4FAA-801E-634DDDAF4B2B}" type="slidenum">
+              <a:rPr lang="en-US" smtClean="0"/>
+              <a:pPr/>
+              <a:t>34</a:t>
             </a:fld>
             <a:endParaRPr lang="en-US"/>
           </a:p>
@@ -15293,7 +16643,7 @@
           <a:blip r:embed="rId2" cstate="print">
             <a:extLst>
               <a:ext uri="{28A0092B-C50C-407E-A947-70E740481C1C}">
-                <a14:useLocalDpi xmlns:a14="http://schemas.microsoft.com/office/drawing/2010/main" xmlns="" val="0"/>
+                <a14:useLocalDpi xmlns="" xmlns:a14="http://schemas.microsoft.com/office/drawing/2010/main" val="0"/>
               </a:ext>
             </a:extLst>
           </a:blip>
@@ -15317,14 +16667,14 @@
           <a:effectLst/>
           <a:extLst>
             <a:ext uri="{909E8E84-426E-40DD-AFC4-6F175D3DCCD1}">
-              <a14:hiddenFill xmlns:a14="http://schemas.microsoft.com/office/drawing/2010/main" xmlns="">
+              <a14:hiddenFill xmlns="" xmlns:a14="http://schemas.microsoft.com/office/drawing/2010/main">
                 <a:solidFill>
                   <a:schemeClr val="accent1"/>
                 </a:solidFill>
               </a14:hiddenFill>
             </a:ext>
             <a:ext uri="{91240B29-F687-4F45-9708-019B960494DF}">
-              <a14:hiddenLine xmlns:a14="http://schemas.microsoft.com/office/drawing/2010/main" xmlns="" w="9525">
+              <a14:hiddenLine xmlns="" xmlns:a14="http://schemas.microsoft.com/office/drawing/2010/main" w="9525">
                 <a:solidFill>
                   <a:schemeClr val="tx1"/>
                 </a:solidFill>
@@ -15334,7 +16684,7 @@
               </a14:hiddenLine>
             </a:ext>
             <a:ext uri="{AF507438-7753-43E0-B8FC-AC1667EBCBE1}">
-              <a14:hiddenEffects xmlns:a14="http://schemas.microsoft.com/office/drawing/2010/main" xmlns="">
+              <a14:hiddenEffects xmlns="" xmlns:a14="http://schemas.microsoft.com/office/drawing/2010/main">
                 <a:effectLst>
                   <a:outerShdw dist="35921" dir="2700000" algn="ctr" rotWithShape="0">
                     <a:schemeClr val="bg2"/>
@@ -15357,7 +16707,7 @@
           <a:blip r:embed="rId3" cstate="print">
             <a:extLst>
               <a:ext uri="{28A0092B-C50C-407E-A947-70E740481C1C}">
-                <a14:useLocalDpi xmlns:a14="http://schemas.microsoft.com/office/drawing/2010/main" xmlns="" val="0"/>
+                <a14:useLocalDpi xmlns="" xmlns:a14="http://schemas.microsoft.com/office/drawing/2010/main" val="0"/>
               </a:ext>
             </a:extLst>
           </a:blip>
@@ -15381,14 +16731,14 @@
           <a:effectLst/>
           <a:extLst>
             <a:ext uri="{909E8E84-426E-40DD-AFC4-6F175D3DCCD1}">
-              <a14:hiddenFill xmlns:a14="http://schemas.microsoft.com/office/drawing/2010/main" xmlns="">
+              <a14:hiddenFill xmlns="" xmlns:a14="http://schemas.microsoft.com/office/drawing/2010/main">
                 <a:solidFill>
                   <a:schemeClr val="accent1"/>
                 </a:solidFill>
               </a14:hiddenFill>
             </a:ext>
             <a:ext uri="{91240B29-F687-4F45-9708-019B960494DF}">
-              <a14:hiddenLine xmlns:a14="http://schemas.microsoft.com/office/drawing/2010/main" xmlns="" w="9525">
+              <a14:hiddenLine xmlns="" xmlns:a14="http://schemas.microsoft.com/office/drawing/2010/main" w="9525">
                 <a:solidFill>
                   <a:schemeClr val="tx1"/>
                 </a:solidFill>
@@ -15398,7 +16748,7 @@
               </a14:hiddenLine>
             </a:ext>
             <a:ext uri="{AF507438-7753-43E0-B8FC-AC1667EBCBE1}">
-              <a14:hiddenEffects xmlns:a14="http://schemas.microsoft.com/office/drawing/2010/main" xmlns="">
+              <a14:hiddenEffects xmlns="" xmlns:a14="http://schemas.microsoft.com/office/drawing/2010/main">
                 <a:effectLst>
                   <a:outerShdw dist="35921" dir="2700000" algn="ctr" rotWithShape="0">
                     <a:schemeClr val="bg2"/>
@@ -15421,7 +16771,7 @@
           <a:blip r:embed="rId4" cstate="print">
             <a:extLst>
               <a:ext uri="{28A0092B-C50C-407E-A947-70E740481C1C}">
-                <a14:useLocalDpi xmlns:a14="http://schemas.microsoft.com/office/drawing/2010/main" xmlns="" val="0"/>
+                <a14:useLocalDpi xmlns="" xmlns:a14="http://schemas.microsoft.com/office/drawing/2010/main" val="0"/>
               </a:ext>
             </a:extLst>
           </a:blip>
@@ -15445,14 +16795,14 @@
           <a:effectLst/>
           <a:extLst>
             <a:ext uri="{909E8E84-426E-40DD-AFC4-6F175D3DCCD1}">
-              <a14:hiddenFill xmlns:a14="http://schemas.microsoft.com/office/drawing/2010/main" xmlns="">
+              <a14:hiddenFill xmlns="" xmlns:a14="http://schemas.microsoft.com/office/drawing/2010/main">
                 <a:solidFill>
                   <a:schemeClr val="accent1"/>
                 </a:solidFill>
               </a14:hiddenFill>
             </a:ext>
             <a:ext uri="{91240B29-F687-4F45-9708-019B960494DF}">
-              <a14:hiddenLine xmlns:a14="http://schemas.microsoft.com/office/drawing/2010/main" xmlns="" w="9525">
+              <a14:hiddenLine xmlns="" xmlns:a14="http://schemas.microsoft.com/office/drawing/2010/main" w="9525">
                 <a:solidFill>
                   <a:schemeClr val="tx1"/>
                 </a:solidFill>
@@ -15462,7 +16812,7 @@
               </a14:hiddenLine>
             </a:ext>
             <a:ext uri="{AF507438-7753-43E0-B8FC-AC1667EBCBE1}">
-              <a14:hiddenEffects xmlns:a14="http://schemas.microsoft.com/office/drawing/2010/main" xmlns="">
+              <a14:hiddenEffects xmlns="" xmlns:a14="http://schemas.microsoft.com/office/drawing/2010/main">
                 <a:effectLst>
                   <a:outerShdw dist="35921" dir="2700000" algn="ctr" rotWithShape="0">
                     <a:schemeClr val="bg2"/>
@@ -16199,7 +17549,7 @@
           <a:blip r:embed="rId2" cstate="print">
             <a:extLst>
               <a:ext uri="{28A0092B-C50C-407E-A947-70E740481C1C}">
-                <a14:useLocalDpi xmlns:a14="http://schemas.microsoft.com/office/drawing/2010/main" xmlns="" val="0"/>
+                <a14:useLocalDpi xmlns="" xmlns:a14="http://schemas.microsoft.com/office/drawing/2010/main" val="0"/>
               </a:ext>
             </a:extLst>
           </a:blip>
@@ -16223,14 +17573,14 @@
           <a:effectLst/>
           <a:extLst>
             <a:ext uri="{909E8E84-426E-40DD-AFC4-6F175D3DCCD1}">
-              <a14:hiddenFill xmlns:a14="http://schemas.microsoft.com/office/drawing/2010/main" xmlns="">
+              <a14:hiddenFill xmlns="" xmlns:a14="http://schemas.microsoft.com/office/drawing/2010/main">
                 <a:solidFill>
                   <a:schemeClr val="accent1"/>
                 </a:solidFill>
               </a14:hiddenFill>
             </a:ext>
             <a:ext uri="{91240B29-F687-4F45-9708-019B960494DF}">
-              <a14:hiddenLine xmlns:a14="http://schemas.microsoft.com/office/drawing/2010/main" xmlns="" w="9525">
+              <a14:hiddenLine xmlns="" xmlns:a14="http://schemas.microsoft.com/office/drawing/2010/main" w="9525">
                 <a:solidFill>
                   <a:schemeClr val="tx1"/>
                 </a:solidFill>
@@ -16240,7 +17590,7 @@
               </a14:hiddenLine>
             </a:ext>
             <a:ext uri="{AF507438-7753-43E0-B8FC-AC1667EBCBE1}">
-              <a14:hiddenEffects xmlns:a14="http://schemas.microsoft.com/office/drawing/2010/main" xmlns="">
+              <a14:hiddenEffects xmlns="" xmlns:a14="http://schemas.microsoft.com/office/drawing/2010/main">
                 <a:effectLst>
                   <a:outerShdw dist="35921" dir="2700000" algn="ctr" rotWithShape="0">
                     <a:schemeClr val="bg2"/>
@@ -16801,7 +18151,7 @@
     </p:spTree>
     <p:extLst>
       <p:ext uri="{BB962C8B-B14F-4D97-AF65-F5344CB8AC3E}">
-        <p14:creationId xmlns:p14="http://schemas.microsoft.com/office/powerpoint/2010/main" xmlns="" val="1590311507"/>
+        <p14:creationId xmlns="" xmlns:p14="http://schemas.microsoft.com/office/powerpoint/2010/main" val="1590311507"/>
       </p:ext>
     </p:extLst>
   </p:cSld>
@@ -17587,7 +18937,7 @@
     </p:spTree>
     <p:extLst>
       <p:ext uri="{BB962C8B-B14F-4D97-AF65-F5344CB8AC3E}">
-        <p14:creationId xmlns:p14="http://schemas.microsoft.com/office/powerpoint/2010/main" xmlns="" val="1272277284"/>
+        <p14:creationId xmlns="" xmlns:p14="http://schemas.microsoft.com/office/powerpoint/2010/main" val="1272277284"/>
       </p:ext>
     </p:extLst>
   </p:cSld>
@@ -18133,7 +19483,7 @@
     </p:spTree>
     <p:extLst>
       <p:ext uri="{BB962C8B-B14F-4D97-AF65-F5344CB8AC3E}">
-        <p14:creationId xmlns:p14="http://schemas.microsoft.com/office/powerpoint/2010/main" xmlns="" val="2576316791"/>
+        <p14:creationId xmlns="" xmlns:p14="http://schemas.microsoft.com/office/powerpoint/2010/main" val="2576316791"/>
       </p:ext>
     </p:extLst>
   </p:cSld>
@@ -18328,7 +19678,7 @@
     </p:spTree>
     <p:extLst>
       <p:ext uri="{BB962C8B-B14F-4D97-AF65-F5344CB8AC3E}">
-        <p14:creationId xmlns:p14="http://schemas.microsoft.com/office/powerpoint/2010/main" xmlns="" val="4197966627"/>
+        <p14:creationId xmlns="" xmlns:p14="http://schemas.microsoft.com/office/powerpoint/2010/main" val="4197966627"/>
       </p:ext>
     </p:extLst>
   </p:cSld>
@@ -18495,7 +19845,7 @@
           <a:blip r:embed="rId2" cstate="print">
             <a:extLst>
               <a:ext uri="{28A0092B-C50C-407E-A947-70E740481C1C}">
-                <a14:useLocalDpi xmlns:a14="http://schemas.microsoft.com/office/drawing/2010/main" xmlns="" val="0"/>
+                <a14:useLocalDpi xmlns="" xmlns:a14="http://schemas.microsoft.com/office/drawing/2010/main" val="0"/>
               </a:ext>
             </a:extLst>
           </a:blip>
@@ -18519,14 +19869,14 @@
           <a:effectLst/>
           <a:extLst>
             <a:ext uri="{909E8E84-426E-40DD-AFC4-6F175D3DCCD1}">
-              <a14:hiddenFill xmlns:a14="http://schemas.microsoft.com/office/drawing/2010/main" xmlns="">
+              <a14:hiddenFill xmlns="" xmlns:a14="http://schemas.microsoft.com/office/drawing/2010/main">
                 <a:solidFill>
                   <a:schemeClr val="accent1"/>
                 </a:solidFill>
               </a14:hiddenFill>
             </a:ext>
             <a:ext uri="{91240B29-F687-4F45-9708-019B960494DF}">
-              <a14:hiddenLine xmlns:a14="http://schemas.microsoft.com/office/drawing/2010/main" xmlns="" w="9525">
+              <a14:hiddenLine xmlns="" xmlns:a14="http://schemas.microsoft.com/office/drawing/2010/main" w="9525">
                 <a:solidFill>
                   <a:schemeClr val="tx1"/>
                 </a:solidFill>
@@ -18536,7 +19886,7 @@
               </a14:hiddenLine>
             </a:ext>
             <a:ext uri="{AF507438-7753-43E0-B8FC-AC1667EBCBE1}">
-              <a14:hiddenEffects xmlns:a14="http://schemas.microsoft.com/office/drawing/2010/main" xmlns="">
+              <a14:hiddenEffects xmlns="" xmlns:a14="http://schemas.microsoft.com/office/drawing/2010/main">
                 <a:effectLst>
                   <a:outerShdw dist="35921" dir="2700000" algn="ctr" rotWithShape="0">
                     <a:schemeClr val="bg2"/>
@@ -18661,7 +20011,7 @@
           <a:blip r:embed="rId3" cstate="print">
             <a:extLst>
               <a:ext uri="{28A0092B-C50C-407E-A947-70E740481C1C}">
-                <a14:useLocalDpi xmlns:a14="http://schemas.microsoft.com/office/drawing/2010/main" xmlns="" val="0"/>
+                <a14:useLocalDpi xmlns="" xmlns:a14="http://schemas.microsoft.com/office/drawing/2010/main" val="0"/>
               </a:ext>
             </a:extLst>
           </a:blip>
@@ -18685,14 +20035,14 @@
           <a:effectLst/>
           <a:extLst>
             <a:ext uri="{909E8E84-426E-40DD-AFC4-6F175D3DCCD1}">
-              <a14:hiddenFill xmlns:a14="http://schemas.microsoft.com/office/drawing/2010/main" xmlns="">
+              <a14:hiddenFill xmlns="" xmlns:a14="http://schemas.microsoft.com/office/drawing/2010/main">
                 <a:solidFill>
                   <a:schemeClr val="accent1"/>
                 </a:solidFill>
               </a14:hiddenFill>
             </a:ext>
             <a:ext uri="{91240B29-F687-4F45-9708-019B960494DF}">
-              <a14:hiddenLine xmlns:a14="http://schemas.microsoft.com/office/drawing/2010/main" xmlns="" w="9525">
+              <a14:hiddenLine xmlns="" xmlns:a14="http://schemas.microsoft.com/office/drawing/2010/main" w="9525">
                 <a:solidFill>
                   <a:schemeClr val="tx1"/>
                 </a:solidFill>
@@ -18702,7 +20052,7 @@
               </a14:hiddenLine>
             </a:ext>
             <a:ext uri="{AF507438-7753-43E0-B8FC-AC1667EBCBE1}">
-              <a14:hiddenEffects xmlns:a14="http://schemas.microsoft.com/office/drawing/2010/main" xmlns="">
+              <a14:hiddenEffects xmlns="" xmlns:a14="http://schemas.microsoft.com/office/drawing/2010/main">
                 <a:effectLst>
                   <a:outerShdw dist="35921" dir="2700000" algn="ctr" rotWithShape="0">
                     <a:schemeClr val="bg2"/>

--- a/Documentation/presentation.pptx
+++ b/Documentation/presentation.pptx
@@ -305,7 +305,7 @@
     </p:spTree>
     <p:extLst>
       <p:ext uri="{BB962C8B-B14F-4D97-AF65-F5344CB8AC3E}">
-        <p14:creationId xmlns="" xmlns:p14="http://schemas.microsoft.com/office/powerpoint/2010/main" val="1720896244"/>
+        <p14:creationId xmlns:p14="http://schemas.microsoft.com/office/powerpoint/2010/main" xmlns="" val="1720896244"/>
       </p:ext>
     </p:extLst>
   </p:cSld>
@@ -567,7 +567,7 @@
     </p:spTree>
     <p:extLst>
       <p:ext uri="{BB962C8B-B14F-4D97-AF65-F5344CB8AC3E}">
-        <p14:creationId xmlns="" xmlns:p14="http://schemas.microsoft.com/office/powerpoint/2010/main" val="2903458520"/>
+        <p14:creationId xmlns:p14="http://schemas.microsoft.com/office/powerpoint/2010/main" xmlns="" val="2903458520"/>
       </p:ext>
     </p:extLst>
   </p:cSld>
@@ -2031,7 +2031,7 @@
           <a:blip r:embed="rId2" cstate="print">
             <a:extLst>
               <a:ext uri="{28A0092B-C50C-407E-A947-70E740481C1C}">
-                <a14:useLocalDpi xmlns="" xmlns:a14="http://schemas.microsoft.com/office/drawing/2010/main" val="0"/>
+                <a14:useLocalDpi xmlns:a14="http://schemas.microsoft.com/office/drawing/2010/main" xmlns="" val="0"/>
               </a:ext>
             </a:extLst>
           </a:blip>
@@ -2055,14 +2055,14 @@
           <a:effectLst/>
           <a:extLst>
             <a:ext uri="{909E8E84-426E-40DD-AFC4-6F175D3DCCD1}">
-              <a14:hiddenFill xmlns="" xmlns:a14="http://schemas.microsoft.com/office/drawing/2010/main">
+              <a14:hiddenFill xmlns:a14="http://schemas.microsoft.com/office/drawing/2010/main" xmlns="">
                 <a:solidFill>
                   <a:schemeClr val="accent1"/>
                 </a:solidFill>
               </a14:hiddenFill>
             </a:ext>
             <a:ext uri="{91240B29-F687-4F45-9708-019B960494DF}">
-              <a14:hiddenLine xmlns="" xmlns:a14="http://schemas.microsoft.com/office/drawing/2010/main" w="9525">
+              <a14:hiddenLine xmlns:a14="http://schemas.microsoft.com/office/drawing/2010/main" xmlns="" w="9525">
                 <a:solidFill>
                   <a:schemeClr val="tx1"/>
                 </a:solidFill>
@@ -2072,7 +2072,7 @@
               </a14:hiddenLine>
             </a:ext>
             <a:ext uri="{AF507438-7753-43E0-B8FC-AC1667EBCBE1}">
-              <a14:hiddenEffects xmlns="" xmlns:a14="http://schemas.microsoft.com/office/drawing/2010/main">
+              <a14:hiddenEffects xmlns:a14="http://schemas.microsoft.com/office/drawing/2010/main" xmlns="">
                 <a:effectLst>
                   <a:outerShdw dist="35921" dir="2700000" algn="ctr" rotWithShape="0">
                     <a:schemeClr val="bg2"/>
@@ -3144,7 +3144,7 @@
           <a:blip r:embed="rId2" cstate="print">
             <a:extLst>
               <a:ext uri="{28A0092B-C50C-407E-A947-70E740481C1C}">
-                <a14:useLocalDpi xmlns="" xmlns:a14="http://schemas.microsoft.com/office/drawing/2010/main" val="0"/>
+                <a14:useLocalDpi xmlns:a14="http://schemas.microsoft.com/office/drawing/2010/main" xmlns="" val="0"/>
               </a:ext>
             </a:extLst>
           </a:blip>
@@ -3168,14 +3168,14 @@
           <a:effectLst/>
           <a:extLst>
             <a:ext uri="{909E8E84-426E-40DD-AFC4-6F175D3DCCD1}">
-              <a14:hiddenFill xmlns="" xmlns:a14="http://schemas.microsoft.com/office/drawing/2010/main">
+              <a14:hiddenFill xmlns:a14="http://schemas.microsoft.com/office/drawing/2010/main" xmlns="">
                 <a:solidFill>
                   <a:schemeClr val="accent1"/>
                 </a:solidFill>
               </a14:hiddenFill>
             </a:ext>
             <a:ext uri="{91240B29-F687-4F45-9708-019B960494DF}">
-              <a14:hiddenLine xmlns="" xmlns:a14="http://schemas.microsoft.com/office/drawing/2010/main" w="9525">
+              <a14:hiddenLine xmlns:a14="http://schemas.microsoft.com/office/drawing/2010/main" xmlns="" w="9525">
                 <a:solidFill>
                   <a:schemeClr val="tx1"/>
                 </a:solidFill>
@@ -3185,7 +3185,7 @@
               </a14:hiddenLine>
             </a:ext>
             <a:ext uri="{AF507438-7753-43E0-B8FC-AC1667EBCBE1}">
-              <a14:hiddenEffects xmlns="" xmlns:a14="http://schemas.microsoft.com/office/drawing/2010/main">
+              <a14:hiddenEffects xmlns:a14="http://schemas.microsoft.com/office/drawing/2010/main" xmlns="">
                 <a:effectLst>
                   <a:outerShdw dist="35921" dir="2700000" algn="ctr" rotWithShape="0">
                     <a:schemeClr val="bg2"/>
@@ -5284,7 +5284,11 @@
             </a:pPr>
             <a:r>
               <a:rPr lang="en-US" sz="6000" b="1" dirty="0" smtClean="0"/>
-              <a:t>NGUYỄN HOÀN - 1011 </a:t>
+              <a:t>NGUYỄN HOÀN - </a:t>
+            </a:r>
+            <a:r>
+              <a:rPr lang="en-US" sz="6000" b="1" dirty="0" smtClean="0"/>
+              <a:t>1011075 </a:t>
             </a:r>
             <a:endParaRPr lang="en-US" sz="6000" dirty="0" smtClean="0"/>
           </a:p>
@@ -5308,7 +5312,11 @@
             </a:pPr>
             <a:r>
               <a:rPr lang="en-US" sz="6000" b="1" dirty="0" smtClean="0"/>
-              <a:t>HOÀNG XUÂN THẢO - 1011</a:t>
+              <a:t>HOÀNG XUÂN THẢO - </a:t>
+            </a:r>
+            <a:r>
+              <a:rPr lang="en-US" sz="6000" b="1" dirty="0" smtClean="0"/>
+              <a:t>1011087</a:t>
             </a:r>
             <a:endParaRPr lang="en-US" dirty="0"/>
           </a:p>
@@ -5596,7 +5604,7 @@
           <a:blip r:embed="rId2" cstate="print">
             <a:extLst>
               <a:ext uri="{28A0092B-C50C-407E-A947-70E740481C1C}">
-                <a14:useLocalDpi xmlns="" xmlns:a14="http://schemas.microsoft.com/office/drawing/2010/main" val="0"/>
+                <a14:useLocalDpi xmlns:a14="http://schemas.microsoft.com/office/drawing/2010/main" xmlns="" val="0"/>
               </a:ext>
             </a:extLst>
           </a:blip>
@@ -5620,14 +5628,14 @@
           <a:effectLst/>
           <a:extLst>
             <a:ext uri="{909E8E84-426E-40DD-AFC4-6F175D3DCCD1}">
-              <a14:hiddenFill xmlns="" xmlns:a14="http://schemas.microsoft.com/office/drawing/2010/main">
+              <a14:hiddenFill xmlns:a14="http://schemas.microsoft.com/office/drawing/2010/main" xmlns="">
                 <a:solidFill>
                   <a:schemeClr val="accent1"/>
                 </a:solidFill>
               </a14:hiddenFill>
             </a:ext>
             <a:ext uri="{91240B29-F687-4F45-9708-019B960494DF}">
-              <a14:hiddenLine xmlns="" xmlns:a14="http://schemas.microsoft.com/office/drawing/2010/main" w="9525">
+              <a14:hiddenLine xmlns:a14="http://schemas.microsoft.com/office/drawing/2010/main" xmlns="" w="9525">
                 <a:solidFill>
                   <a:schemeClr val="tx1"/>
                 </a:solidFill>
@@ -5637,7 +5645,7 @@
               </a14:hiddenLine>
             </a:ext>
             <a:ext uri="{AF507438-7753-43E0-B8FC-AC1667EBCBE1}">
-              <a14:hiddenEffects xmlns="" xmlns:a14="http://schemas.microsoft.com/office/drawing/2010/main">
+              <a14:hiddenEffects xmlns:a14="http://schemas.microsoft.com/office/drawing/2010/main" xmlns="">
                 <a:effectLst>
                   <a:outerShdw dist="35921" dir="2700000" algn="ctr" rotWithShape="0">
                     <a:schemeClr val="bg2"/>
@@ -6203,7 +6211,7 @@
           <a:blip r:embed="rId3" cstate="print">
             <a:extLst>
               <a:ext uri="{28A0092B-C50C-407E-A947-70E740481C1C}">
-                <a14:useLocalDpi xmlns="" xmlns:a14="http://schemas.microsoft.com/office/drawing/2010/main" val="0"/>
+                <a14:useLocalDpi xmlns:a14="http://schemas.microsoft.com/office/drawing/2010/main" xmlns="" val="0"/>
               </a:ext>
             </a:extLst>
           </a:blip>
@@ -6227,14 +6235,14 @@
           <a:effectLst/>
           <a:extLst>
             <a:ext uri="{909E8E84-426E-40DD-AFC4-6F175D3DCCD1}">
-              <a14:hiddenFill xmlns="" xmlns:a14="http://schemas.microsoft.com/office/drawing/2010/main">
+              <a14:hiddenFill xmlns:a14="http://schemas.microsoft.com/office/drawing/2010/main" xmlns="">
                 <a:solidFill>
                   <a:schemeClr val="accent1"/>
                 </a:solidFill>
               </a14:hiddenFill>
             </a:ext>
             <a:ext uri="{91240B29-F687-4F45-9708-019B960494DF}">
-              <a14:hiddenLine xmlns="" xmlns:a14="http://schemas.microsoft.com/office/drawing/2010/main" w="9525">
+              <a14:hiddenLine xmlns:a14="http://schemas.microsoft.com/office/drawing/2010/main" xmlns="" w="9525">
                 <a:solidFill>
                   <a:schemeClr val="tx1"/>
                 </a:solidFill>
@@ -6244,7 +6252,7 @@
               </a14:hiddenLine>
             </a:ext>
             <a:ext uri="{AF507438-7753-43E0-B8FC-AC1667EBCBE1}">
-              <a14:hiddenEffects xmlns="" xmlns:a14="http://schemas.microsoft.com/office/drawing/2010/main">
+              <a14:hiddenEffects xmlns:a14="http://schemas.microsoft.com/office/drawing/2010/main" xmlns="">
                 <a:effectLst>
                   <a:outerShdw dist="35921" dir="2700000" algn="ctr" rotWithShape="0">
                     <a:schemeClr val="bg2"/>
@@ -7323,7 +7331,7 @@
           <a:blip r:embed="rId2" cstate="print">
             <a:extLst>
               <a:ext uri="{28A0092B-C50C-407E-A947-70E740481C1C}">
-                <a14:useLocalDpi xmlns="" xmlns:a14="http://schemas.microsoft.com/office/drawing/2010/main" val="0"/>
+                <a14:useLocalDpi xmlns:a14="http://schemas.microsoft.com/office/drawing/2010/main" xmlns="" val="0"/>
               </a:ext>
             </a:extLst>
           </a:blip>
@@ -7347,14 +7355,14 @@
           <a:effectLst/>
           <a:extLst>
             <a:ext uri="{909E8E84-426E-40DD-AFC4-6F175D3DCCD1}">
-              <a14:hiddenFill xmlns="" xmlns:a14="http://schemas.microsoft.com/office/drawing/2010/main">
+              <a14:hiddenFill xmlns:a14="http://schemas.microsoft.com/office/drawing/2010/main" xmlns="">
                 <a:solidFill>
                   <a:schemeClr val="accent1"/>
                 </a:solidFill>
               </a14:hiddenFill>
             </a:ext>
             <a:ext uri="{91240B29-F687-4F45-9708-019B960494DF}">
-              <a14:hiddenLine xmlns="" xmlns:a14="http://schemas.microsoft.com/office/drawing/2010/main" w="9525">
+              <a14:hiddenLine xmlns:a14="http://schemas.microsoft.com/office/drawing/2010/main" xmlns="" w="9525">
                 <a:solidFill>
                   <a:schemeClr val="tx1"/>
                 </a:solidFill>
@@ -7364,7 +7372,7 @@
               </a14:hiddenLine>
             </a:ext>
             <a:ext uri="{AF507438-7753-43E0-B8FC-AC1667EBCBE1}">
-              <a14:hiddenEffects xmlns="" xmlns:a14="http://schemas.microsoft.com/office/drawing/2010/main">
+              <a14:hiddenEffects xmlns:a14="http://schemas.microsoft.com/office/drawing/2010/main" xmlns="">
                 <a:effectLst>
                   <a:outerShdw dist="35921" dir="2700000" algn="ctr" rotWithShape="0">
                     <a:schemeClr val="bg2"/>
@@ -7435,7 +7443,7 @@
     </p:spTree>
     <p:extLst>
       <p:ext uri="{BB962C8B-B14F-4D97-AF65-F5344CB8AC3E}">
-        <p14:creationId xmlns="" xmlns:p14="http://schemas.microsoft.com/office/powerpoint/2010/main" val="920857711"/>
+        <p14:creationId xmlns:p14="http://schemas.microsoft.com/office/powerpoint/2010/main" xmlns="" val="920857711"/>
       </p:ext>
     </p:extLst>
   </p:cSld>
@@ -7943,7 +7951,7 @@
           <a:blip r:embed="rId2" cstate="print">
             <a:extLst>
               <a:ext uri="{28A0092B-C50C-407E-A947-70E740481C1C}">
-                <a14:useLocalDpi xmlns="" xmlns:a14="http://schemas.microsoft.com/office/drawing/2010/main" val="0"/>
+                <a14:useLocalDpi xmlns:a14="http://schemas.microsoft.com/office/drawing/2010/main" xmlns="" val="0"/>
               </a:ext>
             </a:extLst>
           </a:blip>
@@ -7967,14 +7975,14 @@
           <a:effectLst/>
           <a:extLst>
             <a:ext uri="{909E8E84-426E-40DD-AFC4-6F175D3DCCD1}">
-              <a14:hiddenFill xmlns="" xmlns:a14="http://schemas.microsoft.com/office/drawing/2010/main">
+              <a14:hiddenFill xmlns:a14="http://schemas.microsoft.com/office/drawing/2010/main" xmlns="">
                 <a:solidFill>
                   <a:schemeClr val="accent1"/>
                 </a:solidFill>
               </a14:hiddenFill>
             </a:ext>
             <a:ext uri="{91240B29-F687-4F45-9708-019B960494DF}">
-              <a14:hiddenLine xmlns="" xmlns:a14="http://schemas.microsoft.com/office/drawing/2010/main" w="9525">
+              <a14:hiddenLine xmlns:a14="http://schemas.microsoft.com/office/drawing/2010/main" xmlns="" w="9525">
                 <a:solidFill>
                   <a:schemeClr val="tx1"/>
                 </a:solidFill>
@@ -7984,7 +7992,7 @@
               </a14:hiddenLine>
             </a:ext>
             <a:ext uri="{AF507438-7753-43E0-B8FC-AC1667EBCBE1}">
-              <a14:hiddenEffects xmlns="" xmlns:a14="http://schemas.microsoft.com/office/drawing/2010/main">
+              <a14:hiddenEffects xmlns:a14="http://schemas.microsoft.com/office/drawing/2010/main" xmlns="">
                 <a:effectLst>
                   <a:outerShdw dist="35921" dir="2700000" algn="ctr" rotWithShape="0">
                     <a:schemeClr val="bg2"/>
@@ -8072,7 +8080,7 @@
     </p:spTree>
     <p:extLst>
       <p:ext uri="{BB962C8B-B14F-4D97-AF65-F5344CB8AC3E}">
-        <p14:creationId xmlns="" xmlns:p14="http://schemas.microsoft.com/office/powerpoint/2010/main" val="635753240"/>
+        <p14:creationId xmlns:p14="http://schemas.microsoft.com/office/powerpoint/2010/main" xmlns="" val="635753240"/>
       </p:ext>
     </p:extLst>
   </p:cSld>
@@ -8184,7 +8192,7 @@
           <a:blip r:embed="rId3" cstate="print">
             <a:extLst>
               <a:ext uri="{28A0092B-C50C-407E-A947-70E740481C1C}">
-                <a14:useLocalDpi xmlns="" xmlns:a14="http://schemas.microsoft.com/office/drawing/2010/main" val="0"/>
+                <a14:useLocalDpi xmlns:a14="http://schemas.microsoft.com/office/drawing/2010/main" xmlns="" val="0"/>
               </a:ext>
             </a:extLst>
           </a:blip>
@@ -8208,14 +8216,14 @@
           <a:effectLst/>
           <a:extLst>
             <a:ext uri="{909E8E84-426E-40DD-AFC4-6F175D3DCCD1}">
-              <a14:hiddenFill xmlns="" xmlns:a14="http://schemas.microsoft.com/office/drawing/2010/main">
+              <a14:hiddenFill xmlns:a14="http://schemas.microsoft.com/office/drawing/2010/main" xmlns="">
                 <a:solidFill>
                   <a:schemeClr val="accent1"/>
                 </a:solidFill>
               </a14:hiddenFill>
             </a:ext>
             <a:ext uri="{91240B29-F687-4F45-9708-019B960494DF}">
-              <a14:hiddenLine xmlns="" xmlns:a14="http://schemas.microsoft.com/office/drawing/2010/main" w="9525">
+              <a14:hiddenLine xmlns:a14="http://schemas.microsoft.com/office/drawing/2010/main" xmlns="" w="9525">
                 <a:solidFill>
                   <a:schemeClr val="tx1"/>
                 </a:solidFill>
@@ -8225,7 +8233,7 @@
               </a14:hiddenLine>
             </a:ext>
             <a:ext uri="{AF507438-7753-43E0-B8FC-AC1667EBCBE1}">
-              <a14:hiddenEffects xmlns="" xmlns:a14="http://schemas.microsoft.com/office/drawing/2010/main">
+              <a14:hiddenEffects xmlns:a14="http://schemas.microsoft.com/office/drawing/2010/main" xmlns="">
                 <a:effectLst>
                   <a:outerShdw dist="35921" dir="2700000" algn="ctr" rotWithShape="0">
                     <a:schemeClr val="bg2"/>
@@ -9084,7 +9092,7 @@
     </p:spTree>
     <p:extLst>
       <p:ext uri="{BB962C8B-B14F-4D97-AF65-F5344CB8AC3E}">
-        <p14:creationId xmlns="" xmlns:p14="http://schemas.microsoft.com/office/powerpoint/2010/main" val="1297011577"/>
+        <p14:creationId xmlns:p14="http://schemas.microsoft.com/office/powerpoint/2010/main" xmlns="" val="1297011577"/>
       </p:ext>
     </p:extLst>
   </p:cSld>
@@ -9895,7 +9903,7 @@
     </p:spTree>
     <p:extLst>
       <p:ext uri="{BB962C8B-B14F-4D97-AF65-F5344CB8AC3E}">
-        <p14:creationId xmlns="" xmlns:p14="http://schemas.microsoft.com/office/powerpoint/2010/main" val="3925425045"/>
+        <p14:creationId xmlns:p14="http://schemas.microsoft.com/office/powerpoint/2010/main" xmlns="" val="3925425045"/>
       </p:ext>
     </p:extLst>
   </p:cSld>
@@ -10121,7 +10129,7 @@
           <a:blip r:embed="rId2" cstate="print">
             <a:extLst>
               <a:ext uri="{28A0092B-C50C-407E-A947-70E740481C1C}">
-                <a14:useLocalDpi xmlns="" xmlns:a14="http://schemas.microsoft.com/office/drawing/2010/main" val="0"/>
+                <a14:useLocalDpi xmlns:a14="http://schemas.microsoft.com/office/drawing/2010/main" xmlns="" val="0"/>
               </a:ext>
             </a:extLst>
           </a:blip>
@@ -10214,7 +10222,7 @@
           <a:blip r:embed="rId3" cstate="print">
             <a:extLst>
               <a:ext uri="{28A0092B-C50C-407E-A947-70E740481C1C}">
-                <a14:useLocalDpi xmlns="" xmlns:a14="http://schemas.microsoft.com/office/drawing/2010/main" val="0"/>
+                <a14:useLocalDpi xmlns:a14="http://schemas.microsoft.com/office/drawing/2010/main" xmlns="" val="0"/>
               </a:ext>
             </a:extLst>
           </a:blip>
@@ -10235,7 +10243,7 @@
     </p:spTree>
     <p:extLst>
       <p:ext uri="{BB962C8B-B14F-4D97-AF65-F5344CB8AC3E}">
-        <p14:creationId xmlns="" xmlns:p14="http://schemas.microsoft.com/office/powerpoint/2010/main" val="2797135597"/>
+        <p14:creationId xmlns:p14="http://schemas.microsoft.com/office/powerpoint/2010/main" xmlns="" val="2797135597"/>
       </p:ext>
     </p:extLst>
   </p:cSld>
@@ -11046,7 +11054,7 @@
     </p:spTree>
     <p:extLst>
       <p:ext uri="{BB962C8B-B14F-4D97-AF65-F5344CB8AC3E}">
-        <p14:creationId xmlns="" xmlns:p14="http://schemas.microsoft.com/office/powerpoint/2010/main" val="3352509565"/>
+        <p14:creationId xmlns:p14="http://schemas.microsoft.com/office/powerpoint/2010/main" xmlns="" val="3352509565"/>
       </p:ext>
     </p:extLst>
   </p:cSld>
@@ -11409,7 +11417,7 @@
     </p:spTree>
     <p:extLst>
       <p:ext uri="{BB962C8B-B14F-4D97-AF65-F5344CB8AC3E}">
-        <p14:creationId xmlns="" xmlns:p14="http://schemas.microsoft.com/office/powerpoint/2010/main" val="2222945292"/>
+        <p14:creationId xmlns:p14="http://schemas.microsoft.com/office/powerpoint/2010/main" xmlns="" val="2222945292"/>
       </p:ext>
     </p:extLst>
   </p:cSld>
@@ -11944,7 +11952,7 @@
     </p:spTree>
     <p:extLst>
       <p:ext uri="{BB962C8B-B14F-4D97-AF65-F5344CB8AC3E}">
-        <p14:creationId xmlns="" xmlns:p14="http://schemas.microsoft.com/office/powerpoint/2010/main" val="2222945292"/>
+        <p14:creationId xmlns:p14="http://schemas.microsoft.com/office/powerpoint/2010/main" xmlns="" val="2222945292"/>
       </p:ext>
     </p:extLst>
   </p:cSld>
@@ -12234,7 +12242,7 @@
     </p:spTree>
     <p:extLst>
       <p:ext uri="{BB962C8B-B14F-4D97-AF65-F5344CB8AC3E}">
-        <p14:creationId xmlns="" xmlns:p14="http://schemas.microsoft.com/office/powerpoint/2010/main" val="2222945292"/>
+        <p14:creationId xmlns:p14="http://schemas.microsoft.com/office/powerpoint/2010/main" xmlns="" val="2222945292"/>
       </p:ext>
     </p:extLst>
   </p:cSld>
@@ -12395,7 +12403,7 @@
           <a:blip r:embed="rId2" cstate="print">
             <a:extLst>
               <a:ext uri="{28A0092B-C50C-407E-A947-70E740481C1C}">
-                <a14:useLocalDpi xmlns="" xmlns:a14="http://schemas.microsoft.com/office/drawing/2010/main" val="0"/>
+                <a14:useLocalDpi xmlns:a14="http://schemas.microsoft.com/office/drawing/2010/main" xmlns="" val="0"/>
               </a:ext>
             </a:extLst>
           </a:blip>
@@ -12445,7 +12453,7 @@
     </p:spTree>
     <p:extLst>
       <p:ext uri="{BB962C8B-B14F-4D97-AF65-F5344CB8AC3E}">
-        <p14:creationId xmlns="" xmlns:p14="http://schemas.microsoft.com/office/powerpoint/2010/main" val="2222945292"/>
+        <p14:creationId xmlns:p14="http://schemas.microsoft.com/office/powerpoint/2010/main" xmlns="" val="2222945292"/>
       </p:ext>
     </p:extLst>
   </p:cSld>
@@ -12677,7 +12685,7 @@
     </p:spTree>
     <p:extLst>
       <p:ext uri="{BB962C8B-B14F-4D97-AF65-F5344CB8AC3E}">
-        <p14:creationId xmlns="" xmlns:p14="http://schemas.microsoft.com/office/powerpoint/2010/main" val="2222945292"/>
+        <p14:creationId xmlns:p14="http://schemas.microsoft.com/office/powerpoint/2010/main" xmlns="" val="2222945292"/>
       </p:ext>
     </p:extLst>
   </p:cSld>
@@ -13488,7 +13496,7 @@
     </p:spTree>
     <p:extLst>
       <p:ext uri="{BB962C8B-B14F-4D97-AF65-F5344CB8AC3E}">
-        <p14:creationId xmlns="" xmlns:p14="http://schemas.microsoft.com/office/powerpoint/2010/main" val="118173244"/>
+        <p14:creationId xmlns:p14="http://schemas.microsoft.com/office/powerpoint/2010/main" xmlns="" val="118173244"/>
       </p:ext>
     </p:extLst>
   </p:cSld>
@@ -13829,7 +13837,7 @@
     </p:spTree>
     <p:extLst>
       <p:ext uri="{BB962C8B-B14F-4D97-AF65-F5344CB8AC3E}">
-        <p14:creationId xmlns="" xmlns:p14="http://schemas.microsoft.com/office/powerpoint/2010/main" val="4175840664"/>
+        <p14:creationId xmlns:p14="http://schemas.microsoft.com/office/powerpoint/2010/main" xmlns="" val="4175840664"/>
       </p:ext>
     </p:extLst>
   </p:cSld>
@@ -14027,7 +14035,7 @@
     </p:spTree>
     <p:extLst>
       <p:ext uri="{BB962C8B-B14F-4D97-AF65-F5344CB8AC3E}">
-        <p14:creationId xmlns="" xmlns:p14="http://schemas.microsoft.com/office/powerpoint/2010/main" val="1297011577"/>
+        <p14:creationId xmlns:p14="http://schemas.microsoft.com/office/powerpoint/2010/main" xmlns="" val="1297011577"/>
       </p:ext>
     </p:extLst>
   </p:cSld>
@@ -14225,7 +14233,7 @@
     </p:spTree>
     <p:extLst>
       <p:ext uri="{BB962C8B-B14F-4D97-AF65-F5344CB8AC3E}">
-        <p14:creationId xmlns="" xmlns:p14="http://schemas.microsoft.com/office/powerpoint/2010/main" val="3182484930"/>
+        <p14:creationId xmlns:p14="http://schemas.microsoft.com/office/powerpoint/2010/main" xmlns="" val="3182484930"/>
       </p:ext>
     </p:extLst>
   </p:cSld>
@@ -15265,7 +15273,7 @@
     </p:spTree>
     <p:extLst>
       <p:ext uri="{BB962C8B-B14F-4D97-AF65-F5344CB8AC3E}">
-        <p14:creationId xmlns="" xmlns:p14="http://schemas.microsoft.com/office/powerpoint/2010/main" val="1297011577"/>
+        <p14:creationId xmlns:p14="http://schemas.microsoft.com/office/powerpoint/2010/main" xmlns="" val="1297011577"/>
       </p:ext>
     </p:extLst>
   </p:cSld>
@@ -15426,7 +15434,7 @@
     </p:spTree>
     <p:extLst>
       <p:ext uri="{BB962C8B-B14F-4D97-AF65-F5344CB8AC3E}">
-        <p14:creationId xmlns="" xmlns:p14="http://schemas.microsoft.com/office/powerpoint/2010/main" val="1297011577"/>
+        <p14:creationId xmlns:p14="http://schemas.microsoft.com/office/powerpoint/2010/main" xmlns="" val="1297011577"/>
       </p:ext>
     </p:extLst>
   </p:cSld>
@@ -15541,7 +15549,7 @@
     </p:spTree>
     <p:extLst>
       <p:ext uri="{BB962C8B-B14F-4D97-AF65-F5344CB8AC3E}">
-        <p14:creationId xmlns="" xmlns:p14="http://schemas.microsoft.com/office/powerpoint/2010/main" val="631339435"/>
+        <p14:creationId xmlns:p14="http://schemas.microsoft.com/office/powerpoint/2010/main" xmlns="" val="631339435"/>
       </p:ext>
     </p:extLst>
   </p:cSld>
@@ -15702,7 +15710,7 @@
     </p:spTree>
     <p:extLst>
       <p:ext uri="{BB962C8B-B14F-4D97-AF65-F5344CB8AC3E}">
-        <p14:creationId xmlns="" xmlns:p14="http://schemas.microsoft.com/office/powerpoint/2010/main" val="1297011577"/>
+        <p14:creationId xmlns:p14="http://schemas.microsoft.com/office/powerpoint/2010/main" xmlns="" val="1297011577"/>
       </p:ext>
     </p:extLst>
   </p:cSld>
@@ -15863,7 +15871,7 @@
     </p:spTree>
     <p:extLst>
       <p:ext uri="{BB962C8B-B14F-4D97-AF65-F5344CB8AC3E}">
-        <p14:creationId xmlns="" xmlns:p14="http://schemas.microsoft.com/office/powerpoint/2010/main" val="1297011577"/>
+        <p14:creationId xmlns:p14="http://schemas.microsoft.com/office/powerpoint/2010/main" xmlns="" val="1297011577"/>
       </p:ext>
     </p:extLst>
   </p:cSld>
@@ -15966,7 +15974,7 @@
     </p:spTree>
     <p:extLst>
       <p:ext uri="{BB962C8B-B14F-4D97-AF65-F5344CB8AC3E}">
-        <p14:creationId xmlns="" xmlns:p14="http://schemas.microsoft.com/office/powerpoint/2010/main" val="1280618262"/>
+        <p14:creationId xmlns:p14="http://schemas.microsoft.com/office/powerpoint/2010/main" xmlns="" val="1280618262"/>
       </p:ext>
     </p:extLst>
   </p:cSld>
@@ -16173,7 +16181,7 @@
     </p:spTree>
     <p:extLst>
       <p:ext uri="{BB962C8B-B14F-4D97-AF65-F5344CB8AC3E}">
-        <p14:creationId xmlns="" xmlns:p14="http://schemas.microsoft.com/office/powerpoint/2010/main" val="73910125"/>
+        <p14:creationId xmlns:p14="http://schemas.microsoft.com/office/powerpoint/2010/main" xmlns="" val="73910125"/>
       </p:ext>
     </p:extLst>
   </p:cSld>
@@ -16643,7 +16651,7 @@
           <a:blip r:embed="rId2" cstate="print">
             <a:extLst>
               <a:ext uri="{28A0092B-C50C-407E-A947-70E740481C1C}">
-                <a14:useLocalDpi xmlns="" xmlns:a14="http://schemas.microsoft.com/office/drawing/2010/main" val="0"/>
+                <a14:useLocalDpi xmlns:a14="http://schemas.microsoft.com/office/drawing/2010/main" xmlns="" val="0"/>
               </a:ext>
             </a:extLst>
           </a:blip>
@@ -16667,14 +16675,14 @@
           <a:effectLst/>
           <a:extLst>
             <a:ext uri="{909E8E84-426E-40DD-AFC4-6F175D3DCCD1}">
-              <a14:hiddenFill xmlns="" xmlns:a14="http://schemas.microsoft.com/office/drawing/2010/main">
+              <a14:hiddenFill xmlns:a14="http://schemas.microsoft.com/office/drawing/2010/main" xmlns="">
                 <a:solidFill>
                   <a:schemeClr val="accent1"/>
                 </a:solidFill>
               </a14:hiddenFill>
             </a:ext>
             <a:ext uri="{91240B29-F687-4F45-9708-019B960494DF}">
-              <a14:hiddenLine xmlns="" xmlns:a14="http://schemas.microsoft.com/office/drawing/2010/main" w="9525">
+              <a14:hiddenLine xmlns:a14="http://schemas.microsoft.com/office/drawing/2010/main" xmlns="" w="9525">
                 <a:solidFill>
                   <a:schemeClr val="tx1"/>
                 </a:solidFill>
@@ -16684,7 +16692,7 @@
               </a14:hiddenLine>
             </a:ext>
             <a:ext uri="{AF507438-7753-43E0-B8FC-AC1667EBCBE1}">
-              <a14:hiddenEffects xmlns="" xmlns:a14="http://schemas.microsoft.com/office/drawing/2010/main">
+              <a14:hiddenEffects xmlns:a14="http://schemas.microsoft.com/office/drawing/2010/main" xmlns="">
                 <a:effectLst>
                   <a:outerShdw dist="35921" dir="2700000" algn="ctr" rotWithShape="0">
                     <a:schemeClr val="bg2"/>
@@ -16707,7 +16715,7 @@
           <a:blip r:embed="rId3" cstate="print">
             <a:extLst>
               <a:ext uri="{28A0092B-C50C-407E-A947-70E740481C1C}">
-                <a14:useLocalDpi xmlns="" xmlns:a14="http://schemas.microsoft.com/office/drawing/2010/main" val="0"/>
+                <a14:useLocalDpi xmlns:a14="http://schemas.microsoft.com/office/drawing/2010/main" xmlns="" val="0"/>
               </a:ext>
             </a:extLst>
           </a:blip>
@@ -16731,14 +16739,14 @@
           <a:effectLst/>
           <a:extLst>
             <a:ext uri="{909E8E84-426E-40DD-AFC4-6F175D3DCCD1}">
-              <a14:hiddenFill xmlns="" xmlns:a14="http://schemas.microsoft.com/office/drawing/2010/main">
+              <a14:hiddenFill xmlns:a14="http://schemas.microsoft.com/office/drawing/2010/main" xmlns="">
                 <a:solidFill>
                   <a:schemeClr val="accent1"/>
                 </a:solidFill>
               </a14:hiddenFill>
             </a:ext>
             <a:ext uri="{91240B29-F687-4F45-9708-019B960494DF}">
-              <a14:hiddenLine xmlns="" xmlns:a14="http://schemas.microsoft.com/office/drawing/2010/main" w="9525">
+              <a14:hiddenLine xmlns:a14="http://schemas.microsoft.com/office/drawing/2010/main" xmlns="" w="9525">
                 <a:solidFill>
                   <a:schemeClr val="tx1"/>
                 </a:solidFill>
@@ -16748,7 +16756,7 @@
               </a14:hiddenLine>
             </a:ext>
             <a:ext uri="{AF507438-7753-43E0-B8FC-AC1667EBCBE1}">
-              <a14:hiddenEffects xmlns="" xmlns:a14="http://schemas.microsoft.com/office/drawing/2010/main">
+              <a14:hiddenEffects xmlns:a14="http://schemas.microsoft.com/office/drawing/2010/main" xmlns="">
                 <a:effectLst>
                   <a:outerShdw dist="35921" dir="2700000" algn="ctr" rotWithShape="0">
                     <a:schemeClr val="bg2"/>
@@ -16771,7 +16779,7 @@
           <a:blip r:embed="rId4" cstate="print">
             <a:extLst>
               <a:ext uri="{28A0092B-C50C-407E-A947-70E740481C1C}">
-                <a14:useLocalDpi xmlns="" xmlns:a14="http://schemas.microsoft.com/office/drawing/2010/main" val="0"/>
+                <a14:useLocalDpi xmlns:a14="http://schemas.microsoft.com/office/drawing/2010/main" xmlns="" val="0"/>
               </a:ext>
             </a:extLst>
           </a:blip>
@@ -16795,14 +16803,14 @@
           <a:effectLst/>
           <a:extLst>
             <a:ext uri="{909E8E84-426E-40DD-AFC4-6F175D3DCCD1}">
-              <a14:hiddenFill xmlns="" xmlns:a14="http://schemas.microsoft.com/office/drawing/2010/main">
+              <a14:hiddenFill xmlns:a14="http://schemas.microsoft.com/office/drawing/2010/main" xmlns="">
                 <a:solidFill>
                   <a:schemeClr val="accent1"/>
                 </a:solidFill>
               </a14:hiddenFill>
             </a:ext>
             <a:ext uri="{91240B29-F687-4F45-9708-019B960494DF}">
-              <a14:hiddenLine xmlns="" xmlns:a14="http://schemas.microsoft.com/office/drawing/2010/main" w="9525">
+              <a14:hiddenLine xmlns:a14="http://schemas.microsoft.com/office/drawing/2010/main" xmlns="" w="9525">
                 <a:solidFill>
                   <a:schemeClr val="tx1"/>
                 </a:solidFill>
@@ -16812,7 +16820,7 @@
               </a14:hiddenLine>
             </a:ext>
             <a:ext uri="{AF507438-7753-43E0-B8FC-AC1667EBCBE1}">
-              <a14:hiddenEffects xmlns="" xmlns:a14="http://schemas.microsoft.com/office/drawing/2010/main">
+              <a14:hiddenEffects xmlns:a14="http://schemas.microsoft.com/office/drawing/2010/main" xmlns="">
                 <a:effectLst>
                   <a:outerShdw dist="35921" dir="2700000" algn="ctr" rotWithShape="0">
                     <a:schemeClr val="bg2"/>
@@ -17549,7 +17557,7 @@
           <a:blip r:embed="rId2" cstate="print">
             <a:extLst>
               <a:ext uri="{28A0092B-C50C-407E-A947-70E740481C1C}">
-                <a14:useLocalDpi xmlns="" xmlns:a14="http://schemas.microsoft.com/office/drawing/2010/main" val="0"/>
+                <a14:useLocalDpi xmlns:a14="http://schemas.microsoft.com/office/drawing/2010/main" xmlns="" val="0"/>
               </a:ext>
             </a:extLst>
           </a:blip>
@@ -17573,14 +17581,14 @@
           <a:effectLst/>
           <a:extLst>
             <a:ext uri="{909E8E84-426E-40DD-AFC4-6F175D3DCCD1}">
-              <a14:hiddenFill xmlns="" xmlns:a14="http://schemas.microsoft.com/office/drawing/2010/main">
+              <a14:hiddenFill xmlns:a14="http://schemas.microsoft.com/office/drawing/2010/main" xmlns="">
                 <a:solidFill>
                   <a:schemeClr val="accent1"/>
                 </a:solidFill>
               </a14:hiddenFill>
             </a:ext>
             <a:ext uri="{91240B29-F687-4F45-9708-019B960494DF}">
-              <a14:hiddenLine xmlns="" xmlns:a14="http://schemas.microsoft.com/office/drawing/2010/main" w="9525">
+              <a14:hiddenLine xmlns:a14="http://schemas.microsoft.com/office/drawing/2010/main" xmlns="" w="9525">
                 <a:solidFill>
                   <a:schemeClr val="tx1"/>
                 </a:solidFill>
@@ -17590,7 +17598,7 @@
               </a14:hiddenLine>
             </a:ext>
             <a:ext uri="{AF507438-7753-43E0-B8FC-AC1667EBCBE1}">
-              <a14:hiddenEffects xmlns="" xmlns:a14="http://schemas.microsoft.com/office/drawing/2010/main">
+              <a14:hiddenEffects xmlns:a14="http://schemas.microsoft.com/office/drawing/2010/main" xmlns="">
                 <a:effectLst>
                   <a:outerShdw dist="35921" dir="2700000" algn="ctr" rotWithShape="0">
                     <a:schemeClr val="bg2"/>
@@ -18151,7 +18159,7 @@
     </p:spTree>
     <p:extLst>
       <p:ext uri="{BB962C8B-B14F-4D97-AF65-F5344CB8AC3E}">
-        <p14:creationId xmlns="" xmlns:p14="http://schemas.microsoft.com/office/powerpoint/2010/main" val="1590311507"/>
+        <p14:creationId xmlns:p14="http://schemas.microsoft.com/office/powerpoint/2010/main" xmlns="" val="1590311507"/>
       </p:ext>
     </p:extLst>
   </p:cSld>
@@ -18937,7 +18945,7 @@
     </p:spTree>
     <p:extLst>
       <p:ext uri="{BB962C8B-B14F-4D97-AF65-F5344CB8AC3E}">
-        <p14:creationId xmlns="" xmlns:p14="http://schemas.microsoft.com/office/powerpoint/2010/main" val="1272277284"/>
+        <p14:creationId xmlns:p14="http://schemas.microsoft.com/office/powerpoint/2010/main" xmlns="" val="1272277284"/>
       </p:ext>
     </p:extLst>
   </p:cSld>
@@ -19483,7 +19491,7 @@
     </p:spTree>
     <p:extLst>
       <p:ext uri="{BB962C8B-B14F-4D97-AF65-F5344CB8AC3E}">
-        <p14:creationId xmlns="" xmlns:p14="http://schemas.microsoft.com/office/powerpoint/2010/main" val="2576316791"/>
+        <p14:creationId xmlns:p14="http://schemas.microsoft.com/office/powerpoint/2010/main" xmlns="" val="2576316791"/>
       </p:ext>
     </p:extLst>
   </p:cSld>
@@ -19678,7 +19686,7 @@
     </p:spTree>
     <p:extLst>
       <p:ext uri="{BB962C8B-B14F-4D97-AF65-F5344CB8AC3E}">
-        <p14:creationId xmlns="" xmlns:p14="http://schemas.microsoft.com/office/powerpoint/2010/main" val="4197966627"/>
+        <p14:creationId xmlns:p14="http://schemas.microsoft.com/office/powerpoint/2010/main" xmlns="" val="4197966627"/>
       </p:ext>
     </p:extLst>
   </p:cSld>
@@ -19845,7 +19853,7 @@
           <a:blip r:embed="rId2" cstate="print">
             <a:extLst>
               <a:ext uri="{28A0092B-C50C-407E-A947-70E740481C1C}">
-                <a14:useLocalDpi xmlns="" xmlns:a14="http://schemas.microsoft.com/office/drawing/2010/main" val="0"/>
+                <a14:useLocalDpi xmlns:a14="http://schemas.microsoft.com/office/drawing/2010/main" xmlns="" val="0"/>
               </a:ext>
             </a:extLst>
           </a:blip>
@@ -19869,14 +19877,14 @@
           <a:effectLst/>
           <a:extLst>
             <a:ext uri="{909E8E84-426E-40DD-AFC4-6F175D3DCCD1}">
-              <a14:hiddenFill xmlns="" xmlns:a14="http://schemas.microsoft.com/office/drawing/2010/main">
+              <a14:hiddenFill xmlns:a14="http://schemas.microsoft.com/office/drawing/2010/main" xmlns="">
                 <a:solidFill>
                   <a:schemeClr val="accent1"/>
                 </a:solidFill>
               </a14:hiddenFill>
             </a:ext>
             <a:ext uri="{91240B29-F687-4F45-9708-019B960494DF}">
-              <a14:hiddenLine xmlns="" xmlns:a14="http://schemas.microsoft.com/office/drawing/2010/main" w="9525">
+              <a14:hiddenLine xmlns:a14="http://schemas.microsoft.com/office/drawing/2010/main" xmlns="" w="9525">
                 <a:solidFill>
                   <a:schemeClr val="tx1"/>
                 </a:solidFill>
@@ -19886,7 +19894,7 @@
               </a14:hiddenLine>
             </a:ext>
             <a:ext uri="{AF507438-7753-43E0-B8FC-AC1667EBCBE1}">
-              <a14:hiddenEffects xmlns="" xmlns:a14="http://schemas.microsoft.com/office/drawing/2010/main">
+              <a14:hiddenEffects xmlns:a14="http://schemas.microsoft.com/office/drawing/2010/main" xmlns="">
                 <a:effectLst>
                   <a:outerShdw dist="35921" dir="2700000" algn="ctr" rotWithShape="0">
                     <a:schemeClr val="bg2"/>
@@ -20011,7 +20019,7 @@
           <a:blip r:embed="rId3" cstate="print">
             <a:extLst>
               <a:ext uri="{28A0092B-C50C-407E-A947-70E740481C1C}">
-                <a14:useLocalDpi xmlns="" xmlns:a14="http://schemas.microsoft.com/office/drawing/2010/main" val="0"/>
+                <a14:useLocalDpi xmlns:a14="http://schemas.microsoft.com/office/drawing/2010/main" xmlns="" val="0"/>
               </a:ext>
             </a:extLst>
           </a:blip>
@@ -20035,14 +20043,14 @@
           <a:effectLst/>
           <a:extLst>
             <a:ext uri="{909E8E84-426E-40DD-AFC4-6F175D3DCCD1}">
-              <a14:hiddenFill xmlns="" xmlns:a14="http://schemas.microsoft.com/office/drawing/2010/main">
+              <a14:hiddenFill xmlns:a14="http://schemas.microsoft.com/office/drawing/2010/main" xmlns="">
                 <a:solidFill>
                   <a:schemeClr val="accent1"/>
                 </a:solidFill>
               </a14:hiddenFill>
             </a:ext>
             <a:ext uri="{91240B29-F687-4F45-9708-019B960494DF}">
-              <a14:hiddenLine xmlns="" xmlns:a14="http://schemas.microsoft.com/office/drawing/2010/main" w="9525">
+              <a14:hiddenLine xmlns:a14="http://schemas.microsoft.com/office/drawing/2010/main" xmlns="" w="9525">
                 <a:solidFill>
                   <a:schemeClr val="tx1"/>
                 </a:solidFill>
@@ -20052,7 +20060,7 @@
               </a14:hiddenLine>
             </a:ext>
             <a:ext uri="{AF507438-7753-43E0-B8FC-AC1667EBCBE1}">
-              <a14:hiddenEffects xmlns="" xmlns:a14="http://schemas.microsoft.com/office/drawing/2010/main">
+              <a14:hiddenEffects xmlns:a14="http://schemas.microsoft.com/office/drawing/2010/main" xmlns="">
                 <a:effectLst>
                   <a:outerShdw dist="35921" dir="2700000" algn="ctr" rotWithShape="0">
                     <a:schemeClr val="bg2"/>

--- a/Documentation/presentation.pptx
+++ b/Documentation/presentation.pptx
@@ -5,10 +5,10 @@
     <p:sldMasterId id="2147483660" r:id="rId1"/>
   </p:sldMasterIdLst>
   <p:notesMasterIdLst>
-    <p:notesMasterId r:id="rId36"/>
+    <p:notesMasterId r:id="rId39"/>
   </p:notesMasterIdLst>
   <p:handoutMasterIdLst>
-    <p:handoutMasterId r:id="rId37"/>
+    <p:handoutMasterId r:id="rId40"/>
   </p:handoutMasterIdLst>
   <p:sldIdLst>
     <p:sldId id="256" r:id="rId2"/>
@@ -42,9 +42,12 @@
     <p:sldId id="289" r:id="rId30"/>
     <p:sldId id="290" r:id="rId31"/>
     <p:sldId id="291" r:id="rId32"/>
-    <p:sldId id="271" r:id="rId33"/>
-    <p:sldId id="277" r:id="rId34"/>
-    <p:sldId id="263" r:id="rId35"/>
+    <p:sldId id="292" r:id="rId33"/>
+    <p:sldId id="293" r:id="rId34"/>
+    <p:sldId id="294" r:id="rId35"/>
+    <p:sldId id="271" r:id="rId36"/>
+    <p:sldId id="277" r:id="rId37"/>
+    <p:sldId id="263" r:id="rId38"/>
   </p:sldIdLst>
   <p:sldSz cx="9144000" cy="6858000" type="screen4x3"/>
   <p:notesSz cx="6858000" cy="9144000"/>
@@ -305,7 +308,7 @@
     </p:spTree>
     <p:extLst>
       <p:ext uri="{BB962C8B-B14F-4D97-AF65-F5344CB8AC3E}">
-        <p14:creationId xmlns:p14="http://schemas.microsoft.com/office/powerpoint/2010/main" xmlns="" val="1720896244"/>
+        <p14:creationId xmlns="" xmlns:p14="http://schemas.microsoft.com/office/powerpoint/2010/main" val="1720896244"/>
       </p:ext>
     </p:extLst>
   </p:cSld>
@@ -567,7 +570,7 @@
     </p:spTree>
     <p:extLst>
       <p:ext uri="{BB962C8B-B14F-4D97-AF65-F5344CB8AC3E}">
-        <p14:creationId xmlns:p14="http://schemas.microsoft.com/office/powerpoint/2010/main" xmlns="" val="2903458520"/>
+        <p14:creationId xmlns="" xmlns:p14="http://schemas.microsoft.com/office/powerpoint/2010/main" val="2903458520"/>
       </p:ext>
     </p:extLst>
   </p:cSld>
@@ -2031,7 +2034,7 @@
           <a:blip r:embed="rId2" cstate="print">
             <a:extLst>
               <a:ext uri="{28A0092B-C50C-407E-A947-70E740481C1C}">
-                <a14:useLocalDpi xmlns:a14="http://schemas.microsoft.com/office/drawing/2010/main" xmlns="" val="0"/>
+                <a14:useLocalDpi xmlns="" xmlns:a14="http://schemas.microsoft.com/office/drawing/2010/main" val="0"/>
               </a:ext>
             </a:extLst>
           </a:blip>
@@ -2055,14 +2058,14 @@
           <a:effectLst/>
           <a:extLst>
             <a:ext uri="{909E8E84-426E-40DD-AFC4-6F175D3DCCD1}">
-              <a14:hiddenFill xmlns:a14="http://schemas.microsoft.com/office/drawing/2010/main" xmlns="">
+              <a14:hiddenFill xmlns="" xmlns:a14="http://schemas.microsoft.com/office/drawing/2010/main">
                 <a:solidFill>
                   <a:schemeClr val="accent1"/>
                 </a:solidFill>
               </a14:hiddenFill>
             </a:ext>
             <a:ext uri="{91240B29-F687-4F45-9708-019B960494DF}">
-              <a14:hiddenLine xmlns:a14="http://schemas.microsoft.com/office/drawing/2010/main" xmlns="" w="9525">
+              <a14:hiddenLine xmlns="" xmlns:a14="http://schemas.microsoft.com/office/drawing/2010/main" w="9525">
                 <a:solidFill>
                   <a:schemeClr val="tx1"/>
                 </a:solidFill>
@@ -2072,7 +2075,7 @@
               </a14:hiddenLine>
             </a:ext>
             <a:ext uri="{AF507438-7753-43E0-B8FC-AC1667EBCBE1}">
-              <a14:hiddenEffects xmlns:a14="http://schemas.microsoft.com/office/drawing/2010/main" xmlns="">
+              <a14:hiddenEffects xmlns="" xmlns:a14="http://schemas.microsoft.com/office/drawing/2010/main">
                 <a:effectLst>
                   <a:outerShdw dist="35921" dir="2700000" algn="ctr" rotWithShape="0">
                     <a:schemeClr val="bg2"/>
@@ -3144,7 +3147,7 @@
           <a:blip r:embed="rId2" cstate="print">
             <a:extLst>
               <a:ext uri="{28A0092B-C50C-407E-A947-70E740481C1C}">
-                <a14:useLocalDpi xmlns:a14="http://schemas.microsoft.com/office/drawing/2010/main" xmlns="" val="0"/>
+                <a14:useLocalDpi xmlns="" xmlns:a14="http://schemas.microsoft.com/office/drawing/2010/main" val="0"/>
               </a:ext>
             </a:extLst>
           </a:blip>
@@ -3168,14 +3171,14 @@
           <a:effectLst/>
           <a:extLst>
             <a:ext uri="{909E8E84-426E-40DD-AFC4-6F175D3DCCD1}">
-              <a14:hiddenFill xmlns:a14="http://schemas.microsoft.com/office/drawing/2010/main" xmlns="">
+              <a14:hiddenFill xmlns="" xmlns:a14="http://schemas.microsoft.com/office/drawing/2010/main">
                 <a:solidFill>
                   <a:schemeClr val="accent1"/>
                 </a:solidFill>
               </a14:hiddenFill>
             </a:ext>
             <a:ext uri="{91240B29-F687-4F45-9708-019B960494DF}">
-              <a14:hiddenLine xmlns:a14="http://schemas.microsoft.com/office/drawing/2010/main" xmlns="" w="9525">
+              <a14:hiddenLine xmlns="" xmlns:a14="http://schemas.microsoft.com/office/drawing/2010/main" w="9525">
                 <a:solidFill>
                   <a:schemeClr val="tx1"/>
                 </a:solidFill>
@@ -3185,7 +3188,7 @@
               </a14:hiddenLine>
             </a:ext>
             <a:ext uri="{AF507438-7753-43E0-B8FC-AC1667EBCBE1}">
-              <a14:hiddenEffects xmlns:a14="http://schemas.microsoft.com/office/drawing/2010/main" xmlns="">
+              <a14:hiddenEffects xmlns="" xmlns:a14="http://schemas.microsoft.com/office/drawing/2010/main">
                 <a:effectLst>
                   <a:outerShdw dist="35921" dir="2700000" algn="ctr" rotWithShape="0">
                     <a:schemeClr val="bg2"/>
@@ -5272,7 +5275,15 @@
             </a:pPr>
             <a:r>
               <a:rPr lang="en-US" sz="6000" b="1" dirty="0" smtClean="0"/>
-              <a:t>NGUYỄN VĂN GIANG - 1011</a:t>
+              <a:t>NGUYỄN VĂN GIANG </a:t>
+            </a:r>
+            <a:r>
+              <a:rPr lang="en-US" sz="6000" b="1" smtClean="0"/>
+              <a:t>- </a:t>
+            </a:r>
+            <a:r>
+              <a:rPr lang="en-US" sz="6000" b="1" smtClean="0"/>
+              <a:t>1011073</a:t>
             </a:r>
             <a:endParaRPr lang="en-US" sz="6000" dirty="0" smtClean="0"/>
           </a:p>
@@ -5284,11 +5295,7 @@
             </a:pPr>
             <a:r>
               <a:rPr lang="en-US" sz="6000" b="1" dirty="0" smtClean="0"/>
-              <a:t>NGUYỄN HOÀN - </a:t>
-            </a:r>
-            <a:r>
-              <a:rPr lang="en-US" sz="6000" b="1" dirty="0" smtClean="0"/>
-              <a:t>1011075 </a:t>
+              <a:t>NGUYỄN HOÀN - 1011075 </a:t>
             </a:r>
             <a:endParaRPr lang="en-US" sz="6000" dirty="0" smtClean="0"/>
           </a:p>
@@ -5312,11 +5319,7 @@
             </a:pPr>
             <a:r>
               <a:rPr lang="en-US" sz="6000" b="1" dirty="0" smtClean="0"/>
-              <a:t>HOÀNG XUÂN THẢO - </a:t>
-            </a:r>
-            <a:r>
-              <a:rPr lang="en-US" sz="6000" b="1" dirty="0" smtClean="0"/>
-              <a:t>1011087</a:t>
+              <a:t>HOÀNG XUÂN THẢO - 1011087</a:t>
             </a:r>
             <a:endParaRPr lang="en-US" dirty="0"/>
           </a:p>
@@ -5604,7 +5607,7 @@
           <a:blip r:embed="rId2" cstate="print">
             <a:extLst>
               <a:ext uri="{28A0092B-C50C-407E-A947-70E740481C1C}">
-                <a14:useLocalDpi xmlns:a14="http://schemas.microsoft.com/office/drawing/2010/main" xmlns="" val="0"/>
+                <a14:useLocalDpi xmlns="" xmlns:a14="http://schemas.microsoft.com/office/drawing/2010/main" val="0"/>
               </a:ext>
             </a:extLst>
           </a:blip>
@@ -5628,14 +5631,14 @@
           <a:effectLst/>
           <a:extLst>
             <a:ext uri="{909E8E84-426E-40DD-AFC4-6F175D3DCCD1}">
-              <a14:hiddenFill xmlns:a14="http://schemas.microsoft.com/office/drawing/2010/main" xmlns="">
+              <a14:hiddenFill xmlns="" xmlns:a14="http://schemas.microsoft.com/office/drawing/2010/main">
                 <a:solidFill>
                   <a:schemeClr val="accent1"/>
                 </a:solidFill>
               </a14:hiddenFill>
             </a:ext>
             <a:ext uri="{91240B29-F687-4F45-9708-019B960494DF}">
-              <a14:hiddenLine xmlns:a14="http://schemas.microsoft.com/office/drawing/2010/main" xmlns="" w="9525">
+              <a14:hiddenLine xmlns="" xmlns:a14="http://schemas.microsoft.com/office/drawing/2010/main" w="9525">
                 <a:solidFill>
                   <a:schemeClr val="tx1"/>
                 </a:solidFill>
@@ -5645,7 +5648,7 @@
               </a14:hiddenLine>
             </a:ext>
             <a:ext uri="{AF507438-7753-43E0-B8FC-AC1667EBCBE1}">
-              <a14:hiddenEffects xmlns:a14="http://schemas.microsoft.com/office/drawing/2010/main" xmlns="">
+              <a14:hiddenEffects xmlns="" xmlns:a14="http://schemas.microsoft.com/office/drawing/2010/main">
                 <a:effectLst>
                   <a:outerShdw dist="35921" dir="2700000" algn="ctr" rotWithShape="0">
                     <a:schemeClr val="bg2"/>
@@ -6211,7 +6214,7 @@
           <a:blip r:embed="rId3" cstate="print">
             <a:extLst>
               <a:ext uri="{28A0092B-C50C-407E-A947-70E740481C1C}">
-                <a14:useLocalDpi xmlns:a14="http://schemas.microsoft.com/office/drawing/2010/main" xmlns="" val="0"/>
+                <a14:useLocalDpi xmlns="" xmlns:a14="http://schemas.microsoft.com/office/drawing/2010/main" val="0"/>
               </a:ext>
             </a:extLst>
           </a:blip>
@@ -6235,14 +6238,14 @@
           <a:effectLst/>
           <a:extLst>
             <a:ext uri="{909E8E84-426E-40DD-AFC4-6F175D3DCCD1}">
-              <a14:hiddenFill xmlns:a14="http://schemas.microsoft.com/office/drawing/2010/main" xmlns="">
+              <a14:hiddenFill xmlns="" xmlns:a14="http://schemas.microsoft.com/office/drawing/2010/main">
                 <a:solidFill>
                   <a:schemeClr val="accent1"/>
                 </a:solidFill>
               </a14:hiddenFill>
             </a:ext>
             <a:ext uri="{91240B29-F687-4F45-9708-019B960494DF}">
-              <a14:hiddenLine xmlns:a14="http://schemas.microsoft.com/office/drawing/2010/main" xmlns="" w="9525">
+              <a14:hiddenLine xmlns="" xmlns:a14="http://schemas.microsoft.com/office/drawing/2010/main" w="9525">
                 <a:solidFill>
                   <a:schemeClr val="tx1"/>
                 </a:solidFill>
@@ -6252,7 +6255,7 @@
               </a14:hiddenLine>
             </a:ext>
             <a:ext uri="{AF507438-7753-43E0-B8FC-AC1667EBCBE1}">
-              <a14:hiddenEffects xmlns:a14="http://schemas.microsoft.com/office/drawing/2010/main" xmlns="">
+              <a14:hiddenEffects xmlns="" xmlns:a14="http://schemas.microsoft.com/office/drawing/2010/main">
                 <a:effectLst>
                   <a:outerShdw dist="35921" dir="2700000" algn="ctr" rotWithShape="0">
                     <a:schemeClr val="bg2"/>
@@ -7331,7 +7334,7 @@
           <a:blip r:embed="rId2" cstate="print">
             <a:extLst>
               <a:ext uri="{28A0092B-C50C-407E-A947-70E740481C1C}">
-                <a14:useLocalDpi xmlns:a14="http://schemas.microsoft.com/office/drawing/2010/main" xmlns="" val="0"/>
+                <a14:useLocalDpi xmlns="" xmlns:a14="http://schemas.microsoft.com/office/drawing/2010/main" val="0"/>
               </a:ext>
             </a:extLst>
           </a:blip>
@@ -7355,14 +7358,14 @@
           <a:effectLst/>
           <a:extLst>
             <a:ext uri="{909E8E84-426E-40DD-AFC4-6F175D3DCCD1}">
-              <a14:hiddenFill xmlns:a14="http://schemas.microsoft.com/office/drawing/2010/main" xmlns="">
+              <a14:hiddenFill xmlns="" xmlns:a14="http://schemas.microsoft.com/office/drawing/2010/main">
                 <a:solidFill>
                   <a:schemeClr val="accent1"/>
                 </a:solidFill>
               </a14:hiddenFill>
             </a:ext>
             <a:ext uri="{91240B29-F687-4F45-9708-019B960494DF}">
-              <a14:hiddenLine xmlns:a14="http://schemas.microsoft.com/office/drawing/2010/main" xmlns="" w="9525">
+              <a14:hiddenLine xmlns="" xmlns:a14="http://schemas.microsoft.com/office/drawing/2010/main" w="9525">
                 <a:solidFill>
                   <a:schemeClr val="tx1"/>
                 </a:solidFill>
@@ -7372,7 +7375,7 @@
               </a14:hiddenLine>
             </a:ext>
             <a:ext uri="{AF507438-7753-43E0-B8FC-AC1667EBCBE1}">
-              <a14:hiddenEffects xmlns:a14="http://schemas.microsoft.com/office/drawing/2010/main" xmlns="">
+              <a14:hiddenEffects xmlns="" xmlns:a14="http://schemas.microsoft.com/office/drawing/2010/main">
                 <a:effectLst>
                   <a:outerShdw dist="35921" dir="2700000" algn="ctr" rotWithShape="0">
                     <a:schemeClr val="bg2"/>
@@ -7443,7 +7446,7 @@
     </p:spTree>
     <p:extLst>
       <p:ext uri="{BB962C8B-B14F-4D97-AF65-F5344CB8AC3E}">
-        <p14:creationId xmlns:p14="http://schemas.microsoft.com/office/powerpoint/2010/main" xmlns="" val="920857711"/>
+        <p14:creationId xmlns="" xmlns:p14="http://schemas.microsoft.com/office/powerpoint/2010/main" val="920857711"/>
       </p:ext>
     </p:extLst>
   </p:cSld>
@@ -7951,7 +7954,7 @@
           <a:blip r:embed="rId2" cstate="print">
             <a:extLst>
               <a:ext uri="{28A0092B-C50C-407E-A947-70E740481C1C}">
-                <a14:useLocalDpi xmlns:a14="http://schemas.microsoft.com/office/drawing/2010/main" xmlns="" val="0"/>
+                <a14:useLocalDpi xmlns="" xmlns:a14="http://schemas.microsoft.com/office/drawing/2010/main" val="0"/>
               </a:ext>
             </a:extLst>
           </a:blip>
@@ -7975,14 +7978,14 @@
           <a:effectLst/>
           <a:extLst>
             <a:ext uri="{909E8E84-426E-40DD-AFC4-6F175D3DCCD1}">
-              <a14:hiddenFill xmlns:a14="http://schemas.microsoft.com/office/drawing/2010/main" xmlns="">
+              <a14:hiddenFill xmlns="" xmlns:a14="http://schemas.microsoft.com/office/drawing/2010/main">
                 <a:solidFill>
                   <a:schemeClr val="accent1"/>
                 </a:solidFill>
               </a14:hiddenFill>
             </a:ext>
             <a:ext uri="{91240B29-F687-4F45-9708-019B960494DF}">
-              <a14:hiddenLine xmlns:a14="http://schemas.microsoft.com/office/drawing/2010/main" xmlns="" w="9525">
+              <a14:hiddenLine xmlns="" xmlns:a14="http://schemas.microsoft.com/office/drawing/2010/main" w="9525">
                 <a:solidFill>
                   <a:schemeClr val="tx1"/>
                 </a:solidFill>
@@ -7992,7 +7995,7 @@
               </a14:hiddenLine>
             </a:ext>
             <a:ext uri="{AF507438-7753-43E0-B8FC-AC1667EBCBE1}">
-              <a14:hiddenEffects xmlns:a14="http://schemas.microsoft.com/office/drawing/2010/main" xmlns="">
+              <a14:hiddenEffects xmlns="" xmlns:a14="http://schemas.microsoft.com/office/drawing/2010/main">
                 <a:effectLst>
                   <a:outerShdw dist="35921" dir="2700000" algn="ctr" rotWithShape="0">
                     <a:schemeClr val="bg2"/>
@@ -8080,7 +8083,7 @@
     </p:spTree>
     <p:extLst>
       <p:ext uri="{BB962C8B-B14F-4D97-AF65-F5344CB8AC3E}">
-        <p14:creationId xmlns:p14="http://schemas.microsoft.com/office/powerpoint/2010/main" xmlns="" val="635753240"/>
+        <p14:creationId xmlns="" xmlns:p14="http://schemas.microsoft.com/office/powerpoint/2010/main" val="635753240"/>
       </p:ext>
     </p:extLst>
   </p:cSld>
@@ -8192,7 +8195,7 @@
           <a:blip r:embed="rId3" cstate="print">
             <a:extLst>
               <a:ext uri="{28A0092B-C50C-407E-A947-70E740481C1C}">
-                <a14:useLocalDpi xmlns:a14="http://schemas.microsoft.com/office/drawing/2010/main" xmlns="" val="0"/>
+                <a14:useLocalDpi xmlns="" xmlns:a14="http://schemas.microsoft.com/office/drawing/2010/main" val="0"/>
               </a:ext>
             </a:extLst>
           </a:blip>
@@ -8216,14 +8219,14 @@
           <a:effectLst/>
           <a:extLst>
             <a:ext uri="{909E8E84-426E-40DD-AFC4-6F175D3DCCD1}">
-              <a14:hiddenFill xmlns:a14="http://schemas.microsoft.com/office/drawing/2010/main" xmlns="">
+              <a14:hiddenFill xmlns="" xmlns:a14="http://schemas.microsoft.com/office/drawing/2010/main">
                 <a:solidFill>
                   <a:schemeClr val="accent1"/>
                 </a:solidFill>
               </a14:hiddenFill>
             </a:ext>
             <a:ext uri="{91240B29-F687-4F45-9708-019B960494DF}">
-              <a14:hiddenLine xmlns:a14="http://schemas.microsoft.com/office/drawing/2010/main" xmlns="" w="9525">
+              <a14:hiddenLine xmlns="" xmlns:a14="http://schemas.microsoft.com/office/drawing/2010/main" w="9525">
                 <a:solidFill>
                   <a:schemeClr val="tx1"/>
                 </a:solidFill>
@@ -8233,7 +8236,7 @@
               </a14:hiddenLine>
             </a:ext>
             <a:ext uri="{AF507438-7753-43E0-B8FC-AC1667EBCBE1}">
-              <a14:hiddenEffects xmlns:a14="http://schemas.microsoft.com/office/drawing/2010/main" xmlns="">
+              <a14:hiddenEffects xmlns="" xmlns:a14="http://schemas.microsoft.com/office/drawing/2010/main">
                 <a:effectLst>
                   <a:outerShdw dist="35921" dir="2700000" algn="ctr" rotWithShape="0">
                     <a:schemeClr val="bg2"/>
@@ -9092,7 +9095,7 @@
     </p:spTree>
     <p:extLst>
       <p:ext uri="{BB962C8B-B14F-4D97-AF65-F5344CB8AC3E}">
-        <p14:creationId xmlns:p14="http://schemas.microsoft.com/office/powerpoint/2010/main" xmlns="" val="1297011577"/>
+        <p14:creationId xmlns="" xmlns:p14="http://schemas.microsoft.com/office/powerpoint/2010/main" val="1297011577"/>
       </p:ext>
     </p:extLst>
   </p:cSld>
@@ -9903,7 +9906,7 @@
     </p:spTree>
     <p:extLst>
       <p:ext uri="{BB962C8B-B14F-4D97-AF65-F5344CB8AC3E}">
-        <p14:creationId xmlns:p14="http://schemas.microsoft.com/office/powerpoint/2010/main" xmlns="" val="3925425045"/>
+        <p14:creationId xmlns="" xmlns:p14="http://schemas.microsoft.com/office/powerpoint/2010/main" val="3925425045"/>
       </p:ext>
     </p:extLst>
   </p:cSld>
@@ -10129,7 +10132,7 @@
           <a:blip r:embed="rId2" cstate="print">
             <a:extLst>
               <a:ext uri="{28A0092B-C50C-407E-A947-70E740481C1C}">
-                <a14:useLocalDpi xmlns:a14="http://schemas.microsoft.com/office/drawing/2010/main" xmlns="" val="0"/>
+                <a14:useLocalDpi xmlns="" xmlns:a14="http://schemas.microsoft.com/office/drawing/2010/main" val="0"/>
               </a:ext>
             </a:extLst>
           </a:blip>
@@ -10222,7 +10225,7 @@
           <a:blip r:embed="rId3" cstate="print">
             <a:extLst>
               <a:ext uri="{28A0092B-C50C-407E-A947-70E740481C1C}">
-                <a14:useLocalDpi xmlns:a14="http://schemas.microsoft.com/office/drawing/2010/main" xmlns="" val="0"/>
+                <a14:useLocalDpi xmlns="" xmlns:a14="http://schemas.microsoft.com/office/drawing/2010/main" val="0"/>
               </a:ext>
             </a:extLst>
           </a:blip>
@@ -10243,7 +10246,7 @@
     </p:spTree>
     <p:extLst>
       <p:ext uri="{BB962C8B-B14F-4D97-AF65-F5344CB8AC3E}">
-        <p14:creationId xmlns:p14="http://schemas.microsoft.com/office/powerpoint/2010/main" xmlns="" val="2797135597"/>
+        <p14:creationId xmlns="" xmlns:p14="http://schemas.microsoft.com/office/powerpoint/2010/main" val="2797135597"/>
       </p:ext>
     </p:extLst>
   </p:cSld>
@@ -11054,7 +11057,7 @@
     </p:spTree>
     <p:extLst>
       <p:ext uri="{BB962C8B-B14F-4D97-AF65-F5344CB8AC3E}">
-        <p14:creationId xmlns:p14="http://schemas.microsoft.com/office/powerpoint/2010/main" xmlns="" val="3352509565"/>
+        <p14:creationId xmlns="" xmlns:p14="http://schemas.microsoft.com/office/powerpoint/2010/main" val="3352509565"/>
       </p:ext>
     </p:extLst>
   </p:cSld>
@@ -11417,7 +11420,7 @@
     </p:spTree>
     <p:extLst>
       <p:ext uri="{BB962C8B-B14F-4D97-AF65-F5344CB8AC3E}">
-        <p14:creationId xmlns:p14="http://schemas.microsoft.com/office/powerpoint/2010/main" xmlns="" val="2222945292"/>
+        <p14:creationId xmlns="" xmlns:p14="http://schemas.microsoft.com/office/powerpoint/2010/main" val="2222945292"/>
       </p:ext>
     </p:extLst>
   </p:cSld>
@@ -11952,7 +11955,7 @@
     </p:spTree>
     <p:extLst>
       <p:ext uri="{BB962C8B-B14F-4D97-AF65-F5344CB8AC3E}">
-        <p14:creationId xmlns:p14="http://schemas.microsoft.com/office/powerpoint/2010/main" xmlns="" val="2222945292"/>
+        <p14:creationId xmlns="" xmlns:p14="http://schemas.microsoft.com/office/powerpoint/2010/main" val="2222945292"/>
       </p:ext>
     </p:extLst>
   </p:cSld>
@@ -12242,7 +12245,7 @@
     </p:spTree>
     <p:extLst>
       <p:ext uri="{BB962C8B-B14F-4D97-AF65-F5344CB8AC3E}">
-        <p14:creationId xmlns:p14="http://schemas.microsoft.com/office/powerpoint/2010/main" xmlns="" val="2222945292"/>
+        <p14:creationId xmlns="" xmlns:p14="http://schemas.microsoft.com/office/powerpoint/2010/main" val="2222945292"/>
       </p:ext>
     </p:extLst>
   </p:cSld>
@@ -12403,7 +12406,7 @@
           <a:blip r:embed="rId2" cstate="print">
             <a:extLst>
               <a:ext uri="{28A0092B-C50C-407E-A947-70E740481C1C}">
-                <a14:useLocalDpi xmlns:a14="http://schemas.microsoft.com/office/drawing/2010/main" xmlns="" val="0"/>
+                <a14:useLocalDpi xmlns="" xmlns:a14="http://schemas.microsoft.com/office/drawing/2010/main" val="0"/>
               </a:ext>
             </a:extLst>
           </a:blip>
@@ -12453,7 +12456,7 @@
     </p:spTree>
     <p:extLst>
       <p:ext uri="{BB962C8B-B14F-4D97-AF65-F5344CB8AC3E}">
-        <p14:creationId xmlns:p14="http://schemas.microsoft.com/office/powerpoint/2010/main" xmlns="" val="2222945292"/>
+        <p14:creationId xmlns="" xmlns:p14="http://schemas.microsoft.com/office/powerpoint/2010/main" val="2222945292"/>
       </p:ext>
     </p:extLst>
   </p:cSld>
@@ -12685,7 +12688,7 @@
     </p:spTree>
     <p:extLst>
       <p:ext uri="{BB962C8B-B14F-4D97-AF65-F5344CB8AC3E}">
-        <p14:creationId xmlns:p14="http://schemas.microsoft.com/office/powerpoint/2010/main" xmlns="" val="2222945292"/>
+        <p14:creationId xmlns="" xmlns:p14="http://schemas.microsoft.com/office/powerpoint/2010/main" val="2222945292"/>
       </p:ext>
     </p:extLst>
   </p:cSld>
@@ -13496,7 +13499,7 @@
     </p:spTree>
     <p:extLst>
       <p:ext uri="{BB962C8B-B14F-4D97-AF65-F5344CB8AC3E}">
-        <p14:creationId xmlns:p14="http://schemas.microsoft.com/office/powerpoint/2010/main" xmlns="" val="118173244"/>
+        <p14:creationId xmlns="" xmlns:p14="http://schemas.microsoft.com/office/powerpoint/2010/main" val="118173244"/>
       </p:ext>
     </p:extLst>
   </p:cSld>
@@ -13837,7 +13840,7 @@
     </p:spTree>
     <p:extLst>
       <p:ext uri="{BB962C8B-B14F-4D97-AF65-F5344CB8AC3E}">
-        <p14:creationId xmlns:p14="http://schemas.microsoft.com/office/powerpoint/2010/main" xmlns="" val="4175840664"/>
+        <p14:creationId xmlns="" xmlns:p14="http://schemas.microsoft.com/office/powerpoint/2010/main" val="4175840664"/>
       </p:ext>
     </p:extLst>
   </p:cSld>
@@ -14035,7 +14038,7 @@
     </p:spTree>
     <p:extLst>
       <p:ext uri="{BB962C8B-B14F-4D97-AF65-F5344CB8AC3E}">
-        <p14:creationId xmlns:p14="http://schemas.microsoft.com/office/powerpoint/2010/main" xmlns="" val="1297011577"/>
+        <p14:creationId xmlns="" xmlns:p14="http://schemas.microsoft.com/office/powerpoint/2010/main" val="1297011577"/>
       </p:ext>
     </p:extLst>
   </p:cSld>
@@ -14233,7 +14236,7 @@
     </p:spTree>
     <p:extLst>
       <p:ext uri="{BB962C8B-B14F-4D97-AF65-F5344CB8AC3E}">
-        <p14:creationId xmlns:p14="http://schemas.microsoft.com/office/powerpoint/2010/main" xmlns="" val="3182484930"/>
+        <p14:creationId xmlns="" xmlns:p14="http://schemas.microsoft.com/office/powerpoint/2010/main" val="3182484930"/>
       </p:ext>
     </p:extLst>
   </p:cSld>
@@ -15273,7 +15276,7 @@
     </p:spTree>
     <p:extLst>
       <p:ext uri="{BB962C8B-B14F-4D97-AF65-F5344CB8AC3E}">
-        <p14:creationId xmlns:p14="http://schemas.microsoft.com/office/powerpoint/2010/main" xmlns="" val="1297011577"/>
+        <p14:creationId xmlns="" xmlns:p14="http://schemas.microsoft.com/office/powerpoint/2010/main" val="1297011577"/>
       </p:ext>
     </p:extLst>
   </p:cSld>
@@ -15434,7 +15437,7 @@
     </p:spTree>
     <p:extLst>
       <p:ext uri="{BB962C8B-B14F-4D97-AF65-F5344CB8AC3E}">
-        <p14:creationId xmlns:p14="http://schemas.microsoft.com/office/powerpoint/2010/main" xmlns="" val="1297011577"/>
+        <p14:creationId xmlns="" xmlns:p14="http://schemas.microsoft.com/office/powerpoint/2010/main" val="1297011577"/>
       </p:ext>
     </p:extLst>
   </p:cSld>
@@ -15501,29 +15504,6 @@
       </p:sp>
       <p:sp>
         <p:nvSpPr>
-          <p:cNvPr id="3" name="Content Placeholder 2"/>
-          <p:cNvSpPr>
-            <a:spLocks noGrp="1"/>
-          </p:cNvSpPr>
-          <p:nvPr>
-            <p:ph idx="1"/>
-          </p:nvPr>
-        </p:nvSpPr>
-        <p:spPr/>
-        <p:txBody>
-          <a:bodyPr/>
-          <a:lstStyle/>
-          <a:p>
-            <a:r>
-              <a:rPr lang="en-US" dirty="0" smtClean="0"/>
-              <a:t>Starting clip plays on.</a:t>
-            </a:r>
-            <a:endParaRPr lang="en-US" dirty="0"/>
-          </a:p>
-        </p:txBody>
-      </p:sp>
-      <p:sp>
-        <p:nvSpPr>
           <p:cNvPr id="4" name="Slide Number Placeholder 3"/>
           <p:cNvSpPr>
             <a:spLocks noGrp="1"/>
@@ -15546,10 +15526,32 @@
           </a:p>
         </p:txBody>
       </p:sp>
+      <p:graphicFrame>
+        <p:nvGraphicFramePr>
+          <p:cNvPr id="1026" name="Object 2">
+            <a:hlinkClick r:id="" action="ppaction://ole?verb=0"/>
+          </p:cNvPr>
+          <p:cNvGraphicFramePr>
+            <a:graphicFrameLocks noChangeAspect="1"/>
+          </p:cNvGraphicFramePr>
+          <p:nvPr/>
+        </p:nvGraphicFramePr>
+        <p:xfrm>
+          <a:off x="609600" y="2209800"/>
+          <a:ext cx="7924800" cy="3546475"/>
+        </p:xfrm>
+        <a:graphic>
+          <a:graphicData uri="http://schemas.openxmlformats.org/presentationml/2006/ole">
+            <p:oleObj spid="_x0000_s1026" name="Video Clip" r:id="rId3" imgW="11561905" imgH="5172797" progId="AVIFile">
+              <p:embed/>
+            </p:oleObj>
+          </a:graphicData>
+        </a:graphic>
+      </p:graphicFrame>
     </p:spTree>
     <p:extLst>
       <p:ext uri="{BB962C8B-B14F-4D97-AF65-F5344CB8AC3E}">
-        <p14:creationId xmlns:p14="http://schemas.microsoft.com/office/powerpoint/2010/main" xmlns="" val="631339435"/>
+        <p14:creationId xmlns="" xmlns:p14="http://schemas.microsoft.com/office/powerpoint/2010/main" val="631339435"/>
       </p:ext>
     </p:extLst>
   </p:cSld>
@@ -15710,7 +15712,7 @@
     </p:spTree>
     <p:extLst>
       <p:ext uri="{BB962C8B-B14F-4D97-AF65-F5344CB8AC3E}">
-        <p14:creationId xmlns:p14="http://schemas.microsoft.com/office/powerpoint/2010/main" xmlns="" val="1297011577"/>
+        <p14:creationId xmlns="" xmlns:p14="http://schemas.microsoft.com/office/powerpoint/2010/main" val="1297011577"/>
       </p:ext>
     </p:extLst>
   </p:cSld>
@@ -15845,33 +15847,57 @@
           </a:p>
         </p:txBody>
       </p:sp>
-      <p:pic>
-        <p:nvPicPr>
-          <p:cNvPr id="8" name="Content Placeholder 7" descr="edge.png"/>
-          <p:cNvPicPr>
-            <a:picLocks noGrp="1" noChangeAspect="1"/>
-          </p:cNvPicPr>
+      <p:sp>
+        <p:nvSpPr>
+          <p:cNvPr id="6" name="Content Placeholder 5"/>
+          <p:cNvSpPr>
+            <a:spLocks noGrp="1"/>
+          </p:cNvSpPr>
           <p:nvPr>
             <p:ph idx="1"/>
           </p:nvPr>
+        </p:nvSpPr>
+        <p:spPr/>
+        <p:txBody>
+          <a:bodyPr/>
+          <a:lstStyle/>
+          <a:p>
+            <a:r>
+              <a:rPr lang="en-US" smtClean="0"/>
+              <a:t>Xác định ứng viên cho ngón tay</a:t>
+            </a:r>
+            <a:endParaRPr lang="en-US"/>
+          </a:p>
+        </p:txBody>
+      </p:sp>
+      <p:pic>
+        <p:nvPicPr>
+          <p:cNvPr id="7" name="Picture 6" descr="C:\Users\HUYNH QUOC TRI\Pictures\finger.jpg"/>
+          <p:cNvPicPr/>
+          <p:nvPr/>
         </p:nvPicPr>
         <p:blipFill>
           <a:blip r:embed="rId2" cstate="print"/>
+          <a:srcRect/>
           <a:stretch>
             <a:fillRect/>
           </a:stretch>
         </p:blipFill>
-        <p:spPr>
+        <p:spPr bwMode="auto">
           <a:xfrm>
-            <a:off x="2243137" y="2401094"/>
-            <a:ext cx="4657725" cy="3457575"/>
+            <a:off x="3276600" y="2743200"/>
+            <a:ext cx="2609318" cy="3124200"/>
           </a:xfrm>
+          <a:prstGeom prst="rect">
+            <a:avLst/>
+          </a:prstGeom>
+          <a:noFill/>
         </p:spPr>
       </p:pic>
     </p:spTree>
     <p:extLst>
       <p:ext uri="{BB962C8B-B14F-4D97-AF65-F5344CB8AC3E}">
-        <p14:creationId xmlns:p14="http://schemas.microsoft.com/office/powerpoint/2010/main" xmlns="" val="1297011577"/>
+        <p14:creationId xmlns="" xmlns:p14="http://schemas.microsoft.com/office/powerpoint/2010/main" val="1297011577"/>
       </p:ext>
     </p:extLst>
   </p:cSld>
@@ -15921,29 +15947,26 @@
           <a:lstStyle/>
           <a:p>
             <a:r>
-              <a:rPr lang="en-US" dirty="0" smtClean="0"/>
-              <a:t>Demo</a:t>
+              <a:rPr lang="en-US" dirty="0" err="1" smtClean="0"/>
+              <a:t>Hướng</a:t>
+            </a:r>
+            <a:r>
+              <a:rPr lang="en-US" dirty="0" smtClean="0"/>
+              <a:t> </a:t>
+            </a:r>
+            <a:r>
+              <a:rPr lang="en-US" dirty="0" err="1" smtClean="0"/>
+              <a:t>tiếp</a:t>
+            </a:r>
+            <a:r>
+              <a:rPr lang="en-US" dirty="0" smtClean="0"/>
+              <a:t> </a:t>
+            </a:r>
+            <a:r>
+              <a:rPr lang="en-US" dirty="0" err="1" smtClean="0"/>
+              <a:t>cận</a:t>
             </a:r>
             <a:endParaRPr lang="en-US" dirty="0"/>
-          </a:p>
-        </p:txBody>
-      </p:sp>
-      <p:sp>
-        <p:nvSpPr>
-          <p:cNvPr id="3" name="Content Placeholder 2"/>
-          <p:cNvSpPr>
-            <a:spLocks noGrp="1"/>
-          </p:cNvSpPr>
-          <p:nvPr>
-            <p:ph idx="1"/>
-          </p:nvPr>
-        </p:nvSpPr>
-        <p:spPr/>
-        <p:txBody>
-          <a:bodyPr/>
-          <a:lstStyle/>
-          <a:p>
-            <a:endParaRPr lang="en-US"/>
           </a:p>
         </p:txBody>
       </p:sp>
@@ -15971,10 +15994,101 @@
           </a:p>
         </p:txBody>
       </p:sp>
+      <p:sp>
+        <p:nvSpPr>
+          <p:cNvPr id="6159" name="Rectangle 15"/>
+          <p:cNvSpPr>
+            <a:spLocks noChangeArrowheads="1"/>
+          </p:cNvSpPr>
+          <p:nvPr/>
+        </p:nvSpPr>
+        <p:spPr bwMode="auto">
+          <a:xfrm>
+            <a:off x="0" y="0"/>
+            <a:ext cx="9144000" cy="0"/>
+          </a:xfrm>
+          <a:prstGeom prst="rect">
+            <a:avLst/>
+          </a:prstGeom>
+          <a:noFill/>
+          <a:ln w="9525">
+            <a:noFill/>
+            <a:miter lim="800000"/>
+            <a:headEnd/>
+            <a:tailEnd/>
+          </a:ln>
+          <a:effectLst/>
+        </p:spPr>
+        <p:txBody>
+          <a:bodyPr vert="horz" wrap="none" lIns="91440" tIns="45720" rIns="91440" bIns="45720" numCol="1" anchor="ctr" anchorCtr="0" compatLnSpc="1">
+            <a:prstTxWarp prst="textNoShape">
+              <a:avLst/>
+            </a:prstTxWarp>
+            <a:spAutoFit/>
+          </a:bodyPr>
+          <a:lstStyle/>
+          <a:p>
+            <a:endParaRPr lang="en-US"/>
+          </a:p>
+        </p:txBody>
+      </p:sp>
+      <p:sp>
+        <p:nvSpPr>
+          <p:cNvPr id="6" name="Content Placeholder 5"/>
+          <p:cNvSpPr>
+            <a:spLocks noGrp="1"/>
+          </p:cNvSpPr>
+          <p:nvPr>
+            <p:ph idx="1"/>
+          </p:nvPr>
+        </p:nvSpPr>
+        <p:spPr/>
+        <p:txBody>
+          <a:bodyPr/>
+          <a:lstStyle/>
+          <a:p>
+            <a:r>
+              <a:rPr lang="en-US" smtClean="0"/>
+              <a:t>Các điểm cực trị trên bàn tay</a:t>
+            </a:r>
+            <a:endParaRPr lang="en-US"/>
+          </a:p>
+        </p:txBody>
+      </p:sp>
+      <p:pic>
+        <p:nvPicPr>
+          <p:cNvPr id="8" name="Picture 7"/>
+          <p:cNvPicPr/>
+          <p:nvPr/>
+        </p:nvPicPr>
+        <p:blipFill>
+          <a:blip r:embed="rId2" cstate="print"/>
+          <a:srcRect/>
+          <a:stretch>
+            <a:fillRect/>
+          </a:stretch>
+        </p:blipFill>
+        <p:spPr bwMode="auto">
+          <a:xfrm>
+            <a:off x="2743200" y="2514600"/>
+            <a:ext cx="4206874" cy="4162168"/>
+          </a:xfrm>
+          <a:prstGeom prst="rect">
+            <a:avLst/>
+          </a:prstGeom>
+          <a:noFill/>
+          <a:ln w="9525">
+            <a:noFill/>
+            <a:miter lim="800000"/>
+            <a:headEnd/>
+            <a:tailEnd/>
+          </a:ln>
+        </p:spPr>
+      </p:pic>
     </p:spTree>
     <p:extLst>
       <p:ext uri="{BB962C8B-B14F-4D97-AF65-F5344CB8AC3E}">
-        <p14:creationId xmlns:p14="http://schemas.microsoft.com/office/powerpoint/2010/main" xmlns="" val="1280618262"/>
+        <p14:creationId xmlns="" xmlns:p14="http://schemas.microsoft.com/office/powerpoint/2010/main" val="1297011577"/>
       </p:ext>
     </p:extLst>
   </p:cSld>
@@ -16020,137 +16134,30 @@
         </p:nvSpPr>
         <p:spPr/>
         <p:txBody>
-          <a:bodyPr vert="horz" lIns="0" rIns="0" bIns="0" anchor="b">
-            <a:normAutofit/>
-          </a:bodyPr>
-          <a:lstStyle/>
-          <a:p>
-            <a:r>
-              <a:rPr lang="en-US" dirty="0" err="1"/>
-              <a:t>Hướng</a:t>
-            </a:r>
-            <a:r>
-              <a:rPr lang="en-US" dirty="0"/>
-              <a:t> </a:t>
-            </a:r>
-            <a:r>
-              <a:rPr lang="en-US" dirty="0" err="1"/>
-              <a:t>phát</a:t>
-            </a:r>
-            <a:r>
-              <a:rPr lang="en-US" dirty="0"/>
-              <a:t> </a:t>
-            </a:r>
-            <a:r>
-              <a:rPr lang="en-US" dirty="0" err="1"/>
-              <a:t>triển</a:t>
-            </a:r>
-            <a:endParaRPr lang="vi-VN" dirty="0"/>
-          </a:p>
-        </p:txBody>
-      </p:sp>
-      <p:sp>
-        <p:nvSpPr>
-          <p:cNvPr id="3" name="Content Placeholder 2"/>
-          <p:cNvSpPr>
-            <a:spLocks noGrp="1"/>
-          </p:cNvSpPr>
-          <p:nvPr>
-            <p:ph idx="1"/>
-          </p:nvPr>
-        </p:nvSpPr>
-        <p:spPr/>
-        <p:txBody>
           <a:bodyPr/>
           <a:lstStyle/>
           <a:p>
             <a:r>
               <a:rPr lang="en-US" dirty="0" err="1" smtClean="0"/>
-              <a:t>Hiện</a:t>
-            </a:r>
-            <a:r>
-              <a:rPr lang="en-US" dirty="0" smtClean="0"/>
-              <a:t> nay:</a:t>
-            </a:r>
-          </a:p>
-          <a:p>
-            <a:pPr lvl="1"/>
-            <a:r>
-              <a:rPr lang="vi-VN" dirty="0" smtClean="0"/>
-              <a:t>Giảm </a:t>
-            </a:r>
-            <a:r>
-              <a:rPr lang="vi-VN" dirty="0"/>
-              <a:t>tỉ lệ so khớp thất bại</a:t>
-            </a:r>
-          </a:p>
-          <a:p>
-            <a:pPr lvl="1"/>
-            <a:r>
-              <a:rPr lang="vi-VN" dirty="0" smtClean="0"/>
-              <a:t>Hạn </a:t>
-            </a:r>
-            <a:r>
-              <a:rPr lang="vi-VN" dirty="0"/>
-              <a:t>chế </a:t>
-            </a:r>
-            <a:r>
-              <a:rPr lang="vi-VN" dirty="0" smtClean="0"/>
-              <a:t>đặt </a:t>
-            </a:r>
-            <a:r>
-              <a:rPr lang="vi-VN" dirty="0"/>
-              <a:t>tay theo </a:t>
-            </a:r>
-            <a:r>
-              <a:rPr lang="vi-VN" dirty="0" smtClean="0"/>
-              <a:t>dạng mẫu</a:t>
-            </a:r>
-          </a:p>
-          <a:p>
-            <a:r>
-              <a:rPr lang="vi-VN" dirty="0" smtClean="0"/>
-              <a:t>Thương mại</a:t>
-            </a:r>
-          </a:p>
-          <a:p>
-            <a:pPr lvl="1"/>
-            <a:r>
-              <a:rPr lang="vi-VN" dirty="0" smtClean="0"/>
-              <a:t>Tăng số byte mẫu nhận dạng</a:t>
-            </a:r>
-          </a:p>
-          <a:p>
-            <a:pPr lvl="1"/>
-            <a:r>
-              <a:rPr lang="vi-VN" dirty="0" smtClean="0"/>
-              <a:t>Sử dụng thiết bị quang học có độ phân giải cao</a:t>
-            </a:r>
-          </a:p>
-          <a:p>
-            <a:r>
-              <a:rPr lang="vi-VN" dirty="0" smtClean="0"/>
-              <a:t>Nghiên cứu</a:t>
-            </a:r>
-          </a:p>
-          <a:p>
-            <a:pPr lvl="1"/>
-            <a:r>
-              <a:rPr lang="vi-VN" dirty="0" smtClean="0"/>
-              <a:t>Kết hợp 2 hướng tiếp cận</a:t>
-            </a:r>
-          </a:p>
-          <a:p>
-            <a:pPr lvl="1"/>
-            <a:r>
-              <a:rPr lang="vi-VN" dirty="0" smtClean="0"/>
-              <a:t>Kết hợp với các mô hình sinh trắc học khác</a:t>
-            </a:r>
-            <a:endParaRPr lang="vi-VN" dirty="0"/>
-          </a:p>
-          <a:p>
-            <a:pPr lvl="1"/>
-            <a:endParaRPr lang="vi-VN" dirty="0"/>
+              <a:t>Hướng</a:t>
+            </a:r>
+            <a:r>
+              <a:rPr lang="en-US" dirty="0" smtClean="0"/>
+              <a:t> </a:t>
+            </a:r>
+            <a:r>
+              <a:rPr lang="en-US" dirty="0" err="1" smtClean="0"/>
+              <a:t>tiếp</a:t>
+            </a:r>
+            <a:r>
+              <a:rPr lang="en-US" dirty="0" smtClean="0"/>
+              <a:t> </a:t>
+            </a:r>
+            <a:r>
+              <a:rPr lang="en-US" dirty="0" err="1" smtClean="0"/>
+              <a:t>cận</a:t>
+            </a:r>
+            <a:endParaRPr lang="en-US" dirty="0"/>
           </a:p>
         </p:txBody>
       </p:sp>
@@ -16178,10 +16185,101 @@
           </a:p>
         </p:txBody>
       </p:sp>
+      <p:sp>
+        <p:nvSpPr>
+          <p:cNvPr id="6159" name="Rectangle 15"/>
+          <p:cNvSpPr>
+            <a:spLocks noChangeArrowheads="1"/>
+          </p:cNvSpPr>
+          <p:nvPr/>
+        </p:nvSpPr>
+        <p:spPr bwMode="auto">
+          <a:xfrm>
+            <a:off x="0" y="0"/>
+            <a:ext cx="9144000" cy="0"/>
+          </a:xfrm>
+          <a:prstGeom prst="rect">
+            <a:avLst/>
+          </a:prstGeom>
+          <a:noFill/>
+          <a:ln w="9525">
+            <a:noFill/>
+            <a:miter lim="800000"/>
+            <a:headEnd/>
+            <a:tailEnd/>
+          </a:ln>
+          <a:effectLst/>
+        </p:spPr>
+        <p:txBody>
+          <a:bodyPr vert="horz" wrap="none" lIns="91440" tIns="45720" rIns="91440" bIns="45720" numCol="1" anchor="ctr" anchorCtr="0" compatLnSpc="1">
+            <a:prstTxWarp prst="textNoShape">
+              <a:avLst/>
+            </a:prstTxWarp>
+            <a:spAutoFit/>
+          </a:bodyPr>
+          <a:lstStyle/>
+          <a:p>
+            <a:endParaRPr lang="en-US"/>
+          </a:p>
+        </p:txBody>
+      </p:sp>
+      <p:sp>
+        <p:nvSpPr>
+          <p:cNvPr id="6" name="Content Placeholder 5"/>
+          <p:cNvSpPr>
+            <a:spLocks noGrp="1"/>
+          </p:cNvSpPr>
+          <p:nvPr>
+            <p:ph idx="1"/>
+          </p:nvPr>
+        </p:nvSpPr>
+        <p:spPr/>
+        <p:txBody>
+          <a:bodyPr/>
+          <a:lstStyle/>
+          <a:p>
+            <a:r>
+              <a:rPr lang="en-US" smtClean="0"/>
+              <a:t>Độ rộng ngón tay</a:t>
+            </a:r>
+            <a:endParaRPr lang="en-US"/>
+          </a:p>
+        </p:txBody>
+      </p:sp>
+      <p:pic>
+        <p:nvPicPr>
+          <p:cNvPr id="7" name="Picture 6"/>
+          <p:cNvPicPr/>
+          <p:nvPr/>
+        </p:nvPicPr>
+        <p:blipFill>
+          <a:blip r:embed="rId2" cstate="print"/>
+          <a:srcRect/>
+          <a:stretch>
+            <a:fillRect/>
+          </a:stretch>
+        </p:blipFill>
+        <p:spPr bwMode="auto">
+          <a:xfrm>
+            <a:off x="2743201" y="2445644"/>
+            <a:ext cx="4211954" cy="4161908"/>
+          </a:xfrm>
+          <a:prstGeom prst="rect">
+            <a:avLst/>
+          </a:prstGeom>
+          <a:noFill/>
+          <a:ln w="9525">
+            <a:noFill/>
+            <a:miter lim="800000"/>
+            <a:headEnd/>
+            <a:tailEnd/>
+          </a:ln>
+        </p:spPr>
+      </p:pic>
     </p:spTree>
     <p:extLst>
       <p:ext uri="{BB962C8B-B14F-4D97-AF65-F5344CB8AC3E}">
-        <p14:creationId xmlns:p14="http://schemas.microsoft.com/office/powerpoint/2010/main" xmlns="" val="73910125"/>
+        <p14:creationId xmlns="" xmlns:p14="http://schemas.microsoft.com/office/powerpoint/2010/main" val="1297011577"/>
       </p:ext>
     </p:extLst>
   </p:cSld>
@@ -16232,31 +16330,198 @@
           <a:p>
             <a:r>
               <a:rPr lang="en-US" dirty="0" err="1" smtClean="0"/>
-              <a:t>Tài</a:t>
-            </a:r>
-            <a:r>
-              <a:rPr lang="en-US" dirty="0" smtClean="0"/>
-              <a:t> </a:t>
-            </a:r>
-            <a:r>
-              <a:rPr lang="en-US" dirty="0" err="1" smtClean="0"/>
-              <a:t>liệu</a:t>
-            </a:r>
-            <a:r>
-              <a:rPr lang="en-US" dirty="0" smtClean="0"/>
-              <a:t> </a:t>
-            </a:r>
-            <a:r>
-              <a:rPr lang="en-US" dirty="0" err="1" smtClean="0"/>
-              <a:t>tham</a:t>
-            </a:r>
-            <a:r>
-              <a:rPr lang="en-US" dirty="0" smtClean="0"/>
-              <a:t> </a:t>
-            </a:r>
-            <a:r>
-              <a:rPr lang="en-US" dirty="0" err="1" smtClean="0"/>
-              <a:t>khảo</a:t>
+              <a:t>Hướng</a:t>
+            </a:r>
+            <a:r>
+              <a:rPr lang="en-US" dirty="0" smtClean="0"/>
+              <a:t> </a:t>
+            </a:r>
+            <a:r>
+              <a:rPr lang="en-US" dirty="0" err="1" smtClean="0"/>
+              <a:t>tiếp</a:t>
+            </a:r>
+            <a:r>
+              <a:rPr lang="en-US" dirty="0" smtClean="0"/>
+              <a:t> </a:t>
+            </a:r>
+            <a:r>
+              <a:rPr lang="en-US" dirty="0" err="1" smtClean="0"/>
+              <a:t>cận</a:t>
+            </a:r>
+            <a:endParaRPr lang="en-US" dirty="0"/>
+          </a:p>
+        </p:txBody>
+      </p:sp>
+      <p:sp>
+        <p:nvSpPr>
+          <p:cNvPr id="4" name="Slide Number Placeholder 3"/>
+          <p:cNvSpPr>
+            <a:spLocks noGrp="1"/>
+          </p:cNvSpPr>
+          <p:nvPr>
+            <p:ph type="sldNum" sz="quarter" idx="12"/>
+          </p:nvPr>
+        </p:nvSpPr>
+        <p:spPr/>
+        <p:txBody>
+          <a:bodyPr/>
+          <a:lstStyle/>
+          <a:p>
+            <a:fld id="{B6F15528-21DE-4FAA-801E-634DDDAF4B2B}" type="slidenum">
+              <a:rPr lang="en-US" smtClean="0"/>
+              <a:pPr/>
+              <a:t>34</a:t>
+            </a:fld>
+            <a:endParaRPr lang="en-US"/>
+          </a:p>
+        </p:txBody>
+      </p:sp>
+      <p:sp>
+        <p:nvSpPr>
+          <p:cNvPr id="6159" name="Rectangle 15"/>
+          <p:cNvSpPr>
+            <a:spLocks noChangeArrowheads="1"/>
+          </p:cNvSpPr>
+          <p:nvPr/>
+        </p:nvSpPr>
+        <p:spPr bwMode="auto">
+          <a:xfrm>
+            <a:off x="0" y="0"/>
+            <a:ext cx="9144000" cy="0"/>
+          </a:xfrm>
+          <a:prstGeom prst="rect">
+            <a:avLst/>
+          </a:prstGeom>
+          <a:noFill/>
+          <a:ln w="9525">
+            <a:noFill/>
+            <a:miter lim="800000"/>
+            <a:headEnd/>
+            <a:tailEnd/>
+          </a:ln>
+          <a:effectLst/>
+        </p:spPr>
+        <p:txBody>
+          <a:bodyPr vert="horz" wrap="none" lIns="91440" tIns="45720" rIns="91440" bIns="45720" numCol="1" anchor="ctr" anchorCtr="0" compatLnSpc="1">
+            <a:prstTxWarp prst="textNoShape">
+              <a:avLst/>
+            </a:prstTxWarp>
+            <a:spAutoFit/>
+          </a:bodyPr>
+          <a:lstStyle/>
+          <a:p>
+            <a:endParaRPr lang="en-US"/>
+          </a:p>
+        </p:txBody>
+      </p:sp>
+      <p:sp>
+        <p:nvSpPr>
+          <p:cNvPr id="6" name="Content Placeholder 5"/>
+          <p:cNvSpPr>
+            <a:spLocks noGrp="1"/>
+          </p:cNvSpPr>
+          <p:nvPr>
+            <p:ph idx="1"/>
+          </p:nvPr>
+        </p:nvSpPr>
+        <p:spPr/>
+        <p:txBody>
+          <a:bodyPr/>
+          <a:lstStyle/>
+          <a:p>
+            <a:r>
+              <a:rPr lang="en-US" smtClean="0"/>
+              <a:t>Chiều dài ngón tay</a:t>
+            </a:r>
+            <a:endParaRPr lang="en-US"/>
+          </a:p>
+        </p:txBody>
+      </p:sp>
+      <p:pic>
+        <p:nvPicPr>
+          <p:cNvPr id="8" name="Picture 7"/>
+          <p:cNvPicPr/>
+          <p:nvPr/>
+        </p:nvPicPr>
+        <p:blipFill>
+          <a:blip r:embed="rId2" cstate="print"/>
+          <a:srcRect/>
+          <a:stretch>
+            <a:fillRect/>
+          </a:stretch>
+        </p:blipFill>
+        <p:spPr bwMode="auto">
+          <a:xfrm>
+            <a:off x="2590800" y="2514600"/>
+            <a:ext cx="4182110" cy="4165184"/>
+          </a:xfrm>
+          <a:prstGeom prst="rect">
+            <a:avLst/>
+          </a:prstGeom>
+          <a:noFill/>
+          <a:ln w="9525">
+            <a:noFill/>
+            <a:miter lim="800000"/>
+            <a:headEnd/>
+            <a:tailEnd/>
+          </a:ln>
+        </p:spPr>
+      </p:pic>
+    </p:spTree>
+    <p:extLst>
+      <p:ext uri="{BB962C8B-B14F-4D97-AF65-F5344CB8AC3E}">
+        <p14:creationId xmlns="" xmlns:p14="http://schemas.microsoft.com/office/powerpoint/2010/main" val="1297011577"/>
+      </p:ext>
+    </p:extLst>
+  </p:cSld>
+  <p:clrMapOvr>
+    <a:masterClrMapping/>
+  </p:clrMapOvr>
+  <p:timing>
+    <p:tnLst>
+      <p:par>
+        <p:cTn id="1" dur="indefinite" restart="never" nodeType="tmRoot"/>
+      </p:par>
+    </p:tnLst>
+  </p:timing>
+</p:sld>
+</file>
+
+<file path=ppt/slides/slide35.xml><?xml version="1.0" encoding="utf-8"?>
+<p:sld xmlns:a="http://schemas.openxmlformats.org/drawingml/2006/main" xmlns:r="http://schemas.openxmlformats.org/officeDocument/2006/relationships" xmlns:p="http://schemas.openxmlformats.org/presentationml/2006/main">
+  <p:cSld>
+    <p:spTree>
+      <p:nvGrpSpPr>
+        <p:cNvPr id="1" name=""/>
+        <p:cNvGrpSpPr/>
+        <p:nvPr/>
+      </p:nvGrpSpPr>
+      <p:grpSpPr>
+        <a:xfrm>
+          <a:off x="0" y="0"/>
+          <a:ext cx="0" cy="0"/>
+          <a:chOff x="0" y="0"/>
+          <a:chExt cx="0" cy="0"/>
+        </a:xfrm>
+      </p:grpSpPr>
+      <p:sp>
+        <p:nvSpPr>
+          <p:cNvPr id="2" name="Title 1"/>
+          <p:cNvSpPr>
+            <a:spLocks noGrp="1"/>
+          </p:cNvSpPr>
+          <p:nvPr>
+            <p:ph type="title"/>
+          </p:nvPr>
+        </p:nvSpPr>
+        <p:spPr/>
+        <p:txBody>
+          <a:bodyPr/>
+          <a:lstStyle/>
+          <a:p>
+            <a:r>
+              <a:rPr lang="en-US" dirty="0" smtClean="0"/>
+              <a:t>Demo</a:t>
             </a:r>
             <a:endParaRPr lang="en-US" dirty="0"/>
           </a:p>
@@ -16272,283 +16537,12 @@
             <p:ph idx="1"/>
           </p:nvPr>
         </p:nvSpPr>
-        <p:spPr>
-          <a:xfrm>
-            <a:off x="0" y="1935480"/>
-            <a:ext cx="9144000" cy="4617720"/>
-          </a:xfrm>
-        </p:spPr>
-        <p:txBody>
-          <a:bodyPr>
-            <a:normAutofit fontScale="47500" lnSpcReduction="20000"/>
-          </a:bodyPr>
+        <p:spPr/>
+        <p:txBody>
+          <a:bodyPr/>
           <a:lstStyle/>
           <a:p>
-            <a:r>
-              <a:rPr lang="en-US" sz="3300" dirty="0"/>
-              <a:t>[</a:t>
-            </a:r>
-            <a:r>
-              <a:rPr lang="en-US" sz="3300" dirty="0" smtClean="0"/>
-              <a:t>1] </a:t>
-            </a:r>
-            <a:r>
-              <a:rPr lang="en-US" sz="3300" dirty="0" err="1" smtClean="0"/>
-              <a:t>Kresimir</a:t>
-            </a:r>
-            <a:r>
-              <a:rPr lang="en-US" sz="3300" dirty="0" smtClean="0"/>
-              <a:t> </a:t>
-            </a:r>
-            <a:r>
-              <a:rPr lang="en-US" sz="3300" dirty="0" err="1"/>
-              <a:t>Delac</a:t>
-            </a:r>
-            <a:r>
-              <a:rPr lang="en-US" sz="3300" dirty="0"/>
-              <a:t> and </a:t>
-            </a:r>
-            <a:r>
-              <a:rPr lang="en-US" sz="3300" dirty="0" err="1"/>
-              <a:t>Mislav</a:t>
-            </a:r>
-            <a:r>
-              <a:rPr lang="en-US" sz="3300" dirty="0"/>
-              <a:t> </a:t>
-            </a:r>
-            <a:r>
-              <a:rPr lang="en-US" sz="3300" dirty="0" err="1"/>
-              <a:t>Grgic</a:t>
-            </a:r>
-            <a:r>
-              <a:rPr lang="en-US" sz="3300" dirty="0"/>
-              <a:t>, "A survey of biometric recognition methods," 2004.</a:t>
-            </a:r>
-          </a:p>
-          <a:p>
-            <a:r>
-              <a:rPr lang="en-US" sz="3300" dirty="0"/>
-              <a:t>[</a:t>
-            </a:r>
-            <a:r>
-              <a:rPr lang="en-US" sz="3300" dirty="0" smtClean="0"/>
-              <a:t>2] </a:t>
-            </a:r>
-            <a:r>
-              <a:rPr lang="en-US" sz="3300" dirty="0" err="1" smtClean="0"/>
-              <a:t>Ravindra</a:t>
-            </a:r>
-            <a:r>
-              <a:rPr lang="en-US" sz="3300" dirty="0" smtClean="0"/>
-              <a:t> </a:t>
-            </a:r>
-            <a:r>
-              <a:rPr lang="en-US" sz="3300" dirty="0" err="1"/>
-              <a:t>Thool</a:t>
-            </a:r>
-            <a:r>
-              <a:rPr lang="en-US" sz="3300" dirty="0"/>
-              <a:t>, </a:t>
-            </a:r>
-            <a:r>
-              <a:rPr lang="en-US" sz="3300" dirty="0" err="1"/>
-              <a:t>Balwant</a:t>
-            </a:r>
-            <a:r>
-              <a:rPr lang="en-US" sz="3300" dirty="0"/>
-              <a:t> </a:t>
-            </a:r>
-            <a:r>
-              <a:rPr lang="en-US" sz="3300" dirty="0" err="1"/>
-              <a:t>sonkamble</a:t>
-            </a:r>
-            <a:r>
-              <a:rPr lang="en-US" sz="3300" dirty="0"/>
-              <a:t> </a:t>
-            </a:r>
-            <a:r>
-              <a:rPr lang="en-US" sz="3300" dirty="0" err="1"/>
-              <a:t>Sulochana</a:t>
-            </a:r>
-            <a:r>
-              <a:rPr lang="en-US" sz="3300" dirty="0"/>
-              <a:t> </a:t>
-            </a:r>
-            <a:r>
-              <a:rPr lang="en-US" sz="3300" dirty="0" err="1"/>
-              <a:t>Sonkamble</a:t>
-            </a:r>
-            <a:r>
-              <a:rPr lang="en-US" sz="3300" dirty="0"/>
-              <a:t>, "Survey of biometric recognition systems and their applications," Journal of Theoretical and Applied Information Technology, vol. 11, pp. 45-51.</a:t>
-            </a:r>
-          </a:p>
-          <a:p>
-            <a:r>
-              <a:rPr lang="en-US" sz="3300" dirty="0"/>
-              <a:t>[</a:t>
-            </a:r>
-            <a:r>
-              <a:rPr lang="en-US" sz="3300" dirty="0" smtClean="0"/>
-              <a:t>3] Patrick </a:t>
-            </a:r>
-            <a:r>
-              <a:rPr lang="en-US" sz="3300" dirty="0"/>
-              <a:t>Flynn, </a:t>
-            </a:r>
-            <a:r>
-              <a:rPr lang="en-US" sz="3300" dirty="0" err="1"/>
-              <a:t>Arun</a:t>
-            </a:r>
-            <a:r>
-              <a:rPr lang="en-US" sz="3300" dirty="0"/>
-              <a:t> A. Ross Anil K. Jain, Ed., Handbook of biometrics.: Springer, 2008.</a:t>
-            </a:r>
-          </a:p>
-          <a:p>
-            <a:r>
-              <a:rPr lang="en-US" sz="3300" dirty="0"/>
-              <a:t>[</a:t>
-            </a:r>
-            <a:r>
-              <a:rPr lang="en-US" sz="3300" dirty="0" smtClean="0"/>
-              <a:t>4] </a:t>
-            </a:r>
-            <a:r>
-              <a:rPr lang="en-US" sz="3300" dirty="0" err="1" smtClean="0"/>
-              <a:t>Fayyaz</a:t>
-            </a:r>
-            <a:r>
-              <a:rPr lang="en-US" sz="3300" dirty="0" smtClean="0"/>
-              <a:t> </a:t>
-            </a:r>
-            <a:r>
-              <a:rPr lang="en-US" sz="3300" dirty="0"/>
-              <a:t>A. </a:t>
-            </a:r>
-            <a:r>
-              <a:rPr lang="en-US" sz="3300" dirty="0" err="1"/>
-              <a:t>Afsar</a:t>
-            </a:r>
-            <a:r>
-              <a:rPr lang="en-US" sz="3300" dirty="0"/>
-              <a:t> </a:t>
-            </a:r>
-            <a:r>
-              <a:rPr lang="en-US" sz="3300" dirty="0" err="1"/>
-              <a:t>Qaisar</a:t>
-            </a:r>
-            <a:r>
-              <a:rPr lang="en-US" sz="3300" dirty="0"/>
-              <a:t> N. Ashraf, "Person Identification based on Palm and Hand Geometry,".</a:t>
-            </a:r>
-          </a:p>
-          <a:p>
-            <a:r>
-              <a:rPr lang="en-US" sz="3300" dirty="0"/>
-              <a:t>[</a:t>
-            </a:r>
-            <a:r>
-              <a:rPr lang="en-US" sz="3300" dirty="0" smtClean="0"/>
-              <a:t>5] Asker </a:t>
-            </a:r>
-            <a:r>
-              <a:rPr lang="en-US" sz="3300" dirty="0"/>
-              <a:t>M. </a:t>
-            </a:r>
-            <a:r>
-              <a:rPr lang="en-US" sz="3300" dirty="0" err="1"/>
-              <a:t>Bazen</a:t>
-            </a:r>
-            <a:r>
-              <a:rPr lang="en-US" sz="3300" dirty="0"/>
-              <a:t>, </a:t>
-            </a:r>
-            <a:r>
-              <a:rPr lang="en-US" sz="3300" dirty="0" err="1"/>
-              <a:t>Wim</a:t>
-            </a:r>
-            <a:r>
-              <a:rPr lang="en-US" sz="3300" dirty="0"/>
-              <a:t> </a:t>
-            </a:r>
-            <a:r>
-              <a:rPr lang="en-US" sz="3300" dirty="0" err="1"/>
-              <a:t>Booij</a:t>
-            </a:r>
-            <a:r>
-              <a:rPr lang="en-US" sz="3300" dirty="0"/>
-              <a:t>, Anne </a:t>
-            </a:r>
-            <a:r>
-              <a:rPr lang="en-US" sz="3300" dirty="0" err="1"/>
-              <a:t>Hendrikse</a:t>
-            </a:r>
-            <a:r>
-              <a:rPr lang="en-US" sz="3300" dirty="0"/>
-              <a:t> Raymond N. J. </a:t>
-            </a:r>
-            <a:r>
-              <a:rPr lang="en-US" sz="3300" dirty="0" err="1"/>
-              <a:t>Veldhuis</a:t>
-            </a:r>
-            <a:r>
-              <a:rPr lang="en-US" sz="3300" dirty="0"/>
-              <a:t>, "Hand-geometry Recognition Based on Contour Landmarks," Data and Information Analysis to Knowledge Engineering, Proceedings of the 29th Annual Conference of the </a:t>
-            </a:r>
-            <a:r>
-              <a:rPr lang="en-US" sz="3300" dirty="0" err="1"/>
-              <a:t>Gesellschaft</a:t>
-            </a:r>
-            <a:r>
-              <a:rPr lang="en-US" sz="3300" dirty="0"/>
-              <a:t>, 2005.</a:t>
-            </a:r>
-          </a:p>
-          <a:p>
-            <a:r>
-              <a:rPr lang="en-US" sz="3300" dirty="0"/>
-              <a:t>[</a:t>
-            </a:r>
-            <a:r>
-              <a:rPr lang="en-US" sz="3300" dirty="0" smtClean="0"/>
-              <a:t>6] N</a:t>
-            </a:r>
-            <a:r>
-              <a:rPr lang="en-US" sz="3300" dirty="0"/>
-              <a:t>. Otsu, "A Threshold Selection Method from Gray-Level Histograms," IEEE Transactions on Systems, Man, and Cybernetics, vol. 9, no. 1, pp. 62-66, 1979.</a:t>
-            </a:r>
-          </a:p>
-          <a:p>
-            <a:r>
-              <a:rPr lang="en-US" sz="3300" dirty="0"/>
-              <a:t>[</a:t>
-            </a:r>
-            <a:r>
-              <a:rPr lang="en-US" sz="3300" dirty="0" smtClean="0"/>
-              <a:t>7] J</a:t>
-            </a:r>
-            <a:r>
-              <a:rPr lang="en-US" sz="3300" dirty="0"/>
-              <a:t>. Canny, "A Computational Approach To Edge Detection," IEEE Trans. Pattern Analysis and Machine Intelligence, pp. 679–698, 1986.</a:t>
-            </a:r>
-          </a:p>
-          <a:p>
-            <a:r>
-              <a:rPr lang="en-US" sz="3300" dirty="0"/>
-              <a:t>[</a:t>
-            </a:r>
-            <a:r>
-              <a:rPr lang="en-US" sz="3300" dirty="0" smtClean="0"/>
-              <a:t>8] K</a:t>
-            </a:r>
-            <a:r>
-              <a:rPr lang="en-US" sz="3300" dirty="0"/>
-              <a:t>. Abe S. Suzuki, "Topological Structural Analysis of Digitized Binary Images by Border Following," CVGIP, pp. 32-46, 1985.</a:t>
-            </a:r>
-          </a:p>
-          <a:p>
-            <a:endParaRPr lang="en-US" dirty="0"/>
+            <a:endParaRPr lang="en-US"/>
           </a:p>
         </p:txBody>
       </p:sp>
@@ -16570,7 +16564,612 @@
             <a:fld id="{B6F15528-21DE-4FAA-801E-634DDDAF4B2B}" type="slidenum">
               <a:rPr lang="en-US" smtClean="0"/>
               <a:pPr/>
-              <a:t>34</a:t>
+              <a:t>35</a:t>
+            </a:fld>
+            <a:endParaRPr lang="en-US"/>
+          </a:p>
+        </p:txBody>
+      </p:sp>
+    </p:spTree>
+    <p:extLst>
+      <p:ext uri="{BB962C8B-B14F-4D97-AF65-F5344CB8AC3E}">
+        <p14:creationId xmlns="" xmlns:p14="http://schemas.microsoft.com/office/powerpoint/2010/main" val="1280618262"/>
+      </p:ext>
+    </p:extLst>
+  </p:cSld>
+  <p:clrMapOvr>
+    <a:masterClrMapping/>
+  </p:clrMapOvr>
+  <p:timing>
+    <p:tnLst>
+      <p:par>
+        <p:cTn id="1" dur="indefinite" restart="never" nodeType="tmRoot"/>
+      </p:par>
+    </p:tnLst>
+  </p:timing>
+</p:sld>
+</file>
+
+<file path=ppt/slides/slide36.xml><?xml version="1.0" encoding="utf-8"?>
+<p:sld xmlns:a="http://schemas.openxmlformats.org/drawingml/2006/main" xmlns:r="http://schemas.openxmlformats.org/officeDocument/2006/relationships" xmlns:p="http://schemas.openxmlformats.org/presentationml/2006/main">
+  <p:cSld>
+    <p:spTree>
+      <p:nvGrpSpPr>
+        <p:cNvPr id="1" name=""/>
+        <p:cNvGrpSpPr/>
+        <p:nvPr/>
+      </p:nvGrpSpPr>
+      <p:grpSpPr>
+        <a:xfrm>
+          <a:off x="0" y="0"/>
+          <a:ext cx="0" cy="0"/>
+          <a:chOff x="0" y="0"/>
+          <a:chExt cx="0" cy="0"/>
+        </a:xfrm>
+      </p:grpSpPr>
+      <p:sp>
+        <p:nvSpPr>
+          <p:cNvPr id="2" name="Title 1"/>
+          <p:cNvSpPr>
+            <a:spLocks noGrp="1"/>
+          </p:cNvSpPr>
+          <p:nvPr>
+            <p:ph type="title"/>
+          </p:nvPr>
+        </p:nvSpPr>
+        <p:spPr/>
+        <p:txBody>
+          <a:bodyPr vert="horz" lIns="0" rIns="0" bIns="0" anchor="b">
+            <a:normAutofit/>
+          </a:bodyPr>
+          <a:lstStyle/>
+          <a:p>
+            <a:r>
+              <a:rPr lang="en-US" dirty="0" err="1"/>
+              <a:t>Hướng</a:t>
+            </a:r>
+            <a:r>
+              <a:rPr lang="en-US" dirty="0"/>
+              <a:t> </a:t>
+            </a:r>
+            <a:r>
+              <a:rPr lang="en-US" dirty="0" err="1"/>
+              <a:t>phát</a:t>
+            </a:r>
+            <a:r>
+              <a:rPr lang="en-US" dirty="0"/>
+              <a:t> </a:t>
+            </a:r>
+            <a:r>
+              <a:rPr lang="en-US" dirty="0" err="1"/>
+              <a:t>triển</a:t>
+            </a:r>
+            <a:endParaRPr lang="vi-VN" dirty="0"/>
+          </a:p>
+        </p:txBody>
+      </p:sp>
+      <p:sp>
+        <p:nvSpPr>
+          <p:cNvPr id="3" name="Content Placeholder 2"/>
+          <p:cNvSpPr>
+            <a:spLocks noGrp="1"/>
+          </p:cNvSpPr>
+          <p:nvPr>
+            <p:ph idx="1"/>
+          </p:nvPr>
+        </p:nvSpPr>
+        <p:spPr/>
+        <p:txBody>
+          <a:bodyPr/>
+          <a:lstStyle/>
+          <a:p>
+            <a:r>
+              <a:rPr lang="en-US" dirty="0" err="1" smtClean="0"/>
+              <a:t>Hiện</a:t>
+            </a:r>
+            <a:r>
+              <a:rPr lang="en-US" dirty="0" smtClean="0"/>
+              <a:t> nay:</a:t>
+            </a:r>
+          </a:p>
+          <a:p>
+            <a:pPr lvl="1"/>
+            <a:r>
+              <a:rPr lang="vi-VN" dirty="0" smtClean="0"/>
+              <a:t>Giảm </a:t>
+            </a:r>
+            <a:r>
+              <a:rPr lang="vi-VN" dirty="0"/>
+              <a:t>tỉ lệ so khớp thất bại</a:t>
+            </a:r>
+          </a:p>
+          <a:p>
+            <a:pPr lvl="1"/>
+            <a:r>
+              <a:rPr lang="vi-VN" dirty="0" smtClean="0"/>
+              <a:t>Hạn </a:t>
+            </a:r>
+            <a:r>
+              <a:rPr lang="vi-VN" dirty="0"/>
+              <a:t>chế </a:t>
+            </a:r>
+            <a:r>
+              <a:rPr lang="vi-VN" dirty="0" smtClean="0"/>
+              <a:t>đặt </a:t>
+            </a:r>
+            <a:r>
+              <a:rPr lang="vi-VN" dirty="0"/>
+              <a:t>tay theo </a:t>
+            </a:r>
+            <a:r>
+              <a:rPr lang="vi-VN" dirty="0" smtClean="0"/>
+              <a:t>dạng mẫu</a:t>
+            </a:r>
+          </a:p>
+          <a:p>
+            <a:r>
+              <a:rPr lang="vi-VN" dirty="0" smtClean="0"/>
+              <a:t>Thương mại</a:t>
+            </a:r>
+          </a:p>
+          <a:p>
+            <a:pPr lvl="1"/>
+            <a:r>
+              <a:rPr lang="vi-VN" dirty="0" smtClean="0"/>
+              <a:t>Tăng số byte mẫu nhận dạng</a:t>
+            </a:r>
+          </a:p>
+          <a:p>
+            <a:pPr lvl="1"/>
+            <a:r>
+              <a:rPr lang="vi-VN" dirty="0" smtClean="0"/>
+              <a:t>Sử dụng thiết bị quang học có độ phân giải cao</a:t>
+            </a:r>
+          </a:p>
+          <a:p>
+            <a:r>
+              <a:rPr lang="vi-VN" dirty="0" smtClean="0"/>
+              <a:t>Nghiên cứu</a:t>
+            </a:r>
+          </a:p>
+          <a:p>
+            <a:pPr lvl="1"/>
+            <a:r>
+              <a:rPr lang="vi-VN" dirty="0" smtClean="0"/>
+              <a:t>Kết hợp 2 hướng tiếp cận</a:t>
+            </a:r>
+          </a:p>
+          <a:p>
+            <a:pPr lvl="1"/>
+            <a:r>
+              <a:rPr lang="vi-VN" dirty="0" smtClean="0"/>
+              <a:t>Kết hợp với các mô hình sinh trắc học khác</a:t>
+            </a:r>
+            <a:endParaRPr lang="vi-VN" dirty="0"/>
+          </a:p>
+          <a:p>
+            <a:pPr lvl="1"/>
+            <a:endParaRPr lang="vi-VN" dirty="0"/>
+          </a:p>
+        </p:txBody>
+      </p:sp>
+      <p:sp>
+        <p:nvSpPr>
+          <p:cNvPr id="4" name="Slide Number Placeholder 3"/>
+          <p:cNvSpPr>
+            <a:spLocks noGrp="1"/>
+          </p:cNvSpPr>
+          <p:nvPr>
+            <p:ph type="sldNum" sz="quarter" idx="12"/>
+          </p:nvPr>
+        </p:nvSpPr>
+        <p:spPr/>
+        <p:txBody>
+          <a:bodyPr/>
+          <a:lstStyle/>
+          <a:p>
+            <a:fld id="{B6F15528-21DE-4FAA-801E-634DDDAF4B2B}" type="slidenum">
+              <a:rPr lang="en-US" smtClean="0"/>
+              <a:pPr/>
+              <a:t>36</a:t>
+            </a:fld>
+            <a:endParaRPr lang="en-US"/>
+          </a:p>
+        </p:txBody>
+      </p:sp>
+    </p:spTree>
+    <p:extLst>
+      <p:ext uri="{BB962C8B-B14F-4D97-AF65-F5344CB8AC3E}">
+        <p14:creationId xmlns="" xmlns:p14="http://schemas.microsoft.com/office/powerpoint/2010/main" val="73910125"/>
+      </p:ext>
+    </p:extLst>
+  </p:cSld>
+  <p:clrMapOvr>
+    <a:masterClrMapping/>
+  </p:clrMapOvr>
+  <p:timing>
+    <p:tnLst>
+      <p:par>
+        <p:cTn id="1" dur="indefinite" restart="never" nodeType="tmRoot"/>
+      </p:par>
+    </p:tnLst>
+  </p:timing>
+</p:sld>
+</file>
+
+<file path=ppt/slides/slide37.xml><?xml version="1.0" encoding="utf-8"?>
+<p:sld xmlns:a="http://schemas.openxmlformats.org/drawingml/2006/main" xmlns:r="http://schemas.openxmlformats.org/officeDocument/2006/relationships" xmlns:p="http://schemas.openxmlformats.org/presentationml/2006/main">
+  <p:cSld>
+    <p:spTree>
+      <p:nvGrpSpPr>
+        <p:cNvPr id="1" name=""/>
+        <p:cNvGrpSpPr/>
+        <p:nvPr/>
+      </p:nvGrpSpPr>
+      <p:grpSpPr>
+        <a:xfrm>
+          <a:off x="0" y="0"/>
+          <a:ext cx="0" cy="0"/>
+          <a:chOff x="0" y="0"/>
+          <a:chExt cx="0" cy="0"/>
+        </a:xfrm>
+      </p:grpSpPr>
+      <p:sp>
+        <p:nvSpPr>
+          <p:cNvPr id="2" name="Title 1"/>
+          <p:cNvSpPr>
+            <a:spLocks noGrp="1"/>
+          </p:cNvSpPr>
+          <p:nvPr>
+            <p:ph type="title"/>
+          </p:nvPr>
+        </p:nvSpPr>
+        <p:spPr/>
+        <p:txBody>
+          <a:bodyPr/>
+          <a:lstStyle/>
+          <a:p>
+            <a:r>
+              <a:rPr lang="en-US" dirty="0" err="1" smtClean="0"/>
+              <a:t>Tài</a:t>
+            </a:r>
+            <a:r>
+              <a:rPr lang="en-US" dirty="0" smtClean="0"/>
+              <a:t> </a:t>
+            </a:r>
+            <a:r>
+              <a:rPr lang="en-US" dirty="0" err="1" smtClean="0"/>
+              <a:t>liệu</a:t>
+            </a:r>
+            <a:r>
+              <a:rPr lang="en-US" dirty="0" smtClean="0"/>
+              <a:t> </a:t>
+            </a:r>
+            <a:r>
+              <a:rPr lang="en-US" dirty="0" err="1" smtClean="0"/>
+              <a:t>tham</a:t>
+            </a:r>
+            <a:r>
+              <a:rPr lang="en-US" dirty="0" smtClean="0"/>
+              <a:t> </a:t>
+            </a:r>
+            <a:r>
+              <a:rPr lang="en-US" dirty="0" err="1" smtClean="0"/>
+              <a:t>khảo</a:t>
+            </a:r>
+            <a:endParaRPr lang="en-US" dirty="0"/>
+          </a:p>
+        </p:txBody>
+      </p:sp>
+      <p:sp>
+        <p:nvSpPr>
+          <p:cNvPr id="3" name="Content Placeholder 2"/>
+          <p:cNvSpPr>
+            <a:spLocks noGrp="1"/>
+          </p:cNvSpPr>
+          <p:nvPr>
+            <p:ph idx="1"/>
+          </p:nvPr>
+        </p:nvSpPr>
+        <p:spPr>
+          <a:xfrm>
+            <a:off x="0" y="1935480"/>
+            <a:ext cx="9144000" cy="4617720"/>
+          </a:xfrm>
+        </p:spPr>
+        <p:txBody>
+          <a:bodyPr>
+            <a:normAutofit fontScale="47500" lnSpcReduction="20000"/>
+          </a:bodyPr>
+          <a:lstStyle/>
+          <a:p>
+            <a:r>
+              <a:rPr lang="en-US" sz="3300" dirty="0"/>
+              <a:t>[</a:t>
+            </a:r>
+            <a:r>
+              <a:rPr lang="en-US" sz="3300" dirty="0" smtClean="0"/>
+              <a:t>1] </a:t>
+            </a:r>
+            <a:r>
+              <a:rPr lang="en-US" sz="3300" dirty="0" err="1" smtClean="0"/>
+              <a:t>Kresimir</a:t>
+            </a:r>
+            <a:r>
+              <a:rPr lang="en-US" sz="3300" dirty="0" smtClean="0"/>
+              <a:t> </a:t>
+            </a:r>
+            <a:r>
+              <a:rPr lang="en-US" sz="3300" dirty="0" err="1"/>
+              <a:t>Delac</a:t>
+            </a:r>
+            <a:r>
+              <a:rPr lang="en-US" sz="3300" dirty="0"/>
+              <a:t> and </a:t>
+            </a:r>
+            <a:r>
+              <a:rPr lang="en-US" sz="3300" dirty="0" err="1"/>
+              <a:t>Mislav</a:t>
+            </a:r>
+            <a:r>
+              <a:rPr lang="en-US" sz="3300" dirty="0"/>
+              <a:t> </a:t>
+            </a:r>
+            <a:r>
+              <a:rPr lang="en-US" sz="3300" dirty="0" err="1"/>
+              <a:t>Grgic</a:t>
+            </a:r>
+            <a:r>
+              <a:rPr lang="en-US" sz="3300" dirty="0"/>
+              <a:t>, "A survey of biometric recognition methods," 2004.</a:t>
+            </a:r>
+          </a:p>
+          <a:p>
+            <a:r>
+              <a:rPr lang="en-US" sz="3300" dirty="0"/>
+              <a:t>[</a:t>
+            </a:r>
+            <a:r>
+              <a:rPr lang="en-US" sz="3300" dirty="0" smtClean="0"/>
+              <a:t>2] </a:t>
+            </a:r>
+            <a:r>
+              <a:rPr lang="en-US" sz="3300" dirty="0" err="1" smtClean="0"/>
+              <a:t>Ravindra</a:t>
+            </a:r>
+            <a:r>
+              <a:rPr lang="en-US" sz="3300" dirty="0" smtClean="0"/>
+              <a:t> </a:t>
+            </a:r>
+            <a:r>
+              <a:rPr lang="en-US" sz="3300" dirty="0" err="1"/>
+              <a:t>Thool</a:t>
+            </a:r>
+            <a:r>
+              <a:rPr lang="en-US" sz="3300" dirty="0"/>
+              <a:t>, </a:t>
+            </a:r>
+            <a:r>
+              <a:rPr lang="en-US" sz="3300" dirty="0" err="1"/>
+              <a:t>Balwant</a:t>
+            </a:r>
+            <a:r>
+              <a:rPr lang="en-US" sz="3300" dirty="0"/>
+              <a:t> </a:t>
+            </a:r>
+            <a:r>
+              <a:rPr lang="en-US" sz="3300" dirty="0" err="1"/>
+              <a:t>sonkamble</a:t>
+            </a:r>
+            <a:r>
+              <a:rPr lang="en-US" sz="3300" dirty="0"/>
+              <a:t> </a:t>
+            </a:r>
+            <a:r>
+              <a:rPr lang="en-US" sz="3300" dirty="0" err="1"/>
+              <a:t>Sulochana</a:t>
+            </a:r>
+            <a:r>
+              <a:rPr lang="en-US" sz="3300" dirty="0"/>
+              <a:t> </a:t>
+            </a:r>
+            <a:r>
+              <a:rPr lang="en-US" sz="3300" dirty="0" err="1"/>
+              <a:t>Sonkamble</a:t>
+            </a:r>
+            <a:r>
+              <a:rPr lang="en-US" sz="3300" dirty="0"/>
+              <a:t>, "Survey of biometric recognition systems and their applications," Journal of Theoretical and Applied Information Technology, vol. 11, pp. 45-51.</a:t>
+            </a:r>
+          </a:p>
+          <a:p>
+            <a:r>
+              <a:rPr lang="en-US" sz="3300" dirty="0"/>
+              <a:t>[</a:t>
+            </a:r>
+            <a:r>
+              <a:rPr lang="en-US" sz="3300" dirty="0" smtClean="0"/>
+              <a:t>3] Patrick </a:t>
+            </a:r>
+            <a:r>
+              <a:rPr lang="en-US" sz="3300" dirty="0"/>
+              <a:t>Flynn, </a:t>
+            </a:r>
+            <a:r>
+              <a:rPr lang="en-US" sz="3300" dirty="0" err="1"/>
+              <a:t>Arun</a:t>
+            </a:r>
+            <a:r>
+              <a:rPr lang="en-US" sz="3300" dirty="0"/>
+              <a:t> A. Ross Anil K. Jain, Ed., Handbook of biometrics.: Springer, 2008.</a:t>
+            </a:r>
+          </a:p>
+          <a:p>
+            <a:r>
+              <a:rPr lang="en-US" sz="3300" dirty="0"/>
+              <a:t>[</a:t>
+            </a:r>
+            <a:r>
+              <a:rPr lang="en-US" sz="3300" dirty="0" smtClean="0"/>
+              <a:t>4] </a:t>
+            </a:r>
+            <a:r>
+              <a:rPr lang="en-US" sz="3300" dirty="0" err="1" smtClean="0"/>
+              <a:t>Fayyaz</a:t>
+            </a:r>
+            <a:r>
+              <a:rPr lang="en-US" sz="3300" dirty="0" smtClean="0"/>
+              <a:t> </a:t>
+            </a:r>
+            <a:r>
+              <a:rPr lang="en-US" sz="3300" dirty="0"/>
+              <a:t>A. </a:t>
+            </a:r>
+            <a:r>
+              <a:rPr lang="en-US" sz="3300" dirty="0" err="1"/>
+              <a:t>Afsar</a:t>
+            </a:r>
+            <a:r>
+              <a:rPr lang="en-US" sz="3300" dirty="0"/>
+              <a:t> </a:t>
+            </a:r>
+            <a:r>
+              <a:rPr lang="en-US" sz="3300" dirty="0" err="1"/>
+              <a:t>Qaisar</a:t>
+            </a:r>
+            <a:r>
+              <a:rPr lang="en-US" sz="3300" dirty="0"/>
+              <a:t> N. Ashraf, "Person Identification based on Palm and Hand Geometry,".</a:t>
+            </a:r>
+          </a:p>
+          <a:p>
+            <a:r>
+              <a:rPr lang="en-US" sz="3300" dirty="0"/>
+              <a:t>[</a:t>
+            </a:r>
+            <a:r>
+              <a:rPr lang="en-US" sz="3300" dirty="0" smtClean="0"/>
+              <a:t>5] Asker </a:t>
+            </a:r>
+            <a:r>
+              <a:rPr lang="en-US" sz="3300" dirty="0"/>
+              <a:t>M. </a:t>
+            </a:r>
+            <a:r>
+              <a:rPr lang="en-US" sz="3300" dirty="0" err="1"/>
+              <a:t>Bazen</a:t>
+            </a:r>
+            <a:r>
+              <a:rPr lang="en-US" sz="3300" dirty="0"/>
+              <a:t>, </a:t>
+            </a:r>
+            <a:r>
+              <a:rPr lang="en-US" sz="3300" dirty="0" err="1"/>
+              <a:t>Wim</a:t>
+            </a:r>
+            <a:r>
+              <a:rPr lang="en-US" sz="3300" dirty="0"/>
+              <a:t> </a:t>
+            </a:r>
+            <a:r>
+              <a:rPr lang="en-US" sz="3300" dirty="0" err="1"/>
+              <a:t>Booij</a:t>
+            </a:r>
+            <a:r>
+              <a:rPr lang="en-US" sz="3300" dirty="0"/>
+              <a:t>, Anne </a:t>
+            </a:r>
+            <a:r>
+              <a:rPr lang="en-US" sz="3300" dirty="0" err="1"/>
+              <a:t>Hendrikse</a:t>
+            </a:r>
+            <a:r>
+              <a:rPr lang="en-US" sz="3300" dirty="0"/>
+              <a:t> Raymond N. J. </a:t>
+            </a:r>
+            <a:r>
+              <a:rPr lang="en-US" sz="3300" dirty="0" err="1"/>
+              <a:t>Veldhuis</a:t>
+            </a:r>
+            <a:r>
+              <a:rPr lang="en-US" sz="3300" dirty="0"/>
+              <a:t>, "Hand-geometry Recognition Based on Contour Landmarks," Data and Information Analysis to Knowledge Engineering, Proceedings of the 29th Annual Conference of the </a:t>
+            </a:r>
+            <a:r>
+              <a:rPr lang="en-US" sz="3300" dirty="0" err="1"/>
+              <a:t>Gesellschaft</a:t>
+            </a:r>
+            <a:r>
+              <a:rPr lang="en-US" sz="3300" dirty="0"/>
+              <a:t>, 2005.</a:t>
+            </a:r>
+          </a:p>
+          <a:p>
+            <a:r>
+              <a:rPr lang="en-US" sz="3300" dirty="0"/>
+              <a:t>[</a:t>
+            </a:r>
+            <a:r>
+              <a:rPr lang="en-US" sz="3300" dirty="0" smtClean="0"/>
+              <a:t>6] N</a:t>
+            </a:r>
+            <a:r>
+              <a:rPr lang="en-US" sz="3300" dirty="0"/>
+              <a:t>. Otsu, "A Threshold Selection Method from Gray-Level Histograms," IEEE Transactions on Systems, Man, and Cybernetics, vol. 9, no. 1, pp. 62-66, 1979.</a:t>
+            </a:r>
+          </a:p>
+          <a:p>
+            <a:r>
+              <a:rPr lang="en-US" sz="3300" dirty="0"/>
+              <a:t>[</a:t>
+            </a:r>
+            <a:r>
+              <a:rPr lang="en-US" sz="3300" dirty="0" smtClean="0"/>
+              <a:t>7] J</a:t>
+            </a:r>
+            <a:r>
+              <a:rPr lang="en-US" sz="3300" dirty="0"/>
+              <a:t>. Canny, "A Computational Approach To Edge Detection," IEEE Trans. Pattern Analysis and Machine Intelligence, pp. 679–698, 1986.</a:t>
+            </a:r>
+          </a:p>
+          <a:p>
+            <a:r>
+              <a:rPr lang="en-US" sz="3300" dirty="0"/>
+              <a:t>[</a:t>
+            </a:r>
+            <a:r>
+              <a:rPr lang="en-US" sz="3300" dirty="0" smtClean="0"/>
+              <a:t>8] K</a:t>
+            </a:r>
+            <a:r>
+              <a:rPr lang="en-US" sz="3300" dirty="0"/>
+              <a:t>. Abe S. Suzuki, "Topological Structural Analysis of Digitized Binary Images by Border Following," CVGIP, pp. 32-46, 1985.</a:t>
+            </a:r>
+          </a:p>
+          <a:p>
+            <a:endParaRPr lang="en-US" dirty="0"/>
+          </a:p>
+        </p:txBody>
+      </p:sp>
+      <p:sp>
+        <p:nvSpPr>
+          <p:cNvPr id="4" name="Slide Number Placeholder 3"/>
+          <p:cNvSpPr>
+            <a:spLocks noGrp="1"/>
+          </p:cNvSpPr>
+          <p:nvPr>
+            <p:ph type="sldNum" sz="quarter" idx="12"/>
+          </p:nvPr>
+        </p:nvSpPr>
+        <p:spPr/>
+        <p:txBody>
+          <a:bodyPr/>
+          <a:lstStyle/>
+          <a:p>
+            <a:fld id="{B6F15528-21DE-4FAA-801E-634DDDAF4B2B}" type="slidenum">
+              <a:rPr lang="en-US" smtClean="0"/>
+              <a:pPr/>
+              <a:t>37</a:t>
             </a:fld>
             <a:endParaRPr lang="en-US"/>
           </a:p>
@@ -16651,7 +17250,7 @@
           <a:blip r:embed="rId2" cstate="print">
             <a:extLst>
               <a:ext uri="{28A0092B-C50C-407E-A947-70E740481C1C}">
-                <a14:useLocalDpi xmlns:a14="http://schemas.microsoft.com/office/drawing/2010/main" xmlns="" val="0"/>
+                <a14:useLocalDpi xmlns="" xmlns:a14="http://schemas.microsoft.com/office/drawing/2010/main" val="0"/>
               </a:ext>
             </a:extLst>
           </a:blip>
@@ -16675,14 +17274,14 @@
           <a:effectLst/>
           <a:extLst>
             <a:ext uri="{909E8E84-426E-40DD-AFC4-6F175D3DCCD1}">
-              <a14:hiddenFill xmlns:a14="http://schemas.microsoft.com/office/drawing/2010/main" xmlns="">
+              <a14:hiddenFill xmlns="" xmlns:a14="http://schemas.microsoft.com/office/drawing/2010/main">
                 <a:solidFill>
                   <a:schemeClr val="accent1"/>
                 </a:solidFill>
               </a14:hiddenFill>
             </a:ext>
             <a:ext uri="{91240B29-F687-4F45-9708-019B960494DF}">
-              <a14:hiddenLine xmlns:a14="http://schemas.microsoft.com/office/drawing/2010/main" xmlns="" w="9525">
+              <a14:hiddenLine xmlns="" xmlns:a14="http://schemas.microsoft.com/office/drawing/2010/main" w="9525">
                 <a:solidFill>
                   <a:schemeClr val="tx1"/>
                 </a:solidFill>
@@ -16692,7 +17291,7 @@
               </a14:hiddenLine>
             </a:ext>
             <a:ext uri="{AF507438-7753-43E0-B8FC-AC1667EBCBE1}">
-              <a14:hiddenEffects xmlns:a14="http://schemas.microsoft.com/office/drawing/2010/main" xmlns="">
+              <a14:hiddenEffects xmlns="" xmlns:a14="http://schemas.microsoft.com/office/drawing/2010/main">
                 <a:effectLst>
                   <a:outerShdw dist="35921" dir="2700000" algn="ctr" rotWithShape="0">
                     <a:schemeClr val="bg2"/>
@@ -16715,7 +17314,7 @@
           <a:blip r:embed="rId3" cstate="print">
             <a:extLst>
               <a:ext uri="{28A0092B-C50C-407E-A947-70E740481C1C}">
-                <a14:useLocalDpi xmlns:a14="http://schemas.microsoft.com/office/drawing/2010/main" xmlns="" val="0"/>
+                <a14:useLocalDpi xmlns="" xmlns:a14="http://schemas.microsoft.com/office/drawing/2010/main" val="0"/>
               </a:ext>
             </a:extLst>
           </a:blip>
@@ -16739,14 +17338,14 @@
           <a:effectLst/>
           <a:extLst>
             <a:ext uri="{909E8E84-426E-40DD-AFC4-6F175D3DCCD1}">
-              <a14:hiddenFill xmlns:a14="http://schemas.microsoft.com/office/drawing/2010/main" xmlns="">
+              <a14:hiddenFill xmlns="" xmlns:a14="http://schemas.microsoft.com/office/drawing/2010/main">
                 <a:solidFill>
                   <a:schemeClr val="accent1"/>
                 </a:solidFill>
               </a14:hiddenFill>
             </a:ext>
             <a:ext uri="{91240B29-F687-4F45-9708-019B960494DF}">
-              <a14:hiddenLine xmlns:a14="http://schemas.microsoft.com/office/drawing/2010/main" xmlns="" w="9525">
+              <a14:hiddenLine xmlns="" xmlns:a14="http://schemas.microsoft.com/office/drawing/2010/main" w="9525">
                 <a:solidFill>
                   <a:schemeClr val="tx1"/>
                 </a:solidFill>
@@ -16756,7 +17355,7 @@
               </a14:hiddenLine>
             </a:ext>
             <a:ext uri="{AF507438-7753-43E0-B8FC-AC1667EBCBE1}">
-              <a14:hiddenEffects xmlns:a14="http://schemas.microsoft.com/office/drawing/2010/main" xmlns="">
+              <a14:hiddenEffects xmlns="" xmlns:a14="http://schemas.microsoft.com/office/drawing/2010/main">
                 <a:effectLst>
                   <a:outerShdw dist="35921" dir="2700000" algn="ctr" rotWithShape="0">
                     <a:schemeClr val="bg2"/>
@@ -16779,7 +17378,7 @@
           <a:blip r:embed="rId4" cstate="print">
             <a:extLst>
               <a:ext uri="{28A0092B-C50C-407E-A947-70E740481C1C}">
-                <a14:useLocalDpi xmlns:a14="http://schemas.microsoft.com/office/drawing/2010/main" xmlns="" val="0"/>
+                <a14:useLocalDpi xmlns="" xmlns:a14="http://schemas.microsoft.com/office/drawing/2010/main" val="0"/>
               </a:ext>
             </a:extLst>
           </a:blip>
@@ -16803,14 +17402,14 @@
           <a:effectLst/>
           <a:extLst>
             <a:ext uri="{909E8E84-426E-40DD-AFC4-6F175D3DCCD1}">
-              <a14:hiddenFill xmlns:a14="http://schemas.microsoft.com/office/drawing/2010/main" xmlns="">
+              <a14:hiddenFill xmlns="" xmlns:a14="http://schemas.microsoft.com/office/drawing/2010/main">
                 <a:solidFill>
                   <a:schemeClr val="accent1"/>
                 </a:solidFill>
               </a14:hiddenFill>
             </a:ext>
             <a:ext uri="{91240B29-F687-4F45-9708-019B960494DF}">
-              <a14:hiddenLine xmlns:a14="http://schemas.microsoft.com/office/drawing/2010/main" xmlns="" w="9525">
+              <a14:hiddenLine xmlns="" xmlns:a14="http://schemas.microsoft.com/office/drawing/2010/main" w="9525">
                 <a:solidFill>
                   <a:schemeClr val="tx1"/>
                 </a:solidFill>
@@ -16820,7 +17419,7 @@
               </a14:hiddenLine>
             </a:ext>
             <a:ext uri="{AF507438-7753-43E0-B8FC-AC1667EBCBE1}">
-              <a14:hiddenEffects xmlns:a14="http://schemas.microsoft.com/office/drawing/2010/main" xmlns="">
+              <a14:hiddenEffects xmlns="" xmlns:a14="http://schemas.microsoft.com/office/drawing/2010/main">
                 <a:effectLst>
                   <a:outerShdw dist="35921" dir="2700000" algn="ctr" rotWithShape="0">
                     <a:schemeClr val="bg2"/>
@@ -17557,7 +18156,7 @@
           <a:blip r:embed="rId2" cstate="print">
             <a:extLst>
               <a:ext uri="{28A0092B-C50C-407E-A947-70E740481C1C}">
-                <a14:useLocalDpi xmlns:a14="http://schemas.microsoft.com/office/drawing/2010/main" xmlns="" val="0"/>
+                <a14:useLocalDpi xmlns="" xmlns:a14="http://schemas.microsoft.com/office/drawing/2010/main" val="0"/>
               </a:ext>
             </a:extLst>
           </a:blip>
@@ -17581,14 +18180,14 @@
           <a:effectLst/>
           <a:extLst>
             <a:ext uri="{909E8E84-426E-40DD-AFC4-6F175D3DCCD1}">
-              <a14:hiddenFill xmlns:a14="http://schemas.microsoft.com/office/drawing/2010/main" xmlns="">
+              <a14:hiddenFill xmlns="" xmlns:a14="http://schemas.microsoft.com/office/drawing/2010/main">
                 <a:solidFill>
                   <a:schemeClr val="accent1"/>
                 </a:solidFill>
               </a14:hiddenFill>
             </a:ext>
             <a:ext uri="{91240B29-F687-4F45-9708-019B960494DF}">
-              <a14:hiddenLine xmlns:a14="http://schemas.microsoft.com/office/drawing/2010/main" xmlns="" w="9525">
+              <a14:hiddenLine xmlns="" xmlns:a14="http://schemas.microsoft.com/office/drawing/2010/main" w="9525">
                 <a:solidFill>
                   <a:schemeClr val="tx1"/>
                 </a:solidFill>
@@ -17598,7 +18197,7 @@
               </a14:hiddenLine>
             </a:ext>
             <a:ext uri="{AF507438-7753-43E0-B8FC-AC1667EBCBE1}">
-              <a14:hiddenEffects xmlns:a14="http://schemas.microsoft.com/office/drawing/2010/main" xmlns="">
+              <a14:hiddenEffects xmlns="" xmlns:a14="http://schemas.microsoft.com/office/drawing/2010/main">
                 <a:effectLst>
                   <a:outerShdw dist="35921" dir="2700000" algn="ctr" rotWithShape="0">
                     <a:schemeClr val="bg2"/>
@@ -18159,7 +18758,7 @@
     </p:spTree>
     <p:extLst>
       <p:ext uri="{BB962C8B-B14F-4D97-AF65-F5344CB8AC3E}">
-        <p14:creationId xmlns:p14="http://schemas.microsoft.com/office/powerpoint/2010/main" xmlns="" val="1590311507"/>
+        <p14:creationId xmlns="" xmlns:p14="http://schemas.microsoft.com/office/powerpoint/2010/main" val="1590311507"/>
       </p:ext>
     </p:extLst>
   </p:cSld>
@@ -18945,7 +19544,7 @@
     </p:spTree>
     <p:extLst>
       <p:ext uri="{BB962C8B-B14F-4D97-AF65-F5344CB8AC3E}">
-        <p14:creationId xmlns:p14="http://schemas.microsoft.com/office/powerpoint/2010/main" xmlns="" val="1272277284"/>
+        <p14:creationId xmlns="" xmlns:p14="http://schemas.microsoft.com/office/powerpoint/2010/main" val="1272277284"/>
       </p:ext>
     </p:extLst>
   </p:cSld>
@@ -19491,7 +20090,7 @@
     </p:spTree>
     <p:extLst>
       <p:ext uri="{BB962C8B-B14F-4D97-AF65-F5344CB8AC3E}">
-        <p14:creationId xmlns:p14="http://schemas.microsoft.com/office/powerpoint/2010/main" xmlns="" val="2576316791"/>
+        <p14:creationId xmlns="" xmlns:p14="http://schemas.microsoft.com/office/powerpoint/2010/main" val="2576316791"/>
       </p:ext>
     </p:extLst>
   </p:cSld>
@@ -19686,7 +20285,7 @@
     </p:spTree>
     <p:extLst>
       <p:ext uri="{BB962C8B-B14F-4D97-AF65-F5344CB8AC3E}">
-        <p14:creationId xmlns:p14="http://schemas.microsoft.com/office/powerpoint/2010/main" xmlns="" val="4197966627"/>
+        <p14:creationId xmlns="" xmlns:p14="http://schemas.microsoft.com/office/powerpoint/2010/main" val="4197966627"/>
       </p:ext>
     </p:extLst>
   </p:cSld>
@@ -19853,7 +20452,7 @@
           <a:blip r:embed="rId2" cstate="print">
             <a:extLst>
               <a:ext uri="{28A0092B-C50C-407E-A947-70E740481C1C}">
-                <a14:useLocalDpi xmlns:a14="http://schemas.microsoft.com/office/drawing/2010/main" xmlns="" val="0"/>
+                <a14:useLocalDpi xmlns="" xmlns:a14="http://schemas.microsoft.com/office/drawing/2010/main" val="0"/>
               </a:ext>
             </a:extLst>
           </a:blip>
@@ -19877,14 +20476,14 @@
           <a:effectLst/>
           <a:extLst>
             <a:ext uri="{909E8E84-426E-40DD-AFC4-6F175D3DCCD1}">
-              <a14:hiddenFill xmlns:a14="http://schemas.microsoft.com/office/drawing/2010/main" xmlns="">
+              <a14:hiddenFill xmlns="" xmlns:a14="http://schemas.microsoft.com/office/drawing/2010/main">
                 <a:solidFill>
                   <a:schemeClr val="accent1"/>
                 </a:solidFill>
               </a14:hiddenFill>
             </a:ext>
             <a:ext uri="{91240B29-F687-4F45-9708-019B960494DF}">
-              <a14:hiddenLine xmlns:a14="http://schemas.microsoft.com/office/drawing/2010/main" xmlns="" w="9525">
+              <a14:hiddenLine xmlns="" xmlns:a14="http://schemas.microsoft.com/office/drawing/2010/main" w="9525">
                 <a:solidFill>
                   <a:schemeClr val="tx1"/>
                 </a:solidFill>
@@ -19894,7 +20493,7 @@
               </a14:hiddenLine>
             </a:ext>
             <a:ext uri="{AF507438-7753-43E0-B8FC-AC1667EBCBE1}">
-              <a14:hiddenEffects xmlns:a14="http://schemas.microsoft.com/office/drawing/2010/main" xmlns="">
+              <a14:hiddenEffects xmlns="" xmlns:a14="http://schemas.microsoft.com/office/drawing/2010/main">
                 <a:effectLst>
                   <a:outerShdw dist="35921" dir="2700000" algn="ctr" rotWithShape="0">
                     <a:schemeClr val="bg2"/>
@@ -20019,7 +20618,7 @@
           <a:blip r:embed="rId3" cstate="print">
             <a:extLst>
               <a:ext uri="{28A0092B-C50C-407E-A947-70E740481C1C}">
-                <a14:useLocalDpi xmlns:a14="http://schemas.microsoft.com/office/drawing/2010/main" xmlns="" val="0"/>
+                <a14:useLocalDpi xmlns="" xmlns:a14="http://schemas.microsoft.com/office/drawing/2010/main" val="0"/>
               </a:ext>
             </a:extLst>
           </a:blip>
@@ -20043,14 +20642,14 @@
           <a:effectLst/>
           <a:extLst>
             <a:ext uri="{909E8E84-426E-40DD-AFC4-6F175D3DCCD1}">
-              <a14:hiddenFill xmlns:a14="http://schemas.microsoft.com/office/drawing/2010/main" xmlns="">
+              <a14:hiddenFill xmlns="" xmlns:a14="http://schemas.microsoft.com/office/drawing/2010/main">
                 <a:solidFill>
                   <a:schemeClr val="accent1"/>
                 </a:solidFill>
               </a14:hiddenFill>
             </a:ext>
             <a:ext uri="{91240B29-F687-4F45-9708-019B960494DF}">
-              <a14:hiddenLine xmlns:a14="http://schemas.microsoft.com/office/drawing/2010/main" xmlns="" w="9525">
+              <a14:hiddenLine xmlns="" xmlns:a14="http://schemas.microsoft.com/office/drawing/2010/main" w="9525">
                 <a:solidFill>
                   <a:schemeClr val="tx1"/>
                 </a:solidFill>
@@ -20060,7 +20659,7 @@
               </a14:hiddenLine>
             </a:ext>
             <a:ext uri="{AF507438-7753-43E0-B8FC-AC1667EBCBE1}">
-              <a14:hiddenEffects xmlns:a14="http://schemas.microsoft.com/office/drawing/2010/main" xmlns="">
+              <a14:hiddenEffects xmlns="" xmlns:a14="http://schemas.microsoft.com/office/drawing/2010/main">
                 <a:effectLst>
                   <a:outerShdw dist="35921" dir="2700000" algn="ctr" rotWithShape="0">
                     <a:schemeClr val="bg2"/>
